--- a/doc/spec/log_parser.pptx
+++ b/doc/spec/log_parser.pptx
@@ -237,7 +237,7 @@
             <a:spLocks noGrp="1" noChangeArrowheads="1"/>
             <a:extLst>
               <a:ext uri="smNativeData">
-                <pr:smNativeData xmlns:pr="smNativeData" val="SMDATA_13_yiIeXxMAAAAlAAAAZAAAAA8BAAAAkAAAAEgAAACQAAAASAAAAAAAAAABAAAAAAAAAAEAAABQAAAAAAAAAAAA4D8AAAAAAADgPwAAAAAAAOA/AAAAAAAA4D8AAAAAAADgPwAAAAAAAOA/AAAAAAAA4D8AAAAAAADgPwAAAAAAAOA/AAAAAAAA4D8CAAAAjAAAAAAAAAAAAAAAu+DjDP///wgAAAAAAAAAAAAAAAAAAAAAAAAAAAAAAAAAAAAAZAAAAAEAAABAAAAAAAAAAAAAAAAAAAAAAAAAAAAAAAAAAAAAAAAAAAAAAAAAAAAAAAAAAAAAAAAAAAAAAAAAAAAAAAAAAAAAAAAAAAAAAAAAAAAAAAAAAAAAAAAAAAAAFAAAADwAAAAAAAAAAAAAAAAAAAkUAAAAAQAAABQAAAAUAAAAFAAAAAEAAAAAAAAAZAAAAGQAAAAAAAAAZAAAAGQAAAAVAAAAYAAAAAAAAAAAAAAADwAAACADAAAAAAAAAAAAAAEAAACgMgAAVgcAAKr4//8BAAAAf39/AAEAAABkAAAAAAAAABQAAABAHwAAAAAAACYAAAAAAAAAwOD//wAAAAAmAAAAZAAAABYAAABMAAAAAAAAAAAAAAAEAAAAAAAAAAEAAACAgIAKAAAAACgAAAAoAAAAZAAAAGQAAAAAAAAAzMzMAAAAAABQAAAAUAAAAGQAAABkAAAAAAAAABcAAAAUAAAAAAAAAAAAAAD/fwAA/38AAAAAAAAJAAAABAAAAAAAAAAMAAAAEAAAAAAAAAAAAAAAAAAAAAAAAAAeAAAAaAAAAAAAAAAAAAAAAAAAAAAAAAAAAAAAECcAABAnAAAAAAAAAAAAAAAAAAAAAAAAAAAAAAAAAAAAAAAAAAAAABQAAAAAAAAAwMD/AAAAAABkAAAAMgAAAAAAAABkAAAAAAAAAH9/fwAKAAAAHwAAAFQAAAAAAAAFAAAAAQAAAAAAAAAAAAAAAAAAAAAAAAAAAAAAAAAAAAAAAAAAAAAAAn9/fwAAAAADzMzMAMDA/wB/f38AAAAAAAAAAAAAAAAAAAAAAAAAAAAhAAAAGAAAABQAAADvBAAAcQ4AANk8AABrGAAAEAAAACYAAAAIAAAAAQAAAAAAAAA="/>
+                <pr:smNativeData xmlns:pr="smNativeData" val="SMDATA_13_3GgiXxMAAAAlAAAAZAAAAA8BAAAAkAAAAEgAAACQAAAASAAAAAAAAAABAAAAAAAAAAEAAABQAAAAAAAAAAAA4D8AAAAAAADgPwAAAAAAAOA/AAAAAAAA4D8AAAAAAADgPwAAAAAAAOA/AAAAAAAA4D8AAAAAAADgPwAAAAAAAOA/AAAAAAAA4D8CAAAAjAAAAAAAAAAAAAAAu+DjDP///wgAAAAAAAAAAAAAAAAAAAAAAAAAAAAAAAAAAAAAZAAAAAEAAABAAAAAAAAAAAAAAAAAAAAAAAAAAAAAAAAAAAAAAAAAAAAAAAAAAAAAAAAAAAAAAAAAAAAAAAAAAAAAAAAAAAAAAAAAAAAAAAAAAAAAAAAAAAAAAAAAAAAAFAAAADwAAAAAAAAAAAAAAAAAAAkUAAAAAQAAABQAAAAUAAAAFAAAAAEAAAAAAAAAZAAAAGQAAAAAAAAAZAAAAGQAAAAVAAAAYAAAAAAAAAAAAAAADwAAACADAAAAAAAAAAAAAAEAAACgMgAAVgcAAKr4//8BAAAAf39/AAEAAABkAAAAAAAAABQAAABAHwAAAAAAACYAAAAAAAAAwOD//wAAAAAmAAAAZAAAABYAAABMAAAAAAAAAAAAAAAEAAAAAAAAAAEAAACAgIAKAAAAACgAAAAoAAAAZAAAAGQAAAAAAAAAzMzMAAAAAABQAAAAUAAAAGQAAABkAAAAAAAAABcAAAAUAAAAAAAAAAAAAAD/fwAA/38AAAAAAAAJAAAABAAAAAAAAAAMAAAAEAAAAAAAAAAAAAAAAAAAAAAAAAAeAAAAaAAAAAAAAAAAAAAAAAAAAAAAAAAAAAAAECcAABAnAAAAAAAAAAAAAAAAAAAAAAAAAAAAAAAAAAAAAAAAAAAAABQAAAAAAAAAwMD/AAAAAABkAAAAMgAAAAAAAABkAAAAAAAAAH9/fwAKAAAAHwAAAFQAAAAAAAAFAAAAAQAAAAAAAAAAAAAAAAAAAAAAAAAAAAAAAAAAAAAAAAAAAAAAAn9/fwAAAAADzMzMAMDA/wB/f38AAAAAAAAAAAAAAAAAAAAAAAAAAAAhAAAAGAAAABQAAADvBAAAcQ4AANk8AABrGAAAEAAAACYAAAAIAAAAAQAAAAAAAAA="/>
               </a:ext>
             </a:extLst>
           </p:cNvSpPr>
@@ -269,7 +269,7 @@
             <a:spLocks noGrp="1" noChangeArrowheads="1"/>
             <a:extLst>
               <a:ext uri="smNativeData">
-                <pr:smNativeData xmlns:pr="smNativeData" val="SMDATA_13_yiIeXxMAAAAlAAAAZAAAAA8BAAAAkAAAAEgAAACQAAAASAAAAAAAAAAAAAAAAAAAAAEAAABQAAAAAAAAAAAA4D8AAAAAAADgPwAAAAAAAOA/AAAAAAAA4D8AAAAAAADgPwAAAAAAAOA/AAAAAAAA4D8AAAAAAADgPwAAAAAAAOA/AAAAAAAA4D8CAAAAjAAAAAAAAAAAAAAAu+DjDP///wgAAAAAAAAAAAAAAAAAAAAAAAAAAAAAAAAAAAAAZAAAAAEAAABAAAAAAAAAAAAAAAAAAAAAAAAAAAAAAAAAAAAAAAAAAAAAAAAAAAAAAAAAAAAAAAAAAAAAAAAAAAAAAAAAAAAAAAAAAAAAAAAAAAAAAAAAAAAAAAAAAAAAFAAAADwAAAAAAAAAAAAAAAAAAAkUAAAAAQAAABQAAAAUAAAAFAAAAAEAAAAAAAAAZAAAAGQAAAAAAAAAZAAAAGQAAAAVAAAAYAAAAAAAAAAAAAAADwAAACADAAAAAAAAAAAAAAEAAACgMgAAVgcAAKr4//8BAAAAf39/AAEAAABkAAAAAAAAABQAAABAHwAAAAAAACYAAAAAAAAAwOD//wAAAAAmAAAAZAAAABYAAABMAAAAAAAAAAAAAAAEAAAAAAAAAAEAAACAgIAKAAAAACgAAAAoAAAAZAAAAGQAAAAAAAAAzMzMAAAAAABQAAAAUAAAAGQAAABkAAAAAAAAABcAAAAUAAAAAAAAAAAAAAD/fwAA/38AAAAAAAAJAAAABAAAAAAAAAAMAAAAEAAAAAAAAAAAAAAAAAAAAAAAAAAeAAAAaAAAAAAAAAAAAAAAAAAAAAAAAAAAAAAAECcAABAnAAAAAAAAAAAAAAAAAAAAAAAAAAAAAAAAAAAAAAAAAAAAABQAAAAAAAAAwMD/AAAAAABkAAAAMgAAAAAAAABkAAAAAAAAAH9/fwAKAAAAHwAAAFQAAAAAAAAFAAAAAQAAAAAAAAAAAAAAAAAAAAAAAAAAAAAAAAAAAAAAAAAAAAAAAn9/fwAAAAADzMzMAMDA/wB/f38AAAAAAAAAAAAAAAAAAAAAAAAAAAAhAAAAGAAAABQAAADeCQAAWxoAAOo3AAA+JgAAEAAAACYAAAAIAAAAAYAAAAAAAAA="/>
+                <pr:smNativeData xmlns:pr="smNativeData" val="SMDATA_13_3GgiXxMAAAAlAAAAZAAAAA8BAAAAkAAAAEgAAACQAAAASAAAAAAAAAAAAAAAAAAAAAEAAABQAAAAAAAAAAAA4D8AAAAAAADgPwAAAAAAAOA/AAAAAAAA4D8AAAAAAADgPwAAAAAAAOA/AAAAAAAA4D8AAAAAAADgPwAAAAAAAOA/AAAAAAAA4D8CAAAAjAAAAAAAAAAAAAAAu+DjDP///wgAAAAAAAAAAAAAAAAAAAAAAAAAAAAAAAAAAAAAZAAAAAEAAABAAAAAAAAAAAAAAAAAAAAAAAAAAAAAAAAAAAAAAAAAAAAAAAAAAAAAAAAAAAAAAAAAAAAAAAAAAAAAAAAAAAAAAAAAAAAAAAAAAAAAAAAAAAAAAAAAAAAAFAAAADwAAAAAAAAAAAAAAAAAAAkUAAAAAQAAABQAAAAUAAAAFAAAAAEAAAAAAAAAZAAAAGQAAAAAAAAAZAAAAGQAAAAVAAAAYAAAAAAAAAAAAAAADwAAACADAAAAAAAAAAAAAAEAAACgMgAAVgcAAKr4//8BAAAAf39/AAEAAABkAAAAAAAAABQAAABAHwAAAAAAACYAAAAAAAAAwOD//wAAAAAmAAAAZAAAABYAAABMAAAAAAAAAAAAAAAEAAAAAAAAAAEAAACAgIAKAAAAACgAAAAoAAAAZAAAAGQAAAAAAAAAzMzMAAAAAABQAAAAUAAAAGQAAABkAAAAAAAAABcAAAAUAAAAAAAAAAAAAAD/fwAA/38AAAAAAAAJAAAABAAAAAAAAAAMAAAAEAAAAAAAAAAAAAAAAAAAAAAAAAAeAAAAaAAAAAAAAAAAAAAAAAAAAAAAAAAAAAAAECcAABAnAAAAAAAAAAAAAAAAAAAAAAAAAAAAAAAAAAAAAAAAAAAAABQAAAAAAAAAwMD/AAAAAABkAAAAMgAAAAAAAABkAAAAAAAAAH9/fwAKAAAAHwAAAFQAAAAAAAAFAAAAAQAAAAAAAAAAAAAAAAAAAAAAAAAAAAAAAAAAAAAAAAAAAAAAAn9/fwAAAAADzMzMAMDA/wB/f38AAAAAAAAAAAAAAAAAAAAAAAAAAAAhAAAAGAAAABQAAADeCQAAWxoAAOo3AAA+JgAAEAAAACYAAAAIAAAAAYAAAAAAAAA="/>
               </a:ext>
             </a:extLst>
           </p:cNvSpPr>
@@ -329,7 +329,7 @@
             <a:spLocks noGrp="1" noChangeArrowheads="1"/>
             <a:extLst>
               <a:ext uri="smNativeData">
-                <pr:smNativeData xmlns:pr="smNativeData" val="SMDATA_13_yiIeXxMAAAAlAAAAZAAAAA8BAAAAkAAAAEgAAACQAAAASAAAAAAAAAABAAAAAAAAAAEAAABQAAAAAAAAAAAA4D8AAAAAAADgPwAAAAAAAOA/AAAAAAAA4D8AAAAAAADgPwAAAAAAAOA/AAAAAAAA4D8AAAAAAADgPwAAAAAAAOA/AAAAAAAA4D8CAAAAjAAAAAAAAAAAAAAAu+DjDP///wgAAAAAAAAAAAAAAAAAAAAAAAAAAAAAAAAAAAAAZAAAAAEAAABAAAAAAAAAAAAAAAAAAAAAAAAAAAAAAAAAAAAAAAAAAAAAAAAAAAAAAAAAAAAAAAAAAAAAAAAAAAAAAAAAAAAAAAAAAAAAAAAAAAAAAAAAAAAAAAAAAAAAFAAAADwAAAAAAAAAAAAAAAAAAAkUAAAAAQAAABQAAAAUAAAAFAAAAAEAAAAAAAAAZAAAAGQAAAAAAAAAZAAAAGQAAAAVAAAAYAAAAAAAAAAAAAAADwAAACADAAAAAAAAAAAAAAEAAACgMgAAVgcAAKr4//8BAAAAf39/AAEAAABkAAAAAAAAABQAAABAHwAAAAAAACYAAAAAAAAAwOD//wAAAAAmAAAAZAAAABYAAABMAAAAAAAAAAAAAAAEAAAAAAAAAAEAAACAgIAKAAAAACgAAAAoAAAAZAAAAGQAAAAAAAAAzMzMAAAAAABQAAAAUAAAAGQAAABkAAAAAAAAABcAAAAUAAAAAAAAAAAAAAD/fwAA/38AAAAAAAAJAAAABAAAAIKk44MMAAAAEAAAAAAAAAAAAAAAAAAAAAAAAAAeAAAAaAAAAAAAAAAAAAAAAAAAAAAAAAAAAAAAECcAABAnAAAAAAAAAAAAAAAAAAAAAAAAAAAAAAAAAAAAAAAAAAAAABQAAAAAAAAAwMD/AAAAAABkAAAAMgAAAAAAAABkAAAAAAAAAH9/fwAKAAAAHwAAAFQAAAAAAAAFAAAAAQAAAAAAAAAAAAAAAAAAAAAAAAAAAAAAAAAAAAAAAAAAAAAAAn9/fwAAAAADzMzMAMDA/wB/f38AAAAAAAAAAAAAAAAAAAAAAAAAAAAhAAAAGAAAABQAAABKAwAAHSsAAKMSAACVLQAAEAAAACYAAAAIAAAAAAAAAAAAAAA="/>
+                <pr:smNativeData xmlns:pr="smNativeData" val="SMDATA_13_3GgiXxMAAAAlAAAAZAAAAA8BAAAAkAAAAEgAAACQAAAASAAAAAAAAAABAAAAAAAAAAEAAABQAAAAAAAAAAAA4D8AAAAAAADgPwAAAAAAAOA/AAAAAAAA4D8AAAAAAADgPwAAAAAAAOA/AAAAAAAA4D8AAAAAAADgPwAAAAAAAOA/AAAAAAAA4D8CAAAAjAAAAAAAAAAAAAAAu+DjDP///wgAAAAAAAAAAAAAAAAAAAAAAAAAAAAAAAAAAAAAZAAAAAEAAABAAAAAAAAAAAAAAAAAAAAAAAAAAAAAAAAAAAAAAAAAAAAAAAAAAAAAAAAAAAAAAAAAAAAAAAAAAAAAAAAAAAAAAAAAAAAAAAAAAAAAAAAAAAAAAAAAAAAAFAAAADwAAAAAAAAAAAAAAAAAAAkUAAAAAQAAABQAAAAUAAAAFAAAAAEAAAAAAAAAZAAAAGQAAAAAAAAAZAAAAGQAAAAVAAAAYAAAAAAAAAAAAAAADwAAACADAAAAAAAAAAAAAAEAAACgMgAAVgcAAKr4//8BAAAAf39/AAEAAABkAAAAAAAAABQAAABAHwAAAAAAACYAAAAAAAAAwOD//wAAAAAmAAAAZAAAABYAAABMAAAAAAAAAAAAAAAEAAAAAAAAAAEAAACAgIAKAAAAACgAAAAoAAAAZAAAAGQAAAAAAAAAzMzMAAAAAABQAAAAUAAAAGQAAABkAAAAAAAAABcAAAAUAAAAAAAAAAAAAAD/fwAA/38AAAAAAAAJAAAABAAAAIKk44MMAAAAEAAAAAAAAAAAAAAAAAAAAAAAAAAeAAAAaAAAAAAAAAAAAAAAAAAAAAAAAAAAAAAAECcAABAnAAAAAAAAAAAAAAAAAAAAAAAAAAAAAAAAAAAAAAAAAAAAABQAAAAAAAAAwMD/AAAAAABkAAAAMgAAAAAAAABkAAAAAAAAAH9/fwAKAAAAHwAAAFQAAAAAAAAFAAAAAQAAAAAAAAAAAAAAAAAAAAAAAAAAAAAAAAAAAAAAAAAAAAAAAn9/fwAAAAADzMzMAMDA/wB/f38AAAAAAAAAAAAAAAAAAAAAAAAAAAAhAAAAGAAAABQAAABKAwAAHSsAAKMSAACVLQAAEAAAACYAAAAIAAAAAAAAAAAAAAA="/>
               </a:ext>
             </a:extLst>
           </p:cNvSpPr>
@@ -343,7 +343,7 @@
           <a:lstStyle/>
           <a:p>
             <a:pPr/>
-            <a:fld id="{310FBBBE-F0DC-5A4D-92B7-0618F5F96453}" type="datetime1">
+            <a:fld id="{20731344-0ACD-26E5-83CB-FCB05D8575A9}" type="datetime1">
               <a:t/>
             </a:fld>
           </a:p>
@@ -356,7 +356,7 @@
             <a:spLocks noGrp="1" noChangeArrowheads="1"/>
             <a:extLst>
               <a:ext uri="smNativeData">
-                <pr:smNativeData xmlns:pr="smNativeData" val="SMDATA_13_yiIeXxMAAAAlAAAAZAAAAA8BAAAAkAAAAEgAAACQAAAASAAAAAAAAAABAAAAAAAAAAEAAABQAAAAAAAAAAAA4D8AAAAAAADgPwAAAAAAAOA/AAAAAAAA4D8AAAAAAADgPwAAAAAAAOA/AAAAAAAA4D8AAAAAAADgPwAAAAAAAOA/AAAAAAAA4D8CAAAAjAAAAAAAAAAAAAAAu+DjDP///wgAAAAAAAAAAAAAAAAAAAAAAAAAAAAAAAAAAAAAZAAAAAEAAABAAAAAAAAAAAAAAAAAAAAAAAAAAAAAAAAAAAAAAAAAAAAAAAAAAAAAAAAAAAAAAAAAAAAAAAAAAAAAAAAAAAAAAAAAAAAAAAAAAAAAAAAAAAAAAAAAAAAAFAAAADwAAAAAAAAAAAAAAAAAAAkUAAAAAQAAABQAAAAUAAAAFAAAAAEAAAAAAAAAZAAAAGQAAAAAAAAAZAAAAGQAAAAVAAAAYAAAAAAAAAAAAAAADwAAACADAAAAAAAAAAAAAAEAAACgMgAAVgcAAKr4//8BAAAAf39/AAEAAABkAAAAAAAAABQAAABAHwAAAAAAACYAAAAAAAAAwOD//wAAAAAmAAAAZAAAABYAAABMAAAAAAAAAAAAAAAEAAAAAAAAAAEAAACAgIAKAAAAACgAAAAoAAAAZAAAAGQAAAAAAAAAzMzMAAAAAABQAAAAUAAAAGQAAABkAAAAAAAAABcAAAAUAAAAAAAAAAAAAAD/fwAA/38AAAAAAAAJAAAABAAAAAAAAAAMAAAAEAAAAAAAAAAAAAAAAAAAAAAAAAAeAAAAaAAAAAAAAAAAAAAAAAAAAAAAAAAAAAAAECcAABAnAAAAAAAAAAAAAAAAAAAAAAAAAAAAAAAAAAAAAAAAAAAAABQAAAAAAAAAwMD/AAAAAABkAAAAMgAAAAAAAABkAAAAAAAAAH9/fwAKAAAAHwAAAFQAAAAAAAAFAAAAAQAAAAAAAAAAAAAAAAAAAAAAAAAAAAAAAAAAAAAAAAAAAAAAAn9/fwAAAAADzMzMAMDA/wB/f38AAAAAAAAAAAAAAAAAAAAAAAAAAAAhAAAAGAAAABQAAAB5FgAAHSsAAE4rAACVLQAAEAAAACYAAAAIAAAAAAAAAAAAAAA="/>
+                <pr:smNativeData xmlns:pr="smNativeData" val="SMDATA_13_3GgiXxMAAAAlAAAAZAAAAA8BAAAAkAAAAEgAAACQAAAASAAAAAAAAAABAAAAAAAAAAEAAABQAAAAAAAAAAAA4D8AAAAAAADgPwAAAAAAAOA/AAAAAAAA4D8AAAAAAADgPwAAAAAAAOA/AAAAAAAA4D8AAAAAAADgPwAAAAAAAOA/AAAAAAAA4D8CAAAAjAAAAAAAAAAAAAAAu+DjDP///wgAAAAAAAAAAAAAAAAAAAAAAAAAAAAAAAAAAAAAZAAAAAEAAABAAAAAAAAAAAAAAAAAAAAAAAAAAAAAAAAAAAAAAAAAAAAAAAAAAAAAAAAAAAAAAAAAAAAAAAAAAAAAAAAAAAAAAAAAAAAAAAAAAAAAAAAAAAAAAAAAAAAAFAAAADwAAAAAAAAAAAAAAAAAAAkUAAAAAQAAABQAAAAUAAAAFAAAAAEAAAAAAAAAZAAAAGQAAAAAAAAAZAAAAGQAAAAVAAAAYAAAAAAAAAAAAAAADwAAACADAAAAAAAAAAAAAAEAAACgMgAAVgcAAKr4//8BAAAAf39/AAEAAABkAAAAAAAAABQAAABAHwAAAAAAACYAAAAAAAAAwOD//wAAAAAmAAAAZAAAABYAAABMAAAAAAAAAAAAAAAEAAAAAAAAAAEAAACAgIAKAAAAACgAAAAoAAAAZAAAAGQAAAAAAAAAzMzMAAAAAABQAAAAUAAAAGQAAABkAAAAAAAAABcAAAAUAAAAAAAAAAAAAAD/fwAA/38AAAAAAAAJAAAABAAAAAAAAAAMAAAAEAAAAAAAAAAAAAAAAAAAAAAAAAAeAAAAaAAAAAAAAAAAAAAAAAAAAAAAAAAAAAAAECcAABAnAAAAAAAAAAAAAAAAAAAAAAAAAAAAAAAAAAAAAAAAAAAAABQAAAAAAAAAwMD/AAAAAABkAAAAMgAAAAAAAABkAAAAAAAAAH9/fwAKAAAAHwAAAFQAAAAAAAAFAAAAAQAAAAAAAAAAAAAAAAAAAAAAAAAAAAAAAAAAAAAAAAAAAAAAAn9/fwAAAAADzMzMAMDA/wB/f38AAAAAAAAAAAAAAAAAAAAAAAAAAAAhAAAAGAAAABQAAAB5FgAAHSsAAE4rAACVLQAAEAAAACYAAAAIAAAAAAAAAAAAAAA="/>
               </a:ext>
             </a:extLst>
           </p:cNvSpPr>
@@ -383,7 +383,7 @@
             <a:spLocks noGrp="1" noChangeArrowheads="1"/>
             <a:extLst>
               <a:ext uri="smNativeData">
-                <pr:smNativeData xmlns:pr="smNativeData" val="SMDATA_13_yiIeXxMAAAAlAAAAZAAAAA8BAAAAkAAAAEgAAACQAAAASAAAAAAAAAABAAAAAAAAAAEAAABQAAAAAAAAAAAA4D8AAAAAAADgPwAAAAAAAOA/AAAAAAAA4D8AAAAAAADgPwAAAAAAAOA/AAAAAAAA4D8AAAAAAADgPwAAAAAAAOA/AAAAAAAA4D8CAAAAjAAAAAAAAAAAAAAAu+DjDP///wgAAAAAAAAAAAAAAAAAAAAAAAAAAAAAAAAAAAAAZAAAAAEAAABAAAAAAAAAAAAAAAAAAAAAAAAAAAAAAAAAAAAAAAAAAAAAAAAAAAAAAAAAAAAAAAAAAAAAAAAAAAAAAAAAAAAAAAAAAAAAAAAAAAAAAAAAAAAAAAAAAAAAFAAAADwAAAAAAAAAAAAAAAAAAAkUAAAAAQAAABQAAAAUAAAAFAAAAAEAAAAAAAAAZAAAAGQAAAAAAAAAZAAAAGQAAAAVAAAAYAAAAAAAAAAAAAAADwAAACADAAAAAAAAAAAAAAEAAACgMgAAVgcAAKr4//8BAAAAf39/AAEAAABkAAAAAAAAABQAAABAHwAAAAAAACYAAAAAAAAAwOD//wAAAAAmAAAAZAAAABYAAABMAAAAAAAAAAAAAAAEAAAAAAAAAAEAAACAgIAKAAAAACgAAAAoAAAAZAAAAGQAAAAAAAAAzMzMAAAAAABQAAAAUAAAAGQAAABkAAAAAAAAABcAAAAUAAAAAAAAAAAAAAD/fwAA/38AAAAAAAAJAAAABAAAAAAAAAAMAAAAEAAAAAAAAAAAAAAAAAAAAAAAAAAeAAAAaAAAAAAAAAAAAAAAAAAAAAAAAAAAAAAAECcAABAnAAAAAAAAAAAAAAAAAAAAAAAAAAAAAAAAAAAAAAAAAAAAABQAAAAAAAAAwMD/AAAAAABkAAAAMgAAAAAAAABkAAAAAAAAAH9/fwAKAAAAHwAAAFQAAAAAAAAFAAAAAQAAAAAAAAAAAAAAAAAAAAAAAAAAAAAAAAAAAAAAAAAAAAAAAn9/fwAAAAADzMzMAMDA/wB/f38AAAAAAAAAAAAAAAAAAAAAAAAAAAAhAAAAGAAAABQAAAAkLwAAHSsAAH4+AACVLQAAEAAAACYAAAAIAAAAAAAAAAAAAAA="/>
+                <pr:smNativeData xmlns:pr="smNativeData" val="SMDATA_13_3GgiXxMAAAAlAAAAZAAAAA8BAAAAkAAAAEgAAACQAAAASAAAAAAAAAABAAAAAAAAAAEAAABQAAAAAAAAAAAA4D8AAAAAAADgPwAAAAAAAOA/AAAAAAAA4D8AAAAAAADgPwAAAAAAAOA/AAAAAAAA4D8AAAAAAADgPwAAAAAAAOA/AAAAAAAA4D8CAAAAjAAAAAAAAAAAAAAAu+DjDP///wgAAAAAAAAAAAAAAAAAAAAAAAAAAAAAAAAAAAAAZAAAAAEAAABAAAAAAAAAAAAAAAAAAAAAAAAAAAAAAAAAAAAAAAAAAAAAAAAAAAAAAAAAAAAAAAAAAAAAAAAAAAAAAAAAAAAAAAAAAAAAAAAAAAAAAAAAAAAAAAAAAAAAFAAAADwAAAAAAAAAAAAAAAAAAAkUAAAAAQAAABQAAAAUAAAAFAAAAAEAAAAAAAAAZAAAAGQAAAAAAAAAZAAAAGQAAAAVAAAAYAAAAAAAAAAAAAAADwAAACADAAAAAAAAAAAAAAEAAACgMgAAVgcAAKr4//8BAAAAf39/AAEAAABkAAAAAAAAABQAAABAHwAAAAAAACYAAAAAAAAAwOD//wAAAAAmAAAAZAAAABYAAABMAAAAAAAAAAAAAAAEAAAAAAAAAAEAAACAgIAKAAAAACgAAAAoAAAAZAAAAGQAAAAAAAAAzMzMAAAAAABQAAAAUAAAAGQAAABkAAAAAAAAABcAAAAUAAAAAAAAAAAAAAD/fwAA/38AAAAAAAAJAAAABAAAAAAAAAAMAAAAEAAAAAAAAAAAAAAAAAAAAAAAAAAeAAAAaAAAAAAAAAAAAAAAAAAAAAAAAAAAAAAAECcAABAnAAAAAAAAAAAAAAAAAAAAAAAAAAAAAAAAAAAAAAAAAAAAABQAAAAAAAAAwMD/AAAAAABkAAAAMgAAAAAAAABkAAAAAAAAAH9/fwAKAAAAHwAAAFQAAAAAAAAFAAAAAQAAAAAAAAAAAAAAAAAAAAAAAAAAAAAAAAAAAAAAAAAAAAAAAn9/fwAAAAADzMzMAMDA/wB/f38AAAAAAAAAAAAAAAAAAAAAAAAAAAAhAAAAGAAAABQAAAAkLwAAHSsAAH4+AACVLQAAEAAAACYAAAAIAAAAAAAAAAAAAAA="/>
               </a:ext>
             </a:extLst>
           </p:cNvSpPr>
@@ -397,7 +397,7 @@
           <a:lstStyle/>
           <a:p>
             <a:pPr/>
-            <a:fld id="{310FD603-4DDC-5A20-92B7-BB7598F964EE}" type="slidenum">
+            <a:fld id="{20735D72-3CCD-26AB-83CB-CAFE1385759F}" type="slidenum">
               <a:t/>
             </a:fld>
           </a:p>
@@ -435,7 +435,7 @@
             <a:spLocks noGrp="1" noChangeArrowheads="1"/>
             <a:extLst>
               <a:ext uri="smNativeData">
-                <pr:smNativeData xmlns:pr="smNativeData" val="SMDATA_13_yiIeXxMAAAAlAAAAZAAAAA8BAAAAkAAAAEgAAACQAAAASAAAAAAAAAABAAAAAAAAAAEAAABQAAAAAAAAAAAA4D8AAAAAAADgPwAAAAAAAOA/AAAAAAAA4D8AAAAAAADgPwAAAAAAAOA/AAAAAAAA4D8AAAAAAADgPwAAAAAAAOA/AAAAAAAA4D8CAAAAjAAAAAAAAAAAAAAAu+DjDP///wgAAAAAAAAAAAAAAAAAAAAAAAAAAAAAAAAAAAAAZAAAAAEAAABAAAAAAAAAAAAAAAAAAAAAAAAAAAAAAAAAAAAAAAAAAAAAAAAAAAAAAAAAAAAAAAAAAAAAAAAAAAAAAAAAAAAAAAAAAAAAAAAAAAAAAAAAAAAAAAAAAAAAFAAAADwAAAAAAAAAAAAAAAAAAAkUAAAAAQAAABQAAAAUAAAAFAAAAAEAAAAAAAAAZAAAAGQAAAAAAAAAZAAAAGQAAAAVAAAAYAAAAAAAAAAAAAAADwAAACADAAAAAAAAAAAAAAEAAACgMgAAVgcAAKr4//8BAAAAf39/AAEAAABkAAAAAAAAABQAAABAHwAAAAAAACYAAAAAAAAAwOD//wAAAAAmAAAAZAAAABYAAABMAAAAAAAAAAAAAAAEAAAAAAAAAAEAAACAgIAKAAAAACgAAAAoAAAAZAAAAGQAAAAAAAAAzMzMAAAAAABQAAAAUAAAAGQAAABkAAAAAAAAABcAAAAUAAAAAAAAAAAAAAD/fwAA/38AAAAAAAAJAAAABAAAAGQAAAAMAAAAEAAAAAAAAAAAAAAAAAAAAAAAAAAeAAAAaAAAAAAAAAAAAAAAAAAAAAAAAAAAAAAAECcAABAnAAAAAAAAAAAAAAAAAAAAAAAAAAAAAAAAAAAAAAAAAAAAABQAAAAAAAAAwMD/AAAAAABkAAAAMgAAAAAAAABkAAAAAAAAAH9/fwAKAAAAHwAAAFQAAAAAAAAFAAAAAQAAAAAAAAAAAAAAAAAAAAAAAAAAAAAAAAAAAAAAAAAAAAAAAn9/fwAAAAADzMzMAMDA/wB/f38AAAAAAAAAAAAAAAAAAAAAAAAAAAAhAAAAGAAAABQAAABKAwAA3AEAAH4+AACcCQAAEAAAACYAAAAIAAAAAAAAAAAAAAA="/>
+                <pr:smNativeData xmlns:pr="smNativeData" val="SMDATA_13_3GgiXxMAAAAlAAAAZAAAAA8BAAAAkAAAAEgAAACQAAAASAAAAAAAAAABAAAAAAAAAAEAAABQAAAAAAAAAAAA4D8AAAAAAADgPwAAAAAAAOA/AAAAAAAA4D8AAAAAAADgPwAAAAAAAOA/AAAAAAAA4D8AAAAAAADgPwAAAAAAAOA/AAAAAAAA4D8CAAAAjAAAAAAAAAAAAAAAu+DjDP///wgAAAAAAAAAAAAAAAAAAAAAAAAAAAAAAAAAAAAAZAAAAAEAAABAAAAAAAAAAAAAAAAAAAAAAAAAAAAAAAAAAAAAAAAAAAAAAAAAAAAAAAAAAAAAAAAAAAAAAAAAAAAAAAAAAAAAAAAAAAAAAAAAAAAAAAAAAAAAAAAAAAAAFAAAADwAAAAAAAAAAAAAAAAAAAkUAAAAAQAAABQAAAAUAAAAFAAAAAEAAAAAAAAAZAAAAGQAAAAAAAAAZAAAAGQAAAAVAAAAYAAAAAAAAAAAAAAADwAAACADAAAAAAAAAAAAAAEAAACgMgAAVgcAAKr4//8BAAAAf39/AAEAAABkAAAAAAAAABQAAABAHwAAAAAAACYAAAAAAAAAwOD//wAAAAAmAAAAZAAAABYAAABMAAAAAAAAAAAAAAAEAAAAAAAAAAEAAACAgIAKAAAAACgAAAAoAAAAZAAAAGQAAAAAAAAAzMzMAAAAAABQAAAAUAAAAGQAAABkAAAAAAAAABcAAAAUAAAAAAAAAAAAAAD/fwAA/38AAAAAAAAJAAAABAAAAGQAAAAMAAAAEAAAAAAAAAAAAAAAAAAAAAAAAAAeAAAAaAAAAAAAAAAAAAAAAAAAAAAAAAAAAAAAECcAABAnAAAAAAAAAAAAAAAAAAAAAAAAAAAAAAAAAAAAAAAAAAAAABQAAAAAAAAAwMD/AAAAAABkAAAAMgAAAAAAAABkAAAAAAAAAH9/fwAKAAAAHwAAAFQAAAAAAAAFAAAAAQAAAAAAAAAAAAAAAAAAAAAAAAAAAAAAAAAAAAAAAAAAAAAAAn9/fwAAAAADzMzMAMDA/wB/f38AAAAAAAAAAAAAAAAAAAAAAAAAAAAhAAAAGAAAABQAAABKAwAA3AEAAH4+AACcCQAAEAAAACYAAAAIAAAAAAAAAAAAAAA="/>
               </a:ext>
             </a:extLst>
           </p:cNvSpPr>
@@ -462,7 +462,7 @@
             <a:spLocks noGrp="1" noChangeArrowheads="1"/>
             <a:extLst>
               <a:ext uri="smNativeData">
-                <pr:smNativeData xmlns:pr="smNativeData" val="SMDATA_13_yiIeXxMAAAAlAAAAZAAAAA8BAAAAkAAAAEgAAACQAAAASAAAAAAAAAAAAAAAAQAAAAEAAABQAAAAAAAAAAAA4D8AAAAAAADgPwAAAAAAAOA/AAAAAAAA4D8AAAAAAADgPwAAAAAAAOA/AAAAAAAA4D8AAAAAAADgPwAAAAAAAOA/AAAAAAAA4D8CAAAAjAAAAAAAAAAAAAAAu+DjDP///wgAAAAAAAAAAAAAAAAAAAAAAAAAAAAAAAAAAAAAZAAAAAEAAABAAAAAAAAAAAAAAAAAAAAAAAAAAAAAAAAAAAAAAAAAAAAAAAAAAAAAAAAAAAAAAAAAAAAAAAAAAAAAAAAAAAAAAAAAAAAAAAAAAAAAAAAAAAAAAAAAAAAAFAAAADwAAAAAAAAAAAAAAAAAAAkUAAAAAQAAABQAAAAUAAAAFAAAAAEAAAAAAAAAZAAAAGQAAAAAAAAAZAAAAGQAAAAVAAAAYAAAAAAAAAAAAAAADwAAACADAAAAAAAAAAAAAAEAAACgMgAAVgcAAKr4//8BAAAAf39/AAEAAABkAAAAAAAAABQAAABAHwAAAAAAACYAAAAAAAAAwOD//wAAAAAmAAAAZAAAABYAAABMAAAAAAAAAAAAAAAEAAAAAAAAAAEAAACAgIAKAAAAACgAAAAoAAAAZAAAAGQAAAAAAAAAzMzMAAAAAABQAAAAUAAAAGQAAABkAAAAAAAAABcAAAAUAAAAAAAAAAAAAAD/fwAA/38AAAAAAAAJAAAABAAAAH9/fwAMAAAAEAAAAAAAAAAAAAAAAAAAAAAAAAAeAAAAaAAAAAAAAAAAAAAAAAAAAAAAAAAAAAAAECcAABAnAAAAAAAAAAAAAAAAAAAAAAAAAAAAAAAAAAAAAAAAAAAAABQAAAAAAAAAwMD/AAAAAABkAAAAMgAAAAAAAABkAAAAAAAAAH9/fwAKAAAAHwAAAFQAAAAAAAAFAAAAAQAAAAAAAAAAAAAAAAAAAAAAAAAAAAAAAAAAAAAAAAAAAAAAAn9/fwAAAAADzMzMAMDA/wB/f38AAAAAAAAAAAAAAAAAAAAAAAAAAAAhAAAAGAAAABQAAABKAwAA2goAAH4+AACMKQAAEAAAACYAAAAIAAAAAgAAAAAAAAA="/>
+                <pr:smNativeData xmlns:pr="smNativeData" val="SMDATA_13_3GgiXxMAAAAlAAAAZAAAAA8BAAAAkAAAAEgAAACQAAAASAAAAAAAAAAAAAAAAQAAAAEAAABQAAAAAAAAAAAA4D8AAAAAAADgPwAAAAAAAOA/AAAAAAAA4D8AAAAAAADgPwAAAAAAAOA/AAAAAAAA4D8AAAAAAADgPwAAAAAAAOA/AAAAAAAA4D8CAAAAjAAAAAAAAAAAAAAAu+DjDP///wgAAAAAAAAAAAAAAAAAAAAAAAAAAAAAAAAAAAAAZAAAAAEAAABAAAAAAAAAAAAAAAAAAAAAAAAAAAAAAAAAAAAAAAAAAAAAAAAAAAAAAAAAAAAAAAAAAAAAAAAAAAAAAAAAAAAAAAAAAAAAAAAAAAAAAAAAAAAAAAAAAAAAFAAAADwAAAAAAAAAAAAAAAAAAAkUAAAAAQAAABQAAAAUAAAAFAAAAAEAAAAAAAAAZAAAAGQAAAAAAAAAZAAAAGQAAAAVAAAAYAAAAAAAAAAAAAAADwAAACADAAAAAAAAAAAAAAEAAACgMgAAVgcAAKr4//8BAAAAf39/AAEAAABkAAAAAAAAABQAAABAHwAAAAAAACYAAAAAAAAAwOD//wAAAAAmAAAAZAAAABYAAABMAAAAAAAAAAAAAAAEAAAAAAAAAAEAAACAgIAKAAAAACgAAAAoAAAAZAAAAGQAAAAAAAAAzMzMAAAAAABQAAAAUAAAAGQAAABkAAAAAAAAABcAAAAUAAAAAAAAAAAAAAD/fwAA/38AAAAAAAAJAAAABAAAAH9/fwAMAAAAEAAAAAAAAAAAAAAAAAAAAAAAAAAeAAAAaAAAAAAAAAAAAAAAAAAAAAAAAAAAAAAAECcAABAnAAAAAAAAAAAAAAAAAAAAAAAAAAAAAAAAAAAAAAAAAAAAABQAAAAAAAAAwMD/AAAAAABkAAAAMgAAAAAAAABkAAAAAAAAAH9/fwAKAAAAHwAAAFQAAAAAAAAFAAAAAQAAAAAAAAAAAAAAAAAAAAAAAAAAAAAAAAAAAAAAAAAAAAAAAn9/fwAAAAADzMzMAMDA/wB/f38AAAAAAAAAAAAAAAAAAAAAAAAAAAAhAAAAGAAAABQAAABKAwAA2goAAH4+AACMKQAAEAAAACYAAAAIAAAAAgAAAAAAAAA="/>
               </a:ext>
             </a:extLst>
           </p:cNvSpPr>
@@ -517,7 +517,7 @@
             <a:spLocks noGrp="1" noChangeArrowheads="1"/>
             <a:extLst>
               <a:ext uri="smNativeData">
-                <pr:smNativeData xmlns:pr="smNativeData" val="SMDATA_13_yiIeXxMAAAAlAAAAZAAAAA8BAAAAkAAAAEgAAACQAAAASAAAAAAAAAABAAAAAAAAAAEAAABQAAAAAAAAAAAA4D8AAAAAAADgPwAAAAAAAOA/AAAAAAAA4D8AAAAAAADgPwAAAAAAAOA/AAAAAAAA4D8AAAAAAADgPwAAAAAAAOA/AAAAAAAA4D8CAAAAjAAAAAAAAAAAAAAAu+DjDP///wgAAAAAAAAAAAAAAAAAAAAAAAAAAAAAAAAAAAAAZAAAAAEAAABAAAAAAAAAAAAAAAAAAAAAAAAAAAAAAAAAAAAAAAAAAAAAAAAAAAAAAAAAAAAAAAAAAAAAAAAAAAAAAAAAAAAAAAAAAAAAAAAAAAAAAAAAAAAAAAAAAAAAFAAAADwAAAAAAAAAAAAAAAAAAAkUAAAAAQAAABQAAAAUAAAAFAAAAAEAAAAAAAAAZAAAAGQAAAAAAAAAZAAAAGQAAAAVAAAAYAAAAAAAAAAAAAAADwAAACADAAAAAAAAAAAAAAEAAACgMgAAVgcAAKr4//8BAAAAf39/AAEAAABkAAAAAAAAABQAAABAHwAAAAAAACYAAAAAAAAAwOD//wAAAAAmAAAAZAAAABYAAABMAAAAAAAAAAAAAAAEAAAAAAAAAAEAAACAgIAKAAAAACgAAAAoAAAAZAAAAGQAAAAAAAAAzMzMAAAAAABQAAAAUAAAAGQAAABkAAAAAAAAABcAAAAUAAAAAAAAAAAAAAD/fwAA/38AAAAAAAAJAAAABAAAAGQAAAAMAAAAEAAAAAAAAAAAAAAAAAAAAAAAAAAeAAAAaAAAAAAAAAAAAAAAAAAAAAAAAAAAAAAAECcAABAnAAAAAAAAAAAAAAAAAAAAAAAAAAAAAAAAAAAAAAAAAAAAABQAAAAAAAAAwMD/AAAAAABkAAAAMgAAAAAAAABkAAAAAAAAAH9/fwAKAAAAHwAAAFQAAAAAAAAFAAAAAQAAAAAAAAAAAAAAAAAAAAAAAAAAAAAAAAAAAAAAAAAAAAAAAn9/fwAAAAADzMzMAMDA/wB/f38AAAAAAAAAAAAAAAAAAAAAAAAAAAAhAAAAGAAAABQAAABKAwAAHSsAAKMSAACVLQAAEAAAACYAAAAIAAAAAAAAAAAAAAA="/>
+                <pr:smNativeData xmlns:pr="smNativeData" val="SMDATA_13_3GgiXxMAAAAlAAAAZAAAAA8BAAAAkAAAAEgAAACQAAAASAAAAAAAAAABAAAAAAAAAAEAAABQAAAAAAAAAAAA4D8AAAAAAADgPwAAAAAAAOA/AAAAAAAA4D8AAAAAAADgPwAAAAAAAOA/AAAAAAAA4D8AAAAAAADgPwAAAAAAAOA/AAAAAAAA4D8CAAAAjAAAAAAAAAAAAAAAu+DjDP///wgAAAAAAAAAAAAAAAAAAAAAAAAAAAAAAAAAAAAAZAAAAAEAAABAAAAAAAAAAAAAAAAAAAAAAAAAAAAAAAAAAAAAAAAAAAAAAAAAAAAAAAAAAAAAAAAAAAAAAAAAAAAAAAAAAAAAAAAAAAAAAAAAAAAAAAAAAAAAAAAAAAAAFAAAADwAAAAAAAAAAAAAAAAAAAkUAAAAAQAAABQAAAAUAAAAFAAAAAEAAAAAAAAAZAAAAGQAAAAAAAAAZAAAAGQAAAAVAAAAYAAAAAAAAAAAAAAADwAAACADAAAAAAAAAAAAAAEAAACgMgAAVgcAAKr4//8BAAAAf39/AAEAAABkAAAAAAAAABQAAABAHwAAAAAAACYAAAAAAAAAwOD//wAAAAAmAAAAZAAAABYAAABMAAAAAAAAAAAAAAAEAAAAAAAAAAEAAACAgIAKAAAAACgAAAAoAAAAZAAAAGQAAAAAAAAAzMzMAAAAAABQAAAAUAAAAGQAAABkAAAAAAAAABcAAAAUAAAAAAAAAAAAAAD/fwAA/38AAAAAAAAJAAAABAAAAGQAAAAMAAAAEAAAAAAAAAAAAAAAAAAAAAAAAAAeAAAAaAAAAAAAAAAAAAAAAAAAAAAAAAAAAAAAECcAABAnAAAAAAAAAAAAAAAAAAAAAAAAAAAAAAAAAAAAAAAAAAAAABQAAAAAAAAAwMD/AAAAAABkAAAAMgAAAAAAAABkAAAAAAAAAH9/fwAKAAAAHwAAAFQAAAAAAAAFAAAAAQAAAAAAAAAAAAAAAAAAAAAAAAAAAAAAAAAAAAAAAAAAAAAAAn9/fwAAAAADzMzMAMDA/wB/f38AAAAAAAAAAAAAAAAAAAAAAAAAAAAhAAAAGAAAABQAAABKAwAAHSsAAKMSAACVLQAAEAAAACYAAAAIAAAAAAAAAAAAAAA="/>
               </a:ext>
             </a:extLst>
           </p:cNvSpPr>
@@ -531,7 +531,7 @@
           <a:lstStyle/>
           <a:p>
             <a:pPr/>
-            <a:fld id="{310F8419-57DC-5A72-92B7-A127CAF964F4}" type="datetime1">
+            <a:fld id="{20731EF0-BECD-26E8-83CB-48BD5085751D}" type="datetime1">
               <a:t/>
             </a:fld>
           </a:p>
@@ -544,7 +544,7 @@
             <a:spLocks noGrp="1" noChangeArrowheads="1"/>
             <a:extLst>
               <a:ext uri="smNativeData">
-                <pr:smNativeData xmlns:pr="smNativeData" val="SMDATA_13_yiIeXxMAAAAlAAAAZAAAAA8BAAAAkAAAAEgAAACQAAAASAAAAAAAAAABAAAAAAAAAAEAAABQAAAAAAAAAAAA4D8AAAAAAADgPwAAAAAAAOA/AAAAAAAA4D8AAAAAAADgPwAAAAAAAOA/AAAAAAAA4D8AAAAAAADgPwAAAAAAAOA/AAAAAAAA4D8CAAAAjAAAAAAAAAAAAAAAu+DjDP///wgAAAAAAAAAAAAAAAAAAAAAAAAAAAAAAAAAAAAAZAAAAAEAAABAAAAAAAAAAAAAAAAAAAAAAAAAAAAAAAAAAAAAAAAAAAAAAAAAAAAAAAAAAAAAAAAAAAAAAAAAAAAAAAAAAAAAAAAAAAAAAAAAAAAAAAAAAAAAAAAAAAAAFAAAADwAAAAAAAAAAAAAAAAAAAkUAAAAAQAAABQAAAAUAAAAFAAAAAEAAAAAAAAAZAAAAGQAAAAAAAAAZAAAAGQAAAAVAAAAYAAAAAAAAAAAAAAADwAAACADAAAAAAAAAAAAAAEAAACgMgAAVgcAAKr4//8BAAAAf39/AAEAAABkAAAAAAAAABQAAABAHwAAAAAAACYAAAAAAAAAwOD//wAAAAAmAAAAZAAAABYAAABMAAAAAAAAAAAAAAAEAAAAAAAAAAEAAACAgIAKAAAAACgAAAAoAAAAZAAAAGQAAAAAAAAAzMzMAAAAAABQAAAAUAAAAGQAAABkAAAAAAAAABcAAAAUAAAAAAAAAAAAAAD/fwAA/38AAAAAAAAJAAAABAAAAAAAAAAMAAAAEAAAAAAAAAAAAAAAAAAAAAAAAAAeAAAAaAAAAAAAAAAAAAAAAAAAAAAAAAAAAAAAECcAABAnAAAAAAAAAAAAAAAAAAAAAAAAAAAAAAAAAAAAAAAAAAAAABQAAAAAAAAAwMD/AAAAAABkAAAAMgAAAAAAAABkAAAAAAAAAH9/fwAKAAAAHwAAAFQAAAAAAAAFAAAAAQAAAAAAAAAAAAAAAAAAAAAAAAAAAAAAAAAAAAAAAAAAAAAAAn9/fwAAAAADzMzMAMDA/wB/f38AAAAAAAAAAAAAAAAAAAAAAAAAAAAhAAAAGAAAABQAAAB5FgAAHSsAAE4rAACVLQAAEAAAACYAAAAIAAAAAAAAAAAAAAA="/>
+                <pr:smNativeData xmlns:pr="smNativeData" val="SMDATA_13_3GgiXxMAAAAlAAAAZAAAAA8BAAAAkAAAAEgAAACQAAAASAAAAAAAAAABAAAAAAAAAAEAAABQAAAAAAAAAAAA4D8AAAAAAADgPwAAAAAAAOA/AAAAAAAA4D8AAAAAAADgPwAAAAAAAOA/AAAAAAAA4D8AAAAAAADgPwAAAAAAAOA/AAAAAAAA4D8CAAAAjAAAAAAAAAAAAAAAu+DjDP///wgAAAAAAAAAAAAAAAAAAAAAAAAAAAAAAAAAAAAAZAAAAAEAAABAAAAAAAAAAAAAAAAAAAAAAAAAAAAAAAAAAAAAAAAAAAAAAAAAAAAAAAAAAAAAAAAAAAAAAAAAAAAAAAAAAAAAAAAAAAAAAAAAAAAAAAAAAAAAAAAAAAAAFAAAADwAAAAAAAAAAAAAAAAAAAkUAAAAAQAAABQAAAAUAAAAFAAAAAEAAAAAAAAAZAAAAGQAAAAAAAAAZAAAAGQAAAAVAAAAYAAAAAAAAAAAAAAADwAAACADAAAAAAAAAAAAAAEAAACgMgAAVgcAAKr4//8BAAAAf39/AAEAAABkAAAAAAAAABQAAABAHwAAAAAAACYAAAAAAAAAwOD//wAAAAAmAAAAZAAAABYAAABMAAAAAAAAAAAAAAAEAAAAAAAAAAEAAACAgIAKAAAAACgAAAAoAAAAZAAAAGQAAAAAAAAAzMzMAAAAAABQAAAAUAAAAGQAAABkAAAAAAAAABcAAAAUAAAAAAAAAAAAAAD/fwAA/38AAAAAAAAJAAAABAAAAAAAAAAMAAAAEAAAAAAAAAAAAAAAAAAAAAAAAAAeAAAAaAAAAAAAAAAAAAAAAAAAAAAAAAAAAAAAECcAABAnAAAAAAAAAAAAAAAAAAAAAAAAAAAAAAAAAAAAAAAAAAAAABQAAAAAAAAAwMD/AAAAAABkAAAAMgAAAAAAAABkAAAAAAAAAH9/fwAKAAAAHwAAAFQAAAAAAAAFAAAAAQAAAAAAAAAAAAAAAAAAAAAAAAAAAAAAAAAAAAAAAAAAAAAAAn9/fwAAAAADzMzMAMDA/wB/f38AAAAAAAAAAAAAAAAAAAAAAAAAAAAhAAAAGAAAABQAAAB5FgAAHSsAAE4rAACVLQAAEAAAACYAAAAIAAAAAAAAAAAAAAA="/>
               </a:ext>
             </a:extLst>
           </p:cNvSpPr>
@@ -571,7 +571,7 @@
             <a:spLocks noGrp="1" noChangeArrowheads="1"/>
             <a:extLst>
               <a:ext uri="smNativeData">
-                <pr:smNativeData xmlns:pr="smNativeData" val="SMDATA_13_yiIeXxMAAAAlAAAAZAAAAA8BAAAAkAAAAEgAAACQAAAASAAAAAAAAAABAAAAAAAAAAEAAABQAAAAAAAAAAAA4D8AAAAAAADgPwAAAAAAAOA/AAAAAAAA4D8AAAAAAADgPwAAAAAAAOA/AAAAAAAA4D8AAAAAAADgPwAAAAAAAOA/AAAAAAAA4D8CAAAAjAAAAAAAAAAAAAAAu+DjDP///wgAAAAAAAAAAAAAAAAAAAAAAAAAAAAAAAAAAAAAZAAAAAEAAABAAAAAAAAAAAAAAAAAAAAAAAAAAAAAAAAAAAAAAAAAAAAAAAAAAAAAAAAAAAAAAAAAAAAAAAAAAAAAAAAAAAAAAAAAAAAAAAAAAAAAAAAAAAAAAAAAAAAAFAAAADwAAAAAAAAAAAAAAAAAAAkUAAAAAQAAABQAAAAUAAAAFAAAAAEAAAAAAAAAZAAAAGQAAAAAAAAAZAAAAGQAAAAVAAAAYAAAAAAAAAAAAAAADwAAACADAAAAAAAAAAAAAAEAAACgMgAAVgcAAKr4//8BAAAAf39/AAEAAABkAAAAAAAAABQAAABAHwAAAAAAACYAAAAAAAAAwOD//wAAAAAmAAAAZAAAABYAAABMAAAAAAAAAAAAAAAEAAAAAAAAAAEAAACAgIAKAAAAACgAAAAoAAAAZAAAAGQAAAAAAAAAzMzMAAAAAABQAAAAUAAAAGQAAABkAAAAAAAAABcAAAAUAAAAAAAAAAAAAAD/fwAA/38AAAAAAAAJAAAABAAAAAAAAAAMAAAAEAAAAAAAAAAAAAAAAAAAAAAAAAAeAAAAaAAAAAAAAAAAAAAAAAAAAAAAAAAAAAAAECcAABAnAAAAAAAAAAAAAAAAAAAAAAAAAAAAAAAAAAAAAAAAAAAAABQAAAAAAAAAwMD/AAAAAABkAAAAMgAAAAAAAABkAAAAAAAAAH9/fwAKAAAAHwAAAFQAAAAAAAAFAAAAAQAAAAAAAAAAAAAAAAAAAAAAAAAAAAAAAAAAAAAAAAAAAAAAAn9/fwAAAAADzMzMAMDA/wB/f38AAAAAAAAAAAAAAAAAAAAAAAAAAAAhAAAAGAAAABQAAAAkLwAAHSsAAH4+AACVLQAAEAAAACYAAAAIAAAAAAAAAAAAAAA="/>
+                <pr:smNativeData xmlns:pr="smNativeData" val="SMDATA_13_3GgiXxMAAAAlAAAAZAAAAA8BAAAAkAAAAEgAAACQAAAASAAAAAAAAAABAAAAAAAAAAEAAABQAAAAAAAAAAAA4D8AAAAAAADgPwAAAAAAAOA/AAAAAAAA4D8AAAAAAADgPwAAAAAAAOA/AAAAAAAA4D8AAAAAAADgPwAAAAAAAOA/AAAAAAAA4D8CAAAAjAAAAAAAAAAAAAAAu+DjDP///wgAAAAAAAAAAAAAAAAAAAAAAAAAAAAAAAAAAAAAZAAAAAEAAABAAAAAAAAAAAAAAAAAAAAAAAAAAAAAAAAAAAAAAAAAAAAAAAAAAAAAAAAAAAAAAAAAAAAAAAAAAAAAAAAAAAAAAAAAAAAAAAAAAAAAAAAAAAAAAAAAAAAAFAAAADwAAAAAAAAAAAAAAAAAAAkUAAAAAQAAABQAAAAUAAAAFAAAAAEAAAAAAAAAZAAAAGQAAAAAAAAAZAAAAGQAAAAVAAAAYAAAAAAAAAAAAAAADwAAACADAAAAAAAAAAAAAAEAAACgMgAAVgcAAKr4//8BAAAAf39/AAEAAABkAAAAAAAAABQAAABAHwAAAAAAACYAAAAAAAAAwOD//wAAAAAmAAAAZAAAABYAAABMAAAAAAAAAAAAAAAEAAAAAAAAAAEAAACAgIAKAAAAACgAAAAoAAAAZAAAAGQAAAAAAAAAzMzMAAAAAABQAAAAUAAAAGQAAABkAAAAAAAAABcAAAAUAAAAAAAAAAAAAAD/fwAA/38AAAAAAAAJAAAABAAAAAAAAAAMAAAAEAAAAAAAAAAAAAAAAAAAAAAAAAAeAAAAaAAAAAAAAAAAAAAAAAAAAAAAAAAAAAAAECcAABAnAAAAAAAAAAAAAAAAAAAAAAAAAAAAAAAAAAAAAAAAAAAAABQAAAAAAAAAwMD/AAAAAABkAAAAMgAAAAAAAABkAAAAAAAAAH9/fwAKAAAAHwAAAFQAAAAAAAAFAAAAAQAAAAAAAAAAAAAAAAAAAAAAAAAAAAAAAAAAAAAAAAAAAAAAAn9/fwAAAAADzMzMAMDA/wB/f38AAAAAAAAAAAAAAAAAAAAAAAAAAAAhAAAAGAAAABQAAAAkLwAAHSsAAH4+AACVLQAAEAAAACYAAAAIAAAAAAAAAAAAAAA="/>
               </a:ext>
             </a:extLst>
           </p:cNvSpPr>
@@ -585,7 +585,7 @@
           <a:lstStyle/>
           <a:p>
             <a:pPr/>
-            <a:fld id="{310FA2D5-9BDC-5A54-92B7-6D01ECF96438}" type="slidenum">
+            <a:fld id="{20734066-28CD-26B6-83CB-DEE30E85758B}" type="slidenum">
               <a:t/>
             </a:fld>
           </a:p>
@@ -623,7 +623,7 @@
             <a:spLocks noGrp="1" noChangeArrowheads="1"/>
             <a:extLst>
               <a:ext uri="smNativeData">
-                <pr:smNativeData xmlns:pr="smNativeData" val="SMDATA_13_yiIeXxMAAAAlAAAAZAAAAA8BAAAAkAAAAEgAAACQAAAASAAAAAAAAAACAAAAAQAAAAEAAABQAAAAAAAAAAAA4D8AAAAAAADgPwAAAAAAAOA/AAAAAAAA4D8AAAAAAADgPwAAAAAAAOA/AAAAAAAA4D8AAAAAAADgPwAAAAAAAOA/AAAAAAAA4D8CAAAAjAAAAAAAAAAAAAAAu+DjDP///wgAAAAAAAAAAAAAAAAAAAAAAAAAAAAAAAAAAAAAZAAAAAEAAABAAAAAAAAAAAAAAAAAAAAAAAAAAAAAAAAAAAAAAAAAAAAAAAAAAAAAAAAAAAAAAAAAAAAAAAAAAAAAAAAAAAAAAAAAAAAAAAAAAAAAAAAAAAAAAAAAAAAAFAAAADwAAAAAAAAAAAAAAAAAAAkUAAAAAQAAABQAAAAUAAAAFAAAAAEAAAAAAAAAZAAAAGQAAAAAAAAAZAAAAGQAAAAVAAAAYAAAAAAAAAAAAAAADwAAACADAAAAAAAAAAAAAAEAAACgMgAAVgcAAKr4//8BAAAAf39/AAEAAABkAAAAAAAAABQAAABAHwAAAAAAACYAAAAAAAAAwOD//wAAAAAmAAAAZAAAABYAAABMAAAAAAAAAAAAAAAEAAAAAAAAAAEAAACAgIAKAAAAACgAAAAoAAAAZAAAAGQAAAAAAAAAzMzMAAAAAABQAAAAUAAAAGQAAABkAAAAAAAAABcAAAAUAAAAAAAAAAAAAAD/fwAA/38AAAAAAAAJAAAABAAAAAAAAAAMAAAAEAAAAAAAAAAAAAAAAAAAAAAAAAAeAAAAaAAAAAAAAAAAAAAAAAAAAAAAAAAAAAAAECcAABAnAAAAAAAAAAAAAAAAAAAAAAAAAAAAAAAAAAAAAAAAAAAAABQAAAAAAAAAwMD/AAAAAABkAAAAMgAAAAAAAABkAAAAAAAAAH9/fwAKAAAAHwAAAFQAAAAAAAAFAAAAAQAAAAAAAAAAAAAAAAAAAAAAAAAAAAAAAAAAAAAAAAAAAAAAAn9/fwAAAAADzMzMAMDA/wB/f38AAAAAAAAAAAAAAAAAAAAAAAAAAAAhAAAAGAAAABQAAACxLwAA3AEAAH4+AACMKQAAEAAAACYAAAAIAAAAgwAAAAAAAAA="/>
+                <pr:smNativeData xmlns:pr="smNativeData" val="SMDATA_13_3GgiXxMAAAAlAAAAZAAAAA8BAAAAkAAAAEgAAACQAAAASAAAAAAAAAACAAAAAQAAAAEAAABQAAAAAAAAAAAA4D8AAAAAAADgPwAAAAAAAOA/AAAAAAAA4D8AAAAAAADgPwAAAAAAAOA/AAAAAAAA4D8AAAAAAADgPwAAAAAAAOA/AAAAAAAA4D8CAAAAjAAAAAAAAAAAAAAAu+DjDP///wgAAAAAAAAAAAAAAAAAAAAAAAAAAAAAAAAAAAAAZAAAAAEAAABAAAAAAAAAAAAAAAAAAAAAAAAAAAAAAAAAAAAAAAAAAAAAAAAAAAAAAAAAAAAAAAAAAAAAAAAAAAAAAAAAAAAAAAAAAAAAAAAAAAAAAAAAAAAAAAAAAAAAFAAAADwAAAAAAAAAAAAAAAAAAAkUAAAAAQAAABQAAAAUAAAAFAAAAAEAAAAAAAAAZAAAAGQAAAAAAAAAZAAAAGQAAAAVAAAAYAAAAAAAAAAAAAAADwAAACADAAAAAAAAAAAAAAEAAACgMgAAVgcAAKr4//8BAAAAf39/AAEAAABkAAAAAAAAABQAAABAHwAAAAAAACYAAAAAAAAAwOD//wAAAAAmAAAAZAAAABYAAABMAAAAAAAAAAAAAAAEAAAAAAAAAAEAAACAgIAKAAAAACgAAAAoAAAAZAAAAGQAAAAAAAAAzMzMAAAAAABQAAAAUAAAAGQAAABkAAAAAAAAABcAAAAUAAAAAAAAAAAAAAD/fwAA/38AAAAAAAAJAAAABAAAAAAAAAAMAAAAEAAAAAAAAAAAAAAAAAAAAAAAAAAeAAAAaAAAAAAAAAAAAAAAAAAAAAAAAAAAAAAAECcAABAnAAAAAAAAAAAAAAAAAAAAAAAAAAAAAAAAAAAAAAAAAAAAABQAAAAAAAAAwMD/AAAAAABkAAAAMgAAAAAAAABkAAAAAAAAAH9/fwAKAAAAHwAAAFQAAAAAAAAFAAAAAQAAAAAAAAAAAAAAAAAAAAAAAAAAAAAAAAAAAAAAAAAAAAAAAn9/fwAAAAADzMzMAMDA/wB/f38AAAAAAAAAAAAAAAAAAAAAAAAAAAAhAAAAGAAAABQAAACxLwAA3AEAAH4+AACMKQAAEAAAACYAAAAIAAAAgwAAAAAAAAA="/>
               </a:ext>
             </a:extLst>
           </p:cNvSpPr>
@@ -659,7 +659,7 @@
             <a:spLocks noGrp="1" noChangeArrowheads="1"/>
             <a:extLst>
               <a:ext uri="smNativeData">
-                <pr:smNativeData xmlns:pr="smNativeData" val="SMDATA_13_yiIeXxMAAAAlAAAAZAAAAA8BAAAAkAAAAEgAAACQAAAASAAAAAAAAAAAAAAAAQAAAAEAAABQAAAAAAAAAAAA4D8AAAAAAADgPwAAAAAAAOA/AAAAAAAA4D8AAAAAAADgPwAAAAAAAOA/AAAAAAAA4D8AAAAAAADgPwAAAAAAAOA/AAAAAAAA4D8CAAAAjAAAAAAAAAAAAAAAu+DjDP///wgAAAAAAAAAAAAAAAAAAAAAAAAAAAAAAAAAAAAAZAAAAAEAAABAAAAAAAAAAAAAAAAAAAAAAAAAAAAAAAAAAAAAAAAAAAAAAAAAAAAAAAAAAAAAAAAAAAAAAAAAAAAAAAAAAAAAAAAAAAAAAAAAAAAAAAAAAAAAAAAAAAAAFAAAADwAAAAAAAAAAAAAAAAAAAkUAAAAAQAAABQAAAAUAAAAFAAAAAEAAAAAAAAAZAAAAGQAAAAAAAAAZAAAAGQAAAAVAAAAYAAAAAAAAAAAAAAADwAAACADAAAAAAAAAAAAAAEAAACgMgAAVgcAAKr4//8BAAAAf39/AAEAAABkAAAAAAAAABQAAABAHwAAAAAAACYAAAAAAAAAwOD//wAAAAAmAAAAZAAAABYAAABMAAAAAAAAAAAAAAAEAAAAAAAAAAEAAACAgIAKAAAAACgAAAAoAAAAZAAAAGQAAAAAAAAAzMzMAAAAAABQAAAAUAAAAGQAAABkAAAAAAAAABcAAAAUAAAAAAAAAAAAAAD/fwAA/38AAAAAAAAJAAAABAAAAAEAAAAMAAAAEAAAAAAAAAAAAAAAAAAAAAAAAAAeAAAAaAAAAAAAAAAAAAAAAAAAAAAAAAAAAAAAECcAABAnAAAAAAAAAAAAAAAAAAAAAAAAAAAAAAAAAAAAAAAAAAAAABQAAAAAAAAAwMD/AAAAAABkAAAAMgAAAAAAAABkAAAAAAAAAH9/fwAKAAAAHwAAAFQAAAAAAAAFAAAAAQAAAAAAAAAAAAAAAAAAAAAAAAAAAAAAAAAAAAAAAAAAAAAAAn9/fwAAAAADzMzMAMDA/wB/f38AAAAAAAAAAAAAAAAAAAAAAAAAAAAhAAAAGAAAABQAAABKAwAA3AEAAJguAACMKQAAEAAAACYAAAAIAAAAAwAAAAAAAAA="/>
+                <pr:smNativeData xmlns:pr="smNativeData" val="SMDATA_13_3GgiXxMAAAAlAAAAZAAAAA8BAAAAkAAAAEgAAACQAAAASAAAAAAAAAAAAAAAAQAAAAEAAABQAAAAAAAAAAAA4D8AAAAAAADgPwAAAAAAAOA/AAAAAAAA4D8AAAAAAADgPwAAAAAAAOA/AAAAAAAA4D8AAAAAAADgPwAAAAAAAOA/AAAAAAAA4D8CAAAAjAAAAAAAAAAAAAAAu+DjDP///wgAAAAAAAAAAAAAAAAAAAAAAAAAAAAAAAAAAAAAZAAAAAEAAABAAAAAAAAAAAAAAAAAAAAAAAAAAAAAAAAAAAAAAAAAAAAAAAAAAAAAAAAAAAAAAAAAAAAAAAAAAAAAAAAAAAAAAAAAAAAAAAAAAAAAAAAAAAAAAAAAAAAAFAAAADwAAAAAAAAAAAAAAAAAAAkUAAAAAQAAABQAAAAUAAAAFAAAAAEAAAAAAAAAZAAAAGQAAAAAAAAAZAAAAGQAAAAVAAAAYAAAAAAAAAAAAAAADwAAACADAAAAAAAAAAAAAAEAAACgMgAAVgcAAKr4//8BAAAAf39/AAEAAABkAAAAAAAAABQAAABAHwAAAAAAACYAAAAAAAAAwOD//wAAAAAmAAAAZAAAABYAAABMAAAAAAAAAAAAAAAEAAAAAAAAAAEAAACAgIAKAAAAACgAAAAoAAAAZAAAAGQAAAAAAAAAzMzMAAAAAABQAAAAUAAAAGQAAABkAAAAAAAAABcAAAAUAAAAAAAAAAAAAAD/fwAA/38AAAAAAAAJAAAABAAAAAEAAAAMAAAAEAAAAAAAAAAAAAAAAAAAAAAAAAAeAAAAaAAAAAAAAAAAAAAAAAAAAAAAAAAAAAAAECcAABAnAAAAAAAAAAAAAAAAAAAAAAAAAAAAAAAAAAAAAAAAAAAAABQAAAAAAAAAwMD/AAAAAABkAAAAMgAAAAAAAABkAAAAAAAAAH9/fwAKAAAAHwAAAFQAAAAAAAAFAAAAAQAAAAAAAAAAAAAAAAAAAAAAAAAAAAAAAAAAAAAAAAAAAAAAAn9/fwAAAAADzMzMAMDA/wB/f38AAAAAAAAAAAAAAAAAAAAAAAAAAAAhAAAAGAAAABQAAABKAwAA3AEAAJguAACMKQAAEAAAACYAAAAIAAAAAwAAAAAAAAA="/>
               </a:ext>
             </a:extLst>
           </p:cNvSpPr>
@@ -719,7 +719,7 @@
             <a:spLocks noGrp="1" noChangeArrowheads="1"/>
             <a:extLst>
               <a:ext uri="smNativeData">
-                <pr:smNativeData xmlns:pr="smNativeData" val="SMDATA_13_yiIeXxMAAAAlAAAAZAAAAA8BAAAAkAAAAEgAAACQAAAASAAAAAAAAAABAAAAAAAAAAEAAABQAAAAAAAAAAAA4D8AAAAAAADgPwAAAAAAAOA/AAAAAAAA4D8AAAAAAADgPwAAAAAAAOA/AAAAAAAA4D8AAAAAAADgPwAAAAAAAOA/AAAAAAAA4D8CAAAAjAAAAAAAAAAAAAAAu+DjDP///wgAAAAAAAAAAAAAAAAAAAAAAAAAAAAAAAAAAAAAZAAAAAEAAABAAAAAAAAAAAAAAAAAAAAAAAAAAAAAAAAAAAAAAAAAAAAAAAAAAAAAAAAAAAAAAAAAAAAAAAAAAAAAAAAAAAAAAAAAAAAAAAAAAAAAAAAAAAAAAAAAAAAAFAAAADwAAAAAAAAAAAAAAAAAAAkUAAAAAQAAABQAAAAUAAAAFAAAAAEAAAAAAAAAZAAAAGQAAAAAAAAAZAAAAGQAAAAVAAAAYAAAAAAAAAAAAAAADwAAACADAAAAAAAAAAAAAAEAAACgMgAAVgcAAKr4//8BAAAAf39/AAEAAABkAAAAAAAAABQAAABAHwAAAAAAACYAAAAAAAAAwOD//wAAAAAmAAAAZAAAABYAAABMAAAAAAAAAAAAAAAEAAAAAAAAAAEAAACAgIAKAAAAACgAAAAoAAAAZAAAAGQAAAAAAAAAzMzMAAAAAABQAAAAUAAAAGQAAABkAAAAAAAAABcAAAAUAAAAAAAAAAAAAAD/fwAA/38AAAAAAAAJAAAABAAAAAEAAAAMAAAAEAAAAAAAAAAAAAAAAAAAAAAAAAAeAAAAaAAAAAAAAAAAAAAAAAAAAAAAAAAAAAAAECcAABAnAAAAAAAAAAAAAAAAAAAAAAAAAAAAAAAAAAAAAAAAAAAAABQAAAAAAAAAwMD/AAAAAABkAAAAMgAAAAAAAABkAAAAAAAAAH9/fwAKAAAAHwAAAFQAAAAAAAAFAAAAAQAAAAAAAAAAAAAAAAAAAAAAAAAAAAAAAAAAAAAAAAAAAAAAAn9/fwAAAAADzMzMAMDA/wB/f38AAAAAAAAAAAAAAAAAAAAAAAAAAAAhAAAAGAAAABQAAABKAwAAHSsAAKMSAACVLQAAEAAAACYAAAAIAAAAAAAAAAAAAAA="/>
+                <pr:smNativeData xmlns:pr="smNativeData" val="SMDATA_13_3GgiXxMAAAAlAAAAZAAAAA8BAAAAkAAAAEgAAACQAAAASAAAAAAAAAABAAAAAAAAAAEAAABQAAAAAAAAAAAA4D8AAAAAAADgPwAAAAAAAOA/AAAAAAAA4D8AAAAAAADgPwAAAAAAAOA/AAAAAAAA4D8AAAAAAADgPwAAAAAAAOA/AAAAAAAA4D8CAAAAjAAAAAAAAAAAAAAAu+DjDP///wgAAAAAAAAAAAAAAAAAAAAAAAAAAAAAAAAAAAAAZAAAAAEAAABAAAAAAAAAAAAAAAAAAAAAAAAAAAAAAAAAAAAAAAAAAAAAAAAAAAAAAAAAAAAAAAAAAAAAAAAAAAAAAAAAAAAAAAAAAAAAAAAAAAAAAAAAAAAAAAAAAAAAFAAAADwAAAAAAAAAAAAAAAAAAAkUAAAAAQAAABQAAAAUAAAAFAAAAAEAAAAAAAAAZAAAAGQAAAAAAAAAZAAAAGQAAAAVAAAAYAAAAAAAAAAAAAAADwAAACADAAAAAAAAAAAAAAEAAACgMgAAVgcAAKr4//8BAAAAf39/AAEAAABkAAAAAAAAABQAAABAHwAAAAAAACYAAAAAAAAAwOD//wAAAAAmAAAAZAAAABYAAABMAAAAAAAAAAAAAAAEAAAAAAAAAAEAAACAgIAKAAAAACgAAAAoAAAAZAAAAGQAAAAAAAAAzMzMAAAAAABQAAAAUAAAAGQAAABkAAAAAAAAABcAAAAUAAAAAAAAAAAAAAD/fwAA/38AAAAAAAAJAAAABAAAAAEAAAAMAAAAEAAAAAAAAAAAAAAAAAAAAAAAAAAeAAAAaAAAAAAAAAAAAAAAAAAAAAAAAAAAAAAAECcAABAnAAAAAAAAAAAAAAAAAAAAAAAAAAAAAAAAAAAAAAAAAAAAABQAAAAAAAAAwMD/AAAAAABkAAAAMgAAAAAAAABkAAAAAAAAAH9/fwAKAAAAHwAAAFQAAAAAAAAFAAAAAQAAAAAAAAAAAAAAAAAAAAAAAAAAAAAAAAAAAAAAAAAAAAAAAn9/fwAAAAADzMzMAMDA/wB/f38AAAAAAAAAAAAAAAAAAAAAAAAAAAAhAAAAGAAAABQAAABKAwAAHSsAAKMSAACVLQAAEAAAACYAAAAIAAAAAAAAAAAAAAA="/>
               </a:ext>
             </a:extLst>
           </p:cNvSpPr>
@@ -733,7 +733,7 @@
           <a:lstStyle/>
           <a:p>
             <a:pPr/>
-            <a:fld id="{310FEE15-5BDC-5A18-92B7-AD4DA0F964F8}" type="datetime1">
+            <a:fld id="{2073014E-00CD-26F7-83CB-F6A24F8575A3}" type="datetime1">
               <a:t/>
             </a:fld>
           </a:p>
@@ -746,7 +746,7 @@
             <a:spLocks noGrp="1" noChangeArrowheads="1"/>
             <a:extLst>
               <a:ext uri="smNativeData">
-                <pr:smNativeData xmlns:pr="smNativeData" val="SMDATA_13_yiIeXxMAAAAlAAAAZAAAAA8BAAAAkAAAAEgAAACQAAAASAAAAAAAAAABAAAAAAAAAAEAAABQAAAAAAAAAAAA4D8AAAAAAADgPwAAAAAAAOA/AAAAAAAA4D8AAAAAAADgPwAAAAAAAOA/AAAAAAAA4D8AAAAAAADgPwAAAAAAAOA/AAAAAAAA4D8CAAAAjAAAAAAAAAAAAAAAu+DjDP///wgAAAAAAAAAAAAAAAAAAAAAAAAAAAAAAAAAAAAAZAAAAAEAAABAAAAAAAAAAAAAAAAAAAAAAAAAAAAAAAAAAAAAAAAAAAAAAAAAAAAAAAAAAAAAAAAAAAAAAAAAAAAAAAAAAAAAAAAAAAAAAAAAAAAAAAAAAAAAAAAAAAAAFAAAADwAAAAAAAAAAAAAAAAAAAkUAAAAAQAAABQAAAAUAAAAFAAAAAEAAAAAAAAAZAAAAGQAAAAAAAAAZAAAAGQAAAAVAAAAYAAAAAAAAAAAAAAADwAAACADAAAAAAAAAAAAAAEAAACgMgAAVgcAAKr4//8BAAAAf39/AAEAAABkAAAAAAAAABQAAABAHwAAAAAAACYAAAAAAAAAwOD//wAAAAAmAAAAZAAAABYAAABMAAAAAAAAAAAAAAAEAAAAAAAAAAEAAACAgIAKAAAAACgAAAAoAAAAZAAAAGQAAAAAAAAAzMzMAAAAAABQAAAAUAAAAGQAAABkAAAAAAAAABcAAAAUAAAAAAAAAAAAAAD/fwAA/38AAAAAAAAJAAAABAAAAAAAAAAMAAAAEAAAAAAAAAAAAAAAAAAAAAAAAAAeAAAAaAAAAAAAAAAAAAAAAAAAAAAAAAAAAAAAECcAABAnAAAAAAAAAAAAAAAAAAAAAAAAAAAAAAAAAAAAAAAAAAAAABQAAAAAAAAAwMD/AAAAAABkAAAAMgAAAAAAAABkAAAAAAAAAH9/fwAKAAAAHwAAAFQAAAAAAAAFAAAAAQAAAAAAAAAAAAAAAAAAAAAAAAAAAAAAAAAAAAAAAAAAAAAAAn9/fwAAAAADzMzMAMDA/wB/f38AAAAAAAAAAAAAAAAAAAAAAAAAAAAhAAAAGAAAABQAAAB5FgAAHSsAAE4rAACVLQAAEAAAACYAAAAIAAAAAAAAAAAAAAA="/>
+                <pr:smNativeData xmlns:pr="smNativeData" val="SMDATA_13_3GgiXxMAAAAlAAAAZAAAAA8BAAAAkAAAAEgAAACQAAAASAAAAAAAAAABAAAAAAAAAAEAAABQAAAAAAAAAAAA4D8AAAAAAADgPwAAAAAAAOA/AAAAAAAA4D8AAAAAAADgPwAAAAAAAOA/AAAAAAAA4D8AAAAAAADgPwAAAAAAAOA/AAAAAAAA4D8CAAAAjAAAAAAAAAAAAAAAu+DjDP///wgAAAAAAAAAAAAAAAAAAAAAAAAAAAAAAAAAAAAAZAAAAAEAAABAAAAAAAAAAAAAAAAAAAAAAAAAAAAAAAAAAAAAAAAAAAAAAAAAAAAAAAAAAAAAAAAAAAAAAAAAAAAAAAAAAAAAAAAAAAAAAAAAAAAAAAAAAAAAAAAAAAAAFAAAADwAAAAAAAAAAAAAAAAAAAkUAAAAAQAAABQAAAAUAAAAFAAAAAEAAAAAAAAAZAAAAGQAAAAAAAAAZAAAAGQAAAAVAAAAYAAAAAAAAAAAAAAADwAAACADAAAAAAAAAAAAAAEAAACgMgAAVgcAAKr4//8BAAAAf39/AAEAAABkAAAAAAAAABQAAABAHwAAAAAAACYAAAAAAAAAwOD//wAAAAAmAAAAZAAAABYAAABMAAAAAAAAAAAAAAAEAAAAAAAAAAEAAACAgIAKAAAAACgAAAAoAAAAZAAAAGQAAAAAAAAAzMzMAAAAAABQAAAAUAAAAGQAAABkAAAAAAAAABcAAAAUAAAAAAAAAAAAAAD/fwAA/38AAAAAAAAJAAAABAAAAAAAAAAMAAAAEAAAAAAAAAAAAAAAAAAAAAAAAAAeAAAAaAAAAAAAAAAAAAAAAAAAAAAAAAAAAAAAECcAABAnAAAAAAAAAAAAAAAAAAAAAAAAAAAAAAAAAAAAAAAAAAAAABQAAAAAAAAAwMD/AAAAAABkAAAAMgAAAAAAAABkAAAAAAAAAH9/fwAKAAAAHwAAAFQAAAAAAAAFAAAAAQAAAAAAAAAAAAAAAAAAAAAAAAAAAAAAAAAAAAAAAAAAAAAAAn9/fwAAAAADzMzMAMDA/wB/f38AAAAAAAAAAAAAAAAAAAAAAAAAAAAhAAAAGAAAABQAAAB5FgAAHSsAAE4rAACVLQAAEAAAACYAAAAIAAAAAAAAAAAAAAA="/>
               </a:ext>
             </a:extLst>
           </p:cNvSpPr>
@@ -773,7 +773,7 @@
             <a:spLocks noGrp="1" noChangeArrowheads="1"/>
             <a:extLst>
               <a:ext uri="smNativeData">
-                <pr:smNativeData xmlns:pr="smNativeData" val="SMDATA_13_yiIeXxMAAAAlAAAAZAAAAA8BAAAAkAAAAEgAAACQAAAASAAAAAAAAAABAAAAAAAAAAEAAABQAAAAAAAAAAAA4D8AAAAAAADgPwAAAAAAAOA/AAAAAAAA4D8AAAAAAADgPwAAAAAAAOA/AAAAAAAA4D8AAAAAAADgPwAAAAAAAOA/AAAAAAAA4D8CAAAAjAAAAAAAAAAAAAAAu+DjDP///wgAAAAAAAAAAAAAAAAAAAAAAAAAAAAAAAAAAAAAZAAAAAEAAABAAAAAAAAAAAAAAAAAAAAAAAAAAAAAAAAAAAAAAAAAAAAAAAAAAAAAAAAAAAAAAAAAAAAAAAAAAAAAAAAAAAAAAAAAAAAAAAAAAAAAAAAAAAAAAAAAAAAAFAAAADwAAAAAAAAAAAAAAAAAAAkUAAAAAQAAABQAAAAUAAAAFAAAAAEAAAAAAAAAZAAAAGQAAAAAAAAAZAAAAGQAAAAVAAAAYAAAAAAAAAAAAAAADwAAACADAAAAAAAAAAAAAAEAAACgMgAAVgcAAKr4//8BAAAAf39/AAEAAABkAAAAAAAAABQAAABAHwAAAAAAACYAAAAAAAAAwOD//wAAAAAmAAAAZAAAABYAAABMAAAAAAAAAAAAAAAEAAAAAAAAAAEAAACAgIAKAAAAACgAAAAoAAAAZAAAAGQAAAAAAAAAzMzMAAAAAABQAAAAUAAAAGQAAABkAAAAAAAAABcAAAAUAAAAAAAAAAAAAAD/fwAA/38AAAAAAAAJAAAABAAAAAIAAAAMAAAAEAAAAAAAAAAAAAAAAAAAAAAAAAAeAAAAaAAAAAAAAAAAAAAAAAAAAAAAAAAAAAAAECcAABAnAAAAAAAAAAAAAAAAAAAAAAAAAAAAAAAAAAAAAAAAAAAAABQAAAAAAAAAwMD/AAAAAABkAAAAMgAAAAAAAABkAAAAAAAAAH9/fwAKAAAAHwAAAFQAAAAAAAAFAAAAAQAAAAAAAAAAAAAAAAAAAAAAAAAAAAAAAAAAAAAAAAAAAAAAAn9/fwAAAAADzMzMAMDA/wB/f38AAAAAAAAAAAAAAAAAAAAAAAAAAAAhAAAAGAAAABQAAAAkLwAAHSsAAH4+AACVLQAAEAAAACYAAAAIAAAAAAAAAAAAAAA="/>
+                <pr:smNativeData xmlns:pr="smNativeData" val="SMDATA_13_3GgiXxMAAAAlAAAAZAAAAA8BAAAAkAAAAEgAAACQAAAASAAAAAAAAAABAAAAAAAAAAEAAABQAAAAAAAAAAAA4D8AAAAAAADgPwAAAAAAAOA/AAAAAAAA4D8AAAAAAADgPwAAAAAAAOA/AAAAAAAA4D8AAAAAAADgPwAAAAAAAOA/AAAAAAAA4D8CAAAAjAAAAAAAAAAAAAAAu+DjDP///wgAAAAAAAAAAAAAAAAAAAAAAAAAAAAAAAAAAAAAZAAAAAEAAABAAAAAAAAAAAAAAAAAAAAAAAAAAAAAAAAAAAAAAAAAAAAAAAAAAAAAAAAAAAAAAAAAAAAAAAAAAAAAAAAAAAAAAAAAAAAAAAAAAAAAAAAAAAAAAAAAAAAAFAAAADwAAAAAAAAAAAAAAAAAAAkUAAAAAQAAABQAAAAUAAAAFAAAAAEAAAAAAAAAZAAAAGQAAAAAAAAAZAAAAGQAAAAVAAAAYAAAAAAAAAAAAAAADwAAACADAAAAAAAAAAAAAAEAAACgMgAAVgcAAKr4//8BAAAAf39/AAEAAABkAAAAAAAAABQAAABAHwAAAAAAACYAAAAAAAAAwOD//wAAAAAmAAAAZAAAABYAAABMAAAAAAAAAAAAAAAEAAAAAAAAAAEAAACAgIAKAAAAACgAAAAoAAAAZAAAAGQAAAAAAAAAzMzMAAAAAABQAAAAUAAAAGQAAABkAAAAAAAAABcAAAAUAAAAAAAAAAAAAAD/fwAA/38AAAAAAAAJAAAABAAAAAIAAAAMAAAAEAAAAAAAAAAAAAAAAAAAAAAAAAAeAAAAaAAAAAAAAAAAAAAAAAAAAAAAAAAAAAAAECcAABAnAAAAAAAAAAAAAAAAAAAAAAAAAAAAAAAAAAAAAAAAAAAAABQAAAAAAAAAwMD/AAAAAABkAAAAMgAAAAAAAABkAAAAAAAAAH9/fwAKAAAAHwAAAFQAAAAAAAAFAAAAAQAAAAAAAAAAAAAAAAAAAAAAAAAAAAAAAAAAAAAAAAAAAAAAAn9/fwAAAAADzMzMAMDA/wB/f38AAAAAAAAAAAAAAAAAAAAAAAAAAAAhAAAAGAAAABQAAAAkLwAAHSsAAH4+AACVLQAAEAAAACYAAAAIAAAAAAAAAAAAAAA="/>
               </a:ext>
             </a:extLst>
           </p:cNvSpPr>
@@ -787,7 +787,7 @@
           <a:lstStyle/>
           <a:p>
             <a:pPr/>
-            <a:fld id="{310FDD35-7BDC-5A2B-92B7-8D7E93F964D8}" type="slidenum">
+            <a:fld id="{20730908-46CD-26FF-83CB-B0AA478575E5}" type="slidenum">
               <a:t/>
             </a:fld>
           </a:p>
@@ -825,7 +825,7 @@
             <a:spLocks noGrp="1" noChangeArrowheads="1"/>
             <a:extLst>
               <a:ext uri="smNativeData">
-                <pr:smNativeData xmlns:pr="smNativeData" val="SMDATA_13_yiIeXxMAAAAlAAAAZAAAAA8BAAAAkAAAAEgAAACQAAAASAAAAAAAAAABAAAAAAAAAAEAAABQAAAAAAAAAAAA4D8AAAAAAADgPwAAAAAAAOA/AAAAAAAA4D8AAAAAAADgPwAAAAAAAOA/AAAAAAAA4D8AAAAAAADgPwAAAAAAAOA/AAAAAAAA4D8CAAAAjAAAAAAAAAAAAAAAu+DjDP///wgAAAAAAAAAAAAAAAAAAAAAAAAAAAAAAAAAAAAAZAAAAAEAAABAAAAAAAAAAAAAAAAAAAAAAAAAAAAAAAAAAAAAAAAAAAAAAAAAAAAAAAAAAAAAAAAAAAAAAAAAAAAAAAAAAAAAAAAAAAAAAAAAAAAAAAAAAAAAAAAAAAAAFAAAADwAAAAAAAAAAAAAAAAAAAkUAAAAAQAAABQAAAAUAAAAFAAAAAEAAAAAAAAAZAAAAGQAAAAAAAAAZAAAAGQAAAAVAAAAYAAAAAAAAAAAAAAADwAAACADAAAAAAAAAAAAAAEAAACgMgAAVgcAAKr4//8BAAAAf39/AAEAAABkAAAAAAAAABQAAABAHwAAAAAAACYAAAAAAAAAwOD//wAAAAAmAAAAZAAAABYAAABMAAAAAAAAAAAAAAAEAAAAAAAAAAEAAACAgIAKAAAAACgAAAAoAAAAZAAAAGQAAAAAAAAAzMzMAAAAAABQAAAAUAAAAGQAAABkAAAAAAAAABcAAAAUAAAAAAAAAAAAAAD/fwAA/38AAAAAAAAJAAAABAAAAAAAAAAMAAAAEAAAAAAAAAAAAAAAAAAAAAAAAAAeAAAAaAAAAAAAAAAAAAAAAAAAAAAAAAAAAAAAECcAABAnAAAAAAAAAAAAAAAAAAAAAAAAAAAAAAAAAAAAAAAAAAAAABQAAAAAAAAAwMD/AAAAAABkAAAAMgAAAAAAAABkAAAAAAAAAH9/fwAKAAAAHwAAAFQAAAAAAAAFAAAAAQAAAAAAAAAAAAAAAAAAAAAAAAAAAAAAAAAAAAAAAAAAAAAAAn9/fwAAAAADzMzMAMDA/wB/f38AAAAAAAAAAAAAAAAAAAAAAAAAAAAhAAAAGAAAABQAAABKAwAA3AEAAH4+AACcCQAAEAAAACYAAAAIAAAAAAAAAAAAAAA="/>
+                <pr:smNativeData xmlns:pr="smNativeData" val="SMDATA_13_3GgiXxMAAAAlAAAAZAAAAA8BAAAAkAAAAEgAAACQAAAASAAAAAAAAAABAAAAAAAAAAEAAABQAAAAAAAAAAAA4D8AAAAAAADgPwAAAAAAAOA/AAAAAAAA4D8AAAAAAADgPwAAAAAAAOA/AAAAAAAA4D8AAAAAAADgPwAAAAAAAOA/AAAAAAAA4D8CAAAAjAAAAAAAAAAAAAAAu+DjDP///wgAAAAAAAAAAAAAAAAAAAAAAAAAAAAAAAAAAAAAZAAAAAEAAABAAAAAAAAAAAAAAAAAAAAAAAAAAAAAAAAAAAAAAAAAAAAAAAAAAAAAAAAAAAAAAAAAAAAAAAAAAAAAAAAAAAAAAAAAAAAAAAAAAAAAAAAAAAAAAAAAAAAAFAAAADwAAAAAAAAAAAAAAAAAAAkUAAAAAQAAABQAAAAUAAAAFAAAAAEAAAAAAAAAZAAAAGQAAAAAAAAAZAAAAGQAAAAVAAAAYAAAAAAAAAAAAAAADwAAACADAAAAAAAAAAAAAAEAAACgMgAAVgcAAKr4//8BAAAAf39/AAEAAABkAAAAAAAAABQAAABAHwAAAAAAACYAAAAAAAAAwOD//wAAAAAmAAAAZAAAABYAAABMAAAAAAAAAAAAAAAEAAAAAAAAAAEAAACAgIAKAAAAACgAAAAoAAAAZAAAAGQAAAAAAAAAzMzMAAAAAABQAAAAUAAAAGQAAABkAAAAAAAAABcAAAAUAAAAAAAAAAAAAAD/fwAA/38AAAAAAAAJAAAABAAAAAAAAAAMAAAAEAAAAAAAAAAAAAAAAAAAAAAAAAAeAAAAaAAAAAAAAAAAAAAAAAAAAAAAAAAAAAAAECcAABAnAAAAAAAAAAAAAAAAAAAAAAAAAAAAAAAAAAAAAAAAAAAAABQAAAAAAAAAwMD/AAAAAABkAAAAMgAAAAAAAABkAAAAAAAAAH9/fwAKAAAAHwAAAFQAAAAAAAAFAAAAAQAAAAAAAAAAAAAAAAAAAAAAAAAAAAAAAAAAAAAAAAAAAAAAAn9/fwAAAAADzMzMAMDA/wB/f38AAAAAAAAAAAAAAAAAAAAAAAAAAAAhAAAAGAAAABQAAABKAwAA3AEAAH4+AACcCQAAEAAAACYAAAAIAAAAAAAAAAAAAAA="/>
               </a:ext>
             </a:extLst>
           </p:cNvSpPr>
@@ -852,7 +852,7 @@
             <a:spLocks noGrp="1" noChangeArrowheads="1"/>
             <a:extLst>
               <a:ext uri="smNativeData">
-                <pr:smNativeData xmlns:pr="smNativeData" val="SMDATA_13_yiIeXxMAAAAlAAAAZAAAAA8BAAAAkAAAAEgAAACQAAAASAAAAAAAAAAAAAAAAAAAAAEAAABQAAAAAAAAAAAA4D8AAAAAAADgPwAAAAAAAOA/AAAAAAAA4D8AAAAAAADgPwAAAAAAAOA/AAAAAAAA4D8AAAAAAADgPwAAAAAAAOA/AAAAAAAA4D8CAAAAjAAAAAAAAAAAAAAAu+DjDP///wgAAAAAAAAAAAAAAAAAAAAAAAAAAAAAAAAAAAAAZAAAAAEAAABAAAAAAAAAAAAAAAAAAAAAAAAAAAAAAAAAAAAAAAAAAAAAAAAAAAAAAAAAAAAAAAAAAAAAAAAAAAAAAAAAAAAAAAAAAAAAAAAAAAAAAAAAAAAAAAAAAAAAFAAAADwAAAAAAAAAAAAAAAAAAAkUAAAAAQAAABQAAAAUAAAAFAAAAAEAAAAAAAAAZAAAAGQAAAAAAAAAZAAAAGQAAAAVAAAAYAAAAAAAAAAAAAAADwAAACADAAAAAAAAAAAAAAEAAACgMgAAVgcAAKr4//8BAAAAf39/AAEAAABkAAAAAAAAABQAAABAHwAAAAAAACYAAAAAAAAAwOD//wAAAAAmAAAAZAAAABYAAABMAAAAAAAAAAAAAAAEAAAAAAAAAAEAAACAgIAKAAAAACgAAAAoAAAAZAAAAGQAAAAAAAAAzMzMAAAAAABQAAAAUAAAAGQAAABkAAAAAAAAABcAAAAUAAAAAAAAAAAAAAD/fwAA/38AAAAAAAAJAAAABAAAAAAAAAAMAAAAEAAAAAAAAAAAAAAAAAAAAAAAAAAeAAAAaAAAAAAAAAAAAAAAAAAAAAAAAAAAAAAAECcAABAnAAAAAAAAAAAAAAAAAAAAAAAAAAAAAAAAAAAAAAAAAAAAABQAAAAAAAAAwMD/AAAAAABkAAAAMgAAAAAAAABkAAAAAAAAAH9/fwAKAAAAHwAAAFQAAAAAAAAFAAAAAQAAAAAAAAAAAAAAAAAAAAAAAAAAAAAAAAAAAAAAAAAAAAAAAn9/fwAAAAADzMzMAMDA/wB/f38AAAAAAAAAAAAAAAAAAAAAAAAAAAAhAAAAGAAAABQAAABKAwAA2goAAH4+AACMKQAAEAAAACYAAAAIAAAAAAAAAAAAAAA="/>
+                <pr:smNativeData xmlns:pr="smNativeData" val="SMDATA_13_3GgiXxMAAAAlAAAAZAAAAA8BAAAAkAAAAEgAAACQAAAASAAAAAAAAAAAAAAAAAAAAAEAAABQAAAAAAAAAAAA4D8AAAAAAADgPwAAAAAAAOA/AAAAAAAA4D8AAAAAAADgPwAAAAAAAOA/AAAAAAAA4D8AAAAAAADgPwAAAAAAAOA/AAAAAAAA4D8CAAAAjAAAAAAAAAAAAAAAu+DjDP///wgAAAAAAAAAAAAAAAAAAAAAAAAAAAAAAAAAAAAAZAAAAAEAAABAAAAAAAAAAAAAAAAAAAAAAAAAAAAAAAAAAAAAAAAAAAAAAAAAAAAAAAAAAAAAAAAAAAAAAAAAAAAAAAAAAAAAAAAAAAAAAAAAAAAAAAAAAAAAAAAAAAAAFAAAADwAAAAAAAAAAAAAAAAAAAkUAAAAAQAAABQAAAAUAAAAFAAAAAEAAAAAAAAAZAAAAGQAAAAAAAAAZAAAAGQAAAAVAAAAYAAAAAAAAAAAAAAADwAAACADAAAAAAAAAAAAAAEAAACgMgAAVgcAAKr4//8BAAAAf39/AAEAAABkAAAAAAAAABQAAABAHwAAAAAAACYAAAAAAAAAwOD//wAAAAAmAAAAZAAAABYAAABMAAAAAAAAAAAAAAAEAAAAAAAAAAEAAACAgIAKAAAAACgAAAAoAAAAZAAAAGQAAAAAAAAAzMzMAAAAAABQAAAAUAAAAGQAAABkAAAAAAAAABcAAAAUAAAAAAAAAAAAAAD/fwAA/38AAAAAAAAJAAAABAAAAAAAAAAMAAAAEAAAAAAAAAAAAAAAAAAAAAAAAAAeAAAAaAAAAAAAAAAAAAAAAAAAAAAAAAAAAAAAECcAABAnAAAAAAAAAAAAAAAAAAAAAAAAAAAAAAAAAAAAAAAAAAAAABQAAAAAAAAAwMD/AAAAAABkAAAAMgAAAAAAAABkAAAAAAAAAH9/fwAKAAAAHwAAAFQAAAAAAAAFAAAAAQAAAAAAAAAAAAAAAAAAAAAAAAAAAAAAAAAAAAAAAAAAAAAAAn9/fwAAAAADzMzMAMDA/wB/f38AAAAAAAAAAAAAAAAAAAAAAAAAAAAhAAAAGAAAABQAAABKAwAA2goAAH4+AACMKQAAEAAAACYAAAAIAAAAAAAAAAAAAAA="/>
               </a:ext>
             </a:extLst>
           </p:cNvSpPr>
@@ -903,7 +903,7 @@
             <a:spLocks noGrp="1" noChangeArrowheads="1"/>
             <a:extLst>
               <a:ext uri="smNativeData">
-                <pr:smNativeData xmlns:pr="smNativeData" val="SMDATA_13_yiIeXxMAAAAlAAAAZAAAAA8BAAAAkAAAAEgAAACQAAAASAAAAAAAAAABAAAAAAAAAAEAAABQAAAAAAAAAAAA4D8AAAAAAADgPwAAAAAAAOA/AAAAAAAA4D8AAAAAAADgPwAAAAAAAOA/AAAAAAAA4D8AAAAAAADgPwAAAAAAAOA/AAAAAAAA4D8CAAAAjAAAAAAAAAAAAAAAu+DjDP///wgAAAAAAAAAAAAAAAAAAAAAAAAAAAAAAAAAAAAAZAAAAAEAAABAAAAAAAAAAAAAAAAAAAAAAAAAAAAAAAAAAAAAAAAAAAAAAAAAAAAAAAAAAAAAAAAAAAAAAAAAAAAAAAAAAAAAAAAAAAAAAAAAAAAAAAAAAAAAAAAAAAAAFAAAADwAAAAAAAAAAAAAAAAAAAkUAAAAAQAAABQAAAAUAAAAFAAAAAEAAAAAAAAAZAAAAGQAAAAAAAAAZAAAAGQAAAAVAAAAYAAAAAAAAAAAAAAADwAAACADAAAAAAAAAAAAAAEAAACgMgAAVgcAAKr4//8BAAAAf39/AAEAAABkAAAAAAAAABQAAABAHwAAAAAAACYAAAAAAAAAwOD//wAAAAAmAAAAZAAAABYAAABMAAAAAAAAAAAAAAAEAAAAAAAAAAEAAACAgIAKAAAAACgAAAAoAAAAZAAAAGQAAAAAAAAAzMzMAAAAAABQAAAAUAAAAGQAAABkAAAAAAAAABcAAAAUAAAAAAAAAAAAAAD/fwAA/38AAAAAAAAJAAAABAAAAAAAAAAMAAAAEAAAAAAAAAAAAAAAAAAAAAAAAAAeAAAAaAAAAAAAAAAAAAAAAAAAAAAAAAAAAAAAECcAABAnAAAAAAAAAAAAAAAAAAAAAAAAAAAAAAAAAAAAAAAAAAAAABQAAAAAAAAAwMD/AAAAAABkAAAAMgAAAAAAAABkAAAAAAAAAH9/fwAKAAAAHwAAAFQAAAAAAAAFAAAAAQAAAAAAAAAAAAAAAAAAAAAAAAAAAAAAAAAAAAAAAAAAAAAAAn9/fwAAAAADzMzMAMDA/wB/f38AAAAAAAAAAAAAAAAAAAAAAAAAAAAhAAAAGAAAABQAAABKAwAAHSsAAKMSAACVLQAAEAAAACYAAAAIAAAAAAAAAAAAAAA="/>
+                <pr:smNativeData xmlns:pr="smNativeData" val="SMDATA_13_3GgiXxMAAAAlAAAAZAAAAA8BAAAAkAAAAEgAAACQAAAASAAAAAAAAAABAAAAAAAAAAEAAABQAAAAAAAAAAAA4D8AAAAAAADgPwAAAAAAAOA/AAAAAAAA4D8AAAAAAADgPwAAAAAAAOA/AAAAAAAA4D8AAAAAAADgPwAAAAAAAOA/AAAAAAAA4D8CAAAAjAAAAAAAAAAAAAAAu+DjDP///wgAAAAAAAAAAAAAAAAAAAAAAAAAAAAAAAAAAAAAZAAAAAEAAABAAAAAAAAAAAAAAAAAAAAAAAAAAAAAAAAAAAAAAAAAAAAAAAAAAAAAAAAAAAAAAAAAAAAAAAAAAAAAAAAAAAAAAAAAAAAAAAAAAAAAAAAAAAAAAAAAAAAAFAAAADwAAAAAAAAAAAAAAAAAAAkUAAAAAQAAABQAAAAUAAAAFAAAAAEAAAAAAAAAZAAAAGQAAAAAAAAAZAAAAGQAAAAVAAAAYAAAAAAAAAAAAAAADwAAACADAAAAAAAAAAAAAAEAAACgMgAAVgcAAKr4//8BAAAAf39/AAEAAABkAAAAAAAAABQAAABAHwAAAAAAACYAAAAAAAAAwOD//wAAAAAmAAAAZAAAABYAAABMAAAAAAAAAAAAAAAEAAAAAAAAAAEAAACAgIAKAAAAACgAAAAoAAAAZAAAAGQAAAAAAAAAzMzMAAAAAABQAAAAUAAAAGQAAABkAAAAAAAAABcAAAAUAAAAAAAAAAAAAAD/fwAA/38AAAAAAAAJAAAABAAAAAAAAAAMAAAAEAAAAAAAAAAAAAAAAAAAAAAAAAAeAAAAaAAAAAAAAAAAAAAAAAAAAAAAAAAAAAAAECcAABAnAAAAAAAAAAAAAAAAAAAAAAAAAAAAAAAAAAAAAAAAAAAAABQAAAAAAAAAwMD/AAAAAABkAAAAMgAAAAAAAABkAAAAAAAAAH9/fwAKAAAAHwAAAFQAAAAAAAAFAAAAAQAAAAAAAAAAAAAAAAAAAAAAAAAAAAAAAAAAAAAAAAAAAAAAAn9/fwAAAAADzMzMAMDA/wB/f38AAAAAAAAAAAAAAAAAAAAAAAAAAAAhAAAAGAAAABQAAABKAwAAHSsAAKMSAACVLQAAEAAAACYAAAAIAAAAAAAAAAAAAAA="/>
               </a:ext>
             </a:extLst>
           </p:cNvSpPr>
@@ -917,7 +917,7 @@
           <a:lstStyle/>
           <a:p>
             <a:pPr/>
-            <a:fld id="{310F8C7A-34DC-5A7A-92B7-C22FC2F96497}" type="datetime1">
+            <a:fld id="{207363CE-80CD-2695-83CB-76C02D857523}" type="datetime1">
               <a:t/>
             </a:fld>
           </a:p>
@@ -930,7 +930,7 @@
             <a:spLocks noGrp="1" noChangeArrowheads="1"/>
             <a:extLst>
               <a:ext uri="smNativeData">
-                <pr:smNativeData xmlns:pr="smNativeData" val="SMDATA_13_yiIeXxMAAAAlAAAAZAAAAA8BAAAAkAAAAEgAAACQAAAASAAAAAAAAAABAAAAAAAAAAEAAABQAAAAAAAAAAAA4D8AAAAAAADgPwAAAAAAAOA/AAAAAAAA4D8AAAAAAADgPwAAAAAAAOA/AAAAAAAA4D8AAAAAAADgPwAAAAAAAOA/AAAAAAAA4D8CAAAAjAAAAAAAAAAAAAAAu+DjDP///wgAAAAAAAAAAAAAAAAAAAAAAAAAAAAAAAAAAAAAZAAAAAEAAABAAAAAAAAAAAAAAAAAAAAAAAAAAAAAAAAAAAAAAAAAAAAAAAAAAAAAAAAAAAAAAAAAAAAAAAAAAAAAAAAAAAAAAAAAAAAAAAAAAAAAAAAAAAAAAAAAAAAAFAAAADwAAAAAAAAAAAAAAAAAAAkUAAAAAQAAABQAAAAUAAAAFAAAAAEAAAAAAAAAZAAAAGQAAAAAAAAAZAAAAGQAAAAVAAAAYAAAAAAAAAAAAAAADwAAACADAAAAAAAAAAAAAAEAAACgMgAAVgcAAKr4//8BAAAAf39/AAEAAABkAAAAAAAAABQAAABAHwAAAAAAACYAAAAAAAAAwOD//wAAAAAmAAAAZAAAABYAAABMAAAAAAAAAAAAAAAEAAAAAAAAAAEAAACAgIAKAAAAACgAAAAoAAAAZAAAAGQAAAAAAAAAzMzMAAAAAABQAAAAUAAAAGQAAABkAAAAAAAAABcAAAAUAAAAAAAAAAAAAAD/fwAA/38AAAAAAAAJAAAABAAAAAAAAAAMAAAAEAAAAAAAAAAAAAAAAAAAAAAAAAAeAAAAaAAAAAAAAAAAAAAAAAAAAAAAAAAAAAAAECcAABAnAAAAAAAAAAAAAAAAAAAAAAAAAAAAAAAAAAAAAAAAAAAAABQAAAAAAAAAwMD/AAAAAABkAAAAMgAAAAAAAABkAAAAAAAAAH9/fwAKAAAAHwAAAFQAAAAAAAAFAAAAAQAAAAAAAAAAAAAAAAAAAAAAAAAAAAAAAAAAAAAAAAAAAAAAAn9/fwAAAAADzMzMAMDA/wB/f38AAAAAAAAAAAAAAAAAAAAAAAAAAAAhAAAAGAAAABQAAAB5FgAAHSsAAE4rAACVLQAAEAAAACYAAAAIAAAAAAAAAAAAAAA="/>
+                <pr:smNativeData xmlns:pr="smNativeData" val="SMDATA_13_3GgiXxMAAAAlAAAAZAAAAA8BAAAAkAAAAEgAAACQAAAASAAAAAAAAAABAAAAAAAAAAEAAABQAAAAAAAAAAAA4D8AAAAAAADgPwAAAAAAAOA/AAAAAAAA4D8AAAAAAADgPwAAAAAAAOA/AAAAAAAA4D8AAAAAAADgPwAAAAAAAOA/AAAAAAAA4D8CAAAAjAAAAAAAAAAAAAAAu+DjDP///wgAAAAAAAAAAAAAAAAAAAAAAAAAAAAAAAAAAAAAZAAAAAEAAABAAAAAAAAAAAAAAAAAAAAAAAAAAAAAAAAAAAAAAAAAAAAAAAAAAAAAAAAAAAAAAAAAAAAAAAAAAAAAAAAAAAAAAAAAAAAAAAAAAAAAAAAAAAAAAAAAAAAAFAAAADwAAAAAAAAAAAAAAAAAAAkUAAAAAQAAABQAAAAUAAAAFAAAAAEAAAAAAAAAZAAAAGQAAAAAAAAAZAAAAGQAAAAVAAAAYAAAAAAAAAAAAAAADwAAACADAAAAAAAAAAAAAAEAAACgMgAAVgcAAKr4//8BAAAAf39/AAEAAABkAAAAAAAAABQAAABAHwAAAAAAACYAAAAAAAAAwOD//wAAAAAmAAAAZAAAABYAAABMAAAAAAAAAAAAAAAEAAAAAAAAAAEAAACAgIAKAAAAACgAAAAoAAAAZAAAAGQAAAAAAAAAzMzMAAAAAABQAAAAUAAAAGQAAABkAAAAAAAAABcAAAAUAAAAAAAAAAAAAAD/fwAA/38AAAAAAAAJAAAABAAAAAAAAAAMAAAAEAAAAAAAAAAAAAAAAAAAAAAAAAAeAAAAaAAAAAAAAAAAAAAAAAAAAAAAAAAAAAAAECcAABAnAAAAAAAAAAAAAAAAAAAAAAAAAAAAAAAAAAAAAAAAAAAAABQAAAAAAAAAwMD/AAAAAABkAAAAMgAAAAAAAABkAAAAAAAAAH9/fwAKAAAAHwAAAFQAAAAAAAAFAAAAAQAAAAAAAAAAAAAAAAAAAAAAAAAAAAAAAAAAAAAAAAAAAAAAAn9/fwAAAAADzMzMAMDA/wB/f38AAAAAAAAAAAAAAAAAAAAAAAAAAAAhAAAAGAAAABQAAAB5FgAAHSsAAE4rAACVLQAAEAAAACYAAAAIAAAAAAAAAAAAAAA="/>
               </a:ext>
             </a:extLst>
           </p:cNvSpPr>
@@ -957,7 +957,7 @@
             <a:spLocks noGrp="1" noChangeArrowheads="1"/>
             <a:extLst>
               <a:ext uri="smNativeData">
-                <pr:smNativeData xmlns:pr="smNativeData" val="SMDATA_13_yiIeXxMAAAAlAAAAZAAAAA8BAAAAkAAAAEgAAACQAAAASAAAAAAAAAABAAAAAAAAAAEAAABQAAAAAAAAAAAA4D8AAAAAAADgPwAAAAAAAOA/AAAAAAAA4D8AAAAAAADgPwAAAAAAAOA/AAAAAAAA4D8AAAAAAADgPwAAAAAAAOA/AAAAAAAA4D8CAAAAjAAAAAAAAAAAAAAAu+DjDP///wgAAAAAAAAAAAAAAAAAAAAAAAAAAAAAAAAAAAAAZAAAAAEAAABAAAAAAAAAAAAAAAAAAAAAAAAAAAAAAAAAAAAAAAAAAAAAAAAAAAAAAAAAAAAAAAAAAAAAAAAAAAAAAAAAAAAAAAAAAAAAAAAAAAAAAAAAAAAAAAAAAAAAFAAAADwAAAAAAAAAAAAAAAAAAAkUAAAAAQAAABQAAAAUAAAAFAAAAAEAAAAAAAAAZAAAAGQAAAAAAAAAZAAAAGQAAAAVAAAAYAAAAAAAAAAAAAAADwAAACADAAAAAAAAAAAAAAEAAACgMgAAVgcAAKr4//8BAAAAf39/AAEAAABkAAAAAAAAABQAAABAHwAAAAAAACYAAAAAAAAAwOD//wAAAAAmAAAAZAAAABYAAABMAAAAAAAAAAAAAAAEAAAAAAAAAAEAAACAgIAKAAAAACgAAAAoAAAAZAAAAGQAAAAAAAAAzMzMAAAAAABQAAAAUAAAAGQAAABkAAAAAAAAABcAAAAUAAAAAAAAAAAAAAD/fwAA/38AAAAAAAAJAAAABAAAAAAAAAAMAAAAEAAAAAAAAAAAAAAAAAAAAAAAAAAeAAAAaAAAAAAAAAAAAAAAAAAAAAAAAAAAAAAAECcAABAnAAAAAAAAAAAAAAAAAAAAAAAAAAAAAAAAAAAAAAAAAAAAABQAAAAAAAAAwMD/AAAAAABkAAAAMgAAAAAAAABkAAAAAAAAAH9/fwAKAAAAHwAAAFQAAAAAAAAFAAAAAQAAAAAAAAAAAAAAAAAAAAAAAAAAAAAAAAAAAAAAAAAAAAAAAn9/fwAAAAADzMzMAMDA/wB/f38AAAAAAAAAAAAAAAAAAAAAAAAAAAAhAAAAGAAAABQAAAAkLwAAHSsAAH4+AACVLQAAEAAAACYAAAAIAAAAAAAAAAAAAAA="/>
+                <pr:smNativeData xmlns:pr="smNativeData" val="SMDATA_13_3GgiXxMAAAAlAAAAZAAAAA8BAAAAkAAAAEgAAACQAAAASAAAAAAAAAABAAAAAAAAAAEAAABQAAAAAAAAAAAA4D8AAAAAAADgPwAAAAAAAOA/AAAAAAAA4D8AAAAAAADgPwAAAAAAAOA/AAAAAAAA4D8AAAAAAADgPwAAAAAAAOA/AAAAAAAA4D8CAAAAjAAAAAAAAAAAAAAAu+DjDP///wgAAAAAAAAAAAAAAAAAAAAAAAAAAAAAAAAAAAAAZAAAAAEAAABAAAAAAAAAAAAAAAAAAAAAAAAAAAAAAAAAAAAAAAAAAAAAAAAAAAAAAAAAAAAAAAAAAAAAAAAAAAAAAAAAAAAAAAAAAAAAAAAAAAAAAAAAAAAAAAAAAAAAFAAAADwAAAAAAAAAAAAAAAAAAAkUAAAAAQAAABQAAAAUAAAAFAAAAAEAAAAAAAAAZAAAAGQAAAAAAAAAZAAAAGQAAAAVAAAAYAAAAAAAAAAAAAAADwAAACADAAAAAAAAAAAAAAEAAACgMgAAVgcAAKr4//8BAAAAf39/AAEAAABkAAAAAAAAABQAAABAHwAAAAAAACYAAAAAAAAAwOD//wAAAAAmAAAAZAAAABYAAABMAAAAAAAAAAAAAAAEAAAAAAAAAAEAAACAgIAKAAAAACgAAAAoAAAAZAAAAGQAAAAAAAAAzMzMAAAAAABQAAAAUAAAAGQAAABkAAAAAAAAABcAAAAUAAAAAAAAAAAAAAD/fwAA/38AAAAAAAAJAAAABAAAAAAAAAAMAAAAEAAAAAAAAAAAAAAAAAAAAAAAAAAeAAAAaAAAAAAAAAAAAAAAAAAAAAAAAAAAAAAAECcAABAnAAAAAAAAAAAAAAAAAAAAAAAAAAAAAAAAAAAAAAAAAAAAABQAAAAAAAAAwMD/AAAAAABkAAAAMgAAAAAAAABkAAAAAAAAAH9/fwAKAAAAHwAAAFQAAAAAAAAFAAAAAQAAAAAAAAAAAAAAAAAAAAAAAAAAAAAAAAAAAAAAAAAAAAAAAn9/fwAAAAADzMzMAMDA/wB/f38AAAAAAAAAAAAAAAAAAAAAAAAAAAAhAAAAGAAAABQAAAAkLwAAHSsAAH4+AACVLQAAEAAAACYAAAAIAAAAAAAAAAAAAAA="/>
               </a:ext>
             </a:extLst>
           </p:cNvSpPr>
@@ -971,7 +971,7 @@
           <a:lstStyle/>
           <a:p>
             <a:pPr/>
-            <a:fld id="{310FA7DC-92DC-5A51-92B7-6404E9F96431}" type="slidenum">
+            <a:fld id="{20735E2B-65CD-26A8-83CB-93FD108575C6}" type="slidenum">
               <a:t/>
             </a:fld>
           </a:p>
@@ -1009,7 +1009,7 @@
             <a:spLocks noGrp="1" noChangeArrowheads="1"/>
             <a:extLst>
               <a:ext uri="smNativeData">
-                <pr:smNativeData xmlns:pr="smNativeData" val="SMDATA_13_yiIeXxMAAAAlAAAAZAAAAA8BAAAAkAAAAEgAAACQAAAASAAAAAAAAAAAAAAAAAAAAAEAAABQAAAAAAAAAAAA4D8AAAAAAADgPwAAAAAAAOA/AAAAAAAA4D8AAAAAAADgPwAAAAAAAOA/AAAAAAAA4D8AAAAAAADgPwAAAAAAAOA/AAAAAAAA4D8CAAAAjAAAAAAAAAAAAAAAu+DjDP///wgAAAAAAAAAAAAAAAAAAAAAAAAAAAAAAAAAAAAAZAAAAAEAAABAAAAAAAAAAAAAAAAAAAAAAAAAAAAAAAAAAAAAAAAAAAAAAAAAAAAAAAAAAAAAAAAAAAAAAAAAAAAAAAAAAAAAAAAAAAAAAAAAAAAAAAAAAAAAAAAAAAAAFAAAADwAAAAAAAAAAAAAAAAAAAkUAAAAAQAAABQAAAAUAAAAFAAAAAEAAAAAAAAAZAAAAGQAAAAAAAAAZAAAAGQAAAAVAAAAYAAAAAAAAAAAAAAADwAAACADAAAAAAAAAAAAAAEAAACgMgAAVgcAAKr4//8BAAAAf39/AAEAAABkAAAAAAAAABQAAABAHwAAAAAAACYAAAAAAAAAwOD//wAAAAAmAAAAZAAAABYAAABMAAAAAAAAAAAAAAAEAAAAAAAAAAEAAACAgIAKAAAAACgAAAAoAAAAZAAAAGQAAAAAAAAAzMzMAAAAAABQAAAAUAAAAGQAAABkAAAAAAAAABcAAAAUAAAAAAAAAAAAAAD/fwAA/38AAAAAAAAJAAAABAAAAAAAAAAMAAAAEAAAAAAAAAAAAAAAAAAAAAAAAAAeAAAAaAAAAAAAAAAAAAAAAAAAAAAAAAAAAAAAECcAABAnAAAAAAAAAAAAAAAAAAAAAAAAAAAAAAAAAAAAAAAAAAAAABQAAAAAAAAAwMD/AAAAAABkAAAAMgAAAAAAAABkAAAAAAAAAH9/fwAKAAAAHwAAAFQAAAAAAAAFAAAAAQAAAAAAAAAAAAAAAAAAAAAAAAAAAAAAAAAAAAAAAAAAAAAAAn9/fwAAAAADzMzMAMDA/wB/f38AAAAAAAAAAAAAAAAAAAAAAAAAAAAhAAAAGAAAABQAAAAyBQAA4x0AABw9AAAgJwAAEAAAACYAAAAIAAAAgYAAAAAAAAA="/>
+                <pr:smNativeData xmlns:pr="smNativeData" val="SMDATA_13_3GgiXxMAAAAlAAAAZAAAAA8BAAAAkAAAAEgAAACQAAAASAAAAAAAAAAAAAAAAAAAAAEAAABQAAAAAAAAAAAA4D8AAAAAAADgPwAAAAAAAOA/AAAAAAAA4D8AAAAAAADgPwAAAAAAAOA/AAAAAAAA4D8AAAAAAADgPwAAAAAAAOA/AAAAAAAA4D8CAAAAjAAAAAAAAAAAAAAAu+DjDP///wgAAAAAAAAAAAAAAAAAAAAAAAAAAAAAAAAAAAAAZAAAAAEAAABAAAAAAAAAAAAAAAAAAAAAAAAAAAAAAAAAAAAAAAAAAAAAAAAAAAAAAAAAAAAAAAAAAAAAAAAAAAAAAAAAAAAAAAAAAAAAAAAAAAAAAAAAAAAAAAAAAAAAFAAAADwAAAAAAAAAAAAAAAAAAAkUAAAAAQAAABQAAAAUAAAAFAAAAAEAAAAAAAAAZAAAAGQAAAAAAAAAZAAAAGQAAAAVAAAAYAAAAAAAAAAAAAAADwAAACADAAAAAAAAAAAAAAEAAACgMgAAVgcAAKr4//8BAAAAf39/AAEAAABkAAAAAAAAABQAAABAHwAAAAAAACYAAAAAAAAAwOD//wAAAAAmAAAAZAAAABYAAABMAAAAAAAAAAAAAAAEAAAAAAAAAAEAAACAgIAKAAAAACgAAAAoAAAAZAAAAGQAAAAAAAAAzMzMAAAAAABQAAAAUAAAAGQAAABkAAAAAAAAABcAAAAUAAAAAAAAAAAAAAD/fwAA/38AAAAAAAAJAAAABAAAAAAAAAAMAAAAEAAAAAAAAAAAAAAAAAAAAAAAAAAeAAAAaAAAAAAAAAAAAAAAAAAAAAAAAAAAAAAAECcAABAnAAAAAAAAAAAAAAAAAAAAAAAAAAAAAAAAAAAAAAAAAAAAABQAAAAAAAAAwMD/AAAAAABkAAAAMgAAAAAAAABkAAAAAAAAAH9/fwAKAAAAHwAAAFQAAAAAAAAFAAAAAQAAAAAAAAAAAAAAAAAAAAAAAAAAAAAAAAAAAAAAAAAAAAAAAn9/fwAAAAADzMzMAMDA/wB/f38AAAAAAAAAAAAAAAAAAAAAAAAAAAAhAAAAGAAAABQAAAAyBQAA4x0AABw9AAAgJwAAEAAAACYAAAAIAAAAgYAAAAAAAAA="/>
               </a:ext>
             </a:extLst>
           </p:cNvSpPr>
@@ -1051,7 +1051,7 @@
             <a:spLocks noGrp="1" noChangeArrowheads="1"/>
             <a:extLst>
               <a:ext uri="smNativeData">
-                <pr:smNativeData xmlns:pr="smNativeData" val="SMDATA_13_yiIeXxMAAAAlAAAAZAAAAA8BAAAAkAAAAEgAAACQAAAASAAAAAAAAAACAAAAAAAAAAEAAABQAAAAAAAAAAAA4D8AAAAAAADgPwAAAAAAAOA/AAAAAAAA4D8AAAAAAADgPwAAAAAAAOA/AAAAAAAA4D8AAAAAAADgPwAAAAAAAOA/AAAAAAAA4D8CAAAAjAAAAAAAAAAAAAAAu+DjDP///wgAAAAAAAAAAAAAAAAAAAAAAAAAAAAAAAAAAAAAZAAAAAEAAABAAAAAAAAAAAAAAAAAAAAAAAAAAAAAAAAAAAAAAAAAAAAAAAAAAAAAAAAAAAAAAAAAAAAAAAAAAAAAAAAAAAAAAAAAAAAAAAAAAAAAAAAAAAAAAAAAAAAAFAAAADwAAAAAAAAAAAAAAAAAAAkUAAAAAQAAABQAAAAUAAAAFAAAAAEAAAAAAAAAZAAAAGQAAAAAAAAAZAAAAGQAAAAVAAAAYAAAAAAAAAAAAAAADwAAACADAAAAAAAAAAAAAAEAAACgMgAAVgcAAKr4//8BAAAAf39/AAEAAABkAAAAAAAAABQAAABAHwAAAAAAACYAAAAAAAAAwOD//wAAAAAmAAAAZAAAABYAAABMAAAAAAAAAAAAAAAEAAAAAAAAAAEAAACAgIAKAAAAACgAAAAoAAAAZAAAAGQAAAAAAAAAzMzMAAAAAABQAAAAUAAAAGQAAABkAAAAAAAAABcAAAAUAAAAAAAAAAAAAAD/fwAA/38AAAAAAAAJAAAABAAAAAAAAAAMAAAAEAAAAAAAAAAAAAAAAAAAAAAAAAAeAAAAaAAAAAAAAAAAAAAAAAAAAAAAAAAAAAAAECcAABAnAAAAAAAAAAAAAAAAAAAAAAAAAAAAAAAAAAAAAAAAAAAAABQAAAAAAAAAwMD/AAAAAABkAAAAMgAAAAAAAABkAAAAAAAAAH9/fwAKAAAAHwAAAFQAAAAAAAAFAAAAAQAAAAAAAAAAAAAAAAAAAAAAAAAAAAAAAAAAAAAAAAAAAAAAAn9/fwAAAAADzMzMAMDA/wB/f38AAAAAAAAAAAAAAAAAAAAAAAAAAAAhAAAAGAAAABQAAAAyBQAAthMAABw9AADjHQAAEAAAACYAAAAIAAAAgYAAAAAAAAA="/>
+                <pr:smNativeData xmlns:pr="smNativeData" val="SMDATA_13_3GgiXxMAAAAlAAAAZAAAAA8BAAAAkAAAAEgAAACQAAAASAAAAAAAAAACAAAAAAAAAAEAAABQAAAAAAAAAAAA4D8AAAAAAADgPwAAAAAAAOA/AAAAAAAA4D8AAAAAAADgPwAAAAAAAOA/AAAAAAAA4D8AAAAAAADgPwAAAAAAAOA/AAAAAAAA4D8CAAAAjAAAAAAAAAAAAAAAu+DjDP///wgAAAAAAAAAAAAAAAAAAAAAAAAAAAAAAAAAAAAAZAAAAAEAAABAAAAAAAAAAAAAAAAAAAAAAAAAAAAAAAAAAAAAAAAAAAAAAAAAAAAAAAAAAAAAAAAAAAAAAAAAAAAAAAAAAAAAAAAAAAAAAAAAAAAAAAAAAAAAAAAAAAAAFAAAADwAAAAAAAAAAAAAAAAAAAkUAAAAAQAAABQAAAAUAAAAFAAAAAEAAAAAAAAAZAAAAGQAAAAAAAAAZAAAAGQAAAAVAAAAYAAAAAAAAAAAAAAADwAAACADAAAAAAAAAAAAAAEAAACgMgAAVgcAAKr4//8BAAAAf39/AAEAAABkAAAAAAAAABQAAABAHwAAAAAAACYAAAAAAAAAwOD//wAAAAAmAAAAZAAAABYAAABMAAAAAAAAAAAAAAAEAAAAAAAAAAEAAACAgIAKAAAAACgAAAAoAAAAZAAAAGQAAAAAAAAAzMzMAAAAAABQAAAAUAAAAGQAAABkAAAAAAAAABcAAAAUAAAAAAAAAAAAAAD/fwAA/38AAAAAAAAJAAAABAAAAAAAAAAMAAAAEAAAAAAAAAAAAAAAAAAAAAAAAAAeAAAAaAAAAAAAAAAAAAAAAAAAAAAAAAAAAAAAECcAABAnAAAAAAAAAAAAAAAAAAAAAAAAAAAAAAAAAAAAAAAAAAAAABQAAAAAAAAAwMD/AAAAAABkAAAAMgAAAAAAAABkAAAAAAAAAH9/fwAKAAAAHwAAAFQAAAAAAAAFAAAAAQAAAAAAAAAAAAAAAAAAAAAAAAAAAAAAAAAAAAAAAAAAAAAAAn9/fwAAAAADzMzMAMDA/wB/f38AAAAAAAAAAAAAAAAAAAAAAAAAAAAhAAAAGAAAABQAAAAyBQAAthMAABw9AADjHQAAEAAAACYAAAAIAAAAgYAAAAAAAAA="/>
               </a:ext>
             </a:extLst>
           </p:cNvSpPr>
@@ -1124,7 +1124,7 @@
             <a:spLocks noGrp="1" noChangeArrowheads="1"/>
             <a:extLst>
               <a:ext uri="smNativeData">
-                <pr:smNativeData xmlns:pr="smNativeData" val="SMDATA_13_yiIeXxMAAAAlAAAAZAAAAA8BAAAAkAAAAEgAAACQAAAASAAAAAAAAAABAAAAAAAAAAEAAABQAAAAAAAAAAAA4D8AAAAAAADgPwAAAAAAAOA/AAAAAAAA4D8AAAAAAADgPwAAAAAAAOA/AAAAAAAA4D8AAAAAAADgPwAAAAAAAOA/AAAAAAAA4D8CAAAAjAAAAAAAAAAAAAAAu+DjDP///wgAAAAAAAAAAAAAAAAAAAAAAAAAAAAAAAAAAAAAZAAAAAEAAABAAAAAAAAAAAAAAAAAAAAAAAAAAAAAAAAAAAAAAAAAAAAAAAAAAAAAAAAAAAAAAAAAAAAAAAAAAAAAAAAAAAAAAAAAAAAAAAAAAAAAAAAAAAAAAAAAAAAAFAAAADwAAAAAAAAAAAAAAAAAAAkUAAAAAQAAABQAAAAUAAAAFAAAAAEAAAAAAAAAZAAAAGQAAAAAAAAAZAAAAGQAAAAVAAAAYAAAAAAAAAAAAAAADwAAACADAAAAAAAAAAAAAAEAAACgMgAAVgcAAKr4//8BAAAAf39/AAEAAABkAAAAAAAAABQAAABAHwAAAAAAACYAAAAAAAAAwOD//wAAAAAmAAAAZAAAABYAAABMAAAAAAAAAAAAAAAEAAAAAAAAAAEAAACAgIAKAAAAACgAAAAoAAAAZAAAAGQAAAAAAAAAzMzMAAAAAABQAAAAUAAAAGQAAABkAAAAAAAAABcAAAAUAAAAAAAAAAAAAAD/fwAA/38AAAAAAAAJAAAABAAAAAAAAAAMAAAAEAAAAAAAAAAAAAAAAAAAAAAAAAAeAAAAaAAAAAAAAAAAAAAAAAAAAAAAAAAAAAAAECcAABAnAAAAAAAAAAAAAAAAAAAAAAAAAAAAAAAAAAAAAAAAAAAAABQAAAAAAAAAwMD/AAAAAABkAAAAMgAAAAAAAABkAAAAAAAAAH9/fwAKAAAAHwAAAFQAAAAAAAAFAAAAAQAAAAAAAAAAAAAAAAAAAAAAAAAAAAAAAAAAAAAAAAAAAAAAAn9/fwAAAAADzMzMAMDA/wB/f38AAAAAAAAAAAAAAAAAAAAAAAAAAAAhAAAAGAAAABQAAABKAwAAHSsAAKMSAACVLQAAEAAAACYAAAAIAAAAAAAAAAAAAAA="/>
+                <pr:smNativeData xmlns:pr="smNativeData" val="SMDATA_13_3GgiXxMAAAAlAAAAZAAAAA8BAAAAkAAAAEgAAACQAAAASAAAAAAAAAABAAAAAAAAAAEAAABQAAAAAAAAAAAA4D8AAAAAAADgPwAAAAAAAOA/AAAAAAAA4D8AAAAAAADgPwAAAAAAAOA/AAAAAAAA4D8AAAAAAADgPwAAAAAAAOA/AAAAAAAA4D8CAAAAjAAAAAAAAAAAAAAAu+DjDP///wgAAAAAAAAAAAAAAAAAAAAAAAAAAAAAAAAAAAAAZAAAAAEAAABAAAAAAAAAAAAAAAAAAAAAAAAAAAAAAAAAAAAAAAAAAAAAAAAAAAAAAAAAAAAAAAAAAAAAAAAAAAAAAAAAAAAAAAAAAAAAAAAAAAAAAAAAAAAAAAAAAAAAFAAAADwAAAAAAAAAAAAAAAAAAAkUAAAAAQAAABQAAAAUAAAAFAAAAAEAAAAAAAAAZAAAAGQAAAAAAAAAZAAAAGQAAAAVAAAAYAAAAAAAAAAAAAAADwAAACADAAAAAAAAAAAAAAEAAACgMgAAVgcAAKr4//8BAAAAf39/AAEAAABkAAAAAAAAABQAAABAHwAAAAAAACYAAAAAAAAAwOD//wAAAAAmAAAAZAAAABYAAABMAAAAAAAAAAAAAAAEAAAAAAAAAAEAAACAgIAKAAAAACgAAAAoAAAAZAAAAGQAAAAAAAAAzMzMAAAAAABQAAAAUAAAAGQAAABkAAAAAAAAABcAAAAUAAAAAAAAAAAAAAD/fwAA/38AAAAAAAAJAAAABAAAAAAAAAAMAAAAEAAAAAAAAAAAAAAAAAAAAAAAAAAeAAAAaAAAAAAAAAAAAAAAAAAAAAAAAAAAAAAAECcAABAnAAAAAAAAAAAAAAAAAAAAAAAAAAAAAAAAAAAAAAAAAAAAABQAAAAAAAAAwMD/AAAAAABkAAAAMgAAAAAAAABkAAAAAAAAAH9/fwAKAAAAHwAAAFQAAAAAAAAFAAAAAQAAAAAAAAAAAAAAAAAAAAAAAAAAAAAAAAAAAAAAAAAAAAAAAn9/fwAAAAADzMzMAMDA/wB/f38AAAAAAAAAAAAAAAAAAAAAAAAAAAAhAAAAGAAAABQAAABKAwAAHSsAAKMSAACVLQAAEAAAACYAAAAIAAAAAAAAAAAAAAA="/>
               </a:ext>
             </a:extLst>
           </p:cNvSpPr>
@@ -1138,7 +1138,7 @@
           <a:lstStyle/>
           <a:p>
             <a:pPr/>
-            <a:fld id="{310FA686-C8DC-5A50-92B7-3E05E8F9646B}" type="datetime1">
+            <a:fld id="{207312DA-94CD-26E4-83CB-62B15C857537}" type="datetime1">
               <a:t/>
             </a:fld>
           </a:p>
@@ -1151,7 +1151,7 @@
             <a:spLocks noGrp="1" noChangeArrowheads="1"/>
             <a:extLst>
               <a:ext uri="smNativeData">
-                <pr:smNativeData xmlns:pr="smNativeData" val="SMDATA_13_yiIeXxMAAAAlAAAAZAAAAA8BAAAAkAAAAEgAAACQAAAASAAAAAAAAAABAAAAAAAAAAEAAABQAAAAAAAAAAAA4D8AAAAAAADgPwAAAAAAAOA/AAAAAAAA4D8AAAAAAADgPwAAAAAAAOA/AAAAAAAA4D8AAAAAAADgPwAAAAAAAOA/AAAAAAAA4D8CAAAAjAAAAAAAAAAAAAAAu+DjDP///wgAAAAAAAAAAAAAAAAAAAAAAAAAAAAAAAAAAAAAZAAAAAEAAABAAAAAAAAAAAAAAAAAAAAAAAAAAAAAAAAAAAAAAAAAAAAAAAAAAAAAAAAAAAAAAAAAAAAAAAAAAAAAAAAAAAAAAAAAAAAAAAAAAAAAAAAAAAAAAAAAAAAAFAAAADwAAAAAAAAAAAAAAAAAAAkUAAAAAQAAABQAAAAUAAAAFAAAAAEAAAAAAAAAZAAAAGQAAAAAAAAAZAAAAGQAAAAVAAAAYAAAAAAAAAAAAAAADwAAACADAAAAAAAAAAAAAAEAAACgMgAAVgcAAKr4//8BAAAAf39/AAEAAABkAAAAAAAAABQAAABAHwAAAAAAACYAAAAAAAAAwOD//wAAAAAmAAAAZAAAABYAAABMAAAAAAAAAAAAAAAEAAAAAAAAAAEAAACAgIAKAAAAACgAAAAoAAAAZAAAAGQAAAAAAAAAzMzMAAAAAABQAAAAUAAAAGQAAABkAAAAAAAAABcAAAAUAAAAAAAAAAAAAAD/fwAA/38AAAAAAAAJAAAABAAAAPBClTQMAAAAEAAAAAAAAAAAAAAAAAAAAAAAAAAeAAAAaAAAAAAAAAAAAAAAAAAAAAAAAAAAAAAAECcAABAnAAAAAAAAAAAAAAAAAAAAAAAAAAAAAAAAAAAAAAAAAAAAABQAAAAAAAAAwMD/AAAAAABkAAAAMgAAAAAAAABkAAAAAAAAAH9/fwAKAAAAHwAAAFQAAAAAAAAFAAAAAQAAAAAAAAAAAAAAAAAAAAAAAAAAAAAAAAAAAAAAAAAAAAAAAn9/fwAAAAADzMzMAMDA/wB/f38AAAAAAAAAAAAAAAAAAAAAAAAAAAAhAAAAGAAAABQAAAB5FgAAHSsAAE4rAACVLQAAEAAAACYAAAAIAAAAAAAAAAAAAAA="/>
+                <pr:smNativeData xmlns:pr="smNativeData" val="SMDATA_13_3GgiXxMAAAAlAAAAZAAAAA8BAAAAkAAAAEgAAACQAAAASAAAAAAAAAABAAAAAAAAAAEAAABQAAAAAAAAAAAA4D8AAAAAAADgPwAAAAAAAOA/AAAAAAAA4D8AAAAAAADgPwAAAAAAAOA/AAAAAAAA4D8AAAAAAADgPwAAAAAAAOA/AAAAAAAA4D8CAAAAjAAAAAAAAAAAAAAAu+DjDP///wgAAAAAAAAAAAAAAAAAAAAAAAAAAAAAAAAAAAAAZAAAAAEAAABAAAAAAAAAAAAAAAAAAAAAAAAAAAAAAAAAAAAAAAAAAAAAAAAAAAAAAAAAAAAAAAAAAAAAAAAAAAAAAAAAAAAAAAAAAAAAAAAAAAAAAAAAAAAAAAAAAAAAFAAAADwAAAAAAAAAAAAAAAAAAAkUAAAAAQAAABQAAAAUAAAAFAAAAAEAAAAAAAAAZAAAAGQAAAAAAAAAZAAAAGQAAAAVAAAAYAAAAAAAAAAAAAAADwAAACADAAAAAAAAAAAAAAEAAACgMgAAVgcAAKr4//8BAAAAf39/AAEAAABkAAAAAAAAABQAAABAHwAAAAAAACYAAAAAAAAAwOD//wAAAAAmAAAAZAAAABYAAABMAAAAAAAAAAAAAAAEAAAAAAAAAAEAAACAgIAKAAAAACgAAAAoAAAAZAAAAGQAAAAAAAAAzMzMAAAAAABQAAAAUAAAAGQAAABkAAAAAAAAABcAAAAUAAAAAAAAAAAAAAD/fwAA/38AAAAAAAAJAAAABAAAAPBClTQMAAAAEAAAAAAAAAAAAAAAAAAAAAAAAAAeAAAAaAAAAAAAAAAAAAAAAAAAAAAAAAAAAAAAECcAABAnAAAAAAAAAAAAAAAAAAAAAAAAAAAAAAAAAAAAAAAAAAAAABQAAAAAAAAAwMD/AAAAAABkAAAAMgAAAAAAAABkAAAAAAAAAH9/fwAKAAAAHwAAAFQAAAAAAAAFAAAAAQAAAAAAAAAAAAAAAAAAAAAAAAAAAAAAAAAAAAAAAAAAAAAAAn9/fwAAAAADzMzMAMDA/wB/f38AAAAAAAAAAAAAAAAAAAAAAAAAAAAhAAAAGAAAABQAAAB5FgAAHSsAAE4rAACVLQAAEAAAACYAAAAIAAAAAAAAAAAAAAA="/>
               </a:ext>
             </a:extLst>
           </p:cNvSpPr>
@@ -1178,7 +1178,7 @@
             <a:spLocks noGrp="1" noChangeArrowheads="1"/>
             <a:extLst>
               <a:ext uri="smNativeData">
-                <pr:smNativeData xmlns:pr="smNativeData" val="SMDATA_13_yiIeXxMAAAAlAAAAZAAAAA8BAAAAkAAAAEgAAACQAAAASAAAAAAAAAABAAAAAAAAAAEAAABQAAAAAAAAAAAA4D8AAAAAAADgPwAAAAAAAOA/AAAAAAAA4D8AAAAAAADgPwAAAAAAAOA/AAAAAAAA4D8AAAAAAADgPwAAAAAAAOA/AAAAAAAA4D8CAAAAjAAAAAAAAAAAAAAAu+DjDP///wgAAAAAAAAAAAAAAAAAAAAAAAAAAAAAAAAAAAAAZAAAAAEAAABAAAAAAAAAAAAAAAAAAAAAAAAAAAAAAAAAAAAAAAAAAAAAAAAAAAAAAAAAAAAAAAAAAAAAAAAAAAAAAAAAAAAAAAAAAAAAAAAAAAAAAAAAAAAAAAAAAAAAFAAAADwAAAAAAAAAAAAAAAAAAAkUAAAAAQAAABQAAAAUAAAAFAAAAAEAAAAAAAAAZAAAAGQAAAAAAAAAZAAAAGQAAAAVAAAAYAAAAAAAAAAAAAAADwAAACADAAAAAAAAAAAAAAEAAACgMgAAVgcAAKr4//8BAAAAf39/AAEAAABkAAAAAAAAABQAAABAHwAAAAAAACYAAAAAAAAAwOD//wAAAAAmAAAAZAAAABYAAABMAAAAAAAAAAAAAAAEAAAAAAAAAAEAAACAgIAKAAAAACgAAAAoAAAAZAAAAGQAAAAAAAAAzMzMAAAAAABQAAAAUAAAAGQAAABkAAAAAAAAABcAAAAUAAAAAAAAAAAAAAD/fwAA/38AAAAAAAAJAAAABAAAAAMAhj4MAAAAEAAAAAAAAAAAAAAAAAAAAAAAAAAeAAAAaAAAAAAAAAAAAAAAAAAAAAAAAAAAAAAAECcAABAnAAAAAAAAAAAAAAAAAAAAAAAAAAAAAAAAAAAAAAAAAAAAABQAAAAAAAAAwMD/AAAAAABkAAAAMgAAAAAAAABkAAAAAAAAAH9/fwAKAAAAHwAAAFQAAAAAAAAFAAAAAQAAAAAAAAAAAAAAAAAAAAAAAAAAAAAAAAAAAAAAAAAAAAAAAn9/fwAAAAADzMzMAMDA/wB/f38AAAAAAAAAAAAAAAAAAAAAAAAAAAAhAAAAGAAAABQAAAAkLwAAHSsAAH4+AACVLQAAEAAAACYAAAAIAAAAAAAAAAAAAAA="/>
+                <pr:smNativeData xmlns:pr="smNativeData" val="SMDATA_13_3GgiXxMAAAAlAAAAZAAAAA8BAAAAkAAAAEgAAACQAAAASAAAAAAAAAABAAAAAAAAAAEAAABQAAAAAAAAAAAA4D8AAAAAAADgPwAAAAAAAOA/AAAAAAAA4D8AAAAAAADgPwAAAAAAAOA/AAAAAAAA4D8AAAAAAADgPwAAAAAAAOA/AAAAAAAA4D8CAAAAjAAAAAAAAAAAAAAAu+DjDP///wgAAAAAAAAAAAAAAAAAAAAAAAAAAAAAAAAAAAAAZAAAAAEAAABAAAAAAAAAAAAAAAAAAAAAAAAAAAAAAAAAAAAAAAAAAAAAAAAAAAAAAAAAAAAAAAAAAAAAAAAAAAAAAAAAAAAAAAAAAAAAAAAAAAAAAAAAAAAAAAAAAAAAFAAAADwAAAAAAAAAAAAAAAAAAAkUAAAAAQAAABQAAAAUAAAAFAAAAAEAAAAAAAAAZAAAAGQAAAAAAAAAZAAAAGQAAAAVAAAAYAAAAAAAAAAAAAAADwAAACADAAAAAAAAAAAAAAEAAACgMgAAVgcAAKr4//8BAAAAf39/AAEAAABkAAAAAAAAABQAAABAHwAAAAAAACYAAAAAAAAAwOD//wAAAAAmAAAAZAAAABYAAABMAAAAAAAAAAAAAAAEAAAAAAAAAAEAAACAgIAKAAAAACgAAAAoAAAAZAAAAGQAAAAAAAAAzMzMAAAAAABQAAAAUAAAAGQAAABkAAAAAAAAABcAAAAUAAAAAAAAAAAAAAD/fwAA/38AAAAAAAAJAAAABAAAAAMAhj4MAAAAEAAAAAAAAAAAAAAAAAAAAAAAAAAeAAAAaAAAAAAAAAAAAAAAAAAAAAAAAAAAAAAAECcAABAnAAAAAAAAAAAAAAAAAAAAAAAAAAAAAAAAAAAAAAAAAAAAABQAAAAAAAAAwMD/AAAAAABkAAAAMgAAAAAAAABkAAAAAAAAAH9/fwAKAAAAHwAAAFQAAAAAAAAFAAAAAQAAAAAAAAAAAAAAAAAAAAAAAAAAAAAAAAAAAAAAAAAAAAAAAn9/fwAAAAADzMzMAMDA/wB/f38AAAAAAAAAAAAAAAAAAAAAAAAAAAAhAAAAGAAAABQAAAAkLwAAHSsAAH4+AACVLQAAEAAAACYAAAAIAAAAAAAAAAAAAAA="/>
               </a:ext>
             </a:extLst>
           </p:cNvSpPr>
@@ -1192,7 +1192,7 @@
           <a:lstStyle/>
           <a:p>
             <a:pPr/>
-            <a:fld id="{310FA39E-D0DC-5A55-92B7-2600EDF96473}" type="slidenum">
+            <a:fld id="{207309DB-95CD-26FF-83CB-63AA47857536}" type="slidenum">
               <a:t/>
             </a:fld>
           </a:p>
@@ -1230,7 +1230,7 @@
             <a:spLocks noGrp="1" noChangeArrowheads="1"/>
             <a:extLst>
               <a:ext uri="smNativeData">
-                <pr:smNativeData xmlns:pr="smNativeData" val="SMDATA_13_yiIeXxMAAAAlAAAAZAAAAA8BAAAAkAAAAEgAAACQAAAASAAAAAAAAAABAAAAAAAAAAEAAABQAAAAAAAAAAAA4D8AAAAAAADgPwAAAAAAAOA/AAAAAAAA4D8AAAAAAADgPwAAAAAAAOA/AAAAAAAA4D8AAAAAAADgPwAAAAAAAOA/AAAAAAAA4D8CAAAAjAAAAAAAAAAAAAAAu+DjDP///wgAAAAAAAAAAAAAAAAAAAAAAAAAAAAAAAAAAAAAZAAAAAEAAABAAAAAAAAAAAAAAAAAAAAAAAAAAAAAAAAAAAAAAAAAAAAAAAAAAAAAAAAAAAAAAAAAAAAAAAAAAAAAAAAAAAAAAAAAAAAAAAAAAAAAAAAAAAAAAAAAAAAAFAAAADwAAAAAAAAAAAAAAAAAAAkUAAAAAQAAABQAAAAUAAAAFAAAAAEAAAAAAAAAZAAAAGQAAAAAAAAAZAAAAGQAAAAVAAAAYAAAAAAAAAAAAAAADwAAACADAAAAAAAAAAAAAAEAAACgMgAAVgcAAKr4//8BAAAAf39/AAEAAABkAAAAAAAAABQAAABAHwAAAAAAACYAAAAAAAAAwOD//wAAAAAmAAAAZAAAABYAAABMAAAAAAAAAAAAAAAEAAAAAAAAAAEAAACAgIAKAAAAACgAAAAoAAAAZAAAAGQAAAAAAAAAzMzMAAAAAABQAAAAUAAAAGQAAABkAAAAAAAAABcAAAAUAAAAAAAAAAAAAAD/fwAA/38AAAAAAAAJAAAABAAAAAQAhUEMAAAAEAAAAAAAAAAAAAAAAAAAAAAAAAAeAAAAaAAAAAAAAAAAAAAAAAAAAAAAAAAAAAAAECcAABAnAAAAAAAAAAAAAAAAAAAAAAAAAAAAAAAAAAAAAAAAAAAAABQAAAAAAAAAwMD/AAAAAABkAAAAMgAAAAAAAABkAAAAAAAAAH9/fwAKAAAAHwAAAFQAAAAAAAAFAAAAAQAAAAAAAAAAAAAAAAAAAAAAAAAAAAAAAAAAAAAAAAAAAAAAAn9/fwAAAAADzMzMAMDA/wB/f38AAAAAAAAAAAAAAAAAAAAAAAAAAAAhAAAAGAAAABQAAABKAwAA3AEAAH4+AACcCQAAEAAAACYAAAAIAAAAAAAAAAAAAAA="/>
+                <pr:smNativeData xmlns:pr="smNativeData" val="SMDATA_13_3GgiXxMAAAAlAAAAZAAAAA8BAAAAkAAAAEgAAACQAAAASAAAAAAAAAABAAAAAAAAAAEAAABQAAAAAAAAAAAA4D8AAAAAAADgPwAAAAAAAOA/AAAAAAAA4D8AAAAAAADgPwAAAAAAAOA/AAAAAAAA4D8AAAAAAADgPwAAAAAAAOA/AAAAAAAA4D8CAAAAjAAAAAAAAAAAAAAAu+DjDP///wgAAAAAAAAAAAAAAAAAAAAAAAAAAAAAAAAAAAAAZAAAAAEAAABAAAAAAAAAAAAAAAAAAAAAAAAAAAAAAAAAAAAAAAAAAAAAAAAAAAAAAAAAAAAAAAAAAAAAAAAAAAAAAAAAAAAAAAAAAAAAAAAAAAAAAAAAAAAAAAAAAAAAFAAAADwAAAAAAAAAAAAAAAAAAAkUAAAAAQAAABQAAAAUAAAAFAAAAAEAAAAAAAAAZAAAAGQAAAAAAAAAZAAAAGQAAAAVAAAAYAAAAAAAAAAAAAAADwAAACADAAAAAAAAAAAAAAEAAACgMgAAVgcAAKr4//8BAAAAf39/AAEAAABkAAAAAAAAABQAAABAHwAAAAAAACYAAAAAAAAAwOD//wAAAAAmAAAAZAAAABYAAABMAAAAAAAAAAAAAAAEAAAAAAAAAAEAAACAgIAKAAAAACgAAAAoAAAAZAAAAGQAAAAAAAAAzMzMAAAAAABQAAAAUAAAAGQAAABkAAAAAAAAABcAAAAUAAAAAAAAAAAAAAD/fwAA/38AAAAAAAAJAAAABAAAAAQAhUEMAAAAEAAAAAAAAAAAAAAAAAAAAAAAAAAeAAAAaAAAAAAAAAAAAAAAAAAAAAAAAAAAAAAAECcAABAnAAAAAAAAAAAAAAAAAAAAAAAAAAAAAAAAAAAAAAAAAAAAABQAAAAAAAAAwMD/AAAAAABkAAAAMgAAAAAAAABkAAAAAAAAAH9/fwAKAAAAHwAAAFQAAAAAAAAFAAAAAQAAAAAAAAAAAAAAAAAAAAAAAAAAAAAAAAAAAAAAAAAAAAAAAn9/fwAAAAADzMzMAMDA/wB/f38AAAAAAAAAAAAAAAAAAAAAAAAAAAAhAAAAGAAAABQAAABKAwAA3AEAAH4+AACcCQAAEAAAACYAAAAIAAAAAAAAAAAAAAA="/>
               </a:ext>
             </a:extLst>
           </p:cNvSpPr>
@@ -1257,7 +1257,7 @@
             <a:spLocks noGrp="1" noChangeArrowheads="1"/>
             <a:extLst>
               <a:ext uri="smNativeData">
-                <pr:smNativeData xmlns:pr="smNativeData" val="SMDATA_13_yiIeXxMAAAAlAAAAZAAAAA8BAAAAkAAAAEgAAACQAAAASAAAAAAAAAAAAAAAAAAAAAEAAABQAAAAAAAAAAAA4D8AAAAAAADgPwAAAAAAAOA/AAAAAAAA4D8AAAAAAADgPwAAAAAAAOA/AAAAAAAA4D8AAAAAAADgPwAAAAAAAOA/AAAAAAAA4D8CAAAAjAAAAAAAAAAAAAAAu+DjDP///wgAAAAAAAAAAAAAAAAAAAAAAAAAAAAAAAAAAAAAZAAAAAEAAABAAAAAAAAAAAAAAAAAAAAAAAAAAAAAAAAAAAAAAAAAAAAAAAAAAAAAAAAAAAAAAAAAAAAAAAAAAAAAAAAAAAAAAAAAAAAAAAAAAAAAAAAAAAAAAAAAAAAAFAAAADwAAAAAAAAAAAAAAAAAAAkUAAAAAQAAABQAAAAUAAAAFAAAAAEAAAAAAAAAZAAAAGQAAAAAAAAAZAAAAGQAAAAVAAAAYAAAAAAAAAAAAAAADwAAACADAAAAAAAAAAAAAAEAAACgMgAAVgcAAKr4//8BAAAAf39/AAEAAABkAAAAAAAAABQAAABAHwAAAAAAACYAAAAAAAAAwOD//wAAAAAmAAAAZAAAABYAAABMAAAAAAAAAAAAAAAEAAAAAAAAAAEAAACAgIAKAAAAACgAAAAoAAAAZAAAAGQAAAAAAAAAzMzMAAAAAABQAAAAUAAAAGQAAABkAAAAAAAAABcAAAAUAAAAAAAAAAAAAAD/fwAA/38AAAAAAAAJAAAABAAAAE4iBAAMAAAAEAAAAAAAAAAAAAAAAAAAAAAAAAAeAAAAaAAAAAAAAAAAAAAAAAAAAAAAAAAAAAAAECcAABAnAAAAAAAAAAAAAAAAAAAAAAAAAAAAAAAAAAAAAAAAAAAAABQAAAAAAAAAwMD/AAAAAABkAAAAMgAAAAAAAABkAAAAAAAAAH9/fwAKAAAAHwAAAFQAAAAAAAAFAAAAAQAAAAAAAAAAAAAAAAAAAAAAAAAAAAAAAAAAAAAAAAAAAAAAAn9/fwAAAAADzMzMAMDA/wB/f38AAAAAAAAAAAAAAAAAAAAAAAAAAAAhAAAAGAAAABQAAABKAwAA2goAAFcgAACMKQAAEAAAACYAAAAIAAAAAYAAAAAAAAA="/>
+                <pr:smNativeData xmlns:pr="smNativeData" val="SMDATA_13_3GgiXxMAAAAlAAAAZAAAAA8BAAAAkAAAAEgAAACQAAAASAAAAAAAAAAAAAAAAAAAAAEAAABQAAAAAAAAAAAA4D8AAAAAAADgPwAAAAAAAOA/AAAAAAAA4D8AAAAAAADgPwAAAAAAAOA/AAAAAAAA4D8AAAAAAADgPwAAAAAAAOA/AAAAAAAA4D8CAAAAjAAAAAAAAAAAAAAAu+DjDP///wgAAAAAAAAAAAAAAAAAAAAAAAAAAAAAAAAAAAAAZAAAAAEAAABAAAAAAAAAAAAAAAAAAAAAAAAAAAAAAAAAAAAAAAAAAAAAAAAAAAAAAAAAAAAAAAAAAAAAAAAAAAAAAAAAAAAAAAAAAAAAAAAAAAAAAAAAAAAAAAAAAAAAFAAAADwAAAAAAAAAAAAAAAAAAAkUAAAAAQAAABQAAAAUAAAAFAAAAAEAAAAAAAAAZAAAAGQAAAAAAAAAZAAAAGQAAAAVAAAAYAAAAAAAAAAAAAAADwAAACADAAAAAAAAAAAAAAEAAACgMgAAVgcAAKr4//8BAAAAf39/AAEAAABkAAAAAAAAABQAAABAHwAAAAAAACYAAAAAAAAAwOD//wAAAAAmAAAAZAAAABYAAABMAAAAAAAAAAAAAAAEAAAAAAAAAAEAAACAgIAKAAAAACgAAAAoAAAAZAAAAGQAAAAAAAAAzMzMAAAAAABQAAAAUAAAAGQAAABkAAAAAAAAABcAAAAUAAAAAAAAAAAAAAD/fwAA/38AAAAAAAAJAAAABAAAAE4iBAAMAAAAEAAAAAAAAAAAAAAAAAAAAAAAAAAeAAAAaAAAAAAAAAAAAAAAAAAAAAAAAAAAAAAAECcAABAnAAAAAAAAAAAAAAAAAAAAAAAAAAAAAAAAAAAAAAAAAAAAABQAAAAAAAAAwMD/AAAAAABkAAAAMgAAAAAAAABkAAAAAAAAAH9/fwAKAAAAHwAAAFQAAAAAAAAFAAAAAQAAAAAAAAAAAAAAAAAAAAAAAAAAAAAAAAAAAAAAAAAAAAAAAn9/fwAAAAADzMzMAMDA/wB/f38AAAAAAAAAAAAAAAAAAAAAAAAAAAAhAAAAGAAAABQAAABKAwAA2goAAFcgAACMKQAAEAAAACYAAAAIAAAAAYAAAAAAAAA="/>
               </a:ext>
             </a:extLst>
           </p:cNvSpPr>
@@ -1341,7 +1341,7 @@
             <a:spLocks noGrp="1" noChangeArrowheads="1"/>
             <a:extLst>
               <a:ext uri="smNativeData">
-                <pr:smNativeData xmlns:pr="smNativeData" val="SMDATA_13_yiIeXxMAAAAlAAAAZAAAAA8BAAAAkAAAAEgAAACQAAAASAAAAAAAAAAAAAAAAAAAAAEAAABQAAAAAAAAAAAA4D8AAAAAAADgPwAAAAAAAOA/AAAAAAAA4D8AAAAAAADgPwAAAAAAAOA/AAAAAAAA4D8AAAAAAADgPwAAAAAAAOA/AAAAAAAA4D8CAAAAjAAAAAAAAAAAAAAAu+DjDP///wgAAAAAAAAAAAAAAAAAAAAAAAAAAAAAAAAAAAAAZAAAAAEAAABAAAAAAAAAAAAAAAAAAAAAAAAAAAAAAAAAAAAAAAAAAAAAAAAAAAAAAAAAAAAAAAAAAAAAAAAAAAAAAAAAAAAAAAAAAAAAAAAAAAAAAAAAAAAAAAAAAAAAFAAAADwAAAAAAAAAAAAAAAAAAAkUAAAAAQAAABQAAAAUAAAAFAAAAAEAAAAAAAAAZAAAAGQAAAAAAAAAZAAAAGQAAAAVAAAAYAAAAAAAAAAAAAAADwAAACADAAAAAAAAAAAAAAEAAACgMgAAVgcAAKr4//8BAAAAf39/AAEAAABkAAAAAAAAABQAAABAHwAAAAAAACYAAAAAAAAAwOD//wAAAAAmAAAAZAAAABYAAABMAAAAAAAAAAAAAAAEAAAAAAAAAAEAAACAgIAKAAAAACgAAAAoAAAAZAAAAGQAAAAAAAAAzMzMAAAAAABQAAAAUAAAAGQAAABkAAAAAAAAABcAAAAUAAAAAAAAAAAAAAD/fwAA/38AAAAAAAAJAAAABAAAANKoAwAMAAAAEAAAAAAAAAAAAAAAAAAAAAAAAAAeAAAAaAAAAAAAAAAAAAAAAAAAAAAAAAAAAAAAECcAABAnAAAAAAAAAAAAAAAAAAAAAAAAAAAAAAAAAAAAAAAAAAAAABQAAAAAAAAAwMD/AAAAAABkAAAAMgAAAAAAAABkAAAAAAAAAH9/fwAKAAAAHwAAAFQAAAAAAAAFAAAAAQAAAAAAAAAAAAAAAAAAAAAAAAAAAAAAAAAAAAAAAAAAAAAAAn9/fwAAAAADzMzMAMDA/wB/f38AAAAAAAAAAAAAAAAAAAAAAAAAAAAhAAAAGAAAABQAAABwIQAA2goAAH4+AACMKQAAEAAAACYAAAAIAAAAAYAAAAAAAAA="/>
+                <pr:smNativeData xmlns:pr="smNativeData" val="SMDATA_13_3GgiXxMAAAAlAAAAZAAAAA8BAAAAkAAAAEgAAACQAAAASAAAAAAAAAAAAAAAAAAAAAEAAABQAAAAAAAAAAAA4D8AAAAAAADgPwAAAAAAAOA/AAAAAAAA4D8AAAAAAADgPwAAAAAAAOA/AAAAAAAA4D8AAAAAAADgPwAAAAAAAOA/AAAAAAAA4D8CAAAAjAAAAAAAAAAAAAAAu+DjDP///wgAAAAAAAAAAAAAAAAAAAAAAAAAAAAAAAAAAAAAZAAAAAEAAABAAAAAAAAAAAAAAAAAAAAAAAAAAAAAAAAAAAAAAAAAAAAAAAAAAAAAAAAAAAAAAAAAAAAAAAAAAAAAAAAAAAAAAAAAAAAAAAAAAAAAAAAAAAAAAAAAAAAAFAAAADwAAAAAAAAAAAAAAAAAAAkUAAAAAQAAABQAAAAUAAAAFAAAAAEAAAAAAAAAZAAAAGQAAAAAAAAAZAAAAGQAAAAVAAAAYAAAAAAAAAAAAAAADwAAACADAAAAAAAAAAAAAAEAAACgMgAAVgcAAKr4//8BAAAAf39/AAEAAABkAAAAAAAAABQAAABAHwAAAAAAACYAAAAAAAAAwOD//wAAAAAmAAAAZAAAABYAAABMAAAAAAAAAAAAAAAEAAAAAAAAAAEAAACAgIAKAAAAACgAAAAoAAAAZAAAAGQAAAAAAAAAzMzMAAAAAABQAAAAUAAAAGQAAABkAAAAAAAAABcAAAAUAAAAAAAAAAAAAAD/fwAA/38AAAAAAAAJAAAABAAAANKoAwAMAAAAEAAAAAAAAAAAAAAAAAAAAAAAAAAeAAAAaAAAAAAAAAAAAAAAAAAAAAAAAAAAAAAAECcAABAnAAAAAAAAAAAAAAAAAAAAAAAAAAAAAAAAAAAAAAAAAAAAABQAAAAAAAAAwMD/AAAAAABkAAAAMgAAAAAAAABkAAAAAAAAAH9/fwAKAAAAHwAAAFQAAAAAAAAFAAAAAQAAAAAAAAAAAAAAAAAAAAAAAAAAAAAAAAAAAAAAAAAAAAAAAn9/fwAAAAADzMzMAMDA/wB/f38AAAAAAAAAAAAAAAAAAAAAAAAAAAAhAAAAGAAAABQAAABwIQAA2goAAH4+AACMKQAAEAAAACYAAAAIAAAAAYAAAAAAAAA="/>
               </a:ext>
             </a:extLst>
           </p:cNvSpPr>
@@ -1425,7 +1425,7 @@
             <a:spLocks noGrp="1" noChangeArrowheads="1"/>
             <a:extLst>
               <a:ext uri="smNativeData">
-                <pr:smNativeData xmlns:pr="smNativeData" val="SMDATA_13_yiIeXxMAAAAlAAAAZAAAAA8BAAAAkAAAAEgAAACQAAAASAAAAAAAAAABAAAAAAAAAAEAAABQAAAAAAAAAAAA4D8AAAAAAADgPwAAAAAAAOA/AAAAAAAA4D8AAAAAAADgPwAAAAAAAOA/AAAAAAAA4D8AAAAAAADgPwAAAAAAAOA/AAAAAAAA4D8CAAAAjAAAAAAAAAAAAAAAu+DjDP///wgAAAAAAAAAAAAAAAAAAAAAAAAAAAAAAAAAAAAAZAAAAAEAAABAAAAAAAAAAAAAAAAAAAAAAAAAAAAAAAAAAAAAAAAAAAAAAAAAAAAAAAAAAAAAAAAAAAAAAAAAAAAAAAAAAAAAAAAAAAAAAAAAAAAAAAAAAAAAAAAAAAAAFAAAADwAAAAAAAAAAAAAAAAAAAkUAAAAAQAAABQAAAAUAAAAFAAAAAEAAAAAAAAAZAAAAGQAAAAAAAAAZAAAAGQAAAAVAAAAYAAAAAAAAAAAAAAADwAAACADAAAAAAAAAAAAAAEAAACgMgAAVgcAAKr4//8BAAAAf39/AAEAAABkAAAAAAAAABQAAABAHwAAAAAAACYAAAAAAAAAwOD//wAAAAAmAAAAZAAAABYAAABMAAAAAAAAAAAAAAAEAAAAAAAAAAEAAACAgIAKAAAAACgAAAAoAAAAZAAAAGQAAAAAAAAAzMzMAAAAAABQAAAAUAAAAGQAAABkAAAAAAAAABcAAAAUAAAAAAAAAAAAAAD/fwAA/38AAAAAAAAJAAAABAAAAJvuAwAMAAAAEAAAAAAAAAAAAAAAAAAAAAAAAAAeAAAAaAAAAAAAAAAAAAAAAAAAAAAAAAAAAAAAECcAABAnAAAAAAAAAAAAAAAAAAAAAAAAAAAAAAAAAAAAAAAAAAAAABQAAAAAAAAAwMD/AAAAAABkAAAAMgAAAAAAAABkAAAAAAAAAH9/fwAKAAAAHwAAAFQAAAAAAAAFAAAAAQAAAAAAAAAAAAAAAAAAAAAAAAAAAAAAAAAAAAAAAAAAAAAAAn9/fwAAAAADzMzMAMDA/wB/f38AAAAAAAAAAAAAAAAAAAAAAAAAAAAhAAAAGAAAABQAAABKAwAAHSsAAKMSAACVLQAAEAAAACYAAAAIAAAAAAAAAAAAAAA="/>
+                <pr:smNativeData xmlns:pr="smNativeData" val="SMDATA_13_3GgiXxMAAAAlAAAAZAAAAA8BAAAAkAAAAEgAAACQAAAASAAAAAAAAAABAAAAAAAAAAEAAABQAAAAAAAAAAAA4D8AAAAAAADgPwAAAAAAAOA/AAAAAAAA4D8AAAAAAADgPwAAAAAAAOA/AAAAAAAA4D8AAAAAAADgPwAAAAAAAOA/AAAAAAAA4D8CAAAAjAAAAAAAAAAAAAAAu+DjDP///wgAAAAAAAAAAAAAAAAAAAAAAAAAAAAAAAAAAAAAZAAAAAEAAABAAAAAAAAAAAAAAAAAAAAAAAAAAAAAAAAAAAAAAAAAAAAAAAAAAAAAAAAAAAAAAAAAAAAAAAAAAAAAAAAAAAAAAAAAAAAAAAAAAAAAAAAAAAAAAAAAAAAAFAAAADwAAAAAAAAAAAAAAAAAAAkUAAAAAQAAABQAAAAUAAAAFAAAAAEAAAAAAAAAZAAAAGQAAAAAAAAAZAAAAGQAAAAVAAAAYAAAAAAAAAAAAAAADwAAACADAAAAAAAAAAAAAAEAAACgMgAAVgcAAKr4//8BAAAAf39/AAEAAABkAAAAAAAAABQAAABAHwAAAAAAACYAAAAAAAAAwOD//wAAAAAmAAAAZAAAABYAAABMAAAAAAAAAAAAAAAEAAAAAAAAAAEAAACAgIAKAAAAACgAAAAoAAAAZAAAAGQAAAAAAAAAzMzMAAAAAABQAAAAUAAAAGQAAABkAAAAAAAAABcAAAAUAAAAAAAAAAAAAAD/fwAA/38AAAAAAAAJAAAABAAAAJvuAwAMAAAAEAAAAAAAAAAAAAAAAAAAAAAAAAAeAAAAaAAAAAAAAAAAAAAAAAAAAAAAAAAAAAAAECcAABAnAAAAAAAAAAAAAAAAAAAAAAAAAAAAAAAAAAAAAAAAAAAAABQAAAAAAAAAwMD/AAAAAABkAAAAMgAAAAAAAABkAAAAAAAAAH9/fwAKAAAAHwAAAFQAAAAAAAAFAAAAAQAAAAAAAAAAAAAAAAAAAAAAAAAAAAAAAAAAAAAAAAAAAAAAAn9/fwAAAAADzMzMAMDA/wB/f38AAAAAAAAAAAAAAAAAAAAAAAAAAAAhAAAAGAAAABQAAABKAwAAHSsAAKMSAACVLQAAEAAAACYAAAAIAAAAAAAAAAAAAAA="/>
               </a:ext>
             </a:extLst>
           </p:cNvSpPr>
@@ -1439,7 +1439,7 @@
           <a:lstStyle/>
           <a:p>
             <a:pPr/>
-            <a:fld id="{310FAB88-C6DC-5A5D-92B7-3008E5F96465}" type="datetime1">
+            <a:fld id="{20737200-4ECD-2684-83CB-B8D13C8575ED}" type="datetime1">
               <a:t/>
             </a:fld>
           </a:p>
@@ -1452,7 +1452,7 @@
             <a:spLocks noGrp="1" noChangeArrowheads="1"/>
             <a:extLst>
               <a:ext uri="smNativeData">
-                <pr:smNativeData xmlns:pr="smNativeData" val="SMDATA_13_yiIeXxMAAAAlAAAAZAAAAA8BAAAAkAAAAEgAAACQAAAASAAAAAAAAAABAAAAAAAAAAEAAABQAAAAAAAAAAAA4D8AAAAAAADgPwAAAAAAAOA/AAAAAAAA4D8AAAAAAADgPwAAAAAAAOA/AAAAAAAA4D8AAAAAAADgPwAAAAAAAOA/AAAAAAAA4D8CAAAAjAAAAAAAAAAAAAAAu+DjDP///wgAAAAAAAAAAAAAAAAAAAAAAAAAAAAAAAAAAAAAZAAAAAEAAABAAAAAAAAAAAAAAAAAAAAAAAAAAAAAAAAAAAAAAAAAAAAAAAAAAAAAAAAAAAAAAAAAAAAAAAAAAAAAAAAAAAAAAAAAAAAAAAAAAAAAAAAAAAAAAAAAAAAAFAAAADwAAAAAAAAAAAAAAAAAAAkUAAAAAQAAABQAAAAUAAAAFAAAAAEAAAAAAAAAZAAAAGQAAAAAAAAAZAAAAGQAAAAVAAAAYAAAAAAAAAAAAAAADwAAACADAAAAAAAAAAAAAAEAAACgMgAAVgcAAKr4//8BAAAAf39/AAEAAABkAAAAAAAAABQAAABAHwAAAAAAACYAAAAAAAAAwOD//wAAAAAmAAAAZAAAABYAAABMAAAAAAAAAAAAAAAEAAAAAAAAAAEAAACAgIAKAAAAACgAAAAoAAAAZAAAAGQAAAAAAAAAzMzMAAAAAABQAAAAUAAAAGQAAABkAAAAAAAAABcAAAAUAAAAAAAAAAAAAAD/fwAA/38AAAAAAAAJAAAABAAAAM9AOv8MAAAAEAAAAAAAAAAAAAAAAAAAAAAAAAAeAAAAaAAAAAAAAAAAAAAAAAAAAAAAAAAAAAAAECcAABAnAAAAAAAAAAAAAAAAAAAAAAAAAAAAAAAAAAAAAAAAAAAAABQAAAAAAAAAwMD/AAAAAABkAAAAMgAAAAAAAABkAAAAAAAAAH9/fwAKAAAAHwAAAFQAAAAAAAAFAAAAAQAAAAAAAAAAAAAAAAAAAAAAAAAAAAAAAAAAAAAAAAAAAAAAAn9/fwAAAAADzMzMAMDA/wB/f38AAAAAAAAAAAAAAAAAAAAAAAAAAAAhAAAAGAAAABQAAAB5FgAAHSsAAE4rAACVLQAAEAAAACYAAAAIAAAAAAAAAAAAAAA="/>
+                <pr:smNativeData xmlns:pr="smNativeData" val="SMDATA_13_3GgiXxMAAAAlAAAAZAAAAA8BAAAAkAAAAEgAAACQAAAASAAAAAAAAAABAAAAAAAAAAEAAABQAAAAAAAAAAAA4D8AAAAAAADgPwAAAAAAAOA/AAAAAAAA4D8AAAAAAADgPwAAAAAAAOA/AAAAAAAA4D8AAAAAAADgPwAAAAAAAOA/AAAAAAAA4D8CAAAAjAAAAAAAAAAAAAAAu+DjDP///wgAAAAAAAAAAAAAAAAAAAAAAAAAAAAAAAAAAAAAZAAAAAEAAABAAAAAAAAAAAAAAAAAAAAAAAAAAAAAAAAAAAAAAAAAAAAAAAAAAAAAAAAAAAAAAAAAAAAAAAAAAAAAAAAAAAAAAAAAAAAAAAAAAAAAAAAAAAAAAAAAAAAAFAAAADwAAAAAAAAAAAAAAAAAAAkUAAAAAQAAABQAAAAUAAAAFAAAAAEAAAAAAAAAZAAAAGQAAAAAAAAAZAAAAGQAAAAVAAAAYAAAAAAAAAAAAAAADwAAACADAAAAAAAAAAAAAAEAAACgMgAAVgcAAKr4//8BAAAAf39/AAEAAABkAAAAAAAAABQAAABAHwAAAAAAACYAAAAAAAAAwOD//wAAAAAmAAAAZAAAABYAAABMAAAAAAAAAAAAAAAEAAAAAAAAAAEAAACAgIAKAAAAACgAAAAoAAAAZAAAAGQAAAAAAAAAzMzMAAAAAABQAAAAUAAAAGQAAABkAAAAAAAAABcAAAAUAAAAAAAAAAAAAAD/fwAA/38AAAAAAAAJAAAABAAAAM9AOv8MAAAAEAAAAAAAAAAAAAAAAAAAAAAAAAAeAAAAaAAAAAAAAAAAAAAAAAAAAAAAAAAAAAAAECcAABAnAAAAAAAAAAAAAAAAAAAAAAAAAAAAAAAAAAAAAAAAAAAAABQAAAAAAAAAwMD/AAAAAABkAAAAMgAAAAAAAABkAAAAAAAAAH9/fwAKAAAAHwAAAFQAAAAAAAAFAAAAAQAAAAAAAAAAAAAAAAAAAAAAAAAAAAAAAAAAAAAAAAAAAAAAAn9/fwAAAAADzMzMAMDA/wB/f38AAAAAAAAAAAAAAAAAAAAAAAAAAAAhAAAAGAAAABQAAAB5FgAAHSsAAE4rAACVLQAAEAAAACYAAAAIAAAAAAAAAAAAAAA="/>
               </a:ext>
             </a:extLst>
           </p:cNvSpPr>
@@ -1479,7 +1479,7 @@
             <a:spLocks noGrp="1" noChangeArrowheads="1"/>
             <a:extLst>
               <a:ext uri="smNativeData">
-                <pr:smNativeData xmlns:pr="smNativeData" val="SMDATA_13_yiIeXxMAAAAlAAAAZAAAAA8BAAAAkAAAAEgAAACQAAAASAAAAAAAAAABAAAAAAAAAAEAAABQAAAAAAAAAAAA4D8AAAAAAADgPwAAAAAAAOA/AAAAAAAA4D8AAAAAAADgPwAAAAAAAOA/AAAAAAAA4D8AAAAAAADgPwAAAAAAAOA/AAAAAAAA4D8CAAAAjAAAAAAAAAAAAAAAu+DjDP///wgAAAAAAAAAAAAAAAAAAAAAAAAAAAAAAAAAAAAAZAAAAAEAAABAAAAAAAAAAAAAAAAAAAAAAAAAAAAAAAAAAAAAAAAAAAAAAAAAAAAAAAAAAAAAAAAAAAAAAAAAAAAAAAAAAAAAAAAAAAAAAAAAAAAAAAAAAAAAAAAAAAAAFAAAADwAAAAAAAAAAAAAAAAAAAkUAAAAAQAAABQAAAAUAAAAFAAAAAEAAAAAAAAAZAAAAGQAAAAAAAAAZAAAAGQAAAAVAAAAYAAAAAAAAAAAAAAADwAAACADAAAAAAAAAAAAAAEAAACgMgAAVgcAAKr4//8BAAAAf39/AAEAAABkAAAAAAAAABQAAABAHwAAAAAAACYAAAAAAAAAwOD//wAAAAAmAAAAZAAAABYAAABMAAAAAAAAAAAAAAAEAAAAAAAAAAEAAACAgIAKAAAAACgAAAAoAAAAZAAAAGQAAAAAAAAAzMzMAAAAAABQAAAAUAAAAGQAAABkAAAAAAAAABcAAAAUAAAAAAAAAAAAAAD/fwAA/38AAAAAAAAJAAAABAAAAAQAbkEMAAAAEAAAAAAAAAAAAAAAAAAAAAAAAAAeAAAAaAAAAAAAAAAAAAAAAAAAAAAAAAAAAAAAECcAABAnAAAAAAAAAAAAAAAAAAAAAAAAAAAAAAAAAAAAAAAAAAAAABQAAAAAAAAAwMD/AAAAAABkAAAAMgAAAAAAAABkAAAAAAAAAH9/fwAKAAAAHwAAAFQAAAAAAAAFAAAAAQAAAAAAAAAAAAAAAAAAAAAAAAAAAAAAAAAAAAAAAAAAAAAAAn9/fwAAAAADzMzMAMDA/wB/f38AAAAAAAAAAAAAAAAAAAAAAAAAAAAhAAAAGAAAABQAAAAkLwAAHSsAAH4+AACVLQAAEAAAACYAAAAIAAAAAAAAAAAAAAA="/>
+                <pr:smNativeData xmlns:pr="smNativeData" val="SMDATA_13_3GgiXxMAAAAlAAAAZAAAAA8BAAAAkAAAAEgAAACQAAAASAAAAAAAAAABAAAAAAAAAAEAAABQAAAAAAAAAAAA4D8AAAAAAADgPwAAAAAAAOA/AAAAAAAA4D8AAAAAAADgPwAAAAAAAOA/AAAAAAAA4D8AAAAAAADgPwAAAAAAAOA/AAAAAAAA4D8CAAAAjAAAAAAAAAAAAAAAu+DjDP///wgAAAAAAAAAAAAAAAAAAAAAAAAAAAAAAAAAAAAAZAAAAAEAAABAAAAAAAAAAAAAAAAAAAAAAAAAAAAAAAAAAAAAAAAAAAAAAAAAAAAAAAAAAAAAAAAAAAAAAAAAAAAAAAAAAAAAAAAAAAAAAAAAAAAAAAAAAAAAAAAAAAAAFAAAADwAAAAAAAAAAAAAAAAAAAkUAAAAAQAAABQAAAAUAAAAFAAAAAEAAAAAAAAAZAAAAGQAAAAAAAAAZAAAAGQAAAAVAAAAYAAAAAAAAAAAAAAADwAAACADAAAAAAAAAAAAAAEAAACgMgAAVgcAAKr4//8BAAAAf39/AAEAAABkAAAAAAAAABQAAABAHwAAAAAAACYAAAAAAAAAwOD//wAAAAAmAAAAZAAAABYAAABMAAAAAAAAAAAAAAAEAAAAAAAAAAEAAACAgIAKAAAAACgAAAAoAAAAZAAAAGQAAAAAAAAAzMzMAAAAAABQAAAAUAAAAGQAAABkAAAAAAAAABcAAAAUAAAAAAAAAAAAAAD/fwAA/38AAAAAAAAJAAAABAAAAAQAbkEMAAAAEAAAAAAAAAAAAAAAAAAAAAAAAAAeAAAAaAAAAAAAAAAAAAAAAAAAAAAAAAAAAAAAECcAABAnAAAAAAAAAAAAAAAAAAAAAAAAAAAAAAAAAAAAAAAAAAAAABQAAAAAAAAAwMD/AAAAAABkAAAAMgAAAAAAAABkAAAAAAAAAH9/fwAKAAAAHwAAAFQAAAAAAAAFAAAAAQAAAAAAAAAAAAAAAAAAAAAAAAAAAAAAAAAAAAAAAAAAAAAAAn9/fwAAAAADzMzMAMDA/wB/f38AAAAAAAAAAAAAAAAAAAAAAAAAAAAhAAAAGAAAABQAAAAkLwAAHSsAAH4+AACVLQAAEAAAACYAAAAIAAAAAAAAAAAAAAA="/>
               </a:ext>
             </a:extLst>
           </p:cNvSpPr>
@@ -1493,7 +1493,7 @@
           <a:lstStyle/>
           <a:p>
             <a:pPr/>
-            <a:fld id="{310F9AFB-B5DC-5A6C-92B7-4339D4F96416}" type="slidenum">
+            <a:fld id="{20736A09-47CD-269C-83CB-B1C9248575E4}" type="slidenum">
               <a:t/>
             </a:fld>
           </a:p>
@@ -1531,7 +1531,7 @@
             <a:spLocks noGrp="1" noChangeArrowheads="1"/>
             <a:extLst>
               <a:ext uri="smNativeData">
-                <pr:smNativeData xmlns:pr="smNativeData" val="SMDATA_13_yiIeXxMAAAAlAAAAZAAAAA8BAAAAkAAAAEgAAACQAAAASAAAAAAAAAABAAAAAAAAAAEAAABQAAAAAAAAAAAA4D8AAAAAAADgPwAAAAAAAOA/AAAAAAAA4D8AAAAAAADgPwAAAAAAAOA/AAAAAAAA4D8AAAAAAADgPwAAAAAAAOA/AAAAAAAA4D8CAAAAjAAAAAAAAAAAAAAAu+DjDP///wgAAAAAAAAAAAAAAAAAAAAAAAAAAAAAAAAAAAAAZAAAAAEAAABAAAAAAAAAAAAAAAAAAAAAAAAAAAAAAAAAAAAAAAAAAAAAAAAAAAAAAAAAAAAAAAAAAAAAAAAAAAAAAAAAAAAAAAAAAAAAAAAAAAAAAAAAAAAAAAAAAAAAFAAAADwAAAAAAAAAAAAAAAAAAAkUAAAAAQAAABQAAAAUAAAAFAAAAAEAAAAAAAAAZAAAAGQAAAAAAAAAZAAAAGQAAAAVAAAAYAAAAAAAAAAAAAAADwAAACADAAAAAAAAAAAAAAEAAACgMgAAVgcAAKr4//8BAAAAf39/AAEAAABkAAAAAAAAABQAAABAHwAAAAAAACYAAAAAAAAAwOD//wAAAAAmAAAAZAAAABYAAABMAAAAAAAAAAAAAAAEAAAAAAAAAAEAAACAgIAKAAAAACgAAAAoAAAAZAAAAGQAAAAAAAAAzMzMAAAAAABQAAAAUAAAAGQAAABkAAAAAAAAABcAAAAUAAAAAAAAAAAAAAD/fwAA/38AAAAAAAAJAAAABAAAANMZfskMAAAAEAAAAAAAAAAAAAAAAAAAAAAAAAAeAAAAaAAAAAAAAAAAAAAAAAAAAAAAAAAAAAAAECcAABAnAAAAAAAAAAAAAAAAAAAAAAAAAAAAAAAAAAAAAAAAAAAAABQAAAAAAAAAwMD/AAAAAABkAAAAMgAAAAAAAABkAAAAAAAAAH9/fwAKAAAAHwAAAFQAAAAAAAAFAAAAAQAAAAAAAAAAAAAAAAAAAAAAAAAAAAAAAAAAAAAAAAAAAAAAAn9/fwAAAAADzMzMAMDA/wB/f38AAAAAAAAAAAAAAAAAAAAAAAAAAAAhAAAAGAAAABQAAABKAwAA3AEAAH4+AACcCQAAEAAAACYAAAAIAAAAAAAAAAAAAAA="/>
+                <pr:smNativeData xmlns:pr="smNativeData" val="SMDATA_13_3GgiXxMAAAAlAAAAZAAAAA8BAAAAkAAAAEgAAACQAAAASAAAAAAAAAABAAAAAAAAAAEAAABQAAAAAAAAAAAA4D8AAAAAAADgPwAAAAAAAOA/AAAAAAAA4D8AAAAAAADgPwAAAAAAAOA/AAAAAAAA4D8AAAAAAADgPwAAAAAAAOA/AAAAAAAA4D8CAAAAjAAAAAAAAAAAAAAAu+DjDP///wgAAAAAAAAAAAAAAAAAAAAAAAAAAAAAAAAAAAAAZAAAAAEAAABAAAAAAAAAAAAAAAAAAAAAAAAAAAAAAAAAAAAAAAAAAAAAAAAAAAAAAAAAAAAAAAAAAAAAAAAAAAAAAAAAAAAAAAAAAAAAAAAAAAAAAAAAAAAAAAAAAAAAFAAAADwAAAAAAAAAAAAAAAAAAAkUAAAAAQAAABQAAAAUAAAAFAAAAAEAAAAAAAAAZAAAAGQAAAAAAAAAZAAAAGQAAAAVAAAAYAAAAAAAAAAAAAAADwAAACADAAAAAAAAAAAAAAEAAACgMgAAVgcAAKr4//8BAAAAf39/AAEAAABkAAAAAAAAABQAAABAHwAAAAAAACYAAAAAAAAAwOD//wAAAAAmAAAAZAAAABYAAABMAAAAAAAAAAAAAAAEAAAAAAAAAAEAAACAgIAKAAAAACgAAAAoAAAAZAAAAGQAAAAAAAAAzMzMAAAAAABQAAAAUAAAAGQAAABkAAAAAAAAABcAAAAUAAAAAAAAAAAAAAD/fwAA/38AAAAAAAAJAAAABAAAANMZfskMAAAAEAAAAAAAAAAAAAAAAAAAAAAAAAAeAAAAaAAAAAAAAAAAAAAAAAAAAAAAAAAAAAAAECcAABAnAAAAAAAAAAAAAAAAAAAAAAAAAAAAAAAAAAAAAAAAAAAAABQAAAAAAAAAwMD/AAAAAABkAAAAMgAAAAAAAABkAAAAAAAAAH9/fwAKAAAAHwAAAFQAAAAAAAAFAAAAAQAAAAAAAAAAAAAAAAAAAAAAAAAAAAAAAAAAAAAAAAAAAAAAAn9/fwAAAAADzMzMAMDA/wB/f38AAAAAAAAAAAAAAAAAAAAAAAAAAAAhAAAAGAAAABQAAABKAwAA3AEAAH4+AACcCQAAEAAAACYAAAAIAAAAAAAAAAAAAAA="/>
               </a:ext>
             </a:extLst>
           </p:cNvSpPr>
@@ -1558,7 +1558,7 @@
             <a:spLocks noGrp="1" noChangeArrowheads="1"/>
             <a:extLst>
               <a:ext uri="smNativeData">
-                <pr:smNativeData xmlns:pr="smNativeData" val="SMDATA_13_yiIeXxMAAAAlAAAAZAAAAA8BAAAAkAAAAEgAAACQAAAASAAAAAAAAAACAAAAAAAAAAEAAABQAAAAAAAAAAAA4D8AAAAAAADgPwAAAAAAAOA/AAAAAAAA4D8AAAAAAADgPwAAAAAAAOA/AAAAAAAA4D8AAAAAAADgPwAAAAAAAOA/AAAAAAAA4D8CAAAAjAAAAAAAAAAAAAAAu+DjDP///wgAAAAAAAAAAAAAAAAAAAAAAAAAAAAAAAAAAAAAZAAAAAEAAABAAAAAAAAAAAAAAAAAAAAAAAAAAAAAAAAAAAAAAAAAAAAAAAAAAAAAAAAAAAAAAAAAAAAAAAAAAAAAAAAAAAAAAAAAAAAAAAAAAAAAAAAAAAAAAAAAAAAAFAAAADwAAAAAAAAAAAAAAAAAAAkUAAAAAQAAABQAAAAUAAAAFAAAAAEAAAAAAAAAZAAAAGQAAAAAAAAAZAAAAGQAAAAVAAAAYAAAAAAAAAAAAAAADwAAACADAAAAAAAAAAAAAAEAAACgMgAAVgcAAKr4//8BAAAAf39/AAEAAABkAAAAAAAAABQAAABAHwAAAAAAACYAAAAAAAAAwOD//wAAAAAmAAAAZAAAABYAAABMAAAAAAAAAAAAAAAEAAAAAAAAAAEAAACAgIAKAAAAACgAAAAoAAAAZAAAAGQAAAAAAAAAzMzMAAAAAABQAAAAUAAAAGQAAABkAAAAAAAAABcAAAAUAAAAAAAAAAAAAAD/fwAA/38AAAAAAAAJAAAABAAAABWMBAAMAAAAEAAAAAAAAAAAAAAAAAAAAAAAAAAeAAAAaAAAAAAAAAAAAAAAAAAAAAAAAAAAAAAAECcAABAnAAAAAAAAAAAAAAAAAAAAAAAAAAAAAAAAAAAAAAAAAAAAABQAAAAAAAAAwMD/AAAAAABkAAAAMgAAAAAAAABkAAAAAAAAAH9/fwAKAAAAHwAAAFQAAAAAAAAFAAAAAQAAAAAAAAAAAAAAAAAAAAAAAAAAAAAAAAAAAAAAAAAAAAAAAn9/fwAAAAADzMzMAMDA/wB/f38AAAAAAAAAAAAAAAAAAAAAAAAAAAAhAAAAGAAAABQAAABKAwAAaAoAAFogAADADgAAEAAAACYAAAAIAAAAgYAAAAAAAAA="/>
+                <pr:smNativeData xmlns:pr="smNativeData" val="SMDATA_13_3GgiXxMAAAAlAAAAZAAAAA8BAAAAkAAAAEgAAACQAAAASAAAAAAAAAACAAAAAAAAAAEAAABQAAAAAAAAAAAA4D8AAAAAAADgPwAAAAAAAOA/AAAAAAAA4D8AAAAAAADgPwAAAAAAAOA/AAAAAAAA4D8AAAAAAADgPwAAAAAAAOA/AAAAAAAA4D8CAAAAjAAAAAAAAAAAAAAAu+DjDP///wgAAAAAAAAAAAAAAAAAAAAAAAAAAAAAAAAAAAAAZAAAAAEAAABAAAAAAAAAAAAAAAAAAAAAAAAAAAAAAAAAAAAAAAAAAAAAAAAAAAAAAAAAAAAAAAAAAAAAAAAAAAAAAAAAAAAAAAAAAAAAAAAAAAAAAAAAAAAAAAAAAAAAFAAAADwAAAAAAAAAAAAAAAAAAAkUAAAAAQAAABQAAAAUAAAAFAAAAAEAAAAAAAAAZAAAAGQAAAAAAAAAZAAAAGQAAAAVAAAAYAAAAAAAAAAAAAAADwAAACADAAAAAAAAAAAAAAEAAACgMgAAVgcAAKr4//8BAAAAf39/AAEAAABkAAAAAAAAABQAAABAHwAAAAAAACYAAAAAAAAAwOD//wAAAAAmAAAAZAAAABYAAABMAAAAAAAAAAAAAAAEAAAAAAAAAAEAAACAgIAKAAAAACgAAAAoAAAAZAAAAGQAAAAAAAAAzMzMAAAAAABQAAAAUAAAAGQAAABkAAAAAAAAABcAAAAUAAAAAAAAAAAAAAD/fwAA/38AAAAAAAAJAAAABAAAABWMBAAMAAAAEAAAAAAAAAAAAAAAAAAAAAAAAAAeAAAAaAAAAAAAAAAAAAAAAAAAAAAAAAAAAAAAECcAABAnAAAAAAAAAAAAAAAAAAAAAAAAAAAAAAAAAAAAAAAAAAAAABQAAAAAAAAAwMD/AAAAAABkAAAAMgAAAAAAAABkAAAAAAAAAH9/fwAKAAAAHwAAAFQAAAAAAAAFAAAAAQAAAAAAAAAAAAAAAAAAAAAAAAAAAAAAAAAAAAAAAAAAAAAAAn9/fwAAAAADzMzMAMDA/wB/f38AAAAAAAAAAAAAAAAAAAAAAAAAAAAhAAAAGAAAABQAAABKAwAAaAoAAFogAADADgAAEAAAACYAAAAIAAAAgYAAAAAAAAA="/>
               </a:ext>
             </a:extLst>
           </p:cNvSpPr>
@@ -1631,7 +1631,7 @@
             <a:spLocks noGrp="1" noChangeArrowheads="1"/>
             <a:extLst>
               <a:ext uri="smNativeData">
-                <pr:smNativeData xmlns:pr="smNativeData" val="SMDATA_13_yiIeXxMAAAAlAAAAZAAAAA8BAAAAkAAAAEgAAACQAAAASAAAAAAAAAAAAAAAAAAAAAEAAABQAAAAAAAAAAAA4D8AAAAAAADgPwAAAAAAAOA/AAAAAAAA4D8AAAAAAADgPwAAAAAAAOA/AAAAAAAA4D8AAAAAAADgPwAAAAAAAOA/AAAAAAAA4D8CAAAAjAAAAAAAAAAAAAAAu+DjDP///wgAAAAAAAAAAAAAAAAAAAAAAAAAAAAAAAAAAAAAZAAAAAEAAABAAAAAAAAAAAAAAAAAAAAAAAAAAAAAAAAAAAAAAAAAAAAAAAAAAAAAAAAAAAAAAAAAAAAAAAAAAAAAAAAAAAAAAAAAAAAAAAAAAAAAAAAAAAAAAAAAAAAAFAAAADwAAAAAAAAAAAAAAAAAAAkUAAAAAQAAABQAAAAUAAAAFAAAAAEAAAAAAAAAZAAAAGQAAAAAAAAAZAAAAGQAAAAVAAAAYAAAAAAAAAAAAAAADwAAACADAAAAAAAAAAAAAAEAAACgMgAAVgcAAKr4//8BAAAAf39/AAEAAABkAAAAAAAAABQAAABAHwAAAAAAACYAAAAAAAAAwOD//wAAAAAmAAAAZAAAABYAAABMAAAAAAAAAAAAAAAEAAAAAAAAAAEAAACAgIAKAAAAACgAAAAoAAAAZAAAAGQAAAAAAAAAzMzMAAAAAABQAAAAUAAAAGQAAABkAAAAAAAAABcAAAAUAAAAAAAAAAAAAAD/fwAA/38AAAAAAAAJAAAABAAAAJ9JBAAMAAAAEAAAAAAAAAAAAAAAAAAAAAAAAAAeAAAAaAAAAAAAAAAAAAAAAAAAAAAAAAAAAAAAECcAABAnAAAAAAAAAAAAAAAAAAAAAAAAAAAAAAAAAAAAAAAAAAAAABQAAAAAAAAAwMD/AAAAAABkAAAAMgAAAAAAAABkAAAAAAAAAH9/fwAKAAAAHwAAAFQAAAAAAAAFAAAAAQAAAAAAAAAAAAAAAAAAAAAAAAAAAAAAAAAAAAAAAAAAAAAAAn9/fwAAAAADzMzMAMDA/wB/f38AAAAAAAAAAAAAAAAAAAAAAAAAAAAhAAAAGAAAABQAAABKAwAAwA4AAFogAACMKQAAEAAAACYAAAAIAAAAAYAAAAAAAAA="/>
+                <pr:smNativeData xmlns:pr="smNativeData" val="SMDATA_13_3GgiXxMAAAAlAAAAZAAAAA8BAAAAkAAAAEgAAACQAAAASAAAAAAAAAAAAAAAAAAAAAEAAABQAAAAAAAAAAAA4D8AAAAAAADgPwAAAAAAAOA/AAAAAAAA4D8AAAAAAADgPwAAAAAAAOA/AAAAAAAA4D8AAAAAAADgPwAAAAAAAOA/AAAAAAAA4D8CAAAAjAAAAAAAAAAAAAAAu+DjDP///wgAAAAAAAAAAAAAAAAAAAAAAAAAAAAAAAAAAAAAZAAAAAEAAABAAAAAAAAAAAAAAAAAAAAAAAAAAAAAAAAAAAAAAAAAAAAAAAAAAAAAAAAAAAAAAAAAAAAAAAAAAAAAAAAAAAAAAAAAAAAAAAAAAAAAAAAAAAAAAAAAAAAAFAAAADwAAAAAAAAAAAAAAAAAAAkUAAAAAQAAABQAAAAUAAAAFAAAAAEAAAAAAAAAZAAAAGQAAAAAAAAAZAAAAGQAAAAVAAAAYAAAAAAAAAAAAAAADwAAACADAAAAAAAAAAAAAAEAAACgMgAAVgcAAKr4//8BAAAAf39/AAEAAABkAAAAAAAAABQAAABAHwAAAAAAACYAAAAAAAAAwOD//wAAAAAmAAAAZAAAABYAAABMAAAAAAAAAAAAAAAEAAAAAAAAAAEAAACAgIAKAAAAACgAAAAoAAAAZAAAAGQAAAAAAAAAzMzMAAAAAABQAAAAUAAAAGQAAABkAAAAAAAAABcAAAAUAAAAAAAAAAAAAAD/fwAA/38AAAAAAAAJAAAABAAAAJ9JBAAMAAAAEAAAAAAAAAAAAAAAAAAAAAAAAAAeAAAAaAAAAAAAAAAAAAAAAAAAAAAAAAAAAAAAECcAABAnAAAAAAAAAAAAAAAAAAAAAAAAAAAAAAAAAAAAAAAAAAAAABQAAAAAAAAAwMD/AAAAAABkAAAAMgAAAAAAAABkAAAAAAAAAH9/fwAKAAAAHwAAAFQAAAAAAAAFAAAAAQAAAAAAAAAAAAAAAAAAAAAAAAAAAAAAAAAAAAAAAAAAAAAAAn9/fwAAAAADzMzMAMDA/wB/f38AAAAAAAAAAAAAAAAAAAAAAAAAAAAhAAAAGAAAABQAAABKAwAAwA4AAFogAACMKQAAEAAAACYAAAAIAAAAAYAAAAAAAAA="/>
               </a:ext>
             </a:extLst>
           </p:cNvSpPr>
@@ -1715,7 +1715,7 @@
             <a:spLocks noGrp="1" noChangeArrowheads="1"/>
             <a:extLst>
               <a:ext uri="smNativeData">
-                <pr:smNativeData xmlns:pr="smNativeData" val="SMDATA_13_yiIeXxMAAAAlAAAAZAAAAA8BAAAAkAAAAEgAAACQAAAASAAAAAAAAAACAAAAAAAAAAEAAABQAAAAAAAAAAAA4D8AAAAAAADgPwAAAAAAAOA/AAAAAAAA4D8AAAAAAADgPwAAAAAAAOA/AAAAAAAA4D8AAAAAAADgPwAAAAAAAOA/AAAAAAAA4D8CAAAAjAAAAAAAAAAAAAAAu+DjDP///wgAAAAAAAAAAAAAAAAAAAAAAAAAAAAAAAAAAAAAZAAAAAEAAABAAAAAAAAAAAAAAAAAAAAAAAAAAAAAAAAAAAAAAAAAAAAAAAAAAAAAAAAAAAAAAAAAAAAAAAAAAAAAAAAAAAAAAAAAAAAAAAAAAAAAAAAAAAAAAAAAAAAAFAAAADwAAAAAAAAAAAAAAAAAAAkUAAAAAQAAABQAAAAUAAAAFAAAAAEAAAAAAAAAZAAAAGQAAAAAAAAAZAAAAGQAAAAVAAAAYAAAAAAAAAAAAAAADwAAACADAAAAAAAAAAAAAAEAAACgMgAAVgcAAKr4//8BAAAAf39/AAEAAABkAAAAAAAAABQAAABAHwAAAAAAACYAAAAAAAAAwOD//wAAAAAmAAAAZAAAABYAAABMAAAAAAAAAAAAAAAEAAAAAAAAAAEAAACAgIAKAAAAACgAAAAoAAAAZAAAAGQAAAAAAAAAzMzMAAAAAABQAAAAUAAAAGQAAABkAAAAAAAAABcAAAAUAAAAAAAAAAAAAAD/fwAA/38AAAAAAAAJAAAABAAAAKVGslUMAAAAEAAAAAAAAAAAAAAAAAAAAAAAAAAeAAAAaAAAAAAAAAAAAAAAAAAAAAAAAAAAAAAAECcAABAnAAAAAAAAAAAAAAAAAAAAAAAAAAAAAAAAAAAAAAAAAAAAABQAAAAAAAAAwMD/AAAAAABkAAAAMgAAAAAAAABkAAAAAAAAAH9/fwAKAAAAHwAAAFQAAAAAAAAFAAAAAQAAAAAAAAAAAAAAAAAAAAAAAAAAAAAAAAAAAAAAAAAAAAAAAn9/fwAAAAADzMzMAMDA/wB/f38AAAAAAAAAAAAAAAAAAAAAAAAAAAAhAAAAGAAAABQAAABtIQAAaAoAAH4+AADADgAAEAAAACYAAAAIAAAAgYAAAAAAAAA="/>
+                <pr:smNativeData xmlns:pr="smNativeData" val="SMDATA_13_3GgiXxMAAAAlAAAAZAAAAA8BAAAAkAAAAEgAAACQAAAASAAAAAAAAAACAAAAAAAAAAEAAABQAAAAAAAAAAAA4D8AAAAAAADgPwAAAAAAAOA/AAAAAAAA4D8AAAAAAADgPwAAAAAAAOA/AAAAAAAA4D8AAAAAAADgPwAAAAAAAOA/AAAAAAAA4D8CAAAAjAAAAAAAAAAAAAAAu+DjDP///wgAAAAAAAAAAAAAAAAAAAAAAAAAAAAAAAAAAAAAZAAAAAEAAABAAAAAAAAAAAAAAAAAAAAAAAAAAAAAAAAAAAAAAAAAAAAAAAAAAAAAAAAAAAAAAAAAAAAAAAAAAAAAAAAAAAAAAAAAAAAAAAAAAAAAAAAAAAAAAAAAAAAAFAAAADwAAAAAAAAAAAAAAAAAAAkUAAAAAQAAABQAAAAUAAAAFAAAAAEAAAAAAAAAZAAAAGQAAAAAAAAAZAAAAGQAAAAVAAAAYAAAAAAAAAAAAAAADwAAACADAAAAAAAAAAAAAAEAAACgMgAAVgcAAKr4//8BAAAAf39/AAEAAABkAAAAAAAAABQAAABAHwAAAAAAACYAAAAAAAAAwOD//wAAAAAmAAAAZAAAABYAAABMAAAAAAAAAAAAAAAEAAAAAAAAAAEAAACAgIAKAAAAACgAAAAoAAAAZAAAAGQAAAAAAAAAzMzMAAAAAABQAAAAUAAAAGQAAABkAAAAAAAAABcAAAAUAAAAAAAAAAAAAAD/fwAA/38AAAAAAAAJAAAABAAAAKVGslUMAAAAEAAAAAAAAAAAAAAAAAAAAAAAAAAeAAAAaAAAAAAAAAAAAAAAAAAAAAAAAAAAAAAAECcAABAnAAAAAAAAAAAAAAAAAAAAAAAAAAAAAAAAAAAAAAAAAAAAABQAAAAAAAAAwMD/AAAAAABkAAAAMgAAAAAAAABkAAAAAAAAAH9/fwAKAAAAHwAAAFQAAAAAAAAFAAAAAQAAAAAAAAAAAAAAAAAAAAAAAAAAAAAAAAAAAAAAAAAAAAAAAn9/fwAAAAADzMzMAMDA/wB/f38AAAAAAAAAAAAAAAAAAAAAAAAAAAAhAAAAGAAAABQAAABtIQAAaAoAAH4+AADADgAAEAAAACYAAAAIAAAAgYAAAAAAAAA="/>
               </a:ext>
             </a:extLst>
           </p:cNvSpPr>
@@ -1788,7 +1788,7 @@
             <a:spLocks noGrp="1" noChangeArrowheads="1"/>
             <a:extLst>
               <a:ext uri="smNativeData">
-                <pr:smNativeData xmlns:pr="smNativeData" val="SMDATA_13_yiIeXxMAAAAlAAAAZAAAAA8BAAAAkAAAAEgAAACQAAAASAAAAAAAAAAAAAAAAAAAAAEAAABQAAAAAAAAAAAA4D8AAAAAAADgPwAAAAAAAOA/AAAAAAAA4D8AAAAAAADgPwAAAAAAAOA/AAAAAAAA4D8AAAAAAADgPwAAAAAAAOA/AAAAAAAA4D8CAAAAjAAAAAAAAAAAAAAAu+DjDP///wgAAAAAAAAAAAAAAAAAAAAAAAAAAAAAAAAAAAAAZAAAAAEAAABAAAAAAAAAAAAAAAAAAAAAAAAAAAAAAAAAAAAAAAAAAAAAAAAAAAAAAAAAAAAAAAAAAAAAAAAAAAAAAAAAAAAAAAAAAAAAAAAAAAAAAAAAAAAAAAAAAAAAFAAAADwAAAAAAAAAAAAAAAAAAAkUAAAAAQAAABQAAAAUAAAAFAAAAAEAAAAAAAAAZAAAAGQAAAAAAAAAZAAAAGQAAAAVAAAAYAAAAAAAAAAAAAAADwAAACADAAAAAAAAAAAAAAEAAACgMgAAVgcAAKr4//8BAAAAf39/AAEAAABkAAAAAAAAABQAAABAHwAAAAAAACYAAAAAAAAAwOD//wAAAAAmAAAAZAAAABYAAABMAAAAAAAAAAAAAAAEAAAAAAAAAAEAAACAgIAKAAAAACgAAAAoAAAAZAAAAGQAAAAAAAAAzMzMAAAAAABQAAAAUAAAAGQAAABkAAAAAAAAABcAAAAUAAAAAAAAAAAAAAD/fwAA/38AAAAAAAAJAAAABAAAAJJHpqIMAAAAEAAAAAAAAAAAAAAAAAAAAAAAAAAeAAAAaAAAAAAAAAAAAAAAAAAAAAAAAAAAAAAAECcAABAnAAAAAAAAAAAAAAAAAAAAAAAAAAAAAAAAAAAAAAAAAAAAABQAAAAAAAAAwMD/AAAAAABkAAAAMgAAAAAAAABkAAAAAAAAAH9/fwAKAAAAHwAAAFQAAAAAAAAFAAAAAQAAAAAAAAAAAAAAAAAAAAAAAAAAAAAAAAAAAAAAAAAAAAAAAn9/fwAAAAADzMzMAMDA/wB/f38AAAAAAAAAAAAAAAAAAAAAAAAAAAAhAAAAGAAAABQAAABtIQAAwA4AAH4+AACMKQAAEAAAACYAAAAIAAAAAYAAAAAAAAA="/>
+                <pr:smNativeData xmlns:pr="smNativeData" val="SMDATA_13_3GgiXxMAAAAlAAAAZAAAAA8BAAAAkAAAAEgAAACQAAAASAAAAAAAAAAAAAAAAAAAAAEAAABQAAAAAAAAAAAA4D8AAAAAAADgPwAAAAAAAOA/AAAAAAAA4D8AAAAAAADgPwAAAAAAAOA/AAAAAAAA4D8AAAAAAADgPwAAAAAAAOA/AAAAAAAA4D8CAAAAjAAAAAAAAAAAAAAAu+DjDP///wgAAAAAAAAAAAAAAAAAAAAAAAAAAAAAAAAAAAAAZAAAAAEAAABAAAAAAAAAAAAAAAAAAAAAAAAAAAAAAAAAAAAAAAAAAAAAAAAAAAAAAAAAAAAAAAAAAAAAAAAAAAAAAAAAAAAAAAAAAAAAAAAAAAAAAAAAAAAAAAAAAAAAFAAAADwAAAAAAAAAAAAAAAAAAAkUAAAAAQAAABQAAAAUAAAAFAAAAAEAAAAAAAAAZAAAAGQAAAAAAAAAZAAAAGQAAAAVAAAAYAAAAAAAAAAAAAAADwAAACADAAAAAAAAAAAAAAEAAACgMgAAVgcAAKr4//8BAAAAf39/AAEAAABkAAAAAAAAABQAAABAHwAAAAAAACYAAAAAAAAAwOD//wAAAAAmAAAAZAAAABYAAABMAAAAAAAAAAAAAAAEAAAAAAAAAAEAAACAgIAKAAAAACgAAAAoAAAAZAAAAGQAAAAAAAAAzMzMAAAAAABQAAAAUAAAAGQAAABkAAAAAAAAABcAAAAUAAAAAAAAAAAAAAD/fwAA/38AAAAAAAAJAAAABAAAAJJHpqIMAAAAEAAAAAAAAAAAAAAAAAAAAAAAAAAeAAAAaAAAAAAAAAAAAAAAAAAAAAAAAAAAAAAAECcAABAnAAAAAAAAAAAAAAAAAAAAAAAAAAAAAAAAAAAAAAAAAAAAABQAAAAAAAAAwMD/AAAAAABkAAAAMgAAAAAAAABkAAAAAAAAAH9/fwAKAAAAHwAAAFQAAAAAAAAFAAAAAQAAAAAAAAAAAAAAAAAAAAAAAAAAAAAAAAAAAAAAAAAAAAAAAn9/fwAAAAADzMzMAMDA/wB/f38AAAAAAAAAAAAAAAAAAAAAAAAAAAAhAAAAGAAAABQAAABtIQAAwA4AAH4+AACMKQAAEAAAACYAAAAIAAAAAYAAAAAAAAA="/>
               </a:ext>
             </a:extLst>
           </p:cNvSpPr>
@@ -1872,7 +1872,7 @@
             <a:spLocks noGrp="1" noChangeArrowheads="1"/>
             <a:extLst>
               <a:ext uri="smNativeData">
-                <pr:smNativeData xmlns:pr="smNativeData" val="SMDATA_13_yiIeXxMAAAAlAAAAZAAAAA8BAAAAkAAAAEgAAACQAAAASAAAAAAAAAABAAAAAAAAAAEAAABQAAAAAAAAAAAA4D8AAAAAAADgPwAAAAAAAOA/AAAAAAAA4D8AAAAAAADgPwAAAAAAAOA/AAAAAAAA4D8AAAAAAADgPwAAAAAAAOA/AAAAAAAA4D8CAAAAjAAAAAAAAAAAAAAAu+DjDP///wgAAAAAAAAAAAAAAAAAAAAAAAAAAAAAAAAAAAAAZAAAAAEAAABAAAAAAAAAAAAAAAAAAAAAAAAAAAAAAAAAAAAAAAAAAAAAAAAAAAAAAAAAAAAAAAAAAAAAAAAAAAAAAAAAAAAAAAAAAAAAAAAAAAAAAAAAAAAAAAAAAAAAFAAAADwAAAAAAAAAAAAAAAAAAAkUAAAAAQAAABQAAAAUAAAAFAAAAAEAAAAAAAAAZAAAAGQAAAAAAAAAZAAAAGQAAAAVAAAAYAAAAAAAAAAAAAAADwAAACADAAAAAAAAAAAAAAEAAACgMgAAVgcAAKr4//8BAAAAf39/AAEAAABkAAAAAAAAABQAAABAHwAAAAAAACYAAAAAAAAAwOD//wAAAAAmAAAAZAAAABYAAABMAAAAAAAAAAAAAAAEAAAAAAAAAAEAAACAgIAKAAAAACgAAAAoAAAAZAAAAGQAAAAAAAAAzMzMAAAAAABQAAAAUAAAAGQAAABkAAAAAAAAABcAAAAUAAAAAAAAAAAAAAD/fwAA/38AAAAAAAAJAAAABAAAAAQAhUEMAAAAEAAAAAAAAAAAAAAAAAAAAAAAAAAeAAAAaAAAAAAAAAAAAAAAAAAAAAAAAAAAAAAAECcAABAnAAAAAAAAAAAAAAAAAAAAAAAAAAAAAAAAAAAAAAAAAAAAABQAAAAAAAAAwMD/AAAAAABkAAAAMgAAAAAAAABkAAAAAAAAAH9/fwAKAAAAHwAAAFQAAAAAAAAFAAAAAQAAAAAAAAAAAAAAAAAAAAAAAAAAAAAAAAAAAAAAAAAAAAAAAn9/fwAAAAADzMzMAMDA/wB/f38AAAAAAAAAAAAAAAAAAAAAAAAAAAAhAAAAGAAAABQAAABKAwAAHSsAAKMSAACVLQAAEAAAACYAAAAIAAAAAAAAAAAAAAA="/>
+                <pr:smNativeData xmlns:pr="smNativeData" val="SMDATA_13_3GgiXxMAAAAlAAAAZAAAAA8BAAAAkAAAAEgAAACQAAAASAAAAAAAAAABAAAAAAAAAAEAAABQAAAAAAAAAAAA4D8AAAAAAADgPwAAAAAAAOA/AAAAAAAA4D8AAAAAAADgPwAAAAAAAOA/AAAAAAAA4D8AAAAAAADgPwAAAAAAAOA/AAAAAAAA4D8CAAAAjAAAAAAAAAAAAAAAu+DjDP///wgAAAAAAAAAAAAAAAAAAAAAAAAAAAAAAAAAAAAAZAAAAAEAAABAAAAAAAAAAAAAAAAAAAAAAAAAAAAAAAAAAAAAAAAAAAAAAAAAAAAAAAAAAAAAAAAAAAAAAAAAAAAAAAAAAAAAAAAAAAAAAAAAAAAAAAAAAAAAAAAAAAAAFAAAADwAAAAAAAAAAAAAAAAAAAkUAAAAAQAAABQAAAAUAAAAFAAAAAEAAAAAAAAAZAAAAGQAAAAAAAAAZAAAAGQAAAAVAAAAYAAAAAAAAAAAAAAADwAAACADAAAAAAAAAAAAAAEAAACgMgAAVgcAAKr4//8BAAAAf39/AAEAAABkAAAAAAAAABQAAABAHwAAAAAAACYAAAAAAAAAwOD//wAAAAAmAAAAZAAAABYAAABMAAAAAAAAAAAAAAAEAAAAAAAAAAEAAACAgIAKAAAAACgAAAAoAAAAZAAAAGQAAAAAAAAAzMzMAAAAAABQAAAAUAAAAGQAAABkAAAAAAAAABcAAAAUAAAAAAAAAAAAAAD/fwAA/38AAAAAAAAJAAAABAAAAAQAhUEMAAAAEAAAAAAAAAAAAAAAAAAAAAAAAAAeAAAAaAAAAAAAAAAAAAAAAAAAAAAAAAAAAAAAECcAABAnAAAAAAAAAAAAAAAAAAAAAAAAAAAAAAAAAAAAAAAAAAAAABQAAAAAAAAAwMD/AAAAAABkAAAAMgAAAAAAAABkAAAAAAAAAH9/fwAKAAAAHwAAAFQAAAAAAAAFAAAAAQAAAAAAAAAAAAAAAAAAAAAAAAAAAAAAAAAAAAAAAAAAAAAAAn9/fwAAAAADzMzMAMDA/wB/f38AAAAAAAAAAAAAAAAAAAAAAAAAAAAhAAAAGAAAABQAAABKAwAAHSsAAKMSAACVLQAAEAAAACYAAAAIAAAAAAAAAAAAAAA="/>
               </a:ext>
             </a:extLst>
           </p:cNvSpPr>
@@ -1886,7 +1886,7 @@
           <a:lstStyle/>
           <a:p>
             <a:pPr/>
-            <a:fld id="{310F9EF4-BADC-5A68-92B7-4C3DD0F96419}" type="datetime1">
+            <a:fld id="{20737578-36CD-2683-83CB-C0D63B857595}" type="datetime1">
               <a:t/>
             </a:fld>
           </a:p>
@@ -1899,7 +1899,7 @@
             <a:spLocks noGrp="1" noChangeArrowheads="1"/>
             <a:extLst>
               <a:ext uri="smNativeData">
-                <pr:smNativeData xmlns:pr="smNativeData" val="SMDATA_13_yiIeXxMAAAAlAAAAZAAAAA8BAAAAkAAAAEgAAACQAAAASAAAAAAAAAABAAAAAAAAAAEAAABQAAAAAAAAAAAA4D8AAAAAAADgPwAAAAAAAOA/AAAAAAAA4D8AAAAAAADgPwAAAAAAAOA/AAAAAAAA4D8AAAAAAADgPwAAAAAAAOA/AAAAAAAA4D8CAAAAjAAAAAAAAAAAAAAAu+DjDP///wgAAAAAAAAAAAAAAAAAAAAAAAAAAAAAAAAAAAAAZAAAAAEAAABAAAAAAAAAAAAAAAAAAAAAAAAAAAAAAAAAAAAAAAAAAAAAAAAAAAAAAAAAAAAAAAAAAAAAAAAAAAAAAAAAAAAAAAAAAAAAAAAAAAAAAAAAAAAAAAAAAAAAFAAAADwAAAAAAAAAAAAAAAAAAAkUAAAAAQAAABQAAAAUAAAAFAAAAAEAAAAAAAAAZAAAAGQAAAAAAAAAZAAAAGQAAAAVAAAAYAAAAAAAAAAAAAAADwAAACADAAAAAAAAAAAAAAEAAACgMgAAVgcAAKr4//8BAAAAf39/AAEAAABkAAAAAAAAABQAAABAHwAAAAAAACYAAAAAAAAAwOD//wAAAAAmAAAAZAAAABYAAABMAAAAAAAAAAAAAAAEAAAAAAAAAAEAAACAgIAKAAAAACgAAAAoAAAAZAAAAGQAAAAAAAAAzMzMAAAAAABQAAAAUAAAAGQAAABkAAAAAAAAABcAAAAUAAAAAAAAAAAAAAD/fwAA/38AAAAAAAAJAAAABAAAAAQAjgwMAAAAEAAAAAAAAAAAAAAAAAAAAAAAAAAeAAAAaAAAAAAAAAAAAAAAAAAAAAAAAAAAAAAAECcAABAnAAAAAAAAAAAAAAAAAAAAAAAAAAAAAAAAAAAAAAAAAAAAABQAAAAAAAAAwMD/AAAAAABkAAAAMgAAAAAAAABkAAAAAAAAAH9/fwAKAAAAHwAAAFQAAAAAAAAFAAAAAQAAAAAAAAAAAAAAAAAAAAAAAAAAAAAAAAAAAAAAAAAAAAAAAn9/fwAAAAADzMzMAMDA/wB/f38AAAAAAAAAAAAAAAAAAAAAAAAAAAAhAAAAGAAAABQAAAB5FgAAHSsAAE4rAACVLQAAEAAAACYAAAAIAAAAAAAAAAAAAAA="/>
+                <pr:smNativeData xmlns:pr="smNativeData" val="SMDATA_13_3GgiXxMAAAAlAAAAZAAAAA8BAAAAkAAAAEgAAACQAAAASAAAAAAAAAABAAAAAAAAAAEAAABQAAAAAAAAAAAA4D8AAAAAAADgPwAAAAAAAOA/AAAAAAAA4D8AAAAAAADgPwAAAAAAAOA/AAAAAAAA4D8AAAAAAADgPwAAAAAAAOA/AAAAAAAA4D8CAAAAjAAAAAAAAAAAAAAAu+DjDP///wgAAAAAAAAAAAAAAAAAAAAAAAAAAAAAAAAAAAAAZAAAAAEAAABAAAAAAAAAAAAAAAAAAAAAAAAAAAAAAAAAAAAAAAAAAAAAAAAAAAAAAAAAAAAAAAAAAAAAAAAAAAAAAAAAAAAAAAAAAAAAAAAAAAAAAAAAAAAAAAAAAAAAFAAAADwAAAAAAAAAAAAAAAAAAAkUAAAAAQAAABQAAAAUAAAAFAAAAAEAAAAAAAAAZAAAAGQAAAAAAAAAZAAAAGQAAAAVAAAAYAAAAAAAAAAAAAAADwAAACADAAAAAAAAAAAAAAEAAACgMgAAVgcAAKr4//8BAAAAf39/AAEAAABkAAAAAAAAABQAAABAHwAAAAAAACYAAAAAAAAAwOD//wAAAAAmAAAAZAAAABYAAABMAAAAAAAAAAAAAAAEAAAAAAAAAAEAAACAgIAKAAAAACgAAAAoAAAAZAAAAGQAAAAAAAAAzMzMAAAAAABQAAAAUAAAAGQAAABkAAAAAAAAABcAAAAUAAAAAAAAAAAAAAD/fwAA/38AAAAAAAAJAAAABAAAAAQAjgwMAAAAEAAAAAAAAAAAAAAAAAAAAAAAAAAeAAAAaAAAAAAAAAAAAAAAAAAAAAAAAAAAAAAAECcAABAnAAAAAAAAAAAAAAAAAAAAAAAAAAAAAAAAAAAAAAAAAAAAABQAAAAAAAAAwMD/AAAAAABkAAAAMgAAAAAAAABkAAAAAAAAAH9/fwAKAAAAHwAAAFQAAAAAAAAFAAAAAQAAAAAAAAAAAAAAAAAAAAAAAAAAAAAAAAAAAAAAAAAAAAAAAn9/fwAAAAADzMzMAMDA/wB/f38AAAAAAAAAAAAAAAAAAAAAAAAAAAAhAAAAGAAAABQAAAB5FgAAHSsAAE4rAACVLQAAEAAAACYAAAAIAAAAAAAAAAAAAAA="/>
               </a:ext>
             </a:extLst>
           </p:cNvSpPr>
@@ -1926,7 +1926,7 @@
             <a:spLocks noGrp="1" noChangeArrowheads="1"/>
             <a:extLst>
               <a:ext uri="smNativeData">
-                <pr:smNativeData xmlns:pr="smNativeData" val="SMDATA_13_yiIeXxMAAAAlAAAAZAAAAA8BAAAAkAAAAEgAAACQAAAASAAAAAAAAAABAAAAAAAAAAEAAABQAAAAAAAAAAAA4D8AAAAAAADgPwAAAAAAAOA/AAAAAAAA4D8AAAAAAADgPwAAAAAAAOA/AAAAAAAA4D8AAAAAAADgPwAAAAAAAOA/AAAAAAAA4D8CAAAAjAAAAAAAAAAAAAAAu+DjDP///wgAAAAAAAAAAAAAAAAAAAAAAAAAAAAAAAAAAAAAZAAAAAEAAABAAAAAAAAAAAAAAAAAAAAAAAAAAAAAAAAAAAAAAAAAAAAAAAAAAAAAAAAAAAAAAAAAAAAAAAAAAAAAAAAAAAAAAAAAAAAAAAAAAAAAAAAAAAAAAAAAAAAAFAAAADwAAAAAAAAAAAAAAAAAAAkUAAAAAQAAABQAAAAUAAAAFAAAAAEAAAAAAAAAZAAAAGQAAAAAAAAAZAAAAGQAAAAVAAAAYAAAAAAAAAAAAAAADwAAACADAAAAAAAAAAAAAAEAAACgMgAAVgcAAKr4//8BAAAAf39/AAEAAABkAAAAAAAAABQAAABAHwAAAAAAACYAAAAAAAAAwOD//wAAAAAmAAAAZAAAABYAAABMAAAAAAAAAAAAAAAEAAAAAAAAAAEAAACAgIAKAAAAACgAAAAoAAAAZAAAAGQAAAAAAAAAzMzMAAAAAABQAAAAUAAAAGQAAABkAAAAAAAAABcAAAAUAAAAAAAAAAAAAAD/fwAA/38AAAAAAAAJAAAABAAAAAQAbkEMAAAAEAAAAAAAAAAAAAAAAAAAAAAAAAAeAAAAaAAAAAAAAAAAAAAAAAAAAAAAAAAAAAAAECcAABAnAAAAAAAAAAAAAAAAAAAAAAAAAAAAAAAAAAAAAAAAAAAAABQAAAAAAAAAwMD/AAAAAABkAAAAMgAAAAAAAABkAAAAAAAAAH9/fwAKAAAAHwAAAFQAAAAAAAAFAAAAAQAAAAAAAAAAAAAAAAAAAAAAAAAAAAAAAAAAAAAAAAAAAAAAAn9/fwAAAAADzMzMAMDA/wB/f38AAAAAAAAAAAAAAAAAAAAAAAAAAAAhAAAAGAAAABQAAAAkLwAAHSsAAH4+AACVLQAAEAAAACYAAAAIAAAAAAAAAAAAAAA="/>
+                <pr:smNativeData xmlns:pr="smNativeData" val="SMDATA_13_3GgiXxMAAAAlAAAAZAAAAA8BAAAAkAAAAEgAAACQAAAASAAAAAAAAAABAAAAAAAAAAEAAABQAAAAAAAAAAAA4D8AAAAAAADgPwAAAAAAAOA/AAAAAAAA4D8AAAAAAADgPwAAAAAAAOA/AAAAAAAA4D8AAAAAAADgPwAAAAAAAOA/AAAAAAAA4D8CAAAAjAAAAAAAAAAAAAAAu+DjDP///wgAAAAAAAAAAAAAAAAAAAAAAAAAAAAAAAAAAAAAZAAAAAEAAABAAAAAAAAAAAAAAAAAAAAAAAAAAAAAAAAAAAAAAAAAAAAAAAAAAAAAAAAAAAAAAAAAAAAAAAAAAAAAAAAAAAAAAAAAAAAAAAAAAAAAAAAAAAAAAAAAAAAAFAAAADwAAAAAAAAAAAAAAAAAAAkUAAAAAQAAABQAAAAUAAAAFAAAAAEAAAAAAAAAZAAAAGQAAAAAAAAAZAAAAGQAAAAVAAAAYAAAAAAAAAAAAAAADwAAACADAAAAAAAAAAAAAAEAAACgMgAAVgcAAKr4//8BAAAAf39/AAEAAABkAAAAAAAAABQAAABAHwAAAAAAACYAAAAAAAAAwOD//wAAAAAmAAAAZAAAABYAAABMAAAAAAAAAAAAAAAEAAAAAAAAAAEAAACAgIAKAAAAACgAAAAoAAAAZAAAAGQAAAAAAAAAzMzMAAAAAABQAAAAUAAAAGQAAABkAAAAAAAAABcAAAAUAAAAAAAAAAAAAAD/fwAA/38AAAAAAAAJAAAABAAAAAQAbkEMAAAAEAAAAAAAAAAAAAAAAAAAAAAAAAAeAAAAaAAAAAAAAAAAAAAAAAAAAAAAAAAAAAAAECcAABAnAAAAAAAAAAAAAAAAAAAAAAAAAAAAAAAAAAAAAAAAAAAAABQAAAAAAAAAwMD/AAAAAABkAAAAMgAAAAAAAABkAAAAAAAAAH9/fwAKAAAAHwAAAFQAAAAAAAAFAAAAAQAAAAAAAAAAAAAAAAAAAAAAAAAAAAAAAAAAAAAAAAAAAAAAAn9/fwAAAAADzMzMAMDA/wB/f38AAAAAAAAAAAAAAAAAAAAAAAAAAAAhAAAAGAAAABQAAAAkLwAAHSsAAH4+AACVLQAAEAAAACYAAAAIAAAAAAAAAAAAAAA="/>
               </a:ext>
             </a:extLst>
           </p:cNvSpPr>
@@ -1940,7 +1940,7 @@
           <a:lstStyle/>
           <a:p>
             <a:pPr/>
-            <a:fld id="{310FEBB9-F7DC-5A1D-92B7-0148A5F96454}" type="slidenum">
+            <a:fld id="{20736BC6-88CD-269D-83CB-7EC82585752B}" type="slidenum">
               <a:t/>
             </a:fld>
           </a:p>
@@ -1978,7 +1978,7 @@
             <a:spLocks noGrp="1" noChangeArrowheads="1"/>
             <a:extLst>
               <a:ext uri="smNativeData">
-                <pr:smNativeData xmlns:pr="smNativeData" val="SMDATA_13_yiIeXxMAAAAlAAAAZAAAAA8BAAAAkAAAAEgAAACQAAAASAAAAAAAAAABAAAAAAAAAAEAAABQAAAAAAAAAAAA4D8AAAAAAADgPwAAAAAAAOA/AAAAAAAA4D8AAAAAAADgPwAAAAAAAOA/AAAAAAAA4D8AAAAAAADgPwAAAAAAAOA/AAAAAAAA4D8CAAAAjAAAAAAAAAAAAAAAu+DjDP///wgAAAAAAAAAAAAAAAAAAAAAAAAAAAAAAAAAAAAAZAAAAAEAAABAAAAAAAAAAAAAAAAAAAAAAAAAAAAAAAAAAAAAAAAAAAAAAAAAAAAAAAAAAAAAAAAAAAAAAAAAAAAAAAAAAAAAAAAAAAAAAAAAAAAAAAAAAAAAAAAAAAAAFAAAADwAAAAAAAAAAAAAAAAAAAkUAAAAAQAAABQAAAAUAAAAFAAAAAEAAAAAAAAAZAAAAGQAAAAAAAAAZAAAAGQAAAAVAAAAYAAAAAAAAAAAAAAADwAAACADAAAAAAAAAAAAAAEAAACgMgAAVgcAAKr4//8BAAAAf39/AAEAAABkAAAAAAAAABQAAABAHwAAAAAAACYAAAAAAAAAwOD//wAAAAAmAAAAZAAAABYAAABMAAAAAAAAAAAAAAAEAAAAAAAAAAEAAACAgIAKAAAAACgAAAAoAAAAZAAAAGQAAAAAAAAAzMzMAAAAAABQAAAAUAAAAGQAAABkAAAAAAAAABcAAAAUAAAAAAAAAAAAAAD/fwAA/38AAAAAAAAJAAAABAAAAAQAf0oMAAAAEAAAAAAAAAAAAAAAAAAAAAAAAAAeAAAAaAAAAAAAAAAAAAAAAAAAAAAAAAAAAAAAECcAABAnAAAAAAAAAAAAAAAAAAAAAAAAAAAAAAAAAAAAAAAAAAAAABQAAAAAAAAAwMD/AAAAAABkAAAAMgAAAAAAAABkAAAAAAAAAH9/fwAKAAAAHwAAAFQAAAAAAAAFAAAAAQAAAAAAAAAAAAAAAAAAAAAAAAAAAAAAAAAAAAAAAAAAAAAAAn9/fwAAAAADzMzMAMDA/wB/f38AAAAAAAAAAAAAAAAAAAAAAAAAAAAhAAAAGAAAABQAAABKAwAA3AEAAH4+AACcCQAAEAAAACYAAAAIAAAAAAAAAAAAAAA="/>
+                <pr:smNativeData xmlns:pr="smNativeData" val="SMDATA_13_3GgiXxMAAAAlAAAAZAAAAA8BAAAAkAAAAEgAAACQAAAASAAAAAAAAAABAAAAAAAAAAEAAABQAAAAAAAAAAAA4D8AAAAAAADgPwAAAAAAAOA/AAAAAAAA4D8AAAAAAADgPwAAAAAAAOA/AAAAAAAA4D8AAAAAAADgPwAAAAAAAOA/AAAAAAAA4D8CAAAAjAAAAAAAAAAAAAAAu+DjDP///wgAAAAAAAAAAAAAAAAAAAAAAAAAAAAAAAAAAAAAZAAAAAEAAABAAAAAAAAAAAAAAAAAAAAAAAAAAAAAAAAAAAAAAAAAAAAAAAAAAAAAAAAAAAAAAAAAAAAAAAAAAAAAAAAAAAAAAAAAAAAAAAAAAAAAAAAAAAAAAAAAAAAAFAAAADwAAAAAAAAAAAAAAAAAAAkUAAAAAQAAABQAAAAUAAAAFAAAAAEAAAAAAAAAZAAAAGQAAAAAAAAAZAAAAGQAAAAVAAAAYAAAAAAAAAAAAAAADwAAACADAAAAAAAAAAAAAAEAAACgMgAAVgcAAKr4//8BAAAAf39/AAEAAABkAAAAAAAAABQAAABAHwAAAAAAACYAAAAAAAAAwOD//wAAAAAmAAAAZAAAABYAAABMAAAAAAAAAAAAAAAEAAAAAAAAAAEAAACAgIAKAAAAACgAAAAoAAAAZAAAAGQAAAAAAAAAzMzMAAAAAABQAAAAUAAAAGQAAABkAAAAAAAAABcAAAAUAAAAAAAAAAAAAAD/fwAA/38AAAAAAAAJAAAABAAAAAQAf0oMAAAAEAAAAAAAAAAAAAAAAAAAAAAAAAAeAAAAaAAAAAAAAAAAAAAAAAAAAAAAAAAAAAAAECcAABAnAAAAAAAAAAAAAAAAAAAAAAAAAAAAAAAAAAAAAAAAAAAAABQAAAAAAAAAwMD/AAAAAABkAAAAMgAAAAAAAABkAAAAAAAAAH9/fwAKAAAAHwAAAFQAAAAAAAAFAAAAAQAAAAAAAAAAAAAAAAAAAAAAAAAAAAAAAAAAAAAAAAAAAAAAAn9/fwAAAAADzMzMAMDA/wB/f38AAAAAAAAAAAAAAAAAAAAAAAAAAAAhAAAAGAAAABQAAABKAwAA3AEAAH4+AACcCQAAEAAAACYAAAAIAAAAAAAAAAAAAAA="/>
               </a:ext>
             </a:extLst>
           </p:cNvSpPr>
@@ -2005,7 +2005,7 @@
             <a:spLocks noGrp="1" noChangeArrowheads="1"/>
             <a:extLst>
               <a:ext uri="smNativeData">
-                <pr:smNativeData xmlns:pr="smNativeData" val="SMDATA_13_yiIeXxMAAAAlAAAAZAAAAA8BAAAAkAAAAEgAAACQAAAASAAAAAAAAAABAAAAAAAAAAEAAABQAAAAAAAAAAAA4D8AAAAAAADgPwAAAAAAAOA/AAAAAAAA4D8AAAAAAADgPwAAAAAAAOA/AAAAAAAA4D8AAAAAAADgPwAAAAAAAOA/AAAAAAAA4D8CAAAAjAAAAAAAAAAAAAAAu+DjDP///wgAAAAAAAAAAAAAAAAAAAAAAAAAAAAAAAAAAAAAZAAAAAEAAABAAAAAAAAAAAAAAAAAAAAAAAAAAAAAAAAAAAAAAAAAAAAAAAAAAAAAAAAAAAAAAAAAAAAAAAAAAAAAAAAAAAAAAAAAAAAAAAAAAAAAAAAAAAAAAAAAAAAAFAAAADwAAAAAAAAAAAAAAAAAAAkUAAAAAQAAABQAAAAUAAAAFAAAAAEAAAAAAAAAZAAAAGQAAAAAAAAAZAAAAGQAAAAVAAAAYAAAAAAAAAAAAAAADwAAACADAAAAAAAAAAAAAAEAAACgMgAAVgcAAKr4//8BAAAAf39/AAEAAABkAAAAAAAAABQAAABAHwAAAAAAACYAAAAAAAAAwOD//wAAAAAmAAAAZAAAABYAAABMAAAAAAAAAAAAAAAEAAAAAAAAAAEAAACAgIAKAAAAACgAAAAoAAAAZAAAAGQAAAAAAAAAzMzMAAAAAABQAAAAUAAAAGQAAABkAAAAAAAAABcAAAAUAAAAAAAAAAAAAAD/fwAA/38AAAAAAAAJAAAABAAAADP6BAAMAAAAEAAAAAAAAAAAAAAAAAAAAAAAAAAeAAAAaAAAAAAAAAAAAAAAAAAAAAAAAAAAAAAAECcAABAnAAAAAAAAAAAAAAAAAAAAAAAAAAAAAAAAAAAAAAAAAAAAABQAAAAAAAAAwMD/AAAAAABkAAAAMgAAAAAAAABkAAAAAAAAAH9/fwAKAAAAHwAAAFQAAAAAAAAFAAAAAQAAAAAAAAAAAAAAAAAAAAAAAAAAAAAAAAAAAAAAAAAAAAAAAn9/fwAAAAADzMzMAMDA/wB/f38AAAAAAAAAAAAAAAAAAAAAAAAAAAAhAAAAGAAAABQAAABKAwAAHSsAAKMSAACVLQAAEAAAACYAAAAIAAAAAAAAAAAAAAA="/>
+                <pr:smNativeData xmlns:pr="smNativeData" val="SMDATA_13_3GgiXxMAAAAlAAAAZAAAAA8BAAAAkAAAAEgAAACQAAAASAAAAAAAAAABAAAAAAAAAAEAAABQAAAAAAAAAAAA4D8AAAAAAADgPwAAAAAAAOA/AAAAAAAA4D8AAAAAAADgPwAAAAAAAOA/AAAAAAAA4D8AAAAAAADgPwAAAAAAAOA/AAAAAAAA4D8CAAAAjAAAAAAAAAAAAAAAu+DjDP///wgAAAAAAAAAAAAAAAAAAAAAAAAAAAAAAAAAAAAAZAAAAAEAAABAAAAAAAAAAAAAAAAAAAAAAAAAAAAAAAAAAAAAAAAAAAAAAAAAAAAAAAAAAAAAAAAAAAAAAAAAAAAAAAAAAAAAAAAAAAAAAAAAAAAAAAAAAAAAAAAAAAAAFAAAADwAAAAAAAAAAAAAAAAAAAkUAAAAAQAAABQAAAAUAAAAFAAAAAEAAAAAAAAAZAAAAGQAAAAAAAAAZAAAAGQAAAAVAAAAYAAAAAAAAAAAAAAADwAAACADAAAAAAAAAAAAAAEAAACgMgAAVgcAAKr4//8BAAAAf39/AAEAAABkAAAAAAAAABQAAABAHwAAAAAAACYAAAAAAAAAwOD//wAAAAAmAAAAZAAAABYAAABMAAAAAAAAAAAAAAAEAAAAAAAAAAEAAACAgIAKAAAAACgAAAAoAAAAZAAAAGQAAAAAAAAAzMzMAAAAAABQAAAAUAAAAGQAAABkAAAAAAAAABcAAAAUAAAAAAAAAAAAAAD/fwAA/38AAAAAAAAJAAAABAAAADP6BAAMAAAAEAAAAAAAAAAAAAAAAAAAAAAAAAAeAAAAaAAAAAAAAAAAAAAAAAAAAAAAAAAAAAAAECcAABAnAAAAAAAAAAAAAAAAAAAAAAAAAAAAAAAAAAAAAAAAAAAAABQAAAAAAAAAwMD/AAAAAABkAAAAMgAAAAAAAABkAAAAAAAAAH9/fwAKAAAAHwAAAFQAAAAAAAAFAAAAAQAAAAAAAAAAAAAAAAAAAAAAAAAAAAAAAAAAAAAAAAAAAAAAAn9/fwAAAAADzMzMAMDA/wB/f38AAAAAAAAAAAAAAAAAAAAAAAAAAAAhAAAAGAAAABQAAABKAwAAHSsAAKMSAACVLQAAEAAAACYAAAAIAAAAAAAAAAAAAAA="/>
               </a:ext>
             </a:extLst>
           </p:cNvSpPr>
@@ -2019,7 +2019,7 @@
           <a:lstStyle/>
           <a:p>
             <a:pPr/>
-            <a:fld id="{310FF3DD-93DC-5A05-92B7-6550BDF96430}" type="datetime1">
+            <a:fld id="{20735531-7FCD-26A3-83CB-89F61B8575DC}" type="datetime1">
               <a:t/>
             </a:fld>
           </a:p>
@@ -2032,7 +2032,7 @@
             <a:spLocks noGrp="1" noChangeArrowheads="1"/>
             <a:extLst>
               <a:ext uri="smNativeData">
-                <pr:smNativeData xmlns:pr="smNativeData" val="SMDATA_13_yiIeXxMAAAAlAAAAZAAAAA8BAAAAkAAAAEgAAACQAAAASAAAAAAAAAABAAAAAAAAAAEAAABQAAAAAAAAAAAA4D8AAAAAAADgPwAAAAAAAOA/AAAAAAAA4D8AAAAAAADgPwAAAAAAAOA/AAAAAAAA4D8AAAAAAADgPwAAAAAAAOA/AAAAAAAA4D8CAAAAjAAAAAAAAAAAAAAAu+DjDP///wgAAAAAAAAAAAAAAAAAAAAAAAAAAAAAAAAAAAAAZAAAAAEAAABAAAAAAAAAAAAAAAAAAAAAAAAAAAAAAAAAAAAAAAAAAAAAAAAAAAAAAAAAAAAAAAAAAAAAAAAAAAAAAAAAAAAAAAAAAAAAAAAAAAAAAAAAAAAAAAAAAAAAFAAAADwAAAAAAAAAAAAAAAAAAAkUAAAAAQAAABQAAAAUAAAAFAAAAAEAAAAAAAAAZAAAAGQAAAAAAAAAZAAAAGQAAAAVAAAAYAAAAAAAAAAAAAAADwAAACADAAAAAAAAAAAAAAEAAACgMgAAVgcAAKr4//8BAAAAf39/AAEAAABkAAAAAAAAABQAAABAHwAAAAAAACYAAAAAAAAAwOD//wAAAAAmAAAAZAAAABYAAABMAAAAAAAAAAAAAAAEAAAAAAAAAAEAAACAgIAKAAAAACgAAAAoAAAAZAAAAGQAAAAAAAAAzMzMAAAAAABQAAAAUAAAAGQAAABkAAAAAAAAABcAAAAUAAAAAAAAAAAAAAD/fwAA/38AAAAAAAAJAAAABAAAAPhLdBEMAAAAEAAAAAAAAAAAAAAAAAAAAAAAAAAeAAAAaAAAAAAAAAAAAAAAAAAAAAAAAAAAAAAAECcAABAnAAAAAAAAAAAAAAAAAAAAAAAAAAAAAAAAAAAAAAAAAAAAABQAAAAAAAAAwMD/AAAAAABkAAAAMgAAAAAAAABkAAAAAAAAAH9/fwAKAAAAHwAAAFQAAAAAAAAFAAAAAQAAAAAAAAAAAAAAAAAAAAAAAAAAAAAAAAAAAAAAAAAAAAAAAn9/fwAAAAADzMzMAMDA/wB/f38AAAAAAAAAAAAAAAAAAAAAAAAAAAAhAAAAGAAAABQAAAB5FgAAHSsAAE4rAACVLQAAEAAAACYAAAAIAAAAAAAAAAAAAAA="/>
+                <pr:smNativeData xmlns:pr="smNativeData" val="SMDATA_13_3GgiXxMAAAAlAAAAZAAAAA8BAAAAkAAAAEgAAACQAAAASAAAAAAAAAABAAAAAAAAAAEAAABQAAAAAAAAAAAA4D8AAAAAAADgPwAAAAAAAOA/AAAAAAAA4D8AAAAAAADgPwAAAAAAAOA/AAAAAAAA4D8AAAAAAADgPwAAAAAAAOA/AAAAAAAA4D8CAAAAjAAAAAAAAAAAAAAAu+DjDP///wgAAAAAAAAAAAAAAAAAAAAAAAAAAAAAAAAAAAAAZAAAAAEAAABAAAAAAAAAAAAAAAAAAAAAAAAAAAAAAAAAAAAAAAAAAAAAAAAAAAAAAAAAAAAAAAAAAAAAAAAAAAAAAAAAAAAAAAAAAAAAAAAAAAAAAAAAAAAAAAAAAAAAFAAAADwAAAAAAAAAAAAAAAAAAAkUAAAAAQAAABQAAAAUAAAAFAAAAAEAAAAAAAAAZAAAAGQAAAAAAAAAZAAAAGQAAAAVAAAAYAAAAAAAAAAAAAAADwAAACADAAAAAAAAAAAAAAEAAACgMgAAVgcAAKr4//8BAAAAf39/AAEAAABkAAAAAAAAABQAAABAHwAAAAAAACYAAAAAAAAAwOD//wAAAAAmAAAAZAAAABYAAABMAAAAAAAAAAAAAAAEAAAAAAAAAAEAAACAgIAKAAAAACgAAAAoAAAAZAAAAGQAAAAAAAAAzMzMAAAAAABQAAAAUAAAAGQAAABkAAAAAAAAABcAAAAUAAAAAAAAAAAAAAD/fwAA/38AAAAAAAAJAAAABAAAAPhLdBEMAAAAEAAAAAAAAAAAAAAAAAAAAAAAAAAeAAAAaAAAAAAAAAAAAAAAAAAAAAAAAAAAAAAAECcAABAnAAAAAAAAAAAAAAAAAAAAAAAAAAAAAAAAAAAAAAAAAAAAABQAAAAAAAAAwMD/AAAAAABkAAAAMgAAAAAAAABkAAAAAAAAAH9/fwAKAAAAHwAAAFQAAAAAAAAFAAAAAQAAAAAAAAAAAAAAAAAAAAAAAAAAAAAAAAAAAAAAAAAAAAAAAn9/fwAAAAADzMzMAMDA/wB/f38AAAAAAAAAAAAAAAAAAAAAAAAAAAAhAAAAGAAAABQAAAB5FgAAHSsAAE4rAACVLQAAEAAAACYAAAAIAAAAAAAAAAAAAAA="/>
               </a:ext>
             </a:extLst>
           </p:cNvSpPr>
@@ -2059,7 +2059,7 @@
             <a:spLocks noGrp="1" noChangeArrowheads="1"/>
             <a:extLst>
               <a:ext uri="smNativeData">
-                <pr:smNativeData xmlns:pr="smNativeData" val="SMDATA_13_yiIeXxMAAAAlAAAAZAAAAA8BAAAAkAAAAEgAAACQAAAASAAAAAAAAAABAAAAAAAAAAEAAABQAAAAAAAAAAAA4D8AAAAAAADgPwAAAAAAAOA/AAAAAAAA4D8AAAAAAADgPwAAAAAAAOA/AAAAAAAA4D8AAAAAAADgPwAAAAAAAOA/AAAAAAAA4D8CAAAAjAAAAAAAAAAAAAAAu+DjDP///wgAAAAAAAAAAAAAAAAAAAAAAAAAAAAAAAAAAAAAZAAAAAEAAABAAAAAAAAAAAAAAAAAAAAAAAAAAAAAAAAAAAAAAAAAAAAAAAAAAAAAAAAAAAAAAAAAAAAAAAAAAAAAAAAAAAAAAAAAAAAAAAAAAAAAAAAAAAAAAAAAAAAAFAAAADwAAAAAAAAAAAAAAAAAAAkUAAAAAQAAABQAAAAUAAAAFAAAAAEAAAAAAAAAZAAAAGQAAAAAAAAAZAAAAGQAAAAVAAAAYAAAAAAAAAAAAAAADwAAACADAAAAAAAAAAAAAAEAAACgMgAAVgcAAKr4//8BAAAAf39/AAEAAABkAAAAAAAAABQAAABAHwAAAAAAACYAAAAAAAAAwOD//wAAAAAmAAAAZAAAABYAAABMAAAAAAAAAAAAAAAEAAAAAAAAAAEAAACAgIAKAAAAACgAAAAoAAAAZAAAAGQAAAAAAAAAzMzMAAAAAABQAAAAUAAAAGQAAABkAAAAAAAAABcAAAAUAAAAAAAAAAAAAAD/fwAA/38AAAAAAAAJAAAABAAAANMZfskMAAAAEAAAAAAAAAAAAAAAAAAAAAAAAAAeAAAAaAAAAAAAAAAAAAAAAAAAAAAAAAAAAAAAECcAABAnAAAAAAAAAAAAAAAAAAAAAAAAAAAAAAAAAAAAAAAAAAAAABQAAAAAAAAAwMD/AAAAAABkAAAAMgAAAAAAAABkAAAAAAAAAH9/fwAKAAAAHwAAAFQAAAAAAAAFAAAAAQAAAAAAAAAAAAAAAAAAAAAAAAAAAAAAAAAAAAAAAAAAAAAAAn9/fwAAAAADzMzMAMDA/wB/f38AAAAAAAAAAAAAAAAAAAAAAAAAAAAhAAAAGAAAABQAAAAkLwAAHSsAAH4+AACVLQAAEAAAACYAAAAIAAAAAAAAAAAAAAA="/>
+                <pr:smNativeData xmlns:pr="smNativeData" val="SMDATA_13_3GgiXxMAAAAlAAAAZAAAAA8BAAAAkAAAAEgAAACQAAAASAAAAAAAAAABAAAAAAAAAAEAAABQAAAAAAAAAAAA4D8AAAAAAADgPwAAAAAAAOA/AAAAAAAA4D8AAAAAAADgPwAAAAAAAOA/AAAAAAAA4D8AAAAAAADgPwAAAAAAAOA/AAAAAAAA4D8CAAAAjAAAAAAAAAAAAAAAu+DjDP///wgAAAAAAAAAAAAAAAAAAAAAAAAAAAAAAAAAAAAAZAAAAAEAAABAAAAAAAAAAAAAAAAAAAAAAAAAAAAAAAAAAAAAAAAAAAAAAAAAAAAAAAAAAAAAAAAAAAAAAAAAAAAAAAAAAAAAAAAAAAAAAAAAAAAAAAAAAAAAAAAAAAAAFAAAADwAAAAAAAAAAAAAAAAAAAkUAAAAAQAAABQAAAAUAAAAFAAAAAEAAAAAAAAAZAAAAGQAAAAAAAAAZAAAAGQAAAAVAAAAYAAAAAAAAAAAAAAADwAAACADAAAAAAAAAAAAAAEAAACgMgAAVgcAAKr4//8BAAAAf39/AAEAAABkAAAAAAAAABQAAABAHwAAAAAAACYAAAAAAAAAwOD//wAAAAAmAAAAZAAAABYAAABMAAAAAAAAAAAAAAAEAAAAAAAAAAEAAACAgIAKAAAAACgAAAAoAAAAZAAAAGQAAAAAAAAAzMzMAAAAAABQAAAAUAAAAGQAAABkAAAAAAAAABcAAAAUAAAAAAAAAAAAAAD/fwAA/38AAAAAAAAJAAAABAAAANMZfskMAAAAEAAAAAAAAAAAAAAAAAAAAAAAAAAeAAAAaAAAAAAAAAAAAAAAAAAAAAAAAAAAAAAAECcAABAnAAAAAAAAAAAAAAAAAAAAAAAAAAAAAAAAAAAAAAAAAAAAABQAAAAAAAAAwMD/AAAAAABkAAAAMgAAAAAAAABkAAAAAAAAAH9/fwAKAAAAHwAAAFQAAAAAAAAFAAAAAQAAAAAAAAAAAAAAAAAAAAAAAAAAAAAAAAAAAAAAAAAAAAAAAn9/fwAAAAADzMzMAMDA/wB/f38AAAAAAAAAAAAAAAAAAAAAAAAAAAAhAAAAGAAAABQAAAAkLwAAHSsAAH4+AACVLQAAEAAAACYAAAAIAAAAAAAAAAAAAAA="/>
               </a:ext>
             </a:extLst>
           </p:cNvSpPr>
@@ -2073,7 +2073,7 @@
           <a:lstStyle/>
           <a:p>
             <a:pPr/>
-            <a:fld id="{310F88EF-A1DC-5A7E-92B7-572BC6F96402}" type="slidenum">
+            <a:fld id="{2073271C-52CD-26D1-83CB-A484698575F1}" type="slidenum">
               <a:t/>
             </a:fld>
           </a:p>
@@ -2111,7 +2111,7 @@
             <a:spLocks noGrp="1" noChangeArrowheads="1"/>
             <a:extLst>
               <a:ext uri="smNativeData">
-                <pr:smNativeData xmlns:pr="smNativeData" val="SMDATA_13_yiIeXxMAAAAlAAAAZAAAAA8BAAAAkAAAAEgAAACQAAAASAAAAAAAAAABAAAAAAAAAAEAAABQAAAAAAAAAAAA4D8AAAAAAADgPwAAAAAAAOA/AAAAAAAA4D8AAAAAAADgPwAAAAAAAOA/AAAAAAAA4D8AAAAAAADgPwAAAAAAAOA/AAAAAAAA4D8CAAAAjAAAAAAAAAAAAAAAu+DjDP///wgAAAAAAAAAAAAAAAAAAAAAAAAAAAAAAAAAAAAAZAAAAAEAAABAAAAAAAAAAAAAAAAAAAAAAAAAAAAAAAAAAAAAAAAAAAAAAAAAAAAAAAAAAAAAAAAAAAAAAAAAAAAAAAAAAAAAAAAAAAAAAAAAAAAAAAAAAAAAAAAAAAAAFAAAADwAAAAAAAAAAAAAAAAAAAkUAAAAAQAAABQAAAAUAAAAFAAAAAEAAAAAAAAAZAAAAGQAAAAAAAAAZAAAAGQAAAAVAAAAYAAAAAAAAAAAAAAADwAAACADAAAAAAAAAAAAAAEAAACgMgAAVgcAAKr4//8BAAAAf39/AAEAAABkAAAAAAAAABQAAABAHwAAAAAAACYAAAAAAAAAwOD//wAAAAAmAAAAZAAAABYAAABMAAAAAAAAAAAAAAAEAAAAAAAAAAEAAACAgIAKAAAAACgAAAAoAAAAZAAAAGQAAAAAAAAAzMzMAAAAAABQAAAAUAAAAGQAAABkAAAAAAAAABcAAAAUAAAAAAAAAAAAAAD/fwAA/38AAAAAAAAJAAAABAAAAPBClTQMAAAAEAAAAAAAAAAAAAAAAAAAAAAAAAAeAAAAaAAAAAAAAAAAAAAAAAAAAAAAAAAAAAAAECcAABAnAAAAAAAAAAAAAAAAAAAAAAAAAAAAAAAAAAAAAAAAAAAAABQAAAAAAAAAwMD/AAAAAABkAAAAMgAAAAAAAABkAAAAAAAAAH9/fwAKAAAAHwAAAFQAAAAAAAAFAAAAAQAAAAAAAAAAAAAAAAAAAAAAAAAAAAAAAAAAAAAAAAAAAAAAAn9/fwAAAAADzMzMAMDA/wB/f38AAAAAAAAAAAAAAAAAAAAAAAAAAAAhAAAAGAAAABQAAABKAwAAHSsAAKMSAACVLQAAEAAAACYAAAAIAAAAAAAAAAAAAAA="/>
+                <pr:smNativeData xmlns:pr="smNativeData" val="SMDATA_13_3GgiXxMAAAAlAAAAZAAAAA8BAAAAkAAAAEgAAACQAAAASAAAAAAAAAABAAAAAAAAAAEAAABQAAAAAAAAAAAA4D8AAAAAAADgPwAAAAAAAOA/AAAAAAAA4D8AAAAAAADgPwAAAAAAAOA/AAAAAAAA4D8AAAAAAADgPwAAAAAAAOA/AAAAAAAA4D8CAAAAjAAAAAAAAAAAAAAAu+DjDP///wgAAAAAAAAAAAAAAAAAAAAAAAAAAAAAAAAAAAAAZAAAAAEAAABAAAAAAAAAAAAAAAAAAAAAAAAAAAAAAAAAAAAAAAAAAAAAAAAAAAAAAAAAAAAAAAAAAAAAAAAAAAAAAAAAAAAAAAAAAAAAAAAAAAAAAAAAAAAAAAAAAAAAFAAAADwAAAAAAAAAAAAAAAAAAAkUAAAAAQAAABQAAAAUAAAAFAAAAAEAAAAAAAAAZAAAAGQAAAAAAAAAZAAAAGQAAAAVAAAAYAAAAAAAAAAAAAAADwAAACADAAAAAAAAAAAAAAEAAACgMgAAVgcAAKr4//8BAAAAf39/AAEAAABkAAAAAAAAABQAAABAHwAAAAAAACYAAAAAAAAAwOD//wAAAAAmAAAAZAAAABYAAABMAAAAAAAAAAAAAAAEAAAAAAAAAAEAAACAgIAKAAAAACgAAAAoAAAAZAAAAGQAAAAAAAAAzMzMAAAAAABQAAAAUAAAAGQAAABkAAAAAAAAABcAAAAUAAAAAAAAAAAAAAD/fwAA/38AAAAAAAAJAAAABAAAAPBClTQMAAAAEAAAAAAAAAAAAAAAAAAAAAAAAAAeAAAAaAAAAAAAAAAAAAAAAAAAAAAAAAAAAAAAECcAABAnAAAAAAAAAAAAAAAAAAAAAAAAAAAAAAAAAAAAAAAAAAAAABQAAAAAAAAAwMD/AAAAAABkAAAAMgAAAAAAAABkAAAAAAAAAH9/fwAKAAAAHwAAAFQAAAAAAAAFAAAAAQAAAAAAAAAAAAAAAAAAAAAAAAAAAAAAAAAAAAAAAAAAAAAAAn9/fwAAAAADzMzMAMDA/wB/f38AAAAAAAAAAAAAAAAAAAAAAAAAAAAhAAAAGAAAABQAAABKAwAAHSsAAKMSAACVLQAAEAAAACYAAAAIAAAAAAAAAAAAAAA="/>
               </a:ext>
             </a:extLst>
           </p:cNvSpPr>
@@ -2125,7 +2125,7 @@
           <a:lstStyle/>
           <a:p>
             <a:pPr/>
-            <a:fld id="{310FE037-79DC-5A16-92B7-8F43AEF964DA}" type="datetime1">
+            <a:fld id="{20732540-0ECD-26D3-83CB-F8866B8575AD}" type="datetime1">
               <a:t/>
             </a:fld>
           </a:p>
@@ -2138,7 +2138,7 @@
             <a:spLocks noGrp="1" noChangeArrowheads="1"/>
             <a:extLst>
               <a:ext uri="smNativeData">
-                <pr:smNativeData xmlns:pr="smNativeData" val="SMDATA_13_yiIeXxMAAAAlAAAAZAAAAA8BAAAAkAAAAEgAAACQAAAASAAAAAAAAAABAAAAAAAAAAEAAABQAAAAAAAAAAAA4D8AAAAAAADgPwAAAAAAAOA/AAAAAAAA4D8AAAAAAADgPwAAAAAAAOA/AAAAAAAA4D8AAAAAAADgPwAAAAAAAOA/AAAAAAAA4D8CAAAAjAAAAAAAAAAAAAAAu+DjDP///wgAAAAAAAAAAAAAAAAAAAAAAAAAAAAAAAAAAAAAZAAAAAEAAABAAAAAAAAAAAAAAAAAAAAAAAAAAAAAAAAAAAAAAAAAAAAAAAAAAAAAAAAAAAAAAAAAAAAAAAAAAAAAAAAAAAAAAAAAAAAAAAAAAAAAAAAAAAAAAAAAAAAAFAAAADwAAAAAAAAAAAAAAAAAAAkUAAAAAQAAABQAAAAUAAAAFAAAAAEAAAAAAAAAZAAAAGQAAAAAAAAAZAAAAGQAAAAVAAAAYAAAAAAAAAAAAAAADwAAACADAAAAAAAAAAAAAAEAAACgMgAAVgcAAKr4//8BAAAAf39/AAEAAABkAAAAAAAAABQAAABAHwAAAAAAACYAAAAAAAAAwOD//wAAAAAmAAAAZAAAABYAAABMAAAAAAAAAAAAAAAEAAAAAAAAAAEAAACAgIAKAAAAACgAAAAoAAAAZAAAAGQAAAAAAAAAzMzMAAAAAABQAAAAUAAAAGQAAABkAAAAAAAAABcAAAAUAAAAAAAAAAAAAAD/fwAA/38AAAAAAAAJAAAABAAAAE4iBAAMAAAAEAAAAAAAAAAAAAAAAAAAAAAAAAAeAAAAaAAAAAAAAAAAAAAAAAAAAAAAAAAAAAAAECcAABAnAAAAAAAAAAAAAAAAAAAAAAAAAAAAAAAAAAAAAAAAAAAAABQAAAAAAAAAwMD/AAAAAABkAAAAMgAAAAAAAABkAAAAAAAAAH9/fwAKAAAAHwAAAFQAAAAAAAAFAAAAAQAAAAAAAAAAAAAAAAAAAAAAAAAAAAAAAAAAAAAAAAAAAAAAAn9/fwAAAAADzMzMAMDA/wB/f38AAAAAAAAAAAAAAAAAAAAAAAAAAAAhAAAAGAAAABQAAAB5FgAAHSsAAE4rAACVLQAAEAAAACYAAAAIAAAAAAAAAAAAAAA="/>
+                <pr:smNativeData xmlns:pr="smNativeData" val="SMDATA_13_3GgiXxMAAAAlAAAAZAAAAA8BAAAAkAAAAEgAAACQAAAASAAAAAAAAAABAAAAAAAAAAEAAABQAAAAAAAAAAAA4D8AAAAAAADgPwAAAAAAAOA/AAAAAAAA4D8AAAAAAADgPwAAAAAAAOA/AAAAAAAA4D8AAAAAAADgPwAAAAAAAOA/AAAAAAAA4D8CAAAAjAAAAAAAAAAAAAAAu+DjDP///wgAAAAAAAAAAAAAAAAAAAAAAAAAAAAAAAAAAAAAZAAAAAEAAABAAAAAAAAAAAAAAAAAAAAAAAAAAAAAAAAAAAAAAAAAAAAAAAAAAAAAAAAAAAAAAAAAAAAAAAAAAAAAAAAAAAAAAAAAAAAAAAAAAAAAAAAAAAAAAAAAAAAAFAAAADwAAAAAAAAAAAAAAAAAAAkUAAAAAQAAABQAAAAUAAAAFAAAAAEAAAAAAAAAZAAAAGQAAAAAAAAAZAAAAGQAAAAVAAAAYAAAAAAAAAAAAAAADwAAACADAAAAAAAAAAAAAAEAAACgMgAAVgcAAKr4//8BAAAAf39/AAEAAABkAAAAAAAAABQAAABAHwAAAAAAACYAAAAAAAAAwOD//wAAAAAmAAAAZAAAABYAAABMAAAAAAAAAAAAAAAEAAAAAAAAAAEAAACAgIAKAAAAACgAAAAoAAAAZAAAAGQAAAAAAAAAzMzMAAAAAABQAAAAUAAAAGQAAABkAAAAAAAAABcAAAAUAAAAAAAAAAAAAAD/fwAA/38AAAAAAAAJAAAABAAAAE4iBAAMAAAAEAAAAAAAAAAAAAAAAAAAAAAAAAAeAAAAaAAAAAAAAAAAAAAAAAAAAAAAAAAAAAAAECcAABAnAAAAAAAAAAAAAAAAAAAAAAAAAAAAAAAAAAAAAAAAAAAAABQAAAAAAAAAwMD/AAAAAABkAAAAMgAAAAAAAABkAAAAAAAAAH9/fwAKAAAAHwAAAFQAAAAAAAAFAAAAAQAAAAAAAAAAAAAAAAAAAAAAAAAAAAAAAAAAAAAAAAAAAAAAAn9/fwAAAAADzMzMAMDA/wB/f38AAAAAAAAAAAAAAAAAAAAAAAAAAAAhAAAAGAAAABQAAAB5FgAAHSsAAE4rAACVLQAAEAAAACYAAAAIAAAAAAAAAAAAAAA="/>
               </a:ext>
             </a:extLst>
           </p:cNvSpPr>
@@ -2165,7 +2165,7 @@
             <a:spLocks noGrp="1" noChangeArrowheads="1"/>
             <a:extLst>
               <a:ext uri="smNativeData">
-                <pr:smNativeData xmlns:pr="smNativeData" val="SMDATA_13_yiIeXxMAAAAlAAAAZAAAAA8BAAAAkAAAAEgAAACQAAAASAAAAAAAAAABAAAAAAAAAAEAAABQAAAAAAAAAAAA4D8AAAAAAADgPwAAAAAAAOA/AAAAAAAA4D8AAAAAAADgPwAAAAAAAOA/AAAAAAAA4D8AAAAAAADgPwAAAAAAAOA/AAAAAAAA4D8CAAAAjAAAAAAAAAAAAAAAu+DjDP///wgAAAAAAAAAAAAAAAAAAAAAAAAAAAAAAAAAAAAAZAAAAAEAAABAAAAAAAAAAAAAAAAAAAAAAAAAAAAAAAAAAAAAAAAAAAAAAAAAAAAAAAAAAAAAAAAAAAAAAAAAAAAAAAAAAAAAAAAAAAAAAAAAAAAAAAAAAAAAAAAAAAAAFAAAADwAAAAAAAAAAAAAAAAAAAkUAAAAAQAAABQAAAAUAAAAFAAAAAEAAAAAAAAAZAAAAGQAAAAAAAAAZAAAAGQAAAAVAAAAYAAAAAAAAAAAAAAADwAAACADAAAAAAAAAAAAAAEAAACgMgAAVgcAAKr4//8BAAAAf39/AAEAAABkAAAAAAAAABQAAABAHwAAAAAAACYAAAAAAAAAwOD//wAAAAAmAAAAZAAAABYAAABMAAAAAAAAAAAAAAAEAAAAAAAAAAEAAACAgIAKAAAAACgAAAAoAAAAZAAAAGQAAAAAAAAAzMzMAAAAAABQAAAAUAAAAGQAAABkAAAAAAAAABcAAAAUAAAAAAAAAAAAAAD/fwAA/38AAAAAAAAJAAAABAAAAAUAxWgMAAAAEAAAAAAAAAAAAAAAAAAAAAAAAAAeAAAAaAAAAAAAAAAAAAAAAAAAAAAAAAAAAAAAECcAABAnAAAAAAAAAAAAAAAAAAAAAAAAAAAAAAAAAAAAAAAAAAAAABQAAAAAAAAAwMD/AAAAAABkAAAAMgAAAAAAAABkAAAAAAAAAH9/fwAKAAAAHwAAAFQAAAAAAAAFAAAAAQAAAAAAAAAAAAAAAAAAAAAAAAAAAAAAAAAAAAAAAAAAAAAAAn9/fwAAAAADzMzMAMDA/wB/f38AAAAAAAAAAAAAAAAAAAAAAAAAAAAhAAAAGAAAABQAAAAkLwAAHSsAAH4+AACVLQAAEAAAACYAAAAIAAAAAAAAAAAAAAA="/>
+                <pr:smNativeData xmlns:pr="smNativeData" val="SMDATA_13_3GgiXxMAAAAlAAAAZAAAAA8BAAAAkAAAAEgAAACQAAAASAAAAAAAAAABAAAAAAAAAAEAAABQAAAAAAAAAAAA4D8AAAAAAADgPwAAAAAAAOA/AAAAAAAA4D8AAAAAAADgPwAAAAAAAOA/AAAAAAAA4D8AAAAAAADgPwAAAAAAAOA/AAAAAAAA4D8CAAAAjAAAAAAAAAAAAAAAu+DjDP///wgAAAAAAAAAAAAAAAAAAAAAAAAAAAAAAAAAAAAAZAAAAAEAAABAAAAAAAAAAAAAAAAAAAAAAAAAAAAAAAAAAAAAAAAAAAAAAAAAAAAAAAAAAAAAAAAAAAAAAAAAAAAAAAAAAAAAAAAAAAAAAAAAAAAAAAAAAAAAAAAAAAAAFAAAADwAAAAAAAAAAAAAAAAAAAkUAAAAAQAAABQAAAAUAAAAFAAAAAEAAAAAAAAAZAAAAGQAAAAAAAAAZAAAAGQAAAAVAAAAYAAAAAAAAAAAAAAADwAAACADAAAAAAAAAAAAAAEAAACgMgAAVgcAAKr4//8BAAAAf39/AAEAAABkAAAAAAAAABQAAABAHwAAAAAAACYAAAAAAAAAwOD//wAAAAAmAAAAZAAAABYAAABMAAAAAAAAAAAAAAAEAAAAAAAAAAEAAACAgIAKAAAAACgAAAAoAAAAZAAAAGQAAAAAAAAAzMzMAAAAAABQAAAAUAAAAGQAAABkAAAAAAAAABcAAAAUAAAAAAAAAAAAAAD/fwAA/38AAAAAAAAJAAAABAAAAAUAxWgMAAAAEAAAAAAAAAAAAAAAAAAAAAAAAAAeAAAAaAAAAAAAAAAAAAAAAAAAAAAAAAAAAAAAECcAABAnAAAAAAAAAAAAAAAAAAAAAAAAAAAAAAAAAAAAAAAAAAAAABQAAAAAAAAAwMD/AAAAAABkAAAAMgAAAAAAAABkAAAAAAAAAH9/fwAKAAAAHwAAAFQAAAAAAAAFAAAAAQAAAAAAAAAAAAAAAAAAAAAAAAAAAAAAAAAAAAAAAAAAAAAAAn9/fwAAAAADzMzMAMDA/wB/f38AAAAAAAAAAAAAAAAAAAAAAAAAAAAhAAAAGAAAABQAAAAkLwAAHSsAAH4+AACVLQAAEAAAACYAAAAIAAAAAAAAAAAAAAA="/>
               </a:ext>
             </a:extLst>
           </p:cNvSpPr>
@@ -2179,7 +2179,7 @@
           <a:lstStyle/>
           <a:p>
             <a:pPr/>
-            <a:fld id="{310FF6E5-ABDC-5A00-92B7-5D55B8F96408}" type="slidenum">
+            <a:fld id="{2073729B-D5CD-2684-83CB-23D13C857576}" type="slidenum">
               <a:t/>
             </a:fld>
           </a:p>
@@ -2217,7 +2217,7 @@
             <a:spLocks noGrp="1" noChangeArrowheads="1"/>
             <a:extLst>
               <a:ext uri="smNativeData">
-                <pr:smNativeData xmlns:pr="smNativeData" val="SMDATA_13_yiIeXxMAAAAlAAAAZAAAAA8BAAAAkAAAAEgAAACQAAAASAAAAAAAAAACAAAAAAAAAAEAAABQAAAAAAAAAAAA4D8AAAAAAADgPwAAAAAAAOA/AAAAAAAA4D8AAAAAAADgPwAAAAAAAOA/AAAAAAAA4D8AAAAAAADgPwAAAAAAAOA/AAAAAAAA4D8CAAAAjAAAAAAAAAAAAAAAu+DjDP///wgAAAAAAAAAAAAAAAAAAAAAAAAAAAAAAAAAAAAAZAAAAAEAAABAAAAAAAAAAAAAAAAAAAAAAAAAAAAAAAAAAAAAAAAAAAAAAAAAAAAAAAAAAAAAAAAAAAAAAAAAAAAAAAAAAAAAAAAAAAAAAAAAAAAAAAAAAAAAAAAAAAAAFAAAADwAAAAAAAAAAAAAAAAAAAkUAAAAAQAAABQAAAAUAAAAFAAAAAEAAAAAAAAAZAAAAGQAAAAAAAAAZAAAAGQAAAAVAAAAYAAAAAAAAAAAAAAADwAAACADAAAAAAAAAAAAAAEAAACgMgAAVgcAAKr4//8BAAAAf39/AAEAAABkAAAAAAAAABQAAABAHwAAAAAAACYAAAAAAAAAwOD//wAAAAAmAAAAZAAAABYAAABMAAAAAAAAAAAAAAAEAAAAAAAAAAEAAACAgIAKAAAAACgAAAAoAAAAZAAAAGQAAAAAAAAAzMzMAAAAAABQAAAAUAAAAGQAAABkAAAAAAAAABcAAAAUAAAAAAAAAAAAAAD/fwAA/38AAAAAAAAJAAAABAAAANKoAwAMAAAAEAAAAAAAAAAAAAAAAAAAAAAAAAAeAAAAaAAAAAAAAAAAAAAAAAAAAAAAAAAAAAAAECcAABAnAAAAAAAAAAAAAAAAAAAAAAAAAAAAAAAAAAAAAAAAAAAAABQAAAAAAAAAwMD/AAAAAABkAAAAMgAAAAAAAABkAAAAAAAAAH9/fwAKAAAAHwAAAFQAAAAAAAAFAAAAAQAAAAAAAAAAAAAAAAAAAAAAAAAAAAAAAAAAAAAAAAAAAAAAAn9/fwAAAAADzMzMAMDA/wB/f38AAAAAAAAAAAAAAAAAAAAAAAAAAAAhAAAAGAAAABQAAABKAwAA2gEAAO4YAAC7CQAAEAAAACYAAAAIAAAAgYAAAAAAAAA="/>
+                <pr:smNativeData xmlns:pr="smNativeData" val="SMDATA_13_3GgiXxMAAAAlAAAAZAAAAA8BAAAAkAAAAEgAAACQAAAASAAAAAAAAAACAAAAAAAAAAEAAABQAAAAAAAAAAAA4D8AAAAAAADgPwAAAAAAAOA/AAAAAAAA4D8AAAAAAADgPwAAAAAAAOA/AAAAAAAA4D8AAAAAAADgPwAAAAAAAOA/AAAAAAAA4D8CAAAAjAAAAAAAAAAAAAAAu+DjDP///wgAAAAAAAAAAAAAAAAAAAAAAAAAAAAAAAAAAAAAZAAAAAEAAABAAAAAAAAAAAAAAAAAAAAAAAAAAAAAAAAAAAAAAAAAAAAAAAAAAAAAAAAAAAAAAAAAAAAAAAAAAAAAAAAAAAAAAAAAAAAAAAAAAAAAAAAAAAAAAAAAAAAAFAAAADwAAAAAAAAAAAAAAAAAAAkUAAAAAQAAABQAAAAUAAAAFAAAAAEAAAAAAAAAZAAAAGQAAAAAAAAAZAAAAGQAAAAVAAAAYAAAAAAAAAAAAAAADwAAACADAAAAAAAAAAAAAAEAAACgMgAAVgcAAKr4//8BAAAAf39/AAEAAABkAAAAAAAAABQAAABAHwAAAAAAACYAAAAAAAAAwOD//wAAAAAmAAAAZAAAABYAAABMAAAAAAAAAAAAAAAEAAAAAAAAAAEAAACAgIAKAAAAACgAAAAoAAAAZAAAAGQAAAAAAAAAzMzMAAAAAABQAAAAUAAAAGQAAABkAAAAAAAAABcAAAAUAAAAAAAAAAAAAAD/fwAA/38AAAAAAAAJAAAABAAAANKoAwAMAAAAEAAAAAAAAAAAAAAAAAAAAAAAAAAeAAAAaAAAAAAAAAAAAAAAAAAAAAAAAAAAAAAAECcAABAnAAAAAAAAAAAAAAAAAAAAAAAAAAAAAAAAAAAAAAAAAAAAABQAAAAAAAAAwMD/AAAAAABkAAAAMgAAAAAAAABkAAAAAAAAAH9/fwAKAAAAHwAAAFQAAAAAAAAFAAAAAQAAAAAAAAAAAAAAAAAAAAAAAAAAAAAAAAAAAAAAAAAAAAAAAn9/fwAAAAADzMzMAMDA/wB/f38AAAAAAAAAAAAAAAAAAAAAAAAAAAAhAAAAGAAAABQAAABKAwAA2gEAAO4YAAC7CQAAEAAAACYAAAAIAAAAgYAAAAAAAAA="/>
               </a:ext>
             </a:extLst>
           </p:cNvSpPr>
@@ -2257,7 +2257,7 @@
             <a:spLocks noGrp="1" noChangeArrowheads="1"/>
             <a:extLst>
               <a:ext uri="smNativeData">
-                <pr:smNativeData xmlns:pr="smNativeData" val="SMDATA_13_yiIeXxMAAAAlAAAAZAAAAA8BAAAAkAAAAEgAAACQAAAASAAAAAAAAAAAAAAAAAAAAAEAAABQAAAAAAAAAAAA4D8AAAAAAADgPwAAAAAAAOA/AAAAAAAA4D8AAAAAAADgPwAAAAAAAOA/AAAAAAAA4D8AAAAAAADgPwAAAAAAAOA/AAAAAAAA4D8CAAAAjAAAAAAAAAAAAAAAu+DjDP///wgAAAAAAAAAAAAAAAAAAAAAAAAAAAAAAAAAAAAAZAAAAAEAAABAAAAAAAAAAAAAAAAAAAAAAAAAAAAAAAAAAAAAAAAAAAAAAAAAAAAAAAAAAAAAAAAAAAAAAAAAAAAAAAAAAAAAAAAAAAAAAAAAAAAAAAAAAAAAAAAAAAAAFAAAADwAAAAAAAAAAAAAAAAAAAkUAAAAAQAAABQAAAAUAAAAFAAAAAEAAAAAAAAAZAAAAGQAAAAAAAAAZAAAAGQAAAAVAAAAYAAAAAAAAAAAAAAADwAAACADAAAAAAAAAAAAAAEAAACgMgAAVgcAAKr4//8BAAAAf39/AAEAAABkAAAAAAAAABQAAABAHwAAAAAAACYAAAAAAAAAwOD//wAAAAAmAAAAZAAAABYAAABMAAAAAAAAAAAAAAAEAAAAAAAAAAEAAACAgIAKAAAAACgAAAAoAAAAZAAAAGQAAAAAAAAAzMzMAAAAAABQAAAAUAAAAGQAAABkAAAAAAAAABcAAAAUAAAAAAAAAAAAAAD/fwAA/38AAAAAAAAJAAAABAAAAAMAhj4MAAAAEAAAAAAAAAAAAAAAAAAAAAAAAAAeAAAAaAAAAAAAAAAAAAAAAAAAAAAAAAAAAAAAECcAABAnAAAAAAAAAAAAAAAAAAAAAAAAAAAAAAAAAAAAAAAAAAAAABQAAAAAAAAAwMD/AAAAAABkAAAAMgAAAAAAAABkAAAAAAAAAH9/fwAKAAAAHwAAAFQAAAAAAAAFAAAAAQAAAAAAAAAAAAAAAAAAAAAAAAAAAAAAAAAAAAAAAAAAAAAAAn9/fwAAAAADzMzMAMDA/wB/f38AAAAAAAAAAAAAAAAAAAAAAAAAAAAhAAAAGAAAABQAAAC3GQAA2gEAAH4+AACMKQAAEAAAACYAAAAIAAAAAYAAAAAAAAA="/>
+                <pr:smNativeData xmlns:pr="smNativeData" val="SMDATA_13_3GgiXxMAAAAlAAAAZAAAAA8BAAAAkAAAAEgAAACQAAAASAAAAAAAAAAAAAAAAAAAAAEAAABQAAAAAAAAAAAA4D8AAAAAAADgPwAAAAAAAOA/AAAAAAAA4D8AAAAAAADgPwAAAAAAAOA/AAAAAAAA4D8AAAAAAADgPwAAAAAAAOA/AAAAAAAA4D8CAAAAjAAAAAAAAAAAAAAAu+DjDP///wgAAAAAAAAAAAAAAAAAAAAAAAAAAAAAAAAAAAAAZAAAAAEAAABAAAAAAAAAAAAAAAAAAAAAAAAAAAAAAAAAAAAAAAAAAAAAAAAAAAAAAAAAAAAAAAAAAAAAAAAAAAAAAAAAAAAAAAAAAAAAAAAAAAAAAAAAAAAAAAAAAAAAFAAAADwAAAAAAAAAAAAAAAAAAAkUAAAAAQAAABQAAAAUAAAAFAAAAAEAAAAAAAAAZAAAAGQAAAAAAAAAZAAAAGQAAAAVAAAAYAAAAAAAAAAAAAAADwAAACADAAAAAAAAAAAAAAEAAACgMgAAVgcAAKr4//8BAAAAf39/AAEAAABkAAAAAAAAABQAAABAHwAAAAAAACYAAAAAAAAAwOD//wAAAAAmAAAAZAAAABYAAABMAAAAAAAAAAAAAAAEAAAAAAAAAAEAAACAgIAKAAAAACgAAAAoAAAAZAAAAGQAAAAAAAAAzMzMAAAAAABQAAAAUAAAAGQAAABkAAAAAAAAABcAAAAUAAAAAAAAAAAAAAD/fwAA/38AAAAAAAAJAAAABAAAAAMAhj4MAAAAEAAAAAAAAAAAAAAAAAAAAAAAAAAeAAAAaAAAAAAAAAAAAAAAAAAAAAAAAAAAAAAAECcAABAnAAAAAAAAAAAAAAAAAAAAAAAAAAAAAAAAAAAAAAAAAAAAABQAAAAAAAAAwMD/AAAAAABkAAAAMgAAAAAAAABkAAAAAAAAAH9/fwAKAAAAHwAAAFQAAAAAAAAFAAAAAQAAAAAAAAAAAAAAAAAAAAAAAAAAAAAAAAAAAAAAAAAAAAAAAn9/fwAAAAADzMzMAMDA/wB/f38AAAAAAAAAAAAAAAAAAAAAAAAAAAAhAAAAGAAAABQAAAC3GQAA2gEAAH4+AACMKQAAEAAAACYAAAAIAAAAAYAAAAAAAAA="/>
               </a:ext>
             </a:extLst>
           </p:cNvSpPr>
@@ -2341,7 +2341,7 @@
             <a:spLocks noGrp="1" noChangeArrowheads="1"/>
             <a:extLst>
               <a:ext uri="smNativeData">
-                <pr:smNativeData xmlns:pr="smNativeData" val="SMDATA_13_yiIeXxMAAAAlAAAAZAAAAA8BAAAAkAAAAEgAAACQAAAASAAAAAAAAAAAAAAAAAAAAAEAAABQAAAAAAAAAAAA4D8AAAAAAADgPwAAAAAAAOA/AAAAAAAA4D8AAAAAAADgPwAAAAAAAOA/AAAAAAAA4D8AAAAAAADgPwAAAAAAAOA/AAAAAAAA4D8CAAAAjAAAAAAAAAAAAAAAu+DjDP///wgAAAAAAAAAAAAAAAAAAAAAAAAAAAAAAAAAAAAAZAAAAAEAAABAAAAAAAAAAAAAAAAAAAAAAAAAAAAAAAAAAAAAAAAAAAAAAAAAAAAAAAAAAAAAAAAAAAAAAAAAAAAAAAAAAAAAAAAAAAAAAAAAAAAAAAAAAAAAAAAAAAAAFAAAADwAAAAAAAAAAAAAAAAAAAkUAAAAAQAAABQAAAAUAAAAFAAAAAEAAAAAAAAAZAAAAGQAAAAAAAAAZAAAAGQAAAAVAAAAYAAAAAAAAAAAAAAADwAAACADAAAAAAAAAAAAAAEAAACgMgAAVgcAAKr4//8BAAAAf39/AAEAAABkAAAAAAAAABQAAABAHwAAAAAAACYAAAAAAAAAwOD//wAAAAAmAAAAZAAAABYAAABMAAAAAAAAAAAAAAAEAAAAAAAAAAEAAACAgIAKAAAAACgAAAAoAAAAZAAAAGQAAAAAAAAAzMzMAAAAAABQAAAAUAAAAGQAAABkAAAAAAAAABcAAAAUAAAAAAAAAAAAAAD/fwAA/38AAAAAAAAJAAAABAAAAJvuAwAMAAAAEAAAAAAAAAAAAAAAAAAAAAAAAAAeAAAAaAAAAAAAAAAAAAAAAAAAAAAAAAAAAAAAECcAABAnAAAAAAAAAAAAAAAAAAAAAAAAAAAAAAAAAAAAAAAAAAAAABQAAAAAAAAAwMD/AAAAAABkAAAAMgAAAAAAAABkAAAAAAAAAH9/fwAKAAAAHwAAAFQAAAAAAAAFAAAAAQAAAAAAAAAAAAAAAAAAAAAAAAAAAAAAAAAAAAAAAAAAAAAAAn9/fwAAAAADzMzMAMDA/wB/f38AAAAAAAAAAAAAAAAAAAAAAAAAAAAhAAAAGAAAABQAAABKAwAAuwkAAO4YAACMKQAAEAAAACYAAAAIAAAAAYAAAAAAAAA="/>
+                <pr:smNativeData xmlns:pr="smNativeData" val="SMDATA_13_3GgiXxMAAAAlAAAAZAAAAA8BAAAAkAAAAEgAAACQAAAASAAAAAAAAAAAAAAAAAAAAAEAAABQAAAAAAAAAAAA4D8AAAAAAADgPwAAAAAAAOA/AAAAAAAA4D8AAAAAAADgPwAAAAAAAOA/AAAAAAAA4D8AAAAAAADgPwAAAAAAAOA/AAAAAAAA4D8CAAAAjAAAAAAAAAAAAAAAu+DjDP///wgAAAAAAAAAAAAAAAAAAAAAAAAAAAAAAAAAAAAAZAAAAAEAAABAAAAAAAAAAAAAAAAAAAAAAAAAAAAAAAAAAAAAAAAAAAAAAAAAAAAAAAAAAAAAAAAAAAAAAAAAAAAAAAAAAAAAAAAAAAAAAAAAAAAAAAAAAAAAAAAAAAAAFAAAADwAAAAAAAAAAAAAAAAAAAkUAAAAAQAAABQAAAAUAAAAFAAAAAEAAAAAAAAAZAAAAGQAAAAAAAAAZAAAAGQAAAAVAAAAYAAAAAAAAAAAAAAADwAAACADAAAAAAAAAAAAAAEAAACgMgAAVgcAAKr4//8BAAAAf39/AAEAAABkAAAAAAAAABQAAABAHwAAAAAAACYAAAAAAAAAwOD//wAAAAAmAAAAZAAAABYAAABMAAAAAAAAAAAAAAAEAAAAAAAAAAEAAACAgIAKAAAAACgAAAAoAAAAZAAAAGQAAAAAAAAAzMzMAAAAAABQAAAAUAAAAGQAAABkAAAAAAAAABcAAAAUAAAAAAAAAAAAAAD/fwAA/38AAAAAAAAJAAAABAAAAJvuAwAMAAAAEAAAAAAAAAAAAAAAAAAAAAAAAAAeAAAAaAAAAAAAAAAAAAAAAAAAAAAAAAAAAAAAECcAABAnAAAAAAAAAAAAAAAAAAAAAAAAAAAAAAAAAAAAAAAAAAAAABQAAAAAAAAAwMD/AAAAAABkAAAAMgAAAAAAAABkAAAAAAAAAH9/fwAKAAAAHwAAAFQAAAAAAAAFAAAAAQAAAAAAAAAAAAAAAAAAAAAAAAAAAAAAAAAAAAAAAAAAAAAAAn9/fwAAAAADzMzMAMDA/wB/f38AAAAAAAAAAAAAAAAAAAAAAAAAAAAhAAAAGAAAABQAAABKAwAAuwkAAO4YAACMKQAAEAAAACYAAAAIAAAAAYAAAAAAAAA="/>
               </a:ext>
             </a:extLst>
           </p:cNvSpPr>
@@ -2410,7 +2410,7 @@
             <a:spLocks noGrp="1" noChangeArrowheads="1"/>
             <a:extLst>
               <a:ext uri="smNativeData">
-                <pr:smNativeData xmlns:pr="smNativeData" val="SMDATA_13_yiIeXxMAAAAlAAAAZAAAAA8BAAAAkAAAAEgAAACQAAAASAAAAAAAAAABAAAAAAAAAAEAAABQAAAAAAAAAAAA4D8AAAAAAADgPwAAAAAAAOA/AAAAAAAA4D8AAAAAAADgPwAAAAAAAOA/AAAAAAAA4D8AAAAAAADgPwAAAAAAAOA/AAAAAAAA4D8CAAAAjAAAAAAAAAAAAAAAu+DjDP///wgAAAAAAAAAAAAAAAAAAAAAAAAAAAAAAAAAAAAAZAAAAAEAAABAAAAAAAAAAAAAAAAAAAAAAAAAAAAAAAAAAAAAAAAAAAAAAAAAAAAAAAAAAAAAAAAAAAAAAAAAAAAAAAAAAAAAAAAAAAAAAAAAAAAAAAAAAAAAAAAAAAAAFAAAADwAAAAAAAAAAAAAAAAAAAkUAAAAAQAAABQAAAAUAAAAFAAAAAEAAAAAAAAAZAAAAGQAAAAAAAAAZAAAAGQAAAAVAAAAYAAAAAAAAAAAAAAADwAAACADAAAAAAAAAAAAAAEAAACgMgAAVgcAAKr4//8BAAAAf39/AAEAAABkAAAAAAAAABQAAABAHwAAAAAAACYAAAAAAAAAwOD//wAAAAAmAAAAZAAAABYAAABMAAAAAAAAAAAAAAAEAAAAAAAAAAEAAACAgIAKAAAAACgAAAAoAAAAZAAAAGQAAAAAAAAAzMzMAAAAAABQAAAAUAAAAGQAAABkAAAAAAAAABcAAAAUAAAAAAAAAAAAAAD/fwAA/38AAAAAAAAJAAAABAAAAM9AOv8MAAAAEAAAAAAAAAAAAAAAAAAAAAAAAAAeAAAAaAAAAAAAAAAAAAAAAAAAAAAAAAAAAAAAECcAABAnAAAAAAAAAAAAAAAAAAAAAAAAAAAAAAAAAAAAAAAAAAAAABQAAAAAAAAAwMD/AAAAAABkAAAAMgAAAAAAAABkAAAAAAAAAH9/fwAKAAAAHwAAAFQAAAAAAAAFAAAAAQAAAAAAAAAAAAAAAAAAAAAAAAAAAAAAAAAAAAAAAAAAAAAAAn9/fwAAAAADzMzMAMDA/wB/f38AAAAAAAAAAAAAAAAAAAAAAAAAAAAhAAAAGAAAABQAAABKAwAAHSsAAKMSAACVLQAAEAAAACYAAAAIAAAAAAAAAAAAAAA="/>
+                <pr:smNativeData xmlns:pr="smNativeData" val="SMDATA_13_3GgiXxMAAAAlAAAAZAAAAA8BAAAAkAAAAEgAAACQAAAASAAAAAAAAAABAAAAAAAAAAEAAABQAAAAAAAAAAAA4D8AAAAAAADgPwAAAAAAAOA/AAAAAAAA4D8AAAAAAADgPwAAAAAAAOA/AAAAAAAA4D8AAAAAAADgPwAAAAAAAOA/AAAAAAAA4D8CAAAAjAAAAAAAAAAAAAAAu+DjDP///wgAAAAAAAAAAAAAAAAAAAAAAAAAAAAAAAAAAAAAZAAAAAEAAABAAAAAAAAAAAAAAAAAAAAAAAAAAAAAAAAAAAAAAAAAAAAAAAAAAAAAAAAAAAAAAAAAAAAAAAAAAAAAAAAAAAAAAAAAAAAAAAAAAAAAAAAAAAAAAAAAAAAAFAAAADwAAAAAAAAAAAAAAAAAAAkUAAAAAQAAABQAAAAUAAAAFAAAAAEAAAAAAAAAZAAAAGQAAAAAAAAAZAAAAGQAAAAVAAAAYAAAAAAAAAAAAAAADwAAACADAAAAAAAAAAAAAAEAAACgMgAAVgcAAKr4//8BAAAAf39/AAEAAABkAAAAAAAAABQAAABAHwAAAAAAACYAAAAAAAAAwOD//wAAAAAmAAAAZAAAABYAAABMAAAAAAAAAAAAAAAEAAAAAAAAAAEAAACAgIAKAAAAACgAAAAoAAAAZAAAAGQAAAAAAAAAzMzMAAAAAABQAAAAUAAAAGQAAABkAAAAAAAAABcAAAAUAAAAAAAAAAAAAAD/fwAA/38AAAAAAAAJAAAABAAAAM9AOv8MAAAAEAAAAAAAAAAAAAAAAAAAAAAAAAAeAAAAaAAAAAAAAAAAAAAAAAAAAAAAAAAAAAAAECcAABAnAAAAAAAAAAAAAAAAAAAAAAAAAAAAAAAAAAAAAAAAAAAAABQAAAAAAAAAwMD/AAAAAABkAAAAMgAAAAAAAABkAAAAAAAAAH9/fwAKAAAAHwAAAFQAAAAAAAAFAAAAAQAAAAAAAAAAAAAAAAAAAAAAAAAAAAAAAAAAAAAAAAAAAAAAAn9/fwAAAAADzMzMAMDA/wB/f38AAAAAAAAAAAAAAAAAAAAAAAAAAAAhAAAAGAAAABQAAABKAwAAHSsAAKMSAACVLQAAEAAAACYAAAAIAAAAAAAAAAAAAAA="/>
               </a:ext>
             </a:extLst>
           </p:cNvSpPr>
@@ -2424,7 +2424,7 @@
           <a:lstStyle/>
           <a:p>
             <a:pPr/>
-            <a:fld id="{310FB16C-22DC-5A47-92B7-D412FFF96481}" type="datetime1">
+            <a:fld id="{2073212B-65CD-26D7-83CB-93826F8575C6}" type="datetime1">
               <a:t/>
             </a:fld>
           </a:p>
@@ -2437,7 +2437,7 @@
             <a:spLocks noGrp="1" noChangeArrowheads="1"/>
             <a:extLst>
               <a:ext uri="smNativeData">
-                <pr:smNativeData xmlns:pr="smNativeData" val="SMDATA_13_yiIeXxMAAAAlAAAAZAAAAA8BAAAAkAAAAEgAAACQAAAASAAAAAAAAAABAAAAAAAAAAEAAABQAAAAAAAAAAAA4D8AAAAAAADgPwAAAAAAAOA/AAAAAAAA4D8AAAAAAADgPwAAAAAAAOA/AAAAAAAA4D8AAAAAAADgPwAAAAAAAOA/AAAAAAAA4D8CAAAAjAAAAAAAAAAAAAAAu+DjDP///wgAAAAAAAAAAAAAAAAAAAAAAAAAAAAAAAAAAAAAZAAAAAEAAABAAAAAAAAAAAAAAAAAAAAAAAAAAAAAAAAAAAAAAAAAAAAAAAAAAAAAAAAAAAAAAAAAAAAAAAAAAAAAAAAAAAAAAAAAAAAAAAAAAAAAAAAAAAAAAAAAAAAAFAAAADwAAAAAAAAAAAAAAAAAAAkUAAAAAQAAABQAAAAUAAAAFAAAAAEAAAAAAAAAZAAAAGQAAAAAAAAAZAAAAGQAAAAVAAAAYAAAAAAAAAAAAAAADwAAACADAAAAAAAAAAAAAAEAAACgMgAAVgcAAKr4//8BAAAAf39/AAEAAABkAAAAAAAAABQAAABAHwAAAAAAACYAAAAAAAAAwOD//wAAAAAmAAAAZAAAABYAAABMAAAAAAAAAAAAAAAEAAAAAAAAAAEAAACAgIAKAAAAACgAAAAoAAAAZAAAAGQAAAAAAAAAzMzMAAAAAABQAAAAUAAAAGQAAABkAAAAAAAAABcAAAAUAAAAAAAAAAAAAAD/fwAA/38AAAAAAAAJAAAABAAAAAAAAAAMAAAAEAAAAAAAAAAAAAAAAAAAAAAAAAAeAAAAaAAAAAAAAAAAAAAAAAAAAAAAAAAAAAAAECcAABAnAAAAAAAAAAAAAAAAAAAAAAAAAAAAAAAAAAAAAAAAAAAAABQAAAAAAAAAwMD/AAAAAABkAAAAMgAAAAAAAABkAAAAAAAAAH9/fwAKAAAAHwAAAFQAAAAAAAAFAAAAAQAAAAAAAAAAAAAAAAAAAAAAAAAAAAAAAAAAAAAAAAAAAAAAAn9/fwAAAAADzMzMAMDA/wB/f38AAAAAAAAAAAAAAAAAAAAAAAAAAAAhAAAAGAAAABQAAAB5FgAAHSsAAE4rAACVLQAAEAAAACYAAAAIAAAAAAAAAAAAAAA="/>
+                <pr:smNativeData xmlns:pr="smNativeData" val="SMDATA_13_3GgiXxMAAAAlAAAAZAAAAA8BAAAAkAAAAEgAAACQAAAASAAAAAAAAAABAAAAAAAAAAEAAABQAAAAAAAAAAAA4D8AAAAAAADgPwAAAAAAAOA/AAAAAAAA4D8AAAAAAADgPwAAAAAAAOA/AAAAAAAA4D8AAAAAAADgPwAAAAAAAOA/AAAAAAAA4D8CAAAAjAAAAAAAAAAAAAAAu+DjDP///wgAAAAAAAAAAAAAAAAAAAAAAAAAAAAAAAAAAAAAZAAAAAEAAABAAAAAAAAAAAAAAAAAAAAAAAAAAAAAAAAAAAAAAAAAAAAAAAAAAAAAAAAAAAAAAAAAAAAAAAAAAAAAAAAAAAAAAAAAAAAAAAAAAAAAAAAAAAAAAAAAAAAAFAAAADwAAAAAAAAAAAAAAAAAAAkUAAAAAQAAABQAAAAUAAAAFAAAAAEAAAAAAAAAZAAAAGQAAAAAAAAAZAAAAGQAAAAVAAAAYAAAAAAAAAAAAAAADwAAACADAAAAAAAAAAAAAAEAAACgMgAAVgcAAKr4//8BAAAAf39/AAEAAABkAAAAAAAAABQAAABAHwAAAAAAACYAAAAAAAAAwOD//wAAAAAmAAAAZAAAABYAAABMAAAAAAAAAAAAAAAEAAAAAAAAAAEAAACAgIAKAAAAACgAAAAoAAAAZAAAAGQAAAAAAAAAzMzMAAAAAABQAAAAUAAAAGQAAABkAAAAAAAAABcAAAAUAAAAAAAAAAAAAAD/fwAA/38AAAAAAAAJAAAABAAAAAAAAAAMAAAAEAAAAAAAAAAAAAAAAAAAAAAAAAAeAAAAaAAAAAAAAAAAAAAAAAAAAAAAAAAAAAAAECcAABAnAAAAAAAAAAAAAAAAAAAAAAAAAAAAAAAAAAAAAAAAAAAAABQAAAAAAAAAwMD/AAAAAABkAAAAMgAAAAAAAABkAAAAAAAAAH9/fwAKAAAAHwAAAFQAAAAAAAAFAAAAAQAAAAAAAAAAAAAAAAAAAAAAAAAAAAAAAAAAAAAAAAAAAAAAAn9/fwAAAAADzMzMAMDA/wB/f38AAAAAAAAAAAAAAAAAAAAAAAAAAAAhAAAAGAAAABQAAAB5FgAAHSsAAE4rAACVLQAAEAAAACYAAAAIAAAAAAAAAAAAAAA="/>
               </a:ext>
             </a:extLst>
           </p:cNvSpPr>
@@ -2464,7 +2464,7 @@
             <a:spLocks noGrp="1" noChangeArrowheads="1"/>
             <a:extLst>
               <a:ext uri="smNativeData">
-                <pr:smNativeData xmlns:pr="smNativeData" val="SMDATA_13_yiIeXxMAAAAlAAAAZAAAAA8BAAAAkAAAAEgAAACQAAAASAAAAAAAAAABAAAAAAAAAAEAAABQAAAAAAAAAAAA4D8AAAAAAADgPwAAAAAAAOA/AAAAAAAA4D8AAAAAAADgPwAAAAAAAOA/AAAAAAAA4D8AAAAAAADgPwAAAAAAAOA/AAAAAAAA4D8CAAAAjAAAAAAAAAAAAAAAu+DjDP///wgAAAAAAAAAAAAAAAAAAAAAAAAAAAAAAAAAAAAAZAAAAAEAAABAAAAAAAAAAAAAAAAAAAAAAAAAAAAAAAAAAAAAAAAAAAAAAAAAAAAAAAAAAAAAAAAAAAAAAAAAAAAAAAAAAAAAAAAAAAAAAAAAAAAAAAAAAAAAAAAAAAAAFAAAADwAAAAAAAAAAAAAAAAAAAkUAAAAAQAAABQAAAAUAAAAFAAAAAEAAAAAAAAAZAAAAGQAAAAAAAAAZAAAAGQAAAAVAAAAYAAAAAAAAAAAAAAADwAAACADAAAAAAAAAAAAAAEAAACgMgAAVgcAAKr4//8BAAAAf39/AAEAAABkAAAAAAAAABQAAABAHwAAAAAAACYAAAAAAAAAwOD//wAAAAAmAAAAZAAAABYAAABMAAAAAAAAAAAAAAAEAAAAAAAAAAEAAACAgIAKAAAAACgAAAAoAAAAZAAAAGQAAAAAAAAAzMzMAAAAAABQAAAAUAAAAGQAAABkAAAAAAAAABcAAAAUAAAAAAAAAAAAAAD/fwAA/38AAAAAAAAJAAAABAAAAFYHAAAMAAAAEAAAAAAAAAAAAAAAAAAAAAAAAAAeAAAAaAAAAAAAAAAAAAAAAAAAAAAAAAAAAAAAECcAABAnAAAAAAAAAAAAAAAAAAAAAAAAAAAAAAAAAAAAAAAAAAAAABQAAAAAAAAAwMD/AAAAAABkAAAAMgAAAAAAAABkAAAAAAAAAH9/fwAKAAAAHwAAAFQAAAAAAAAFAAAAAQAAAAAAAAAAAAAAAAAAAAAAAAAAAAAAAAAAAAAAAAAAAAAAAn9/fwAAAAADzMzMAMDA/wB/f38AAAAAAAAAAAAAAAAAAAAAAAAAAAAhAAAAGAAAABQAAAAkLwAAHSsAAH4+AACVLQAAEAAAACYAAAAIAAAAAAAAAAAAAAA="/>
+                <pr:smNativeData xmlns:pr="smNativeData" val="SMDATA_13_3GgiXxMAAAAlAAAAZAAAAA8BAAAAkAAAAEgAAACQAAAASAAAAAAAAAABAAAAAAAAAAEAAABQAAAAAAAAAAAA4D8AAAAAAADgPwAAAAAAAOA/AAAAAAAA4D8AAAAAAADgPwAAAAAAAOA/AAAAAAAA4D8AAAAAAADgPwAAAAAAAOA/AAAAAAAA4D8CAAAAjAAAAAAAAAAAAAAAu+DjDP///wgAAAAAAAAAAAAAAAAAAAAAAAAAAAAAAAAAAAAAZAAAAAEAAABAAAAAAAAAAAAAAAAAAAAAAAAAAAAAAAAAAAAAAAAAAAAAAAAAAAAAAAAAAAAAAAAAAAAAAAAAAAAAAAAAAAAAAAAAAAAAAAAAAAAAAAAAAAAAAAAAAAAAFAAAADwAAAAAAAAAAAAAAAAAAAkUAAAAAQAAABQAAAAUAAAAFAAAAAEAAAAAAAAAZAAAAGQAAAAAAAAAZAAAAGQAAAAVAAAAYAAAAAAAAAAAAAAADwAAACADAAAAAAAAAAAAAAEAAACgMgAAVgcAAKr4//8BAAAAf39/AAEAAABkAAAAAAAAABQAAABAHwAAAAAAACYAAAAAAAAAwOD//wAAAAAmAAAAZAAAABYAAABMAAAAAAAAAAAAAAAEAAAAAAAAAAEAAACAgIAKAAAAACgAAAAoAAAAZAAAAGQAAAAAAAAAzMzMAAAAAABQAAAAUAAAAGQAAABkAAAAAAAAABcAAAAUAAAAAAAAAAAAAAD/fwAA/38AAAAAAAAJAAAABAAAAFYHAAAMAAAAEAAAAAAAAAAAAAAAAAAAAAAAAAAeAAAAaAAAAAAAAAAAAAAAAAAAAAAAAAAAAAAAECcAABAnAAAAAAAAAAAAAAAAAAAAAAAAAAAAAAAAAAAAAAAAAAAAABQAAAAAAAAAwMD/AAAAAABkAAAAMgAAAAAAAABkAAAAAAAAAH9/fwAKAAAAHwAAAFQAAAAAAAAFAAAAAQAAAAAAAAAAAAAAAAAAAAAAAAAAAAAAAAAAAAAAAAAAAAAAAn9/fwAAAAADzMzMAMDA/wB/f38AAAAAAAAAAAAAAAAAAAAAAAAAAAAhAAAAGAAAABQAAAAkLwAAHSsAAH4+AACVLQAAEAAAACYAAAAIAAAAAAAAAAAAAAA="/>
               </a:ext>
             </a:extLst>
           </p:cNvSpPr>
@@ -2478,7 +2478,7 @@
           <a:lstStyle/>
           <a:p>
             <a:pPr/>
-            <a:fld id="{310FB387-C9DC-5A45-92B7-3F10FDF9646A}" type="slidenum">
+            <a:fld id="{2073017C-32CD-26F7-83CB-C4A24F857591}" type="slidenum">
               <a:t/>
             </a:fld>
           </a:p>
@@ -2516,7 +2516,7 @@
             <a:spLocks noGrp="1" noChangeArrowheads="1"/>
             <a:extLst>
               <a:ext uri="smNativeData">
-                <pr:smNativeData xmlns:pr="smNativeData" val="SMDATA_13_yiIeXxMAAAAlAAAAZAAAAA8BAAAAkAAAAEgAAACQAAAASAAAAAAAAAACAAAAAAAAAAEAAABQAAAAAAAAAAAA4D8AAAAAAADgPwAAAAAAAOA/AAAAAAAA4D8AAAAAAADgPwAAAAAAAOA/AAAAAAAA4D8AAAAAAADgPwAAAAAAAOA/AAAAAAAA4D8CAAAAjAAAAAAAAAAAAAAAu+DjDP///wgAAAAAAAAAAAAAAAAAAAAAAAAAAAAAAAAAAAAAZAAAAAEAAABAAAAAAAAAAAAAAAAAAAAAAAAAAAAAAAAAAAAAAAAAAAAAAAAAAAAAAAAAAAAAAAAAAAAAAAAAAAAAAAAAAAAAAAAAAAAAAAAAAAAAAAAAAAAAAAAAAAAAFAAAADwAAAAAAAAAAAAAAAAAAAkUAAAAAQAAABQAAAAUAAAAFAAAAAEAAAAAAAAAZAAAAGQAAAAAAAAAZAAAAGQAAAAVAAAAYAAAAAAAAAAAAAAADwAAACADAAAAAAAAAAAAAAEAAACgMgAAVgcAAKr4//8BAAAAf39/AAEAAABkAAAAAAAAABQAAABAHwAAAAAAACYAAAAAAAAAwOD//wAAAAAmAAAAZAAAABYAAABMAAAAAAAAAAAAAAAEAAAAAAAAAAEAAACAgIAKAAAAACgAAAAoAAAAZAAAAGQAAAAAAAAAzMzMAAAAAABQAAAAUAAAAGQAAABkAAAAAAAAABcAAAAUAAAAAAAAAAAAAAD/fwAA/38AAAAAAAAJAAAABAAAAAAAAAAMAAAAEAAAAAAAAAAAAAAAAAAAAAAAAAAeAAAAaAAAAAAAAAAAAAAAAAAAAAAAAAAAAAAAECcAABAnAAAAAAAAAAAAAAAAAAAAAAAAAAAAAAAAAAAAAAAAAAAAABQAAAAAAAAAwMD/AAAAAABkAAAAMgAAAAAAAABkAAAAAAAAAH9/fwAKAAAAHwAAAFQAAAAAAAAFAAAAAQAAAAAAAAAAAAAAAAAAAAAAAAAAAAAAAAAAAAAAAAAAAAAAAn9/fwAAAAADzMzMAMDA/wB/f38AAAAAAAAAAAAAAAAAAAAAAAAAAAAhAAAAGAAAABQAAADkDAAAjiAAAFw0AABmJAAAEAAAACYAAAAIAAAAgYAAAAAAAAA="/>
+                <pr:smNativeData xmlns:pr="smNativeData" val="SMDATA_13_3GgiXxMAAAAlAAAAZAAAAA8BAAAAkAAAAEgAAACQAAAASAAAAAAAAAACAAAAAAAAAAEAAABQAAAAAAAAAAAA4D8AAAAAAADgPwAAAAAAAOA/AAAAAAAA4D8AAAAAAADgPwAAAAAAAOA/AAAAAAAA4D8AAAAAAADgPwAAAAAAAOA/AAAAAAAA4D8CAAAAjAAAAAAAAAAAAAAAu+DjDP///wgAAAAAAAAAAAAAAAAAAAAAAAAAAAAAAAAAAAAAZAAAAAEAAABAAAAAAAAAAAAAAAAAAAAAAAAAAAAAAAAAAAAAAAAAAAAAAAAAAAAAAAAAAAAAAAAAAAAAAAAAAAAAAAAAAAAAAAAAAAAAAAAAAAAAAAAAAAAAAAAAAAAAFAAAADwAAAAAAAAAAAAAAAAAAAkUAAAAAQAAABQAAAAUAAAAFAAAAAEAAAAAAAAAZAAAAGQAAAAAAAAAZAAAAGQAAAAVAAAAYAAAAAAAAAAAAAAADwAAACADAAAAAAAAAAAAAAEAAACgMgAAVgcAAKr4//8BAAAAf39/AAEAAABkAAAAAAAAABQAAABAHwAAAAAAACYAAAAAAAAAwOD//wAAAAAmAAAAZAAAABYAAABMAAAAAAAAAAAAAAAEAAAAAAAAAAEAAACAgIAKAAAAACgAAAAoAAAAZAAAAGQAAAAAAAAAzMzMAAAAAABQAAAAUAAAAGQAAABkAAAAAAAAABcAAAAUAAAAAAAAAAAAAAD/fwAA/38AAAAAAAAJAAAABAAAAAAAAAAMAAAAEAAAAAAAAAAAAAAAAAAAAAAAAAAeAAAAaAAAAAAAAAAAAAAAAAAAAAAAAAAAAAAAECcAABAnAAAAAAAAAAAAAAAAAAAAAAAAAAAAAAAAAAAAAAAAAAAAABQAAAAAAAAAwMD/AAAAAABkAAAAMgAAAAAAAABkAAAAAAAAAH9/fwAKAAAAHwAAAFQAAAAAAAAFAAAAAQAAAAAAAAAAAAAAAAAAAAAAAAAAAAAAAAAAAAAAAAAAAAAAAn9/fwAAAAADzMzMAMDA/wB/f38AAAAAAAAAAAAAAAAAAAAAAAAAAAAhAAAAGAAAABQAAADkDAAAjiAAAFw0AABmJAAAEAAAACYAAAAIAAAAgYAAAAAAAAA="/>
               </a:ext>
             </a:extLst>
           </p:cNvSpPr>
@@ -2556,7 +2556,7 @@
             <a:spLocks noGrp="1" noChangeArrowheads="1"/>
             <a:extLst>
               <a:ext uri="smNativeData">
-                <pr:smNativeData xmlns:pr="smNativeData" val="SMDATA_13_yiIeXxMAAAAlAAAAZAAAAA8BAAAAkAAAAEgAAACQAAAASAAAAAAAAAAAAAAAAAAAAAEAAABQAAAAAAAAAAAA4D8AAAAAAADgPwAAAAAAAOA/AAAAAAAA4D8AAAAAAADgPwAAAAAAAOA/AAAAAAAA4D8AAAAAAADgPwAAAAAAAOA/AAAAAAAA4D8CAAAAjAAAAAAAAAAAAAAAu+DjDP///wgAAAAAAAAAAAAAAAAAAAAAAAAAAAAAAAAAAAAAZAAAAAEAAABAAAAAAAAAAAAAAAAAAAAAAAAAAAAAAAAAAAAAAAAAAAAAAAAAAAAAAAAAAAAAAAAAAAAAAAAAAAAAAAAAAAAAAAAAAAAAAAAAAAAAAAAAAAAAAAAAAAAAFAAAADwAAAAAAAAAAAAAAAAAAAkUAAAAAQAAABQAAAAUAAAAFAAAAAEAAAAAAAAAZAAAAGQAAAAAAAAAZAAAAGQAAAAVAAAAYAAAAAAAAAAAAAAADwAAACADAAAAAAAAAAAAAAEAAACgMgAAVgcAAKr4//8BAAAAf39/AAEAAABkAAAAAAAAABQAAABAHwAAAAAAACYAAAAAAAAAwOD//wAAAAAmAAAAZAAAABYAAABMAAAAAAAAAAAAAAAEAAAAAAAAAAEAAACAgIAKAAAAACgAAAAoAAAAZAAAAGQAAAAAAAAAzMzMAAAAAABQAAAAUAAAAGQAAABkAAAAAAAAABcAAAAUAAAAAAAAAAAAAAD/fwAA/38AAAAAAAAJAAAABAAAAAAAAAAMAAAAEAAAAAAAAAAAAAAAAAAAAAAAAAAeAAAAaAAAAAAAAAAAAAAAAAAAAAAAAAAAAAAAECcAABAnAAAAAAAAAAAAAAAAAAAAAAAAAAAAAAAAAAAAAAAAAAAAABQAAAAAAAAAwMD/AAAAAABkAAAAMgAAAAAAAABkAAAAAAAAAH9/fwAKAAAAHwAAAFQAAAAAAAAFAAAAAQAAAAAAAAAAAAAAAAAAAAAAAAAAAAAAAAAAAAAAAAAAAAAAAn9/fwAAAAADzMzMAMDA/wB/f38AAAAAAAAAAAAAAAAAAAAAAAAAAAAhAAAAGAAAABQAAADkDAAAKQQAAFw0AAARIAAAEAAAACYAAAAIAAAAAYAAAAAAAAA="/>
+                <pr:smNativeData xmlns:pr="smNativeData" val="SMDATA_13_3GgiXxMAAAAlAAAAZAAAAA8BAAAAkAAAAEgAAACQAAAASAAAAAAAAAAAAAAAAAAAAAEAAABQAAAAAAAAAAAA4D8AAAAAAADgPwAAAAAAAOA/AAAAAAAA4D8AAAAAAADgPwAAAAAAAOA/AAAAAAAA4D8AAAAAAADgPwAAAAAAAOA/AAAAAAAA4D8CAAAAjAAAAAAAAAAAAAAAu+DjDP///wgAAAAAAAAAAAAAAAAAAAAAAAAAAAAAAAAAAAAAZAAAAAEAAABAAAAAAAAAAAAAAAAAAAAAAAAAAAAAAAAAAAAAAAAAAAAAAAAAAAAAAAAAAAAAAAAAAAAAAAAAAAAAAAAAAAAAAAAAAAAAAAAAAAAAAAAAAAAAAAAAAAAAFAAAADwAAAAAAAAAAAAAAAAAAAkUAAAAAQAAABQAAAAUAAAAFAAAAAEAAAAAAAAAZAAAAGQAAAAAAAAAZAAAAGQAAAAVAAAAYAAAAAAAAAAAAAAADwAAACADAAAAAAAAAAAAAAEAAACgMgAAVgcAAKr4//8BAAAAf39/AAEAAABkAAAAAAAAABQAAABAHwAAAAAAACYAAAAAAAAAwOD//wAAAAAmAAAAZAAAABYAAABMAAAAAAAAAAAAAAAEAAAAAAAAAAEAAACAgIAKAAAAACgAAAAoAAAAZAAAAGQAAAAAAAAAzMzMAAAAAABQAAAAUAAAAGQAAABkAAAAAAAAABcAAAAUAAAAAAAAAAAAAAD/fwAA/38AAAAAAAAJAAAABAAAAAAAAAAMAAAAEAAAAAAAAAAAAAAAAAAAAAAAAAAeAAAAaAAAAAAAAAAAAAAAAAAAAAAAAAAAAAAAECcAABAnAAAAAAAAAAAAAAAAAAAAAAAAAAAAAAAAAAAAAAAAAAAAABQAAAAAAAAAwMD/AAAAAABkAAAAMgAAAAAAAABkAAAAAAAAAH9/fwAKAAAAHwAAAFQAAAAAAAAFAAAAAQAAAAAAAAAAAAAAAAAAAAAAAAAAAAAAAAAAAAAAAAAAAAAAAn9/fwAAAAADzMzMAMDA/wB/f38AAAAAAAAAAAAAAAAAAAAAAAAAAAAhAAAAGAAAABQAAADkDAAAKQQAAFw0AAARIAAAEAAAACYAAAAIAAAAAYAAAAAAAAA="/>
               </a:ext>
             </a:extLst>
           </p:cNvSpPr>
@@ -2625,7 +2625,7 @@
             <a:spLocks noGrp="1" noChangeArrowheads="1"/>
             <a:extLst>
               <a:ext uri="smNativeData">
-                <pr:smNativeData xmlns:pr="smNativeData" val="SMDATA_13_yiIeXxMAAAAlAAAAZAAAAA8BAAAAkAAAAEgAAACQAAAASAAAAAAAAAAAAAAAAAAAAAEAAABQAAAAAAAAAAAA4D8AAAAAAADgPwAAAAAAAOA/AAAAAAAA4D8AAAAAAADgPwAAAAAAAOA/AAAAAAAA4D8AAAAAAADgPwAAAAAAAOA/AAAAAAAA4D8CAAAAjAAAAAAAAAAAAAAAu+DjDP///wgAAAAAAAAAAAAAAAAAAAAAAAAAAAAAAAAAAAAAZAAAAAEAAABAAAAAAAAAAAAAAAAAAAAAAAAAAAAAAAAAAAAAAAAAAAAAAAAAAAAAAAAAAAAAAAAAAAAAAAAAAAAAAAAAAAAAAAAAAAAAAAAAAAAAAAAAAAAAAAAAAAAAFAAAADwAAAAAAAAAAAAAAAAAAAkUAAAAAQAAABQAAAAUAAAAFAAAAAEAAAAAAAAAZAAAAGQAAAAAAAAAZAAAAGQAAAAVAAAAYAAAAAAAAAAAAAAADwAAACADAAAAAAAAAAAAAAEAAACgMgAAVgcAAKr4//8BAAAAf39/AAEAAABkAAAAAAAAABQAAABAHwAAAAAAACYAAAAAAAAAwOD//wAAAAAmAAAAZAAAABYAAABMAAAAAAAAAAAAAAAEAAAAAAAAAAEAAACAgIAKAAAAACgAAAAoAAAAZAAAAGQAAAAAAAAAzMzMAAAAAABQAAAAUAAAAGQAAABkAAAAAAAAABcAAAAUAAAAAAAAAAAAAAD/fwAA/38AAAAAAAAJAAAABAAAAFYHAAAMAAAAEAAAAAAAAAAAAAAAAAAAAAAAAAAeAAAAaAAAAAAAAAAAAAAAAAAAAAAAAAAAAAAAECcAABAnAAAAAAAAAAAAAAAAAAAAAAAAAAAAAAAAAAAAAAAAAAAAABQAAAAAAAAAwMD/AAAAAABkAAAAMgAAAAAAAABkAAAAAAAAAH9/fwAKAAAAHwAAAFQAAAAAAAAFAAAAAQAAAAAAAAAAAAAAAAAAAAAAAAAAAAAAAAAAAAAAAAAAAAAAAn9/fwAAAAADzMzMAMDA/wB/f38AAAAAAAAAAAAAAAAAAAAAAAAAAAAhAAAAGAAAABQAAADkDAAAZiQAAFw0AADcKQAAEAAAACYAAAAIAAAAAYAAAAAAAAA="/>
+                <pr:smNativeData xmlns:pr="smNativeData" val="SMDATA_13_3GgiXxMAAAAlAAAAZAAAAA8BAAAAkAAAAEgAAACQAAAASAAAAAAAAAAAAAAAAAAAAAEAAABQAAAAAAAAAAAA4D8AAAAAAADgPwAAAAAAAOA/AAAAAAAA4D8AAAAAAADgPwAAAAAAAOA/AAAAAAAA4D8AAAAAAADgPwAAAAAAAOA/AAAAAAAA4D8CAAAAjAAAAAAAAAAAAAAAu+DjDP///wgAAAAAAAAAAAAAAAAAAAAAAAAAAAAAAAAAAAAAZAAAAAEAAABAAAAAAAAAAAAAAAAAAAAAAAAAAAAAAAAAAAAAAAAAAAAAAAAAAAAAAAAAAAAAAAAAAAAAAAAAAAAAAAAAAAAAAAAAAAAAAAAAAAAAAAAAAAAAAAAAAAAAFAAAADwAAAAAAAAAAAAAAAAAAAkUAAAAAQAAABQAAAAUAAAAFAAAAAEAAAAAAAAAZAAAAGQAAAAAAAAAZAAAAGQAAAAVAAAAYAAAAAAAAAAAAAAADwAAACADAAAAAAAAAAAAAAEAAACgMgAAVgcAAKr4//8BAAAAf39/AAEAAABkAAAAAAAAABQAAABAHwAAAAAAACYAAAAAAAAAwOD//wAAAAAmAAAAZAAAABYAAABMAAAAAAAAAAAAAAAEAAAAAAAAAAEAAACAgIAKAAAAACgAAAAoAAAAZAAAAGQAAAAAAAAAzMzMAAAAAABQAAAAUAAAAGQAAABkAAAAAAAAABcAAAAUAAAAAAAAAAAAAAD/fwAA/38AAAAAAAAJAAAABAAAAFYHAAAMAAAAEAAAAAAAAAAAAAAAAAAAAAAAAAAeAAAAaAAAAAAAAAAAAAAAAAAAAAAAAAAAAAAAECcAABAnAAAAAAAAAAAAAAAAAAAAAAAAAAAAAAAAAAAAAAAAAAAAABQAAAAAAAAAwMD/AAAAAABkAAAAMgAAAAAAAABkAAAAAAAAAH9/fwAKAAAAHwAAAFQAAAAAAAAFAAAAAQAAAAAAAAAAAAAAAAAAAAAAAAAAAAAAAAAAAAAAAAAAAAAAAn9/fwAAAAADzMzMAMDA/wB/f38AAAAAAAAAAAAAAAAAAAAAAAAAAAAhAAAAGAAAABQAAADkDAAAZiQAAFw0AADcKQAAEAAAACYAAAAIAAAAAYAAAAAAAAA="/>
               </a:ext>
             </a:extLst>
           </p:cNvSpPr>
@@ -2694,7 +2694,7 @@
             <a:spLocks noGrp="1" noChangeArrowheads="1"/>
             <a:extLst>
               <a:ext uri="smNativeData">
-                <pr:smNativeData xmlns:pr="smNativeData" val="SMDATA_13_yiIeXxMAAAAlAAAAZAAAAA8BAAAAkAAAAEgAAACQAAAASAAAAAAAAAABAAAAAAAAAAEAAABQAAAAAAAAAAAA4D8AAAAAAADgPwAAAAAAAOA/AAAAAAAA4D8AAAAAAADgPwAAAAAAAOA/AAAAAAAA4D8AAAAAAADgPwAAAAAAAOA/AAAAAAAA4D8CAAAAjAAAAAAAAAAAAAAAu+DjDP///wgAAAAAAAAAAAAAAAAAAAAAAAAAAAAAAAAAAAAAZAAAAAEAAABAAAAAAAAAAAAAAAAAAAAAAAAAAAAAAAAAAAAAAAAAAAAAAAAAAAAAAAAAAAAAAAAAAAAAAAAAAAAAAAAAAAAAAAAAAAAAAAAAAAAAAAAAAAAAAAAAAAAAFAAAADwAAAAAAAAAAAAAAAAAAAkUAAAAAQAAABQAAAAUAAAAFAAAAAEAAAAAAAAAZAAAAGQAAAAAAAAAZAAAAGQAAAAVAAAAYAAAAAAAAAAAAAAADwAAACADAAAAAAAAAAAAAAEAAACgMgAAVgcAAKr4//8BAAAAf39/AAEAAABkAAAAAAAAABQAAABAHwAAAAAAACYAAAAAAAAAwOD//wAAAAAmAAAAZAAAABYAAABMAAAAAAAAAAAAAAAEAAAAAAAAAAEAAACAgIAKAAAAACgAAAAoAAAAZAAAAGQAAAAAAAAAzMzMAAAAAABQAAAAUAAAAGQAAABkAAAAAAAAABcAAAAUAAAAAAAAAAAAAAD/fwAA/38AAAAAAAAJAAAABAAAAAAAAAAMAAAAEAAAAAAAAAAAAAAAAAAAAAAAAAAeAAAAaAAAAAAAAAAAAAAAAAAAAAAAAAAAAAAAECcAABAnAAAAAAAAAAAAAAAAAAAAAAAAAAAAAAAAAAAAAAAAAAAAABQAAAAAAAAAwMD/AAAAAABkAAAAMgAAAAAAAABkAAAAAAAAAH9/fwAKAAAAHwAAAFQAAAAAAAAFAAAAAQAAAAAAAAAAAAAAAAAAAAAAAAAAAAAAAAAAAAAAAAAAAAAAAn9/fwAAAAADzMzMAMDA/wB/f38AAAAAAAAAAAAAAAAAAAAAAAAAAAAhAAAAGAAAABQAAABKAwAAHSsAAKMSAACVLQAAEAAAACYAAAAIAAAAAAAAAAAAAAA="/>
+                <pr:smNativeData xmlns:pr="smNativeData" val="SMDATA_13_3GgiXxMAAAAlAAAAZAAAAA8BAAAAkAAAAEgAAACQAAAASAAAAAAAAAABAAAAAAAAAAEAAABQAAAAAAAAAAAA4D8AAAAAAADgPwAAAAAAAOA/AAAAAAAA4D8AAAAAAADgPwAAAAAAAOA/AAAAAAAA4D8AAAAAAADgPwAAAAAAAOA/AAAAAAAA4D8CAAAAjAAAAAAAAAAAAAAAu+DjDP///wgAAAAAAAAAAAAAAAAAAAAAAAAAAAAAAAAAAAAAZAAAAAEAAABAAAAAAAAAAAAAAAAAAAAAAAAAAAAAAAAAAAAAAAAAAAAAAAAAAAAAAAAAAAAAAAAAAAAAAAAAAAAAAAAAAAAAAAAAAAAAAAAAAAAAAAAAAAAAAAAAAAAAFAAAADwAAAAAAAAAAAAAAAAAAAkUAAAAAQAAABQAAAAUAAAAFAAAAAEAAAAAAAAAZAAAAGQAAAAAAAAAZAAAAGQAAAAVAAAAYAAAAAAAAAAAAAAADwAAACADAAAAAAAAAAAAAAEAAACgMgAAVgcAAKr4//8BAAAAf39/AAEAAABkAAAAAAAAABQAAABAHwAAAAAAACYAAAAAAAAAwOD//wAAAAAmAAAAZAAAABYAAABMAAAAAAAAAAAAAAAEAAAAAAAAAAEAAACAgIAKAAAAACgAAAAoAAAAZAAAAGQAAAAAAAAAzMzMAAAAAABQAAAAUAAAAGQAAABkAAAAAAAAABcAAAAUAAAAAAAAAAAAAAD/fwAA/38AAAAAAAAJAAAABAAAAAAAAAAMAAAAEAAAAAAAAAAAAAAAAAAAAAAAAAAeAAAAaAAAAAAAAAAAAAAAAAAAAAAAAAAAAAAAECcAABAnAAAAAAAAAAAAAAAAAAAAAAAAAAAAAAAAAAAAAAAAAAAAABQAAAAAAAAAwMD/AAAAAABkAAAAMgAAAAAAAABkAAAAAAAAAH9/fwAKAAAAHwAAAFQAAAAAAAAFAAAAAQAAAAAAAAAAAAAAAAAAAAAAAAAAAAAAAAAAAAAAAAAAAAAAAn9/fwAAAAADzMzMAMDA/wB/f38AAAAAAAAAAAAAAAAAAAAAAAAAAAAhAAAAGAAAABQAAABKAwAAHSsAAKMSAACVLQAAEAAAACYAAAAIAAAAAAAAAAAAAAA="/>
               </a:ext>
             </a:extLst>
           </p:cNvSpPr>
@@ -2708,7 +2708,7 @@
           <a:lstStyle/>
           <a:p>
             <a:pPr/>
-            <a:fld id="{310FB516-58DC-5A43-92B7-AE16FBF964FB}" type="datetime1">
+            <a:fld id="{2073195D-13CD-26EF-83CB-E5BA578575B0}" type="datetime1">
               <a:t/>
             </a:fld>
           </a:p>
@@ -2721,7 +2721,7 @@
             <a:spLocks noGrp="1" noChangeArrowheads="1"/>
             <a:extLst>
               <a:ext uri="smNativeData">
-                <pr:smNativeData xmlns:pr="smNativeData" val="SMDATA_13_yiIeXxMAAAAlAAAAZAAAAA8BAAAAkAAAAEgAAACQAAAASAAAAAAAAAABAAAAAAAAAAEAAABQAAAAAAAAAAAA4D8AAAAAAADgPwAAAAAAAOA/AAAAAAAA4D8AAAAAAADgPwAAAAAAAOA/AAAAAAAA4D8AAAAAAADgPwAAAAAAAOA/AAAAAAAA4D8CAAAAjAAAAAAAAAAAAAAAu+DjDP///wgAAAAAAAAAAAAAAAAAAAAAAAAAAAAAAAAAAAAAZAAAAAEAAABAAAAAAAAAAAAAAAAAAAAAAAAAAAAAAAAAAAAAAAAAAAAAAAAAAAAAAAAAAAAAAAAAAAAAAAAAAAAAAAAAAAAAAAAAAAAAAAAAAAAAAAAAAAAAAAAAAAAAFAAAADwAAAAAAAAAAAAAAAAAAAkUAAAAAQAAABQAAAAUAAAAFAAAAAEAAAAAAAAAZAAAAGQAAAAAAAAAZAAAAGQAAAAVAAAAYAAAAAAAAAAAAAAADwAAACADAAAAAAAAAAAAAAEAAACgMgAAVgcAAKr4//8BAAAAf39/AAEAAABkAAAAAAAAABQAAABAHwAAAAAAACYAAAAAAAAAwOD//wAAAAAmAAAAZAAAABYAAABMAAAAAAAAAAAAAAAEAAAAAAAAAAEAAACAgIAKAAAAACgAAAAoAAAAZAAAAGQAAAAAAAAAzMzMAAAAAABQAAAAUAAAAGQAAABkAAAAAAAAABcAAAAUAAAAAAAAAAAAAAD/fwAA/38AAAAAAAAJAAAABAAAAAAAAAAMAAAAEAAAAAAAAAAAAAAAAAAAAAAAAAAeAAAAaAAAAAAAAAAAAAAAAAAAAAAAAAAAAAAAECcAABAnAAAAAAAAAAAAAAAAAAAAAAAAAAAAAAAAAAAAAAAAAAAAABQAAAAAAAAAwMD/AAAAAABkAAAAMgAAAAAAAABkAAAAAAAAAH9/fwAKAAAAHwAAAFQAAAAAAAAFAAAAAQAAAAAAAAAAAAAAAAAAAAAAAAAAAAAAAAAAAAAAAAAAAAAAAn9/fwAAAAADzMzMAMDA/wB/f38AAAAAAAAAAAAAAAAAAAAAAAAAAAAhAAAAGAAAABQAAAB5FgAAHSsAAE4rAACVLQAAEAAAACYAAAAIAAAAAAAAAAAAAAA="/>
+                <pr:smNativeData xmlns:pr="smNativeData" val="SMDATA_13_3GgiXxMAAAAlAAAAZAAAAA8BAAAAkAAAAEgAAACQAAAASAAAAAAAAAABAAAAAAAAAAEAAABQAAAAAAAAAAAA4D8AAAAAAADgPwAAAAAAAOA/AAAAAAAA4D8AAAAAAADgPwAAAAAAAOA/AAAAAAAA4D8AAAAAAADgPwAAAAAAAOA/AAAAAAAA4D8CAAAAjAAAAAAAAAAAAAAAu+DjDP///wgAAAAAAAAAAAAAAAAAAAAAAAAAAAAAAAAAAAAAZAAAAAEAAABAAAAAAAAAAAAAAAAAAAAAAAAAAAAAAAAAAAAAAAAAAAAAAAAAAAAAAAAAAAAAAAAAAAAAAAAAAAAAAAAAAAAAAAAAAAAAAAAAAAAAAAAAAAAAAAAAAAAAFAAAADwAAAAAAAAAAAAAAAAAAAkUAAAAAQAAABQAAAAUAAAAFAAAAAEAAAAAAAAAZAAAAGQAAAAAAAAAZAAAAGQAAAAVAAAAYAAAAAAAAAAAAAAADwAAACADAAAAAAAAAAAAAAEAAACgMgAAVgcAAKr4//8BAAAAf39/AAEAAABkAAAAAAAAABQAAABAHwAAAAAAACYAAAAAAAAAwOD//wAAAAAmAAAAZAAAABYAAABMAAAAAAAAAAAAAAAEAAAAAAAAAAEAAACAgIAKAAAAACgAAAAoAAAAZAAAAGQAAAAAAAAAzMzMAAAAAABQAAAAUAAAAGQAAABkAAAAAAAAABcAAAAUAAAAAAAAAAAAAAD/fwAA/38AAAAAAAAJAAAABAAAAAAAAAAMAAAAEAAAAAAAAAAAAAAAAAAAAAAAAAAeAAAAaAAAAAAAAAAAAAAAAAAAAAAAAAAAAAAAECcAABAnAAAAAAAAAAAAAAAAAAAAAAAAAAAAAAAAAAAAAAAAAAAAABQAAAAAAAAAwMD/AAAAAABkAAAAMgAAAAAAAABkAAAAAAAAAH9/fwAKAAAAHwAAAFQAAAAAAAAFAAAAAQAAAAAAAAAAAAAAAAAAAAAAAAAAAAAAAAAAAAAAAAAAAAAAAn9/fwAAAAADzMzMAMDA/wB/f38AAAAAAAAAAAAAAAAAAAAAAAAAAAAhAAAAGAAAABQAAAB5FgAAHSsAAE4rAACVLQAAEAAAACYAAAAIAAAAAAAAAAAAAAA="/>
               </a:ext>
             </a:extLst>
           </p:cNvSpPr>
@@ -2748,7 +2748,7 @@
             <a:spLocks noGrp="1" noChangeArrowheads="1"/>
             <a:extLst>
               <a:ext uri="smNativeData">
-                <pr:smNativeData xmlns:pr="smNativeData" val="SMDATA_13_yiIeXxMAAAAlAAAAZAAAAA8BAAAAkAAAAEgAAACQAAAASAAAAAAAAAABAAAAAAAAAAEAAABQAAAAAAAAAAAA4D8AAAAAAADgPwAAAAAAAOA/AAAAAAAA4D8AAAAAAADgPwAAAAAAAOA/AAAAAAAA4D8AAAAAAADgPwAAAAAAAOA/AAAAAAAA4D8CAAAAjAAAAAAAAAAAAAAAu+DjDP///wgAAAAAAAAAAAAAAAAAAAAAAAAAAAAAAAAAAAAAZAAAAAEAAABAAAAAAAAAAAAAAAAAAAAAAAAAAAAAAAAAAAAAAAAAAAAAAAAAAAAAAAAAAAAAAAAAAAAAAAAAAAAAAAAAAAAAAAAAAAAAAAAAAAAAAAAAAAAAAAAAAAAAFAAAADwAAAAAAAAAAAAAAAAAAAkUAAAAAQAAABQAAAAUAAAAFAAAAAEAAAAAAAAAZAAAAGQAAAAAAAAAZAAAAGQAAAAVAAAAYAAAAAAAAAAAAAAADwAAACADAAAAAAAAAAAAAAEAAACgMgAAVgcAAKr4//8BAAAAf39/AAEAAABkAAAAAAAAABQAAABAHwAAAAAAACYAAAAAAAAAwOD//wAAAAAmAAAAZAAAABYAAABMAAAAAAAAAAAAAAAEAAAAAAAAAAEAAACAgIAKAAAAACgAAAAoAAAAZAAAAGQAAAAAAAAAzMzMAAAAAABQAAAAUAAAAGQAAABkAAAAAAAAABcAAAAUAAAAAAAAAAAAAAD/fwAA/38AAAAAAAAJAAAABAAAAAAAAAAMAAAAEAAAAAAAAAAAAAAAAAAAAAAAAAAeAAAAaAAAAAAAAAAAAAAAAAAAAAAAAAAAAAAAECcAABAnAAAAAAAAAAAAAAAAAAAAAAAAAAAAAAAAAAAAAAAAAAAAABQAAAAAAAAAwMD/AAAAAABkAAAAMgAAAAAAAABkAAAAAAAAAH9/fwAKAAAAHwAAAFQAAAAAAAAFAAAAAQAAAAAAAAAAAAAAAAAAAAAAAAAAAAAAAAAAAAAAAAAAAAAAAn9/fwAAAAADzMzMAMDA/wB/f38AAAAAAAAAAAAAAAAAAAAAAAAAAAAhAAAAGAAAABQAAAAkLwAAHSsAAH4+AACVLQAAEAAAACYAAAAIAAAAAAAAAAAAAAA="/>
+                <pr:smNativeData xmlns:pr="smNativeData" val="SMDATA_13_3GgiXxMAAAAlAAAAZAAAAA8BAAAAkAAAAEgAAACQAAAASAAAAAAAAAABAAAAAAAAAAEAAABQAAAAAAAAAAAA4D8AAAAAAADgPwAAAAAAAOA/AAAAAAAA4D8AAAAAAADgPwAAAAAAAOA/AAAAAAAA4D8AAAAAAADgPwAAAAAAAOA/AAAAAAAA4D8CAAAAjAAAAAAAAAAAAAAAu+DjDP///wgAAAAAAAAAAAAAAAAAAAAAAAAAAAAAAAAAAAAAZAAAAAEAAABAAAAAAAAAAAAAAAAAAAAAAAAAAAAAAAAAAAAAAAAAAAAAAAAAAAAAAAAAAAAAAAAAAAAAAAAAAAAAAAAAAAAAAAAAAAAAAAAAAAAAAAAAAAAAAAAAAAAAFAAAADwAAAAAAAAAAAAAAAAAAAkUAAAAAQAAABQAAAAUAAAAFAAAAAEAAAAAAAAAZAAAAGQAAAAAAAAAZAAAAGQAAAAVAAAAYAAAAAAAAAAAAAAADwAAACADAAAAAAAAAAAAAAEAAACgMgAAVgcAAKr4//8BAAAAf39/AAEAAABkAAAAAAAAABQAAABAHwAAAAAAACYAAAAAAAAAwOD//wAAAAAmAAAAZAAAABYAAABMAAAAAAAAAAAAAAAEAAAAAAAAAAEAAACAgIAKAAAAACgAAAAoAAAAZAAAAGQAAAAAAAAAzMzMAAAAAABQAAAAUAAAAGQAAABkAAAAAAAAABcAAAAUAAAAAAAAAAAAAAD/fwAA/38AAAAAAAAJAAAABAAAAAAAAAAMAAAAEAAAAAAAAAAAAAAAAAAAAAAAAAAeAAAAaAAAAAAAAAAAAAAAAAAAAAAAAAAAAAAAECcAABAnAAAAAAAAAAAAAAAAAAAAAAAAAAAAAAAAAAAAAAAAAAAAABQAAAAAAAAAwMD/AAAAAABkAAAAMgAAAAAAAABkAAAAAAAAAH9/fwAKAAAAHwAAAFQAAAAAAAAFAAAAAQAAAAAAAAAAAAAAAAAAAAAAAAAAAAAAAAAAAAAAAAAAAAAAAn9/fwAAAAADzMzMAMDA/wB/f38AAAAAAAAAAAAAAAAAAAAAAAAAAAAhAAAAGAAAABQAAAAkLwAAHSsAAH4+AACVLQAAEAAAACYAAAAIAAAAAAAAAAAAAAA="/>
               </a:ext>
             </a:extLst>
           </p:cNvSpPr>
@@ -2762,7 +2762,7 @@
           <a:lstStyle/>
           <a:p>
             <a:pPr/>
-            <a:fld id="{310FA0F8-B6DC-5A56-92B7-4003EEF96415}" type="slidenum">
+            <a:fld id="{20732FDC-92CD-26D9-83CB-648C61857531}" type="slidenum">
               <a:t/>
             </a:fld>
           </a:p>
@@ -2808,7 +2808,7 @@
             <a:spLocks noGrp="1" noChangeArrowheads="1"/>
             <a:extLst>
               <a:ext uri="smNativeData">
-                <pr:smNativeData xmlns:pr="smNativeData" val="SMDATA_13_yiIeXxMAAAAlAAAAZAAAAA8BAAAAkAAAAEgAAACQAAAASAAAAAAAAAABAAAAAAAAAAEAAABQAAAAAAAAAAAA4D8AAAAAAADgPwAAAAAAAOA/AAAAAAAA4D8AAAAAAADgPwAAAAAAAOA/AAAAAAAA4D8AAAAAAADgPwAAAAAAAOA/AAAAAAAA4D8CAAAAjAAAAAAAAAAAAAAAu+DjDP///wgAAAAAAAAAAAAAAAAAAAAAAAAAAAAAAAAAAAAAZAAAAAEAAABAAAAAAAAAAAAAAAAAAAAAAAAAAAAAAAAAAAAAAAAAAAAAAAAAAAAAAAAAAAAAAAAAAAAAAAAAAAAAAAAAAAAAAAAAAAAAAAAAAAAAAAAAAAAAAAAAAAAAFAAAADwAAAAAAAAAAAAAAAAAAAkUAAAAAQAAABQAAAAUAAAAFAAAAAEAAAAAAAAAZAAAAGQAAAAAAAAAZAAAAGQAAAAVAAAAYAAAAAAAAAAAAAAADwAAACADAAAAAAAAAAAAAAEAAACgMgAAVgcAAKr4//8BAAAAf39/AAEAAABkAAAAAAAAABQAAABAHwAAAAAAACYAAAAAAAAAwOD//wAAAAAmAAAAZAAAABYAAABMAAAAAAAAAAAAAAAEAAAAAAAAAAEAAACAgIAKAAAAACgAAAAoAAAAZAAAAGQAAAAAAAAAzMzMAAAAAABQAAAAUAAAAGQAAABkAAAAAAAAABcAAAAUAAAAAAAAAAAAAAD/fwAA/38AAAAAAAAJAAAABAAAAAAAAAAMAAAAEAAAAAAAAAAAAAAAAAAAAAAAAAAeAAAAaAAAAAAAAAAAAAAAAAAAAAAAAAAAAAAAECcAABAnAAAAAAAAAAAAAAAAAAAAAAAAAAAAAAAAAAAAAAAAAAAAABQAAAAAAAAAwMD/AAAAAABkAAAAMgAAAAAAAABkAAAAAAAAAH9/fwAKAAAAHwAAAFQAAAAAAAAFAAAAAQAAAAAAAAAAAAAAAAAAAAAAAAAAAAAAAAAAAAAAAAAAAAAAAn9/fwAAAAADzMzMAMDA/wB/f38AAAAAAAAAAAAAAAAAAAAAAAAAAAAhAAAAGAAAABQAAABKAwAA3AEAAH4+AACcCQAAEAAAACYAAAAIAAAA//////////8="/>
+                <pr:smNativeData xmlns:pr="smNativeData" val="SMDATA_13_3GgiXxMAAAAlAAAAZAAAAA8BAAAAkAAAAEgAAACQAAAASAAAAAAAAAABAAAAAAAAAAEAAABQAAAAAAAAAAAA4D8AAAAAAADgPwAAAAAAAOA/AAAAAAAA4D8AAAAAAADgPwAAAAAAAOA/AAAAAAAA4D8AAAAAAADgPwAAAAAAAOA/AAAAAAAA4D8CAAAAjAAAAAAAAAAAAAAAu+DjDP///wgAAAAAAAAAAAAAAAAAAAAAAAAAAAAAAAAAAAAAZAAAAAEAAABAAAAAAAAAAAAAAAAAAAAAAAAAAAAAAAAAAAAAAAAAAAAAAAAAAAAAAAAAAAAAAAAAAAAAAAAAAAAAAAAAAAAAAAAAAAAAAAAAAAAAAAAAAAAAAAAAAAAAFAAAADwAAAAAAAAAAAAAAAAAAAkUAAAAAQAAABQAAAAUAAAAFAAAAAEAAAAAAAAAZAAAAGQAAAAAAAAAZAAAAGQAAAAVAAAAYAAAAAAAAAAAAAAADwAAACADAAAAAAAAAAAAAAEAAACgMgAAVgcAAKr4//8BAAAAf39/AAEAAABkAAAAAAAAABQAAABAHwAAAAAAACYAAAAAAAAAwOD//wAAAAAmAAAAZAAAABYAAABMAAAAAAAAAAAAAAAEAAAAAAAAAAEAAACAgIAKAAAAACgAAAAoAAAAZAAAAGQAAAAAAAAAzMzMAAAAAABQAAAAUAAAAGQAAABkAAAAAAAAABcAAAAUAAAAAAAAAAAAAAD/fwAA/38AAAAAAAAJAAAABAAAAAAAAAAMAAAAEAAAAAAAAAAAAAAAAAAAAAAAAAAeAAAAaAAAAAAAAAAAAAAAAAAAAAAAAAAAAAAAECcAABAnAAAAAAAAAAAAAAAAAAAAAAAAAAAAAAAAAAAAAAAAAAAAABQAAAAAAAAAwMD/AAAAAABkAAAAMgAAAAAAAABkAAAAAAAAAH9/fwAKAAAAHwAAAFQAAAAAAAAFAAAAAQAAAAAAAAAAAAAAAAAAAAAAAAAAAAAAAAAAAAAAAAAAAAAAAn9/fwAAAAADzMzMAMDA/wB/f38AAAAAAAAAAAAAAAAAAAAAAAAAAAAhAAAAGAAAABQAAABKAwAA3AEAAH4+AACcCQAAEAAAACYAAAAIAAAA//////////8="/>
               </a:ext>
             </a:extLst>
           </p:cNvSpPr>
@@ -2852,7 +2852,7 @@
             <a:spLocks noGrp="1" noChangeArrowheads="1"/>
             <a:extLst>
               <a:ext uri="smNativeData">
-                <pr:smNativeData xmlns:pr="smNativeData" val="SMDATA_13_yiIeXxMAAAAlAAAAZAAAAA8BAAAAkAAAAEgAAACQAAAASAAAAAAAAAAAAAAAAAAAAAEAAABQAAAAAAAAAAAA4D8AAAAAAADgPwAAAAAAAOA/AAAAAAAA4D8AAAAAAADgPwAAAAAAAOA/AAAAAAAA4D8AAAAAAADgPwAAAAAAAOA/AAAAAAAA4D8CAAAAjAAAAAAAAAAAAAAAu+DjDP///wgAAAAAAAAAAAAAAAAAAAAAAAAAAAAAAAAAAAAAZAAAAAEAAABAAAAAAAAAAAAAAAAAAAAAAAAAAAAAAAAAAAAAAAAAAAAAAAAAAAAAAAAAAAAAAAAAAAAAAAAAAAAAAAAAAAAAAAAAAAAAAAAAAAAAAAAAAAAAAAAAAAAAFAAAADwAAAAAAAAAAAAAAAAAAAkUAAAAAQAAABQAAAAUAAAAFAAAAAEAAAAAAAAAZAAAAGQAAAAAAAAAZAAAAGQAAAAVAAAAYAAAAAAAAAAAAAAADwAAACADAAAAAAAAAAAAAAEAAACgMgAAVgcAAKr4//8BAAAAf39/AAEAAABkAAAAAAAAABQAAABAHwAAAAAAACYAAAAAAAAAwOD//wAAAAAmAAAAZAAAABYAAABMAAAAAAAAAAAAAAAEAAAAAAAAAAEAAACAgIAKAAAAACgAAAAoAAAAZAAAAGQAAAAAAAAAzMzMAAAAAABQAAAAUAAAAGQAAABkAAAAAAAAABcAAAAUAAAAAAAAAAAAAAD/fwAA/38AAAAAAAAJAAAABAAAAAAAAAAMAAAAEAAAAAAAAAAAAAAAAAAAAAAAAAAeAAAAaAAAAAAAAAAAAAAAAAAAAAAAAAAAAAAAECcAABAnAAAAAAAAAAAAAAAAAAAAAAAAAAAAAAAAAAAAAAAAAAAAABQAAAAAAAAAwMD/AAAAAABkAAAAMgAAAAAAAABkAAAAAAAAAH9/fwAKAAAAHwAAAFQAAAAAAAAFAAAAAQAAAAAAAAAAAAAAAAAAAAAAAAAAAAAAAAAAAAAAAAAAAAAAAn9/fwAAAAADzMzMAMDA/wB/f38AAAAAAAAAAAAAAAAAAAAAAAAAAAAhAAAAGAAAABQAAABKAwAA2goAAH4+AACMKQAAEAAAACYAAAAIAAAA//////////8="/>
+                <pr:smNativeData xmlns:pr="smNativeData" val="SMDATA_13_3GgiXxMAAAAlAAAAZAAAAA8BAAAAkAAAAEgAAACQAAAASAAAAAAAAAAAAAAAAAAAAAEAAABQAAAAAAAAAAAA4D8AAAAAAADgPwAAAAAAAOA/AAAAAAAA4D8AAAAAAADgPwAAAAAAAOA/AAAAAAAA4D8AAAAAAADgPwAAAAAAAOA/AAAAAAAA4D8CAAAAjAAAAAAAAAAAAAAAu+DjDP///wgAAAAAAAAAAAAAAAAAAAAAAAAAAAAAAAAAAAAAZAAAAAEAAABAAAAAAAAAAAAAAAAAAAAAAAAAAAAAAAAAAAAAAAAAAAAAAAAAAAAAAAAAAAAAAAAAAAAAAAAAAAAAAAAAAAAAAAAAAAAAAAAAAAAAAAAAAAAAAAAAAAAAFAAAADwAAAAAAAAAAAAAAAAAAAkUAAAAAQAAABQAAAAUAAAAFAAAAAEAAAAAAAAAZAAAAGQAAAAAAAAAZAAAAGQAAAAVAAAAYAAAAAAAAAAAAAAADwAAACADAAAAAAAAAAAAAAEAAACgMgAAVgcAAKr4//8BAAAAf39/AAEAAABkAAAAAAAAABQAAABAHwAAAAAAACYAAAAAAAAAwOD//wAAAAAmAAAAZAAAABYAAABMAAAAAAAAAAAAAAAEAAAAAAAAAAEAAACAgIAKAAAAACgAAAAoAAAAZAAAAGQAAAAAAAAAzMzMAAAAAABQAAAAUAAAAGQAAABkAAAAAAAAABcAAAAUAAAAAAAAAAAAAAD/fwAA/38AAAAAAAAJAAAABAAAAAAAAAAMAAAAEAAAAAAAAAAAAAAAAAAAAAAAAAAeAAAAaAAAAAAAAAAAAAAAAAAAAAAAAAAAAAAAECcAABAnAAAAAAAAAAAAAAAAAAAAAAAAAAAAAAAAAAAAAAAAAAAAABQAAAAAAAAAwMD/AAAAAABkAAAAMgAAAAAAAABkAAAAAAAAAH9/fwAKAAAAHwAAAFQAAAAAAAAFAAAAAQAAAAAAAAAAAAAAAAAAAAAAAAAAAAAAAAAAAAAAAAAAAAAAAn9/fwAAAAADzMzMAMDA/wB/f38AAAAAAAAAAAAAAAAAAAAAAAAAAAAhAAAAGAAAABQAAABKAwAA2goAAH4+AACMKQAAEAAAACYAAAAIAAAA//////////8="/>
               </a:ext>
             </a:extLst>
           </p:cNvSpPr>
@@ -2920,7 +2920,7 @@
             <a:spLocks noGrp="1" noChangeArrowheads="1"/>
             <a:extLst>
               <a:ext uri="smNativeData">
-                <pr:smNativeData xmlns:pr="smNativeData" val="SMDATA_13_yiIeXxMAAAAlAAAAZAAAAA8BAAAAkAAAAEgAAACQAAAASAAAAAAAAAABAAAAAAAAAAEAAABQAAAAAAAAAAAA4D8AAAAAAADgPwAAAAAAAOA/AAAAAAAA4D8AAAAAAADgPwAAAAAAAOA/AAAAAAAA4D8AAAAAAADgPwAAAAAAAOA/AAAAAAAA4D8CAAAAjAAAAAAAAAAAAAAAu+DjDP///wgAAAAAAAAAAAAAAAAAAAAAAAAAAAAAAAAAAAAAZAAAAAEAAABAAAAAAAAAAAAAAAAAAAAAAAAAAAAAAAAAAAAAAAAAAAAAAAAAAAAAAAAAAAAAAAAAAAAAAAAAAAAAAAAAAAAAAAAAAAAAAAAAAAAAAAAAAAAAAAAAAAAAFAAAADwAAAAAAAAAAAAAAAAAAAkUAAAAAQAAABQAAAAUAAAAFAAAAAEAAAAAAAAAZAAAAGQAAAAAAAAAZAAAAGQAAAAVAAAAYAAAAAAAAAAAAAAADwAAACADAAAAAAAAAAAAAAEAAACgMgAAVgcAAKr4//8BAAAAf39/AAEAAABkAAAAAAAAABQAAABAHwAAAAAAACYAAAAAAAAAwOD//wAAAAAmAAAAZAAAABYAAABMAAAAAAAAAAAAAAAEAAAAAAAAAAEAAACAgIAKAAAAACgAAAAoAAAAZAAAAGQAAAAAAAAAzMzMAAAAAABQAAAAUAAAAGQAAABkAAAAAAAAABcAAAAUAAAAAAAAAAAAAAD/fwAA/38AAAAAAAAJAAAABAAAAAAAAAAMAAAAEAAAAAAAAAAAAAAAAAAAAAAAAAAeAAAAaAAAAAAAAAAAAAAAAAAAAAAAAAAAAAAAECcAABAnAAAAAAAAAAAAAAAAAAAAAAAAAAAAAAAAAAAAAAAAAAAAABQAAAAAAAAAwMD/AAAAAABkAAAAMgAAAAAAAABkAAAAAAAAAH9/fwAKAAAAHwAAAFQAAAAAAAAFAAAAAQAAAAAAAAAAAAAAAAAAAAAAAAAAAAAAAAAAAAAAAAAAAAAAAn9/fwAAAAADzMzMAMDA/wB/f38AAAAAAAAAAAAAAAAAAAAAAAAAAAAhAAAAGAAAABQAAABKAwAAHSsAAKMSAACVLQAAEAAAACYAAAAIAAAA//////////8="/>
+                <pr:smNativeData xmlns:pr="smNativeData" val="SMDATA_13_3GgiXxMAAAAlAAAAZAAAAA8BAAAAkAAAAEgAAACQAAAASAAAAAAAAAABAAAAAAAAAAEAAABQAAAAAAAAAAAA4D8AAAAAAADgPwAAAAAAAOA/AAAAAAAA4D8AAAAAAADgPwAAAAAAAOA/AAAAAAAA4D8AAAAAAADgPwAAAAAAAOA/AAAAAAAA4D8CAAAAjAAAAAAAAAAAAAAAu+DjDP///wgAAAAAAAAAAAAAAAAAAAAAAAAAAAAAAAAAAAAAZAAAAAEAAABAAAAAAAAAAAAAAAAAAAAAAAAAAAAAAAAAAAAAAAAAAAAAAAAAAAAAAAAAAAAAAAAAAAAAAAAAAAAAAAAAAAAAAAAAAAAAAAAAAAAAAAAAAAAAAAAAAAAAFAAAADwAAAAAAAAAAAAAAAAAAAkUAAAAAQAAABQAAAAUAAAAFAAAAAEAAAAAAAAAZAAAAGQAAAAAAAAAZAAAAGQAAAAVAAAAYAAAAAAAAAAAAAAADwAAACADAAAAAAAAAAAAAAEAAACgMgAAVgcAAKr4//8BAAAAf39/AAEAAABkAAAAAAAAABQAAABAHwAAAAAAACYAAAAAAAAAwOD//wAAAAAmAAAAZAAAABYAAABMAAAAAAAAAAAAAAAEAAAAAAAAAAEAAACAgIAKAAAAACgAAAAoAAAAZAAAAGQAAAAAAAAAzMzMAAAAAABQAAAAUAAAAGQAAABkAAAAAAAAABcAAAAUAAAAAAAAAAAAAAD/fwAA/38AAAAAAAAJAAAABAAAAAAAAAAMAAAAEAAAAAAAAAAAAAAAAAAAAAAAAAAeAAAAaAAAAAAAAAAAAAAAAAAAAAAAAAAAAAAAECcAABAnAAAAAAAAAAAAAAAAAAAAAAAAAAAAAAAAAAAAAAAAAAAAABQAAAAAAAAAwMD/AAAAAABkAAAAMgAAAAAAAABkAAAAAAAAAH9/fwAKAAAAHwAAAFQAAAAAAAAFAAAAAQAAAAAAAAAAAAAAAAAAAAAAAAAAAAAAAAAAAAAAAAAAAAAAAn9/fwAAAAADzMzMAMDA/wB/f38AAAAAAAAAAAAAAAAAAAAAAAAAAAAhAAAAGAAAABQAAABKAwAAHSsAAKMSAACVLQAAEAAAACYAAAAIAAAA//////////8="/>
               </a:ext>
             </a:extLst>
           </p:cNvSpPr>
@@ -2955,7 +2955,7 @@
           </a:lstStyle>
           <a:p>
             <a:pPr/>
-            <a:fld id="{310FBF2F-61DC-5A49-92B7-971CF1F964C2}" type="datetime1">
+            <a:fld id="{20732B81-CFCD-26DD-83CB-39886585756C}" type="datetime1">
               <a:t/>
             </a:fld>
           </a:p>
@@ -2968,7 +2968,7 @@
             <a:spLocks noGrp="1" noChangeArrowheads="1"/>
             <a:extLst>
               <a:ext uri="smNativeData">
-                <pr:smNativeData xmlns:pr="smNativeData" val="SMDATA_13_yiIeXxMAAAAlAAAAZAAAAA8BAAAAkAAAAEgAAACQAAAASAAAAAAAAAABAAAAAAAAAAEAAABQAAAAAAAAAAAA4D8AAAAAAADgPwAAAAAAAOA/AAAAAAAA4D8AAAAAAADgPwAAAAAAAOA/AAAAAAAA4D8AAAAAAADgPwAAAAAAAOA/AAAAAAAA4D8CAAAAjAAAAAAAAAAAAAAAu+DjDP///wgAAAAAAAAAAAAAAAAAAAAAAAAAAAAAAAAAAAAAZAAAAAEAAABAAAAAAAAAAAAAAAAAAAAAAAAAAAAAAAAAAAAAAAAAAAAAAAAAAAAAAAAAAAAAAAAAAAAAAAAAAAAAAAAAAAAAAAAAAAAAAAAAAAAAAAAAAAAAAAAAAAAAFAAAADwAAAAAAAAAAAAAAAAAAAkUAAAAAQAAABQAAAAUAAAAFAAAAAEAAAAAAAAAZAAAAGQAAAAAAAAAZAAAAGQAAAAVAAAAYAAAAAAAAAAAAAAADwAAACADAAAAAAAAAAAAAAEAAACgMgAAVgcAAKr4//8BAAAAf39/AAEAAABkAAAAAAAAABQAAABAHwAAAAAAACYAAAAAAAAAwOD//wAAAAAmAAAAZAAAABYAAABMAAAAAAAAAAAAAAAEAAAAAAAAAAEAAACAgIAKAAAAACgAAAAoAAAAZAAAAGQAAAAAAAAAzMzMAAAAAABQAAAAUAAAAGQAAABkAAAAAAAAABcAAAAUAAAAAAAAAAAAAAD/fwAA/38AAAAAAAAJAAAABAAAAAAAAAAMAAAAEAAAAAAAAAAAAAAAAAAAAAAAAAAeAAAAaAAAAAAAAAAAAAAAAAAAAAAAAAAAAAAAECcAABAnAAAAAAAAAAAAAAAAAAAAAAAAAAAAAAAAAAAAAAAAAAAAABQAAAAAAAAAwMD/AAAAAABkAAAAMgAAAAAAAABkAAAAAAAAAH9/fwAKAAAAHwAAAFQAAAAAAAAFAAAAAQAAAAAAAAAAAAAAAAAAAAAAAAAAAAAAAAAAAAAAAAAAAAAAAn9/fwAAAAADzMzMAMDA/wB/f38AAAAAAAAAAAAAAAAAAAAAAAAAAAAhAAAAGAAAABQAAAB5FgAAHSsAAE4rAACVLQAAEAAAACYAAAAIAAAA//////////8="/>
+                <pr:smNativeData xmlns:pr="smNativeData" val="SMDATA_13_3GgiXxMAAAAlAAAAZAAAAA8BAAAAkAAAAEgAAACQAAAASAAAAAAAAAABAAAAAAAAAAEAAABQAAAAAAAAAAAA4D8AAAAAAADgPwAAAAAAAOA/AAAAAAAA4D8AAAAAAADgPwAAAAAAAOA/AAAAAAAA4D8AAAAAAADgPwAAAAAAAOA/AAAAAAAA4D8CAAAAjAAAAAAAAAAAAAAAu+DjDP///wgAAAAAAAAAAAAAAAAAAAAAAAAAAAAAAAAAAAAAZAAAAAEAAABAAAAAAAAAAAAAAAAAAAAAAAAAAAAAAAAAAAAAAAAAAAAAAAAAAAAAAAAAAAAAAAAAAAAAAAAAAAAAAAAAAAAAAAAAAAAAAAAAAAAAAAAAAAAAAAAAAAAAFAAAADwAAAAAAAAAAAAAAAAAAAkUAAAAAQAAABQAAAAUAAAAFAAAAAEAAAAAAAAAZAAAAGQAAAAAAAAAZAAAAGQAAAAVAAAAYAAAAAAAAAAAAAAADwAAACADAAAAAAAAAAAAAAEAAACgMgAAVgcAAKr4//8BAAAAf39/AAEAAABkAAAAAAAAABQAAABAHwAAAAAAACYAAAAAAAAAwOD//wAAAAAmAAAAZAAAABYAAABMAAAAAAAAAAAAAAAEAAAAAAAAAAEAAACAgIAKAAAAACgAAAAoAAAAZAAAAGQAAAAAAAAAzMzMAAAAAABQAAAAUAAAAGQAAABkAAAAAAAAABcAAAAUAAAAAAAAAAAAAAD/fwAA/38AAAAAAAAJAAAABAAAAAAAAAAMAAAAEAAAAAAAAAAAAAAAAAAAAAAAAAAeAAAAaAAAAAAAAAAAAAAAAAAAAAAAAAAAAAAAECcAABAnAAAAAAAAAAAAAAAAAAAAAAAAAAAAAAAAAAAAAAAAAAAAABQAAAAAAAAAwMD/AAAAAABkAAAAMgAAAAAAAABkAAAAAAAAAH9/fwAKAAAAHwAAAFQAAAAAAAAFAAAAAQAAAAAAAAAAAAAAAAAAAAAAAAAAAAAAAAAAAAAAAAAAAAAAAn9/fwAAAAADzMzMAMDA/wB/f38AAAAAAAAAAAAAAAAAAAAAAAAAAAAhAAAAGAAAABQAAAB5FgAAHSsAAE4rAACVLQAAEAAAACYAAAAIAAAA//////////8="/>
               </a:ext>
             </a:extLst>
           </p:cNvSpPr>
@@ -3016,7 +3016,7 @@
             <a:spLocks noGrp="1" noChangeArrowheads="1"/>
             <a:extLst>
               <a:ext uri="smNativeData">
-                <pr:smNativeData xmlns:pr="smNativeData" val="SMDATA_13_yiIeXxMAAAAlAAAAZAAAAA8BAAAAkAAAAEgAAACQAAAASAAAAAAAAAABAAAAAAAAAAEAAABQAAAAAAAAAAAA4D8AAAAAAADgPwAAAAAAAOA/AAAAAAAA4D8AAAAAAADgPwAAAAAAAOA/AAAAAAAA4D8AAAAAAADgPwAAAAAAAOA/AAAAAAAA4D8CAAAAjAAAAAAAAAAAAAAAu+DjDP///wgAAAAAAAAAAAAAAAAAAAAAAAAAAAAAAAAAAAAAZAAAAAEAAABAAAAAAAAAAAAAAAAAAAAAAAAAAAAAAAAAAAAAAAAAAAAAAAAAAAAAAAAAAAAAAAAAAAAAAAAAAAAAAAAAAAAAAAAAAAAAAAAAAAAAAAAAAAAAAAAAAAAAFAAAADwAAAAAAAAAAAAAAAAAAAkUAAAAAQAAABQAAAAUAAAAFAAAAAEAAAAAAAAAZAAAAGQAAAAAAAAAZAAAAGQAAAAVAAAAYAAAAAAAAAAAAAAADwAAACADAAAAAAAAAAAAAAEAAACgMgAAVgcAAKr4//8BAAAAf39/AAEAAABkAAAAAAAAABQAAABAHwAAAAAAACYAAAAAAAAAwOD//wAAAAAmAAAAZAAAABYAAABMAAAAAAAAAAAAAAAEAAAAAAAAAAEAAACAgIAKAAAAACgAAAAoAAAAZAAAAGQAAAAAAAAAzMzMAAAAAABQAAAAUAAAAGQAAABkAAAAAAAAABcAAAAUAAAAAAAAAAAAAAD/fwAA/38AAAAAAAAJAAAABAAAAAAAAAAMAAAAEAAAAAAAAAAAAAAAAAAAAAAAAAAeAAAAaAAAAAAAAAAAAAAAAAAAAAAAAAAAAAAAECcAABAnAAAAAAAAAAAAAAAAAAAAAAAAAAAAAAAAAAAAAAAAAAAAABQAAAAAAAAAwMD/AAAAAABkAAAAMgAAAAAAAABkAAAAAAAAAH9/fwAKAAAAHwAAAFQAAAAAAAAFAAAAAQAAAAAAAAAAAAAAAAAAAAAAAAAAAAAAAAAAAAAAAAAAAAAAAn9/fwAAAAADzMzMAMDA/wB/f38AAAAAAAAAAAAAAAAAAAAAAAAAAAAhAAAAGAAAABQAAAAkLwAAHSsAAH4+AACVLQAAEAAAACYAAAAIAAAA//////////8="/>
+                <pr:smNativeData xmlns:pr="smNativeData" val="SMDATA_13_3GgiXxMAAAAlAAAAZAAAAA8BAAAAkAAAAEgAAACQAAAASAAAAAAAAAABAAAAAAAAAAEAAABQAAAAAAAAAAAA4D8AAAAAAADgPwAAAAAAAOA/AAAAAAAA4D8AAAAAAADgPwAAAAAAAOA/AAAAAAAA4D8AAAAAAADgPwAAAAAAAOA/AAAAAAAA4D8CAAAAjAAAAAAAAAAAAAAAu+DjDP///wgAAAAAAAAAAAAAAAAAAAAAAAAAAAAAAAAAAAAAZAAAAAEAAABAAAAAAAAAAAAAAAAAAAAAAAAAAAAAAAAAAAAAAAAAAAAAAAAAAAAAAAAAAAAAAAAAAAAAAAAAAAAAAAAAAAAAAAAAAAAAAAAAAAAAAAAAAAAAAAAAAAAAFAAAADwAAAAAAAAAAAAAAAAAAAkUAAAAAQAAABQAAAAUAAAAFAAAAAEAAAAAAAAAZAAAAGQAAAAAAAAAZAAAAGQAAAAVAAAAYAAAAAAAAAAAAAAADwAAACADAAAAAAAAAAAAAAEAAACgMgAAVgcAAKr4//8BAAAAf39/AAEAAABkAAAAAAAAABQAAABAHwAAAAAAACYAAAAAAAAAwOD//wAAAAAmAAAAZAAAABYAAABMAAAAAAAAAAAAAAAEAAAAAAAAAAEAAACAgIAKAAAAACgAAAAoAAAAZAAAAGQAAAAAAAAAzMzMAAAAAABQAAAAUAAAAGQAAABkAAAAAAAAABcAAAAUAAAAAAAAAAAAAAD/fwAA/38AAAAAAAAJAAAABAAAAAAAAAAMAAAAEAAAAAAAAAAAAAAAAAAAAAAAAAAeAAAAaAAAAAAAAAAAAAAAAAAAAAAAAAAAAAAAECcAABAnAAAAAAAAAAAAAAAAAAAAAAAAAAAAAAAAAAAAAAAAAAAAABQAAAAAAAAAwMD/AAAAAABkAAAAMgAAAAAAAABkAAAAAAAAAH9/fwAKAAAAHwAAAFQAAAAAAAAFAAAAAQAAAAAAAAAAAAAAAAAAAAAAAAAAAAAAAAAAAAAAAAAAAAAAAn9/fwAAAAADzMzMAMDA/wB/f38AAAAAAAAAAAAAAAAAAAAAAAAAAAAhAAAAGAAAABQAAAAkLwAAHSsAAH4+AACVLQAAEAAAACYAAAAIAAAA//////////8="/>
               </a:ext>
             </a:extLst>
           </p:cNvSpPr>
@@ -3051,7 +3051,7 @@
           </a:lstStyle>
           <a:p>
             <a:pPr/>
-            <a:fld id="{310FBD34-7ADC-5A4B-92B7-8C1EF3F964D9}" type="slidenum">
+            <a:fld id="{20733088-C6CD-26C6-83CB-30937E857565}" type="slidenum">
               <a:t/>
             </a:fld>
           </a:p>
@@ -3729,7 +3729,7 @@
           <p:cNvSpPr txBox="1">
             <a:extLst>
               <a:ext uri="smNativeData">
-                <pr:smNativeData xmlns:pr="smNativeData" val="SMDATA_13_yiIeXxMAAAAlAAAAEgAAAA8BAAAAkAAAAEgAAACQAAAASAAAAAAAAAAAAAAAAAAAAAEAAABQAAAAAAAAAAAA4D8AAAAAAADgPwAAAAAAAOA/AAAAAAAA4D8AAAAAAADgPwAAAAAAAOA/AAAAAAAA4D8AAAAAAADgPwAAAAAAAOA/AAAAAAAA4D8CAAAAjAAAAAAAAAAAAAAAu+DjDP///wgAAAAAAAAAAAAAAAAAAAAAAAAAAAAAAAAAAAAAZAAAAAEAAABAAAAAAAAAAAAAAAAAAAAAAAAAAAAAAAAAAAAAAAAAAAAAAAAAAAAAAAAAAAAAAAAAAAAAAAAAAAAAAAAAAAAAAAAAAAAAAAAAAAAAAAAAAAAAAAAAAAAAFAAAADwAAAAAAAAAAAAAAAAAAAkUAAAAAQAAABQAAAAUAAAAFAAAAAEAAAAAAAAAZAAAAGQAAAAAAAAAZAAAAGQAAAAVAAAAYAAAAAAAAAAAAAAADwAAACADAAAAAAAAAAAAAAEAAACgMgAAVgcAAKr4//8BAAAAf39/AAEAAABkAAAAAAAAABQAAABAHwAAAAAAACYAAAAAAAAAwOD//wAAAAAmAAAAZAAAABYAAABMAAAAAAAAAAAAAAAEAAAAAAAAAAEAAACAgIAKAAAAACgAAAAoAAAAZAAAAGQAAAAAAAAAzMzMAAAAAABQAAAAUAAAAGQAAABkAAAAAAAAABcAAAAUAAAAAAAAAAAAAAD/fwAA/38AAAAAAAAJAAAABAAAAAAAAAAMAAAAEAAAAAAAAAAAAAAAAAAAAAAAAAAeAAAAaAAAAAAAAAAAAAAAAAAAAAAAAAAAAAAAECcAABAnAAAAAAAAAAAAAAAAAAAAAAAAAAAAAAAAAAAAAAAAAAAAABQAAAAAAAAAwMD/AAAAAABkAAAAMgAAAAAAAABkAAAAAAAAAH9/fwAKAAAAHwAAAFQAAAC74OMF////AQAAAAAAAAAAAAAAAAAAAAAAAAAAAAAAAAAAAAAAAAAAAAAAAn9/fwCAgIADzMzMAMDA/wB/f38AAAAAAAAAAAAAAAAAAAAAAAAAAAAhAAAAGAAAABQAAAAyAQAAHgYAAGk/AABuKAAAAAAAACYAAAAIAAAA//////////8="/>
+                <pr:smNativeData xmlns:pr="smNativeData" val="SMDATA_13_3GgiXxMAAAAlAAAAEgAAAA8BAAAAkAAAAEgAAACQAAAASAAAAAAAAAAAAAAAAAAAAAEAAABQAAAAAAAAAAAA4D8AAAAAAADgPwAAAAAAAOA/AAAAAAAA4D8AAAAAAADgPwAAAAAAAOA/AAAAAAAA4D8AAAAAAADgPwAAAAAAAOA/AAAAAAAA4D8CAAAAjAAAAAAAAAAAAAAAu+DjDP///wgAAAAAAAAAAAAAAAAAAAAAAAAAAAAAAAAAAAAAZAAAAAEAAABAAAAAAAAAAAAAAAAAAAAAAAAAAAAAAAAAAAAAAAAAAAAAAAAAAAAAAAAAAAAAAAAAAAAAAAAAAAAAAAAAAAAAAAAAAAAAAAAAAAAAAAAAAAAAAAAAAAAAFAAAADwAAAAAAAAAAAAAAAAAAAkUAAAAAQAAABQAAAAUAAAAFAAAAAEAAAAAAAAAZAAAAGQAAAAAAAAAZAAAAGQAAAAVAAAAYAAAAAAAAAAAAAAADwAAACADAAAAAAAAAAAAAAEAAACgMgAAVgcAAKr4//8BAAAAf39/AAEAAABkAAAAAAAAABQAAABAHwAAAAAAACYAAAAAAAAAwOD//wAAAAAmAAAAZAAAABYAAABMAAAAAAAAAAAAAAAEAAAAAAAAAAEAAACAgIAKAAAAACgAAAAoAAAAZAAAAGQAAAAAAAAAzMzMAAAAAABQAAAAUAAAAGQAAABkAAAAAAAAABcAAAAUAAAAAAAAAAAAAAD/fwAA/38AAAAAAAAJAAAABAAAAAAAAAAMAAAAEAAAAAAAAAAAAAAAAAAAAAAAAAAeAAAAaAAAAAAAAAAAAAAAAAAAAAAAAAAAAAAAECcAABAnAAAAAAAAAAAAAAAAAAAAAAAAAAAAAAAAAAAAAAAAAAAAABQAAAAAAAAAwMD/AAAAAABkAAAAMgAAAAAAAABkAAAAAAAAAH9/fwAKAAAAHwAAAFQAAAC74OMF////AQAAAAAAAAAAAAAAAAAAAAAAAAAAAAAAAAAAAAAAAAAAAAAAAn9/fwCAgIADzMzMAMDA/wB/f38AAAAAAAAAAAAAAAAAAAAAAAAAAAAhAAAAGAAAABQAAAAyAQAAHgYAAGk/AABuKAAAAAAAACYAAAAIAAAA//////////8="/>
               </a:ext>
             </a:extLst>
           </p:cNvSpPr>
@@ -4032,7 +4032,7 @@
           <p:cNvSpPr>
             <a:extLst>
               <a:ext uri="smNativeData">
-                <pr:smNativeData xmlns:pr="smNativeData" val="SMDATA_13_yiIeXxMAAAAlAAAAZAAAAA8BAAAAkAAAAEgAAACQAAAASAAAAAAAAAAAAAAAAAAAAAEAAABQAAAAAAAAAAAA4D8AAAAAAADgPwAAAAAAAOA/AAAAAAAA4D8AAAAAAADgPwAAAAAAAOA/AAAAAAAA4D8AAAAAAADgPwAAAAAAAOA/AAAAAAAA4D8CAAAAjAAAAAAAAAAAAAAAAAAAAP///wgAAAAAAAAAAAAAAAAAAAAAAAAAAAAAAAAAAAAAZAAAAAEAAABAAAAAAAAAAAAAAAAAAAAAAAAAAAAAAAAAAAAAAAAAAAAAAAAAAAAAAAAAAAAAAAAAAAAAAAAAAAAAAAAAAAAAAAAAAAAAAAAAAAAAAAAAAAAAAAAAAAAAFAAAADwAAAABAAAAAAAAAICAgAoUAAAAAQAAABQAAAAUAAAAFAAAAAEAAAAAAAAAZAAAAGQAAAAAAAAAZAAAAGQAAAAVAAAAYAAAAAAAAAAAAAAADwAAACADAAAAAAAAAAAAAAEAAACgMgAAVgcAAKr4//8BAAAAf39/AAEAAABkAAAAAAAAABQAAABAHwAAAAAAACYAAAAAAAAAwOD//wAAAAAmAAAAZAAAABYAAABMAAAAAAAAAAAAAAAEAAAAAAAAAAEAAACAgIAKAAAAACgAAAAoAAAAZAAAAGQAAAAAAAAAzMzMAAAAAABQAAAAUAAAAGQAAABkAAAAAAAAABcAAAAUAAAAAAAAAAAAAAD/fwAA/38AAAAAAAAJAAAABAAAAAAAAAAMAAAAEAAAAAAAAAAAAAAAAAAAAAAAAAAeAAAAaAAAAAAAAAAAAAAAAAAAAAAAAAAAAAAAECcAABAnAAAAAAAAAAAAAAAAAAAAAAAAAAAAAAAAAAAAAAAAAAAAABQAAAAAAAAAwMD/AAAAAABkAAAAMgAAAAAAAABkAAAAAAAAAH9/fwAKAAAAHwAAAFQAAAAAAAAA////AQAAAAAAAAAAAAAAAAAAAAAAAAAAAAAAAAAAAAAAAAAAgICAA39/fwCAgIADzMzMAMDA/wB/f38AAAAAAAAAAAAAAAAAAAAAAAAAAAAhAAAAGAAAABQAAAAsAQAAGRIAADIuAADdEwAAEAAAACYAAAAIAAAA//////////8="/>
+                <pr:smNativeData xmlns:pr="smNativeData" val="SMDATA_13_3GgiXxMAAAAlAAAAZAAAAA8BAAAAkAAAAEgAAACQAAAASAAAAAAAAAAAAAAAAAAAAAEAAABQAAAAAAAAAAAA4D8AAAAAAADgPwAAAAAAAOA/AAAAAAAA4D8AAAAAAADgPwAAAAAAAOA/AAAAAAAA4D8AAAAAAADgPwAAAAAAAOA/AAAAAAAA4D8CAAAAjAAAAAAAAAAAAAAAAAAAAP///wgAAAAAAAAAAAAAAAAAAAAAAAAAAAAAAAAAAAAAZAAAAAEAAABAAAAAAAAAAAAAAAAAAAAAAAAAAAAAAAAAAAAAAAAAAAAAAAAAAAAAAAAAAAAAAAAAAAAAAAAAAAAAAAAAAAAAAAAAAAAAAAAAAAAAAAAAAAAAAAAAAAAAFAAAADwAAAABAAAAAAAAAICAgAoUAAAAAQAAABQAAAAUAAAAFAAAAAEAAAAAAAAAZAAAAGQAAAAAAAAAZAAAAGQAAAAVAAAAYAAAAAAAAAAAAAAADwAAACADAAAAAAAAAAAAAAEAAACgMgAAVgcAAKr4//8BAAAAf39/AAEAAABkAAAAAAAAABQAAABAHwAAAAAAACYAAAAAAAAAwOD//wAAAAAmAAAAZAAAABYAAABMAAAAAAAAAAAAAAAEAAAAAAAAAAEAAACAgIAKAAAAACgAAAAoAAAAZAAAAGQAAAAAAAAAzMzMAAAAAABQAAAAUAAAAGQAAABkAAAAAAAAABcAAAAUAAAAAAAAAAAAAAD/fwAA/38AAAAAAAAJAAAABAAAAAAAAAAMAAAAEAAAAAAAAAAAAAAAAAAAAAAAAAAeAAAAaAAAAAAAAAAAAAAAAAAAAAAAAAAAAAAAECcAABAnAAAAAAAAAAAAAAAAAAAAAAAAAAAAAAAAAAAAAAAAAAAAABQAAAAAAAAAwMD/AAAAAABkAAAAMgAAAAAAAABkAAAAAAAAAH9/fwAKAAAAHwAAAFQAAAAAAAAA////AQAAAAAAAAAAAAAAAAAAAAAAAAAAAAAAAAAAAAAAAAAAgICAA39/fwCAgIADzMzMAMDA/wB/f38AAAAAAAAAAAAAAAAAAAAAAAAAAAAhAAAAGAAAABQAAAAsAQAAGRIAADIuAADdEwAAEAAAACYAAAAIAAAA//////////8="/>
               </a:ext>
             </a:extLst>
           </p:cNvSpPr>
@@ -4064,7 +4064,7 @@
           <p:cNvSpPr>
             <a:extLst>
               <a:ext uri="smNativeData">
-                <pr:smNativeData xmlns:pr="smNativeData" val="SMDATA_13_yiIeXxMAAAAlAAAAZAAAAA8BAAAAkAAAAEgAAACQAAAASAAAAAAAAAAAAAAAAAAAAAEAAABQAAAAAAAAAAAA4D8AAAAAAADgPwAAAAAAAOA/AAAAAAAA4D8AAAAAAADgPwAAAAAAAOA/AAAAAAAA4D8AAAAAAADgPwAAAAAAAOA/AAAAAAAA4D8CAAAAjAAAAAAAAAAAAAAAAAAAAP///wgAAAAAAAAAAAAAAAAAAAAAAAAAAAAAAAAAAAAAZAAAAAEAAABAAAAAAAAAAAAAAAAAAAAAAAAAAAAAAAAAAAAAAAAAAAAAAAAAAAAAAAAAAAAAAAAAAAAAAAAAAAAAAAAAAAAAAAAAAAAAAAAAAAAAAAAAAAAAAAAAAAAAFAAAADwAAAABAAAAAAAAAICAgAoUAAAAAQAAABQAAAAUAAAAFAAAAAEAAAAAAAAAZAAAAGQAAAAAAAAAZAAAAGQAAAAVAAAAYAAAAAAAAAAAAAAADwAAACADAAAAAAAAAAAAAAEAAACgMgAAVgcAAKr4//8BAAAAf39/AAEAAABkAAAAAAAAABQAAABAHwAAAAAAACYAAAAAAAAAwOD//wAAAAAmAAAAZAAAABYAAABMAAAAAAAAAAAAAAAEAAAAAAAAAAEAAACAgIAKAAAAACgAAAAoAAAAZAAAAGQAAAAAAAAAzMzMAAAAAABQAAAAUAAAAGQAAABkAAAAAAAAABcAAAAUAAAAAAAAAAAAAAD/fwAA/38AAAAAAAAJAAAABAAAADn9ZkoMAAAAEAAAAAAAAAAAAAAAAAAAAAAAAAAeAAAAaAAAAAAAAAAAAAAAAAAAAAAAAAAAAAAAECcAABAnAAAAAAAAAAAAAAAAAAAAAAAAAAAAAAAAAAAAAAAAAAAAABQAAAAAAAAAwMD/AAAAAABkAAAAMgAAAAAAAABkAAAAAAAAAH9/fwAKAAAAHwAAAFQAAAAAAAAA////AQAAAAAAAAAAAAAAAAAAAAAAAAAAAAAAAAAAAAAAAAAAgICAA39/fwCAgIADzMzMAMDA/wB/f38AAAAAAAAAAAAAAAAAAAAAAAAAAAAhAAAAGAAAABQAAAAsAQAAtgkAAPsSAAB6CwAAEAAAACYAAAAIAAAA//////////8="/>
+                <pr:smNativeData xmlns:pr="smNativeData" val="SMDATA_13_3GgiXxMAAAAlAAAAZAAAAA8BAAAAkAAAAEgAAACQAAAASAAAAAAAAAAAAAAAAAAAAAEAAABQAAAAAAAAAAAA4D8AAAAAAADgPwAAAAAAAOA/AAAAAAAA4D8AAAAAAADgPwAAAAAAAOA/AAAAAAAA4D8AAAAAAADgPwAAAAAAAOA/AAAAAAAA4D8CAAAAjAAAAAAAAAAAAAAAAAAAAP///wgAAAAAAAAAAAAAAAAAAAAAAAAAAAAAAAAAAAAAZAAAAAEAAABAAAAAAAAAAAAAAAAAAAAAAAAAAAAAAAAAAAAAAAAAAAAAAAAAAAAAAAAAAAAAAAAAAAAAAAAAAAAAAAAAAAAAAAAAAAAAAAAAAAAAAAAAAAAAAAAAAAAAFAAAADwAAAABAAAAAAAAAICAgAoUAAAAAQAAABQAAAAUAAAAFAAAAAEAAAAAAAAAZAAAAGQAAAAAAAAAZAAAAGQAAAAVAAAAYAAAAAAAAAAAAAAADwAAACADAAAAAAAAAAAAAAEAAACgMgAAVgcAAKr4//8BAAAAf39/AAEAAABkAAAAAAAAABQAAABAHwAAAAAAACYAAAAAAAAAwOD//wAAAAAmAAAAZAAAABYAAABMAAAAAAAAAAAAAAAEAAAAAAAAAAEAAACAgIAKAAAAACgAAAAoAAAAZAAAAGQAAAAAAAAAzMzMAAAAAABQAAAAUAAAAGQAAABkAAAAAAAAABcAAAAUAAAAAAAAAAAAAAD/fwAA/38AAAAAAAAJAAAABAAAADn9ZkoMAAAAEAAAAAAAAAAAAAAAAAAAAAAAAAAeAAAAaAAAAAAAAAAAAAAAAAAAAAAAAAAAAAAAECcAABAnAAAAAAAAAAAAAAAAAAAAAAAAAAAAAAAAAAAAAAAAAAAAABQAAAAAAAAAwMD/AAAAAABkAAAAMgAAAAAAAABkAAAAAAAAAH9/fwAKAAAAHwAAAFQAAAAAAAAA////AQAAAAAAAAAAAAAAAAAAAAAAAAAAAAAAAAAAAAAAAAAAgICAA39/fwCAgIADzMzMAMDA/wB/f38AAAAAAAAAAAAAAAAAAAAAAAAAAAAhAAAAGAAAABQAAAAsAQAAtgkAAPsSAAB6CwAAEAAAACYAAAAIAAAA//////////8="/>
               </a:ext>
             </a:extLst>
           </p:cNvSpPr>
@@ -4096,7 +4096,7 @@
           <p:cNvSpPr>
             <a:extLst>
               <a:ext uri="smNativeData">
-                <pr:smNativeData xmlns:pr="smNativeData" val="SMDATA_13_yiIeXxMAAAAlAAAAZAAAAA8BAAAAkAAAAEgAAACQAAAASAAAAAAAAAAAAAAAAAAAAAEAAABQAAAAAAAAAAAA4D8AAAAAAADgPwAAAAAAAOA/AAAAAAAA4D8AAAAAAADgPwAAAAAAAOA/AAAAAAAA4D8AAAAAAADgPwAAAAAAAOA/AAAAAAAA4D8CAAAAjAAAAAAAAAAAAAAAAAAAAP///wgAAAAAAAAAAAAAAAAAAAAAAAAAAAAAAAAAAAAAZAAAAAEAAABAAAAAAAAAAAAAAAAAAAAAAAAAAAAAAAAAAAAAAAAAAAAAAAAAAAAAAAAAAAAAAAAAAAAAAAAAAAAAAAAAAAAAAAAAAAAAAAAAAAAAAAAAAAAAAAAAAAAAFAAAADwAAAABAAAAAAAAAICAgAoUAAAAAQAAABQAAAAUAAAAFAAAAAEAAAAAAAAAZAAAAGQAAAAAAAAAZAAAAGQAAAAVAAAAYAAAAAAAAAAAAAAADwAAACADAAAAAAAAAAAAAAEAAACgMgAAVgcAAKr4//8BAAAAf39/AAEAAABkAAAAAAAAABQAAABAHwAAAAAAACYAAAAAAAAAwOD//wAAAAAmAAAAZAAAABYAAABMAAAAAAAAAAAAAAAEAAAAAAAAAAEAAACAgIAKAAAAACgAAAAoAAAAZAAAAGQAAAAAAAAAzMzMAAAAAABQAAAAUAAAAGQAAABkAAAAAAAAABcAAAAUAAAAAAAAAAAAAAD/fwAA/38AAAAAAAAJAAAABAAAAAAAAAAMAAAAEAAAAAAAAAAAAAAAAAAAAAAAAAAeAAAAaAAAAAAAAAAAAAAAAAAAAAAAAAAAAAAAECcAABAnAAAAAAAAAAAAAAAAAAAAAAAAAAAAAAAAAAAAAAAAAAAAABQAAAAAAAAAwMD/AAAAAABkAAAAMgAAAAAAAABkAAAAAAAAAH9/fwAKAAAAHwAAAFQAAAAAAAAA////AQAAAAAAAAAAAAAAAAAAAAAAAAAAAAAAAAAAAAAAAAAAgICAA39/fwCAgIADzMzMAMDA/wB/f38AAAAAAAAAAAAAAAAAAAAAAAAAAAAhAAAAGAAAABQAAAAsAQAAfBoAAJEOAABAHAAAEAAAACYAAAAIAAAA//////////8="/>
+                <pr:smNativeData xmlns:pr="smNativeData" val="SMDATA_13_3GgiXxMAAAAlAAAAZAAAAA8BAAAAkAAAAEgAAACQAAAASAAAAAAAAAAAAAAAAAAAAAEAAABQAAAAAAAAAAAA4D8AAAAAAADgPwAAAAAAAOA/AAAAAAAA4D8AAAAAAADgPwAAAAAAAOA/AAAAAAAA4D8AAAAAAADgPwAAAAAAAOA/AAAAAAAA4D8CAAAAjAAAAAAAAAAAAAAAAAAAAP///wgAAAAAAAAAAAAAAAAAAAAAAAAAAAAAAAAAAAAAZAAAAAEAAABAAAAAAAAAAAAAAAAAAAAAAAAAAAAAAAAAAAAAAAAAAAAAAAAAAAAAAAAAAAAAAAAAAAAAAAAAAAAAAAAAAAAAAAAAAAAAAAAAAAAAAAAAAAAAAAAAAAAAFAAAADwAAAABAAAAAAAAAICAgAoUAAAAAQAAABQAAAAUAAAAFAAAAAEAAAAAAAAAZAAAAGQAAAAAAAAAZAAAAGQAAAAVAAAAYAAAAAAAAAAAAAAADwAAACADAAAAAAAAAAAAAAEAAACgMgAAVgcAAKr4//8BAAAAf39/AAEAAABkAAAAAAAAABQAAABAHwAAAAAAACYAAAAAAAAAwOD//wAAAAAmAAAAZAAAABYAAABMAAAAAAAAAAAAAAAEAAAAAAAAAAEAAACAgIAKAAAAACgAAAAoAAAAZAAAAGQAAAAAAAAAzMzMAAAAAABQAAAAUAAAAGQAAABkAAAAAAAAABcAAAAUAAAAAAAAAAAAAAD/fwAA/38AAAAAAAAJAAAABAAAAAAAAAAMAAAAEAAAAAAAAAAAAAAAAAAAAAAAAAAeAAAAaAAAAAAAAAAAAAAAAAAAAAAAAAAAAAAAECcAABAnAAAAAAAAAAAAAAAAAAAAAAAAAAAAAAAAAAAAAAAAAAAAABQAAAAAAAAAwMD/AAAAAABkAAAAMgAAAAAAAABkAAAAAAAAAH9/fwAKAAAAHwAAAFQAAAAAAAAA////AQAAAAAAAAAAAAAAAAAAAAAAAAAAAAAAAAAAAAAAAAAAgICAA39/fwCAgIADzMzMAMDA/wB/f38AAAAAAAAAAAAAAAAAAAAAAAAAAAAhAAAAGAAAABQAAAAsAQAAfBoAAJEOAABAHAAAEAAAACYAAAAIAAAA//////////8="/>
               </a:ext>
             </a:extLst>
           </p:cNvSpPr>
@@ -4128,7 +4128,7 @@
           <p:cNvSpPr>
             <a:extLst>
               <a:ext uri="smNativeData">
-                <pr:smNativeData xmlns:pr="smNativeData" val="SMDATA_13_yiIeXxMAAAAlAAAAZAAAAA8BAAAAkAAAAEgAAACQAAAASAAAAAAAAAAAAAAAAAAAAAEAAABQAAAAAAAAAAAA4D8AAAAAAADgPwAAAAAAAOA/AAAAAAAA4D8AAAAAAADgPwAAAAAAAOA/AAAAAAAA4D8AAAAAAADgPwAAAAAAAOA/AAAAAAAA4D8CAAAAjAAAAAAAAAAAAAAAAAAAAP///wgAAAAAAAAAAAAAAAAAAAAAAAAAAAAAAAAAAAAAZAAAAAEAAABAAAAAAAAAAAAAAAAAAAAAAAAAAAAAAAAAAAAAAAAAAAAAAAAAAAAAAAAAAAAAAAAAAAAAAAAAAAAAAAAAAAAAAAAAAAAAAAAAAAAAAAAAAAAAAAAAAAAAFAAAADwAAAABAAAAAAAAAICAgAoUAAAAAQAAABQAAAAUAAAAFAAAAAEAAAAAAAAAZAAAAGQAAAAAAAAAZAAAAGQAAAAVAAAAYAAAAAAAAAAAAAAADwAAACADAAAAAAAAAAAAAAEAAACgMgAAVgcAAKr4//8BAAAAf39/AAEAAABkAAAAAAAAABQAAABAHwAAAAAAACYAAAAAAAAAwOD//wAAAAAmAAAAZAAAABYAAABMAAAAAAAAAAAAAAAEAAAAAAAAAAEAAACAgIAKAAAAACgAAAAoAAAAZAAAAGQAAAAAAAAAzMzMAAAAAABQAAAAUAAAAGQAAABkAAAAAAAAABcAAAAUAAAAAAAAAAAAAAD/fwAA/38AAAAAAAAJAAAABAAAAAAAAAAMAAAAEAAAAAAAAAAAAAAAAAAAAAAAAAAeAAAAaAAAAAAAAAAAAAAAAAAAAAAAAAAAAAAAECcAABAnAAAAAAAAAAAAAAAAAAAAAAAAAAAAAAAAAAAAAAAAAAAAABQAAAAAAAAAwMD/AAAAAABkAAAAMgAAAAAAAABkAAAAAAAAAH9/fwAKAAAAHwAAAFQAAAAAAAAA////AQAAAAAAAAAAAAAAAAAAAAAAAAAAAAAAAAAAAAAAAAAAgICAA39/fwCAgIADzMzMAMDA/wB/f38AAAAAAAAAAAAAAAAAAAAAAAAAAAAhAAAAGAAAABQAAAAsAQAA3yIAAJEOAACjJAAAEAAAACYAAAAIAAAA//////////8="/>
+                <pr:smNativeData xmlns:pr="smNativeData" val="SMDATA_13_3GgiXxMAAAAlAAAAZAAAAA8BAAAAkAAAAEgAAACQAAAASAAAAAAAAAAAAAAAAAAAAAEAAABQAAAAAAAAAAAA4D8AAAAAAADgPwAAAAAAAOA/AAAAAAAA4D8AAAAAAADgPwAAAAAAAOA/AAAAAAAA4D8AAAAAAADgPwAAAAAAAOA/AAAAAAAA4D8CAAAAjAAAAAAAAAAAAAAAAAAAAP///wgAAAAAAAAAAAAAAAAAAAAAAAAAAAAAAAAAAAAAZAAAAAEAAABAAAAAAAAAAAAAAAAAAAAAAAAAAAAAAAAAAAAAAAAAAAAAAAAAAAAAAAAAAAAAAAAAAAAAAAAAAAAAAAAAAAAAAAAAAAAAAAAAAAAAAAAAAAAAAAAAAAAAFAAAADwAAAABAAAAAAAAAICAgAoUAAAAAQAAABQAAAAUAAAAFAAAAAEAAAAAAAAAZAAAAGQAAAAAAAAAZAAAAGQAAAAVAAAAYAAAAAAAAAAAAAAADwAAACADAAAAAAAAAAAAAAEAAACgMgAAVgcAAKr4//8BAAAAf39/AAEAAABkAAAAAAAAABQAAABAHwAAAAAAACYAAAAAAAAAwOD//wAAAAAmAAAAZAAAABYAAABMAAAAAAAAAAAAAAAEAAAAAAAAAAEAAACAgIAKAAAAACgAAAAoAAAAZAAAAGQAAAAAAAAAzMzMAAAAAABQAAAAUAAAAGQAAABkAAAAAAAAABcAAAAUAAAAAAAAAAAAAAD/fwAA/38AAAAAAAAJAAAABAAAAAAAAAAMAAAAEAAAAAAAAAAAAAAAAAAAAAAAAAAeAAAAaAAAAAAAAAAAAAAAAAAAAAAAAAAAAAAAECcAABAnAAAAAAAAAAAAAAAAAAAAAAAAAAAAAAAAAAAAAAAAAAAAABQAAAAAAAAAwMD/AAAAAABkAAAAMgAAAAAAAABkAAAAAAAAAH9/fwAKAAAAHwAAAFQAAAAAAAAA////AQAAAAAAAAAAAAAAAAAAAAAAAAAAAAAAAAAAAAAAAAAAgICAA39/fwCAgIADzMzMAMDA/wB/f38AAAAAAAAAAAAAAAAAAAAAAAAAAAAhAAAAGAAAABQAAAAsAQAA3yIAAJEOAACjJAAAEAAAACYAAAAIAAAA//////////8="/>
               </a:ext>
             </a:extLst>
           </p:cNvSpPr>
@@ -4160,7 +4160,7 @@
           <p:cNvSpPr txBox="1">
             <a:extLst>
               <a:ext uri="smNativeData">
-                <pr:smNativeData xmlns:pr="smNativeData" val="SMDATA_13_yiIeXxMAAAAlAAAAEgAAAE8BAAAAkAAAAEgAAACQAAAASAAAAAAAAAAAAAAAAAAAAAEAAABQAAAAAAAAAAAA4D8AAAAAAADgPwAAAAAAAOA/AAAAAAAA4D8AAAAAAADgPwAAAAAAAOA/AAAAAAAA4D8AAAAAAADgPwAAAAAAAOA/AAAAAAAA4D8CAAAAjAAAAAAAAAAAAAAAu+DjDP///wgAAAAAAAAAAAAAAAAAAAAAAAAAAAAAAAAAAAAAZAAAAAEAAABAAAAAAAAAAAAAAAAAAAAAAAAAAAAAAAAAAAAAAAAAAAAAAAAAAAAAAAAAAAAAAAAAAAAAAAAAAAAAAAAAAAAAAAAAAAAAAAAAAAAAAAAAAAAAAAAAAAAAFAAAADwAAAAAAAAAAAAAAAAAAAkUAAAAAQAAABQAAAAUAAAAFAAAAAEAAAAAAAAAZAAAAGQAAAAAAAAAZAAAAGQAAAAVAAAAYAAAAAAAAAAAAAAADwAAACADAAAAAAAAAAAAAAEAAACgMgAAVgcAAKr4//8BAAAAf39/AAEAAABkAAAAAAAAABQAAABAHwAAAAAAACYAAAAAAAAAwOD//wAAAAAmAAAAZAAAABYAAABMAAAAAAAAAAAAAAAEAAAAAAAAAAEAAACAgIAKAAAAACgAAAAoAAAAZAAAAGQAAAAAAAAAzMzMAAAAAABQAAAAUAAAAGQAAABkAAAAAAAAABcAAAAUAAAAAAAAANwIAAD/fwAA/38AAAAAAAAJAAAABAAAAPIA8gAMAAAAEAAAAAAAAAAAAAAAAAAAAAAAAAAeAAAAaAAAAAAAAAAAAAAAAAAAAAAAAAAAAAAAECcAABAnAAAAAAAAAAAAAAAAAAAAAAAAAAAAAAAAAAAAAAAAAAAAABQAAAAAAAAAwMD/AAAAAABkAAAAMgAAAAAAAABkAAAAAAAAAH9/fwAKAAAAHwAAAFQAAAC74OMF////AQAAAAAAAAAAAAAAAAAAAAAAAAAAAAAAAAAAAAAAAAAAAAAAAn9/fwCAgIADzMzMAMDA/wB/f38AAAAAAAAAAAAAAAAAAAAAAAAAAAAhAAAAGAAAABQAAADFAQAAxAEAACwoAAAEBAAAECAAACYAAAAIAAAA//////////8="/>
+                <pr:smNativeData xmlns:pr="smNativeData" val="SMDATA_13_3GgiXxMAAAAlAAAAEgAAAE8BAAAAkAAAAEgAAACQAAAASAAAAAAAAAAAAAAAAAAAAAEAAABQAAAAAAAAAAAA4D8AAAAAAADgPwAAAAAAAOA/AAAAAAAA4D8AAAAAAADgPwAAAAAAAOA/AAAAAAAA4D8AAAAAAADgPwAAAAAAAOA/AAAAAAAA4D8CAAAAjAAAAAAAAAAAAAAAu+DjDP///wgAAAAAAAAAAAAAAAAAAAAAAAAAAAAAAAAAAAAAZAAAAAEAAABAAAAAAAAAAAAAAAAAAAAAAAAAAAAAAAAAAAAAAAAAAAAAAAAAAAAAAAAAAAAAAAAAAAAAAAAAAAAAAAAAAAAAAAAAAAAAAAAAAAAAAAAAAAAAAAAAAAAAFAAAADwAAAAAAAAAAAAAAAAAAAkUAAAAAQAAABQAAAAUAAAAFAAAAAEAAAAAAAAAZAAAAGQAAAAAAAAAZAAAAGQAAAAVAAAAYAAAAAAAAAAAAAAADwAAACADAAAAAAAAAAAAAAEAAACgMgAAVgcAAKr4//8BAAAAf39/AAEAAABkAAAAAAAAABQAAABAHwAAAAAAACYAAAAAAAAAwOD//wAAAAAmAAAAZAAAABYAAABMAAAAAAAAAAAAAAAEAAAAAAAAAAEAAACAgIAKAAAAACgAAAAoAAAAZAAAAGQAAAAAAAAAzMzMAAAAAABQAAAAUAAAAGQAAABkAAAAAAAAABcAAAAUAAAAAAAAANwIAAD/fwAA/38AAAAAAAAJAAAABAAAAPIA8gAMAAAAEAAAAAAAAAAAAAAAAAAAAAAAAAAeAAAAaAAAAAAAAAAAAAAAAAAAAAAAAAAAAAAAECcAABAnAAAAAAAAAAAAAAAAAAAAAAAAAAAAAAAAAAAAAAAAAAAAABQAAAAAAAAAwMD/AAAAAABkAAAAMgAAAAAAAABkAAAAAAAAAH9/fwAKAAAAHwAAAFQAAAC74OMF////AQAAAAAAAAAAAAAAAAAAAAAAAAAAAAAAAAAAAAAAAAAAAAAAAn9/fwCAgIADzMzMAMDA/wB/f38AAAAAAAAAAAAAAAAAAAAAAAAAAAAhAAAAGAAAABQAAADFAQAAxAEAACwoAAAEBAAAECAAACYAAAAIAAAA//////////8="/>
               </a:ext>
             </a:extLst>
           </p:cNvSpPr>
@@ -4236,7 +4236,7 @@
             <a:picLocks noChangeAspect="1"/>
             <a:extLst>
               <a:ext uri="smNativeData">
-                <pr:smNativeData xmlns:pr="smNativeData" val="SMDATA_15_yiIeXxMAAAAlAAAAEQAAAC8BAAAAkAAAAEgAAACQAAAASAAAAAAAAAAAAAAAAAAAAAEAAABQAAAAAAAAAAAA4D8AAAAAAADgPwAAAAAAAOA/AAAAAAAA4D8AAAAAAADgPwAAAAAAAOA/AAAAAAAA4D8AAAAAAADgPwAAAAAAAOA/AAAAAAAA4D8CAAAAjAAAAAAAAAAAAAAAu+DjDP///wgAAAAAAAAAAAAAAAAAAAAAAAAAAAAAAAAAAAAAZAAAAAEAAABAAAAAAAAAAAAAAAAAAAAAAAAAAAAAAAAAAAAAAAAAAAAAAAAAAAAAAAAAAAAAAAAAAAAAAAAAAAAAAAAAAAAAAAAAAAAAAAAAAAAAAAAAAAAAAAAAAAAAFAAAADwAAAAAAAAAAAAAAAAAAAkUAAAAAQAAABQAAAAUAAAAFAAAAAEAAAAAAAAAZAAAAGQAAAAAAAAAZAAAAGQAAAAVAAAAYAAAAAAAAAAAAAAADwAAACADAAAAAAAAAAAAAAEAAACgMgAAVgcAAKr4//8BAAAAf39/AAEAAABkAAAAAAAAABQAAABAHwAAAAAAACYAAAAAAAAAwOD//wAAAAAmAAAAZAAAABYAAABMAAAAAAAAAAAAAAAEAAAAAAAAAAEAAACAgIAKAAAAACgAAAAoAAAAZAAAAGQAAAAAAAAAzMzMAAAAAABQAAAAUAAAAGQAAABkAAAAAAAAAAcAAAA4AAAAAAAAAAAAAAAAAAAA////AAAAAAAAAAAAAAAAAAAAAAAAAAAAAAAAAAAAAABkAAAAZAAAAAAAAAAjAAAABAAAAGQAAAAXAAAAFAAAAAAAAAAAAAAA/38AAP9/AAAAAAAACQAAAAQAAAAAAAAADAAAABAAAAAAAAAAAAAAAAAAAAAAAAAAHgAAAGgAAAAAAAAAAAAAAAAAAAAAAAAAAAAAABAnAAAQJwAAAAAAAAAAAAAAAAAAAAAAAAAAAAAAAAAAAAAAAAAAAAAUAAAAAAAAAMDA/wAAAAAAZAAAADIAAAAAAAAAZAAAAAAAAAB/f38ACgAAAB8AAABUAAAAu+DjBf///wEAAAAAAAAAAAAAAAAAAAAAAAAAAAAAAAAAAAAAAAAAAAAAAAJ/f38AgICAA8zMzADAwP8Af39/AAAAAAAAAAAAAAAAAP///wAAAAAAIQAAABgAAAAUAAAAUQAAAOcAAACZQQAA3yIAAAAAAAAmAAAACAAAAP//////////"/>
+                <pr:smNativeData xmlns:pr="smNativeData" val="SMDATA_15_3GgiXxMAAAAlAAAAEQAAAC8BAAAAkAAAAEgAAACQAAAASAAAAAAAAAAAAAAAAAAAAAEAAABQAAAAAAAAAAAA4D8AAAAAAADgPwAAAAAAAOA/AAAAAAAA4D8AAAAAAADgPwAAAAAAAOA/AAAAAAAA4D8AAAAAAADgPwAAAAAAAOA/AAAAAAAA4D8CAAAAjAAAAAAAAAAAAAAAu+DjDP///wgAAAAAAAAAAAAAAAAAAAAAAAAAAAAAAAAAAAAAZAAAAAEAAABAAAAAAAAAAAAAAAAAAAAAAAAAAAAAAAAAAAAAAAAAAAAAAAAAAAAAAAAAAAAAAAAAAAAAAAAAAAAAAAAAAAAAAAAAAAAAAAAAAAAAAAAAAAAAAAAAAAAAFAAAADwAAAAAAAAAAAAAAAAAAAkUAAAAAQAAABQAAAAUAAAAFAAAAAEAAAAAAAAAZAAAAGQAAAAAAAAAZAAAAGQAAAAVAAAAYAAAAAAAAAAAAAAADwAAACADAAAAAAAAAAAAAAEAAACgMgAAVgcAAKr4//8BAAAAf39/AAEAAABkAAAAAAAAABQAAABAHwAAAAAAACYAAAAAAAAAwOD//wAAAAAmAAAAZAAAABYAAABMAAAAAAAAAAAAAAAEAAAAAAAAAAEAAACAgIAKAAAAACgAAAAoAAAAZAAAAGQAAAAAAAAAzMzMAAAAAABQAAAAUAAAAGQAAABkAAAAAAAAAAcAAAA4AAAAAAAAAAAAAAAAAAAA////AAAAAAAAAAAAAAAAAAAAAAAAAAAAAAAAAAAAAABkAAAAZAAAAAAAAAAjAAAABAAAAGQAAAAXAAAAFAAAAAAAAAAAAAAA/38AAP9/AAAAAAAACQAAAAQAAAAAAAAADAAAABAAAAAAAAAAAAAAAAAAAAAAAAAAHgAAAGgAAAAAAAAAAAAAAAAAAAAAAAAAAAAAABAnAAAQJwAAAAAAAAAAAAAAAAAAAAAAAAAAAAAAAAAAAAAAAAAAAAAUAAAAAAAAAMDA/wAAAAAAZAAAADIAAAAAAAAAZAAAAAAAAAB/f38ACgAAAB8AAABUAAAAu+DjBf///wEAAAAAAAAAAAAAAAAAAAAAAAAAAAAAAAAAAAAAAAAAAAAAAAJ/f38AgICAA8zMzADAwP8Af39/AAAAAAAAAAAAAAAAAP///wAAAAAAIQAAABgAAAAUAAAAUQAAAEUCAABmQQAAvisAAAAAAAAmAAAACAAAAP//////////"/>
               </a:ext>
             </a:extLst>
           </p:cNvPicPr>
@@ -4250,8 +4250,8 @@
         </p:blipFill>
         <p:spPr>
           <a:xfrm>
-            <a:off x="51435" y="146685"/>
-            <a:ext cx="10612120" cy="5521960"/>
+            <a:off x="51435" y="368935"/>
+            <a:ext cx="10579735" cy="6741795"/>
           </a:xfrm>
           <a:prstGeom prst="rect">
             <a:avLst/>

--- a/doc/spec/log_parser.pptx
+++ b/doc/spec/log_parser.pptx
@@ -237,7 +237,7 @@
             <a:spLocks noGrp="1" noChangeArrowheads="1"/>
             <a:extLst>
               <a:ext uri="smNativeData">
-                <pr:smNativeData xmlns:pr="smNativeData" val="SMDATA_13_3GgiXxMAAAAlAAAAZAAAAA8BAAAAkAAAAEgAAACQAAAASAAAAAAAAAABAAAAAAAAAAEAAABQAAAAAAAAAAAA4D8AAAAAAADgPwAAAAAAAOA/AAAAAAAA4D8AAAAAAADgPwAAAAAAAOA/AAAAAAAA4D8AAAAAAADgPwAAAAAAAOA/AAAAAAAA4D8CAAAAjAAAAAAAAAAAAAAAu+DjDP///wgAAAAAAAAAAAAAAAAAAAAAAAAAAAAAAAAAAAAAZAAAAAEAAABAAAAAAAAAAAAAAAAAAAAAAAAAAAAAAAAAAAAAAAAAAAAAAAAAAAAAAAAAAAAAAAAAAAAAAAAAAAAAAAAAAAAAAAAAAAAAAAAAAAAAAAAAAAAAAAAAAAAAFAAAADwAAAAAAAAAAAAAAAAAAAkUAAAAAQAAABQAAAAUAAAAFAAAAAEAAAAAAAAAZAAAAGQAAAAAAAAAZAAAAGQAAAAVAAAAYAAAAAAAAAAAAAAADwAAACADAAAAAAAAAAAAAAEAAACgMgAAVgcAAKr4//8BAAAAf39/AAEAAABkAAAAAAAAABQAAABAHwAAAAAAACYAAAAAAAAAwOD//wAAAAAmAAAAZAAAABYAAABMAAAAAAAAAAAAAAAEAAAAAAAAAAEAAACAgIAKAAAAACgAAAAoAAAAZAAAAGQAAAAAAAAAzMzMAAAAAABQAAAAUAAAAGQAAABkAAAAAAAAABcAAAAUAAAAAAAAAAAAAAD/fwAA/38AAAAAAAAJAAAABAAAAAAAAAAMAAAAEAAAAAAAAAAAAAAAAAAAAAAAAAAeAAAAaAAAAAAAAAAAAAAAAAAAAAAAAAAAAAAAECcAABAnAAAAAAAAAAAAAAAAAAAAAAAAAAAAAAAAAAAAAAAAAAAAABQAAAAAAAAAwMD/AAAAAABkAAAAMgAAAAAAAABkAAAAAAAAAH9/fwAKAAAAHwAAAFQAAAAAAAAFAAAAAQAAAAAAAAAAAAAAAAAAAAAAAAAAAAAAAAAAAAAAAAAAAAAAAn9/fwAAAAADzMzMAMDA/wB/f38AAAAAAAAAAAAAAAAAAAAAAAAAAAAhAAAAGAAAABQAAADvBAAAcQ4AANk8AABrGAAAEAAAACYAAAAIAAAAAQAAAAAAAAA="/>
+                <pr:smNativeData xmlns:pr="smNativeData" val="SMDATA_13_ahOSXxMAAAAlAAAAZAAAAA8BAAAAkAAAAEgAAACQAAAASAAAAAAAAAABAAAAAAAAAAEAAABQAAAAAAAAAAAA4D8AAAAAAADgPwAAAAAAAOA/AAAAAAAA4D8AAAAAAADgPwAAAAAAAOA/AAAAAAAA4D8AAAAAAADgPwAAAAAAAOA/AAAAAAAA4D8CAAAAjAAAAAAAAAAAAAAAu+DjDP///wgAAAAAAAAAAAAAAAAAAAAAAAAAAAAAAAAAAAAAZAAAAAEAAABAAAAAAAAAAAAAAAAAAAAAAAAAAAAAAAAAAAAAAAAAAAAAAAAAAAAAAAAAAAAAAAAAAAAAAAAAAAAAAAAAAAAAAAAAAAAAAAAAAAAAAAAAAAAAAAAAAAAAFAAAADwAAAAAAAAAAAAAAAAAAAkUAAAAAQAAABQAAAAUAAAAFAAAAAEAAAAAAAAAZAAAAGQAAAAAAAAAZAAAAGQAAAAVAAAAYAAAAAAAAAAAAAAADwAAACADAAAAAAAAAAAAAAEAAACgMgAAVgcAAKr4//8BAAAAf39/AAEAAABkAAAAAAAAABQAAABAHwAAAAAAACYAAAAAAAAAwOD//wAAAAAmAAAAZAAAABYAAABMAAAAAAAAAAAAAAAEAAAAAAAAAAEAAACAgIAKAAAAACgAAAAoAAAAZAAAAGQAAAAAAAAAzMzMAAAAAABQAAAAUAAAAGQAAABkAAAAAAAAABcAAAAUAAAAAAAAAAAAAAD/fwAA/38AAAAAAAAJAAAABAAAAAAAAAAMAAAAEAAAAAAAAAAAAAAAAAAAAAAAAAAeAAAAaAAAAAAAAAAAAAAAAAAAAAAAAAAAAAAAECcAABAnAAAAAAAAAAAAAAAAAAAAAAAAAAAAAAAAAAAAAAAAAAAAABQAAAAAAAAAwMD/AAAAAABkAAAAMgAAAAAAAABkAAAAAAAAAH9/fwAKAAAAHwAAAFQAAAAAAAAFAAAAAQAAAAAAAAAAAAAAAAAAAAAAAAAAAAAAAAAAAAAAAAAAAAAAAn9/fwAAAAADzMzMAMDA/wB/f38AAAAAAAAAAAAAAAAAAAAAAAAAAAAhAAAAGAAAABQAAADvBAAAcQ4AANk8AABrGAAAEAAAACYAAAAIAAAAAQAAAAAAAAA="/>
               </a:ext>
             </a:extLst>
           </p:cNvSpPr>
@@ -269,7 +269,7 @@
             <a:spLocks noGrp="1" noChangeArrowheads="1"/>
             <a:extLst>
               <a:ext uri="smNativeData">
-                <pr:smNativeData xmlns:pr="smNativeData" val="SMDATA_13_3GgiXxMAAAAlAAAAZAAAAA8BAAAAkAAAAEgAAACQAAAASAAAAAAAAAAAAAAAAAAAAAEAAABQAAAAAAAAAAAA4D8AAAAAAADgPwAAAAAAAOA/AAAAAAAA4D8AAAAAAADgPwAAAAAAAOA/AAAAAAAA4D8AAAAAAADgPwAAAAAAAOA/AAAAAAAA4D8CAAAAjAAAAAAAAAAAAAAAu+DjDP///wgAAAAAAAAAAAAAAAAAAAAAAAAAAAAAAAAAAAAAZAAAAAEAAABAAAAAAAAAAAAAAAAAAAAAAAAAAAAAAAAAAAAAAAAAAAAAAAAAAAAAAAAAAAAAAAAAAAAAAAAAAAAAAAAAAAAAAAAAAAAAAAAAAAAAAAAAAAAAAAAAAAAAFAAAADwAAAAAAAAAAAAAAAAAAAkUAAAAAQAAABQAAAAUAAAAFAAAAAEAAAAAAAAAZAAAAGQAAAAAAAAAZAAAAGQAAAAVAAAAYAAAAAAAAAAAAAAADwAAACADAAAAAAAAAAAAAAEAAACgMgAAVgcAAKr4//8BAAAAf39/AAEAAABkAAAAAAAAABQAAABAHwAAAAAAACYAAAAAAAAAwOD//wAAAAAmAAAAZAAAABYAAABMAAAAAAAAAAAAAAAEAAAAAAAAAAEAAACAgIAKAAAAACgAAAAoAAAAZAAAAGQAAAAAAAAAzMzMAAAAAABQAAAAUAAAAGQAAABkAAAAAAAAABcAAAAUAAAAAAAAAAAAAAD/fwAA/38AAAAAAAAJAAAABAAAAAAAAAAMAAAAEAAAAAAAAAAAAAAAAAAAAAAAAAAeAAAAaAAAAAAAAAAAAAAAAAAAAAAAAAAAAAAAECcAABAnAAAAAAAAAAAAAAAAAAAAAAAAAAAAAAAAAAAAAAAAAAAAABQAAAAAAAAAwMD/AAAAAABkAAAAMgAAAAAAAABkAAAAAAAAAH9/fwAKAAAAHwAAAFQAAAAAAAAFAAAAAQAAAAAAAAAAAAAAAAAAAAAAAAAAAAAAAAAAAAAAAAAAAAAAAn9/fwAAAAADzMzMAMDA/wB/f38AAAAAAAAAAAAAAAAAAAAAAAAAAAAhAAAAGAAAABQAAADeCQAAWxoAAOo3AAA+JgAAEAAAACYAAAAIAAAAAYAAAAAAAAA="/>
+                <pr:smNativeData xmlns:pr="smNativeData" val="SMDATA_13_ahOSXxMAAAAlAAAAZAAAAA8BAAAAkAAAAEgAAACQAAAASAAAAAAAAAAAAAAAAAAAAAEAAABQAAAAAAAAAAAA4D8AAAAAAADgPwAAAAAAAOA/AAAAAAAA4D8AAAAAAADgPwAAAAAAAOA/AAAAAAAA4D8AAAAAAADgPwAAAAAAAOA/AAAAAAAA4D8CAAAAjAAAAAAAAAAAAAAAu+DjDP///wgAAAAAAAAAAAAAAAAAAAAAAAAAAAAAAAAAAAAAZAAAAAEAAABAAAAAAAAAAAAAAAAAAAAAAAAAAAAAAAAAAAAAAAAAAAAAAAAAAAAAAAAAAAAAAAAAAAAAAAAAAAAAAAAAAAAAAAAAAAAAAAAAAAAAAAAAAAAAAAAAAAAAFAAAADwAAAAAAAAAAAAAAAAAAAkUAAAAAQAAABQAAAAUAAAAFAAAAAEAAAAAAAAAZAAAAGQAAAAAAAAAZAAAAGQAAAAVAAAAYAAAAAAAAAAAAAAADwAAACADAAAAAAAAAAAAAAEAAACgMgAAVgcAAKr4//8BAAAAf39/AAEAAABkAAAAAAAAABQAAABAHwAAAAAAACYAAAAAAAAAwOD//wAAAAAmAAAAZAAAABYAAABMAAAAAAAAAAAAAAAEAAAAAAAAAAEAAACAgIAKAAAAACgAAAAoAAAAZAAAAGQAAAAAAAAAzMzMAAAAAABQAAAAUAAAAGQAAABkAAAAAAAAABcAAAAUAAAAAAAAAAAAAAD/fwAA/38AAAAAAAAJAAAABAAAAAAAAAAMAAAAEAAAAAAAAAAAAAAAAAAAAAAAAAAeAAAAaAAAAAAAAAAAAAAAAAAAAAAAAAAAAAAAECcAABAnAAAAAAAAAAAAAAAAAAAAAAAAAAAAAAAAAAAAAAAAAAAAABQAAAAAAAAAwMD/AAAAAABkAAAAMgAAAAAAAABkAAAAAAAAAH9/fwAKAAAAHwAAAFQAAAAAAAAFAAAAAQAAAAAAAAAAAAAAAAAAAAAAAAAAAAAAAAAAAAAAAAAAAAAAAn9/fwAAAAADzMzMAMDA/wB/f38AAAAAAAAAAAAAAAAAAAAAAAAAAAAhAAAAGAAAABQAAADeCQAAWxoAAOo3AAA+JgAAEAAAACYAAAAIAAAAAYAAAAAAAAA="/>
               </a:ext>
             </a:extLst>
           </p:cNvSpPr>
@@ -329,7 +329,7 @@
             <a:spLocks noGrp="1" noChangeArrowheads="1"/>
             <a:extLst>
               <a:ext uri="smNativeData">
-                <pr:smNativeData xmlns:pr="smNativeData" val="SMDATA_13_3GgiXxMAAAAlAAAAZAAAAA8BAAAAkAAAAEgAAACQAAAASAAAAAAAAAABAAAAAAAAAAEAAABQAAAAAAAAAAAA4D8AAAAAAADgPwAAAAAAAOA/AAAAAAAA4D8AAAAAAADgPwAAAAAAAOA/AAAAAAAA4D8AAAAAAADgPwAAAAAAAOA/AAAAAAAA4D8CAAAAjAAAAAAAAAAAAAAAu+DjDP///wgAAAAAAAAAAAAAAAAAAAAAAAAAAAAAAAAAAAAAZAAAAAEAAABAAAAAAAAAAAAAAAAAAAAAAAAAAAAAAAAAAAAAAAAAAAAAAAAAAAAAAAAAAAAAAAAAAAAAAAAAAAAAAAAAAAAAAAAAAAAAAAAAAAAAAAAAAAAAAAAAAAAAFAAAADwAAAAAAAAAAAAAAAAAAAkUAAAAAQAAABQAAAAUAAAAFAAAAAEAAAAAAAAAZAAAAGQAAAAAAAAAZAAAAGQAAAAVAAAAYAAAAAAAAAAAAAAADwAAACADAAAAAAAAAAAAAAEAAACgMgAAVgcAAKr4//8BAAAAf39/AAEAAABkAAAAAAAAABQAAABAHwAAAAAAACYAAAAAAAAAwOD//wAAAAAmAAAAZAAAABYAAABMAAAAAAAAAAAAAAAEAAAAAAAAAAEAAACAgIAKAAAAACgAAAAoAAAAZAAAAGQAAAAAAAAAzMzMAAAAAABQAAAAUAAAAGQAAABkAAAAAAAAABcAAAAUAAAAAAAAAAAAAAD/fwAA/38AAAAAAAAJAAAABAAAAIKk44MMAAAAEAAAAAAAAAAAAAAAAAAAAAAAAAAeAAAAaAAAAAAAAAAAAAAAAAAAAAAAAAAAAAAAECcAABAnAAAAAAAAAAAAAAAAAAAAAAAAAAAAAAAAAAAAAAAAAAAAABQAAAAAAAAAwMD/AAAAAABkAAAAMgAAAAAAAABkAAAAAAAAAH9/fwAKAAAAHwAAAFQAAAAAAAAFAAAAAQAAAAAAAAAAAAAAAAAAAAAAAAAAAAAAAAAAAAAAAAAAAAAAAn9/fwAAAAADzMzMAMDA/wB/f38AAAAAAAAAAAAAAAAAAAAAAAAAAAAhAAAAGAAAABQAAABKAwAAHSsAAKMSAACVLQAAEAAAACYAAAAIAAAAAAAAAAAAAAA="/>
+                <pr:smNativeData xmlns:pr="smNativeData" val="SMDATA_13_ahOSXxMAAAAlAAAAZAAAAA8BAAAAkAAAAEgAAACQAAAASAAAAAAAAAABAAAAAAAAAAEAAABQAAAAAAAAAAAA4D8AAAAAAADgPwAAAAAAAOA/AAAAAAAA4D8AAAAAAADgPwAAAAAAAOA/AAAAAAAA4D8AAAAAAADgPwAAAAAAAOA/AAAAAAAA4D8CAAAAjAAAAAAAAAAAAAAAu+DjDP///wgAAAAAAAAAAAAAAAAAAAAAAAAAAAAAAAAAAAAAZAAAAAEAAABAAAAAAAAAAAAAAAAAAAAAAAAAAAAAAAAAAAAAAAAAAAAAAAAAAAAAAAAAAAAAAAAAAAAAAAAAAAAAAAAAAAAAAAAAAAAAAAAAAAAAAAAAAAAAAAAAAAAAFAAAADwAAAAAAAAAAAAAAAAAAAkUAAAAAQAAABQAAAAUAAAAFAAAAAEAAAAAAAAAZAAAAGQAAAAAAAAAZAAAAGQAAAAVAAAAYAAAAAAAAAAAAAAADwAAACADAAAAAAAAAAAAAAEAAACgMgAAVgcAAKr4//8BAAAAf39/AAEAAABkAAAAAAAAABQAAABAHwAAAAAAACYAAAAAAAAAwOD//wAAAAAmAAAAZAAAABYAAABMAAAAAAAAAAAAAAAEAAAAAAAAAAEAAACAgIAKAAAAACgAAAAoAAAAZAAAAGQAAAAAAAAAzMzMAAAAAABQAAAAUAAAAGQAAABkAAAAAAAAABcAAAAUAAAAAAAAAAAAAAD/fwAA/38AAAAAAAAJAAAABAAAAIKk44MMAAAAEAAAAAAAAAAAAAAAAAAAAAAAAAAeAAAAaAAAAAAAAAAAAAAAAAAAAAAAAAAAAAAAECcAABAnAAAAAAAAAAAAAAAAAAAAAAAAAAAAAAAAAAAAAAAAAAAAABQAAAAAAAAAwMD/AAAAAABkAAAAMgAAAAAAAABkAAAAAAAAAH9/fwAKAAAAHwAAAFQAAAAAAAAFAAAAAQAAAAAAAAAAAAAAAAAAAAAAAAAAAAAAAAAAAAAAAAAAAAAAAn9/fwAAAAADzMzMAMDA/wB/f38AAAAAAAAAAAAAAAAAAAAAAAAAAAAhAAAAGAAAABQAAABKAwAAHSsAAKMSAACVLQAAEAAAACYAAAAIAAAAAAAAAAAAAAA="/>
               </a:ext>
             </a:extLst>
           </p:cNvSpPr>
@@ -343,7 +343,7 @@
           <a:lstStyle/>
           <a:p>
             <a:pPr/>
-            <a:fld id="{20731344-0ACD-26E5-83CB-FCB05D8575A9}" type="datetime1">
+            <a:fld id="{B29EFE09-475F-CB08-1126-B15DB068E7E4}" type="datetime1">
               <a:t/>
             </a:fld>
           </a:p>
@@ -356,7 +356,7 @@
             <a:spLocks noGrp="1" noChangeArrowheads="1"/>
             <a:extLst>
               <a:ext uri="smNativeData">
-                <pr:smNativeData xmlns:pr="smNativeData" val="SMDATA_13_3GgiXxMAAAAlAAAAZAAAAA8BAAAAkAAAAEgAAACQAAAASAAAAAAAAAABAAAAAAAAAAEAAABQAAAAAAAAAAAA4D8AAAAAAADgPwAAAAAAAOA/AAAAAAAA4D8AAAAAAADgPwAAAAAAAOA/AAAAAAAA4D8AAAAAAADgPwAAAAAAAOA/AAAAAAAA4D8CAAAAjAAAAAAAAAAAAAAAu+DjDP///wgAAAAAAAAAAAAAAAAAAAAAAAAAAAAAAAAAAAAAZAAAAAEAAABAAAAAAAAAAAAAAAAAAAAAAAAAAAAAAAAAAAAAAAAAAAAAAAAAAAAAAAAAAAAAAAAAAAAAAAAAAAAAAAAAAAAAAAAAAAAAAAAAAAAAAAAAAAAAAAAAAAAAFAAAADwAAAAAAAAAAAAAAAAAAAkUAAAAAQAAABQAAAAUAAAAFAAAAAEAAAAAAAAAZAAAAGQAAAAAAAAAZAAAAGQAAAAVAAAAYAAAAAAAAAAAAAAADwAAACADAAAAAAAAAAAAAAEAAACgMgAAVgcAAKr4//8BAAAAf39/AAEAAABkAAAAAAAAABQAAABAHwAAAAAAACYAAAAAAAAAwOD//wAAAAAmAAAAZAAAABYAAABMAAAAAAAAAAAAAAAEAAAAAAAAAAEAAACAgIAKAAAAACgAAAAoAAAAZAAAAGQAAAAAAAAAzMzMAAAAAABQAAAAUAAAAGQAAABkAAAAAAAAABcAAAAUAAAAAAAAAAAAAAD/fwAA/38AAAAAAAAJAAAABAAAAAAAAAAMAAAAEAAAAAAAAAAAAAAAAAAAAAAAAAAeAAAAaAAAAAAAAAAAAAAAAAAAAAAAAAAAAAAAECcAABAnAAAAAAAAAAAAAAAAAAAAAAAAAAAAAAAAAAAAAAAAAAAAABQAAAAAAAAAwMD/AAAAAABkAAAAMgAAAAAAAABkAAAAAAAAAH9/fwAKAAAAHwAAAFQAAAAAAAAFAAAAAQAAAAAAAAAAAAAAAAAAAAAAAAAAAAAAAAAAAAAAAAAAAAAAAn9/fwAAAAADzMzMAMDA/wB/f38AAAAAAAAAAAAAAAAAAAAAAAAAAAAhAAAAGAAAABQAAAB5FgAAHSsAAE4rAACVLQAAEAAAACYAAAAIAAAAAAAAAAAAAAA="/>
+                <pr:smNativeData xmlns:pr="smNativeData" val="SMDATA_13_ahOSXxMAAAAlAAAAZAAAAA8BAAAAkAAAAEgAAACQAAAASAAAAAAAAAABAAAAAAAAAAEAAABQAAAAAAAAAAAA4D8AAAAAAADgPwAAAAAAAOA/AAAAAAAA4D8AAAAAAADgPwAAAAAAAOA/AAAAAAAA4D8AAAAAAADgPwAAAAAAAOA/AAAAAAAA4D8CAAAAjAAAAAAAAAAAAAAAu+DjDP///wgAAAAAAAAAAAAAAAAAAAAAAAAAAAAAAAAAAAAAZAAAAAEAAABAAAAAAAAAAAAAAAAAAAAAAAAAAAAAAAAAAAAAAAAAAAAAAAAAAAAAAAAAAAAAAAAAAAAAAAAAAAAAAAAAAAAAAAAAAAAAAAAAAAAAAAAAAAAAAAAAAAAAFAAAADwAAAAAAAAAAAAAAAAAAAkUAAAAAQAAABQAAAAUAAAAFAAAAAEAAAAAAAAAZAAAAGQAAAAAAAAAZAAAAGQAAAAVAAAAYAAAAAAAAAAAAAAADwAAACADAAAAAAAAAAAAAAEAAACgMgAAVgcAAKr4//8BAAAAf39/AAEAAABkAAAAAAAAABQAAABAHwAAAAAAACYAAAAAAAAAwOD//wAAAAAmAAAAZAAAABYAAABMAAAAAAAAAAAAAAAEAAAAAAAAAAEAAACAgIAKAAAAACgAAAAoAAAAZAAAAGQAAAAAAAAAzMzMAAAAAABQAAAAUAAAAGQAAABkAAAAAAAAABcAAAAUAAAAAAAAAAAAAAD/fwAA/38AAAAAAAAJAAAABAAAAAAAAAAMAAAAEAAAAAAAAAAAAAAAAAAAAAAAAAAeAAAAaAAAAAAAAAAAAAAAAAAAAAAAAAAAAAAAECcAABAnAAAAAAAAAAAAAAAAAAAAAAAAAAAAAAAAAAAAAAAAAAAAABQAAAAAAAAAwMD/AAAAAABkAAAAMgAAAAAAAABkAAAAAAAAAH9/fwAKAAAAHwAAAFQAAAAAAAAFAAAAAQAAAAAAAAAAAAAAAAAAAAAAAAAAAAAAAAAAAAAAAAAAAAAAAn9/fwAAAAADzMzMAMDA/wB/f38AAAAAAAAAAAAAAAAAAAAAAAAAAAAhAAAAGAAAABQAAAB5FgAAHSsAAE4rAACVLQAAEAAAACYAAAAIAAAAAAAAAAAAAAA="/>
               </a:ext>
             </a:extLst>
           </p:cNvSpPr>
@@ -370,9 +370,6 @@
           <a:lstStyle/>
           <a:p>
             <a:pPr/>
-            <a:r>
-              <a:t/>
-            </a:r>
           </a:p>
         </p:txBody>
       </p:sp>
@@ -383,7 +380,7 @@
             <a:spLocks noGrp="1" noChangeArrowheads="1"/>
             <a:extLst>
               <a:ext uri="smNativeData">
-                <pr:smNativeData xmlns:pr="smNativeData" val="SMDATA_13_3GgiXxMAAAAlAAAAZAAAAA8BAAAAkAAAAEgAAACQAAAASAAAAAAAAAABAAAAAAAAAAEAAABQAAAAAAAAAAAA4D8AAAAAAADgPwAAAAAAAOA/AAAAAAAA4D8AAAAAAADgPwAAAAAAAOA/AAAAAAAA4D8AAAAAAADgPwAAAAAAAOA/AAAAAAAA4D8CAAAAjAAAAAAAAAAAAAAAu+DjDP///wgAAAAAAAAAAAAAAAAAAAAAAAAAAAAAAAAAAAAAZAAAAAEAAABAAAAAAAAAAAAAAAAAAAAAAAAAAAAAAAAAAAAAAAAAAAAAAAAAAAAAAAAAAAAAAAAAAAAAAAAAAAAAAAAAAAAAAAAAAAAAAAAAAAAAAAAAAAAAAAAAAAAAFAAAADwAAAAAAAAAAAAAAAAAAAkUAAAAAQAAABQAAAAUAAAAFAAAAAEAAAAAAAAAZAAAAGQAAAAAAAAAZAAAAGQAAAAVAAAAYAAAAAAAAAAAAAAADwAAACADAAAAAAAAAAAAAAEAAACgMgAAVgcAAKr4//8BAAAAf39/AAEAAABkAAAAAAAAABQAAABAHwAAAAAAACYAAAAAAAAAwOD//wAAAAAmAAAAZAAAABYAAABMAAAAAAAAAAAAAAAEAAAAAAAAAAEAAACAgIAKAAAAACgAAAAoAAAAZAAAAGQAAAAAAAAAzMzMAAAAAABQAAAAUAAAAGQAAABkAAAAAAAAABcAAAAUAAAAAAAAAAAAAAD/fwAA/38AAAAAAAAJAAAABAAAAAAAAAAMAAAAEAAAAAAAAAAAAAAAAAAAAAAAAAAeAAAAaAAAAAAAAAAAAAAAAAAAAAAAAAAAAAAAECcAABAnAAAAAAAAAAAAAAAAAAAAAAAAAAAAAAAAAAAAAAAAAAAAABQAAAAAAAAAwMD/AAAAAABkAAAAMgAAAAAAAABkAAAAAAAAAH9/fwAKAAAAHwAAAFQAAAAAAAAFAAAAAQAAAAAAAAAAAAAAAAAAAAAAAAAAAAAAAAAAAAAAAAAAAAAAAn9/fwAAAAADzMzMAMDA/wB/f38AAAAAAAAAAAAAAAAAAAAAAAAAAAAhAAAAGAAAABQAAAAkLwAAHSsAAH4+AACVLQAAEAAAACYAAAAIAAAAAAAAAAAAAAA="/>
+                <pr:smNativeData xmlns:pr="smNativeData" val="SMDATA_13_ahOSXxMAAAAlAAAAZAAAAA8BAAAAkAAAAEgAAACQAAAASAAAAAAAAAABAAAAAAAAAAEAAABQAAAAAAAAAAAA4D8AAAAAAADgPwAAAAAAAOA/AAAAAAAA4D8AAAAAAADgPwAAAAAAAOA/AAAAAAAA4D8AAAAAAADgPwAAAAAAAOA/AAAAAAAA4D8CAAAAjAAAAAAAAAAAAAAAu+DjDP///wgAAAAAAAAAAAAAAAAAAAAAAAAAAAAAAAAAAAAAZAAAAAEAAABAAAAAAAAAAAAAAAAAAAAAAAAAAAAAAAAAAAAAAAAAAAAAAAAAAAAAAAAAAAAAAAAAAAAAAAAAAAAAAAAAAAAAAAAAAAAAAAAAAAAAAAAAAAAAAAAAAAAAFAAAADwAAAAAAAAAAAAAAAAAAAkUAAAAAQAAABQAAAAUAAAAFAAAAAEAAAAAAAAAZAAAAGQAAAAAAAAAZAAAAGQAAAAVAAAAYAAAAAAAAAAAAAAADwAAACADAAAAAAAAAAAAAAEAAACgMgAAVgcAAKr4//8BAAAAf39/AAEAAABkAAAAAAAAABQAAABAHwAAAAAAACYAAAAAAAAAwOD//wAAAAAmAAAAZAAAABYAAABMAAAAAAAAAAAAAAAEAAAAAAAAAAEAAACAgIAKAAAAACgAAAAoAAAAZAAAAGQAAAAAAAAAzMzMAAAAAABQAAAAUAAAAGQAAABkAAAAAAAAABcAAAAUAAAAAAAAAAAAAAD/fwAA/38AAAAAAAAJAAAABAAAAAAAAAAMAAAAEAAAAAAAAAAAAAAAAAAAAAAAAAAeAAAAaAAAAAAAAAAAAAAAAAAAAAAAAAAAAAAAECcAABAnAAAAAAAAAAAAAAAAAAAAAAAAAAAAAAAAAAAAAAAAAAAAABQAAAAAAAAAwMD/AAAAAABkAAAAMgAAAAAAAABkAAAAAAAAAH9/fwAKAAAAHwAAAFQAAAAAAAAFAAAAAQAAAAAAAAAAAAAAAAAAAAAAAAAAAAAAAAAAAAAAAAAAAAAAAn9/fwAAAAADzMzMAMDA/wB/f38AAAAAAAAAAAAAAAAAAAAAAAAAAAAhAAAAGAAAABQAAAAkLwAAHSsAAH4+AACVLQAAEAAAACYAAAAIAAAAAAAAAAAAAAA="/>
               </a:ext>
             </a:extLst>
           </p:cNvSpPr>
@@ -397,7 +394,7 @@
           <a:lstStyle/>
           <a:p>
             <a:pPr/>
-            <a:fld id="{20735D72-3CCD-26AB-83CB-CAFE1385759F}" type="slidenum">
+            <a:fld id="{B29EC35D-135F-CB35-1126-E5608D68E7B0}" type="slidenum">
               <a:t/>
             </a:fld>
           </a:p>
@@ -435,7 +432,7 @@
             <a:spLocks noGrp="1" noChangeArrowheads="1"/>
             <a:extLst>
               <a:ext uri="smNativeData">
-                <pr:smNativeData xmlns:pr="smNativeData" val="SMDATA_13_3GgiXxMAAAAlAAAAZAAAAA8BAAAAkAAAAEgAAACQAAAASAAAAAAAAAABAAAAAAAAAAEAAABQAAAAAAAAAAAA4D8AAAAAAADgPwAAAAAAAOA/AAAAAAAA4D8AAAAAAADgPwAAAAAAAOA/AAAAAAAA4D8AAAAAAADgPwAAAAAAAOA/AAAAAAAA4D8CAAAAjAAAAAAAAAAAAAAAu+DjDP///wgAAAAAAAAAAAAAAAAAAAAAAAAAAAAAAAAAAAAAZAAAAAEAAABAAAAAAAAAAAAAAAAAAAAAAAAAAAAAAAAAAAAAAAAAAAAAAAAAAAAAAAAAAAAAAAAAAAAAAAAAAAAAAAAAAAAAAAAAAAAAAAAAAAAAAAAAAAAAAAAAAAAAFAAAADwAAAAAAAAAAAAAAAAAAAkUAAAAAQAAABQAAAAUAAAAFAAAAAEAAAAAAAAAZAAAAGQAAAAAAAAAZAAAAGQAAAAVAAAAYAAAAAAAAAAAAAAADwAAACADAAAAAAAAAAAAAAEAAACgMgAAVgcAAKr4//8BAAAAf39/AAEAAABkAAAAAAAAABQAAABAHwAAAAAAACYAAAAAAAAAwOD//wAAAAAmAAAAZAAAABYAAABMAAAAAAAAAAAAAAAEAAAAAAAAAAEAAACAgIAKAAAAACgAAAAoAAAAZAAAAGQAAAAAAAAAzMzMAAAAAABQAAAAUAAAAGQAAABkAAAAAAAAABcAAAAUAAAAAAAAAAAAAAD/fwAA/38AAAAAAAAJAAAABAAAAGQAAAAMAAAAEAAAAAAAAAAAAAAAAAAAAAAAAAAeAAAAaAAAAAAAAAAAAAAAAAAAAAAAAAAAAAAAECcAABAnAAAAAAAAAAAAAAAAAAAAAAAAAAAAAAAAAAAAAAAAAAAAABQAAAAAAAAAwMD/AAAAAABkAAAAMgAAAAAAAABkAAAAAAAAAH9/fwAKAAAAHwAAAFQAAAAAAAAFAAAAAQAAAAAAAAAAAAAAAAAAAAAAAAAAAAAAAAAAAAAAAAAAAAAAAn9/fwAAAAADzMzMAMDA/wB/f38AAAAAAAAAAAAAAAAAAAAAAAAAAAAhAAAAGAAAABQAAABKAwAA3AEAAH4+AACcCQAAEAAAACYAAAAIAAAAAAAAAAAAAAA="/>
+                <pr:smNativeData xmlns:pr="smNativeData" val="SMDATA_13_ahOSXxMAAAAlAAAAZAAAAA8BAAAAkAAAAEgAAACQAAAASAAAAAAAAAABAAAAAAAAAAEAAABQAAAAAAAAAAAA4D8AAAAAAADgPwAAAAAAAOA/AAAAAAAA4D8AAAAAAADgPwAAAAAAAOA/AAAAAAAA4D8AAAAAAADgPwAAAAAAAOA/AAAAAAAA4D8CAAAAjAAAAAAAAAAAAAAAu+DjDP///wgAAAAAAAAAAAAAAAAAAAAAAAAAAAAAAAAAAAAAZAAAAAEAAABAAAAAAAAAAAAAAAAAAAAAAAAAAAAAAAAAAAAAAAAAAAAAAAAAAAAAAAAAAAAAAAAAAAAAAAAAAAAAAAAAAAAAAAAAAAAAAAAAAAAAAAAAAAAAAAAAAAAAFAAAADwAAAAAAAAAAAAAAAAAAAkUAAAAAQAAABQAAAAUAAAAFAAAAAEAAAAAAAAAZAAAAGQAAAAAAAAAZAAAAGQAAAAVAAAAYAAAAAAAAAAAAAAADwAAACADAAAAAAAAAAAAAAEAAACgMgAAVgcAAKr4//8BAAAAf39/AAEAAABkAAAAAAAAABQAAABAHwAAAAAAACYAAAAAAAAAwOD//wAAAAAmAAAAZAAAABYAAABMAAAAAAAAAAAAAAAEAAAAAAAAAAEAAACAgIAKAAAAACgAAAAoAAAAZAAAAGQAAAAAAAAAzMzMAAAAAABQAAAAUAAAAGQAAABkAAAAAAAAABcAAAAUAAAAAAAAAAAAAAD/fwAA/38AAAAAAAAJAAAABAAAAGQAAAAMAAAAEAAAAAAAAAAAAAAAAAAAAAAAAAAeAAAAaAAAAAAAAAAAAAAAAAAAAAAAAAAAAAAAECcAABAnAAAAAAAAAAAAAAAAAAAAAAAAAAAAAAAAAAAAAAAAAAAAABQAAAAAAAAAwMD/AAAAAABkAAAAMgAAAAAAAABkAAAAAAAAAH9/fwAKAAAAHwAAAFQAAAAAAAAFAAAAAQAAAAAAAAAAAAAAAAAAAAAAAAAAAAAAAAAAAAAAAAAAAAAAAn9/fwAAAAADzMzMAMDA/wB/f38AAAAAAAAAAAAAAAAAAAAAAAAAAAAhAAAAGAAAABQAAABKAwAA3AEAAH4+AACcCQAAEAAAACYAAAAIAAAAAAAAAAAAAAA="/>
               </a:ext>
             </a:extLst>
           </p:cNvSpPr>
@@ -462,7 +459,7 @@
             <a:spLocks noGrp="1" noChangeArrowheads="1"/>
             <a:extLst>
               <a:ext uri="smNativeData">
-                <pr:smNativeData xmlns:pr="smNativeData" val="SMDATA_13_3GgiXxMAAAAlAAAAZAAAAA8BAAAAkAAAAEgAAACQAAAASAAAAAAAAAAAAAAAAQAAAAEAAABQAAAAAAAAAAAA4D8AAAAAAADgPwAAAAAAAOA/AAAAAAAA4D8AAAAAAADgPwAAAAAAAOA/AAAAAAAA4D8AAAAAAADgPwAAAAAAAOA/AAAAAAAA4D8CAAAAjAAAAAAAAAAAAAAAu+DjDP///wgAAAAAAAAAAAAAAAAAAAAAAAAAAAAAAAAAAAAAZAAAAAEAAABAAAAAAAAAAAAAAAAAAAAAAAAAAAAAAAAAAAAAAAAAAAAAAAAAAAAAAAAAAAAAAAAAAAAAAAAAAAAAAAAAAAAAAAAAAAAAAAAAAAAAAAAAAAAAAAAAAAAAFAAAADwAAAAAAAAAAAAAAAAAAAkUAAAAAQAAABQAAAAUAAAAFAAAAAEAAAAAAAAAZAAAAGQAAAAAAAAAZAAAAGQAAAAVAAAAYAAAAAAAAAAAAAAADwAAACADAAAAAAAAAAAAAAEAAACgMgAAVgcAAKr4//8BAAAAf39/AAEAAABkAAAAAAAAABQAAABAHwAAAAAAACYAAAAAAAAAwOD//wAAAAAmAAAAZAAAABYAAABMAAAAAAAAAAAAAAAEAAAAAAAAAAEAAACAgIAKAAAAACgAAAAoAAAAZAAAAGQAAAAAAAAAzMzMAAAAAABQAAAAUAAAAGQAAABkAAAAAAAAABcAAAAUAAAAAAAAAAAAAAD/fwAA/38AAAAAAAAJAAAABAAAAH9/fwAMAAAAEAAAAAAAAAAAAAAAAAAAAAAAAAAeAAAAaAAAAAAAAAAAAAAAAAAAAAAAAAAAAAAAECcAABAnAAAAAAAAAAAAAAAAAAAAAAAAAAAAAAAAAAAAAAAAAAAAABQAAAAAAAAAwMD/AAAAAABkAAAAMgAAAAAAAABkAAAAAAAAAH9/fwAKAAAAHwAAAFQAAAAAAAAFAAAAAQAAAAAAAAAAAAAAAAAAAAAAAAAAAAAAAAAAAAAAAAAAAAAAAn9/fwAAAAADzMzMAMDA/wB/f38AAAAAAAAAAAAAAAAAAAAAAAAAAAAhAAAAGAAAABQAAABKAwAA2goAAH4+AACMKQAAEAAAACYAAAAIAAAAAgAAAAAAAAA="/>
+                <pr:smNativeData xmlns:pr="smNativeData" val="SMDATA_13_ahOSXxMAAAAlAAAAZAAAAA8BAAAAkAAAAEgAAACQAAAASAAAAAAAAAAAAAAAAQAAAAEAAABQAAAAAAAAAAAA4D8AAAAAAADgPwAAAAAAAOA/AAAAAAAA4D8AAAAAAADgPwAAAAAAAOA/AAAAAAAA4D8AAAAAAADgPwAAAAAAAOA/AAAAAAAA4D8CAAAAjAAAAAAAAAAAAAAAu+DjDP///wgAAAAAAAAAAAAAAAAAAAAAAAAAAAAAAAAAAAAAZAAAAAEAAABAAAAAAAAAAAAAAAAAAAAAAAAAAAAAAAAAAAAAAAAAAAAAAAAAAAAAAAAAAAAAAAAAAAAAAAAAAAAAAAAAAAAAAAAAAAAAAAAAAAAAAAAAAAAAAAAAAAAAFAAAADwAAAAAAAAAAAAAAAAAAAkUAAAAAQAAABQAAAAUAAAAFAAAAAEAAAAAAAAAZAAAAGQAAAAAAAAAZAAAAGQAAAAVAAAAYAAAAAAAAAAAAAAADwAAACADAAAAAAAAAAAAAAEAAACgMgAAVgcAAKr4//8BAAAAf39/AAEAAABkAAAAAAAAABQAAABAHwAAAAAAACYAAAAAAAAAwOD//wAAAAAmAAAAZAAAABYAAABMAAAAAAAAAAAAAAAEAAAAAAAAAAEAAACAgIAKAAAAACgAAAAoAAAAZAAAAGQAAAAAAAAAzMzMAAAAAABQAAAAUAAAAGQAAABkAAAAAAAAABcAAAAUAAAAAAAAAAAAAAD/fwAA/38AAAAAAAAJAAAABAAAAH9/fwAMAAAAEAAAAAAAAAAAAAAAAAAAAAAAAAAeAAAAaAAAAAAAAAAAAAAAAAAAAAAAAAAAAAAAECcAABAnAAAAAAAAAAAAAAAAAAAAAAAAAAAAAAAAAAAAAAAAAAAAABQAAAAAAAAAwMD/AAAAAABkAAAAMgAAAAAAAABkAAAAAAAAAH9/fwAKAAAAHwAAAFQAAAAAAAAFAAAAAQAAAAAAAAAAAAAAAAAAAAAAAAAAAAAAAAAAAAAAAAAAAAAAAn9/fwAAAAADzMzMAMDA/wB/f38AAAAAAAAAAAAAAAAAAAAAAAAAAAAhAAAAGAAAABQAAABKAwAA2goAAH4+AACMKQAAEAAAACYAAAAIAAAAAgAAAAAAAAA="/>
               </a:ext>
             </a:extLst>
           </p:cNvSpPr>
@@ -517,7 +514,7 @@
             <a:spLocks noGrp="1" noChangeArrowheads="1"/>
             <a:extLst>
               <a:ext uri="smNativeData">
-                <pr:smNativeData xmlns:pr="smNativeData" val="SMDATA_13_3GgiXxMAAAAlAAAAZAAAAA8BAAAAkAAAAEgAAACQAAAASAAAAAAAAAABAAAAAAAAAAEAAABQAAAAAAAAAAAA4D8AAAAAAADgPwAAAAAAAOA/AAAAAAAA4D8AAAAAAADgPwAAAAAAAOA/AAAAAAAA4D8AAAAAAADgPwAAAAAAAOA/AAAAAAAA4D8CAAAAjAAAAAAAAAAAAAAAu+DjDP///wgAAAAAAAAAAAAAAAAAAAAAAAAAAAAAAAAAAAAAZAAAAAEAAABAAAAAAAAAAAAAAAAAAAAAAAAAAAAAAAAAAAAAAAAAAAAAAAAAAAAAAAAAAAAAAAAAAAAAAAAAAAAAAAAAAAAAAAAAAAAAAAAAAAAAAAAAAAAAAAAAAAAAFAAAADwAAAAAAAAAAAAAAAAAAAkUAAAAAQAAABQAAAAUAAAAFAAAAAEAAAAAAAAAZAAAAGQAAAAAAAAAZAAAAGQAAAAVAAAAYAAAAAAAAAAAAAAADwAAACADAAAAAAAAAAAAAAEAAACgMgAAVgcAAKr4//8BAAAAf39/AAEAAABkAAAAAAAAABQAAABAHwAAAAAAACYAAAAAAAAAwOD//wAAAAAmAAAAZAAAABYAAABMAAAAAAAAAAAAAAAEAAAAAAAAAAEAAACAgIAKAAAAACgAAAAoAAAAZAAAAGQAAAAAAAAAzMzMAAAAAABQAAAAUAAAAGQAAABkAAAAAAAAABcAAAAUAAAAAAAAAAAAAAD/fwAA/38AAAAAAAAJAAAABAAAAGQAAAAMAAAAEAAAAAAAAAAAAAAAAAAAAAAAAAAeAAAAaAAAAAAAAAAAAAAAAAAAAAAAAAAAAAAAECcAABAnAAAAAAAAAAAAAAAAAAAAAAAAAAAAAAAAAAAAAAAAAAAAABQAAAAAAAAAwMD/AAAAAABkAAAAMgAAAAAAAABkAAAAAAAAAH9/fwAKAAAAHwAAAFQAAAAAAAAFAAAAAQAAAAAAAAAAAAAAAAAAAAAAAAAAAAAAAAAAAAAAAAAAAAAAAn9/fwAAAAADzMzMAMDA/wB/f38AAAAAAAAAAAAAAAAAAAAAAAAAAAAhAAAAGAAAABQAAABKAwAAHSsAAKMSAACVLQAAEAAAACYAAAAIAAAAAAAAAAAAAAA="/>
+                <pr:smNativeData xmlns:pr="smNativeData" val="SMDATA_13_ahOSXxMAAAAlAAAAZAAAAA8BAAAAkAAAAEgAAACQAAAASAAAAAAAAAABAAAAAAAAAAEAAABQAAAAAAAAAAAA4D8AAAAAAADgPwAAAAAAAOA/AAAAAAAA4D8AAAAAAADgPwAAAAAAAOA/AAAAAAAA4D8AAAAAAADgPwAAAAAAAOA/AAAAAAAA4D8CAAAAjAAAAAAAAAAAAAAAu+DjDP///wgAAAAAAAAAAAAAAAAAAAAAAAAAAAAAAAAAAAAAZAAAAAEAAABAAAAAAAAAAAAAAAAAAAAAAAAAAAAAAAAAAAAAAAAAAAAAAAAAAAAAAAAAAAAAAAAAAAAAAAAAAAAAAAAAAAAAAAAAAAAAAAAAAAAAAAAAAAAAAAAAAAAAFAAAADwAAAAAAAAAAAAAAAAAAAkUAAAAAQAAABQAAAAUAAAAFAAAAAEAAAAAAAAAZAAAAGQAAAAAAAAAZAAAAGQAAAAVAAAAYAAAAAAAAAAAAAAADwAAACADAAAAAAAAAAAAAAEAAACgMgAAVgcAAKr4//8BAAAAf39/AAEAAABkAAAAAAAAABQAAABAHwAAAAAAACYAAAAAAAAAwOD//wAAAAAmAAAAZAAAABYAAABMAAAAAAAAAAAAAAAEAAAAAAAAAAEAAACAgIAKAAAAACgAAAAoAAAAZAAAAGQAAAAAAAAAzMzMAAAAAABQAAAAUAAAAGQAAABkAAAAAAAAABcAAAAUAAAAAAAAAAAAAAD/fwAA/38AAAAAAAAJAAAABAAAAGQAAAAMAAAAEAAAAAAAAAAAAAAAAAAAAAAAAAAeAAAAaAAAAAAAAAAAAAAAAAAAAAAAAAAAAAAAECcAABAnAAAAAAAAAAAAAAAAAAAAAAAAAAAAAAAAAAAAAAAAAAAAABQAAAAAAAAAwMD/AAAAAABkAAAAMgAAAAAAAABkAAAAAAAAAH9/fwAKAAAAHwAAAFQAAAAAAAAFAAAAAQAAAAAAAAAAAAAAAAAAAAAAAAAAAAAAAAAAAAAAAAAAAAAAAn9/fwAAAAADzMzMAMDA/wB/f38AAAAAAAAAAAAAAAAAAAAAAAAAAAAhAAAAGAAAABQAAABKAwAAHSsAAKMSAACVLQAAEAAAACYAAAAIAAAAAAAAAAAAAAA="/>
               </a:ext>
             </a:extLst>
           </p:cNvSpPr>
@@ -531,7 +528,7 @@
           <a:lstStyle/>
           <a:p>
             <a:pPr/>
-            <a:fld id="{20731EF0-BECD-26E8-83CB-48BD5085751D}" type="datetime1">
+            <a:fld id="{B29EEC39-775F-CB1A-1126-814FA268E7D4}" type="datetime1">
               <a:t/>
             </a:fld>
           </a:p>
@@ -544,7 +541,7 @@
             <a:spLocks noGrp="1" noChangeArrowheads="1"/>
             <a:extLst>
               <a:ext uri="smNativeData">
-                <pr:smNativeData xmlns:pr="smNativeData" val="SMDATA_13_3GgiXxMAAAAlAAAAZAAAAA8BAAAAkAAAAEgAAACQAAAASAAAAAAAAAABAAAAAAAAAAEAAABQAAAAAAAAAAAA4D8AAAAAAADgPwAAAAAAAOA/AAAAAAAA4D8AAAAAAADgPwAAAAAAAOA/AAAAAAAA4D8AAAAAAADgPwAAAAAAAOA/AAAAAAAA4D8CAAAAjAAAAAAAAAAAAAAAu+DjDP///wgAAAAAAAAAAAAAAAAAAAAAAAAAAAAAAAAAAAAAZAAAAAEAAABAAAAAAAAAAAAAAAAAAAAAAAAAAAAAAAAAAAAAAAAAAAAAAAAAAAAAAAAAAAAAAAAAAAAAAAAAAAAAAAAAAAAAAAAAAAAAAAAAAAAAAAAAAAAAAAAAAAAAFAAAADwAAAAAAAAAAAAAAAAAAAkUAAAAAQAAABQAAAAUAAAAFAAAAAEAAAAAAAAAZAAAAGQAAAAAAAAAZAAAAGQAAAAVAAAAYAAAAAAAAAAAAAAADwAAACADAAAAAAAAAAAAAAEAAACgMgAAVgcAAKr4//8BAAAAf39/AAEAAABkAAAAAAAAABQAAABAHwAAAAAAACYAAAAAAAAAwOD//wAAAAAmAAAAZAAAABYAAABMAAAAAAAAAAAAAAAEAAAAAAAAAAEAAACAgIAKAAAAACgAAAAoAAAAZAAAAGQAAAAAAAAAzMzMAAAAAABQAAAAUAAAAGQAAABkAAAAAAAAABcAAAAUAAAAAAAAAAAAAAD/fwAA/38AAAAAAAAJAAAABAAAAAAAAAAMAAAAEAAAAAAAAAAAAAAAAAAAAAAAAAAeAAAAaAAAAAAAAAAAAAAAAAAAAAAAAAAAAAAAECcAABAnAAAAAAAAAAAAAAAAAAAAAAAAAAAAAAAAAAAAAAAAAAAAABQAAAAAAAAAwMD/AAAAAABkAAAAMgAAAAAAAABkAAAAAAAAAH9/fwAKAAAAHwAAAFQAAAAAAAAFAAAAAQAAAAAAAAAAAAAAAAAAAAAAAAAAAAAAAAAAAAAAAAAAAAAAAn9/fwAAAAADzMzMAMDA/wB/f38AAAAAAAAAAAAAAAAAAAAAAAAAAAAhAAAAGAAAABQAAAB5FgAAHSsAAE4rAACVLQAAEAAAACYAAAAIAAAAAAAAAAAAAAA="/>
+                <pr:smNativeData xmlns:pr="smNativeData" val="SMDATA_13_ahOSXxMAAAAlAAAAZAAAAA8BAAAAkAAAAEgAAACQAAAASAAAAAAAAAABAAAAAAAAAAEAAABQAAAAAAAAAAAA4D8AAAAAAADgPwAAAAAAAOA/AAAAAAAA4D8AAAAAAADgPwAAAAAAAOA/AAAAAAAA4D8AAAAAAADgPwAAAAAAAOA/AAAAAAAA4D8CAAAAjAAAAAAAAAAAAAAAu+DjDP///wgAAAAAAAAAAAAAAAAAAAAAAAAAAAAAAAAAAAAAZAAAAAEAAABAAAAAAAAAAAAAAAAAAAAAAAAAAAAAAAAAAAAAAAAAAAAAAAAAAAAAAAAAAAAAAAAAAAAAAAAAAAAAAAAAAAAAAAAAAAAAAAAAAAAAAAAAAAAAAAAAAAAAFAAAADwAAAAAAAAAAAAAAAAAAAkUAAAAAQAAABQAAAAUAAAAFAAAAAEAAAAAAAAAZAAAAGQAAAAAAAAAZAAAAGQAAAAVAAAAYAAAAAAAAAAAAAAADwAAACADAAAAAAAAAAAAAAEAAACgMgAAVgcAAKr4//8BAAAAf39/AAEAAABkAAAAAAAAABQAAABAHwAAAAAAACYAAAAAAAAAwOD//wAAAAAmAAAAZAAAABYAAABMAAAAAAAAAAAAAAAEAAAAAAAAAAEAAACAgIAKAAAAACgAAAAoAAAAZAAAAGQAAAAAAAAAzMzMAAAAAABQAAAAUAAAAGQAAABkAAAAAAAAABcAAAAUAAAAAAAAAAAAAAD/fwAA/38AAAAAAAAJAAAABAAAAAAAAAAMAAAAEAAAAAAAAAAAAAAAAAAAAAAAAAAeAAAAaAAAAAAAAAAAAAAAAAAAAAAAAAAAAAAAECcAABAnAAAAAAAAAAAAAAAAAAAAAAAAAAAAAAAAAAAAAAAAAAAAABQAAAAAAAAAwMD/AAAAAABkAAAAMgAAAAAAAABkAAAAAAAAAH9/fwAKAAAAHwAAAFQAAAAAAAAFAAAAAQAAAAAAAAAAAAAAAAAAAAAAAAAAAAAAAAAAAAAAAAAAAAAAAn9/fwAAAAADzMzMAMDA/wB/f38AAAAAAAAAAAAAAAAAAAAAAAAAAAAhAAAAGAAAABQAAAB5FgAAHSsAAE4rAACVLQAAEAAAACYAAAAIAAAAAAAAAAAAAAA="/>
               </a:ext>
             </a:extLst>
           </p:cNvSpPr>
@@ -558,9 +555,6 @@
           <a:lstStyle/>
           <a:p>
             <a:pPr/>
-            <a:r>
-              <a:t/>
-            </a:r>
           </a:p>
         </p:txBody>
       </p:sp>
@@ -571,7 +565,7 @@
             <a:spLocks noGrp="1" noChangeArrowheads="1"/>
             <a:extLst>
               <a:ext uri="smNativeData">
-                <pr:smNativeData xmlns:pr="smNativeData" val="SMDATA_13_3GgiXxMAAAAlAAAAZAAAAA8BAAAAkAAAAEgAAACQAAAASAAAAAAAAAABAAAAAAAAAAEAAABQAAAAAAAAAAAA4D8AAAAAAADgPwAAAAAAAOA/AAAAAAAA4D8AAAAAAADgPwAAAAAAAOA/AAAAAAAA4D8AAAAAAADgPwAAAAAAAOA/AAAAAAAA4D8CAAAAjAAAAAAAAAAAAAAAu+DjDP///wgAAAAAAAAAAAAAAAAAAAAAAAAAAAAAAAAAAAAAZAAAAAEAAABAAAAAAAAAAAAAAAAAAAAAAAAAAAAAAAAAAAAAAAAAAAAAAAAAAAAAAAAAAAAAAAAAAAAAAAAAAAAAAAAAAAAAAAAAAAAAAAAAAAAAAAAAAAAAAAAAAAAAFAAAADwAAAAAAAAAAAAAAAAAAAkUAAAAAQAAABQAAAAUAAAAFAAAAAEAAAAAAAAAZAAAAGQAAAAAAAAAZAAAAGQAAAAVAAAAYAAAAAAAAAAAAAAADwAAACADAAAAAAAAAAAAAAEAAACgMgAAVgcAAKr4//8BAAAAf39/AAEAAABkAAAAAAAAABQAAABAHwAAAAAAACYAAAAAAAAAwOD//wAAAAAmAAAAZAAAABYAAABMAAAAAAAAAAAAAAAEAAAAAAAAAAEAAACAgIAKAAAAACgAAAAoAAAAZAAAAGQAAAAAAAAAzMzMAAAAAABQAAAAUAAAAGQAAABkAAAAAAAAABcAAAAUAAAAAAAAAAAAAAD/fwAA/38AAAAAAAAJAAAABAAAAAAAAAAMAAAAEAAAAAAAAAAAAAAAAAAAAAAAAAAeAAAAaAAAAAAAAAAAAAAAAAAAAAAAAAAAAAAAECcAABAnAAAAAAAAAAAAAAAAAAAAAAAAAAAAAAAAAAAAAAAAAAAAABQAAAAAAAAAwMD/AAAAAABkAAAAMgAAAAAAAABkAAAAAAAAAH9/fwAKAAAAHwAAAFQAAAAAAAAFAAAAAQAAAAAAAAAAAAAAAAAAAAAAAAAAAAAAAAAAAAAAAAAAAAAAAn9/fwAAAAADzMzMAMDA/wB/f38AAAAAAAAAAAAAAAAAAAAAAAAAAAAhAAAAGAAAABQAAAAkLwAAHSsAAH4+AACVLQAAEAAAACYAAAAIAAAAAAAAAAAAAAA="/>
+                <pr:smNativeData xmlns:pr="smNativeData" val="SMDATA_13_ahOSXxMAAAAlAAAAZAAAAA8BAAAAkAAAAEgAAACQAAAASAAAAAAAAAABAAAAAAAAAAEAAABQAAAAAAAAAAAA4D8AAAAAAADgPwAAAAAAAOA/AAAAAAAA4D8AAAAAAADgPwAAAAAAAOA/AAAAAAAA4D8AAAAAAADgPwAAAAAAAOA/AAAAAAAA4D8CAAAAjAAAAAAAAAAAAAAAu+DjDP///wgAAAAAAAAAAAAAAAAAAAAAAAAAAAAAAAAAAAAAZAAAAAEAAABAAAAAAAAAAAAAAAAAAAAAAAAAAAAAAAAAAAAAAAAAAAAAAAAAAAAAAAAAAAAAAAAAAAAAAAAAAAAAAAAAAAAAAAAAAAAAAAAAAAAAAAAAAAAAAAAAAAAAFAAAADwAAAAAAAAAAAAAAAAAAAkUAAAAAQAAABQAAAAUAAAAFAAAAAEAAAAAAAAAZAAAAGQAAAAAAAAAZAAAAGQAAAAVAAAAYAAAAAAAAAAAAAAADwAAACADAAAAAAAAAAAAAAEAAACgMgAAVgcAAKr4//8BAAAAf39/AAEAAABkAAAAAAAAABQAAABAHwAAAAAAACYAAAAAAAAAwOD//wAAAAAmAAAAZAAAABYAAABMAAAAAAAAAAAAAAAEAAAAAAAAAAEAAACAgIAKAAAAACgAAAAoAAAAZAAAAGQAAAAAAAAAzMzMAAAAAABQAAAAUAAAAGQAAABkAAAAAAAAABcAAAAUAAAAAAAAAAAAAAD/fwAA/38AAAAAAAAJAAAABAAAAAAAAAAMAAAAEAAAAAAAAAAAAAAAAAAAAAAAAAAeAAAAaAAAAAAAAAAAAAAAAAAAAAAAAAAAAAAAECcAABAnAAAAAAAAAAAAAAAAAAAAAAAAAAAAAAAAAAAAAAAAAAAAABQAAAAAAAAAwMD/AAAAAABkAAAAMgAAAAAAAABkAAAAAAAAAH9/fwAKAAAAHwAAAFQAAAAAAAAFAAAAAQAAAAAAAAAAAAAAAAAAAAAAAAAAAAAAAAAAAAAAAAAAAAAAAn9/fwAAAAADzMzMAMDA/wB/f38AAAAAAAAAAAAAAAAAAAAAAAAAAAAhAAAAGAAAABQAAAAkLwAAHSsAAH4+AACVLQAAEAAAACYAAAAIAAAAAAAAAAAAAAA="/>
               </a:ext>
             </a:extLst>
           </p:cNvSpPr>
@@ -585,7 +579,7 @@
           <a:lstStyle/>
           <a:p>
             <a:pPr/>
-            <a:fld id="{20734066-28CD-26B6-83CB-DEE30E85758B}" type="slidenum">
+            <a:fld id="{B29EB382-CC5F-CB45-1126-3A10FD68E76F}" type="slidenum">
               <a:t/>
             </a:fld>
           </a:p>
@@ -623,7 +617,7 @@
             <a:spLocks noGrp="1" noChangeArrowheads="1"/>
             <a:extLst>
               <a:ext uri="smNativeData">
-                <pr:smNativeData xmlns:pr="smNativeData" val="SMDATA_13_3GgiXxMAAAAlAAAAZAAAAA8BAAAAkAAAAEgAAACQAAAASAAAAAAAAAACAAAAAQAAAAEAAABQAAAAAAAAAAAA4D8AAAAAAADgPwAAAAAAAOA/AAAAAAAA4D8AAAAAAADgPwAAAAAAAOA/AAAAAAAA4D8AAAAAAADgPwAAAAAAAOA/AAAAAAAA4D8CAAAAjAAAAAAAAAAAAAAAu+DjDP///wgAAAAAAAAAAAAAAAAAAAAAAAAAAAAAAAAAAAAAZAAAAAEAAABAAAAAAAAAAAAAAAAAAAAAAAAAAAAAAAAAAAAAAAAAAAAAAAAAAAAAAAAAAAAAAAAAAAAAAAAAAAAAAAAAAAAAAAAAAAAAAAAAAAAAAAAAAAAAAAAAAAAAFAAAADwAAAAAAAAAAAAAAAAAAAkUAAAAAQAAABQAAAAUAAAAFAAAAAEAAAAAAAAAZAAAAGQAAAAAAAAAZAAAAGQAAAAVAAAAYAAAAAAAAAAAAAAADwAAACADAAAAAAAAAAAAAAEAAACgMgAAVgcAAKr4//8BAAAAf39/AAEAAABkAAAAAAAAABQAAABAHwAAAAAAACYAAAAAAAAAwOD//wAAAAAmAAAAZAAAABYAAABMAAAAAAAAAAAAAAAEAAAAAAAAAAEAAACAgIAKAAAAACgAAAAoAAAAZAAAAGQAAAAAAAAAzMzMAAAAAABQAAAAUAAAAGQAAABkAAAAAAAAABcAAAAUAAAAAAAAAAAAAAD/fwAA/38AAAAAAAAJAAAABAAAAAAAAAAMAAAAEAAAAAAAAAAAAAAAAAAAAAAAAAAeAAAAaAAAAAAAAAAAAAAAAAAAAAAAAAAAAAAAECcAABAnAAAAAAAAAAAAAAAAAAAAAAAAAAAAAAAAAAAAAAAAAAAAABQAAAAAAAAAwMD/AAAAAABkAAAAMgAAAAAAAABkAAAAAAAAAH9/fwAKAAAAHwAAAFQAAAAAAAAFAAAAAQAAAAAAAAAAAAAAAAAAAAAAAAAAAAAAAAAAAAAAAAAAAAAAAn9/fwAAAAADzMzMAMDA/wB/f38AAAAAAAAAAAAAAAAAAAAAAAAAAAAhAAAAGAAAABQAAACxLwAA3AEAAH4+AACMKQAAEAAAACYAAAAIAAAAgwAAAAAAAAA="/>
+                <pr:smNativeData xmlns:pr="smNativeData" val="SMDATA_13_ahOSXxMAAAAlAAAAZAAAAA8BAAAAkAAAAEgAAACQAAAASAAAAAAAAAACAAAAAQAAAAEAAABQAAAAAAAAAAAA4D8AAAAAAADgPwAAAAAAAOA/AAAAAAAA4D8AAAAAAADgPwAAAAAAAOA/AAAAAAAA4D8AAAAAAADgPwAAAAAAAOA/AAAAAAAA4D8CAAAAjAAAAAAAAAAAAAAAu+DjDP///wgAAAAAAAAAAAAAAAAAAAAAAAAAAAAAAAAAAAAAZAAAAAEAAABAAAAAAAAAAAAAAAAAAAAAAAAAAAAAAAAAAAAAAAAAAAAAAAAAAAAAAAAAAAAAAAAAAAAAAAAAAAAAAAAAAAAAAAAAAAAAAAAAAAAAAAAAAAAAAAAAAAAAFAAAADwAAAAAAAAAAAAAAAAAAAkUAAAAAQAAABQAAAAUAAAAFAAAAAEAAAAAAAAAZAAAAGQAAAAAAAAAZAAAAGQAAAAVAAAAYAAAAAAAAAAAAAAADwAAACADAAAAAAAAAAAAAAEAAACgMgAAVgcAAKr4//8BAAAAf39/AAEAAABkAAAAAAAAABQAAABAHwAAAAAAACYAAAAAAAAAwOD//wAAAAAmAAAAZAAAABYAAABMAAAAAAAAAAAAAAAEAAAAAAAAAAEAAACAgIAKAAAAACgAAAAoAAAAZAAAAGQAAAAAAAAAzMzMAAAAAABQAAAAUAAAAGQAAABkAAAAAAAAABcAAAAUAAAAAAAAAAAAAAD/fwAA/38AAAAAAAAJAAAABAAAAAAAAAAMAAAAEAAAAAAAAAAAAAAAAAAAAAAAAAAeAAAAaAAAAAAAAAAAAAAAAAAAAAAAAAAAAAAAECcAABAnAAAAAAAAAAAAAAAAAAAAAAAAAAAAAAAAAAAAAAAAAAAAABQAAAAAAAAAwMD/AAAAAABkAAAAMgAAAAAAAABkAAAAAAAAAH9/fwAKAAAAHwAAAFQAAAAAAAAFAAAAAQAAAAAAAAAAAAAAAAAAAAAAAAAAAAAAAAAAAAAAAAAAAAAAAn9/fwAAAAADzMzMAMDA/wB/f38AAAAAAAAAAAAAAAAAAAAAAAAAAAAhAAAAGAAAABQAAACxLwAA3AEAAH4+AACMKQAAEAAAACYAAAAIAAAAgwAAAAAAAAA="/>
               </a:ext>
             </a:extLst>
           </p:cNvSpPr>
@@ -659,7 +653,7 @@
             <a:spLocks noGrp="1" noChangeArrowheads="1"/>
             <a:extLst>
               <a:ext uri="smNativeData">
-                <pr:smNativeData xmlns:pr="smNativeData" val="SMDATA_13_3GgiXxMAAAAlAAAAZAAAAA8BAAAAkAAAAEgAAACQAAAASAAAAAAAAAAAAAAAAQAAAAEAAABQAAAAAAAAAAAA4D8AAAAAAADgPwAAAAAAAOA/AAAAAAAA4D8AAAAAAADgPwAAAAAAAOA/AAAAAAAA4D8AAAAAAADgPwAAAAAAAOA/AAAAAAAA4D8CAAAAjAAAAAAAAAAAAAAAu+DjDP///wgAAAAAAAAAAAAAAAAAAAAAAAAAAAAAAAAAAAAAZAAAAAEAAABAAAAAAAAAAAAAAAAAAAAAAAAAAAAAAAAAAAAAAAAAAAAAAAAAAAAAAAAAAAAAAAAAAAAAAAAAAAAAAAAAAAAAAAAAAAAAAAAAAAAAAAAAAAAAAAAAAAAAFAAAADwAAAAAAAAAAAAAAAAAAAkUAAAAAQAAABQAAAAUAAAAFAAAAAEAAAAAAAAAZAAAAGQAAAAAAAAAZAAAAGQAAAAVAAAAYAAAAAAAAAAAAAAADwAAACADAAAAAAAAAAAAAAEAAACgMgAAVgcAAKr4//8BAAAAf39/AAEAAABkAAAAAAAAABQAAABAHwAAAAAAACYAAAAAAAAAwOD//wAAAAAmAAAAZAAAABYAAABMAAAAAAAAAAAAAAAEAAAAAAAAAAEAAACAgIAKAAAAACgAAAAoAAAAZAAAAGQAAAAAAAAAzMzMAAAAAABQAAAAUAAAAGQAAABkAAAAAAAAABcAAAAUAAAAAAAAAAAAAAD/fwAA/38AAAAAAAAJAAAABAAAAAEAAAAMAAAAEAAAAAAAAAAAAAAAAAAAAAAAAAAeAAAAaAAAAAAAAAAAAAAAAAAAAAAAAAAAAAAAECcAABAnAAAAAAAAAAAAAAAAAAAAAAAAAAAAAAAAAAAAAAAAAAAAABQAAAAAAAAAwMD/AAAAAABkAAAAMgAAAAAAAABkAAAAAAAAAH9/fwAKAAAAHwAAAFQAAAAAAAAFAAAAAQAAAAAAAAAAAAAAAAAAAAAAAAAAAAAAAAAAAAAAAAAAAAAAAn9/fwAAAAADzMzMAMDA/wB/f38AAAAAAAAAAAAAAAAAAAAAAAAAAAAhAAAAGAAAABQAAABKAwAA3AEAAJguAACMKQAAEAAAACYAAAAIAAAAAwAAAAAAAAA="/>
+                <pr:smNativeData xmlns:pr="smNativeData" val="SMDATA_13_ahOSXxMAAAAlAAAAZAAAAA8BAAAAkAAAAEgAAACQAAAASAAAAAAAAAAAAAAAAQAAAAEAAABQAAAAAAAAAAAA4D8AAAAAAADgPwAAAAAAAOA/AAAAAAAA4D8AAAAAAADgPwAAAAAAAOA/AAAAAAAA4D8AAAAAAADgPwAAAAAAAOA/AAAAAAAA4D8CAAAAjAAAAAAAAAAAAAAAu+DjDP///wgAAAAAAAAAAAAAAAAAAAAAAAAAAAAAAAAAAAAAZAAAAAEAAABAAAAAAAAAAAAAAAAAAAAAAAAAAAAAAAAAAAAAAAAAAAAAAAAAAAAAAAAAAAAAAAAAAAAAAAAAAAAAAAAAAAAAAAAAAAAAAAAAAAAAAAAAAAAAAAAAAAAAFAAAADwAAAAAAAAAAAAAAAAAAAkUAAAAAQAAABQAAAAUAAAAFAAAAAEAAAAAAAAAZAAAAGQAAAAAAAAAZAAAAGQAAAAVAAAAYAAAAAAAAAAAAAAADwAAACADAAAAAAAAAAAAAAEAAACgMgAAVgcAAKr4//8BAAAAf39/AAEAAABkAAAAAAAAABQAAABAHwAAAAAAACYAAAAAAAAAwOD//wAAAAAmAAAAZAAAABYAAABMAAAAAAAAAAAAAAAEAAAAAAAAAAEAAACAgIAKAAAAACgAAAAoAAAAZAAAAGQAAAAAAAAAzMzMAAAAAABQAAAAUAAAAGQAAABkAAAAAAAAABcAAAAUAAAAAAAAAAAAAAD/fwAA/38AAAAAAAAJAAAABAAAAAEAAAAMAAAAEAAAAAAAAAAAAAAAAAAAAAAAAAAeAAAAaAAAAAAAAAAAAAAAAAAAAAAAAAAAAAAAECcAABAnAAAAAAAAAAAAAAAAAAAAAAAAAAAAAAAAAAAAAAAAAAAAABQAAAAAAAAAwMD/AAAAAABkAAAAMgAAAAAAAABkAAAAAAAAAH9/fwAKAAAAHwAAAFQAAAAAAAAFAAAAAQAAAAAAAAAAAAAAAAAAAAAAAAAAAAAAAAAAAAAAAAAAAAAAAn9/fwAAAAADzMzMAMDA/wB/f38AAAAAAAAAAAAAAAAAAAAAAAAAAAAhAAAAGAAAABQAAABKAwAA3AEAAJguAACMKQAAEAAAACYAAAAIAAAAAwAAAAAAAAA="/>
               </a:ext>
             </a:extLst>
           </p:cNvSpPr>
@@ -719,7 +713,7 @@
             <a:spLocks noGrp="1" noChangeArrowheads="1"/>
             <a:extLst>
               <a:ext uri="smNativeData">
-                <pr:smNativeData xmlns:pr="smNativeData" val="SMDATA_13_3GgiXxMAAAAlAAAAZAAAAA8BAAAAkAAAAEgAAACQAAAASAAAAAAAAAABAAAAAAAAAAEAAABQAAAAAAAAAAAA4D8AAAAAAADgPwAAAAAAAOA/AAAAAAAA4D8AAAAAAADgPwAAAAAAAOA/AAAAAAAA4D8AAAAAAADgPwAAAAAAAOA/AAAAAAAA4D8CAAAAjAAAAAAAAAAAAAAAu+DjDP///wgAAAAAAAAAAAAAAAAAAAAAAAAAAAAAAAAAAAAAZAAAAAEAAABAAAAAAAAAAAAAAAAAAAAAAAAAAAAAAAAAAAAAAAAAAAAAAAAAAAAAAAAAAAAAAAAAAAAAAAAAAAAAAAAAAAAAAAAAAAAAAAAAAAAAAAAAAAAAAAAAAAAAFAAAADwAAAAAAAAAAAAAAAAAAAkUAAAAAQAAABQAAAAUAAAAFAAAAAEAAAAAAAAAZAAAAGQAAAAAAAAAZAAAAGQAAAAVAAAAYAAAAAAAAAAAAAAADwAAACADAAAAAAAAAAAAAAEAAACgMgAAVgcAAKr4//8BAAAAf39/AAEAAABkAAAAAAAAABQAAABAHwAAAAAAACYAAAAAAAAAwOD//wAAAAAmAAAAZAAAABYAAABMAAAAAAAAAAAAAAAEAAAAAAAAAAEAAACAgIAKAAAAACgAAAAoAAAAZAAAAGQAAAAAAAAAzMzMAAAAAABQAAAAUAAAAGQAAABkAAAAAAAAABcAAAAUAAAAAAAAAAAAAAD/fwAA/38AAAAAAAAJAAAABAAAAAEAAAAMAAAAEAAAAAAAAAAAAAAAAAAAAAAAAAAeAAAAaAAAAAAAAAAAAAAAAAAAAAAAAAAAAAAAECcAABAnAAAAAAAAAAAAAAAAAAAAAAAAAAAAAAAAAAAAAAAAAAAAABQAAAAAAAAAwMD/AAAAAABkAAAAMgAAAAAAAABkAAAAAAAAAH9/fwAKAAAAHwAAAFQAAAAAAAAFAAAAAQAAAAAAAAAAAAAAAAAAAAAAAAAAAAAAAAAAAAAAAAAAAAAAAn9/fwAAAAADzMzMAMDA/wB/f38AAAAAAAAAAAAAAAAAAAAAAAAAAAAhAAAAGAAAABQAAABKAwAAHSsAAKMSAACVLQAAEAAAACYAAAAIAAAAAAAAAAAAAAA="/>
+                <pr:smNativeData xmlns:pr="smNativeData" val="SMDATA_13_ahOSXxMAAAAlAAAAZAAAAA8BAAAAkAAAAEgAAACQAAAASAAAAAAAAAABAAAAAAAAAAEAAABQAAAAAAAAAAAA4D8AAAAAAADgPwAAAAAAAOA/AAAAAAAA4D8AAAAAAADgPwAAAAAAAOA/AAAAAAAA4D8AAAAAAADgPwAAAAAAAOA/AAAAAAAA4D8CAAAAjAAAAAAAAAAAAAAAu+DjDP///wgAAAAAAAAAAAAAAAAAAAAAAAAAAAAAAAAAAAAAZAAAAAEAAABAAAAAAAAAAAAAAAAAAAAAAAAAAAAAAAAAAAAAAAAAAAAAAAAAAAAAAAAAAAAAAAAAAAAAAAAAAAAAAAAAAAAAAAAAAAAAAAAAAAAAAAAAAAAAAAAAAAAAFAAAADwAAAAAAAAAAAAAAAAAAAkUAAAAAQAAABQAAAAUAAAAFAAAAAEAAAAAAAAAZAAAAGQAAAAAAAAAZAAAAGQAAAAVAAAAYAAAAAAAAAAAAAAADwAAACADAAAAAAAAAAAAAAEAAACgMgAAVgcAAKr4//8BAAAAf39/AAEAAABkAAAAAAAAABQAAABAHwAAAAAAACYAAAAAAAAAwOD//wAAAAAmAAAAZAAAABYAAABMAAAAAAAAAAAAAAAEAAAAAAAAAAEAAACAgIAKAAAAACgAAAAoAAAAZAAAAGQAAAAAAAAAzMzMAAAAAABQAAAAUAAAAGQAAABkAAAAAAAAABcAAAAUAAAAAAAAAAAAAAD/fwAA/38AAAAAAAAJAAAABAAAAAEAAAAMAAAAEAAAAAAAAAAAAAAAAAAAAAAAAAAeAAAAaAAAAAAAAAAAAAAAAAAAAAAAAAAAAAAAECcAABAnAAAAAAAAAAAAAAAAAAAAAAAAAAAAAAAAAAAAAAAAAAAAABQAAAAAAAAAwMD/AAAAAABkAAAAMgAAAAAAAABkAAAAAAAAAH9/fwAKAAAAHwAAAFQAAAAAAAAFAAAAAQAAAAAAAAAAAAAAAAAAAAAAAAAAAAAAAAAAAAAAAAAAAAAAAn9/fwAAAAADzMzMAMDA/wB/f38AAAAAAAAAAAAAAAAAAAAAAAAAAAAhAAAAGAAAABQAAABKAwAAHSsAAKMSAACVLQAAEAAAACYAAAAIAAAAAAAAAAAAAAA="/>
               </a:ext>
             </a:extLst>
           </p:cNvSpPr>
@@ -733,7 +727,7 @@
           <a:lstStyle/>
           <a:p>
             <a:pPr/>
-            <a:fld id="{2073014E-00CD-26F7-83CB-F6A24F8575A3}" type="datetime1">
+            <a:fld id="{B29EE0D7-995F-CB16-1126-6F43AE68E73A}" type="datetime1">
               <a:t/>
             </a:fld>
           </a:p>
@@ -746,7 +740,7 @@
             <a:spLocks noGrp="1" noChangeArrowheads="1"/>
             <a:extLst>
               <a:ext uri="smNativeData">
-                <pr:smNativeData xmlns:pr="smNativeData" val="SMDATA_13_3GgiXxMAAAAlAAAAZAAAAA8BAAAAkAAAAEgAAACQAAAASAAAAAAAAAABAAAAAAAAAAEAAABQAAAAAAAAAAAA4D8AAAAAAADgPwAAAAAAAOA/AAAAAAAA4D8AAAAAAADgPwAAAAAAAOA/AAAAAAAA4D8AAAAAAADgPwAAAAAAAOA/AAAAAAAA4D8CAAAAjAAAAAAAAAAAAAAAu+DjDP///wgAAAAAAAAAAAAAAAAAAAAAAAAAAAAAAAAAAAAAZAAAAAEAAABAAAAAAAAAAAAAAAAAAAAAAAAAAAAAAAAAAAAAAAAAAAAAAAAAAAAAAAAAAAAAAAAAAAAAAAAAAAAAAAAAAAAAAAAAAAAAAAAAAAAAAAAAAAAAAAAAAAAAFAAAADwAAAAAAAAAAAAAAAAAAAkUAAAAAQAAABQAAAAUAAAAFAAAAAEAAAAAAAAAZAAAAGQAAAAAAAAAZAAAAGQAAAAVAAAAYAAAAAAAAAAAAAAADwAAACADAAAAAAAAAAAAAAEAAACgMgAAVgcAAKr4//8BAAAAf39/AAEAAABkAAAAAAAAABQAAABAHwAAAAAAACYAAAAAAAAAwOD//wAAAAAmAAAAZAAAABYAAABMAAAAAAAAAAAAAAAEAAAAAAAAAAEAAACAgIAKAAAAACgAAAAoAAAAZAAAAGQAAAAAAAAAzMzMAAAAAABQAAAAUAAAAGQAAABkAAAAAAAAABcAAAAUAAAAAAAAAAAAAAD/fwAA/38AAAAAAAAJAAAABAAAAAAAAAAMAAAAEAAAAAAAAAAAAAAAAAAAAAAAAAAeAAAAaAAAAAAAAAAAAAAAAAAAAAAAAAAAAAAAECcAABAnAAAAAAAAAAAAAAAAAAAAAAAAAAAAAAAAAAAAAAAAAAAAABQAAAAAAAAAwMD/AAAAAABkAAAAMgAAAAAAAABkAAAAAAAAAH9/fwAKAAAAHwAAAFQAAAAAAAAFAAAAAQAAAAAAAAAAAAAAAAAAAAAAAAAAAAAAAAAAAAAAAAAAAAAAAn9/fwAAAAADzMzMAMDA/wB/f38AAAAAAAAAAAAAAAAAAAAAAAAAAAAhAAAAGAAAABQAAAB5FgAAHSsAAE4rAACVLQAAEAAAACYAAAAIAAAAAAAAAAAAAAA="/>
+                <pr:smNativeData xmlns:pr="smNativeData" val="SMDATA_13_ahOSXxMAAAAlAAAAZAAAAA8BAAAAkAAAAEgAAACQAAAASAAAAAAAAAABAAAAAAAAAAEAAABQAAAAAAAAAAAA4D8AAAAAAADgPwAAAAAAAOA/AAAAAAAA4D8AAAAAAADgPwAAAAAAAOA/AAAAAAAA4D8AAAAAAADgPwAAAAAAAOA/AAAAAAAA4D8CAAAAjAAAAAAAAAAAAAAAu+DjDP///wgAAAAAAAAAAAAAAAAAAAAAAAAAAAAAAAAAAAAAZAAAAAEAAABAAAAAAAAAAAAAAAAAAAAAAAAAAAAAAAAAAAAAAAAAAAAAAAAAAAAAAAAAAAAAAAAAAAAAAAAAAAAAAAAAAAAAAAAAAAAAAAAAAAAAAAAAAAAAAAAAAAAAFAAAADwAAAAAAAAAAAAAAAAAAAkUAAAAAQAAABQAAAAUAAAAFAAAAAEAAAAAAAAAZAAAAGQAAAAAAAAAZAAAAGQAAAAVAAAAYAAAAAAAAAAAAAAADwAAACADAAAAAAAAAAAAAAEAAACgMgAAVgcAAKr4//8BAAAAf39/AAEAAABkAAAAAAAAABQAAABAHwAAAAAAACYAAAAAAAAAwOD//wAAAAAmAAAAZAAAABYAAABMAAAAAAAAAAAAAAAEAAAAAAAAAAEAAACAgIAKAAAAACgAAAAoAAAAZAAAAGQAAAAAAAAAzMzMAAAAAABQAAAAUAAAAGQAAABkAAAAAAAAABcAAAAUAAAAAAAAAAAAAAD/fwAA/38AAAAAAAAJAAAABAAAAAAAAAAMAAAAEAAAAAAAAAAAAAAAAAAAAAAAAAAeAAAAaAAAAAAAAAAAAAAAAAAAAAAAAAAAAAAAECcAABAnAAAAAAAAAAAAAAAAAAAAAAAAAAAAAAAAAAAAAAAAAAAAABQAAAAAAAAAwMD/AAAAAABkAAAAMgAAAAAAAABkAAAAAAAAAH9/fwAKAAAAHwAAAFQAAAAAAAAFAAAAAQAAAAAAAAAAAAAAAAAAAAAAAAAAAAAAAAAAAAAAAAAAAAAAAn9/fwAAAAADzMzMAMDA/wB/f38AAAAAAAAAAAAAAAAAAAAAAAAAAAAhAAAAGAAAABQAAAB5FgAAHSsAAE4rAACVLQAAEAAAACYAAAAIAAAAAAAAAAAAAAA="/>
               </a:ext>
             </a:extLst>
           </p:cNvSpPr>
@@ -760,9 +754,6 @@
           <a:lstStyle/>
           <a:p>
             <a:pPr/>
-            <a:r>
-              <a:t/>
-            </a:r>
           </a:p>
         </p:txBody>
       </p:sp>
@@ -773,7 +764,7 @@
             <a:spLocks noGrp="1" noChangeArrowheads="1"/>
             <a:extLst>
               <a:ext uri="smNativeData">
-                <pr:smNativeData xmlns:pr="smNativeData" val="SMDATA_13_3GgiXxMAAAAlAAAAZAAAAA8BAAAAkAAAAEgAAACQAAAASAAAAAAAAAABAAAAAAAAAAEAAABQAAAAAAAAAAAA4D8AAAAAAADgPwAAAAAAAOA/AAAAAAAA4D8AAAAAAADgPwAAAAAAAOA/AAAAAAAA4D8AAAAAAADgPwAAAAAAAOA/AAAAAAAA4D8CAAAAjAAAAAAAAAAAAAAAu+DjDP///wgAAAAAAAAAAAAAAAAAAAAAAAAAAAAAAAAAAAAAZAAAAAEAAABAAAAAAAAAAAAAAAAAAAAAAAAAAAAAAAAAAAAAAAAAAAAAAAAAAAAAAAAAAAAAAAAAAAAAAAAAAAAAAAAAAAAAAAAAAAAAAAAAAAAAAAAAAAAAAAAAAAAAFAAAADwAAAAAAAAAAAAAAAAAAAkUAAAAAQAAABQAAAAUAAAAFAAAAAEAAAAAAAAAZAAAAGQAAAAAAAAAZAAAAGQAAAAVAAAAYAAAAAAAAAAAAAAADwAAACADAAAAAAAAAAAAAAEAAACgMgAAVgcAAKr4//8BAAAAf39/AAEAAABkAAAAAAAAABQAAABAHwAAAAAAACYAAAAAAAAAwOD//wAAAAAmAAAAZAAAABYAAABMAAAAAAAAAAAAAAAEAAAAAAAAAAEAAACAgIAKAAAAACgAAAAoAAAAZAAAAGQAAAAAAAAAzMzMAAAAAABQAAAAUAAAAGQAAABkAAAAAAAAABcAAAAUAAAAAAAAAAAAAAD/fwAA/38AAAAAAAAJAAAABAAAAAIAAAAMAAAAEAAAAAAAAAAAAAAAAAAAAAAAAAAeAAAAaAAAAAAAAAAAAAAAAAAAAAAAAAAAAAAAECcAABAnAAAAAAAAAAAAAAAAAAAAAAAAAAAAAAAAAAAAAAAAAAAAABQAAAAAAAAAwMD/AAAAAABkAAAAMgAAAAAAAABkAAAAAAAAAH9/fwAKAAAAHwAAAFQAAAAAAAAFAAAAAQAAAAAAAAAAAAAAAAAAAAAAAAAAAAAAAAAAAAAAAAAAAAAAAn9/fwAAAAADzMzMAMDA/wB/f38AAAAAAAAAAAAAAAAAAAAAAAAAAAAhAAAAGAAAABQAAAAkLwAAHSsAAH4+AACVLQAAEAAAACYAAAAIAAAAAAAAAAAAAAA="/>
+                <pr:smNativeData xmlns:pr="smNativeData" val="SMDATA_13_ahOSXxMAAAAlAAAAZAAAAA8BAAAAkAAAAEgAAACQAAAASAAAAAAAAAABAAAAAAAAAAEAAABQAAAAAAAAAAAA4D8AAAAAAADgPwAAAAAAAOA/AAAAAAAA4D8AAAAAAADgPwAAAAAAAOA/AAAAAAAA4D8AAAAAAADgPwAAAAAAAOA/AAAAAAAA4D8CAAAAjAAAAAAAAAAAAAAAu+DjDP///wgAAAAAAAAAAAAAAAAAAAAAAAAAAAAAAAAAAAAAZAAAAAEAAABAAAAAAAAAAAAAAAAAAAAAAAAAAAAAAAAAAAAAAAAAAAAAAAAAAAAAAAAAAAAAAAAAAAAAAAAAAAAAAAAAAAAAAAAAAAAAAAAAAAAAAAAAAAAAAAAAAAAAFAAAADwAAAAAAAAAAAAAAAAAAAkUAAAAAQAAABQAAAAUAAAAFAAAAAEAAAAAAAAAZAAAAGQAAAAAAAAAZAAAAGQAAAAVAAAAYAAAAAAAAAAAAAAADwAAACADAAAAAAAAAAAAAAEAAACgMgAAVgcAAKr4//8BAAAAf39/AAEAAABkAAAAAAAAABQAAABAHwAAAAAAACYAAAAAAAAAwOD//wAAAAAmAAAAZAAAABYAAABMAAAAAAAAAAAAAAAEAAAAAAAAAAEAAACAgIAKAAAAACgAAAAoAAAAZAAAAGQAAAAAAAAAzMzMAAAAAABQAAAAUAAAAGQAAABkAAAAAAAAABcAAAAUAAAAAAAAAAAAAAD/fwAA/38AAAAAAAAJAAAABAAAAAIAAAAMAAAAEAAAAAAAAAAAAAAAAAAAAAAAAAAeAAAAaAAAAAAAAAAAAAAAAAAAAAAAAAAAAAAAECcAABAnAAAAAAAAAAAAAAAAAAAAAAAAAAAAAAAAAAAAAAAAAAAAABQAAAAAAAAAwMD/AAAAAABkAAAAMgAAAAAAAABkAAAAAAAAAH9/fwAKAAAAHwAAAFQAAAAAAAAFAAAAAQAAAAAAAAAAAAAAAAAAAAAAAAAAAAAAAAAAAAAAAAAAAAAAAn9/fwAAAAADzMzMAMDA/wB/f38AAAAAAAAAAAAAAAAAAAAAAAAAAAAhAAAAGAAAABQAAAAkLwAAHSsAAH4+AACVLQAAEAAAACYAAAAIAAAAAAAAAAAAAAA="/>
               </a:ext>
             </a:extLst>
           </p:cNvSpPr>
@@ -787,7 +778,7 @@
           <a:lstStyle/>
           <a:p>
             <a:pPr/>
-            <a:fld id="{20730908-46CD-26FF-83CB-B0AA478575E5}" type="slidenum">
+            <a:fld id="{B29EDED9-975F-CB28-1126-617D9068E734}" type="slidenum">
               <a:t/>
             </a:fld>
           </a:p>
@@ -825,7 +816,7 @@
             <a:spLocks noGrp="1" noChangeArrowheads="1"/>
             <a:extLst>
               <a:ext uri="smNativeData">
-                <pr:smNativeData xmlns:pr="smNativeData" val="SMDATA_13_3GgiXxMAAAAlAAAAZAAAAA8BAAAAkAAAAEgAAACQAAAASAAAAAAAAAABAAAAAAAAAAEAAABQAAAAAAAAAAAA4D8AAAAAAADgPwAAAAAAAOA/AAAAAAAA4D8AAAAAAADgPwAAAAAAAOA/AAAAAAAA4D8AAAAAAADgPwAAAAAAAOA/AAAAAAAA4D8CAAAAjAAAAAAAAAAAAAAAu+DjDP///wgAAAAAAAAAAAAAAAAAAAAAAAAAAAAAAAAAAAAAZAAAAAEAAABAAAAAAAAAAAAAAAAAAAAAAAAAAAAAAAAAAAAAAAAAAAAAAAAAAAAAAAAAAAAAAAAAAAAAAAAAAAAAAAAAAAAAAAAAAAAAAAAAAAAAAAAAAAAAAAAAAAAAFAAAADwAAAAAAAAAAAAAAAAAAAkUAAAAAQAAABQAAAAUAAAAFAAAAAEAAAAAAAAAZAAAAGQAAAAAAAAAZAAAAGQAAAAVAAAAYAAAAAAAAAAAAAAADwAAACADAAAAAAAAAAAAAAEAAACgMgAAVgcAAKr4//8BAAAAf39/AAEAAABkAAAAAAAAABQAAABAHwAAAAAAACYAAAAAAAAAwOD//wAAAAAmAAAAZAAAABYAAABMAAAAAAAAAAAAAAAEAAAAAAAAAAEAAACAgIAKAAAAACgAAAAoAAAAZAAAAGQAAAAAAAAAzMzMAAAAAABQAAAAUAAAAGQAAABkAAAAAAAAABcAAAAUAAAAAAAAAAAAAAD/fwAA/38AAAAAAAAJAAAABAAAAAAAAAAMAAAAEAAAAAAAAAAAAAAAAAAAAAAAAAAeAAAAaAAAAAAAAAAAAAAAAAAAAAAAAAAAAAAAECcAABAnAAAAAAAAAAAAAAAAAAAAAAAAAAAAAAAAAAAAAAAAAAAAABQAAAAAAAAAwMD/AAAAAABkAAAAMgAAAAAAAABkAAAAAAAAAH9/fwAKAAAAHwAAAFQAAAAAAAAFAAAAAQAAAAAAAAAAAAAAAAAAAAAAAAAAAAAAAAAAAAAAAAAAAAAAAn9/fwAAAAADzMzMAMDA/wB/f38AAAAAAAAAAAAAAAAAAAAAAAAAAAAhAAAAGAAAABQAAABKAwAA3AEAAH4+AACcCQAAEAAAACYAAAAIAAAAAAAAAAAAAAA="/>
+                <pr:smNativeData xmlns:pr="smNativeData" val="SMDATA_13_ahOSXxMAAAAlAAAAZAAAAA8BAAAAkAAAAEgAAACQAAAASAAAAAAAAAABAAAAAAAAAAEAAABQAAAAAAAAAAAA4D8AAAAAAADgPwAAAAAAAOA/AAAAAAAA4D8AAAAAAADgPwAAAAAAAOA/AAAAAAAA4D8AAAAAAADgPwAAAAAAAOA/AAAAAAAA4D8CAAAAjAAAAAAAAAAAAAAAu+DjDP///wgAAAAAAAAAAAAAAAAAAAAAAAAAAAAAAAAAAAAAZAAAAAEAAABAAAAAAAAAAAAAAAAAAAAAAAAAAAAAAAAAAAAAAAAAAAAAAAAAAAAAAAAAAAAAAAAAAAAAAAAAAAAAAAAAAAAAAAAAAAAAAAAAAAAAAAAAAAAAAAAAAAAAFAAAADwAAAAAAAAAAAAAAAAAAAkUAAAAAQAAABQAAAAUAAAAFAAAAAEAAAAAAAAAZAAAAGQAAAAAAAAAZAAAAGQAAAAVAAAAYAAAAAAAAAAAAAAADwAAACADAAAAAAAAAAAAAAEAAACgMgAAVgcAAKr4//8BAAAAf39/AAEAAABkAAAAAAAAABQAAABAHwAAAAAAACYAAAAAAAAAwOD//wAAAAAmAAAAZAAAABYAAABMAAAAAAAAAAAAAAAEAAAAAAAAAAEAAACAgIAKAAAAACgAAAAoAAAAZAAAAGQAAAAAAAAAzMzMAAAAAABQAAAAUAAAAGQAAABkAAAAAAAAABcAAAAUAAAAAAAAAAAAAAD/fwAA/38AAAAAAAAJAAAABAAAAAAAAAAMAAAAEAAAAAAAAAAAAAAAAAAAAAAAAAAeAAAAaAAAAAAAAAAAAAAAAAAAAAAAAAAAAAAAECcAABAnAAAAAAAAAAAAAAAAAAAAAAAAAAAAAAAAAAAAAAAAAAAAABQAAAAAAAAAwMD/AAAAAABkAAAAMgAAAAAAAABkAAAAAAAAAH9/fwAKAAAAHwAAAFQAAAAAAAAFAAAAAQAAAAAAAAAAAAAAAAAAAAAAAAAAAAAAAAAAAAAAAAAAAAAAAn9/fwAAAAADzMzMAMDA/wB/f38AAAAAAAAAAAAAAAAAAAAAAAAAAAAhAAAAGAAAABQAAABKAwAA3AEAAH4+AACcCQAAEAAAACYAAAAIAAAAAAAAAAAAAAA="/>
               </a:ext>
             </a:extLst>
           </p:cNvSpPr>
@@ -852,7 +843,7 @@
             <a:spLocks noGrp="1" noChangeArrowheads="1"/>
             <a:extLst>
               <a:ext uri="smNativeData">
-                <pr:smNativeData xmlns:pr="smNativeData" val="SMDATA_13_3GgiXxMAAAAlAAAAZAAAAA8BAAAAkAAAAEgAAACQAAAASAAAAAAAAAAAAAAAAAAAAAEAAABQAAAAAAAAAAAA4D8AAAAAAADgPwAAAAAAAOA/AAAAAAAA4D8AAAAAAADgPwAAAAAAAOA/AAAAAAAA4D8AAAAAAADgPwAAAAAAAOA/AAAAAAAA4D8CAAAAjAAAAAAAAAAAAAAAu+DjDP///wgAAAAAAAAAAAAAAAAAAAAAAAAAAAAAAAAAAAAAZAAAAAEAAABAAAAAAAAAAAAAAAAAAAAAAAAAAAAAAAAAAAAAAAAAAAAAAAAAAAAAAAAAAAAAAAAAAAAAAAAAAAAAAAAAAAAAAAAAAAAAAAAAAAAAAAAAAAAAAAAAAAAAFAAAADwAAAAAAAAAAAAAAAAAAAkUAAAAAQAAABQAAAAUAAAAFAAAAAEAAAAAAAAAZAAAAGQAAAAAAAAAZAAAAGQAAAAVAAAAYAAAAAAAAAAAAAAADwAAACADAAAAAAAAAAAAAAEAAACgMgAAVgcAAKr4//8BAAAAf39/AAEAAABkAAAAAAAAABQAAABAHwAAAAAAACYAAAAAAAAAwOD//wAAAAAmAAAAZAAAABYAAABMAAAAAAAAAAAAAAAEAAAAAAAAAAEAAACAgIAKAAAAACgAAAAoAAAAZAAAAGQAAAAAAAAAzMzMAAAAAABQAAAAUAAAAGQAAABkAAAAAAAAABcAAAAUAAAAAAAAAAAAAAD/fwAA/38AAAAAAAAJAAAABAAAAAAAAAAMAAAAEAAAAAAAAAAAAAAAAAAAAAAAAAAeAAAAaAAAAAAAAAAAAAAAAAAAAAAAAAAAAAAAECcAABAnAAAAAAAAAAAAAAAAAAAAAAAAAAAAAAAAAAAAAAAAAAAAABQAAAAAAAAAwMD/AAAAAABkAAAAMgAAAAAAAABkAAAAAAAAAH9/fwAKAAAAHwAAAFQAAAAAAAAFAAAAAQAAAAAAAAAAAAAAAAAAAAAAAAAAAAAAAAAAAAAAAAAAAAAAAn9/fwAAAAADzMzMAMDA/wB/f38AAAAAAAAAAAAAAAAAAAAAAAAAAAAhAAAAGAAAABQAAABKAwAA2goAAH4+AACMKQAAEAAAACYAAAAIAAAAAAAAAAAAAAA="/>
+                <pr:smNativeData xmlns:pr="smNativeData" val="SMDATA_13_ahOSXxMAAAAlAAAAZAAAAA8BAAAAkAAAAEgAAACQAAAASAAAAAAAAAAAAAAAAAAAAAEAAABQAAAAAAAAAAAA4D8AAAAAAADgPwAAAAAAAOA/AAAAAAAA4D8AAAAAAADgPwAAAAAAAOA/AAAAAAAA4D8AAAAAAADgPwAAAAAAAOA/AAAAAAAA4D8CAAAAjAAAAAAAAAAAAAAAu+DjDP///wgAAAAAAAAAAAAAAAAAAAAAAAAAAAAAAAAAAAAAZAAAAAEAAABAAAAAAAAAAAAAAAAAAAAAAAAAAAAAAAAAAAAAAAAAAAAAAAAAAAAAAAAAAAAAAAAAAAAAAAAAAAAAAAAAAAAAAAAAAAAAAAAAAAAAAAAAAAAAAAAAAAAAFAAAADwAAAAAAAAAAAAAAAAAAAkUAAAAAQAAABQAAAAUAAAAFAAAAAEAAAAAAAAAZAAAAGQAAAAAAAAAZAAAAGQAAAAVAAAAYAAAAAAAAAAAAAAADwAAACADAAAAAAAAAAAAAAEAAACgMgAAVgcAAKr4//8BAAAAf39/AAEAAABkAAAAAAAAABQAAABAHwAAAAAAACYAAAAAAAAAwOD//wAAAAAmAAAAZAAAABYAAABMAAAAAAAAAAAAAAAEAAAAAAAAAAEAAACAgIAKAAAAACgAAAAoAAAAZAAAAGQAAAAAAAAAzMzMAAAAAABQAAAAUAAAAGQAAABkAAAAAAAAABcAAAAUAAAAAAAAAAAAAAD/fwAA/38AAAAAAAAJAAAABAAAAAAAAAAMAAAAEAAAAAAAAAAAAAAAAAAAAAAAAAAeAAAAaAAAAAAAAAAAAAAAAAAAAAAAAAAAAAAAECcAABAnAAAAAAAAAAAAAAAAAAAAAAAAAAAAAAAAAAAAAAAAAAAAABQAAAAAAAAAwMD/AAAAAABkAAAAMgAAAAAAAABkAAAAAAAAAH9/fwAKAAAAHwAAAFQAAAAAAAAFAAAAAQAAAAAAAAAAAAAAAAAAAAAAAAAAAAAAAAAAAAAAAAAAAAAAAn9/fwAAAAADzMzMAMDA/wB/f38AAAAAAAAAAAAAAAAAAAAAAAAAAAAhAAAAGAAAABQAAABKAwAA2goAAH4+AACMKQAAEAAAACYAAAAIAAAAAAAAAAAAAAA="/>
               </a:ext>
             </a:extLst>
           </p:cNvSpPr>
@@ -903,7 +894,7 @@
             <a:spLocks noGrp="1" noChangeArrowheads="1"/>
             <a:extLst>
               <a:ext uri="smNativeData">
-                <pr:smNativeData xmlns:pr="smNativeData" val="SMDATA_13_3GgiXxMAAAAlAAAAZAAAAA8BAAAAkAAAAEgAAACQAAAASAAAAAAAAAABAAAAAAAAAAEAAABQAAAAAAAAAAAA4D8AAAAAAADgPwAAAAAAAOA/AAAAAAAA4D8AAAAAAADgPwAAAAAAAOA/AAAAAAAA4D8AAAAAAADgPwAAAAAAAOA/AAAAAAAA4D8CAAAAjAAAAAAAAAAAAAAAu+DjDP///wgAAAAAAAAAAAAAAAAAAAAAAAAAAAAAAAAAAAAAZAAAAAEAAABAAAAAAAAAAAAAAAAAAAAAAAAAAAAAAAAAAAAAAAAAAAAAAAAAAAAAAAAAAAAAAAAAAAAAAAAAAAAAAAAAAAAAAAAAAAAAAAAAAAAAAAAAAAAAAAAAAAAAFAAAADwAAAAAAAAAAAAAAAAAAAkUAAAAAQAAABQAAAAUAAAAFAAAAAEAAAAAAAAAZAAAAGQAAAAAAAAAZAAAAGQAAAAVAAAAYAAAAAAAAAAAAAAADwAAACADAAAAAAAAAAAAAAEAAACgMgAAVgcAAKr4//8BAAAAf39/AAEAAABkAAAAAAAAABQAAABAHwAAAAAAACYAAAAAAAAAwOD//wAAAAAmAAAAZAAAABYAAABMAAAAAAAAAAAAAAAEAAAAAAAAAAEAAACAgIAKAAAAACgAAAAoAAAAZAAAAGQAAAAAAAAAzMzMAAAAAABQAAAAUAAAAGQAAABkAAAAAAAAABcAAAAUAAAAAAAAAAAAAAD/fwAA/38AAAAAAAAJAAAABAAAAAAAAAAMAAAAEAAAAAAAAAAAAAAAAAAAAAAAAAAeAAAAaAAAAAAAAAAAAAAAAAAAAAAAAAAAAAAAECcAABAnAAAAAAAAAAAAAAAAAAAAAAAAAAAAAAAAAAAAAAAAAAAAABQAAAAAAAAAwMD/AAAAAABkAAAAMgAAAAAAAABkAAAAAAAAAH9/fwAKAAAAHwAAAFQAAAAAAAAFAAAAAQAAAAAAAAAAAAAAAAAAAAAAAAAAAAAAAAAAAAAAAAAAAAAAAn9/fwAAAAADzMzMAMDA/wB/f38AAAAAAAAAAAAAAAAAAAAAAAAAAAAhAAAAGAAAABQAAABKAwAAHSsAAKMSAACVLQAAEAAAACYAAAAIAAAAAAAAAAAAAAA="/>
+                <pr:smNativeData xmlns:pr="smNativeData" val="SMDATA_13_ahOSXxMAAAAlAAAAZAAAAA8BAAAAkAAAAEgAAACQAAAASAAAAAAAAAABAAAAAAAAAAEAAABQAAAAAAAAAAAA4D8AAAAAAADgPwAAAAAAAOA/AAAAAAAA4D8AAAAAAADgPwAAAAAAAOA/AAAAAAAA4D8AAAAAAADgPwAAAAAAAOA/AAAAAAAA4D8CAAAAjAAAAAAAAAAAAAAAu+DjDP///wgAAAAAAAAAAAAAAAAAAAAAAAAAAAAAAAAAAAAAZAAAAAEAAABAAAAAAAAAAAAAAAAAAAAAAAAAAAAAAAAAAAAAAAAAAAAAAAAAAAAAAAAAAAAAAAAAAAAAAAAAAAAAAAAAAAAAAAAAAAAAAAAAAAAAAAAAAAAAAAAAAAAAFAAAADwAAAAAAAAAAAAAAAAAAAkUAAAAAQAAABQAAAAUAAAAFAAAAAEAAAAAAAAAZAAAAGQAAAAAAAAAZAAAAGQAAAAVAAAAYAAAAAAAAAAAAAAADwAAACADAAAAAAAAAAAAAAEAAACgMgAAVgcAAKr4//8BAAAAf39/AAEAAABkAAAAAAAAABQAAABAHwAAAAAAACYAAAAAAAAAwOD//wAAAAAmAAAAZAAAABYAAABMAAAAAAAAAAAAAAAEAAAAAAAAAAEAAACAgIAKAAAAACgAAAAoAAAAZAAAAGQAAAAAAAAAzMzMAAAAAABQAAAAUAAAAGQAAABkAAAAAAAAABcAAAAUAAAAAAAAAAAAAAD/fwAA/38AAAAAAAAJAAAABAAAAAAAAAAMAAAAEAAAAAAAAAAAAAAAAAAAAAAAAAAeAAAAaAAAAAAAAAAAAAAAAAAAAAAAAAAAAAAAECcAABAnAAAAAAAAAAAAAAAAAAAAAAAAAAAAAAAAAAAAAAAAAAAAABQAAAAAAAAAwMD/AAAAAABkAAAAMgAAAAAAAABkAAAAAAAAAH9/fwAKAAAAHwAAAFQAAAAAAAAFAAAAAQAAAAAAAAAAAAAAAAAAAAAAAAAAAAAAAAAAAAAAAAAAAAAAAn9/fwAAAAADzMzMAMDA/wB/f38AAAAAAAAAAAAAAAAAAAAAAAAAAAAhAAAAGAAAABQAAABKAwAAHSsAAKMSAACVLQAAEAAAACYAAAAIAAAAAAAAAAAAAAA="/>
               </a:ext>
             </a:extLst>
           </p:cNvSpPr>
@@ -917,7 +908,7 @@
           <a:lstStyle/>
           <a:p>
             <a:pPr/>
-            <a:fld id="{207363CE-80CD-2695-83CB-76C02D857523}" type="datetime1">
+            <a:fld id="{B29EB40B-455F-CB42-1126-B317FA68E7E6}" type="datetime1">
               <a:t/>
             </a:fld>
           </a:p>
@@ -930,7 +921,7 @@
             <a:spLocks noGrp="1" noChangeArrowheads="1"/>
             <a:extLst>
               <a:ext uri="smNativeData">
-                <pr:smNativeData xmlns:pr="smNativeData" val="SMDATA_13_3GgiXxMAAAAlAAAAZAAAAA8BAAAAkAAAAEgAAACQAAAASAAAAAAAAAABAAAAAAAAAAEAAABQAAAAAAAAAAAA4D8AAAAAAADgPwAAAAAAAOA/AAAAAAAA4D8AAAAAAADgPwAAAAAAAOA/AAAAAAAA4D8AAAAAAADgPwAAAAAAAOA/AAAAAAAA4D8CAAAAjAAAAAAAAAAAAAAAu+DjDP///wgAAAAAAAAAAAAAAAAAAAAAAAAAAAAAAAAAAAAAZAAAAAEAAABAAAAAAAAAAAAAAAAAAAAAAAAAAAAAAAAAAAAAAAAAAAAAAAAAAAAAAAAAAAAAAAAAAAAAAAAAAAAAAAAAAAAAAAAAAAAAAAAAAAAAAAAAAAAAAAAAAAAAFAAAADwAAAAAAAAAAAAAAAAAAAkUAAAAAQAAABQAAAAUAAAAFAAAAAEAAAAAAAAAZAAAAGQAAAAAAAAAZAAAAGQAAAAVAAAAYAAAAAAAAAAAAAAADwAAACADAAAAAAAAAAAAAAEAAACgMgAAVgcAAKr4//8BAAAAf39/AAEAAABkAAAAAAAAABQAAABAHwAAAAAAACYAAAAAAAAAwOD//wAAAAAmAAAAZAAAABYAAABMAAAAAAAAAAAAAAAEAAAAAAAAAAEAAACAgIAKAAAAACgAAAAoAAAAZAAAAGQAAAAAAAAAzMzMAAAAAABQAAAAUAAAAGQAAABkAAAAAAAAABcAAAAUAAAAAAAAAAAAAAD/fwAA/38AAAAAAAAJAAAABAAAAAAAAAAMAAAAEAAAAAAAAAAAAAAAAAAAAAAAAAAeAAAAaAAAAAAAAAAAAAAAAAAAAAAAAAAAAAAAECcAABAnAAAAAAAAAAAAAAAAAAAAAAAAAAAAAAAAAAAAAAAAAAAAABQAAAAAAAAAwMD/AAAAAABkAAAAMgAAAAAAAABkAAAAAAAAAH9/fwAKAAAAHwAAAFQAAAAAAAAFAAAAAQAAAAAAAAAAAAAAAAAAAAAAAAAAAAAAAAAAAAAAAAAAAAAAAn9/fwAAAAADzMzMAMDA/wB/f38AAAAAAAAAAAAAAAAAAAAAAAAAAAAhAAAAGAAAABQAAAB5FgAAHSsAAE4rAACVLQAAEAAAACYAAAAIAAAAAAAAAAAAAAA="/>
+                <pr:smNativeData xmlns:pr="smNativeData" val="SMDATA_13_ahOSXxMAAAAlAAAAZAAAAA8BAAAAkAAAAEgAAACQAAAASAAAAAAAAAABAAAAAAAAAAEAAABQAAAAAAAAAAAA4D8AAAAAAADgPwAAAAAAAOA/AAAAAAAA4D8AAAAAAADgPwAAAAAAAOA/AAAAAAAA4D8AAAAAAADgPwAAAAAAAOA/AAAAAAAA4D8CAAAAjAAAAAAAAAAAAAAAu+DjDP///wgAAAAAAAAAAAAAAAAAAAAAAAAAAAAAAAAAAAAAZAAAAAEAAABAAAAAAAAAAAAAAAAAAAAAAAAAAAAAAAAAAAAAAAAAAAAAAAAAAAAAAAAAAAAAAAAAAAAAAAAAAAAAAAAAAAAAAAAAAAAAAAAAAAAAAAAAAAAAAAAAAAAAFAAAADwAAAAAAAAAAAAAAAAAAAkUAAAAAQAAABQAAAAUAAAAFAAAAAEAAAAAAAAAZAAAAGQAAAAAAAAAZAAAAGQAAAAVAAAAYAAAAAAAAAAAAAAADwAAACADAAAAAAAAAAAAAAEAAACgMgAAVgcAAKr4//8BAAAAf39/AAEAAABkAAAAAAAAABQAAABAHwAAAAAAACYAAAAAAAAAwOD//wAAAAAmAAAAZAAAABYAAABMAAAAAAAAAAAAAAAEAAAAAAAAAAEAAACAgIAKAAAAACgAAAAoAAAAZAAAAGQAAAAAAAAAzMzMAAAAAABQAAAAUAAAAGQAAABkAAAAAAAAABcAAAAUAAAAAAAAAAAAAAD/fwAA/38AAAAAAAAJAAAABAAAAAAAAAAMAAAAEAAAAAAAAAAAAAAAAAAAAAAAAAAeAAAAaAAAAAAAAAAAAAAAAAAAAAAAAAAAAAAAECcAABAnAAAAAAAAAAAAAAAAAAAAAAAAAAAAAAAAAAAAAAAAAAAAABQAAAAAAAAAwMD/AAAAAABkAAAAMgAAAAAAAABkAAAAAAAAAH9/fwAKAAAAHwAAAFQAAAAAAAAFAAAAAQAAAAAAAAAAAAAAAAAAAAAAAAAAAAAAAAAAAAAAAAAAAAAAAn9/fwAAAAADzMzMAMDA/wB/f38AAAAAAAAAAAAAAAAAAAAAAAAAAAAhAAAAGAAAABQAAAB5FgAAHSsAAE4rAACVLQAAEAAAACYAAAAIAAAAAAAAAAAAAAA="/>
               </a:ext>
             </a:extLst>
           </p:cNvSpPr>
@@ -944,9 +935,6 @@
           <a:lstStyle/>
           <a:p>
             <a:pPr/>
-            <a:r>
-              <a:t/>
-            </a:r>
           </a:p>
         </p:txBody>
       </p:sp>
@@ -957,7 +945,7 @@
             <a:spLocks noGrp="1" noChangeArrowheads="1"/>
             <a:extLst>
               <a:ext uri="smNativeData">
-                <pr:smNativeData xmlns:pr="smNativeData" val="SMDATA_13_3GgiXxMAAAAlAAAAZAAAAA8BAAAAkAAAAEgAAACQAAAASAAAAAAAAAABAAAAAAAAAAEAAABQAAAAAAAAAAAA4D8AAAAAAADgPwAAAAAAAOA/AAAAAAAA4D8AAAAAAADgPwAAAAAAAOA/AAAAAAAA4D8AAAAAAADgPwAAAAAAAOA/AAAAAAAA4D8CAAAAjAAAAAAAAAAAAAAAu+DjDP///wgAAAAAAAAAAAAAAAAAAAAAAAAAAAAAAAAAAAAAZAAAAAEAAABAAAAAAAAAAAAAAAAAAAAAAAAAAAAAAAAAAAAAAAAAAAAAAAAAAAAAAAAAAAAAAAAAAAAAAAAAAAAAAAAAAAAAAAAAAAAAAAAAAAAAAAAAAAAAAAAAAAAAFAAAADwAAAAAAAAAAAAAAAAAAAkUAAAAAQAAABQAAAAUAAAAFAAAAAEAAAAAAAAAZAAAAGQAAAAAAAAAZAAAAGQAAAAVAAAAYAAAAAAAAAAAAAAADwAAACADAAAAAAAAAAAAAAEAAACgMgAAVgcAAKr4//8BAAAAf39/AAEAAABkAAAAAAAAABQAAABAHwAAAAAAACYAAAAAAAAAwOD//wAAAAAmAAAAZAAAABYAAABMAAAAAAAAAAAAAAAEAAAAAAAAAAEAAACAgIAKAAAAACgAAAAoAAAAZAAAAGQAAAAAAAAAzMzMAAAAAABQAAAAUAAAAGQAAABkAAAAAAAAABcAAAAUAAAAAAAAAAAAAAD/fwAA/38AAAAAAAAJAAAABAAAAAAAAAAMAAAAEAAAAAAAAAAAAAAAAAAAAAAAAAAeAAAAaAAAAAAAAAAAAAAAAAAAAAAAAAAAAAAAECcAABAnAAAAAAAAAAAAAAAAAAAAAAAAAAAAAAAAAAAAAAAAAAAAABQAAAAAAAAAwMD/AAAAAABkAAAAMgAAAAAAAABkAAAAAAAAAH9/fwAKAAAAHwAAAFQAAAAAAAAFAAAAAQAAAAAAAAAAAAAAAAAAAAAAAAAAAAAAAAAAAAAAAAAAAAAAAn9/fwAAAAADzMzMAMDA/wB/f38AAAAAAAAAAAAAAAAAAAAAAAAAAAAhAAAAGAAAABQAAAAkLwAAHSsAAH4+AACVLQAAEAAAACYAAAAIAAAAAAAAAAAAAAA="/>
+                <pr:smNativeData xmlns:pr="smNativeData" val="SMDATA_13_ahOSXxMAAAAlAAAAZAAAAA8BAAAAkAAAAEgAAACQAAAASAAAAAAAAAABAAAAAAAAAAEAAABQAAAAAAAAAAAA4D8AAAAAAADgPwAAAAAAAOA/AAAAAAAA4D8AAAAAAADgPwAAAAAAAOA/AAAAAAAA4D8AAAAAAADgPwAAAAAAAOA/AAAAAAAA4D8CAAAAjAAAAAAAAAAAAAAAu+DjDP///wgAAAAAAAAAAAAAAAAAAAAAAAAAAAAAAAAAAAAAZAAAAAEAAABAAAAAAAAAAAAAAAAAAAAAAAAAAAAAAAAAAAAAAAAAAAAAAAAAAAAAAAAAAAAAAAAAAAAAAAAAAAAAAAAAAAAAAAAAAAAAAAAAAAAAAAAAAAAAAAAAAAAAFAAAADwAAAAAAAAAAAAAAAAAAAkUAAAAAQAAABQAAAAUAAAAFAAAAAEAAAAAAAAAZAAAAGQAAAAAAAAAZAAAAGQAAAAVAAAAYAAAAAAAAAAAAAAADwAAACADAAAAAAAAAAAAAAEAAACgMgAAVgcAAKr4//8BAAAAf39/AAEAAABkAAAAAAAAABQAAABAHwAAAAAAACYAAAAAAAAAwOD//wAAAAAmAAAAZAAAABYAAABMAAAAAAAAAAAAAAAEAAAAAAAAAAEAAACAgIAKAAAAACgAAAAoAAAAZAAAAGQAAAAAAAAAzMzMAAAAAABQAAAAUAAAAGQAAABkAAAAAAAAABcAAAAUAAAAAAAAAAAAAAD/fwAA/38AAAAAAAAJAAAABAAAAAAAAAAMAAAAEAAAAAAAAAAAAAAAAAAAAAAAAAAeAAAAaAAAAAAAAAAAAAAAAAAAAAAAAAAAAAAAECcAABAnAAAAAAAAAAAAAAAAAAAAAAAAAAAAAAAAAAAAAAAAAAAAABQAAAAAAAAAwMD/AAAAAABkAAAAMgAAAAAAAABkAAAAAAAAAH9/fwAKAAAAHwAAAFQAAAAAAAAFAAAAAQAAAAAAAAAAAAAAAAAAAAAAAAAAAAAAAAAAAAAAAAAAAAAAAn9/fwAAAAADzMzMAMDA/wB/f38AAAAAAAAAAAAAAAAAAAAAAAAAAAAhAAAAGAAAABQAAAAkLwAAHSsAAH4+AACVLQAAEAAAACYAAAAIAAAAAAAAAAAAAAA="/>
               </a:ext>
             </a:extLst>
           </p:cNvSpPr>
@@ -971,7 +959,7 @@
           <a:lstStyle/>
           <a:p>
             <a:pPr/>
-            <a:fld id="{20735E2B-65CD-26A8-83CB-93FD108575C6}" type="slidenum">
+            <a:fld id="{B29E91CC-825F-CB67-1126-7432DF68E721}" type="slidenum">
               <a:t/>
             </a:fld>
           </a:p>
@@ -1009,7 +997,7 @@
             <a:spLocks noGrp="1" noChangeArrowheads="1"/>
             <a:extLst>
               <a:ext uri="smNativeData">
-                <pr:smNativeData xmlns:pr="smNativeData" val="SMDATA_13_3GgiXxMAAAAlAAAAZAAAAA8BAAAAkAAAAEgAAACQAAAASAAAAAAAAAAAAAAAAAAAAAEAAABQAAAAAAAAAAAA4D8AAAAAAADgPwAAAAAAAOA/AAAAAAAA4D8AAAAAAADgPwAAAAAAAOA/AAAAAAAA4D8AAAAAAADgPwAAAAAAAOA/AAAAAAAA4D8CAAAAjAAAAAAAAAAAAAAAu+DjDP///wgAAAAAAAAAAAAAAAAAAAAAAAAAAAAAAAAAAAAAZAAAAAEAAABAAAAAAAAAAAAAAAAAAAAAAAAAAAAAAAAAAAAAAAAAAAAAAAAAAAAAAAAAAAAAAAAAAAAAAAAAAAAAAAAAAAAAAAAAAAAAAAAAAAAAAAAAAAAAAAAAAAAAFAAAADwAAAAAAAAAAAAAAAAAAAkUAAAAAQAAABQAAAAUAAAAFAAAAAEAAAAAAAAAZAAAAGQAAAAAAAAAZAAAAGQAAAAVAAAAYAAAAAAAAAAAAAAADwAAACADAAAAAAAAAAAAAAEAAACgMgAAVgcAAKr4//8BAAAAf39/AAEAAABkAAAAAAAAABQAAABAHwAAAAAAACYAAAAAAAAAwOD//wAAAAAmAAAAZAAAABYAAABMAAAAAAAAAAAAAAAEAAAAAAAAAAEAAACAgIAKAAAAACgAAAAoAAAAZAAAAGQAAAAAAAAAzMzMAAAAAABQAAAAUAAAAGQAAABkAAAAAAAAABcAAAAUAAAAAAAAAAAAAAD/fwAA/38AAAAAAAAJAAAABAAAAAAAAAAMAAAAEAAAAAAAAAAAAAAAAAAAAAAAAAAeAAAAaAAAAAAAAAAAAAAAAAAAAAAAAAAAAAAAECcAABAnAAAAAAAAAAAAAAAAAAAAAAAAAAAAAAAAAAAAAAAAAAAAABQAAAAAAAAAwMD/AAAAAABkAAAAMgAAAAAAAABkAAAAAAAAAH9/fwAKAAAAHwAAAFQAAAAAAAAFAAAAAQAAAAAAAAAAAAAAAAAAAAAAAAAAAAAAAAAAAAAAAAAAAAAAAn9/fwAAAAADzMzMAMDA/wB/f38AAAAAAAAAAAAAAAAAAAAAAAAAAAAhAAAAGAAAABQAAAAyBQAA4x0AABw9AAAgJwAAEAAAACYAAAAIAAAAgYAAAAAAAAA="/>
+                <pr:smNativeData xmlns:pr="smNativeData" val="SMDATA_13_ahOSXxMAAAAlAAAAZAAAAA8BAAAAkAAAAEgAAACQAAAASAAAAAAAAAAAAAAAAAAAAAEAAABQAAAAAAAAAAAA4D8AAAAAAADgPwAAAAAAAOA/AAAAAAAA4D8AAAAAAADgPwAAAAAAAOA/AAAAAAAA4D8AAAAAAADgPwAAAAAAAOA/AAAAAAAA4D8CAAAAjAAAAAAAAAAAAAAAu+DjDP///wgAAAAAAAAAAAAAAAAAAAAAAAAAAAAAAAAAAAAAZAAAAAEAAABAAAAAAAAAAAAAAAAAAAAAAAAAAAAAAAAAAAAAAAAAAAAAAAAAAAAAAAAAAAAAAAAAAAAAAAAAAAAAAAAAAAAAAAAAAAAAAAAAAAAAAAAAAAAAAAAAAAAAFAAAADwAAAAAAAAAAAAAAAAAAAkUAAAAAQAAABQAAAAUAAAAFAAAAAEAAAAAAAAAZAAAAGQAAAAAAAAAZAAAAGQAAAAVAAAAYAAAAAAAAAAAAAAADwAAACADAAAAAAAAAAAAAAEAAACgMgAAVgcAAKr4//8BAAAAf39/AAEAAABkAAAAAAAAABQAAABAHwAAAAAAACYAAAAAAAAAwOD//wAAAAAmAAAAZAAAABYAAABMAAAAAAAAAAAAAAAEAAAAAAAAAAEAAACAgIAKAAAAACgAAAAoAAAAZAAAAGQAAAAAAAAAzMzMAAAAAABQAAAAUAAAAGQAAABkAAAAAAAAABcAAAAUAAAAAAAAAAAAAAD/fwAA/38AAAAAAAAJAAAABAAAAAAAAAAMAAAAEAAAAAAAAAAAAAAAAAAAAAAAAAAeAAAAaAAAAAAAAAAAAAAAAAAAAAAAAAAAAAAAECcAABAnAAAAAAAAAAAAAAAAAAAAAAAAAAAAAAAAAAAAAAAAAAAAABQAAAAAAAAAwMD/AAAAAABkAAAAMgAAAAAAAABkAAAAAAAAAH9/fwAKAAAAHwAAAFQAAAAAAAAFAAAAAQAAAAAAAAAAAAAAAAAAAAAAAAAAAAAAAAAAAAAAAAAAAAAAAn9/fwAAAAADzMzMAMDA/wB/f38AAAAAAAAAAAAAAAAAAAAAAAAAAAAhAAAAGAAAABQAAAAyBQAA4x0AABw9AAAgJwAAEAAAACYAAAAIAAAAgYAAAAAAAAA="/>
               </a:ext>
             </a:extLst>
           </p:cNvSpPr>
@@ -1051,7 +1039,7 @@
             <a:spLocks noGrp="1" noChangeArrowheads="1"/>
             <a:extLst>
               <a:ext uri="smNativeData">
-                <pr:smNativeData xmlns:pr="smNativeData" val="SMDATA_13_3GgiXxMAAAAlAAAAZAAAAA8BAAAAkAAAAEgAAACQAAAASAAAAAAAAAACAAAAAAAAAAEAAABQAAAAAAAAAAAA4D8AAAAAAADgPwAAAAAAAOA/AAAAAAAA4D8AAAAAAADgPwAAAAAAAOA/AAAAAAAA4D8AAAAAAADgPwAAAAAAAOA/AAAAAAAA4D8CAAAAjAAAAAAAAAAAAAAAu+DjDP///wgAAAAAAAAAAAAAAAAAAAAAAAAAAAAAAAAAAAAAZAAAAAEAAABAAAAAAAAAAAAAAAAAAAAAAAAAAAAAAAAAAAAAAAAAAAAAAAAAAAAAAAAAAAAAAAAAAAAAAAAAAAAAAAAAAAAAAAAAAAAAAAAAAAAAAAAAAAAAAAAAAAAAFAAAADwAAAAAAAAAAAAAAAAAAAkUAAAAAQAAABQAAAAUAAAAFAAAAAEAAAAAAAAAZAAAAGQAAAAAAAAAZAAAAGQAAAAVAAAAYAAAAAAAAAAAAAAADwAAACADAAAAAAAAAAAAAAEAAACgMgAAVgcAAKr4//8BAAAAf39/AAEAAABkAAAAAAAAABQAAABAHwAAAAAAACYAAAAAAAAAwOD//wAAAAAmAAAAZAAAABYAAABMAAAAAAAAAAAAAAAEAAAAAAAAAAEAAACAgIAKAAAAACgAAAAoAAAAZAAAAGQAAAAAAAAAzMzMAAAAAABQAAAAUAAAAGQAAABkAAAAAAAAABcAAAAUAAAAAAAAAAAAAAD/fwAA/38AAAAAAAAJAAAABAAAAAAAAAAMAAAAEAAAAAAAAAAAAAAAAAAAAAAAAAAeAAAAaAAAAAAAAAAAAAAAAAAAAAAAAAAAAAAAECcAABAnAAAAAAAAAAAAAAAAAAAAAAAAAAAAAAAAAAAAAAAAAAAAABQAAAAAAAAAwMD/AAAAAABkAAAAMgAAAAAAAABkAAAAAAAAAH9/fwAKAAAAHwAAAFQAAAAAAAAFAAAAAQAAAAAAAAAAAAAAAAAAAAAAAAAAAAAAAAAAAAAAAAAAAAAAAn9/fwAAAAADzMzMAMDA/wB/f38AAAAAAAAAAAAAAAAAAAAAAAAAAAAhAAAAGAAAABQAAAAyBQAAthMAABw9AADjHQAAEAAAACYAAAAIAAAAgYAAAAAAAAA="/>
+                <pr:smNativeData xmlns:pr="smNativeData" val="SMDATA_13_ahOSXxMAAAAlAAAAZAAAAA8BAAAAkAAAAEgAAACQAAAASAAAAAAAAAACAAAAAAAAAAEAAABQAAAAAAAAAAAA4D8AAAAAAADgPwAAAAAAAOA/AAAAAAAA4D8AAAAAAADgPwAAAAAAAOA/AAAAAAAA4D8AAAAAAADgPwAAAAAAAOA/AAAAAAAA4D8CAAAAjAAAAAAAAAAAAAAAu+DjDP///wgAAAAAAAAAAAAAAAAAAAAAAAAAAAAAAAAAAAAAZAAAAAEAAABAAAAAAAAAAAAAAAAAAAAAAAAAAAAAAAAAAAAAAAAAAAAAAAAAAAAAAAAAAAAAAAAAAAAAAAAAAAAAAAAAAAAAAAAAAAAAAAAAAAAAAAAAAAAAAAAAAAAAFAAAADwAAAAAAAAAAAAAAAAAAAkUAAAAAQAAABQAAAAUAAAAFAAAAAEAAAAAAAAAZAAAAGQAAAAAAAAAZAAAAGQAAAAVAAAAYAAAAAAAAAAAAAAADwAAACADAAAAAAAAAAAAAAEAAACgMgAAVgcAAKr4//8BAAAAf39/AAEAAABkAAAAAAAAABQAAABAHwAAAAAAACYAAAAAAAAAwOD//wAAAAAmAAAAZAAAABYAAABMAAAAAAAAAAAAAAAEAAAAAAAAAAEAAACAgIAKAAAAACgAAAAoAAAAZAAAAGQAAAAAAAAAzMzMAAAAAABQAAAAUAAAAGQAAABkAAAAAAAAABcAAAAUAAAAAAAAAAAAAAD/fwAA/38AAAAAAAAJAAAABAAAAAAAAAAMAAAAEAAAAAAAAAAAAAAAAAAAAAAAAAAeAAAAaAAAAAAAAAAAAAAAAAAAAAAAAAAAAAAAECcAABAnAAAAAAAAAAAAAAAAAAAAAAAAAAAAAAAAAAAAAAAAAAAAABQAAAAAAAAAwMD/AAAAAABkAAAAMgAAAAAAAABkAAAAAAAAAH9/fwAKAAAAHwAAAFQAAAAAAAAFAAAAAQAAAAAAAAAAAAAAAAAAAAAAAAAAAAAAAAAAAAAAAAAAAAAAAn9/fwAAAAADzMzMAMDA/wB/f38AAAAAAAAAAAAAAAAAAAAAAAAAAAAhAAAAGAAAABQAAAAyBQAAthMAABw9AADjHQAAEAAAACYAAAAIAAAAgYAAAAAAAAA="/>
               </a:ext>
             </a:extLst>
           </p:cNvSpPr>
@@ -1124,7 +1112,7 @@
             <a:spLocks noGrp="1" noChangeArrowheads="1"/>
             <a:extLst>
               <a:ext uri="smNativeData">
-                <pr:smNativeData xmlns:pr="smNativeData" val="SMDATA_13_3GgiXxMAAAAlAAAAZAAAAA8BAAAAkAAAAEgAAACQAAAASAAAAAAAAAABAAAAAAAAAAEAAABQAAAAAAAAAAAA4D8AAAAAAADgPwAAAAAAAOA/AAAAAAAA4D8AAAAAAADgPwAAAAAAAOA/AAAAAAAA4D8AAAAAAADgPwAAAAAAAOA/AAAAAAAA4D8CAAAAjAAAAAAAAAAAAAAAu+DjDP///wgAAAAAAAAAAAAAAAAAAAAAAAAAAAAAAAAAAAAAZAAAAAEAAABAAAAAAAAAAAAAAAAAAAAAAAAAAAAAAAAAAAAAAAAAAAAAAAAAAAAAAAAAAAAAAAAAAAAAAAAAAAAAAAAAAAAAAAAAAAAAAAAAAAAAAAAAAAAAAAAAAAAAFAAAADwAAAAAAAAAAAAAAAAAAAkUAAAAAQAAABQAAAAUAAAAFAAAAAEAAAAAAAAAZAAAAGQAAAAAAAAAZAAAAGQAAAAVAAAAYAAAAAAAAAAAAAAADwAAACADAAAAAAAAAAAAAAEAAACgMgAAVgcAAKr4//8BAAAAf39/AAEAAABkAAAAAAAAABQAAABAHwAAAAAAACYAAAAAAAAAwOD//wAAAAAmAAAAZAAAABYAAABMAAAAAAAAAAAAAAAEAAAAAAAAAAEAAACAgIAKAAAAACgAAAAoAAAAZAAAAGQAAAAAAAAAzMzMAAAAAABQAAAAUAAAAGQAAABkAAAAAAAAABcAAAAUAAAAAAAAAAAAAAD/fwAA/38AAAAAAAAJAAAABAAAAAAAAAAMAAAAEAAAAAAAAAAAAAAAAAAAAAAAAAAeAAAAaAAAAAAAAAAAAAAAAAAAAAAAAAAAAAAAECcAABAnAAAAAAAAAAAAAAAAAAAAAAAAAAAAAAAAAAAAAAAAAAAAABQAAAAAAAAAwMD/AAAAAABkAAAAMgAAAAAAAABkAAAAAAAAAH9/fwAKAAAAHwAAAFQAAAAAAAAFAAAAAQAAAAAAAAAAAAAAAAAAAAAAAAAAAAAAAAAAAAAAAAAAAAAAAn9/fwAAAAADzMzMAMDA/wB/f38AAAAAAAAAAAAAAAAAAAAAAAAAAAAhAAAAGAAAABQAAABKAwAAHSsAAKMSAACVLQAAEAAAACYAAAAIAAAAAAAAAAAAAAA="/>
+                <pr:smNativeData xmlns:pr="smNativeData" val="SMDATA_13_ahOSXxMAAAAlAAAAZAAAAA8BAAAAkAAAAEgAAACQAAAASAAAAAAAAAABAAAAAAAAAAEAAABQAAAAAAAAAAAA4D8AAAAAAADgPwAAAAAAAOA/AAAAAAAA4D8AAAAAAADgPwAAAAAAAOA/AAAAAAAA4D8AAAAAAADgPwAAAAAAAOA/AAAAAAAA4D8CAAAAjAAAAAAAAAAAAAAAu+DjDP///wgAAAAAAAAAAAAAAAAAAAAAAAAAAAAAAAAAAAAAZAAAAAEAAABAAAAAAAAAAAAAAAAAAAAAAAAAAAAAAAAAAAAAAAAAAAAAAAAAAAAAAAAAAAAAAAAAAAAAAAAAAAAAAAAAAAAAAAAAAAAAAAAAAAAAAAAAAAAAAAAAAAAAFAAAADwAAAAAAAAAAAAAAAAAAAkUAAAAAQAAABQAAAAUAAAAFAAAAAEAAAAAAAAAZAAAAGQAAAAAAAAAZAAAAGQAAAAVAAAAYAAAAAAAAAAAAAAADwAAACADAAAAAAAAAAAAAAEAAACgMgAAVgcAAKr4//8BAAAAf39/AAEAAABkAAAAAAAAABQAAABAHwAAAAAAACYAAAAAAAAAwOD//wAAAAAmAAAAZAAAABYAAABMAAAAAAAAAAAAAAAEAAAAAAAAAAEAAACAgIAKAAAAACgAAAAoAAAAZAAAAGQAAAAAAAAAzMzMAAAAAABQAAAAUAAAAGQAAABkAAAAAAAAABcAAAAUAAAAAAAAAAAAAAD/fwAA/38AAAAAAAAJAAAABAAAAAAAAAAMAAAAEAAAAAAAAAAAAAAAAAAAAAAAAAAeAAAAaAAAAAAAAAAAAAAAAAAAAAAAAAAAAAAAECcAABAnAAAAAAAAAAAAAAAAAAAAAAAAAAAAAAAAAAAAAAAAAAAAABQAAAAAAAAAwMD/AAAAAABkAAAAMgAAAAAAAABkAAAAAAAAAH9/fwAKAAAAHwAAAFQAAAAAAAAFAAAAAQAAAAAAAAAAAAAAAAAAAAAAAAAAAAAAAAAAAAAAAAAAAAAAAn9/fwAAAAADzMzMAMDA/wB/f38AAAAAAAAAAAAAAAAAAAAAAAAAAAAhAAAAGAAAABQAAABKAwAAHSsAAKMSAACVLQAAEAAAACYAAAAIAAAAAAAAAAAAAAA="/>
               </a:ext>
             </a:extLst>
           </p:cNvSpPr>
@@ -1138,7 +1126,7 @@
           <a:lstStyle/>
           <a:p>
             <a:pPr/>
-            <a:fld id="{207312DA-94CD-26E4-83CB-62B15C857537}" type="datetime1">
+            <a:fld id="{B29EBCE1-AF5F-CB4A-1126-591FF268E70C}" type="datetime1">
               <a:t/>
             </a:fld>
           </a:p>
@@ -1151,7 +1139,7 @@
             <a:spLocks noGrp="1" noChangeArrowheads="1"/>
             <a:extLst>
               <a:ext uri="smNativeData">
-                <pr:smNativeData xmlns:pr="smNativeData" val="SMDATA_13_3GgiXxMAAAAlAAAAZAAAAA8BAAAAkAAAAEgAAACQAAAASAAAAAAAAAABAAAAAAAAAAEAAABQAAAAAAAAAAAA4D8AAAAAAADgPwAAAAAAAOA/AAAAAAAA4D8AAAAAAADgPwAAAAAAAOA/AAAAAAAA4D8AAAAAAADgPwAAAAAAAOA/AAAAAAAA4D8CAAAAjAAAAAAAAAAAAAAAu+DjDP///wgAAAAAAAAAAAAAAAAAAAAAAAAAAAAAAAAAAAAAZAAAAAEAAABAAAAAAAAAAAAAAAAAAAAAAAAAAAAAAAAAAAAAAAAAAAAAAAAAAAAAAAAAAAAAAAAAAAAAAAAAAAAAAAAAAAAAAAAAAAAAAAAAAAAAAAAAAAAAAAAAAAAAFAAAADwAAAAAAAAAAAAAAAAAAAkUAAAAAQAAABQAAAAUAAAAFAAAAAEAAAAAAAAAZAAAAGQAAAAAAAAAZAAAAGQAAAAVAAAAYAAAAAAAAAAAAAAADwAAACADAAAAAAAAAAAAAAEAAACgMgAAVgcAAKr4//8BAAAAf39/AAEAAABkAAAAAAAAABQAAABAHwAAAAAAACYAAAAAAAAAwOD//wAAAAAmAAAAZAAAABYAAABMAAAAAAAAAAAAAAAEAAAAAAAAAAEAAACAgIAKAAAAACgAAAAoAAAAZAAAAGQAAAAAAAAAzMzMAAAAAABQAAAAUAAAAGQAAABkAAAAAAAAABcAAAAUAAAAAAAAAAAAAAD/fwAA/38AAAAAAAAJAAAABAAAAPBClTQMAAAAEAAAAAAAAAAAAAAAAAAAAAAAAAAeAAAAaAAAAAAAAAAAAAAAAAAAAAAAAAAAAAAAECcAABAnAAAAAAAAAAAAAAAAAAAAAAAAAAAAAAAAAAAAAAAAAAAAABQAAAAAAAAAwMD/AAAAAABkAAAAMgAAAAAAAABkAAAAAAAAAH9/fwAKAAAAHwAAAFQAAAAAAAAFAAAAAQAAAAAAAAAAAAAAAAAAAAAAAAAAAAAAAAAAAAAAAAAAAAAAAn9/fwAAAAADzMzMAMDA/wB/f38AAAAAAAAAAAAAAAAAAAAAAAAAAAAhAAAAGAAAABQAAAB5FgAAHSsAAE4rAACVLQAAEAAAACYAAAAIAAAAAAAAAAAAAAA="/>
+                <pr:smNativeData xmlns:pr="smNativeData" val="SMDATA_13_ahOSXxMAAAAlAAAAZAAAAA8BAAAAkAAAAEgAAACQAAAASAAAAAAAAAABAAAAAAAAAAEAAABQAAAAAAAAAAAA4D8AAAAAAADgPwAAAAAAAOA/AAAAAAAA4D8AAAAAAADgPwAAAAAAAOA/AAAAAAAA4D8AAAAAAADgPwAAAAAAAOA/AAAAAAAA4D8CAAAAjAAAAAAAAAAAAAAAu+DjDP///wgAAAAAAAAAAAAAAAAAAAAAAAAAAAAAAAAAAAAAZAAAAAEAAABAAAAAAAAAAAAAAAAAAAAAAAAAAAAAAAAAAAAAAAAAAAAAAAAAAAAAAAAAAAAAAAAAAAAAAAAAAAAAAAAAAAAAAAAAAAAAAAAAAAAAAAAAAAAAAAAAAAAAFAAAADwAAAAAAAAAAAAAAAAAAAkUAAAAAQAAABQAAAAUAAAAFAAAAAEAAAAAAAAAZAAAAGQAAAAAAAAAZAAAAGQAAAAVAAAAYAAAAAAAAAAAAAAADwAAACADAAAAAAAAAAAAAAEAAACgMgAAVgcAAKr4//8BAAAAf39/AAEAAABkAAAAAAAAABQAAABAHwAAAAAAACYAAAAAAAAAwOD//wAAAAAmAAAAZAAAABYAAABMAAAAAAAAAAAAAAAEAAAAAAAAAAEAAACAgIAKAAAAACgAAAAoAAAAZAAAAGQAAAAAAAAAzMzMAAAAAABQAAAAUAAAAGQAAABkAAAAAAAAABcAAAAUAAAAAAAAAAAAAAD/fwAA/38AAAAAAAAJAAAABAAAAPBClTQMAAAAEAAAAAAAAAAAAAAAAAAAAAAAAAAeAAAAaAAAAAAAAAAAAAAAAAAAAAAAAAAAAAAAECcAABAnAAAAAAAAAAAAAAAAAAAAAAAAAAAAAAAAAAAAAAAAAAAAABQAAAAAAAAAwMD/AAAAAABkAAAAMgAAAAAAAABkAAAAAAAAAH9/fwAKAAAAHwAAAFQAAAAAAAAFAAAAAQAAAAAAAAAAAAAAAAAAAAAAAAAAAAAAAAAAAAAAAAAAAAAAAn9/fwAAAAADzMzMAMDA/wB/f38AAAAAAAAAAAAAAAAAAAAAAAAAAAAhAAAAGAAAABQAAAB5FgAAHSsAAE4rAACVLQAAEAAAACYAAAAIAAAAAAAAAAAAAAA="/>
               </a:ext>
             </a:extLst>
           </p:cNvSpPr>
@@ -1165,9 +1153,6 @@
           <a:lstStyle/>
           <a:p>
             <a:pPr/>
-            <a:r>
-              <a:t/>
-            </a:r>
           </a:p>
         </p:txBody>
       </p:sp>
@@ -1178,7 +1163,7 @@
             <a:spLocks noGrp="1" noChangeArrowheads="1"/>
             <a:extLst>
               <a:ext uri="smNativeData">
-                <pr:smNativeData xmlns:pr="smNativeData" val="SMDATA_13_3GgiXxMAAAAlAAAAZAAAAA8BAAAAkAAAAEgAAACQAAAASAAAAAAAAAABAAAAAAAAAAEAAABQAAAAAAAAAAAA4D8AAAAAAADgPwAAAAAAAOA/AAAAAAAA4D8AAAAAAADgPwAAAAAAAOA/AAAAAAAA4D8AAAAAAADgPwAAAAAAAOA/AAAAAAAA4D8CAAAAjAAAAAAAAAAAAAAAu+DjDP///wgAAAAAAAAAAAAAAAAAAAAAAAAAAAAAAAAAAAAAZAAAAAEAAABAAAAAAAAAAAAAAAAAAAAAAAAAAAAAAAAAAAAAAAAAAAAAAAAAAAAAAAAAAAAAAAAAAAAAAAAAAAAAAAAAAAAAAAAAAAAAAAAAAAAAAAAAAAAAAAAAAAAAFAAAADwAAAAAAAAAAAAAAAAAAAkUAAAAAQAAABQAAAAUAAAAFAAAAAEAAAAAAAAAZAAAAGQAAAAAAAAAZAAAAGQAAAAVAAAAYAAAAAAAAAAAAAAADwAAACADAAAAAAAAAAAAAAEAAACgMgAAVgcAAKr4//8BAAAAf39/AAEAAABkAAAAAAAAABQAAABAHwAAAAAAACYAAAAAAAAAwOD//wAAAAAmAAAAZAAAABYAAABMAAAAAAAAAAAAAAAEAAAAAAAAAAEAAACAgIAKAAAAACgAAAAoAAAAZAAAAGQAAAAAAAAAzMzMAAAAAABQAAAAUAAAAGQAAABkAAAAAAAAABcAAAAUAAAAAAAAAAAAAAD/fwAA/38AAAAAAAAJAAAABAAAAAMAhj4MAAAAEAAAAAAAAAAAAAAAAAAAAAAAAAAeAAAAaAAAAAAAAAAAAAAAAAAAAAAAAAAAAAAAECcAABAnAAAAAAAAAAAAAAAAAAAAAAAAAAAAAAAAAAAAAAAAAAAAABQAAAAAAAAAwMD/AAAAAABkAAAAMgAAAAAAAABkAAAAAAAAAH9/fwAKAAAAHwAAAFQAAAAAAAAFAAAAAQAAAAAAAAAAAAAAAAAAAAAAAAAAAAAAAAAAAAAAAAAAAAAAAn9/fwAAAAADzMzMAMDA/wB/f38AAAAAAAAAAAAAAAAAAAAAAAAAAAAhAAAAGAAAABQAAAAkLwAAHSsAAH4+AACVLQAAEAAAACYAAAAIAAAAAAAAAAAAAAA="/>
+                <pr:smNativeData xmlns:pr="smNativeData" val="SMDATA_13_ahOSXxMAAAAlAAAAZAAAAA8BAAAAkAAAAEgAAACQAAAASAAAAAAAAAABAAAAAAAAAAEAAABQAAAAAAAAAAAA4D8AAAAAAADgPwAAAAAAAOA/AAAAAAAA4D8AAAAAAADgPwAAAAAAAOA/AAAAAAAA4D8AAAAAAADgPwAAAAAAAOA/AAAAAAAA4D8CAAAAjAAAAAAAAAAAAAAAu+DjDP///wgAAAAAAAAAAAAAAAAAAAAAAAAAAAAAAAAAAAAAZAAAAAEAAABAAAAAAAAAAAAAAAAAAAAAAAAAAAAAAAAAAAAAAAAAAAAAAAAAAAAAAAAAAAAAAAAAAAAAAAAAAAAAAAAAAAAAAAAAAAAAAAAAAAAAAAAAAAAAAAAAAAAAFAAAADwAAAAAAAAAAAAAAAAAAAkUAAAAAQAAABQAAAAUAAAAFAAAAAEAAAAAAAAAZAAAAGQAAAAAAAAAZAAAAGQAAAAVAAAAYAAAAAAAAAAAAAAADwAAACADAAAAAAAAAAAAAAEAAACgMgAAVgcAAKr4//8BAAAAf39/AAEAAABkAAAAAAAAABQAAABAHwAAAAAAACYAAAAAAAAAwOD//wAAAAAmAAAAZAAAABYAAABMAAAAAAAAAAAAAAAEAAAAAAAAAAEAAACAgIAKAAAAACgAAAAoAAAAZAAAAGQAAAAAAAAAzMzMAAAAAABQAAAAUAAAAGQAAABkAAAAAAAAABcAAAAUAAAAAAAAAAAAAAD/fwAA/38AAAAAAAAJAAAABAAAAAMAhj4MAAAAEAAAAAAAAAAAAAAAAAAAAAAAAAAeAAAAaAAAAAAAAAAAAAAAAAAAAAAAAAAAAAAAECcAABAnAAAAAAAAAAAAAAAAAAAAAAAAAAAAAAAAAAAAAAAAAAAAABQAAAAAAAAAwMD/AAAAAABkAAAAMgAAAAAAAABkAAAAAAAAAH9/fwAKAAAAHwAAAFQAAAAAAAAFAAAAAQAAAAAAAAAAAAAAAAAAAAAAAAAAAAAAAAAAAAAAAAAAAAAAAn9/fwAAAAADzMzMAMDA/wB/f38AAAAAAAAAAAAAAAAAAAAAAAAAAAAhAAAAGAAAABQAAAAkLwAAHSsAAH4+AACVLQAAEAAAACYAAAAIAAAAAAAAAAAAAAA="/>
               </a:ext>
             </a:extLst>
           </p:cNvSpPr>
@@ -1192,7 +1177,7 @@
           <a:lstStyle/>
           <a:p>
             <a:pPr/>
-            <a:fld id="{207309DB-95CD-26FF-83CB-63AA47857536}" type="slidenum">
+            <a:fld id="{B29EF921-6F5F-CB0F-1126-995AB768E7CC}" type="slidenum">
               <a:t/>
             </a:fld>
           </a:p>
@@ -1230,7 +1215,7 @@
             <a:spLocks noGrp="1" noChangeArrowheads="1"/>
             <a:extLst>
               <a:ext uri="smNativeData">
-                <pr:smNativeData xmlns:pr="smNativeData" val="SMDATA_13_3GgiXxMAAAAlAAAAZAAAAA8BAAAAkAAAAEgAAACQAAAASAAAAAAAAAABAAAAAAAAAAEAAABQAAAAAAAAAAAA4D8AAAAAAADgPwAAAAAAAOA/AAAAAAAA4D8AAAAAAADgPwAAAAAAAOA/AAAAAAAA4D8AAAAAAADgPwAAAAAAAOA/AAAAAAAA4D8CAAAAjAAAAAAAAAAAAAAAu+DjDP///wgAAAAAAAAAAAAAAAAAAAAAAAAAAAAAAAAAAAAAZAAAAAEAAABAAAAAAAAAAAAAAAAAAAAAAAAAAAAAAAAAAAAAAAAAAAAAAAAAAAAAAAAAAAAAAAAAAAAAAAAAAAAAAAAAAAAAAAAAAAAAAAAAAAAAAAAAAAAAAAAAAAAAFAAAADwAAAAAAAAAAAAAAAAAAAkUAAAAAQAAABQAAAAUAAAAFAAAAAEAAAAAAAAAZAAAAGQAAAAAAAAAZAAAAGQAAAAVAAAAYAAAAAAAAAAAAAAADwAAACADAAAAAAAAAAAAAAEAAACgMgAAVgcAAKr4//8BAAAAf39/AAEAAABkAAAAAAAAABQAAABAHwAAAAAAACYAAAAAAAAAwOD//wAAAAAmAAAAZAAAABYAAABMAAAAAAAAAAAAAAAEAAAAAAAAAAEAAACAgIAKAAAAACgAAAAoAAAAZAAAAGQAAAAAAAAAzMzMAAAAAABQAAAAUAAAAGQAAABkAAAAAAAAABcAAAAUAAAAAAAAAAAAAAD/fwAA/38AAAAAAAAJAAAABAAAAAQAhUEMAAAAEAAAAAAAAAAAAAAAAAAAAAAAAAAeAAAAaAAAAAAAAAAAAAAAAAAAAAAAAAAAAAAAECcAABAnAAAAAAAAAAAAAAAAAAAAAAAAAAAAAAAAAAAAAAAAAAAAABQAAAAAAAAAwMD/AAAAAABkAAAAMgAAAAAAAABkAAAAAAAAAH9/fwAKAAAAHwAAAFQAAAAAAAAFAAAAAQAAAAAAAAAAAAAAAAAAAAAAAAAAAAAAAAAAAAAAAAAAAAAAAn9/fwAAAAADzMzMAMDA/wB/f38AAAAAAAAAAAAAAAAAAAAAAAAAAAAhAAAAGAAAABQAAABKAwAA3AEAAH4+AACcCQAAEAAAACYAAAAIAAAAAAAAAAAAAAA="/>
+                <pr:smNativeData xmlns:pr="smNativeData" val="SMDATA_13_ahOSXxMAAAAlAAAAZAAAAA8BAAAAkAAAAEgAAACQAAAASAAAAAAAAAABAAAAAAAAAAEAAABQAAAAAAAAAAAA4D8AAAAAAADgPwAAAAAAAOA/AAAAAAAA4D8AAAAAAADgPwAAAAAAAOA/AAAAAAAA4D8AAAAAAADgPwAAAAAAAOA/AAAAAAAA4D8CAAAAjAAAAAAAAAAAAAAAu+DjDP///wgAAAAAAAAAAAAAAAAAAAAAAAAAAAAAAAAAAAAAZAAAAAEAAABAAAAAAAAAAAAAAAAAAAAAAAAAAAAAAAAAAAAAAAAAAAAAAAAAAAAAAAAAAAAAAAAAAAAAAAAAAAAAAAAAAAAAAAAAAAAAAAAAAAAAAAAAAAAAAAAAAAAAFAAAADwAAAAAAAAAAAAAAAAAAAkUAAAAAQAAABQAAAAUAAAAFAAAAAEAAAAAAAAAZAAAAGQAAAAAAAAAZAAAAGQAAAAVAAAAYAAAAAAAAAAAAAAADwAAACADAAAAAAAAAAAAAAEAAACgMgAAVgcAAKr4//8BAAAAf39/AAEAAABkAAAAAAAAABQAAABAHwAAAAAAACYAAAAAAAAAwOD//wAAAAAmAAAAZAAAABYAAABMAAAAAAAAAAAAAAAEAAAAAAAAAAEAAACAgIAKAAAAACgAAAAoAAAAZAAAAGQAAAAAAAAAzMzMAAAAAABQAAAAUAAAAGQAAABkAAAAAAAAABcAAAAUAAAAAAAAAAAAAAD/fwAA/38AAAAAAAAJAAAABAAAAAQAhUEMAAAAEAAAAAAAAAAAAAAAAAAAAAAAAAAeAAAAaAAAAAAAAAAAAAAAAAAAAAAAAAAAAAAAECcAABAnAAAAAAAAAAAAAAAAAAAAAAAAAAAAAAAAAAAAAAAAAAAAABQAAAAAAAAAwMD/AAAAAABkAAAAMgAAAAAAAABkAAAAAAAAAH9/fwAKAAAAHwAAAFQAAAAAAAAFAAAAAQAAAAAAAAAAAAAAAAAAAAAAAAAAAAAAAAAAAAAAAAAAAAAAAn9/fwAAAAADzMzMAMDA/wB/f38AAAAAAAAAAAAAAAAAAAAAAAAAAAAhAAAAGAAAABQAAABKAwAA3AEAAH4+AACcCQAAEAAAACYAAAAIAAAAAAAAAAAAAAA="/>
               </a:ext>
             </a:extLst>
           </p:cNvSpPr>
@@ -1257,7 +1242,7 @@
             <a:spLocks noGrp="1" noChangeArrowheads="1"/>
             <a:extLst>
               <a:ext uri="smNativeData">
-                <pr:smNativeData xmlns:pr="smNativeData" val="SMDATA_13_3GgiXxMAAAAlAAAAZAAAAA8BAAAAkAAAAEgAAACQAAAASAAAAAAAAAAAAAAAAAAAAAEAAABQAAAAAAAAAAAA4D8AAAAAAADgPwAAAAAAAOA/AAAAAAAA4D8AAAAAAADgPwAAAAAAAOA/AAAAAAAA4D8AAAAAAADgPwAAAAAAAOA/AAAAAAAA4D8CAAAAjAAAAAAAAAAAAAAAu+DjDP///wgAAAAAAAAAAAAAAAAAAAAAAAAAAAAAAAAAAAAAZAAAAAEAAABAAAAAAAAAAAAAAAAAAAAAAAAAAAAAAAAAAAAAAAAAAAAAAAAAAAAAAAAAAAAAAAAAAAAAAAAAAAAAAAAAAAAAAAAAAAAAAAAAAAAAAAAAAAAAAAAAAAAAFAAAADwAAAAAAAAAAAAAAAAAAAkUAAAAAQAAABQAAAAUAAAAFAAAAAEAAAAAAAAAZAAAAGQAAAAAAAAAZAAAAGQAAAAVAAAAYAAAAAAAAAAAAAAADwAAACADAAAAAAAAAAAAAAEAAACgMgAAVgcAAKr4//8BAAAAf39/AAEAAABkAAAAAAAAABQAAABAHwAAAAAAACYAAAAAAAAAwOD//wAAAAAmAAAAZAAAABYAAABMAAAAAAAAAAAAAAAEAAAAAAAAAAEAAACAgIAKAAAAACgAAAAoAAAAZAAAAGQAAAAAAAAAzMzMAAAAAABQAAAAUAAAAGQAAABkAAAAAAAAABcAAAAUAAAAAAAAAAAAAAD/fwAA/38AAAAAAAAJAAAABAAAAE4iBAAMAAAAEAAAAAAAAAAAAAAAAAAAAAAAAAAeAAAAaAAAAAAAAAAAAAAAAAAAAAAAAAAAAAAAECcAABAnAAAAAAAAAAAAAAAAAAAAAAAAAAAAAAAAAAAAAAAAAAAAABQAAAAAAAAAwMD/AAAAAABkAAAAMgAAAAAAAABkAAAAAAAAAH9/fwAKAAAAHwAAAFQAAAAAAAAFAAAAAQAAAAAAAAAAAAAAAAAAAAAAAAAAAAAAAAAAAAAAAAAAAAAAAn9/fwAAAAADzMzMAMDA/wB/f38AAAAAAAAAAAAAAAAAAAAAAAAAAAAhAAAAGAAAABQAAABKAwAA2goAAFcgAACMKQAAEAAAACYAAAAIAAAAAYAAAAAAAAA="/>
+                <pr:smNativeData xmlns:pr="smNativeData" val="SMDATA_13_ahOSXxMAAAAlAAAAZAAAAA8BAAAAkAAAAEgAAACQAAAASAAAAAAAAAAAAAAAAAAAAAEAAABQAAAAAAAAAAAA4D8AAAAAAADgPwAAAAAAAOA/AAAAAAAA4D8AAAAAAADgPwAAAAAAAOA/AAAAAAAA4D8AAAAAAADgPwAAAAAAAOA/AAAAAAAA4D8CAAAAjAAAAAAAAAAAAAAAu+DjDP///wgAAAAAAAAAAAAAAAAAAAAAAAAAAAAAAAAAAAAAZAAAAAEAAABAAAAAAAAAAAAAAAAAAAAAAAAAAAAAAAAAAAAAAAAAAAAAAAAAAAAAAAAAAAAAAAAAAAAAAAAAAAAAAAAAAAAAAAAAAAAAAAAAAAAAAAAAAAAAAAAAAAAAFAAAADwAAAAAAAAAAAAAAAAAAAkUAAAAAQAAABQAAAAUAAAAFAAAAAEAAAAAAAAAZAAAAGQAAAAAAAAAZAAAAGQAAAAVAAAAYAAAAAAAAAAAAAAADwAAACADAAAAAAAAAAAAAAEAAACgMgAAVgcAAKr4//8BAAAAf39/AAEAAABkAAAAAAAAABQAAABAHwAAAAAAACYAAAAAAAAAwOD//wAAAAAmAAAAZAAAABYAAABMAAAAAAAAAAAAAAAEAAAAAAAAAAEAAACAgIAKAAAAACgAAAAoAAAAZAAAAGQAAAAAAAAAzMzMAAAAAABQAAAAUAAAAGQAAABkAAAAAAAAABcAAAAUAAAAAAAAAAAAAAD/fwAA/38AAAAAAAAJAAAABAAAAE4iBAAMAAAAEAAAAAAAAAAAAAAAAAAAAAAAAAAeAAAAaAAAAAAAAAAAAAAAAAAAAAAAAAAAAAAAECcAABAnAAAAAAAAAAAAAAAAAAAAAAAAAAAAAAAAAAAAAAAAAAAAABQAAAAAAAAAwMD/AAAAAABkAAAAMgAAAAAAAABkAAAAAAAAAH9/fwAKAAAAHwAAAFQAAAAAAAAFAAAAAQAAAAAAAAAAAAAAAAAAAAAAAAAAAAAAAAAAAAAAAAAAAAAAAn9/fwAAAAADzMzMAMDA/wB/f38AAAAAAAAAAAAAAAAAAAAAAAAAAAAhAAAAGAAAABQAAABKAwAA2goAAFcgAACMKQAAEAAAACYAAAAIAAAAAYAAAAAAAAA="/>
               </a:ext>
             </a:extLst>
           </p:cNvSpPr>
@@ -1341,7 +1326,7 @@
             <a:spLocks noGrp="1" noChangeArrowheads="1"/>
             <a:extLst>
               <a:ext uri="smNativeData">
-                <pr:smNativeData xmlns:pr="smNativeData" val="SMDATA_13_3GgiXxMAAAAlAAAAZAAAAA8BAAAAkAAAAEgAAACQAAAASAAAAAAAAAAAAAAAAAAAAAEAAABQAAAAAAAAAAAA4D8AAAAAAADgPwAAAAAAAOA/AAAAAAAA4D8AAAAAAADgPwAAAAAAAOA/AAAAAAAA4D8AAAAAAADgPwAAAAAAAOA/AAAAAAAA4D8CAAAAjAAAAAAAAAAAAAAAu+DjDP///wgAAAAAAAAAAAAAAAAAAAAAAAAAAAAAAAAAAAAAZAAAAAEAAABAAAAAAAAAAAAAAAAAAAAAAAAAAAAAAAAAAAAAAAAAAAAAAAAAAAAAAAAAAAAAAAAAAAAAAAAAAAAAAAAAAAAAAAAAAAAAAAAAAAAAAAAAAAAAAAAAAAAAFAAAADwAAAAAAAAAAAAAAAAAAAkUAAAAAQAAABQAAAAUAAAAFAAAAAEAAAAAAAAAZAAAAGQAAAAAAAAAZAAAAGQAAAAVAAAAYAAAAAAAAAAAAAAADwAAACADAAAAAAAAAAAAAAEAAACgMgAAVgcAAKr4//8BAAAAf39/AAEAAABkAAAAAAAAABQAAABAHwAAAAAAACYAAAAAAAAAwOD//wAAAAAmAAAAZAAAABYAAABMAAAAAAAAAAAAAAAEAAAAAAAAAAEAAACAgIAKAAAAACgAAAAoAAAAZAAAAGQAAAAAAAAAzMzMAAAAAABQAAAAUAAAAGQAAABkAAAAAAAAABcAAAAUAAAAAAAAAAAAAAD/fwAA/38AAAAAAAAJAAAABAAAANKoAwAMAAAAEAAAAAAAAAAAAAAAAAAAAAAAAAAeAAAAaAAAAAAAAAAAAAAAAAAAAAAAAAAAAAAAECcAABAnAAAAAAAAAAAAAAAAAAAAAAAAAAAAAAAAAAAAAAAAAAAAABQAAAAAAAAAwMD/AAAAAABkAAAAMgAAAAAAAABkAAAAAAAAAH9/fwAKAAAAHwAAAFQAAAAAAAAFAAAAAQAAAAAAAAAAAAAAAAAAAAAAAAAAAAAAAAAAAAAAAAAAAAAAAn9/fwAAAAADzMzMAMDA/wB/f38AAAAAAAAAAAAAAAAAAAAAAAAAAAAhAAAAGAAAABQAAABwIQAA2goAAH4+AACMKQAAEAAAACYAAAAIAAAAAYAAAAAAAAA="/>
+                <pr:smNativeData xmlns:pr="smNativeData" val="SMDATA_13_ahOSXxMAAAAlAAAAZAAAAA8BAAAAkAAAAEgAAACQAAAASAAAAAAAAAAAAAAAAAAAAAEAAABQAAAAAAAAAAAA4D8AAAAAAADgPwAAAAAAAOA/AAAAAAAA4D8AAAAAAADgPwAAAAAAAOA/AAAAAAAA4D8AAAAAAADgPwAAAAAAAOA/AAAAAAAA4D8CAAAAjAAAAAAAAAAAAAAAu+DjDP///wgAAAAAAAAAAAAAAAAAAAAAAAAAAAAAAAAAAAAAZAAAAAEAAABAAAAAAAAAAAAAAAAAAAAAAAAAAAAAAAAAAAAAAAAAAAAAAAAAAAAAAAAAAAAAAAAAAAAAAAAAAAAAAAAAAAAAAAAAAAAAAAAAAAAAAAAAAAAAAAAAAAAAFAAAADwAAAAAAAAAAAAAAAAAAAkUAAAAAQAAABQAAAAUAAAAFAAAAAEAAAAAAAAAZAAAAGQAAAAAAAAAZAAAAGQAAAAVAAAAYAAAAAAAAAAAAAAADwAAACADAAAAAAAAAAAAAAEAAACgMgAAVgcAAKr4//8BAAAAf39/AAEAAABkAAAAAAAAABQAAABAHwAAAAAAACYAAAAAAAAAwOD//wAAAAAmAAAAZAAAABYAAABMAAAAAAAAAAAAAAAEAAAAAAAAAAEAAACAgIAKAAAAACgAAAAoAAAAZAAAAGQAAAAAAAAAzMzMAAAAAABQAAAAUAAAAGQAAABkAAAAAAAAABcAAAAUAAAAAAAAAAAAAAD/fwAA/38AAAAAAAAJAAAABAAAANKoAwAMAAAAEAAAAAAAAAAAAAAAAAAAAAAAAAAeAAAAaAAAAAAAAAAAAAAAAAAAAAAAAAAAAAAAECcAABAnAAAAAAAAAAAAAAAAAAAAAAAAAAAAAAAAAAAAAAAAAAAAABQAAAAAAAAAwMD/AAAAAABkAAAAMgAAAAAAAABkAAAAAAAAAH9/fwAKAAAAHwAAAFQAAAAAAAAFAAAAAQAAAAAAAAAAAAAAAAAAAAAAAAAAAAAAAAAAAAAAAAAAAAAAAn9/fwAAAAADzMzMAMDA/wB/f38AAAAAAAAAAAAAAAAAAAAAAAAAAAAhAAAAGAAAABQAAABwIQAA2goAAH4+AACMKQAAEAAAACYAAAAIAAAAAYAAAAAAAAA="/>
               </a:ext>
             </a:extLst>
           </p:cNvSpPr>
@@ -1425,7 +1410,7 @@
             <a:spLocks noGrp="1" noChangeArrowheads="1"/>
             <a:extLst>
               <a:ext uri="smNativeData">
-                <pr:smNativeData xmlns:pr="smNativeData" val="SMDATA_13_3GgiXxMAAAAlAAAAZAAAAA8BAAAAkAAAAEgAAACQAAAASAAAAAAAAAABAAAAAAAAAAEAAABQAAAAAAAAAAAA4D8AAAAAAADgPwAAAAAAAOA/AAAAAAAA4D8AAAAAAADgPwAAAAAAAOA/AAAAAAAA4D8AAAAAAADgPwAAAAAAAOA/AAAAAAAA4D8CAAAAjAAAAAAAAAAAAAAAu+DjDP///wgAAAAAAAAAAAAAAAAAAAAAAAAAAAAAAAAAAAAAZAAAAAEAAABAAAAAAAAAAAAAAAAAAAAAAAAAAAAAAAAAAAAAAAAAAAAAAAAAAAAAAAAAAAAAAAAAAAAAAAAAAAAAAAAAAAAAAAAAAAAAAAAAAAAAAAAAAAAAAAAAAAAAFAAAADwAAAAAAAAAAAAAAAAAAAkUAAAAAQAAABQAAAAUAAAAFAAAAAEAAAAAAAAAZAAAAGQAAAAAAAAAZAAAAGQAAAAVAAAAYAAAAAAAAAAAAAAADwAAACADAAAAAAAAAAAAAAEAAACgMgAAVgcAAKr4//8BAAAAf39/AAEAAABkAAAAAAAAABQAAABAHwAAAAAAACYAAAAAAAAAwOD//wAAAAAmAAAAZAAAABYAAABMAAAAAAAAAAAAAAAEAAAAAAAAAAEAAACAgIAKAAAAACgAAAAoAAAAZAAAAGQAAAAAAAAAzMzMAAAAAABQAAAAUAAAAGQAAABkAAAAAAAAABcAAAAUAAAAAAAAAAAAAAD/fwAA/38AAAAAAAAJAAAABAAAAJvuAwAMAAAAEAAAAAAAAAAAAAAAAAAAAAAAAAAeAAAAaAAAAAAAAAAAAAAAAAAAAAAAAAAAAAAAECcAABAnAAAAAAAAAAAAAAAAAAAAAAAAAAAAAAAAAAAAAAAAAAAAABQAAAAAAAAAwMD/AAAAAABkAAAAMgAAAAAAAABkAAAAAAAAAH9/fwAKAAAAHwAAAFQAAAAAAAAFAAAAAQAAAAAAAAAAAAAAAAAAAAAAAAAAAAAAAAAAAAAAAAAAAAAAAn9/fwAAAAADzMzMAMDA/wB/f38AAAAAAAAAAAAAAAAAAAAAAAAAAAAhAAAAGAAAABQAAABKAwAAHSsAAKMSAACVLQAAEAAAACYAAAAIAAAAAAAAAAAAAAA="/>
+                <pr:smNativeData xmlns:pr="smNativeData" val="SMDATA_13_ahOSXxMAAAAlAAAAZAAAAA8BAAAAkAAAAEgAAACQAAAASAAAAAAAAAABAAAAAAAAAAEAAABQAAAAAAAAAAAA4D8AAAAAAADgPwAAAAAAAOA/AAAAAAAA4D8AAAAAAADgPwAAAAAAAOA/AAAAAAAA4D8AAAAAAADgPwAAAAAAAOA/AAAAAAAA4D8CAAAAjAAAAAAAAAAAAAAAu+DjDP///wgAAAAAAAAAAAAAAAAAAAAAAAAAAAAAAAAAAAAAZAAAAAEAAABAAAAAAAAAAAAAAAAAAAAAAAAAAAAAAAAAAAAAAAAAAAAAAAAAAAAAAAAAAAAAAAAAAAAAAAAAAAAAAAAAAAAAAAAAAAAAAAAAAAAAAAAAAAAAAAAAAAAAFAAAADwAAAAAAAAAAAAAAAAAAAkUAAAAAQAAABQAAAAUAAAAFAAAAAEAAAAAAAAAZAAAAGQAAAAAAAAAZAAAAGQAAAAVAAAAYAAAAAAAAAAAAAAADwAAACADAAAAAAAAAAAAAAEAAACgMgAAVgcAAKr4//8BAAAAf39/AAEAAABkAAAAAAAAABQAAABAHwAAAAAAACYAAAAAAAAAwOD//wAAAAAmAAAAZAAAABYAAABMAAAAAAAAAAAAAAAEAAAAAAAAAAEAAACAgIAKAAAAACgAAAAoAAAAZAAAAGQAAAAAAAAAzMzMAAAAAABQAAAAUAAAAGQAAABkAAAAAAAAABcAAAAUAAAAAAAAAAAAAAD/fwAA/38AAAAAAAAJAAAABAAAAJvuAwAMAAAAEAAAAAAAAAAAAAAAAAAAAAAAAAAeAAAAaAAAAAAAAAAAAAAAAAAAAAAAAAAAAAAAECcAABAnAAAAAAAAAAAAAAAAAAAAAAAAAAAAAAAAAAAAAAAAAAAAABQAAAAAAAAAwMD/AAAAAABkAAAAMgAAAAAAAABkAAAAAAAAAH9/fwAKAAAAHwAAAFQAAAAAAAAFAAAAAQAAAAAAAAAAAAAAAAAAAAAAAAAAAAAAAAAAAAAAAAAAAAAAAn9/fwAAAAADzMzMAMDA/wB/f38AAAAAAAAAAAAAAAAAAAAAAAAAAAAhAAAAGAAAABQAAABKAwAAHSsAAKMSAACVLQAAEAAAACYAAAAIAAAAAAAAAAAAAAA="/>
               </a:ext>
             </a:extLst>
           </p:cNvSpPr>
@@ -1439,7 +1424,7 @@
           <a:lstStyle/>
           <a:p>
             <a:pPr/>
-            <a:fld id="{20737200-4ECD-2684-83CB-B8D13C8575ED}" type="datetime1">
+            <a:fld id="{B29E8DD4-9A5F-CB7B-1126-6C2EC368E739}" type="datetime1">
               <a:t/>
             </a:fld>
           </a:p>
@@ -1452,7 +1437,7 @@
             <a:spLocks noGrp="1" noChangeArrowheads="1"/>
             <a:extLst>
               <a:ext uri="smNativeData">
-                <pr:smNativeData xmlns:pr="smNativeData" val="SMDATA_13_3GgiXxMAAAAlAAAAZAAAAA8BAAAAkAAAAEgAAACQAAAASAAAAAAAAAABAAAAAAAAAAEAAABQAAAAAAAAAAAA4D8AAAAAAADgPwAAAAAAAOA/AAAAAAAA4D8AAAAAAADgPwAAAAAAAOA/AAAAAAAA4D8AAAAAAADgPwAAAAAAAOA/AAAAAAAA4D8CAAAAjAAAAAAAAAAAAAAAu+DjDP///wgAAAAAAAAAAAAAAAAAAAAAAAAAAAAAAAAAAAAAZAAAAAEAAABAAAAAAAAAAAAAAAAAAAAAAAAAAAAAAAAAAAAAAAAAAAAAAAAAAAAAAAAAAAAAAAAAAAAAAAAAAAAAAAAAAAAAAAAAAAAAAAAAAAAAAAAAAAAAAAAAAAAAFAAAADwAAAAAAAAAAAAAAAAAAAkUAAAAAQAAABQAAAAUAAAAFAAAAAEAAAAAAAAAZAAAAGQAAAAAAAAAZAAAAGQAAAAVAAAAYAAAAAAAAAAAAAAADwAAACADAAAAAAAAAAAAAAEAAACgMgAAVgcAAKr4//8BAAAAf39/AAEAAABkAAAAAAAAABQAAABAHwAAAAAAACYAAAAAAAAAwOD//wAAAAAmAAAAZAAAABYAAABMAAAAAAAAAAAAAAAEAAAAAAAAAAEAAACAgIAKAAAAACgAAAAoAAAAZAAAAGQAAAAAAAAAzMzMAAAAAABQAAAAUAAAAGQAAABkAAAAAAAAABcAAAAUAAAAAAAAAAAAAAD/fwAA/38AAAAAAAAJAAAABAAAAM9AOv8MAAAAEAAAAAAAAAAAAAAAAAAAAAAAAAAeAAAAaAAAAAAAAAAAAAAAAAAAAAAAAAAAAAAAECcAABAnAAAAAAAAAAAAAAAAAAAAAAAAAAAAAAAAAAAAAAAAAAAAABQAAAAAAAAAwMD/AAAAAABkAAAAMgAAAAAAAABkAAAAAAAAAH9/fwAKAAAAHwAAAFQAAAAAAAAFAAAAAQAAAAAAAAAAAAAAAAAAAAAAAAAAAAAAAAAAAAAAAAAAAAAAAn9/fwAAAAADzMzMAMDA/wB/f38AAAAAAAAAAAAAAAAAAAAAAAAAAAAhAAAAGAAAABQAAAB5FgAAHSsAAE4rAACVLQAAEAAAACYAAAAIAAAAAAAAAAAAAAA="/>
+                <pr:smNativeData xmlns:pr="smNativeData" val="SMDATA_13_ahOSXxMAAAAlAAAAZAAAAA8BAAAAkAAAAEgAAACQAAAASAAAAAAAAAABAAAAAAAAAAEAAABQAAAAAAAAAAAA4D8AAAAAAADgPwAAAAAAAOA/AAAAAAAA4D8AAAAAAADgPwAAAAAAAOA/AAAAAAAA4D8AAAAAAADgPwAAAAAAAOA/AAAAAAAA4D8CAAAAjAAAAAAAAAAAAAAAu+DjDP///wgAAAAAAAAAAAAAAAAAAAAAAAAAAAAAAAAAAAAAZAAAAAEAAABAAAAAAAAAAAAAAAAAAAAAAAAAAAAAAAAAAAAAAAAAAAAAAAAAAAAAAAAAAAAAAAAAAAAAAAAAAAAAAAAAAAAAAAAAAAAAAAAAAAAAAAAAAAAAAAAAAAAAFAAAADwAAAAAAAAAAAAAAAAAAAkUAAAAAQAAABQAAAAUAAAAFAAAAAEAAAAAAAAAZAAAAGQAAAAAAAAAZAAAAGQAAAAVAAAAYAAAAAAAAAAAAAAADwAAACADAAAAAAAAAAAAAAEAAACgMgAAVgcAAKr4//8BAAAAf39/AAEAAABkAAAAAAAAABQAAABAHwAAAAAAACYAAAAAAAAAwOD//wAAAAAmAAAAZAAAABYAAABMAAAAAAAAAAAAAAAEAAAAAAAAAAEAAACAgIAKAAAAACgAAAAoAAAAZAAAAGQAAAAAAAAAzMzMAAAAAABQAAAAUAAAAGQAAABkAAAAAAAAABcAAAAUAAAAAAAAAAAAAAD/fwAA/38AAAAAAAAJAAAABAAAAM9AOv8MAAAAEAAAAAAAAAAAAAAAAAAAAAAAAAAeAAAAaAAAAAAAAAAAAAAAAAAAAAAAAAAAAAAAECcAABAnAAAAAAAAAAAAAAAAAAAAAAAAAAAAAAAAAAAAAAAAAAAAABQAAAAAAAAAwMD/AAAAAABkAAAAMgAAAAAAAABkAAAAAAAAAH9/fwAKAAAAHwAAAFQAAAAAAAAFAAAAAQAAAAAAAAAAAAAAAAAAAAAAAAAAAAAAAAAAAAAAAAAAAAAAAn9/fwAAAAADzMzMAMDA/wB/f38AAAAAAAAAAAAAAAAAAAAAAAAAAAAhAAAAGAAAABQAAAB5FgAAHSsAAE4rAACVLQAAEAAAACYAAAAIAAAAAAAAAAAAAAA="/>
               </a:ext>
             </a:extLst>
           </p:cNvSpPr>
@@ -1466,9 +1451,6 @@
           <a:lstStyle/>
           <a:p>
             <a:pPr/>
-            <a:r>
-              <a:t/>
-            </a:r>
           </a:p>
         </p:txBody>
       </p:sp>
@@ -1479,7 +1461,7 @@
             <a:spLocks noGrp="1" noChangeArrowheads="1"/>
             <a:extLst>
               <a:ext uri="smNativeData">
-                <pr:smNativeData xmlns:pr="smNativeData" val="SMDATA_13_3GgiXxMAAAAlAAAAZAAAAA8BAAAAkAAAAEgAAACQAAAASAAAAAAAAAABAAAAAAAAAAEAAABQAAAAAAAAAAAA4D8AAAAAAADgPwAAAAAAAOA/AAAAAAAA4D8AAAAAAADgPwAAAAAAAOA/AAAAAAAA4D8AAAAAAADgPwAAAAAAAOA/AAAAAAAA4D8CAAAAjAAAAAAAAAAAAAAAu+DjDP///wgAAAAAAAAAAAAAAAAAAAAAAAAAAAAAAAAAAAAAZAAAAAEAAABAAAAAAAAAAAAAAAAAAAAAAAAAAAAAAAAAAAAAAAAAAAAAAAAAAAAAAAAAAAAAAAAAAAAAAAAAAAAAAAAAAAAAAAAAAAAAAAAAAAAAAAAAAAAAAAAAAAAAFAAAADwAAAAAAAAAAAAAAAAAAAkUAAAAAQAAABQAAAAUAAAAFAAAAAEAAAAAAAAAZAAAAGQAAAAAAAAAZAAAAGQAAAAVAAAAYAAAAAAAAAAAAAAADwAAACADAAAAAAAAAAAAAAEAAACgMgAAVgcAAKr4//8BAAAAf39/AAEAAABkAAAAAAAAABQAAABAHwAAAAAAACYAAAAAAAAAwOD//wAAAAAmAAAAZAAAABYAAABMAAAAAAAAAAAAAAAEAAAAAAAAAAEAAACAgIAKAAAAACgAAAAoAAAAZAAAAGQAAAAAAAAAzMzMAAAAAABQAAAAUAAAAGQAAABkAAAAAAAAABcAAAAUAAAAAAAAAAAAAAD/fwAA/38AAAAAAAAJAAAABAAAAAQAbkEMAAAAEAAAAAAAAAAAAAAAAAAAAAAAAAAeAAAAaAAAAAAAAAAAAAAAAAAAAAAAAAAAAAAAECcAABAnAAAAAAAAAAAAAAAAAAAAAAAAAAAAAAAAAAAAAAAAAAAAABQAAAAAAAAAwMD/AAAAAABkAAAAMgAAAAAAAABkAAAAAAAAAH9/fwAKAAAAHwAAAFQAAAAAAAAFAAAAAQAAAAAAAAAAAAAAAAAAAAAAAAAAAAAAAAAAAAAAAAAAAAAAAn9/fwAAAAADzMzMAMDA/wB/f38AAAAAAAAAAAAAAAAAAAAAAAAAAAAhAAAAGAAAABQAAAAkLwAAHSsAAH4+AACVLQAAEAAAACYAAAAIAAAAAAAAAAAAAAA="/>
+                <pr:smNativeData xmlns:pr="smNativeData" val="SMDATA_13_ahOSXxMAAAAlAAAAZAAAAA8BAAAAkAAAAEgAAACQAAAASAAAAAAAAAABAAAAAAAAAAEAAABQAAAAAAAAAAAA4D8AAAAAAADgPwAAAAAAAOA/AAAAAAAA4D8AAAAAAADgPwAAAAAAAOA/AAAAAAAA4D8AAAAAAADgPwAAAAAAAOA/AAAAAAAA4D8CAAAAjAAAAAAAAAAAAAAAu+DjDP///wgAAAAAAAAAAAAAAAAAAAAAAAAAAAAAAAAAAAAAZAAAAAEAAABAAAAAAAAAAAAAAAAAAAAAAAAAAAAAAAAAAAAAAAAAAAAAAAAAAAAAAAAAAAAAAAAAAAAAAAAAAAAAAAAAAAAAAAAAAAAAAAAAAAAAAAAAAAAAAAAAAAAAFAAAADwAAAAAAAAAAAAAAAAAAAkUAAAAAQAAABQAAAAUAAAAFAAAAAEAAAAAAAAAZAAAAGQAAAAAAAAAZAAAAGQAAAAVAAAAYAAAAAAAAAAAAAAADwAAACADAAAAAAAAAAAAAAEAAACgMgAAVgcAAKr4//8BAAAAf39/AAEAAABkAAAAAAAAABQAAABAHwAAAAAAACYAAAAAAAAAwOD//wAAAAAmAAAAZAAAABYAAABMAAAAAAAAAAAAAAAEAAAAAAAAAAEAAACAgIAKAAAAACgAAAAoAAAAZAAAAGQAAAAAAAAAzMzMAAAAAABQAAAAUAAAAGQAAABkAAAAAAAAABcAAAAUAAAAAAAAAAAAAAD/fwAA/38AAAAAAAAJAAAABAAAAAQAbkEMAAAAEAAAAAAAAAAAAAAAAAAAAAAAAAAeAAAAaAAAAAAAAAAAAAAAAAAAAAAAAAAAAAAAECcAABAnAAAAAAAAAAAAAAAAAAAAAAAAAAAAAAAAAAAAAAAAAAAAABQAAAAAAAAAwMD/AAAAAABkAAAAMgAAAAAAAABkAAAAAAAAAH9/fwAKAAAAHwAAAFQAAAAAAAAFAAAAAQAAAAAAAAAAAAAAAAAAAAAAAAAAAAAAAAAAAAAAAAAAAAAAAn9/fwAAAAADzMzMAMDA/wB/f38AAAAAAAAAAAAAAAAAAAAAAAAAAAAhAAAAGAAAABQAAAAkLwAAHSsAAH4+AACVLQAAEAAAACYAAAAIAAAAAAAAAAAAAAA="/>
               </a:ext>
             </a:extLst>
           </p:cNvSpPr>
@@ -1493,7 +1475,7 @@
           <a:lstStyle/>
           <a:p>
             <a:pPr/>
-            <a:fld id="{20736A09-47CD-269C-83CB-B1C9248575E4}" type="slidenum">
+            <a:fld id="{B29EEA9A-D45F-CB1C-1126-2249A468E777}" type="slidenum">
               <a:t/>
             </a:fld>
           </a:p>
@@ -1531,7 +1513,7 @@
             <a:spLocks noGrp="1" noChangeArrowheads="1"/>
             <a:extLst>
               <a:ext uri="smNativeData">
-                <pr:smNativeData xmlns:pr="smNativeData" val="SMDATA_13_3GgiXxMAAAAlAAAAZAAAAA8BAAAAkAAAAEgAAACQAAAASAAAAAAAAAABAAAAAAAAAAEAAABQAAAAAAAAAAAA4D8AAAAAAADgPwAAAAAAAOA/AAAAAAAA4D8AAAAAAADgPwAAAAAAAOA/AAAAAAAA4D8AAAAAAADgPwAAAAAAAOA/AAAAAAAA4D8CAAAAjAAAAAAAAAAAAAAAu+DjDP///wgAAAAAAAAAAAAAAAAAAAAAAAAAAAAAAAAAAAAAZAAAAAEAAABAAAAAAAAAAAAAAAAAAAAAAAAAAAAAAAAAAAAAAAAAAAAAAAAAAAAAAAAAAAAAAAAAAAAAAAAAAAAAAAAAAAAAAAAAAAAAAAAAAAAAAAAAAAAAAAAAAAAAFAAAADwAAAAAAAAAAAAAAAAAAAkUAAAAAQAAABQAAAAUAAAAFAAAAAEAAAAAAAAAZAAAAGQAAAAAAAAAZAAAAGQAAAAVAAAAYAAAAAAAAAAAAAAADwAAACADAAAAAAAAAAAAAAEAAACgMgAAVgcAAKr4//8BAAAAf39/AAEAAABkAAAAAAAAABQAAABAHwAAAAAAACYAAAAAAAAAwOD//wAAAAAmAAAAZAAAABYAAABMAAAAAAAAAAAAAAAEAAAAAAAAAAEAAACAgIAKAAAAACgAAAAoAAAAZAAAAGQAAAAAAAAAzMzMAAAAAABQAAAAUAAAAGQAAABkAAAAAAAAABcAAAAUAAAAAAAAAAAAAAD/fwAA/38AAAAAAAAJAAAABAAAANMZfskMAAAAEAAAAAAAAAAAAAAAAAAAAAAAAAAeAAAAaAAAAAAAAAAAAAAAAAAAAAAAAAAAAAAAECcAABAnAAAAAAAAAAAAAAAAAAAAAAAAAAAAAAAAAAAAAAAAAAAAABQAAAAAAAAAwMD/AAAAAABkAAAAMgAAAAAAAABkAAAAAAAAAH9/fwAKAAAAHwAAAFQAAAAAAAAFAAAAAQAAAAAAAAAAAAAAAAAAAAAAAAAAAAAAAAAAAAAAAAAAAAAAAn9/fwAAAAADzMzMAMDA/wB/f38AAAAAAAAAAAAAAAAAAAAAAAAAAAAhAAAAGAAAABQAAABKAwAA3AEAAH4+AACcCQAAEAAAACYAAAAIAAAAAAAAAAAAAAA="/>
+                <pr:smNativeData xmlns:pr="smNativeData" val="SMDATA_13_ahOSXxMAAAAlAAAAZAAAAA8BAAAAkAAAAEgAAACQAAAASAAAAAAAAAABAAAAAAAAAAEAAABQAAAAAAAAAAAA4D8AAAAAAADgPwAAAAAAAOA/AAAAAAAA4D8AAAAAAADgPwAAAAAAAOA/AAAAAAAA4D8AAAAAAADgPwAAAAAAAOA/AAAAAAAA4D8CAAAAjAAAAAAAAAAAAAAAu+DjDP///wgAAAAAAAAAAAAAAAAAAAAAAAAAAAAAAAAAAAAAZAAAAAEAAABAAAAAAAAAAAAAAAAAAAAAAAAAAAAAAAAAAAAAAAAAAAAAAAAAAAAAAAAAAAAAAAAAAAAAAAAAAAAAAAAAAAAAAAAAAAAAAAAAAAAAAAAAAAAAAAAAAAAAFAAAADwAAAAAAAAAAAAAAAAAAAkUAAAAAQAAABQAAAAUAAAAFAAAAAEAAAAAAAAAZAAAAGQAAAAAAAAAZAAAAGQAAAAVAAAAYAAAAAAAAAAAAAAADwAAACADAAAAAAAAAAAAAAEAAACgMgAAVgcAAKr4//8BAAAAf39/AAEAAABkAAAAAAAAABQAAABAHwAAAAAAACYAAAAAAAAAwOD//wAAAAAmAAAAZAAAABYAAABMAAAAAAAAAAAAAAAEAAAAAAAAAAEAAACAgIAKAAAAACgAAAAoAAAAZAAAAGQAAAAAAAAAzMzMAAAAAABQAAAAUAAAAGQAAABkAAAAAAAAABcAAAAUAAAAAAAAAAAAAAD/fwAA/38AAAAAAAAJAAAABAAAANMZfskMAAAAEAAAAAAAAAAAAAAAAAAAAAAAAAAeAAAAaAAAAAAAAAAAAAAAAAAAAAAAAAAAAAAAECcAABAnAAAAAAAAAAAAAAAAAAAAAAAAAAAAAAAAAAAAAAAAAAAAABQAAAAAAAAAwMD/AAAAAABkAAAAMgAAAAAAAABkAAAAAAAAAH9/fwAKAAAAHwAAAFQAAAAAAAAFAAAAAQAAAAAAAAAAAAAAAAAAAAAAAAAAAAAAAAAAAAAAAAAAAAAAAn9/fwAAAAADzMzMAMDA/wB/f38AAAAAAAAAAAAAAAAAAAAAAAAAAAAhAAAAGAAAABQAAABKAwAA3AEAAH4+AACcCQAAEAAAACYAAAAIAAAAAAAAAAAAAAA="/>
               </a:ext>
             </a:extLst>
           </p:cNvSpPr>
@@ -1558,7 +1540,7 @@
             <a:spLocks noGrp="1" noChangeArrowheads="1"/>
             <a:extLst>
               <a:ext uri="smNativeData">
-                <pr:smNativeData xmlns:pr="smNativeData" val="SMDATA_13_3GgiXxMAAAAlAAAAZAAAAA8BAAAAkAAAAEgAAACQAAAASAAAAAAAAAACAAAAAAAAAAEAAABQAAAAAAAAAAAA4D8AAAAAAADgPwAAAAAAAOA/AAAAAAAA4D8AAAAAAADgPwAAAAAAAOA/AAAAAAAA4D8AAAAAAADgPwAAAAAAAOA/AAAAAAAA4D8CAAAAjAAAAAAAAAAAAAAAu+DjDP///wgAAAAAAAAAAAAAAAAAAAAAAAAAAAAAAAAAAAAAZAAAAAEAAABAAAAAAAAAAAAAAAAAAAAAAAAAAAAAAAAAAAAAAAAAAAAAAAAAAAAAAAAAAAAAAAAAAAAAAAAAAAAAAAAAAAAAAAAAAAAAAAAAAAAAAAAAAAAAAAAAAAAAFAAAADwAAAAAAAAAAAAAAAAAAAkUAAAAAQAAABQAAAAUAAAAFAAAAAEAAAAAAAAAZAAAAGQAAAAAAAAAZAAAAGQAAAAVAAAAYAAAAAAAAAAAAAAADwAAACADAAAAAAAAAAAAAAEAAACgMgAAVgcAAKr4//8BAAAAf39/AAEAAABkAAAAAAAAABQAAABAHwAAAAAAACYAAAAAAAAAwOD//wAAAAAmAAAAZAAAABYAAABMAAAAAAAAAAAAAAAEAAAAAAAAAAEAAACAgIAKAAAAACgAAAAoAAAAZAAAAGQAAAAAAAAAzMzMAAAAAABQAAAAUAAAAGQAAABkAAAAAAAAABcAAAAUAAAAAAAAAAAAAAD/fwAA/38AAAAAAAAJAAAABAAAABWMBAAMAAAAEAAAAAAAAAAAAAAAAAAAAAAAAAAeAAAAaAAAAAAAAAAAAAAAAAAAAAAAAAAAAAAAECcAABAnAAAAAAAAAAAAAAAAAAAAAAAAAAAAAAAAAAAAAAAAAAAAABQAAAAAAAAAwMD/AAAAAABkAAAAMgAAAAAAAABkAAAAAAAAAH9/fwAKAAAAHwAAAFQAAAAAAAAFAAAAAQAAAAAAAAAAAAAAAAAAAAAAAAAAAAAAAAAAAAAAAAAAAAAAAn9/fwAAAAADzMzMAMDA/wB/f38AAAAAAAAAAAAAAAAAAAAAAAAAAAAhAAAAGAAAABQAAABKAwAAaAoAAFogAADADgAAEAAAACYAAAAIAAAAgYAAAAAAAAA="/>
+                <pr:smNativeData xmlns:pr="smNativeData" val="SMDATA_13_ahOSXxMAAAAlAAAAZAAAAA8BAAAAkAAAAEgAAACQAAAASAAAAAAAAAACAAAAAAAAAAEAAABQAAAAAAAAAAAA4D8AAAAAAADgPwAAAAAAAOA/AAAAAAAA4D8AAAAAAADgPwAAAAAAAOA/AAAAAAAA4D8AAAAAAADgPwAAAAAAAOA/AAAAAAAA4D8CAAAAjAAAAAAAAAAAAAAAu+DjDP///wgAAAAAAAAAAAAAAAAAAAAAAAAAAAAAAAAAAAAAZAAAAAEAAABAAAAAAAAAAAAAAAAAAAAAAAAAAAAAAAAAAAAAAAAAAAAAAAAAAAAAAAAAAAAAAAAAAAAAAAAAAAAAAAAAAAAAAAAAAAAAAAAAAAAAAAAAAAAAAAAAAAAAFAAAADwAAAAAAAAAAAAAAAAAAAkUAAAAAQAAABQAAAAUAAAAFAAAAAEAAAAAAAAAZAAAAGQAAAAAAAAAZAAAAGQAAAAVAAAAYAAAAAAAAAAAAAAADwAAACADAAAAAAAAAAAAAAEAAACgMgAAVgcAAKr4//8BAAAAf39/AAEAAABkAAAAAAAAABQAAABAHwAAAAAAACYAAAAAAAAAwOD//wAAAAAmAAAAZAAAABYAAABMAAAAAAAAAAAAAAAEAAAAAAAAAAEAAACAgIAKAAAAACgAAAAoAAAAZAAAAGQAAAAAAAAAzMzMAAAAAABQAAAAUAAAAGQAAABkAAAAAAAAABcAAAAUAAAAAAAAAAAAAAD/fwAA/38AAAAAAAAJAAAABAAAABWMBAAMAAAAEAAAAAAAAAAAAAAAAAAAAAAAAAAeAAAAaAAAAAAAAAAAAAAAAAAAAAAAAAAAAAAAECcAABAnAAAAAAAAAAAAAAAAAAAAAAAAAAAAAAAAAAAAAAAAAAAAABQAAAAAAAAAwMD/AAAAAABkAAAAMgAAAAAAAABkAAAAAAAAAH9/fwAKAAAAHwAAAFQAAAAAAAAFAAAAAQAAAAAAAAAAAAAAAAAAAAAAAAAAAAAAAAAAAAAAAAAAAAAAAn9/fwAAAAADzMzMAMDA/wB/f38AAAAAAAAAAAAAAAAAAAAAAAAAAAAhAAAAGAAAABQAAABKAwAAaAoAAFogAADADgAAEAAAACYAAAAIAAAAgYAAAAAAAAA="/>
               </a:ext>
             </a:extLst>
           </p:cNvSpPr>
@@ -1631,7 +1613,7 @@
             <a:spLocks noGrp="1" noChangeArrowheads="1"/>
             <a:extLst>
               <a:ext uri="smNativeData">
-                <pr:smNativeData xmlns:pr="smNativeData" val="SMDATA_13_3GgiXxMAAAAlAAAAZAAAAA8BAAAAkAAAAEgAAACQAAAASAAAAAAAAAAAAAAAAAAAAAEAAABQAAAAAAAAAAAA4D8AAAAAAADgPwAAAAAAAOA/AAAAAAAA4D8AAAAAAADgPwAAAAAAAOA/AAAAAAAA4D8AAAAAAADgPwAAAAAAAOA/AAAAAAAA4D8CAAAAjAAAAAAAAAAAAAAAu+DjDP///wgAAAAAAAAAAAAAAAAAAAAAAAAAAAAAAAAAAAAAZAAAAAEAAABAAAAAAAAAAAAAAAAAAAAAAAAAAAAAAAAAAAAAAAAAAAAAAAAAAAAAAAAAAAAAAAAAAAAAAAAAAAAAAAAAAAAAAAAAAAAAAAAAAAAAAAAAAAAAAAAAAAAAFAAAADwAAAAAAAAAAAAAAAAAAAkUAAAAAQAAABQAAAAUAAAAFAAAAAEAAAAAAAAAZAAAAGQAAAAAAAAAZAAAAGQAAAAVAAAAYAAAAAAAAAAAAAAADwAAACADAAAAAAAAAAAAAAEAAACgMgAAVgcAAKr4//8BAAAAf39/AAEAAABkAAAAAAAAABQAAABAHwAAAAAAACYAAAAAAAAAwOD//wAAAAAmAAAAZAAAABYAAABMAAAAAAAAAAAAAAAEAAAAAAAAAAEAAACAgIAKAAAAACgAAAAoAAAAZAAAAGQAAAAAAAAAzMzMAAAAAABQAAAAUAAAAGQAAABkAAAAAAAAABcAAAAUAAAAAAAAAAAAAAD/fwAA/38AAAAAAAAJAAAABAAAAJ9JBAAMAAAAEAAAAAAAAAAAAAAAAAAAAAAAAAAeAAAAaAAAAAAAAAAAAAAAAAAAAAAAAAAAAAAAECcAABAnAAAAAAAAAAAAAAAAAAAAAAAAAAAAAAAAAAAAAAAAAAAAABQAAAAAAAAAwMD/AAAAAABkAAAAMgAAAAAAAABkAAAAAAAAAH9/fwAKAAAAHwAAAFQAAAAAAAAFAAAAAQAAAAAAAAAAAAAAAAAAAAAAAAAAAAAAAAAAAAAAAAAAAAAAAn9/fwAAAAADzMzMAMDA/wB/f38AAAAAAAAAAAAAAAAAAAAAAAAAAAAhAAAAGAAAABQAAABKAwAAwA4AAFogAACMKQAAEAAAACYAAAAIAAAAAYAAAAAAAAA="/>
+                <pr:smNativeData xmlns:pr="smNativeData" val="SMDATA_13_ahOSXxMAAAAlAAAAZAAAAA8BAAAAkAAAAEgAAACQAAAASAAAAAAAAAAAAAAAAAAAAAEAAABQAAAAAAAAAAAA4D8AAAAAAADgPwAAAAAAAOA/AAAAAAAA4D8AAAAAAADgPwAAAAAAAOA/AAAAAAAA4D8AAAAAAADgPwAAAAAAAOA/AAAAAAAA4D8CAAAAjAAAAAAAAAAAAAAAu+DjDP///wgAAAAAAAAAAAAAAAAAAAAAAAAAAAAAAAAAAAAAZAAAAAEAAABAAAAAAAAAAAAAAAAAAAAAAAAAAAAAAAAAAAAAAAAAAAAAAAAAAAAAAAAAAAAAAAAAAAAAAAAAAAAAAAAAAAAAAAAAAAAAAAAAAAAAAAAAAAAAAAAAAAAAFAAAADwAAAAAAAAAAAAAAAAAAAkUAAAAAQAAABQAAAAUAAAAFAAAAAEAAAAAAAAAZAAAAGQAAAAAAAAAZAAAAGQAAAAVAAAAYAAAAAAAAAAAAAAADwAAACADAAAAAAAAAAAAAAEAAACgMgAAVgcAAKr4//8BAAAAf39/AAEAAABkAAAAAAAAABQAAABAHwAAAAAAACYAAAAAAAAAwOD//wAAAAAmAAAAZAAAABYAAABMAAAAAAAAAAAAAAAEAAAAAAAAAAEAAACAgIAKAAAAACgAAAAoAAAAZAAAAGQAAAAAAAAAzMzMAAAAAABQAAAAUAAAAGQAAABkAAAAAAAAABcAAAAUAAAAAAAAAAAAAAD/fwAA/38AAAAAAAAJAAAABAAAAJ9JBAAMAAAAEAAAAAAAAAAAAAAAAAAAAAAAAAAeAAAAaAAAAAAAAAAAAAAAAAAAAAAAAAAAAAAAECcAABAnAAAAAAAAAAAAAAAAAAAAAAAAAAAAAAAAAAAAAAAAAAAAABQAAAAAAAAAwMD/AAAAAABkAAAAMgAAAAAAAABkAAAAAAAAAH9/fwAKAAAAHwAAAFQAAAAAAAAFAAAAAQAAAAAAAAAAAAAAAAAAAAAAAAAAAAAAAAAAAAAAAAAAAAAAAn9/fwAAAAADzMzMAMDA/wB/f38AAAAAAAAAAAAAAAAAAAAAAAAAAAAhAAAAGAAAABQAAABKAwAAwA4AAFogAACMKQAAEAAAACYAAAAIAAAAAYAAAAAAAAA="/>
               </a:ext>
             </a:extLst>
           </p:cNvSpPr>
@@ -1715,7 +1697,7 @@
             <a:spLocks noGrp="1" noChangeArrowheads="1"/>
             <a:extLst>
               <a:ext uri="smNativeData">
-                <pr:smNativeData xmlns:pr="smNativeData" val="SMDATA_13_3GgiXxMAAAAlAAAAZAAAAA8BAAAAkAAAAEgAAACQAAAASAAAAAAAAAACAAAAAAAAAAEAAABQAAAAAAAAAAAA4D8AAAAAAADgPwAAAAAAAOA/AAAAAAAA4D8AAAAAAADgPwAAAAAAAOA/AAAAAAAA4D8AAAAAAADgPwAAAAAAAOA/AAAAAAAA4D8CAAAAjAAAAAAAAAAAAAAAu+DjDP///wgAAAAAAAAAAAAAAAAAAAAAAAAAAAAAAAAAAAAAZAAAAAEAAABAAAAAAAAAAAAAAAAAAAAAAAAAAAAAAAAAAAAAAAAAAAAAAAAAAAAAAAAAAAAAAAAAAAAAAAAAAAAAAAAAAAAAAAAAAAAAAAAAAAAAAAAAAAAAAAAAAAAAFAAAADwAAAAAAAAAAAAAAAAAAAkUAAAAAQAAABQAAAAUAAAAFAAAAAEAAAAAAAAAZAAAAGQAAAAAAAAAZAAAAGQAAAAVAAAAYAAAAAAAAAAAAAAADwAAACADAAAAAAAAAAAAAAEAAACgMgAAVgcAAKr4//8BAAAAf39/AAEAAABkAAAAAAAAABQAAABAHwAAAAAAACYAAAAAAAAAwOD//wAAAAAmAAAAZAAAABYAAABMAAAAAAAAAAAAAAAEAAAAAAAAAAEAAACAgIAKAAAAACgAAAAoAAAAZAAAAGQAAAAAAAAAzMzMAAAAAABQAAAAUAAAAGQAAABkAAAAAAAAABcAAAAUAAAAAAAAAAAAAAD/fwAA/38AAAAAAAAJAAAABAAAAKVGslUMAAAAEAAAAAAAAAAAAAAAAAAAAAAAAAAeAAAAaAAAAAAAAAAAAAAAAAAAAAAAAAAAAAAAECcAABAnAAAAAAAAAAAAAAAAAAAAAAAAAAAAAAAAAAAAAAAAAAAAABQAAAAAAAAAwMD/AAAAAABkAAAAMgAAAAAAAABkAAAAAAAAAH9/fwAKAAAAHwAAAFQAAAAAAAAFAAAAAQAAAAAAAAAAAAAAAAAAAAAAAAAAAAAAAAAAAAAAAAAAAAAAAn9/fwAAAAADzMzMAMDA/wB/f38AAAAAAAAAAAAAAAAAAAAAAAAAAAAhAAAAGAAAABQAAABtIQAAaAoAAH4+AADADgAAEAAAACYAAAAIAAAAgYAAAAAAAAA="/>
+                <pr:smNativeData xmlns:pr="smNativeData" val="SMDATA_13_ahOSXxMAAAAlAAAAZAAAAA8BAAAAkAAAAEgAAACQAAAASAAAAAAAAAACAAAAAAAAAAEAAABQAAAAAAAAAAAA4D8AAAAAAADgPwAAAAAAAOA/AAAAAAAA4D8AAAAAAADgPwAAAAAAAOA/AAAAAAAA4D8AAAAAAADgPwAAAAAAAOA/AAAAAAAA4D8CAAAAjAAAAAAAAAAAAAAAu+DjDP///wgAAAAAAAAAAAAAAAAAAAAAAAAAAAAAAAAAAAAAZAAAAAEAAABAAAAAAAAAAAAAAAAAAAAAAAAAAAAAAAAAAAAAAAAAAAAAAAAAAAAAAAAAAAAAAAAAAAAAAAAAAAAAAAAAAAAAAAAAAAAAAAAAAAAAAAAAAAAAAAAAAAAAFAAAADwAAAAAAAAAAAAAAAAAAAkUAAAAAQAAABQAAAAUAAAAFAAAAAEAAAAAAAAAZAAAAGQAAAAAAAAAZAAAAGQAAAAVAAAAYAAAAAAAAAAAAAAADwAAACADAAAAAAAAAAAAAAEAAACgMgAAVgcAAKr4//8BAAAAf39/AAEAAABkAAAAAAAAABQAAABAHwAAAAAAACYAAAAAAAAAwOD//wAAAAAmAAAAZAAAABYAAABMAAAAAAAAAAAAAAAEAAAAAAAAAAEAAACAgIAKAAAAACgAAAAoAAAAZAAAAGQAAAAAAAAAzMzMAAAAAABQAAAAUAAAAGQAAABkAAAAAAAAABcAAAAUAAAAAAAAAAAAAAD/fwAA/38AAAAAAAAJAAAABAAAAKVGslUMAAAAEAAAAAAAAAAAAAAAAAAAAAAAAAAeAAAAaAAAAAAAAAAAAAAAAAAAAAAAAAAAAAAAECcAABAnAAAAAAAAAAAAAAAAAAAAAAAAAAAAAAAAAAAAAAAAAAAAABQAAAAAAAAAwMD/AAAAAABkAAAAMgAAAAAAAABkAAAAAAAAAH9/fwAKAAAAHwAAAFQAAAAAAAAFAAAAAQAAAAAAAAAAAAAAAAAAAAAAAAAAAAAAAAAAAAAAAAAAAAAAAn9/fwAAAAADzMzMAMDA/wB/f38AAAAAAAAAAAAAAAAAAAAAAAAAAAAhAAAAGAAAABQAAABtIQAAaAoAAH4+AADADgAAEAAAACYAAAAIAAAAgYAAAAAAAAA="/>
               </a:ext>
             </a:extLst>
           </p:cNvSpPr>
@@ -1788,7 +1770,7 @@
             <a:spLocks noGrp="1" noChangeArrowheads="1"/>
             <a:extLst>
               <a:ext uri="smNativeData">
-                <pr:smNativeData xmlns:pr="smNativeData" val="SMDATA_13_3GgiXxMAAAAlAAAAZAAAAA8BAAAAkAAAAEgAAACQAAAASAAAAAAAAAAAAAAAAAAAAAEAAABQAAAAAAAAAAAA4D8AAAAAAADgPwAAAAAAAOA/AAAAAAAA4D8AAAAAAADgPwAAAAAAAOA/AAAAAAAA4D8AAAAAAADgPwAAAAAAAOA/AAAAAAAA4D8CAAAAjAAAAAAAAAAAAAAAu+DjDP///wgAAAAAAAAAAAAAAAAAAAAAAAAAAAAAAAAAAAAAZAAAAAEAAABAAAAAAAAAAAAAAAAAAAAAAAAAAAAAAAAAAAAAAAAAAAAAAAAAAAAAAAAAAAAAAAAAAAAAAAAAAAAAAAAAAAAAAAAAAAAAAAAAAAAAAAAAAAAAAAAAAAAAFAAAADwAAAAAAAAAAAAAAAAAAAkUAAAAAQAAABQAAAAUAAAAFAAAAAEAAAAAAAAAZAAAAGQAAAAAAAAAZAAAAGQAAAAVAAAAYAAAAAAAAAAAAAAADwAAACADAAAAAAAAAAAAAAEAAACgMgAAVgcAAKr4//8BAAAAf39/AAEAAABkAAAAAAAAABQAAABAHwAAAAAAACYAAAAAAAAAwOD//wAAAAAmAAAAZAAAABYAAABMAAAAAAAAAAAAAAAEAAAAAAAAAAEAAACAgIAKAAAAACgAAAAoAAAAZAAAAGQAAAAAAAAAzMzMAAAAAABQAAAAUAAAAGQAAABkAAAAAAAAABcAAAAUAAAAAAAAAAAAAAD/fwAA/38AAAAAAAAJAAAABAAAAJJHpqIMAAAAEAAAAAAAAAAAAAAAAAAAAAAAAAAeAAAAaAAAAAAAAAAAAAAAAAAAAAAAAAAAAAAAECcAABAnAAAAAAAAAAAAAAAAAAAAAAAAAAAAAAAAAAAAAAAAAAAAABQAAAAAAAAAwMD/AAAAAABkAAAAMgAAAAAAAABkAAAAAAAAAH9/fwAKAAAAHwAAAFQAAAAAAAAFAAAAAQAAAAAAAAAAAAAAAAAAAAAAAAAAAAAAAAAAAAAAAAAAAAAAAn9/fwAAAAADzMzMAMDA/wB/f38AAAAAAAAAAAAAAAAAAAAAAAAAAAAhAAAAGAAAABQAAABtIQAAwA4AAH4+AACMKQAAEAAAACYAAAAIAAAAAYAAAAAAAAA="/>
+                <pr:smNativeData xmlns:pr="smNativeData" val="SMDATA_13_ahOSXxMAAAAlAAAAZAAAAA8BAAAAkAAAAEgAAACQAAAASAAAAAAAAAAAAAAAAAAAAAEAAABQAAAAAAAAAAAA4D8AAAAAAADgPwAAAAAAAOA/AAAAAAAA4D8AAAAAAADgPwAAAAAAAOA/AAAAAAAA4D8AAAAAAADgPwAAAAAAAOA/AAAAAAAA4D8CAAAAjAAAAAAAAAAAAAAAu+DjDP///wgAAAAAAAAAAAAAAAAAAAAAAAAAAAAAAAAAAAAAZAAAAAEAAABAAAAAAAAAAAAAAAAAAAAAAAAAAAAAAAAAAAAAAAAAAAAAAAAAAAAAAAAAAAAAAAAAAAAAAAAAAAAAAAAAAAAAAAAAAAAAAAAAAAAAAAAAAAAAAAAAAAAAFAAAADwAAAAAAAAAAAAAAAAAAAkUAAAAAQAAABQAAAAUAAAAFAAAAAEAAAAAAAAAZAAAAGQAAAAAAAAAZAAAAGQAAAAVAAAAYAAAAAAAAAAAAAAADwAAACADAAAAAAAAAAAAAAEAAACgMgAAVgcAAKr4//8BAAAAf39/AAEAAABkAAAAAAAAABQAAABAHwAAAAAAACYAAAAAAAAAwOD//wAAAAAmAAAAZAAAABYAAABMAAAAAAAAAAAAAAAEAAAAAAAAAAEAAACAgIAKAAAAACgAAAAoAAAAZAAAAGQAAAAAAAAAzMzMAAAAAABQAAAAUAAAAGQAAABkAAAAAAAAABcAAAAUAAAAAAAAAAAAAAD/fwAA/38AAAAAAAAJAAAABAAAAJJHpqIMAAAAEAAAAAAAAAAAAAAAAAAAAAAAAAAeAAAAaAAAAAAAAAAAAAAAAAAAAAAAAAAAAAAAECcAABAnAAAAAAAAAAAAAAAAAAAAAAAAAAAAAAAAAAAAAAAAAAAAABQAAAAAAAAAwMD/AAAAAABkAAAAMgAAAAAAAABkAAAAAAAAAH9/fwAKAAAAHwAAAFQAAAAAAAAFAAAAAQAAAAAAAAAAAAAAAAAAAAAAAAAAAAAAAAAAAAAAAAAAAAAAAn9/fwAAAAADzMzMAMDA/wB/f38AAAAAAAAAAAAAAAAAAAAAAAAAAAAhAAAAGAAAABQAAABtIQAAwA4AAH4+AACMKQAAEAAAACYAAAAIAAAAAYAAAAAAAAA="/>
               </a:ext>
             </a:extLst>
           </p:cNvSpPr>
@@ -1872,7 +1854,7 @@
             <a:spLocks noGrp="1" noChangeArrowheads="1"/>
             <a:extLst>
               <a:ext uri="smNativeData">
-                <pr:smNativeData xmlns:pr="smNativeData" val="SMDATA_13_3GgiXxMAAAAlAAAAZAAAAA8BAAAAkAAAAEgAAACQAAAASAAAAAAAAAABAAAAAAAAAAEAAABQAAAAAAAAAAAA4D8AAAAAAADgPwAAAAAAAOA/AAAAAAAA4D8AAAAAAADgPwAAAAAAAOA/AAAAAAAA4D8AAAAAAADgPwAAAAAAAOA/AAAAAAAA4D8CAAAAjAAAAAAAAAAAAAAAu+DjDP///wgAAAAAAAAAAAAAAAAAAAAAAAAAAAAAAAAAAAAAZAAAAAEAAABAAAAAAAAAAAAAAAAAAAAAAAAAAAAAAAAAAAAAAAAAAAAAAAAAAAAAAAAAAAAAAAAAAAAAAAAAAAAAAAAAAAAAAAAAAAAAAAAAAAAAAAAAAAAAAAAAAAAAFAAAADwAAAAAAAAAAAAAAAAAAAkUAAAAAQAAABQAAAAUAAAAFAAAAAEAAAAAAAAAZAAAAGQAAAAAAAAAZAAAAGQAAAAVAAAAYAAAAAAAAAAAAAAADwAAACADAAAAAAAAAAAAAAEAAACgMgAAVgcAAKr4//8BAAAAf39/AAEAAABkAAAAAAAAABQAAABAHwAAAAAAACYAAAAAAAAAwOD//wAAAAAmAAAAZAAAABYAAABMAAAAAAAAAAAAAAAEAAAAAAAAAAEAAACAgIAKAAAAACgAAAAoAAAAZAAAAGQAAAAAAAAAzMzMAAAAAABQAAAAUAAAAGQAAABkAAAAAAAAABcAAAAUAAAAAAAAAAAAAAD/fwAA/38AAAAAAAAJAAAABAAAAAQAhUEMAAAAEAAAAAAAAAAAAAAAAAAAAAAAAAAeAAAAaAAAAAAAAAAAAAAAAAAAAAAAAAAAAAAAECcAABAnAAAAAAAAAAAAAAAAAAAAAAAAAAAAAAAAAAAAAAAAAAAAABQAAAAAAAAAwMD/AAAAAABkAAAAMgAAAAAAAABkAAAAAAAAAH9/fwAKAAAAHwAAAFQAAAAAAAAFAAAAAQAAAAAAAAAAAAAAAAAAAAAAAAAAAAAAAAAAAAAAAAAAAAAAAn9/fwAAAAADzMzMAMDA/wB/f38AAAAAAAAAAAAAAAAAAAAAAAAAAAAhAAAAGAAAABQAAABKAwAAHSsAAKMSAACVLQAAEAAAACYAAAAIAAAAAAAAAAAAAAA="/>
+                <pr:smNativeData xmlns:pr="smNativeData" val="SMDATA_13_ahOSXxMAAAAlAAAAZAAAAA8BAAAAkAAAAEgAAACQAAAASAAAAAAAAAABAAAAAAAAAAEAAABQAAAAAAAAAAAA4D8AAAAAAADgPwAAAAAAAOA/AAAAAAAA4D8AAAAAAADgPwAAAAAAAOA/AAAAAAAA4D8AAAAAAADgPwAAAAAAAOA/AAAAAAAA4D8CAAAAjAAAAAAAAAAAAAAAu+DjDP///wgAAAAAAAAAAAAAAAAAAAAAAAAAAAAAAAAAAAAAZAAAAAEAAABAAAAAAAAAAAAAAAAAAAAAAAAAAAAAAAAAAAAAAAAAAAAAAAAAAAAAAAAAAAAAAAAAAAAAAAAAAAAAAAAAAAAAAAAAAAAAAAAAAAAAAAAAAAAAAAAAAAAAFAAAADwAAAAAAAAAAAAAAAAAAAkUAAAAAQAAABQAAAAUAAAAFAAAAAEAAAAAAAAAZAAAAGQAAAAAAAAAZAAAAGQAAAAVAAAAYAAAAAAAAAAAAAAADwAAACADAAAAAAAAAAAAAAEAAACgMgAAVgcAAKr4//8BAAAAf39/AAEAAABkAAAAAAAAABQAAABAHwAAAAAAACYAAAAAAAAAwOD//wAAAAAmAAAAZAAAABYAAABMAAAAAAAAAAAAAAAEAAAAAAAAAAEAAACAgIAKAAAAACgAAAAoAAAAZAAAAGQAAAAAAAAAzMzMAAAAAABQAAAAUAAAAGQAAABkAAAAAAAAABcAAAAUAAAAAAAAAAAAAAD/fwAA/38AAAAAAAAJAAAABAAAAAQAhUEMAAAAEAAAAAAAAAAAAAAAAAAAAAAAAAAeAAAAaAAAAAAAAAAAAAAAAAAAAAAAAAAAAAAAECcAABAnAAAAAAAAAAAAAAAAAAAAAAAAAAAAAAAAAAAAAAAAAAAAABQAAAAAAAAAwMD/AAAAAABkAAAAMgAAAAAAAABkAAAAAAAAAH9/fwAKAAAAHwAAAFQAAAAAAAAFAAAAAQAAAAAAAAAAAAAAAAAAAAAAAAAAAAAAAAAAAAAAAAAAAAAAAn9/fwAAAAADzMzMAMDA/wB/f38AAAAAAAAAAAAAAAAAAAAAAAAAAAAhAAAAGAAAABQAAABKAwAAHSsAAKMSAACVLQAAEAAAACYAAAAIAAAAAAAAAAAAAAA="/>
               </a:ext>
             </a:extLst>
           </p:cNvSpPr>
@@ -1886,7 +1868,7 @@
           <a:lstStyle/>
           <a:p>
             <a:pPr/>
-            <a:fld id="{20737578-36CD-2683-83CB-C0D63B857595}" type="datetime1">
+            <a:fld id="{B29ED130-7E5F-CB27-1126-88729F68E7DD}" type="datetime1">
               <a:t/>
             </a:fld>
           </a:p>
@@ -1899,7 +1881,7 @@
             <a:spLocks noGrp="1" noChangeArrowheads="1"/>
             <a:extLst>
               <a:ext uri="smNativeData">
-                <pr:smNativeData xmlns:pr="smNativeData" val="SMDATA_13_3GgiXxMAAAAlAAAAZAAAAA8BAAAAkAAAAEgAAACQAAAASAAAAAAAAAABAAAAAAAAAAEAAABQAAAAAAAAAAAA4D8AAAAAAADgPwAAAAAAAOA/AAAAAAAA4D8AAAAAAADgPwAAAAAAAOA/AAAAAAAA4D8AAAAAAADgPwAAAAAAAOA/AAAAAAAA4D8CAAAAjAAAAAAAAAAAAAAAu+DjDP///wgAAAAAAAAAAAAAAAAAAAAAAAAAAAAAAAAAAAAAZAAAAAEAAABAAAAAAAAAAAAAAAAAAAAAAAAAAAAAAAAAAAAAAAAAAAAAAAAAAAAAAAAAAAAAAAAAAAAAAAAAAAAAAAAAAAAAAAAAAAAAAAAAAAAAAAAAAAAAAAAAAAAAFAAAADwAAAAAAAAAAAAAAAAAAAkUAAAAAQAAABQAAAAUAAAAFAAAAAEAAAAAAAAAZAAAAGQAAAAAAAAAZAAAAGQAAAAVAAAAYAAAAAAAAAAAAAAADwAAACADAAAAAAAAAAAAAAEAAACgMgAAVgcAAKr4//8BAAAAf39/AAEAAABkAAAAAAAAABQAAABAHwAAAAAAACYAAAAAAAAAwOD//wAAAAAmAAAAZAAAABYAAABMAAAAAAAAAAAAAAAEAAAAAAAAAAEAAACAgIAKAAAAACgAAAAoAAAAZAAAAGQAAAAAAAAAzMzMAAAAAABQAAAAUAAAAGQAAABkAAAAAAAAABcAAAAUAAAAAAAAAAAAAAD/fwAA/38AAAAAAAAJAAAABAAAAAQAjgwMAAAAEAAAAAAAAAAAAAAAAAAAAAAAAAAeAAAAaAAAAAAAAAAAAAAAAAAAAAAAAAAAAAAAECcAABAnAAAAAAAAAAAAAAAAAAAAAAAAAAAAAAAAAAAAAAAAAAAAABQAAAAAAAAAwMD/AAAAAABkAAAAMgAAAAAAAABkAAAAAAAAAH9/fwAKAAAAHwAAAFQAAAAAAAAFAAAAAQAAAAAAAAAAAAAAAAAAAAAAAAAAAAAAAAAAAAAAAAAAAAAAAn9/fwAAAAADzMzMAMDA/wB/f38AAAAAAAAAAAAAAAAAAAAAAAAAAAAhAAAAGAAAABQAAAB5FgAAHSsAAE4rAACVLQAAEAAAACYAAAAIAAAAAAAAAAAAAAA="/>
+                <pr:smNativeData xmlns:pr="smNativeData" val="SMDATA_13_ahOSXxMAAAAlAAAAZAAAAA8BAAAAkAAAAEgAAACQAAAASAAAAAAAAAABAAAAAAAAAAEAAABQAAAAAAAAAAAA4D8AAAAAAADgPwAAAAAAAOA/AAAAAAAA4D8AAAAAAADgPwAAAAAAAOA/AAAAAAAA4D8AAAAAAADgPwAAAAAAAOA/AAAAAAAA4D8CAAAAjAAAAAAAAAAAAAAAu+DjDP///wgAAAAAAAAAAAAAAAAAAAAAAAAAAAAAAAAAAAAAZAAAAAEAAABAAAAAAAAAAAAAAAAAAAAAAAAAAAAAAAAAAAAAAAAAAAAAAAAAAAAAAAAAAAAAAAAAAAAAAAAAAAAAAAAAAAAAAAAAAAAAAAAAAAAAAAAAAAAAAAAAAAAAFAAAADwAAAAAAAAAAAAAAAAAAAkUAAAAAQAAABQAAAAUAAAAFAAAAAEAAAAAAAAAZAAAAGQAAAAAAAAAZAAAAGQAAAAVAAAAYAAAAAAAAAAAAAAADwAAACADAAAAAAAAAAAAAAEAAACgMgAAVgcAAKr4//8BAAAAf39/AAEAAABkAAAAAAAAABQAAABAHwAAAAAAACYAAAAAAAAAwOD//wAAAAAmAAAAZAAAABYAAABMAAAAAAAAAAAAAAAEAAAAAAAAAAEAAACAgIAKAAAAACgAAAAoAAAAZAAAAGQAAAAAAAAAzMzMAAAAAABQAAAAUAAAAGQAAABkAAAAAAAAABcAAAAUAAAAAAAAAAAAAAD/fwAA/38AAAAAAAAJAAAABAAAAAQAjgwMAAAAEAAAAAAAAAAAAAAAAAAAAAAAAAAeAAAAaAAAAAAAAAAAAAAAAAAAAAAAAAAAAAAAECcAABAnAAAAAAAAAAAAAAAAAAAAAAAAAAAAAAAAAAAAAAAAAAAAABQAAAAAAAAAwMD/AAAAAABkAAAAMgAAAAAAAABkAAAAAAAAAH9/fwAKAAAAHwAAAFQAAAAAAAAFAAAAAQAAAAAAAAAAAAAAAAAAAAAAAAAAAAAAAAAAAAAAAAAAAAAAAn9/fwAAAAADzMzMAMDA/wB/f38AAAAAAAAAAAAAAAAAAAAAAAAAAAAhAAAAGAAAABQAAAB5FgAAHSsAAE4rAACVLQAAEAAAACYAAAAIAAAAAAAAAAAAAAA="/>
               </a:ext>
             </a:extLst>
           </p:cNvSpPr>
@@ -1913,9 +1895,6 @@
           <a:lstStyle/>
           <a:p>
             <a:pPr/>
-            <a:r>
-              <a:t/>
-            </a:r>
           </a:p>
         </p:txBody>
       </p:sp>
@@ -1926,7 +1905,7 @@
             <a:spLocks noGrp="1" noChangeArrowheads="1"/>
             <a:extLst>
               <a:ext uri="smNativeData">
-                <pr:smNativeData xmlns:pr="smNativeData" val="SMDATA_13_3GgiXxMAAAAlAAAAZAAAAA8BAAAAkAAAAEgAAACQAAAASAAAAAAAAAABAAAAAAAAAAEAAABQAAAAAAAAAAAA4D8AAAAAAADgPwAAAAAAAOA/AAAAAAAA4D8AAAAAAADgPwAAAAAAAOA/AAAAAAAA4D8AAAAAAADgPwAAAAAAAOA/AAAAAAAA4D8CAAAAjAAAAAAAAAAAAAAAu+DjDP///wgAAAAAAAAAAAAAAAAAAAAAAAAAAAAAAAAAAAAAZAAAAAEAAABAAAAAAAAAAAAAAAAAAAAAAAAAAAAAAAAAAAAAAAAAAAAAAAAAAAAAAAAAAAAAAAAAAAAAAAAAAAAAAAAAAAAAAAAAAAAAAAAAAAAAAAAAAAAAAAAAAAAAFAAAADwAAAAAAAAAAAAAAAAAAAkUAAAAAQAAABQAAAAUAAAAFAAAAAEAAAAAAAAAZAAAAGQAAAAAAAAAZAAAAGQAAAAVAAAAYAAAAAAAAAAAAAAADwAAACADAAAAAAAAAAAAAAEAAACgMgAAVgcAAKr4//8BAAAAf39/AAEAAABkAAAAAAAAABQAAABAHwAAAAAAACYAAAAAAAAAwOD//wAAAAAmAAAAZAAAABYAAABMAAAAAAAAAAAAAAAEAAAAAAAAAAEAAACAgIAKAAAAACgAAAAoAAAAZAAAAGQAAAAAAAAAzMzMAAAAAABQAAAAUAAAAGQAAABkAAAAAAAAABcAAAAUAAAAAAAAAAAAAAD/fwAA/38AAAAAAAAJAAAABAAAAAQAbkEMAAAAEAAAAAAAAAAAAAAAAAAAAAAAAAAeAAAAaAAAAAAAAAAAAAAAAAAAAAAAAAAAAAAAECcAABAnAAAAAAAAAAAAAAAAAAAAAAAAAAAAAAAAAAAAAAAAAAAAABQAAAAAAAAAwMD/AAAAAABkAAAAMgAAAAAAAABkAAAAAAAAAH9/fwAKAAAAHwAAAFQAAAAAAAAFAAAAAQAAAAAAAAAAAAAAAAAAAAAAAAAAAAAAAAAAAAAAAAAAAAAAAn9/fwAAAAADzMzMAMDA/wB/f38AAAAAAAAAAAAAAAAAAAAAAAAAAAAhAAAAGAAAABQAAAAkLwAAHSsAAH4+AACVLQAAEAAAACYAAAAIAAAAAAAAAAAAAAA="/>
+                <pr:smNativeData xmlns:pr="smNativeData" val="SMDATA_13_ahOSXxMAAAAlAAAAZAAAAA8BAAAAkAAAAEgAAACQAAAASAAAAAAAAAABAAAAAAAAAAEAAABQAAAAAAAAAAAA4D8AAAAAAADgPwAAAAAAAOA/AAAAAAAA4D8AAAAAAADgPwAAAAAAAOA/AAAAAAAA4D8AAAAAAADgPwAAAAAAAOA/AAAAAAAA4D8CAAAAjAAAAAAAAAAAAAAAu+DjDP///wgAAAAAAAAAAAAAAAAAAAAAAAAAAAAAAAAAAAAAZAAAAAEAAABAAAAAAAAAAAAAAAAAAAAAAAAAAAAAAAAAAAAAAAAAAAAAAAAAAAAAAAAAAAAAAAAAAAAAAAAAAAAAAAAAAAAAAAAAAAAAAAAAAAAAAAAAAAAAAAAAAAAAFAAAADwAAAAAAAAAAAAAAAAAAAkUAAAAAQAAABQAAAAUAAAAFAAAAAEAAAAAAAAAZAAAAGQAAAAAAAAAZAAAAGQAAAAVAAAAYAAAAAAAAAAAAAAADwAAACADAAAAAAAAAAAAAAEAAACgMgAAVgcAAKr4//8BAAAAf39/AAEAAABkAAAAAAAAABQAAABAHwAAAAAAACYAAAAAAAAAwOD//wAAAAAmAAAAZAAAABYAAABMAAAAAAAAAAAAAAAEAAAAAAAAAAEAAACAgIAKAAAAACgAAAAoAAAAZAAAAGQAAAAAAAAAzMzMAAAAAABQAAAAUAAAAGQAAABkAAAAAAAAABcAAAAUAAAAAAAAAAAAAAD/fwAA/38AAAAAAAAJAAAABAAAAAQAbkEMAAAAEAAAAAAAAAAAAAAAAAAAAAAAAAAeAAAAaAAAAAAAAAAAAAAAAAAAAAAAAAAAAAAAECcAABAnAAAAAAAAAAAAAAAAAAAAAAAAAAAAAAAAAAAAAAAAAAAAABQAAAAAAAAAwMD/AAAAAABkAAAAMgAAAAAAAABkAAAAAAAAAH9/fwAKAAAAHwAAAFQAAAAAAAAFAAAAAQAAAAAAAAAAAAAAAAAAAAAAAAAAAAAAAAAAAAAAAAAAAAAAAn9/fwAAAAADzMzMAMDA/wB/f38AAAAAAAAAAAAAAAAAAAAAAAAAAAAhAAAAGAAAABQAAAAkLwAAHSsAAH4+AACVLQAAEAAAACYAAAAIAAAAAAAAAAAAAAA="/>
               </a:ext>
             </a:extLst>
           </p:cNvSpPr>
@@ -1940,7 +1919,7 @@
           <a:lstStyle/>
           <a:p>
             <a:pPr/>
-            <a:fld id="{20736BC6-88CD-269D-83CB-7EC82585752B}" type="slidenum">
+            <a:fld id="{B29EA470-3E5F-CB52-1126-C807EA68E79D}" type="slidenum">
               <a:t/>
             </a:fld>
           </a:p>
@@ -1978,7 +1957,7 @@
             <a:spLocks noGrp="1" noChangeArrowheads="1"/>
             <a:extLst>
               <a:ext uri="smNativeData">
-                <pr:smNativeData xmlns:pr="smNativeData" val="SMDATA_13_3GgiXxMAAAAlAAAAZAAAAA8BAAAAkAAAAEgAAACQAAAASAAAAAAAAAABAAAAAAAAAAEAAABQAAAAAAAAAAAA4D8AAAAAAADgPwAAAAAAAOA/AAAAAAAA4D8AAAAAAADgPwAAAAAAAOA/AAAAAAAA4D8AAAAAAADgPwAAAAAAAOA/AAAAAAAA4D8CAAAAjAAAAAAAAAAAAAAAu+DjDP///wgAAAAAAAAAAAAAAAAAAAAAAAAAAAAAAAAAAAAAZAAAAAEAAABAAAAAAAAAAAAAAAAAAAAAAAAAAAAAAAAAAAAAAAAAAAAAAAAAAAAAAAAAAAAAAAAAAAAAAAAAAAAAAAAAAAAAAAAAAAAAAAAAAAAAAAAAAAAAAAAAAAAAFAAAADwAAAAAAAAAAAAAAAAAAAkUAAAAAQAAABQAAAAUAAAAFAAAAAEAAAAAAAAAZAAAAGQAAAAAAAAAZAAAAGQAAAAVAAAAYAAAAAAAAAAAAAAADwAAACADAAAAAAAAAAAAAAEAAACgMgAAVgcAAKr4//8BAAAAf39/AAEAAABkAAAAAAAAABQAAABAHwAAAAAAACYAAAAAAAAAwOD//wAAAAAmAAAAZAAAABYAAABMAAAAAAAAAAAAAAAEAAAAAAAAAAEAAACAgIAKAAAAACgAAAAoAAAAZAAAAGQAAAAAAAAAzMzMAAAAAABQAAAAUAAAAGQAAABkAAAAAAAAABcAAAAUAAAAAAAAAAAAAAD/fwAA/38AAAAAAAAJAAAABAAAAAQAf0oMAAAAEAAAAAAAAAAAAAAAAAAAAAAAAAAeAAAAaAAAAAAAAAAAAAAAAAAAAAAAAAAAAAAAECcAABAnAAAAAAAAAAAAAAAAAAAAAAAAAAAAAAAAAAAAAAAAAAAAABQAAAAAAAAAwMD/AAAAAABkAAAAMgAAAAAAAABkAAAAAAAAAH9/fwAKAAAAHwAAAFQAAAAAAAAFAAAAAQAAAAAAAAAAAAAAAAAAAAAAAAAAAAAAAAAAAAAAAAAAAAAAAn9/fwAAAAADzMzMAMDA/wB/f38AAAAAAAAAAAAAAAAAAAAAAAAAAAAhAAAAGAAAABQAAABKAwAA3AEAAH4+AACcCQAAEAAAACYAAAAIAAAAAAAAAAAAAAA="/>
+                <pr:smNativeData xmlns:pr="smNativeData" val="SMDATA_13_ahOSXxMAAAAlAAAAZAAAAA8BAAAAkAAAAEgAAACQAAAASAAAAAAAAAABAAAAAAAAAAEAAABQAAAAAAAAAAAA4D8AAAAAAADgPwAAAAAAAOA/AAAAAAAA4D8AAAAAAADgPwAAAAAAAOA/AAAAAAAA4D8AAAAAAADgPwAAAAAAAOA/AAAAAAAA4D8CAAAAjAAAAAAAAAAAAAAAu+DjDP///wgAAAAAAAAAAAAAAAAAAAAAAAAAAAAAAAAAAAAAZAAAAAEAAABAAAAAAAAAAAAAAAAAAAAAAAAAAAAAAAAAAAAAAAAAAAAAAAAAAAAAAAAAAAAAAAAAAAAAAAAAAAAAAAAAAAAAAAAAAAAAAAAAAAAAAAAAAAAAAAAAAAAAFAAAADwAAAAAAAAAAAAAAAAAAAkUAAAAAQAAABQAAAAUAAAAFAAAAAEAAAAAAAAAZAAAAGQAAAAAAAAAZAAAAGQAAAAVAAAAYAAAAAAAAAAAAAAADwAAACADAAAAAAAAAAAAAAEAAACgMgAAVgcAAKr4//8BAAAAf39/AAEAAABkAAAAAAAAABQAAABAHwAAAAAAACYAAAAAAAAAwOD//wAAAAAmAAAAZAAAABYAAABMAAAAAAAAAAAAAAAEAAAAAAAAAAEAAACAgIAKAAAAACgAAAAoAAAAZAAAAGQAAAAAAAAAzMzMAAAAAABQAAAAUAAAAGQAAABkAAAAAAAAABcAAAAUAAAAAAAAAAAAAAD/fwAA/38AAAAAAAAJAAAABAAAAAQAf0oMAAAAEAAAAAAAAAAAAAAAAAAAAAAAAAAeAAAAaAAAAAAAAAAAAAAAAAAAAAAAAAAAAAAAECcAABAnAAAAAAAAAAAAAAAAAAAAAAAAAAAAAAAAAAAAAAAAAAAAABQAAAAAAAAAwMD/AAAAAABkAAAAMgAAAAAAAABkAAAAAAAAAH9/fwAKAAAAHwAAAFQAAAAAAAAFAAAAAQAAAAAAAAAAAAAAAAAAAAAAAAAAAAAAAAAAAAAAAAAAAAAAAn9/fwAAAAADzMzMAMDA/wB/f38AAAAAAAAAAAAAAAAAAAAAAAAAAAAhAAAAGAAAABQAAABKAwAA3AEAAH4+AACcCQAAEAAAACYAAAAIAAAAAAAAAAAAAAA="/>
               </a:ext>
             </a:extLst>
           </p:cNvSpPr>
@@ -2005,7 +1984,7 @@
             <a:spLocks noGrp="1" noChangeArrowheads="1"/>
             <a:extLst>
               <a:ext uri="smNativeData">
-                <pr:smNativeData xmlns:pr="smNativeData" val="SMDATA_13_3GgiXxMAAAAlAAAAZAAAAA8BAAAAkAAAAEgAAACQAAAASAAAAAAAAAABAAAAAAAAAAEAAABQAAAAAAAAAAAA4D8AAAAAAADgPwAAAAAAAOA/AAAAAAAA4D8AAAAAAADgPwAAAAAAAOA/AAAAAAAA4D8AAAAAAADgPwAAAAAAAOA/AAAAAAAA4D8CAAAAjAAAAAAAAAAAAAAAu+DjDP///wgAAAAAAAAAAAAAAAAAAAAAAAAAAAAAAAAAAAAAZAAAAAEAAABAAAAAAAAAAAAAAAAAAAAAAAAAAAAAAAAAAAAAAAAAAAAAAAAAAAAAAAAAAAAAAAAAAAAAAAAAAAAAAAAAAAAAAAAAAAAAAAAAAAAAAAAAAAAAAAAAAAAAFAAAADwAAAAAAAAAAAAAAAAAAAkUAAAAAQAAABQAAAAUAAAAFAAAAAEAAAAAAAAAZAAAAGQAAAAAAAAAZAAAAGQAAAAVAAAAYAAAAAAAAAAAAAAADwAAACADAAAAAAAAAAAAAAEAAACgMgAAVgcAAKr4//8BAAAAf39/AAEAAABkAAAAAAAAABQAAABAHwAAAAAAACYAAAAAAAAAwOD//wAAAAAmAAAAZAAAABYAAABMAAAAAAAAAAAAAAAEAAAAAAAAAAEAAACAgIAKAAAAACgAAAAoAAAAZAAAAGQAAAAAAAAAzMzMAAAAAABQAAAAUAAAAGQAAABkAAAAAAAAABcAAAAUAAAAAAAAAAAAAAD/fwAA/38AAAAAAAAJAAAABAAAADP6BAAMAAAAEAAAAAAAAAAAAAAAAAAAAAAAAAAeAAAAaAAAAAAAAAAAAAAAAAAAAAAAAAAAAAAAECcAABAnAAAAAAAAAAAAAAAAAAAAAAAAAAAAAAAAAAAAAAAAAAAAABQAAAAAAAAAwMD/AAAAAABkAAAAMgAAAAAAAABkAAAAAAAAAH9/fwAKAAAAHwAAAFQAAAAAAAAFAAAAAQAAAAAAAAAAAAAAAAAAAAAAAAAAAAAAAAAAAAAAAAAAAAAAAn9/fwAAAAADzMzMAMDA/wB/f38AAAAAAAAAAAAAAAAAAAAAAAAAAAAhAAAAGAAAABQAAABKAwAAHSsAAKMSAACVLQAAEAAAACYAAAAIAAAAAAAAAAAAAAA="/>
+                <pr:smNativeData xmlns:pr="smNativeData" val="SMDATA_13_ahOSXxMAAAAlAAAAZAAAAA8BAAAAkAAAAEgAAACQAAAASAAAAAAAAAABAAAAAAAAAAEAAABQAAAAAAAAAAAA4D8AAAAAAADgPwAAAAAAAOA/AAAAAAAA4D8AAAAAAADgPwAAAAAAAOA/AAAAAAAA4D8AAAAAAADgPwAAAAAAAOA/AAAAAAAA4D8CAAAAjAAAAAAAAAAAAAAAu+DjDP///wgAAAAAAAAAAAAAAAAAAAAAAAAAAAAAAAAAAAAAZAAAAAEAAABAAAAAAAAAAAAAAAAAAAAAAAAAAAAAAAAAAAAAAAAAAAAAAAAAAAAAAAAAAAAAAAAAAAAAAAAAAAAAAAAAAAAAAAAAAAAAAAAAAAAAAAAAAAAAAAAAAAAAFAAAADwAAAAAAAAAAAAAAAAAAAkUAAAAAQAAABQAAAAUAAAAFAAAAAEAAAAAAAAAZAAAAGQAAAAAAAAAZAAAAGQAAAAVAAAAYAAAAAAAAAAAAAAADwAAACADAAAAAAAAAAAAAAEAAACgMgAAVgcAAKr4//8BAAAAf39/AAEAAABkAAAAAAAAABQAAABAHwAAAAAAACYAAAAAAAAAwOD//wAAAAAmAAAAZAAAABYAAABMAAAAAAAAAAAAAAAEAAAAAAAAAAEAAACAgIAKAAAAACgAAAAoAAAAZAAAAGQAAAAAAAAAzMzMAAAAAABQAAAAUAAAAGQAAABkAAAAAAAAABcAAAAUAAAAAAAAAAAAAAD/fwAA/38AAAAAAAAJAAAABAAAADP6BAAMAAAAEAAAAAAAAAAAAAAAAAAAAAAAAAAeAAAAaAAAAAAAAAAAAAAAAAAAAAAAAAAAAAAAECcAABAnAAAAAAAAAAAAAAAAAAAAAAAAAAAAAAAAAAAAAAAAAAAAABQAAAAAAAAAwMD/AAAAAABkAAAAMgAAAAAAAABkAAAAAAAAAH9/fwAKAAAAHwAAAFQAAAAAAAAFAAAAAQAAAAAAAAAAAAAAAAAAAAAAAAAAAAAAAAAAAAAAAAAAAAAAAn9/fwAAAAADzMzMAMDA/wB/f38AAAAAAAAAAAAAAAAAAAAAAAAAAAAhAAAAGAAAABQAAABKAwAAHSsAAKMSAACVLQAAEAAAACYAAAAIAAAAAAAAAAAAAAA="/>
               </a:ext>
             </a:extLst>
           </p:cNvSpPr>
@@ -2019,7 +1998,7 @@
           <a:lstStyle/>
           <a:p>
             <a:pPr/>
-            <a:fld id="{20735531-7FCD-26A3-83CB-89F61B8575DC}" type="datetime1">
+            <a:fld id="{B29EB1BC-F25F-CB47-1126-0412FF68E751}" type="datetime1">
               <a:t/>
             </a:fld>
           </a:p>
@@ -2032,7 +2011,7 @@
             <a:spLocks noGrp="1" noChangeArrowheads="1"/>
             <a:extLst>
               <a:ext uri="smNativeData">
-                <pr:smNativeData xmlns:pr="smNativeData" val="SMDATA_13_3GgiXxMAAAAlAAAAZAAAAA8BAAAAkAAAAEgAAACQAAAASAAAAAAAAAABAAAAAAAAAAEAAABQAAAAAAAAAAAA4D8AAAAAAADgPwAAAAAAAOA/AAAAAAAA4D8AAAAAAADgPwAAAAAAAOA/AAAAAAAA4D8AAAAAAADgPwAAAAAAAOA/AAAAAAAA4D8CAAAAjAAAAAAAAAAAAAAAu+DjDP///wgAAAAAAAAAAAAAAAAAAAAAAAAAAAAAAAAAAAAAZAAAAAEAAABAAAAAAAAAAAAAAAAAAAAAAAAAAAAAAAAAAAAAAAAAAAAAAAAAAAAAAAAAAAAAAAAAAAAAAAAAAAAAAAAAAAAAAAAAAAAAAAAAAAAAAAAAAAAAAAAAAAAAFAAAADwAAAAAAAAAAAAAAAAAAAkUAAAAAQAAABQAAAAUAAAAFAAAAAEAAAAAAAAAZAAAAGQAAAAAAAAAZAAAAGQAAAAVAAAAYAAAAAAAAAAAAAAADwAAACADAAAAAAAAAAAAAAEAAACgMgAAVgcAAKr4//8BAAAAf39/AAEAAABkAAAAAAAAABQAAABAHwAAAAAAACYAAAAAAAAAwOD//wAAAAAmAAAAZAAAABYAAABMAAAAAAAAAAAAAAAEAAAAAAAAAAEAAACAgIAKAAAAACgAAAAoAAAAZAAAAGQAAAAAAAAAzMzMAAAAAABQAAAAUAAAAGQAAABkAAAAAAAAABcAAAAUAAAAAAAAAAAAAAD/fwAA/38AAAAAAAAJAAAABAAAAPhLdBEMAAAAEAAAAAAAAAAAAAAAAAAAAAAAAAAeAAAAaAAAAAAAAAAAAAAAAAAAAAAAAAAAAAAAECcAABAnAAAAAAAAAAAAAAAAAAAAAAAAAAAAAAAAAAAAAAAAAAAAABQAAAAAAAAAwMD/AAAAAABkAAAAMgAAAAAAAABkAAAAAAAAAH9/fwAKAAAAHwAAAFQAAAAAAAAFAAAAAQAAAAAAAAAAAAAAAAAAAAAAAAAAAAAAAAAAAAAAAAAAAAAAAn9/fwAAAAADzMzMAMDA/wB/f38AAAAAAAAAAAAAAAAAAAAAAAAAAAAhAAAAGAAAABQAAAB5FgAAHSsAAE4rAACVLQAAEAAAACYAAAAIAAAAAAAAAAAAAAA="/>
+                <pr:smNativeData xmlns:pr="smNativeData" val="SMDATA_13_ahOSXxMAAAAlAAAAZAAAAA8BAAAAkAAAAEgAAACQAAAASAAAAAAAAAABAAAAAAAAAAEAAABQAAAAAAAAAAAA4D8AAAAAAADgPwAAAAAAAOA/AAAAAAAA4D8AAAAAAADgPwAAAAAAAOA/AAAAAAAA4D8AAAAAAADgPwAAAAAAAOA/AAAAAAAA4D8CAAAAjAAAAAAAAAAAAAAAu+DjDP///wgAAAAAAAAAAAAAAAAAAAAAAAAAAAAAAAAAAAAAZAAAAAEAAABAAAAAAAAAAAAAAAAAAAAAAAAAAAAAAAAAAAAAAAAAAAAAAAAAAAAAAAAAAAAAAAAAAAAAAAAAAAAAAAAAAAAAAAAAAAAAAAAAAAAAAAAAAAAAAAAAAAAAFAAAADwAAAAAAAAAAAAAAAAAAAkUAAAAAQAAABQAAAAUAAAAFAAAAAEAAAAAAAAAZAAAAGQAAAAAAAAAZAAAAGQAAAAVAAAAYAAAAAAAAAAAAAAADwAAACADAAAAAAAAAAAAAAEAAACgMgAAVgcAAKr4//8BAAAAf39/AAEAAABkAAAAAAAAABQAAABAHwAAAAAAACYAAAAAAAAAwOD//wAAAAAmAAAAZAAAABYAAABMAAAAAAAAAAAAAAAEAAAAAAAAAAEAAACAgIAKAAAAACgAAAAoAAAAZAAAAGQAAAAAAAAAzMzMAAAAAABQAAAAUAAAAGQAAABkAAAAAAAAABcAAAAUAAAAAAAAAAAAAAD/fwAA/38AAAAAAAAJAAAABAAAAPhLdBEMAAAAEAAAAAAAAAAAAAAAAAAAAAAAAAAeAAAAaAAAAAAAAAAAAAAAAAAAAAAAAAAAAAAAECcAABAnAAAAAAAAAAAAAAAAAAAAAAAAAAAAAAAAAAAAAAAAAAAAABQAAAAAAAAAwMD/AAAAAABkAAAAMgAAAAAAAABkAAAAAAAAAH9/fwAKAAAAHwAAAFQAAAAAAAAFAAAAAQAAAAAAAAAAAAAAAAAAAAAAAAAAAAAAAAAAAAAAAAAAAAAAAn9/fwAAAAADzMzMAMDA/wB/f38AAAAAAAAAAAAAAAAAAAAAAAAAAAAhAAAAGAAAABQAAAB5FgAAHSsAAE4rAACVLQAAEAAAACYAAAAIAAAAAAAAAAAAAAA="/>
               </a:ext>
             </a:extLst>
           </p:cNvSpPr>
@@ -2046,9 +2025,6 @@
           <a:lstStyle/>
           <a:p>
             <a:pPr/>
-            <a:r>
-              <a:t/>
-            </a:r>
           </a:p>
         </p:txBody>
       </p:sp>
@@ -2059,7 +2035,7 @@
             <a:spLocks noGrp="1" noChangeArrowheads="1"/>
             <a:extLst>
               <a:ext uri="smNativeData">
-                <pr:smNativeData xmlns:pr="smNativeData" val="SMDATA_13_3GgiXxMAAAAlAAAAZAAAAA8BAAAAkAAAAEgAAACQAAAASAAAAAAAAAABAAAAAAAAAAEAAABQAAAAAAAAAAAA4D8AAAAAAADgPwAAAAAAAOA/AAAAAAAA4D8AAAAAAADgPwAAAAAAAOA/AAAAAAAA4D8AAAAAAADgPwAAAAAAAOA/AAAAAAAA4D8CAAAAjAAAAAAAAAAAAAAAu+DjDP///wgAAAAAAAAAAAAAAAAAAAAAAAAAAAAAAAAAAAAAZAAAAAEAAABAAAAAAAAAAAAAAAAAAAAAAAAAAAAAAAAAAAAAAAAAAAAAAAAAAAAAAAAAAAAAAAAAAAAAAAAAAAAAAAAAAAAAAAAAAAAAAAAAAAAAAAAAAAAAAAAAAAAAFAAAADwAAAAAAAAAAAAAAAAAAAkUAAAAAQAAABQAAAAUAAAAFAAAAAEAAAAAAAAAZAAAAGQAAAAAAAAAZAAAAGQAAAAVAAAAYAAAAAAAAAAAAAAADwAAACADAAAAAAAAAAAAAAEAAACgMgAAVgcAAKr4//8BAAAAf39/AAEAAABkAAAAAAAAABQAAABAHwAAAAAAACYAAAAAAAAAwOD//wAAAAAmAAAAZAAAABYAAABMAAAAAAAAAAAAAAAEAAAAAAAAAAEAAACAgIAKAAAAACgAAAAoAAAAZAAAAGQAAAAAAAAAzMzMAAAAAABQAAAAUAAAAGQAAABkAAAAAAAAABcAAAAUAAAAAAAAAAAAAAD/fwAA/38AAAAAAAAJAAAABAAAANMZfskMAAAAEAAAAAAAAAAAAAAAAAAAAAAAAAAeAAAAaAAAAAAAAAAAAAAAAAAAAAAAAAAAAAAAECcAABAnAAAAAAAAAAAAAAAAAAAAAAAAAAAAAAAAAAAAAAAAAAAAABQAAAAAAAAAwMD/AAAAAABkAAAAMgAAAAAAAABkAAAAAAAAAH9/fwAKAAAAHwAAAFQAAAAAAAAFAAAAAQAAAAAAAAAAAAAAAAAAAAAAAAAAAAAAAAAAAAAAAAAAAAAAAn9/fwAAAAADzMzMAMDA/wB/f38AAAAAAAAAAAAAAAAAAAAAAAAAAAAhAAAAGAAAABQAAAAkLwAAHSsAAH4+AACVLQAAEAAAACYAAAAIAAAAAAAAAAAAAAA="/>
+                <pr:smNativeData xmlns:pr="smNativeData" val="SMDATA_13_ahOSXxMAAAAlAAAAZAAAAA8BAAAAkAAAAEgAAACQAAAASAAAAAAAAAABAAAAAAAAAAEAAABQAAAAAAAAAAAA4D8AAAAAAADgPwAAAAAAAOA/AAAAAAAA4D8AAAAAAADgPwAAAAAAAOA/AAAAAAAA4D8AAAAAAADgPwAAAAAAAOA/AAAAAAAA4D8CAAAAjAAAAAAAAAAAAAAAu+DjDP///wgAAAAAAAAAAAAAAAAAAAAAAAAAAAAAAAAAAAAAZAAAAAEAAABAAAAAAAAAAAAAAAAAAAAAAAAAAAAAAAAAAAAAAAAAAAAAAAAAAAAAAAAAAAAAAAAAAAAAAAAAAAAAAAAAAAAAAAAAAAAAAAAAAAAAAAAAAAAAAAAAAAAAFAAAADwAAAAAAAAAAAAAAAAAAAkUAAAAAQAAABQAAAAUAAAAFAAAAAEAAAAAAAAAZAAAAGQAAAAAAAAAZAAAAGQAAAAVAAAAYAAAAAAAAAAAAAAADwAAACADAAAAAAAAAAAAAAEAAACgMgAAVgcAAKr4//8BAAAAf39/AAEAAABkAAAAAAAAABQAAABAHwAAAAAAACYAAAAAAAAAwOD//wAAAAAmAAAAZAAAABYAAABMAAAAAAAAAAAAAAAEAAAAAAAAAAEAAACAgIAKAAAAACgAAAAoAAAAZAAAAGQAAAAAAAAAzMzMAAAAAABQAAAAUAAAAGQAAABkAAAAAAAAABcAAAAUAAAAAAAAAAAAAAD/fwAA/38AAAAAAAAJAAAABAAAANMZfskMAAAAEAAAAAAAAAAAAAAAAAAAAAAAAAAeAAAAaAAAAAAAAAAAAAAAAAAAAAAAAAAAAAAAECcAABAnAAAAAAAAAAAAAAAAAAAAAAAAAAAAAAAAAAAAAAAAAAAAABQAAAAAAAAAwMD/AAAAAABkAAAAMgAAAAAAAABkAAAAAAAAAH9/fwAKAAAAHwAAAFQAAAAAAAAFAAAAAQAAAAAAAAAAAAAAAAAAAAAAAAAAAAAAAAAAAAAAAAAAAAAAAn9/fwAAAAADzMzMAMDA/wB/f38AAAAAAAAAAAAAAAAAAAAAAAAAAAAhAAAAGAAAABQAAAAkLwAAHSsAAH4+AACVLQAAEAAAACYAAAAIAAAAAAAAAAAAAAA="/>
               </a:ext>
             </a:extLst>
           </p:cNvSpPr>
@@ -2073,7 +2049,7 @@
           <a:lstStyle/>
           <a:p>
             <a:pPr/>
-            <a:fld id="{2073271C-52CD-26D1-83CB-A484698575F1}" type="slidenum">
+            <a:fld id="{B29EAC64-2A5F-CB5A-1126-DC0FE268E789}" type="slidenum">
               <a:t/>
             </a:fld>
           </a:p>
@@ -2111,7 +2087,7 @@
             <a:spLocks noGrp="1" noChangeArrowheads="1"/>
             <a:extLst>
               <a:ext uri="smNativeData">
-                <pr:smNativeData xmlns:pr="smNativeData" val="SMDATA_13_3GgiXxMAAAAlAAAAZAAAAA8BAAAAkAAAAEgAAACQAAAASAAAAAAAAAABAAAAAAAAAAEAAABQAAAAAAAAAAAA4D8AAAAAAADgPwAAAAAAAOA/AAAAAAAA4D8AAAAAAADgPwAAAAAAAOA/AAAAAAAA4D8AAAAAAADgPwAAAAAAAOA/AAAAAAAA4D8CAAAAjAAAAAAAAAAAAAAAu+DjDP///wgAAAAAAAAAAAAAAAAAAAAAAAAAAAAAAAAAAAAAZAAAAAEAAABAAAAAAAAAAAAAAAAAAAAAAAAAAAAAAAAAAAAAAAAAAAAAAAAAAAAAAAAAAAAAAAAAAAAAAAAAAAAAAAAAAAAAAAAAAAAAAAAAAAAAAAAAAAAAAAAAAAAAFAAAADwAAAAAAAAAAAAAAAAAAAkUAAAAAQAAABQAAAAUAAAAFAAAAAEAAAAAAAAAZAAAAGQAAAAAAAAAZAAAAGQAAAAVAAAAYAAAAAAAAAAAAAAADwAAACADAAAAAAAAAAAAAAEAAACgMgAAVgcAAKr4//8BAAAAf39/AAEAAABkAAAAAAAAABQAAABAHwAAAAAAACYAAAAAAAAAwOD//wAAAAAmAAAAZAAAABYAAABMAAAAAAAAAAAAAAAEAAAAAAAAAAEAAACAgIAKAAAAACgAAAAoAAAAZAAAAGQAAAAAAAAAzMzMAAAAAABQAAAAUAAAAGQAAABkAAAAAAAAABcAAAAUAAAAAAAAAAAAAAD/fwAA/38AAAAAAAAJAAAABAAAAPBClTQMAAAAEAAAAAAAAAAAAAAAAAAAAAAAAAAeAAAAaAAAAAAAAAAAAAAAAAAAAAAAAAAAAAAAECcAABAnAAAAAAAAAAAAAAAAAAAAAAAAAAAAAAAAAAAAAAAAAAAAABQAAAAAAAAAwMD/AAAAAABkAAAAMgAAAAAAAABkAAAAAAAAAH9/fwAKAAAAHwAAAFQAAAAAAAAFAAAAAQAAAAAAAAAAAAAAAAAAAAAAAAAAAAAAAAAAAAAAAAAAAAAAAn9/fwAAAAADzMzMAMDA/wB/f38AAAAAAAAAAAAAAAAAAAAAAAAAAAAhAAAAGAAAABQAAABKAwAAHSsAAKMSAACVLQAAEAAAACYAAAAIAAAAAAAAAAAAAAA="/>
+                <pr:smNativeData xmlns:pr="smNativeData" val="SMDATA_13_ahOSXxMAAAAlAAAAZAAAAA8BAAAAkAAAAEgAAACQAAAASAAAAAAAAAABAAAAAAAAAAEAAABQAAAAAAAAAAAA4D8AAAAAAADgPwAAAAAAAOA/AAAAAAAA4D8AAAAAAADgPwAAAAAAAOA/AAAAAAAA4D8AAAAAAADgPwAAAAAAAOA/AAAAAAAA4D8CAAAAjAAAAAAAAAAAAAAAu+DjDP///wgAAAAAAAAAAAAAAAAAAAAAAAAAAAAAAAAAAAAAZAAAAAEAAABAAAAAAAAAAAAAAAAAAAAAAAAAAAAAAAAAAAAAAAAAAAAAAAAAAAAAAAAAAAAAAAAAAAAAAAAAAAAAAAAAAAAAAAAAAAAAAAAAAAAAAAAAAAAAAAAAAAAAFAAAADwAAAAAAAAAAAAAAAAAAAkUAAAAAQAAABQAAAAUAAAAFAAAAAEAAAAAAAAAZAAAAGQAAAAAAAAAZAAAAGQAAAAVAAAAYAAAAAAAAAAAAAAADwAAACADAAAAAAAAAAAAAAEAAACgMgAAVgcAAKr4//8BAAAAf39/AAEAAABkAAAAAAAAABQAAABAHwAAAAAAACYAAAAAAAAAwOD//wAAAAAmAAAAZAAAABYAAABMAAAAAAAAAAAAAAAEAAAAAAAAAAEAAACAgIAKAAAAACgAAAAoAAAAZAAAAGQAAAAAAAAAzMzMAAAAAABQAAAAUAAAAGQAAABkAAAAAAAAABcAAAAUAAAAAAAAAAAAAAD/fwAA/38AAAAAAAAJAAAABAAAAPBClTQMAAAAEAAAAAAAAAAAAAAAAAAAAAAAAAAeAAAAaAAAAAAAAAAAAAAAAAAAAAAAAAAAAAAAECcAABAnAAAAAAAAAAAAAAAAAAAAAAAAAAAAAAAAAAAAAAAAAAAAABQAAAAAAAAAwMD/AAAAAABkAAAAMgAAAAAAAABkAAAAAAAAAH9/fwAKAAAAHwAAAFQAAAAAAAAFAAAAAQAAAAAAAAAAAAAAAAAAAAAAAAAAAAAAAAAAAAAAAAAAAAAAAn9/fwAAAAADzMzMAMDA/wB/f38AAAAAAAAAAAAAAAAAAAAAAAAAAAAhAAAAGAAAABQAAABKAwAAHSsAAKMSAACVLQAAEAAAACYAAAAIAAAAAAAAAAAAAAA="/>
               </a:ext>
             </a:extLst>
           </p:cNvSpPr>
@@ -2125,7 +2101,7 @@
           <a:lstStyle/>
           <a:p>
             <a:pPr/>
-            <a:fld id="{20732540-0ECD-26D3-83CB-F8866B8575AD}" type="datetime1">
+            <a:fld id="{B29EA1B4-FA5F-CB57-1126-0C02EF68E759}" type="datetime1">
               <a:t/>
             </a:fld>
           </a:p>
@@ -2138,7 +2114,7 @@
             <a:spLocks noGrp="1" noChangeArrowheads="1"/>
             <a:extLst>
               <a:ext uri="smNativeData">
-                <pr:smNativeData xmlns:pr="smNativeData" val="SMDATA_13_3GgiXxMAAAAlAAAAZAAAAA8BAAAAkAAAAEgAAACQAAAASAAAAAAAAAABAAAAAAAAAAEAAABQAAAAAAAAAAAA4D8AAAAAAADgPwAAAAAAAOA/AAAAAAAA4D8AAAAAAADgPwAAAAAAAOA/AAAAAAAA4D8AAAAAAADgPwAAAAAAAOA/AAAAAAAA4D8CAAAAjAAAAAAAAAAAAAAAu+DjDP///wgAAAAAAAAAAAAAAAAAAAAAAAAAAAAAAAAAAAAAZAAAAAEAAABAAAAAAAAAAAAAAAAAAAAAAAAAAAAAAAAAAAAAAAAAAAAAAAAAAAAAAAAAAAAAAAAAAAAAAAAAAAAAAAAAAAAAAAAAAAAAAAAAAAAAAAAAAAAAAAAAAAAAFAAAADwAAAAAAAAAAAAAAAAAAAkUAAAAAQAAABQAAAAUAAAAFAAAAAEAAAAAAAAAZAAAAGQAAAAAAAAAZAAAAGQAAAAVAAAAYAAAAAAAAAAAAAAADwAAACADAAAAAAAAAAAAAAEAAACgMgAAVgcAAKr4//8BAAAAf39/AAEAAABkAAAAAAAAABQAAABAHwAAAAAAACYAAAAAAAAAwOD//wAAAAAmAAAAZAAAABYAAABMAAAAAAAAAAAAAAAEAAAAAAAAAAEAAACAgIAKAAAAACgAAAAoAAAAZAAAAGQAAAAAAAAAzMzMAAAAAABQAAAAUAAAAGQAAABkAAAAAAAAABcAAAAUAAAAAAAAAAAAAAD/fwAA/38AAAAAAAAJAAAABAAAAE4iBAAMAAAAEAAAAAAAAAAAAAAAAAAAAAAAAAAeAAAAaAAAAAAAAAAAAAAAAAAAAAAAAAAAAAAAECcAABAnAAAAAAAAAAAAAAAAAAAAAAAAAAAAAAAAAAAAAAAAAAAAABQAAAAAAAAAwMD/AAAAAABkAAAAMgAAAAAAAABkAAAAAAAAAH9/fwAKAAAAHwAAAFQAAAAAAAAFAAAAAQAAAAAAAAAAAAAAAAAAAAAAAAAAAAAAAAAAAAAAAAAAAAAAAn9/fwAAAAADzMzMAMDA/wB/f38AAAAAAAAAAAAAAAAAAAAAAAAAAAAhAAAAGAAAABQAAAB5FgAAHSsAAE4rAACVLQAAEAAAACYAAAAIAAAAAAAAAAAAAAA="/>
+                <pr:smNativeData xmlns:pr="smNativeData" val="SMDATA_13_ahOSXxMAAAAlAAAAZAAAAA8BAAAAkAAAAEgAAACQAAAASAAAAAAAAAABAAAAAAAAAAEAAABQAAAAAAAAAAAA4D8AAAAAAADgPwAAAAAAAOA/AAAAAAAA4D8AAAAAAADgPwAAAAAAAOA/AAAAAAAA4D8AAAAAAADgPwAAAAAAAOA/AAAAAAAA4D8CAAAAjAAAAAAAAAAAAAAAu+DjDP///wgAAAAAAAAAAAAAAAAAAAAAAAAAAAAAAAAAAAAAZAAAAAEAAABAAAAAAAAAAAAAAAAAAAAAAAAAAAAAAAAAAAAAAAAAAAAAAAAAAAAAAAAAAAAAAAAAAAAAAAAAAAAAAAAAAAAAAAAAAAAAAAAAAAAAAAAAAAAAAAAAAAAAFAAAADwAAAAAAAAAAAAAAAAAAAkUAAAAAQAAABQAAAAUAAAAFAAAAAEAAAAAAAAAZAAAAGQAAAAAAAAAZAAAAGQAAAAVAAAAYAAAAAAAAAAAAAAADwAAACADAAAAAAAAAAAAAAEAAACgMgAAVgcAAKr4//8BAAAAf39/AAEAAABkAAAAAAAAABQAAABAHwAAAAAAACYAAAAAAAAAwOD//wAAAAAmAAAAZAAAABYAAABMAAAAAAAAAAAAAAAEAAAAAAAAAAEAAACAgIAKAAAAACgAAAAoAAAAZAAAAGQAAAAAAAAAzMzMAAAAAABQAAAAUAAAAGQAAABkAAAAAAAAABcAAAAUAAAAAAAAAAAAAAD/fwAA/38AAAAAAAAJAAAABAAAAE4iBAAMAAAAEAAAAAAAAAAAAAAAAAAAAAAAAAAeAAAAaAAAAAAAAAAAAAAAAAAAAAAAAAAAAAAAECcAABAnAAAAAAAAAAAAAAAAAAAAAAAAAAAAAAAAAAAAAAAAAAAAABQAAAAAAAAAwMD/AAAAAABkAAAAMgAAAAAAAABkAAAAAAAAAH9/fwAKAAAAHwAAAFQAAAAAAAAFAAAAAQAAAAAAAAAAAAAAAAAAAAAAAAAAAAAAAAAAAAAAAAAAAAAAAn9/fwAAAAADzMzMAMDA/wB/f38AAAAAAAAAAAAAAAAAAAAAAAAAAAAhAAAAGAAAABQAAAB5FgAAHSsAAE4rAACVLQAAEAAAACYAAAAIAAAAAAAAAAAAAAA="/>
               </a:ext>
             </a:extLst>
           </p:cNvSpPr>
@@ -2152,9 +2128,6 @@
           <a:lstStyle/>
           <a:p>
             <a:pPr/>
-            <a:r>
-              <a:t/>
-            </a:r>
           </a:p>
         </p:txBody>
       </p:sp>
@@ -2165,7 +2138,7 @@
             <a:spLocks noGrp="1" noChangeArrowheads="1"/>
             <a:extLst>
               <a:ext uri="smNativeData">
-                <pr:smNativeData xmlns:pr="smNativeData" val="SMDATA_13_3GgiXxMAAAAlAAAAZAAAAA8BAAAAkAAAAEgAAACQAAAASAAAAAAAAAABAAAAAAAAAAEAAABQAAAAAAAAAAAA4D8AAAAAAADgPwAAAAAAAOA/AAAAAAAA4D8AAAAAAADgPwAAAAAAAOA/AAAAAAAA4D8AAAAAAADgPwAAAAAAAOA/AAAAAAAA4D8CAAAAjAAAAAAAAAAAAAAAu+DjDP///wgAAAAAAAAAAAAAAAAAAAAAAAAAAAAAAAAAAAAAZAAAAAEAAABAAAAAAAAAAAAAAAAAAAAAAAAAAAAAAAAAAAAAAAAAAAAAAAAAAAAAAAAAAAAAAAAAAAAAAAAAAAAAAAAAAAAAAAAAAAAAAAAAAAAAAAAAAAAAAAAAAAAAFAAAADwAAAAAAAAAAAAAAAAAAAkUAAAAAQAAABQAAAAUAAAAFAAAAAEAAAAAAAAAZAAAAGQAAAAAAAAAZAAAAGQAAAAVAAAAYAAAAAAAAAAAAAAADwAAACADAAAAAAAAAAAAAAEAAACgMgAAVgcAAKr4//8BAAAAf39/AAEAAABkAAAAAAAAABQAAABAHwAAAAAAACYAAAAAAAAAwOD//wAAAAAmAAAAZAAAABYAAABMAAAAAAAAAAAAAAAEAAAAAAAAAAEAAACAgIAKAAAAACgAAAAoAAAAZAAAAGQAAAAAAAAAzMzMAAAAAABQAAAAUAAAAGQAAABkAAAAAAAAABcAAAAUAAAAAAAAAAAAAAD/fwAA/38AAAAAAAAJAAAABAAAAAUAxWgMAAAAEAAAAAAAAAAAAAAAAAAAAAAAAAAeAAAAaAAAAAAAAAAAAAAAAAAAAAAAAAAAAAAAECcAABAnAAAAAAAAAAAAAAAAAAAAAAAAAAAAAAAAAAAAAAAAAAAAABQAAAAAAAAAwMD/AAAAAABkAAAAMgAAAAAAAABkAAAAAAAAAH9/fwAKAAAAHwAAAFQAAAAAAAAFAAAAAQAAAAAAAAAAAAAAAAAAAAAAAAAAAAAAAAAAAAAAAAAAAAAAAn9/fwAAAAADzMzMAMDA/wB/f38AAAAAAAAAAAAAAAAAAAAAAAAAAAAhAAAAGAAAABQAAAAkLwAAHSsAAH4+AACVLQAAEAAAACYAAAAIAAAAAAAAAAAAAAA="/>
+                <pr:smNativeData xmlns:pr="smNativeData" val="SMDATA_13_ahOSXxMAAAAlAAAAZAAAAA8BAAAAkAAAAEgAAACQAAAASAAAAAAAAAABAAAAAAAAAAEAAABQAAAAAAAAAAAA4D8AAAAAAADgPwAAAAAAAOA/AAAAAAAA4D8AAAAAAADgPwAAAAAAAOA/AAAAAAAA4D8AAAAAAADgPwAAAAAAAOA/AAAAAAAA4D8CAAAAjAAAAAAAAAAAAAAAu+DjDP///wgAAAAAAAAAAAAAAAAAAAAAAAAAAAAAAAAAAAAAZAAAAAEAAABAAAAAAAAAAAAAAAAAAAAAAAAAAAAAAAAAAAAAAAAAAAAAAAAAAAAAAAAAAAAAAAAAAAAAAAAAAAAAAAAAAAAAAAAAAAAAAAAAAAAAAAAAAAAAAAAAAAAAFAAAADwAAAAAAAAAAAAAAAAAAAkUAAAAAQAAABQAAAAUAAAAFAAAAAEAAAAAAAAAZAAAAGQAAAAAAAAAZAAAAGQAAAAVAAAAYAAAAAAAAAAAAAAADwAAACADAAAAAAAAAAAAAAEAAACgMgAAVgcAAKr4//8BAAAAf39/AAEAAABkAAAAAAAAABQAAABAHwAAAAAAACYAAAAAAAAAwOD//wAAAAAmAAAAZAAAABYAAABMAAAAAAAAAAAAAAAEAAAAAAAAAAEAAACAgIAKAAAAACgAAAAoAAAAZAAAAGQAAAAAAAAAzMzMAAAAAABQAAAAUAAAAGQAAABkAAAAAAAAABcAAAAUAAAAAAAAAAAAAAD/fwAA/38AAAAAAAAJAAAABAAAAAUAxWgMAAAAEAAAAAAAAAAAAAAAAAAAAAAAAAAeAAAAaAAAAAAAAAAAAAAAAAAAAAAAAAAAAAAAECcAABAnAAAAAAAAAAAAAAAAAAAAAAAAAAAAAAAAAAAAAAAAAAAAABQAAAAAAAAAwMD/AAAAAABkAAAAMgAAAAAAAABkAAAAAAAAAH9/fwAKAAAAHwAAAFQAAAAAAAAFAAAAAQAAAAAAAAAAAAAAAAAAAAAAAAAAAAAAAAAAAAAAAAAAAAAAAn9/fwAAAAADzMzMAMDA/wB/f38AAAAAAAAAAAAAAAAAAAAAAAAAAAAhAAAAGAAAABQAAAAkLwAAHSsAAH4+AACVLQAAEAAAACYAAAAIAAAAAAAAAAAAAAA="/>
               </a:ext>
             </a:extLst>
           </p:cNvSpPr>
@@ -2179,7 +2152,7 @@
           <a:lstStyle/>
           <a:p>
             <a:pPr/>
-            <a:fld id="{2073729B-D5CD-2684-83CB-23D13C857576}" type="slidenum">
+            <a:fld id="{B29EB2DE-905F-CB44-1126-6611FC68E733}" type="slidenum">
               <a:t/>
             </a:fld>
           </a:p>
@@ -2217,7 +2190,7 @@
             <a:spLocks noGrp="1" noChangeArrowheads="1"/>
             <a:extLst>
               <a:ext uri="smNativeData">
-                <pr:smNativeData xmlns:pr="smNativeData" val="SMDATA_13_3GgiXxMAAAAlAAAAZAAAAA8BAAAAkAAAAEgAAACQAAAASAAAAAAAAAACAAAAAAAAAAEAAABQAAAAAAAAAAAA4D8AAAAAAADgPwAAAAAAAOA/AAAAAAAA4D8AAAAAAADgPwAAAAAAAOA/AAAAAAAA4D8AAAAAAADgPwAAAAAAAOA/AAAAAAAA4D8CAAAAjAAAAAAAAAAAAAAAu+DjDP///wgAAAAAAAAAAAAAAAAAAAAAAAAAAAAAAAAAAAAAZAAAAAEAAABAAAAAAAAAAAAAAAAAAAAAAAAAAAAAAAAAAAAAAAAAAAAAAAAAAAAAAAAAAAAAAAAAAAAAAAAAAAAAAAAAAAAAAAAAAAAAAAAAAAAAAAAAAAAAAAAAAAAAFAAAADwAAAAAAAAAAAAAAAAAAAkUAAAAAQAAABQAAAAUAAAAFAAAAAEAAAAAAAAAZAAAAGQAAAAAAAAAZAAAAGQAAAAVAAAAYAAAAAAAAAAAAAAADwAAACADAAAAAAAAAAAAAAEAAACgMgAAVgcAAKr4//8BAAAAf39/AAEAAABkAAAAAAAAABQAAABAHwAAAAAAACYAAAAAAAAAwOD//wAAAAAmAAAAZAAAABYAAABMAAAAAAAAAAAAAAAEAAAAAAAAAAEAAACAgIAKAAAAACgAAAAoAAAAZAAAAGQAAAAAAAAAzMzMAAAAAABQAAAAUAAAAGQAAABkAAAAAAAAABcAAAAUAAAAAAAAAAAAAAD/fwAA/38AAAAAAAAJAAAABAAAANKoAwAMAAAAEAAAAAAAAAAAAAAAAAAAAAAAAAAeAAAAaAAAAAAAAAAAAAAAAAAAAAAAAAAAAAAAECcAABAnAAAAAAAAAAAAAAAAAAAAAAAAAAAAAAAAAAAAAAAAAAAAABQAAAAAAAAAwMD/AAAAAABkAAAAMgAAAAAAAABkAAAAAAAAAH9/fwAKAAAAHwAAAFQAAAAAAAAFAAAAAQAAAAAAAAAAAAAAAAAAAAAAAAAAAAAAAAAAAAAAAAAAAAAAAn9/fwAAAAADzMzMAMDA/wB/f38AAAAAAAAAAAAAAAAAAAAAAAAAAAAhAAAAGAAAABQAAABKAwAA2gEAAO4YAAC7CQAAEAAAACYAAAAIAAAAgYAAAAAAAAA="/>
+                <pr:smNativeData xmlns:pr="smNativeData" val="SMDATA_13_ahOSXxMAAAAlAAAAZAAAAA8BAAAAkAAAAEgAAACQAAAASAAAAAAAAAACAAAAAAAAAAEAAABQAAAAAAAAAAAA4D8AAAAAAADgPwAAAAAAAOA/AAAAAAAA4D8AAAAAAADgPwAAAAAAAOA/AAAAAAAA4D8AAAAAAADgPwAAAAAAAOA/AAAAAAAA4D8CAAAAjAAAAAAAAAAAAAAAu+DjDP///wgAAAAAAAAAAAAAAAAAAAAAAAAAAAAAAAAAAAAAZAAAAAEAAABAAAAAAAAAAAAAAAAAAAAAAAAAAAAAAAAAAAAAAAAAAAAAAAAAAAAAAAAAAAAAAAAAAAAAAAAAAAAAAAAAAAAAAAAAAAAAAAAAAAAAAAAAAAAAAAAAAAAAFAAAADwAAAAAAAAAAAAAAAAAAAkUAAAAAQAAABQAAAAUAAAAFAAAAAEAAAAAAAAAZAAAAGQAAAAAAAAAZAAAAGQAAAAVAAAAYAAAAAAAAAAAAAAADwAAACADAAAAAAAAAAAAAAEAAACgMgAAVgcAAKr4//8BAAAAf39/AAEAAABkAAAAAAAAABQAAABAHwAAAAAAACYAAAAAAAAAwOD//wAAAAAmAAAAZAAAABYAAABMAAAAAAAAAAAAAAAEAAAAAAAAAAEAAACAgIAKAAAAACgAAAAoAAAAZAAAAGQAAAAAAAAAzMzMAAAAAABQAAAAUAAAAGQAAABkAAAAAAAAABcAAAAUAAAAAAAAAAAAAAD/fwAA/38AAAAAAAAJAAAABAAAANKoAwAMAAAAEAAAAAAAAAAAAAAAAAAAAAAAAAAeAAAAaAAAAAAAAAAAAAAAAAAAAAAAAAAAAAAAECcAABAnAAAAAAAAAAAAAAAAAAAAAAAAAAAAAAAAAAAAAAAAAAAAABQAAAAAAAAAwMD/AAAAAABkAAAAMgAAAAAAAABkAAAAAAAAAH9/fwAKAAAAHwAAAFQAAAAAAAAFAAAAAQAAAAAAAAAAAAAAAAAAAAAAAAAAAAAAAAAAAAAAAAAAAAAAAn9/fwAAAAADzMzMAMDA/wB/f38AAAAAAAAAAAAAAAAAAAAAAAAAAAAhAAAAGAAAABQAAABKAwAA2gEAAO4YAAC7CQAAEAAAACYAAAAIAAAAgYAAAAAAAAA="/>
               </a:ext>
             </a:extLst>
           </p:cNvSpPr>
@@ -2257,7 +2230,7 @@
             <a:spLocks noGrp="1" noChangeArrowheads="1"/>
             <a:extLst>
               <a:ext uri="smNativeData">
-                <pr:smNativeData xmlns:pr="smNativeData" val="SMDATA_13_3GgiXxMAAAAlAAAAZAAAAA8BAAAAkAAAAEgAAACQAAAASAAAAAAAAAAAAAAAAAAAAAEAAABQAAAAAAAAAAAA4D8AAAAAAADgPwAAAAAAAOA/AAAAAAAA4D8AAAAAAADgPwAAAAAAAOA/AAAAAAAA4D8AAAAAAADgPwAAAAAAAOA/AAAAAAAA4D8CAAAAjAAAAAAAAAAAAAAAu+DjDP///wgAAAAAAAAAAAAAAAAAAAAAAAAAAAAAAAAAAAAAZAAAAAEAAABAAAAAAAAAAAAAAAAAAAAAAAAAAAAAAAAAAAAAAAAAAAAAAAAAAAAAAAAAAAAAAAAAAAAAAAAAAAAAAAAAAAAAAAAAAAAAAAAAAAAAAAAAAAAAAAAAAAAAFAAAADwAAAAAAAAAAAAAAAAAAAkUAAAAAQAAABQAAAAUAAAAFAAAAAEAAAAAAAAAZAAAAGQAAAAAAAAAZAAAAGQAAAAVAAAAYAAAAAAAAAAAAAAADwAAACADAAAAAAAAAAAAAAEAAACgMgAAVgcAAKr4//8BAAAAf39/AAEAAABkAAAAAAAAABQAAABAHwAAAAAAACYAAAAAAAAAwOD//wAAAAAmAAAAZAAAABYAAABMAAAAAAAAAAAAAAAEAAAAAAAAAAEAAACAgIAKAAAAACgAAAAoAAAAZAAAAGQAAAAAAAAAzMzMAAAAAABQAAAAUAAAAGQAAABkAAAAAAAAABcAAAAUAAAAAAAAAAAAAAD/fwAA/38AAAAAAAAJAAAABAAAAAMAhj4MAAAAEAAAAAAAAAAAAAAAAAAAAAAAAAAeAAAAaAAAAAAAAAAAAAAAAAAAAAAAAAAAAAAAECcAABAnAAAAAAAAAAAAAAAAAAAAAAAAAAAAAAAAAAAAAAAAAAAAABQAAAAAAAAAwMD/AAAAAABkAAAAMgAAAAAAAABkAAAAAAAAAH9/fwAKAAAAHwAAAFQAAAAAAAAFAAAAAQAAAAAAAAAAAAAAAAAAAAAAAAAAAAAAAAAAAAAAAAAAAAAAAn9/fwAAAAADzMzMAMDA/wB/f38AAAAAAAAAAAAAAAAAAAAAAAAAAAAhAAAAGAAAABQAAAC3GQAA2gEAAH4+AACMKQAAEAAAACYAAAAIAAAAAYAAAAAAAAA="/>
+                <pr:smNativeData xmlns:pr="smNativeData" val="SMDATA_13_ahOSXxMAAAAlAAAAZAAAAA8BAAAAkAAAAEgAAACQAAAASAAAAAAAAAAAAAAAAAAAAAEAAABQAAAAAAAAAAAA4D8AAAAAAADgPwAAAAAAAOA/AAAAAAAA4D8AAAAAAADgPwAAAAAAAOA/AAAAAAAA4D8AAAAAAADgPwAAAAAAAOA/AAAAAAAA4D8CAAAAjAAAAAAAAAAAAAAAu+DjDP///wgAAAAAAAAAAAAAAAAAAAAAAAAAAAAAAAAAAAAAZAAAAAEAAABAAAAAAAAAAAAAAAAAAAAAAAAAAAAAAAAAAAAAAAAAAAAAAAAAAAAAAAAAAAAAAAAAAAAAAAAAAAAAAAAAAAAAAAAAAAAAAAAAAAAAAAAAAAAAAAAAAAAAFAAAADwAAAAAAAAAAAAAAAAAAAkUAAAAAQAAABQAAAAUAAAAFAAAAAEAAAAAAAAAZAAAAGQAAAAAAAAAZAAAAGQAAAAVAAAAYAAAAAAAAAAAAAAADwAAACADAAAAAAAAAAAAAAEAAACgMgAAVgcAAKr4//8BAAAAf39/AAEAAABkAAAAAAAAABQAAABAHwAAAAAAACYAAAAAAAAAwOD//wAAAAAmAAAAZAAAABYAAABMAAAAAAAAAAAAAAAEAAAAAAAAAAEAAACAgIAKAAAAACgAAAAoAAAAZAAAAGQAAAAAAAAAzMzMAAAAAABQAAAAUAAAAGQAAABkAAAAAAAAABcAAAAUAAAAAAAAAAAAAAD/fwAA/38AAAAAAAAJAAAABAAAAAMAhj4MAAAAEAAAAAAAAAAAAAAAAAAAAAAAAAAeAAAAaAAAAAAAAAAAAAAAAAAAAAAAAAAAAAAAECcAABAnAAAAAAAAAAAAAAAAAAAAAAAAAAAAAAAAAAAAAAAAAAAAABQAAAAAAAAAwMD/AAAAAABkAAAAMgAAAAAAAABkAAAAAAAAAH9/fwAKAAAAHwAAAFQAAAAAAAAFAAAAAQAAAAAAAAAAAAAAAAAAAAAAAAAAAAAAAAAAAAAAAAAAAAAAAn9/fwAAAAADzMzMAMDA/wB/f38AAAAAAAAAAAAAAAAAAAAAAAAAAAAhAAAAGAAAABQAAAC3GQAA2gEAAH4+AACMKQAAEAAAACYAAAAIAAAAAYAAAAAAAAA="/>
               </a:ext>
             </a:extLst>
           </p:cNvSpPr>
@@ -2341,7 +2314,7 @@
             <a:spLocks noGrp="1" noChangeArrowheads="1"/>
             <a:extLst>
               <a:ext uri="smNativeData">
-                <pr:smNativeData xmlns:pr="smNativeData" val="SMDATA_13_3GgiXxMAAAAlAAAAZAAAAA8BAAAAkAAAAEgAAACQAAAASAAAAAAAAAAAAAAAAAAAAAEAAABQAAAAAAAAAAAA4D8AAAAAAADgPwAAAAAAAOA/AAAAAAAA4D8AAAAAAADgPwAAAAAAAOA/AAAAAAAA4D8AAAAAAADgPwAAAAAAAOA/AAAAAAAA4D8CAAAAjAAAAAAAAAAAAAAAu+DjDP///wgAAAAAAAAAAAAAAAAAAAAAAAAAAAAAAAAAAAAAZAAAAAEAAABAAAAAAAAAAAAAAAAAAAAAAAAAAAAAAAAAAAAAAAAAAAAAAAAAAAAAAAAAAAAAAAAAAAAAAAAAAAAAAAAAAAAAAAAAAAAAAAAAAAAAAAAAAAAAAAAAAAAAFAAAADwAAAAAAAAAAAAAAAAAAAkUAAAAAQAAABQAAAAUAAAAFAAAAAEAAAAAAAAAZAAAAGQAAAAAAAAAZAAAAGQAAAAVAAAAYAAAAAAAAAAAAAAADwAAACADAAAAAAAAAAAAAAEAAACgMgAAVgcAAKr4//8BAAAAf39/AAEAAABkAAAAAAAAABQAAABAHwAAAAAAACYAAAAAAAAAwOD//wAAAAAmAAAAZAAAABYAAABMAAAAAAAAAAAAAAAEAAAAAAAAAAEAAACAgIAKAAAAACgAAAAoAAAAZAAAAGQAAAAAAAAAzMzMAAAAAABQAAAAUAAAAGQAAABkAAAAAAAAABcAAAAUAAAAAAAAAAAAAAD/fwAA/38AAAAAAAAJAAAABAAAAJvuAwAMAAAAEAAAAAAAAAAAAAAAAAAAAAAAAAAeAAAAaAAAAAAAAAAAAAAAAAAAAAAAAAAAAAAAECcAABAnAAAAAAAAAAAAAAAAAAAAAAAAAAAAAAAAAAAAAAAAAAAAABQAAAAAAAAAwMD/AAAAAABkAAAAMgAAAAAAAABkAAAAAAAAAH9/fwAKAAAAHwAAAFQAAAAAAAAFAAAAAQAAAAAAAAAAAAAAAAAAAAAAAAAAAAAAAAAAAAAAAAAAAAAAAn9/fwAAAAADzMzMAMDA/wB/f38AAAAAAAAAAAAAAAAAAAAAAAAAAAAhAAAAGAAAABQAAABKAwAAuwkAAO4YAACMKQAAEAAAACYAAAAIAAAAAYAAAAAAAAA="/>
+                <pr:smNativeData xmlns:pr="smNativeData" val="SMDATA_13_ahOSXxMAAAAlAAAAZAAAAA8BAAAAkAAAAEgAAACQAAAASAAAAAAAAAAAAAAAAAAAAAEAAABQAAAAAAAAAAAA4D8AAAAAAADgPwAAAAAAAOA/AAAAAAAA4D8AAAAAAADgPwAAAAAAAOA/AAAAAAAA4D8AAAAAAADgPwAAAAAAAOA/AAAAAAAA4D8CAAAAjAAAAAAAAAAAAAAAu+DjDP///wgAAAAAAAAAAAAAAAAAAAAAAAAAAAAAAAAAAAAAZAAAAAEAAABAAAAAAAAAAAAAAAAAAAAAAAAAAAAAAAAAAAAAAAAAAAAAAAAAAAAAAAAAAAAAAAAAAAAAAAAAAAAAAAAAAAAAAAAAAAAAAAAAAAAAAAAAAAAAAAAAAAAAFAAAADwAAAAAAAAAAAAAAAAAAAkUAAAAAQAAABQAAAAUAAAAFAAAAAEAAAAAAAAAZAAAAGQAAAAAAAAAZAAAAGQAAAAVAAAAYAAAAAAAAAAAAAAADwAAACADAAAAAAAAAAAAAAEAAACgMgAAVgcAAKr4//8BAAAAf39/AAEAAABkAAAAAAAAABQAAABAHwAAAAAAACYAAAAAAAAAwOD//wAAAAAmAAAAZAAAABYAAABMAAAAAAAAAAAAAAAEAAAAAAAAAAEAAACAgIAKAAAAACgAAAAoAAAAZAAAAGQAAAAAAAAAzMzMAAAAAABQAAAAUAAAAGQAAABkAAAAAAAAABcAAAAUAAAAAAAAAAAAAAD/fwAA/38AAAAAAAAJAAAABAAAAJvuAwAMAAAAEAAAAAAAAAAAAAAAAAAAAAAAAAAeAAAAaAAAAAAAAAAAAAAAAAAAAAAAAAAAAAAAECcAABAnAAAAAAAAAAAAAAAAAAAAAAAAAAAAAAAAAAAAAAAAAAAAABQAAAAAAAAAwMD/AAAAAABkAAAAMgAAAAAAAABkAAAAAAAAAH9/fwAKAAAAHwAAAFQAAAAAAAAFAAAAAQAAAAAAAAAAAAAAAAAAAAAAAAAAAAAAAAAAAAAAAAAAAAAAAn9/fwAAAAADzMzMAMDA/wB/f38AAAAAAAAAAAAAAAAAAAAAAAAAAAAhAAAAGAAAABQAAABKAwAAuwkAAO4YAACMKQAAEAAAACYAAAAIAAAAAYAAAAAAAAA="/>
               </a:ext>
             </a:extLst>
           </p:cNvSpPr>
@@ -2410,7 +2383,7 @@
             <a:spLocks noGrp="1" noChangeArrowheads="1"/>
             <a:extLst>
               <a:ext uri="smNativeData">
-                <pr:smNativeData xmlns:pr="smNativeData" val="SMDATA_13_3GgiXxMAAAAlAAAAZAAAAA8BAAAAkAAAAEgAAACQAAAASAAAAAAAAAABAAAAAAAAAAEAAABQAAAAAAAAAAAA4D8AAAAAAADgPwAAAAAAAOA/AAAAAAAA4D8AAAAAAADgPwAAAAAAAOA/AAAAAAAA4D8AAAAAAADgPwAAAAAAAOA/AAAAAAAA4D8CAAAAjAAAAAAAAAAAAAAAu+DjDP///wgAAAAAAAAAAAAAAAAAAAAAAAAAAAAAAAAAAAAAZAAAAAEAAABAAAAAAAAAAAAAAAAAAAAAAAAAAAAAAAAAAAAAAAAAAAAAAAAAAAAAAAAAAAAAAAAAAAAAAAAAAAAAAAAAAAAAAAAAAAAAAAAAAAAAAAAAAAAAAAAAAAAAFAAAADwAAAAAAAAAAAAAAAAAAAkUAAAAAQAAABQAAAAUAAAAFAAAAAEAAAAAAAAAZAAAAGQAAAAAAAAAZAAAAGQAAAAVAAAAYAAAAAAAAAAAAAAADwAAACADAAAAAAAAAAAAAAEAAACgMgAAVgcAAKr4//8BAAAAf39/AAEAAABkAAAAAAAAABQAAABAHwAAAAAAACYAAAAAAAAAwOD//wAAAAAmAAAAZAAAABYAAABMAAAAAAAAAAAAAAAEAAAAAAAAAAEAAACAgIAKAAAAACgAAAAoAAAAZAAAAGQAAAAAAAAAzMzMAAAAAABQAAAAUAAAAGQAAABkAAAAAAAAABcAAAAUAAAAAAAAAAAAAAD/fwAA/38AAAAAAAAJAAAABAAAAM9AOv8MAAAAEAAAAAAAAAAAAAAAAAAAAAAAAAAeAAAAaAAAAAAAAAAAAAAAAAAAAAAAAAAAAAAAECcAABAnAAAAAAAAAAAAAAAAAAAAAAAAAAAAAAAAAAAAAAAAAAAAABQAAAAAAAAAwMD/AAAAAABkAAAAMgAAAAAAAABkAAAAAAAAAH9/fwAKAAAAHwAAAFQAAAAAAAAFAAAAAQAAAAAAAAAAAAAAAAAAAAAAAAAAAAAAAAAAAAAAAAAAAAAAAn9/fwAAAAADzMzMAMDA/wB/f38AAAAAAAAAAAAAAAAAAAAAAAAAAAAhAAAAGAAAABQAAABKAwAAHSsAAKMSAACVLQAAEAAAACYAAAAIAAAAAAAAAAAAAAA="/>
+                <pr:smNativeData xmlns:pr="smNativeData" val="SMDATA_13_ahOSXxMAAAAlAAAAZAAAAA8BAAAAkAAAAEgAAACQAAAASAAAAAAAAAABAAAAAAAAAAEAAABQAAAAAAAAAAAA4D8AAAAAAADgPwAAAAAAAOA/AAAAAAAA4D8AAAAAAADgPwAAAAAAAOA/AAAAAAAA4D8AAAAAAADgPwAAAAAAAOA/AAAAAAAA4D8CAAAAjAAAAAAAAAAAAAAAu+DjDP///wgAAAAAAAAAAAAAAAAAAAAAAAAAAAAAAAAAAAAAZAAAAAEAAABAAAAAAAAAAAAAAAAAAAAAAAAAAAAAAAAAAAAAAAAAAAAAAAAAAAAAAAAAAAAAAAAAAAAAAAAAAAAAAAAAAAAAAAAAAAAAAAAAAAAAAAAAAAAAAAAAAAAAFAAAADwAAAAAAAAAAAAAAAAAAAkUAAAAAQAAABQAAAAUAAAAFAAAAAEAAAAAAAAAZAAAAGQAAAAAAAAAZAAAAGQAAAAVAAAAYAAAAAAAAAAAAAAADwAAACADAAAAAAAAAAAAAAEAAACgMgAAVgcAAKr4//8BAAAAf39/AAEAAABkAAAAAAAAABQAAABAHwAAAAAAACYAAAAAAAAAwOD//wAAAAAmAAAAZAAAABYAAABMAAAAAAAAAAAAAAAEAAAAAAAAAAEAAACAgIAKAAAAACgAAAAoAAAAZAAAAGQAAAAAAAAAzMzMAAAAAABQAAAAUAAAAGQAAABkAAAAAAAAABcAAAAUAAAAAAAAAAAAAAD/fwAA/38AAAAAAAAJAAAABAAAAM9AOv8MAAAAEAAAAAAAAAAAAAAAAAAAAAAAAAAeAAAAaAAAAAAAAAAAAAAAAAAAAAAAAAAAAAAAECcAABAnAAAAAAAAAAAAAAAAAAAAAAAAAAAAAAAAAAAAAAAAAAAAABQAAAAAAAAAwMD/AAAAAABkAAAAMgAAAAAAAABkAAAAAAAAAH9/fwAKAAAAHwAAAFQAAAAAAAAFAAAAAQAAAAAAAAAAAAAAAAAAAAAAAAAAAAAAAAAAAAAAAAAAAAAAAn9/fwAAAAADzMzMAMDA/wB/f38AAAAAAAAAAAAAAAAAAAAAAAAAAAAhAAAAGAAAABQAAABKAwAAHSsAAKMSAACVLQAAEAAAACYAAAAIAAAAAAAAAAAAAAA="/>
               </a:ext>
             </a:extLst>
           </p:cNvSpPr>
@@ -2424,7 +2397,7 @@
           <a:lstStyle/>
           <a:p>
             <a:pPr/>
-            <a:fld id="{2073212B-65CD-26D7-83CB-93826F8575C6}" type="datetime1">
+            <a:fld id="{B29EA717-595F-CB51-1126-AF04E968E7FA}" type="datetime1">
               <a:t/>
             </a:fld>
           </a:p>
@@ -2437,7 +2410,7 @@
             <a:spLocks noGrp="1" noChangeArrowheads="1"/>
             <a:extLst>
               <a:ext uri="smNativeData">
-                <pr:smNativeData xmlns:pr="smNativeData" val="SMDATA_13_3GgiXxMAAAAlAAAAZAAAAA8BAAAAkAAAAEgAAACQAAAASAAAAAAAAAABAAAAAAAAAAEAAABQAAAAAAAAAAAA4D8AAAAAAADgPwAAAAAAAOA/AAAAAAAA4D8AAAAAAADgPwAAAAAAAOA/AAAAAAAA4D8AAAAAAADgPwAAAAAAAOA/AAAAAAAA4D8CAAAAjAAAAAAAAAAAAAAAu+DjDP///wgAAAAAAAAAAAAAAAAAAAAAAAAAAAAAAAAAAAAAZAAAAAEAAABAAAAAAAAAAAAAAAAAAAAAAAAAAAAAAAAAAAAAAAAAAAAAAAAAAAAAAAAAAAAAAAAAAAAAAAAAAAAAAAAAAAAAAAAAAAAAAAAAAAAAAAAAAAAAAAAAAAAAFAAAADwAAAAAAAAAAAAAAAAAAAkUAAAAAQAAABQAAAAUAAAAFAAAAAEAAAAAAAAAZAAAAGQAAAAAAAAAZAAAAGQAAAAVAAAAYAAAAAAAAAAAAAAADwAAACADAAAAAAAAAAAAAAEAAACgMgAAVgcAAKr4//8BAAAAf39/AAEAAABkAAAAAAAAABQAAABAHwAAAAAAACYAAAAAAAAAwOD//wAAAAAmAAAAZAAAABYAAABMAAAAAAAAAAAAAAAEAAAAAAAAAAEAAACAgIAKAAAAACgAAAAoAAAAZAAAAGQAAAAAAAAAzMzMAAAAAABQAAAAUAAAAGQAAABkAAAAAAAAABcAAAAUAAAAAAAAAAAAAAD/fwAA/38AAAAAAAAJAAAABAAAAAAAAAAMAAAAEAAAAAAAAAAAAAAAAAAAAAAAAAAeAAAAaAAAAAAAAAAAAAAAAAAAAAAAAAAAAAAAECcAABAnAAAAAAAAAAAAAAAAAAAAAAAAAAAAAAAAAAAAAAAAAAAAABQAAAAAAAAAwMD/AAAAAABkAAAAMgAAAAAAAABkAAAAAAAAAH9/fwAKAAAAHwAAAFQAAAAAAAAFAAAAAQAAAAAAAAAAAAAAAAAAAAAAAAAAAAAAAAAAAAAAAAAAAAAAAn9/fwAAAAADzMzMAMDA/wB/f38AAAAAAAAAAAAAAAAAAAAAAAAAAAAhAAAAGAAAABQAAAB5FgAAHSsAAE4rAACVLQAAEAAAACYAAAAIAAAAAAAAAAAAAAA="/>
+                <pr:smNativeData xmlns:pr="smNativeData" val="SMDATA_13_ahOSXxMAAAAlAAAAZAAAAA8BAAAAkAAAAEgAAACQAAAASAAAAAAAAAABAAAAAAAAAAEAAABQAAAAAAAAAAAA4D8AAAAAAADgPwAAAAAAAOA/AAAAAAAA4D8AAAAAAADgPwAAAAAAAOA/AAAAAAAA4D8AAAAAAADgPwAAAAAAAOA/AAAAAAAA4D8CAAAAjAAAAAAAAAAAAAAAu+DjDP///wgAAAAAAAAAAAAAAAAAAAAAAAAAAAAAAAAAAAAAZAAAAAEAAABAAAAAAAAAAAAAAAAAAAAAAAAAAAAAAAAAAAAAAAAAAAAAAAAAAAAAAAAAAAAAAAAAAAAAAAAAAAAAAAAAAAAAAAAAAAAAAAAAAAAAAAAAAAAAAAAAAAAAFAAAADwAAAAAAAAAAAAAAAAAAAkUAAAAAQAAABQAAAAUAAAAFAAAAAEAAAAAAAAAZAAAAGQAAAAAAAAAZAAAAGQAAAAVAAAAYAAAAAAAAAAAAAAADwAAACADAAAAAAAAAAAAAAEAAACgMgAAVgcAAKr4//8BAAAAf39/AAEAAABkAAAAAAAAABQAAABAHwAAAAAAACYAAAAAAAAAwOD//wAAAAAmAAAAZAAAABYAAABMAAAAAAAAAAAAAAAEAAAAAAAAAAEAAACAgIAKAAAAACgAAAAoAAAAZAAAAGQAAAAAAAAAzMzMAAAAAABQAAAAUAAAAGQAAABkAAAAAAAAABcAAAAUAAAAAAAAAAAAAAD/fwAA/38AAAAAAAAJAAAABAAAAAAAAAAMAAAAEAAAAAAAAAAAAAAAAAAAAAAAAAAeAAAAaAAAAAAAAAAAAAAAAAAAAAAAAAAAAAAAECcAABAnAAAAAAAAAAAAAAAAAAAAAAAAAAAAAAAAAAAAAAAAAAAAABQAAAAAAAAAwMD/AAAAAABkAAAAMgAAAAAAAABkAAAAAAAAAH9/fwAKAAAAHwAAAFQAAAAAAAAFAAAAAQAAAAAAAAAAAAAAAAAAAAAAAAAAAAAAAAAAAAAAAAAAAAAAAn9/fwAAAAADzMzMAMDA/wB/f38AAAAAAAAAAAAAAAAAAAAAAAAAAAAhAAAAGAAAABQAAAB5FgAAHSsAAE4rAACVLQAAEAAAACYAAAAIAAAAAAAAAAAAAAA="/>
               </a:ext>
             </a:extLst>
           </p:cNvSpPr>
@@ -2451,9 +2424,6 @@
           <a:lstStyle/>
           <a:p>
             <a:pPr/>
-            <a:r>
-              <a:t/>
-            </a:r>
           </a:p>
         </p:txBody>
       </p:sp>
@@ -2464,7 +2434,7 @@
             <a:spLocks noGrp="1" noChangeArrowheads="1"/>
             <a:extLst>
               <a:ext uri="smNativeData">
-                <pr:smNativeData xmlns:pr="smNativeData" val="SMDATA_13_3GgiXxMAAAAlAAAAZAAAAA8BAAAAkAAAAEgAAACQAAAASAAAAAAAAAABAAAAAAAAAAEAAABQAAAAAAAAAAAA4D8AAAAAAADgPwAAAAAAAOA/AAAAAAAA4D8AAAAAAADgPwAAAAAAAOA/AAAAAAAA4D8AAAAAAADgPwAAAAAAAOA/AAAAAAAA4D8CAAAAjAAAAAAAAAAAAAAAu+DjDP///wgAAAAAAAAAAAAAAAAAAAAAAAAAAAAAAAAAAAAAZAAAAAEAAABAAAAAAAAAAAAAAAAAAAAAAAAAAAAAAAAAAAAAAAAAAAAAAAAAAAAAAAAAAAAAAAAAAAAAAAAAAAAAAAAAAAAAAAAAAAAAAAAAAAAAAAAAAAAAAAAAAAAAFAAAADwAAAAAAAAAAAAAAAAAAAkUAAAAAQAAABQAAAAUAAAAFAAAAAEAAAAAAAAAZAAAAGQAAAAAAAAAZAAAAGQAAAAVAAAAYAAAAAAAAAAAAAAADwAAACADAAAAAAAAAAAAAAEAAACgMgAAVgcAAKr4//8BAAAAf39/AAEAAABkAAAAAAAAABQAAABAHwAAAAAAACYAAAAAAAAAwOD//wAAAAAmAAAAZAAAABYAAABMAAAAAAAAAAAAAAAEAAAAAAAAAAEAAACAgIAKAAAAACgAAAAoAAAAZAAAAGQAAAAAAAAAzMzMAAAAAABQAAAAUAAAAGQAAABkAAAAAAAAABcAAAAUAAAAAAAAAAAAAAD/fwAA/38AAAAAAAAJAAAABAAAAFYHAAAMAAAAEAAAAAAAAAAAAAAAAAAAAAAAAAAeAAAAaAAAAAAAAAAAAAAAAAAAAAAAAAAAAAAAECcAABAnAAAAAAAAAAAAAAAAAAAAAAAAAAAAAAAAAAAAAAAAAAAAABQAAAAAAAAAwMD/AAAAAABkAAAAMgAAAAAAAABkAAAAAAAAAH9/fwAKAAAAHwAAAFQAAAAAAAAFAAAAAQAAAAAAAAAAAAAAAAAAAAAAAAAAAAAAAAAAAAAAAAAAAAAAAn9/fwAAAAADzMzMAMDA/wB/f38AAAAAAAAAAAAAAAAAAAAAAAAAAAAhAAAAGAAAABQAAAAkLwAAHSsAAH4+AACVLQAAEAAAACYAAAAIAAAAAAAAAAAAAAA="/>
+                <pr:smNativeData xmlns:pr="smNativeData" val="SMDATA_13_ahOSXxMAAAAlAAAAZAAAAA8BAAAAkAAAAEgAAACQAAAASAAAAAAAAAABAAAAAAAAAAEAAABQAAAAAAAAAAAA4D8AAAAAAADgPwAAAAAAAOA/AAAAAAAA4D8AAAAAAADgPwAAAAAAAOA/AAAAAAAA4D8AAAAAAADgPwAAAAAAAOA/AAAAAAAA4D8CAAAAjAAAAAAAAAAAAAAAu+DjDP///wgAAAAAAAAAAAAAAAAAAAAAAAAAAAAAAAAAAAAAZAAAAAEAAABAAAAAAAAAAAAAAAAAAAAAAAAAAAAAAAAAAAAAAAAAAAAAAAAAAAAAAAAAAAAAAAAAAAAAAAAAAAAAAAAAAAAAAAAAAAAAAAAAAAAAAAAAAAAAAAAAAAAAFAAAADwAAAAAAAAAAAAAAAAAAAkUAAAAAQAAABQAAAAUAAAAFAAAAAEAAAAAAAAAZAAAAGQAAAAAAAAAZAAAAGQAAAAVAAAAYAAAAAAAAAAAAAAADwAAACADAAAAAAAAAAAAAAEAAACgMgAAVgcAAKr4//8BAAAAf39/AAEAAABkAAAAAAAAABQAAABAHwAAAAAAACYAAAAAAAAAwOD//wAAAAAmAAAAZAAAABYAAABMAAAAAAAAAAAAAAAEAAAAAAAAAAEAAACAgIAKAAAAACgAAAAoAAAAZAAAAGQAAAAAAAAAzMzMAAAAAABQAAAAUAAAAGQAAABkAAAAAAAAABcAAAAUAAAAAAAAAAAAAAD/fwAA/38AAAAAAAAJAAAABAAAAFYHAAAMAAAAEAAAAAAAAAAAAAAAAAAAAAAAAAAeAAAAaAAAAAAAAAAAAAAAAAAAAAAAAAAAAAAAECcAABAnAAAAAAAAAAAAAAAAAAAAAAAAAAAAAAAAAAAAAAAAAAAAABQAAAAAAAAAwMD/AAAAAABkAAAAMgAAAAAAAABkAAAAAAAAAH9/fwAKAAAAHwAAAFQAAAAAAAAFAAAAAQAAAAAAAAAAAAAAAAAAAAAAAAAAAAAAAAAAAAAAAAAAAAAAAn9/fwAAAAADzMzMAMDA/wB/f38AAAAAAAAAAAAAAAAAAAAAAAAAAAAhAAAAGAAAABQAAAAkLwAAHSsAAH4+AACVLQAAEAAAACYAAAAIAAAAAAAAAAAAAAA="/>
               </a:ext>
             </a:extLst>
           </p:cNvSpPr>
@@ -2478,7 +2448,7 @@
           <a:lstStyle/>
           <a:p>
             <a:pPr/>
-            <a:fld id="{2073017C-32CD-26F7-83CB-C4A24F857591}" type="slidenum">
+            <a:fld id="{B29EF9F1-BF5F-CB0F-1126-495AB768E71C}" type="slidenum">
               <a:t/>
             </a:fld>
           </a:p>
@@ -2516,7 +2486,7 @@
             <a:spLocks noGrp="1" noChangeArrowheads="1"/>
             <a:extLst>
               <a:ext uri="smNativeData">
-                <pr:smNativeData xmlns:pr="smNativeData" val="SMDATA_13_3GgiXxMAAAAlAAAAZAAAAA8BAAAAkAAAAEgAAACQAAAASAAAAAAAAAACAAAAAAAAAAEAAABQAAAAAAAAAAAA4D8AAAAAAADgPwAAAAAAAOA/AAAAAAAA4D8AAAAAAADgPwAAAAAAAOA/AAAAAAAA4D8AAAAAAADgPwAAAAAAAOA/AAAAAAAA4D8CAAAAjAAAAAAAAAAAAAAAu+DjDP///wgAAAAAAAAAAAAAAAAAAAAAAAAAAAAAAAAAAAAAZAAAAAEAAABAAAAAAAAAAAAAAAAAAAAAAAAAAAAAAAAAAAAAAAAAAAAAAAAAAAAAAAAAAAAAAAAAAAAAAAAAAAAAAAAAAAAAAAAAAAAAAAAAAAAAAAAAAAAAAAAAAAAAFAAAADwAAAAAAAAAAAAAAAAAAAkUAAAAAQAAABQAAAAUAAAAFAAAAAEAAAAAAAAAZAAAAGQAAAAAAAAAZAAAAGQAAAAVAAAAYAAAAAAAAAAAAAAADwAAACADAAAAAAAAAAAAAAEAAACgMgAAVgcAAKr4//8BAAAAf39/AAEAAABkAAAAAAAAABQAAABAHwAAAAAAACYAAAAAAAAAwOD//wAAAAAmAAAAZAAAABYAAABMAAAAAAAAAAAAAAAEAAAAAAAAAAEAAACAgIAKAAAAACgAAAAoAAAAZAAAAGQAAAAAAAAAzMzMAAAAAABQAAAAUAAAAGQAAABkAAAAAAAAABcAAAAUAAAAAAAAAAAAAAD/fwAA/38AAAAAAAAJAAAABAAAAAAAAAAMAAAAEAAAAAAAAAAAAAAAAAAAAAAAAAAeAAAAaAAAAAAAAAAAAAAAAAAAAAAAAAAAAAAAECcAABAnAAAAAAAAAAAAAAAAAAAAAAAAAAAAAAAAAAAAAAAAAAAAABQAAAAAAAAAwMD/AAAAAABkAAAAMgAAAAAAAABkAAAAAAAAAH9/fwAKAAAAHwAAAFQAAAAAAAAFAAAAAQAAAAAAAAAAAAAAAAAAAAAAAAAAAAAAAAAAAAAAAAAAAAAAAn9/fwAAAAADzMzMAMDA/wB/f38AAAAAAAAAAAAAAAAAAAAAAAAAAAAhAAAAGAAAABQAAADkDAAAjiAAAFw0AABmJAAAEAAAACYAAAAIAAAAgYAAAAAAAAA="/>
+                <pr:smNativeData xmlns:pr="smNativeData" val="SMDATA_13_ahOSXxMAAAAlAAAAZAAAAA8BAAAAkAAAAEgAAACQAAAASAAAAAAAAAACAAAAAAAAAAEAAABQAAAAAAAAAAAA4D8AAAAAAADgPwAAAAAAAOA/AAAAAAAA4D8AAAAAAADgPwAAAAAAAOA/AAAAAAAA4D8AAAAAAADgPwAAAAAAAOA/AAAAAAAA4D8CAAAAjAAAAAAAAAAAAAAAu+DjDP///wgAAAAAAAAAAAAAAAAAAAAAAAAAAAAAAAAAAAAAZAAAAAEAAABAAAAAAAAAAAAAAAAAAAAAAAAAAAAAAAAAAAAAAAAAAAAAAAAAAAAAAAAAAAAAAAAAAAAAAAAAAAAAAAAAAAAAAAAAAAAAAAAAAAAAAAAAAAAAAAAAAAAAFAAAADwAAAAAAAAAAAAAAAAAAAkUAAAAAQAAABQAAAAUAAAAFAAAAAEAAAAAAAAAZAAAAGQAAAAAAAAAZAAAAGQAAAAVAAAAYAAAAAAAAAAAAAAADwAAACADAAAAAAAAAAAAAAEAAACgMgAAVgcAAKr4//8BAAAAf39/AAEAAABkAAAAAAAAABQAAABAHwAAAAAAACYAAAAAAAAAwOD//wAAAAAmAAAAZAAAABYAAABMAAAAAAAAAAAAAAAEAAAAAAAAAAEAAACAgIAKAAAAACgAAAAoAAAAZAAAAGQAAAAAAAAAzMzMAAAAAABQAAAAUAAAAGQAAABkAAAAAAAAABcAAAAUAAAAAAAAAAAAAAD/fwAA/38AAAAAAAAJAAAABAAAAAAAAAAMAAAAEAAAAAAAAAAAAAAAAAAAAAAAAAAeAAAAaAAAAAAAAAAAAAAAAAAAAAAAAAAAAAAAECcAABAnAAAAAAAAAAAAAAAAAAAAAAAAAAAAAAAAAAAAAAAAAAAAABQAAAAAAAAAwMD/AAAAAABkAAAAMgAAAAAAAABkAAAAAAAAAH9/fwAKAAAAHwAAAFQAAAAAAAAFAAAAAQAAAAAAAAAAAAAAAAAAAAAAAAAAAAAAAAAAAAAAAAAAAAAAAn9/fwAAAAADzMzMAMDA/wB/f38AAAAAAAAAAAAAAAAAAAAAAAAAAAAhAAAAGAAAABQAAADkDAAAjiAAAFw0AABmJAAAEAAAACYAAAAIAAAAgYAAAAAAAAA="/>
               </a:ext>
             </a:extLst>
           </p:cNvSpPr>
@@ -2556,7 +2526,7 @@
             <a:spLocks noGrp="1" noChangeArrowheads="1"/>
             <a:extLst>
               <a:ext uri="smNativeData">
-                <pr:smNativeData xmlns:pr="smNativeData" val="SMDATA_13_3GgiXxMAAAAlAAAAZAAAAA8BAAAAkAAAAEgAAACQAAAASAAAAAAAAAAAAAAAAAAAAAEAAABQAAAAAAAAAAAA4D8AAAAAAADgPwAAAAAAAOA/AAAAAAAA4D8AAAAAAADgPwAAAAAAAOA/AAAAAAAA4D8AAAAAAADgPwAAAAAAAOA/AAAAAAAA4D8CAAAAjAAAAAAAAAAAAAAAu+DjDP///wgAAAAAAAAAAAAAAAAAAAAAAAAAAAAAAAAAAAAAZAAAAAEAAABAAAAAAAAAAAAAAAAAAAAAAAAAAAAAAAAAAAAAAAAAAAAAAAAAAAAAAAAAAAAAAAAAAAAAAAAAAAAAAAAAAAAAAAAAAAAAAAAAAAAAAAAAAAAAAAAAAAAAFAAAADwAAAAAAAAAAAAAAAAAAAkUAAAAAQAAABQAAAAUAAAAFAAAAAEAAAAAAAAAZAAAAGQAAAAAAAAAZAAAAGQAAAAVAAAAYAAAAAAAAAAAAAAADwAAACADAAAAAAAAAAAAAAEAAACgMgAAVgcAAKr4//8BAAAAf39/AAEAAABkAAAAAAAAABQAAABAHwAAAAAAACYAAAAAAAAAwOD//wAAAAAmAAAAZAAAABYAAABMAAAAAAAAAAAAAAAEAAAAAAAAAAEAAACAgIAKAAAAACgAAAAoAAAAZAAAAGQAAAAAAAAAzMzMAAAAAABQAAAAUAAAAGQAAABkAAAAAAAAABcAAAAUAAAAAAAAAAAAAAD/fwAA/38AAAAAAAAJAAAABAAAAAAAAAAMAAAAEAAAAAAAAAAAAAAAAAAAAAAAAAAeAAAAaAAAAAAAAAAAAAAAAAAAAAAAAAAAAAAAECcAABAnAAAAAAAAAAAAAAAAAAAAAAAAAAAAAAAAAAAAAAAAAAAAABQAAAAAAAAAwMD/AAAAAABkAAAAMgAAAAAAAABkAAAAAAAAAH9/fwAKAAAAHwAAAFQAAAAAAAAFAAAAAQAAAAAAAAAAAAAAAAAAAAAAAAAAAAAAAAAAAAAAAAAAAAAAAn9/fwAAAAADzMzMAMDA/wB/f38AAAAAAAAAAAAAAAAAAAAAAAAAAAAhAAAAGAAAABQAAADkDAAAKQQAAFw0AAARIAAAEAAAACYAAAAIAAAAAYAAAAAAAAA="/>
+                <pr:smNativeData xmlns:pr="smNativeData" val="SMDATA_13_ahOSXxMAAAAlAAAAZAAAAA8BAAAAkAAAAEgAAACQAAAASAAAAAAAAAAAAAAAAAAAAAEAAABQAAAAAAAAAAAA4D8AAAAAAADgPwAAAAAAAOA/AAAAAAAA4D8AAAAAAADgPwAAAAAAAOA/AAAAAAAA4D8AAAAAAADgPwAAAAAAAOA/AAAAAAAA4D8CAAAAjAAAAAAAAAAAAAAAu+DjDP///wgAAAAAAAAAAAAAAAAAAAAAAAAAAAAAAAAAAAAAZAAAAAEAAABAAAAAAAAAAAAAAAAAAAAAAAAAAAAAAAAAAAAAAAAAAAAAAAAAAAAAAAAAAAAAAAAAAAAAAAAAAAAAAAAAAAAAAAAAAAAAAAAAAAAAAAAAAAAAAAAAAAAAFAAAADwAAAAAAAAAAAAAAAAAAAkUAAAAAQAAABQAAAAUAAAAFAAAAAEAAAAAAAAAZAAAAGQAAAAAAAAAZAAAAGQAAAAVAAAAYAAAAAAAAAAAAAAADwAAACADAAAAAAAAAAAAAAEAAACgMgAAVgcAAKr4//8BAAAAf39/AAEAAABkAAAAAAAAABQAAABAHwAAAAAAACYAAAAAAAAAwOD//wAAAAAmAAAAZAAAABYAAABMAAAAAAAAAAAAAAAEAAAAAAAAAAEAAACAgIAKAAAAACgAAAAoAAAAZAAAAGQAAAAAAAAAzMzMAAAAAABQAAAAUAAAAGQAAABkAAAAAAAAABcAAAAUAAAAAAAAAAAAAAD/fwAA/38AAAAAAAAJAAAABAAAAAAAAAAMAAAAEAAAAAAAAAAAAAAAAAAAAAAAAAAeAAAAaAAAAAAAAAAAAAAAAAAAAAAAAAAAAAAAECcAABAnAAAAAAAAAAAAAAAAAAAAAAAAAAAAAAAAAAAAAAAAAAAAABQAAAAAAAAAwMD/AAAAAABkAAAAMgAAAAAAAABkAAAAAAAAAH9/fwAKAAAAHwAAAFQAAAAAAAAFAAAAAQAAAAAAAAAAAAAAAAAAAAAAAAAAAAAAAAAAAAAAAAAAAAAAAn9/fwAAAAADzMzMAMDA/wB/f38AAAAAAAAAAAAAAAAAAAAAAAAAAAAhAAAAGAAAABQAAADkDAAAKQQAAFw0AAARIAAAEAAAACYAAAAIAAAAAYAAAAAAAAA="/>
               </a:ext>
             </a:extLst>
           </p:cNvSpPr>
@@ -2625,7 +2595,7 @@
             <a:spLocks noGrp="1" noChangeArrowheads="1"/>
             <a:extLst>
               <a:ext uri="smNativeData">
-                <pr:smNativeData xmlns:pr="smNativeData" val="SMDATA_13_3GgiXxMAAAAlAAAAZAAAAA8BAAAAkAAAAEgAAACQAAAASAAAAAAAAAAAAAAAAAAAAAEAAABQAAAAAAAAAAAA4D8AAAAAAADgPwAAAAAAAOA/AAAAAAAA4D8AAAAAAADgPwAAAAAAAOA/AAAAAAAA4D8AAAAAAADgPwAAAAAAAOA/AAAAAAAA4D8CAAAAjAAAAAAAAAAAAAAAu+DjDP///wgAAAAAAAAAAAAAAAAAAAAAAAAAAAAAAAAAAAAAZAAAAAEAAABAAAAAAAAAAAAAAAAAAAAAAAAAAAAAAAAAAAAAAAAAAAAAAAAAAAAAAAAAAAAAAAAAAAAAAAAAAAAAAAAAAAAAAAAAAAAAAAAAAAAAAAAAAAAAAAAAAAAAFAAAADwAAAAAAAAAAAAAAAAAAAkUAAAAAQAAABQAAAAUAAAAFAAAAAEAAAAAAAAAZAAAAGQAAAAAAAAAZAAAAGQAAAAVAAAAYAAAAAAAAAAAAAAADwAAACADAAAAAAAAAAAAAAEAAACgMgAAVgcAAKr4//8BAAAAf39/AAEAAABkAAAAAAAAABQAAABAHwAAAAAAACYAAAAAAAAAwOD//wAAAAAmAAAAZAAAABYAAABMAAAAAAAAAAAAAAAEAAAAAAAAAAEAAACAgIAKAAAAACgAAAAoAAAAZAAAAGQAAAAAAAAAzMzMAAAAAABQAAAAUAAAAGQAAABkAAAAAAAAABcAAAAUAAAAAAAAAAAAAAD/fwAA/38AAAAAAAAJAAAABAAAAFYHAAAMAAAAEAAAAAAAAAAAAAAAAAAAAAAAAAAeAAAAaAAAAAAAAAAAAAAAAAAAAAAAAAAAAAAAECcAABAnAAAAAAAAAAAAAAAAAAAAAAAAAAAAAAAAAAAAAAAAAAAAABQAAAAAAAAAwMD/AAAAAABkAAAAMgAAAAAAAABkAAAAAAAAAH9/fwAKAAAAHwAAAFQAAAAAAAAFAAAAAQAAAAAAAAAAAAAAAAAAAAAAAAAAAAAAAAAAAAAAAAAAAAAAAn9/fwAAAAADzMzMAMDA/wB/f38AAAAAAAAAAAAAAAAAAAAAAAAAAAAhAAAAGAAAABQAAADkDAAAZiQAAFw0AADcKQAAEAAAACYAAAAIAAAAAYAAAAAAAAA="/>
+                <pr:smNativeData xmlns:pr="smNativeData" val="SMDATA_13_ahOSXxMAAAAlAAAAZAAAAA8BAAAAkAAAAEgAAACQAAAASAAAAAAAAAAAAAAAAAAAAAEAAABQAAAAAAAAAAAA4D8AAAAAAADgPwAAAAAAAOA/AAAAAAAA4D8AAAAAAADgPwAAAAAAAOA/AAAAAAAA4D8AAAAAAADgPwAAAAAAAOA/AAAAAAAA4D8CAAAAjAAAAAAAAAAAAAAAu+DjDP///wgAAAAAAAAAAAAAAAAAAAAAAAAAAAAAAAAAAAAAZAAAAAEAAABAAAAAAAAAAAAAAAAAAAAAAAAAAAAAAAAAAAAAAAAAAAAAAAAAAAAAAAAAAAAAAAAAAAAAAAAAAAAAAAAAAAAAAAAAAAAAAAAAAAAAAAAAAAAAAAAAAAAAFAAAADwAAAAAAAAAAAAAAAAAAAkUAAAAAQAAABQAAAAUAAAAFAAAAAEAAAAAAAAAZAAAAGQAAAAAAAAAZAAAAGQAAAAVAAAAYAAAAAAAAAAAAAAADwAAACADAAAAAAAAAAAAAAEAAACgMgAAVgcAAKr4//8BAAAAf39/AAEAAABkAAAAAAAAABQAAABAHwAAAAAAACYAAAAAAAAAwOD//wAAAAAmAAAAZAAAABYAAABMAAAAAAAAAAAAAAAEAAAAAAAAAAEAAACAgIAKAAAAACgAAAAoAAAAZAAAAGQAAAAAAAAAzMzMAAAAAABQAAAAUAAAAGQAAABkAAAAAAAAABcAAAAUAAAAAAAAAAAAAAD/fwAA/38AAAAAAAAJAAAABAAAAFYHAAAMAAAAEAAAAAAAAAAAAAAAAAAAAAAAAAAeAAAAaAAAAAAAAAAAAAAAAAAAAAAAAAAAAAAAECcAABAnAAAAAAAAAAAAAAAAAAAAAAAAAAAAAAAAAAAAAAAAAAAAABQAAAAAAAAAwMD/AAAAAABkAAAAMgAAAAAAAABkAAAAAAAAAH9/fwAKAAAAHwAAAFQAAAAAAAAFAAAAAQAAAAAAAAAAAAAAAAAAAAAAAAAAAAAAAAAAAAAAAAAAAAAAAn9/fwAAAAADzMzMAMDA/wB/f38AAAAAAAAAAAAAAAAAAAAAAAAAAAAhAAAAGAAAABQAAADkDAAAZiQAAFw0AADcKQAAEAAAACYAAAAIAAAAAYAAAAAAAAA="/>
               </a:ext>
             </a:extLst>
           </p:cNvSpPr>
@@ -2694,7 +2664,7 @@
             <a:spLocks noGrp="1" noChangeArrowheads="1"/>
             <a:extLst>
               <a:ext uri="smNativeData">
-                <pr:smNativeData xmlns:pr="smNativeData" val="SMDATA_13_3GgiXxMAAAAlAAAAZAAAAA8BAAAAkAAAAEgAAACQAAAASAAAAAAAAAABAAAAAAAAAAEAAABQAAAAAAAAAAAA4D8AAAAAAADgPwAAAAAAAOA/AAAAAAAA4D8AAAAAAADgPwAAAAAAAOA/AAAAAAAA4D8AAAAAAADgPwAAAAAAAOA/AAAAAAAA4D8CAAAAjAAAAAAAAAAAAAAAu+DjDP///wgAAAAAAAAAAAAAAAAAAAAAAAAAAAAAAAAAAAAAZAAAAAEAAABAAAAAAAAAAAAAAAAAAAAAAAAAAAAAAAAAAAAAAAAAAAAAAAAAAAAAAAAAAAAAAAAAAAAAAAAAAAAAAAAAAAAAAAAAAAAAAAAAAAAAAAAAAAAAAAAAAAAAFAAAADwAAAAAAAAAAAAAAAAAAAkUAAAAAQAAABQAAAAUAAAAFAAAAAEAAAAAAAAAZAAAAGQAAAAAAAAAZAAAAGQAAAAVAAAAYAAAAAAAAAAAAAAADwAAACADAAAAAAAAAAAAAAEAAACgMgAAVgcAAKr4//8BAAAAf39/AAEAAABkAAAAAAAAABQAAABAHwAAAAAAACYAAAAAAAAAwOD//wAAAAAmAAAAZAAAABYAAABMAAAAAAAAAAAAAAAEAAAAAAAAAAEAAACAgIAKAAAAACgAAAAoAAAAZAAAAGQAAAAAAAAAzMzMAAAAAABQAAAAUAAAAGQAAABkAAAAAAAAABcAAAAUAAAAAAAAAAAAAAD/fwAA/38AAAAAAAAJAAAABAAAAAAAAAAMAAAAEAAAAAAAAAAAAAAAAAAAAAAAAAAeAAAAaAAAAAAAAAAAAAAAAAAAAAAAAAAAAAAAECcAABAnAAAAAAAAAAAAAAAAAAAAAAAAAAAAAAAAAAAAAAAAAAAAABQAAAAAAAAAwMD/AAAAAABkAAAAMgAAAAAAAABkAAAAAAAAAH9/fwAKAAAAHwAAAFQAAAAAAAAFAAAAAQAAAAAAAAAAAAAAAAAAAAAAAAAAAAAAAAAAAAAAAAAAAAAAAn9/fwAAAAADzMzMAMDA/wB/f38AAAAAAAAAAAAAAAAAAAAAAAAAAAAhAAAAGAAAABQAAABKAwAAHSsAAKMSAACVLQAAEAAAACYAAAAIAAAAAAAAAAAAAAA="/>
+                <pr:smNativeData xmlns:pr="smNativeData" val="SMDATA_13_ahOSXxMAAAAlAAAAZAAAAA8BAAAAkAAAAEgAAACQAAAASAAAAAAAAAABAAAAAAAAAAEAAABQAAAAAAAAAAAA4D8AAAAAAADgPwAAAAAAAOA/AAAAAAAA4D8AAAAAAADgPwAAAAAAAOA/AAAAAAAA4D8AAAAAAADgPwAAAAAAAOA/AAAAAAAA4D8CAAAAjAAAAAAAAAAAAAAAu+DjDP///wgAAAAAAAAAAAAAAAAAAAAAAAAAAAAAAAAAAAAAZAAAAAEAAABAAAAAAAAAAAAAAAAAAAAAAAAAAAAAAAAAAAAAAAAAAAAAAAAAAAAAAAAAAAAAAAAAAAAAAAAAAAAAAAAAAAAAAAAAAAAAAAAAAAAAAAAAAAAAAAAAAAAAFAAAADwAAAAAAAAAAAAAAAAAAAkUAAAAAQAAABQAAAAUAAAAFAAAAAEAAAAAAAAAZAAAAGQAAAAAAAAAZAAAAGQAAAAVAAAAYAAAAAAAAAAAAAAADwAAACADAAAAAAAAAAAAAAEAAACgMgAAVgcAAKr4//8BAAAAf39/AAEAAABkAAAAAAAAABQAAABAHwAAAAAAACYAAAAAAAAAwOD//wAAAAAmAAAAZAAAABYAAABMAAAAAAAAAAAAAAAEAAAAAAAAAAEAAACAgIAKAAAAACgAAAAoAAAAZAAAAGQAAAAAAAAAzMzMAAAAAABQAAAAUAAAAGQAAABkAAAAAAAAABcAAAAUAAAAAAAAAAAAAAD/fwAA/38AAAAAAAAJAAAABAAAAAAAAAAMAAAAEAAAAAAAAAAAAAAAAAAAAAAAAAAeAAAAaAAAAAAAAAAAAAAAAAAAAAAAAAAAAAAAECcAABAnAAAAAAAAAAAAAAAAAAAAAAAAAAAAAAAAAAAAAAAAAAAAABQAAAAAAAAAwMD/AAAAAABkAAAAMgAAAAAAAABkAAAAAAAAAH9/fwAKAAAAHwAAAFQAAAAAAAAFAAAAAQAAAAAAAAAAAAAAAAAAAAAAAAAAAAAAAAAAAAAAAAAAAAAAAn9/fwAAAAADzMzMAMDA/wB/f38AAAAAAAAAAAAAAAAAAAAAAAAAAAAhAAAAGAAAABQAAABKAwAAHSsAAKMSAACVLQAAEAAAACYAAAAIAAAAAAAAAAAAAAA="/>
               </a:ext>
             </a:extLst>
           </p:cNvSpPr>
@@ -2708,7 +2678,7 @@
           <a:lstStyle/>
           <a:p>
             <a:pPr/>
-            <a:fld id="{2073195D-13CD-26EF-83CB-E5BA578575B0}" type="datetime1">
+            <a:fld id="{B29E9C79-375F-CB6A-1126-C13FD268E794}" type="datetime1">
               <a:t/>
             </a:fld>
           </a:p>
@@ -2721,7 +2691,7 @@
             <a:spLocks noGrp="1" noChangeArrowheads="1"/>
             <a:extLst>
               <a:ext uri="smNativeData">
-                <pr:smNativeData xmlns:pr="smNativeData" val="SMDATA_13_3GgiXxMAAAAlAAAAZAAAAA8BAAAAkAAAAEgAAACQAAAASAAAAAAAAAABAAAAAAAAAAEAAABQAAAAAAAAAAAA4D8AAAAAAADgPwAAAAAAAOA/AAAAAAAA4D8AAAAAAADgPwAAAAAAAOA/AAAAAAAA4D8AAAAAAADgPwAAAAAAAOA/AAAAAAAA4D8CAAAAjAAAAAAAAAAAAAAAu+DjDP///wgAAAAAAAAAAAAAAAAAAAAAAAAAAAAAAAAAAAAAZAAAAAEAAABAAAAAAAAAAAAAAAAAAAAAAAAAAAAAAAAAAAAAAAAAAAAAAAAAAAAAAAAAAAAAAAAAAAAAAAAAAAAAAAAAAAAAAAAAAAAAAAAAAAAAAAAAAAAAAAAAAAAAFAAAADwAAAAAAAAAAAAAAAAAAAkUAAAAAQAAABQAAAAUAAAAFAAAAAEAAAAAAAAAZAAAAGQAAAAAAAAAZAAAAGQAAAAVAAAAYAAAAAAAAAAAAAAADwAAACADAAAAAAAAAAAAAAEAAACgMgAAVgcAAKr4//8BAAAAf39/AAEAAABkAAAAAAAAABQAAABAHwAAAAAAACYAAAAAAAAAwOD//wAAAAAmAAAAZAAAABYAAABMAAAAAAAAAAAAAAAEAAAAAAAAAAEAAACAgIAKAAAAACgAAAAoAAAAZAAAAGQAAAAAAAAAzMzMAAAAAABQAAAAUAAAAGQAAABkAAAAAAAAABcAAAAUAAAAAAAAAAAAAAD/fwAA/38AAAAAAAAJAAAABAAAAAAAAAAMAAAAEAAAAAAAAAAAAAAAAAAAAAAAAAAeAAAAaAAAAAAAAAAAAAAAAAAAAAAAAAAAAAAAECcAABAnAAAAAAAAAAAAAAAAAAAAAAAAAAAAAAAAAAAAAAAAAAAAABQAAAAAAAAAwMD/AAAAAABkAAAAMgAAAAAAAABkAAAAAAAAAH9/fwAKAAAAHwAAAFQAAAAAAAAFAAAAAQAAAAAAAAAAAAAAAAAAAAAAAAAAAAAAAAAAAAAAAAAAAAAAAn9/fwAAAAADzMzMAMDA/wB/f38AAAAAAAAAAAAAAAAAAAAAAAAAAAAhAAAAGAAAABQAAAB5FgAAHSsAAE4rAACVLQAAEAAAACYAAAAIAAAAAAAAAAAAAAA="/>
+                <pr:smNativeData xmlns:pr="smNativeData" val="SMDATA_13_ahOSXxMAAAAlAAAAZAAAAA8BAAAAkAAAAEgAAACQAAAASAAAAAAAAAABAAAAAAAAAAEAAABQAAAAAAAAAAAA4D8AAAAAAADgPwAAAAAAAOA/AAAAAAAA4D8AAAAAAADgPwAAAAAAAOA/AAAAAAAA4D8AAAAAAADgPwAAAAAAAOA/AAAAAAAA4D8CAAAAjAAAAAAAAAAAAAAAu+DjDP///wgAAAAAAAAAAAAAAAAAAAAAAAAAAAAAAAAAAAAAZAAAAAEAAABAAAAAAAAAAAAAAAAAAAAAAAAAAAAAAAAAAAAAAAAAAAAAAAAAAAAAAAAAAAAAAAAAAAAAAAAAAAAAAAAAAAAAAAAAAAAAAAAAAAAAAAAAAAAAAAAAAAAAFAAAADwAAAAAAAAAAAAAAAAAAAkUAAAAAQAAABQAAAAUAAAAFAAAAAEAAAAAAAAAZAAAAGQAAAAAAAAAZAAAAGQAAAAVAAAAYAAAAAAAAAAAAAAADwAAACADAAAAAAAAAAAAAAEAAACgMgAAVgcAAKr4//8BAAAAf39/AAEAAABkAAAAAAAAABQAAABAHwAAAAAAACYAAAAAAAAAwOD//wAAAAAmAAAAZAAAABYAAABMAAAAAAAAAAAAAAAEAAAAAAAAAAEAAACAgIAKAAAAACgAAAAoAAAAZAAAAGQAAAAAAAAAzMzMAAAAAABQAAAAUAAAAGQAAABkAAAAAAAAABcAAAAUAAAAAAAAAAAAAAD/fwAA/38AAAAAAAAJAAAABAAAAAAAAAAMAAAAEAAAAAAAAAAAAAAAAAAAAAAAAAAeAAAAaAAAAAAAAAAAAAAAAAAAAAAAAAAAAAAAECcAABAnAAAAAAAAAAAAAAAAAAAAAAAAAAAAAAAAAAAAAAAAAAAAABQAAAAAAAAAwMD/AAAAAABkAAAAMgAAAAAAAABkAAAAAAAAAH9/fwAKAAAAHwAAAFQAAAAAAAAFAAAAAQAAAAAAAAAAAAAAAAAAAAAAAAAAAAAAAAAAAAAAAAAAAAAAAn9/fwAAAAADzMzMAMDA/wB/f38AAAAAAAAAAAAAAAAAAAAAAAAAAAAhAAAAGAAAABQAAAB5FgAAHSsAAE4rAACVLQAAEAAAACYAAAAIAAAAAAAAAAAAAAA="/>
               </a:ext>
             </a:extLst>
           </p:cNvSpPr>
@@ -2735,9 +2705,6 @@
           <a:lstStyle/>
           <a:p>
             <a:pPr/>
-            <a:r>
-              <a:t/>
-            </a:r>
           </a:p>
         </p:txBody>
       </p:sp>
@@ -2748,7 +2715,7 @@
             <a:spLocks noGrp="1" noChangeArrowheads="1"/>
             <a:extLst>
               <a:ext uri="smNativeData">
-                <pr:smNativeData xmlns:pr="smNativeData" val="SMDATA_13_3GgiXxMAAAAlAAAAZAAAAA8BAAAAkAAAAEgAAACQAAAASAAAAAAAAAABAAAAAAAAAAEAAABQAAAAAAAAAAAA4D8AAAAAAADgPwAAAAAAAOA/AAAAAAAA4D8AAAAAAADgPwAAAAAAAOA/AAAAAAAA4D8AAAAAAADgPwAAAAAAAOA/AAAAAAAA4D8CAAAAjAAAAAAAAAAAAAAAu+DjDP///wgAAAAAAAAAAAAAAAAAAAAAAAAAAAAAAAAAAAAAZAAAAAEAAABAAAAAAAAAAAAAAAAAAAAAAAAAAAAAAAAAAAAAAAAAAAAAAAAAAAAAAAAAAAAAAAAAAAAAAAAAAAAAAAAAAAAAAAAAAAAAAAAAAAAAAAAAAAAAAAAAAAAAFAAAADwAAAAAAAAAAAAAAAAAAAkUAAAAAQAAABQAAAAUAAAAFAAAAAEAAAAAAAAAZAAAAGQAAAAAAAAAZAAAAGQAAAAVAAAAYAAAAAAAAAAAAAAADwAAACADAAAAAAAAAAAAAAEAAACgMgAAVgcAAKr4//8BAAAAf39/AAEAAABkAAAAAAAAABQAAABAHwAAAAAAACYAAAAAAAAAwOD//wAAAAAmAAAAZAAAABYAAABMAAAAAAAAAAAAAAAEAAAAAAAAAAEAAACAgIAKAAAAACgAAAAoAAAAZAAAAGQAAAAAAAAAzMzMAAAAAABQAAAAUAAAAGQAAABkAAAAAAAAABcAAAAUAAAAAAAAAAAAAAD/fwAA/38AAAAAAAAJAAAABAAAAAAAAAAMAAAAEAAAAAAAAAAAAAAAAAAAAAAAAAAeAAAAaAAAAAAAAAAAAAAAAAAAAAAAAAAAAAAAECcAABAnAAAAAAAAAAAAAAAAAAAAAAAAAAAAAAAAAAAAAAAAAAAAABQAAAAAAAAAwMD/AAAAAABkAAAAMgAAAAAAAABkAAAAAAAAAH9/fwAKAAAAHwAAAFQAAAAAAAAFAAAAAQAAAAAAAAAAAAAAAAAAAAAAAAAAAAAAAAAAAAAAAAAAAAAAAn9/fwAAAAADzMzMAMDA/wB/f38AAAAAAAAAAAAAAAAAAAAAAAAAAAAhAAAAGAAAABQAAAAkLwAAHSsAAH4+AACVLQAAEAAAACYAAAAIAAAAAAAAAAAAAAA="/>
+                <pr:smNativeData xmlns:pr="smNativeData" val="SMDATA_13_ahOSXxMAAAAlAAAAZAAAAA8BAAAAkAAAAEgAAACQAAAASAAAAAAAAAABAAAAAAAAAAEAAABQAAAAAAAAAAAA4D8AAAAAAADgPwAAAAAAAOA/AAAAAAAA4D8AAAAAAADgPwAAAAAAAOA/AAAAAAAA4D8AAAAAAADgPwAAAAAAAOA/AAAAAAAA4D8CAAAAjAAAAAAAAAAAAAAAu+DjDP///wgAAAAAAAAAAAAAAAAAAAAAAAAAAAAAAAAAAAAAZAAAAAEAAABAAAAAAAAAAAAAAAAAAAAAAAAAAAAAAAAAAAAAAAAAAAAAAAAAAAAAAAAAAAAAAAAAAAAAAAAAAAAAAAAAAAAAAAAAAAAAAAAAAAAAAAAAAAAAAAAAAAAAFAAAADwAAAAAAAAAAAAAAAAAAAkUAAAAAQAAABQAAAAUAAAAFAAAAAEAAAAAAAAAZAAAAGQAAAAAAAAAZAAAAGQAAAAVAAAAYAAAAAAAAAAAAAAADwAAACADAAAAAAAAAAAAAAEAAACgMgAAVgcAAKr4//8BAAAAf39/AAEAAABkAAAAAAAAABQAAABAHwAAAAAAACYAAAAAAAAAwOD//wAAAAAmAAAAZAAAABYAAABMAAAAAAAAAAAAAAAEAAAAAAAAAAEAAACAgIAKAAAAACgAAAAoAAAAZAAAAGQAAAAAAAAAzMzMAAAAAABQAAAAUAAAAGQAAABkAAAAAAAAABcAAAAUAAAAAAAAAAAAAAD/fwAA/38AAAAAAAAJAAAABAAAAAAAAAAMAAAAEAAAAAAAAAAAAAAAAAAAAAAAAAAeAAAAaAAAAAAAAAAAAAAAAAAAAAAAAAAAAAAAECcAABAnAAAAAAAAAAAAAAAAAAAAAAAAAAAAAAAAAAAAAAAAAAAAABQAAAAAAAAAwMD/AAAAAABkAAAAMgAAAAAAAABkAAAAAAAAAH9/fwAKAAAAHwAAAFQAAAAAAAAFAAAAAQAAAAAAAAAAAAAAAAAAAAAAAAAAAAAAAAAAAAAAAAAAAAAAAn9/fwAAAAADzMzMAMDA/wB/f38AAAAAAAAAAAAAAAAAAAAAAAAAAAAhAAAAGAAAABQAAAAkLwAAHSsAAH4+AACVLQAAEAAAACYAAAAIAAAAAAAAAAAAAAA="/>
               </a:ext>
             </a:extLst>
           </p:cNvSpPr>
@@ -2762,7 +2729,7 @@
           <a:lstStyle/>
           <a:p>
             <a:pPr/>
-            <a:fld id="{20732FDC-92CD-26D9-83CB-648C61857531}" type="slidenum">
+            <a:fld id="{B29EAC28-665F-CB5A-1126-900FE268E7C5}" type="slidenum">
               <a:t/>
             </a:fld>
           </a:p>
@@ -2808,7 +2775,7 @@
             <a:spLocks noGrp="1" noChangeArrowheads="1"/>
             <a:extLst>
               <a:ext uri="smNativeData">
-                <pr:smNativeData xmlns:pr="smNativeData" val="SMDATA_13_3GgiXxMAAAAlAAAAZAAAAA8BAAAAkAAAAEgAAACQAAAASAAAAAAAAAABAAAAAAAAAAEAAABQAAAAAAAAAAAA4D8AAAAAAADgPwAAAAAAAOA/AAAAAAAA4D8AAAAAAADgPwAAAAAAAOA/AAAAAAAA4D8AAAAAAADgPwAAAAAAAOA/AAAAAAAA4D8CAAAAjAAAAAAAAAAAAAAAu+DjDP///wgAAAAAAAAAAAAAAAAAAAAAAAAAAAAAAAAAAAAAZAAAAAEAAABAAAAAAAAAAAAAAAAAAAAAAAAAAAAAAAAAAAAAAAAAAAAAAAAAAAAAAAAAAAAAAAAAAAAAAAAAAAAAAAAAAAAAAAAAAAAAAAAAAAAAAAAAAAAAAAAAAAAAFAAAADwAAAAAAAAAAAAAAAAAAAkUAAAAAQAAABQAAAAUAAAAFAAAAAEAAAAAAAAAZAAAAGQAAAAAAAAAZAAAAGQAAAAVAAAAYAAAAAAAAAAAAAAADwAAACADAAAAAAAAAAAAAAEAAACgMgAAVgcAAKr4//8BAAAAf39/AAEAAABkAAAAAAAAABQAAABAHwAAAAAAACYAAAAAAAAAwOD//wAAAAAmAAAAZAAAABYAAABMAAAAAAAAAAAAAAAEAAAAAAAAAAEAAACAgIAKAAAAACgAAAAoAAAAZAAAAGQAAAAAAAAAzMzMAAAAAABQAAAAUAAAAGQAAABkAAAAAAAAABcAAAAUAAAAAAAAAAAAAAD/fwAA/38AAAAAAAAJAAAABAAAAAAAAAAMAAAAEAAAAAAAAAAAAAAAAAAAAAAAAAAeAAAAaAAAAAAAAAAAAAAAAAAAAAAAAAAAAAAAECcAABAnAAAAAAAAAAAAAAAAAAAAAAAAAAAAAAAAAAAAAAAAAAAAABQAAAAAAAAAwMD/AAAAAABkAAAAMgAAAAAAAABkAAAAAAAAAH9/fwAKAAAAHwAAAFQAAAAAAAAFAAAAAQAAAAAAAAAAAAAAAAAAAAAAAAAAAAAAAAAAAAAAAAAAAAAAAn9/fwAAAAADzMzMAMDA/wB/f38AAAAAAAAAAAAAAAAAAAAAAAAAAAAhAAAAGAAAABQAAABKAwAA3AEAAH4+AACcCQAAEAAAACYAAAAIAAAA//////////8="/>
+                <pr:smNativeData xmlns:pr="smNativeData" val="SMDATA_13_ahOSXxMAAAAlAAAAZAAAAA8BAAAAkAAAAEgAAACQAAAASAAAAAAAAAABAAAAAAAAAAEAAABQAAAAAAAAAAAA4D8AAAAAAADgPwAAAAAAAOA/AAAAAAAA4D8AAAAAAADgPwAAAAAAAOA/AAAAAAAA4D8AAAAAAADgPwAAAAAAAOA/AAAAAAAA4D8CAAAAjAAAAAAAAAAAAAAAu+DjDP///wgAAAAAAAAAAAAAAAAAAAAAAAAAAAAAAAAAAAAAZAAAAAEAAABAAAAAAAAAAAAAAAAAAAAAAAAAAAAAAAAAAAAAAAAAAAAAAAAAAAAAAAAAAAAAAAAAAAAAAAAAAAAAAAAAAAAAAAAAAAAAAAAAAAAAAAAAAAAAAAAAAAAAFAAAADwAAAAAAAAAAAAAAAAAAAkUAAAAAQAAABQAAAAUAAAAFAAAAAEAAAAAAAAAZAAAAGQAAAAAAAAAZAAAAGQAAAAVAAAAYAAAAAAAAAAAAAAADwAAACADAAAAAAAAAAAAAAEAAACgMgAAVgcAAKr4//8BAAAAf39/AAEAAABkAAAAAAAAABQAAABAHwAAAAAAACYAAAAAAAAAwOD//wAAAAAmAAAAZAAAABYAAABMAAAAAAAAAAAAAAAEAAAAAAAAAAEAAACAgIAKAAAAACgAAAAoAAAAZAAAAGQAAAAAAAAAzMzMAAAAAABQAAAAUAAAAGQAAABkAAAAAAAAABcAAAAUAAAAAAAAAAAAAAD/fwAA/38AAAAAAAAJAAAABAAAAAAAAAAMAAAAEAAAAAAAAAAAAAAAAAAAAAAAAAAeAAAAaAAAAAAAAAAAAAAAAAAAAAAAAAAAAAAAECcAABAnAAAAAAAAAAAAAAAAAAAAAAAAAAAAAAAAAAAAAAAAAAAAABQAAAAAAAAAwMD/AAAAAABkAAAAMgAAAAAAAABkAAAAAAAAAH9/fwAKAAAAHwAAAFQAAAAAAAAFAAAAAQAAAAAAAAAAAAAAAAAAAAAAAAAAAAAAAAAAAAAAAAAAAAAAAn9/fwAAAAADzMzMAMDA/wB/f38AAAAAAAAAAAAAAAAAAAAAAAAAAAAhAAAAGAAAABQAAABKAwAA3AEAAH4+AACcCQAAEAAAACYAAAAIAAAA//////////8="/>
               </a:ext>
             </a:extLst>
           </p:cNvSpPr>
@@ -2852,7 +2819,7 @@
             <a:spLocks noGrp="1" noChangeArrowheads="1"/>
             <a:extLst>
               <a:ext uri="smNativeData">
-                <pr:smNativeData xmlns:pr="smNativeData" val="SMDATA_13_3GgiXxMAAAAlAAAAZAAAAA8BAAAAkAAAAEgAAACQAAAASAAAAAAAAAAAAAAAAAAAAAEAAABQAAAAAAAAAAAA4D8AAAAAAADgPwAAAAAAAOA/AAAAAAAA4D8AAAAAAADgPwAAAAAAAOA/AAAAAAAA4D8AAAAAAADgPwAAAAAAAOA/AAAAAAAA4D8CAAAAjAAAAAAAAAAAAAAAu+DjDP///wgAAAAAAAAAAAAAAAAAAAAAAAAAAAAAAAAAAAAAZAAAAAEAAABAAAAAAAAAAAAAAAAAAAAAAAAAAAAAAAAAAAAAAAAAAAAAAAAAAAAAAAAAAAAAAAAAAAAAAAAAAAAAAAAAAAAAAAAAAAAAAAAAAAAAAAAAAAAAAAAAAAAAFAAAADwAAAAAAAAAAAAAAAAAAAkUAAAAAQAAABQAAAAUAAAAFAAAAAEAAAAAAAAAZAAAAGQAAAAAAAAAZAAAAGQAAAAVAAAAYAAAAAAAAAAAAAAADwAAACADAAAAAAAAAAAAAAEAAACgMgAAVgcAAKr4//8BAAAAf39/AAEAAABkAAAAAAAAABQAAABAHwAAAAAAACYAAAAAAAAAwOD//wAAAAAmAAAAZAAAABYAAABMAAAAAAAAAAAAAAAEAAAAAAAAAAEAAACAgIAKAAAAACgAAAAoAAAAZAAAAGQAAAAAAAAAzMzMAAAAAABQAAAAUAAAAGQAAABkAAAAAAAAABcAAAAUAAAAAAAAAAAAAAD/fwAA/38AAAAAAAAJAAAABAAAAAAAAAAMAAAAEAAAAAAAAAAAAAAAAAAAAAAAAAAeAAAAaAAAAAAAAAAAAAAAAAAAAAAAAAAAAAAAECcAABAnAAAAAAAAAAAAAAAAAAAAAAAAAAAAAAAAAAAAAAAAAAAAABQAAAAAAAAAwMD/AAAAAABkAAAAMgAAAAAAAABkAAAAAAAAAH9/fwAKAAAAHwAAAFQAAAAAAAAFAAAAAQAAAAAAAAAAAAAAAAAAAAAAAAAAAAAAAAAAAAAAAAAAAAAAAn9/fwAAAAADzMzMAMDA/wB/f38AAAAAAAAAAAAAAAAAAAAAAAAAAAAhAAAAGAAAABQAAABKAwAA2goAAH4+AACMKQAAEAAAACYAAAAIAAAA//////////8="/>
+                <pr:smNativeData xmlns:pr="smNativeData" val="SMDATA_13_ahOSXxMAAAAlAAAAZAAAAA8BAAAAkAAAAEgAAACQAAAASAAAAAAAAAAAAAAAAAAAAAEAAABQAAAAAAAAAAAA4D8AAAAAAADgPwAAAAAAAOA/AAAAAAAA4D8AAAAAAADgPwAAAAAAAOA/AAAAAAAA4D8AAAAAAADgPwAAAAAAAOA/AAAAAAAA4D8CAAAAjAAAAAAAAAAAAAAAu+DjDP///wgAAAAAAAAAAAAAAAAAAAAAAAAAAAAAAAAAAAAAZAAAAAEAAABAAAAAAAAAAAAAAAAAAAAAAAAAAAAAAAAAAAAAAAAAAAAAAAAAAAAAAAAAAAAAAAAAAAAAAAAAAAAAAAAAAAAAAAAAAAAAAAAAAAAAAAAAAAAAAAAAAAAAFAAAADwAAAAAAAAAAAAAAAAAAAkUAAAAAQAAABQAAAAUAAAAFAAAAAEAAAAAAAAAZAAAAGQAAAAAAAAAZAAAAGQAAAAVAAAAYAAAAAAAAAAAAAAADwAAACADAAAAAAAAAAAAAAEAAACgMgAAVgcAAKr4//8BAAAAf39/AAEAAABkAAAAAAAAABQAAABAHwAAAAAAACYAAAAAAAAAwOD//wAAAAAmAAAAZAAAABYAAABMAAAAAAAAAAAAAAAEAAAAAAAAAAEAAACAgIAKAAAAACgAAAAoAAAAZAAAAGQAAAAAAAAAzMzMAAAAAABQAAAAUAAAAGQAAABkAAAAAAAAABcAAAAUAAAAAAAAAAAAAAD/fwAA/38AAAAAAAAJAAAABAAAAAAAAAAMAAAAEAAAAAAAAAAAAAAAAAAAAAAAAAAeAAAAaAAAAAAAAAAAAAAAAAAAAAAAAAAAAAAAECcAABAnAAAAAAAAAAAAAAAAAAAAAAAAAAAAAAAAAAAAAAAAAAAAABQAAAAAAAAAwMD/AAAAAABkAAAAMgAAAAAAAABkAAAAAAAAAH9/fwAKAAAAHwAAAFQAAAAAAAAFAAAAAQAAAAAAAAAAAAAAAAAAAAAAAAAAAAAAAAAAAAAAAAAAAAAAAn9/fwAAAAADzMzMAMDA/wB/f38AAAAAAAAAAAAAAAAAAAAAAAAAAAAhAAAAGAAAABQAAABKAwAA2goAAH4+AACMKQAAEAAAACYAAAAIAAAA//////////8="/>
               </a:ext>
             </a:extLst>
           </p:cNvSpPr>
@@ -2920,7 +2887,7 @@
             <a:spLocks noGrp="1" noChangeArrowheads="1"/>
             <a:extLst>
               <a:ext uri="smNativeData">
-                <pr:smNativeData xmlns:pr="smNativeData" val="SMDATA_13_3GgiXxMAAAAlAAAAZAAAAA8BAAAAkAAAAEgAAACQAAAASAAAAAAAAAABAAAAAAAAAAEAAABQAAAAAAAAAAAA4D8AAAAAAADgPwAAAAAAAOA/AAAAAAAA4D8AAAAAAADgPwAAAAAAAOA/AAAAAAAA4D8AAAAAAADgPwAAAAAAAOA/AAAAAAAA4D8CAAAAjAAAAAAAAAAAAAAAu+DjDP///wgAAAAAAAAAAAAAAAAAAAAAAAAAAAAAAAAAAAAAZAAAAAEAAABAAAAAAAAAAAAAAAAAAAAAAAAAAAAAAAAAAAAAAAAAAAAAAAAAAAAAAAAAAAAAAAAAAAAAAAAAAAAAAAAAAAAAAAAAAAAAAAAAAAAAAAAAAAAAAAAAAAAAFAAAADwAAAAAAAAAAAAAAAAAAAkUAAAAAQAAABQAAAAUAAAAFAAAAAEAAAAAAAAAZAAAAGQAAAAAAAAAZAAAAGQAAAAVAAAAYAAAAAAAAAAAAAAADwAAACADAAAAAAAAAAAAAAEAAACgMgAAVgcAAKr4//8BAAAAf39/AAEAAABkAAAAAAAAABQAAABAHwAAAAAAACYAAAAAAAAAwOD//wAAAAAmAAAAZAAAABYAAABMAAAAAAAAAAAAAAAEAAAAAAAAAAEAAACAgIAKAAAAACgAAAAoAAAAZAAAAGQAAAAAAAAAzMzMAAAAAABQAAAAUAAAAGQAAABkAAAAAAAAABcAAAAUAAAAAAAAAAAAAAD/fwAA/38AAAAAAAAJAAAABAAAAAAAAAAMAAAAEAAAAAAAAAAAAAAAAAAAAAAAAAAeAAAAaAAAAAAAAAAAAAAAAAAAAAAAAAAAAAAAECcAABAnAAAAAAAAAAAAAAAAAAAAAAAAAAAAAAAAAAAAAAAAAAAAABQAAAAAAAAAwMD/AAAAAABkAAAAMgAAAAAAAABkAAAAAAAAAH9/fwAKAAAAHwAAAFQAAAAAAAAFAAAAAQAAAAAAAAAAAAAAAAAAAAAAAAAAAAAAAAAAAAAAAAAAAAAAAn9/fwAAAAADzMzMAMDA/wB/f38AAAAAAAAAAAAAAAAAAAAAAAAAAAAhAAAAGAAAABQAAABKAwAAHSsAAKMSAACVLQAAEAAAACYAAAAIAAAA//////////8="/>
+                <pr:smNativeData xmlns:pr="smNativeData" val="SMDATA_13_ahOSXxMAAAAlAAAAZAAAAA8BAAAAkAAAAEgAAACQAAAASAAAAAAAAAABAAAAAAAAAAEAAABQAAAAAAAAAAAA4D8AAAAAAADgPwAAAAAAAOA/AAAAAAAA4D8AAAAAAADgPwAAAAAAAOA/AAAAAAAA4D8AAAAAAADgPwAAAAAAAOA/AAAAAAAA4D8CAAAAjAAAAAAAAAAAAAAAu+DjDP///wgAAAAAAAAAAAAAAAAAAAAAAAAAAAAAAAAAAAAAZAAAAAEAAABAAAAAAAAAAAAAAAAAAAAAAAAAAAAAAAAAAAAAAAAAAAAAAAAAAAAAAAAAAAAAAAAAAAAAAAAAAAAAAAAAAAAAAAAAAAAAAAAAAAAAAAAAAAAAAAAAAAAAFAAAADwAAAAAAAAAAAAAAAAAAAkUAAAAAQAAABQAAAAUAAAAFAAAAAEAAAAAAAAAZAAAAGQAAAAAAAAAZAAAAGQAAAAVAAAAYAAAAAAAAAAAAAAADwAAACADAAAAAAAAAAAAAAEAAACgMgAAVgcAAKr4//8BAAAAf39/AAEAAABkAAAAAAAAABQAAABAHwAAAAAAACYAAAAAAAAAwOD//wAAAAAmAAAAZAAAABYAAABMAAAAAAAAAAAAAAAEAAAAAAAAAAEAAACAgIAKAAAAACgAAAAoAAAAZAAAAGQAAAAAAAAAzMzMAAAAAABQAAAAUAAAAGQAAABkAAAAAAAAABcAAAAUAAAAAAAAAAAAAAD/fwAA/38AAAAAAAAJAAAABAAAAAAAAAAMAAAAEAAAAAAAAAAAAAAAAAAAAAAAAAAeAAAAaAAAAAAAAAAAAAAAAAAAAAAAAAAAAAAAECcAABAnAAAAAAAAAAAAAAAAAAAAAAAAAAAAAAAAAAAAAAAAAAAAABQAAAAAAAAAwMD/AAAAAABkAAAAMgAAAAAAAABkAAAAAAAAAH9/fwAKAAAAHwAAAFQAAAAAAAAFAAAAAQAAAAAAAAAAAAAAAAAAAAAAAAAAAAAAAAAAAAAAAAAAAAAAAn9/fwAAAAADzMzMAMDA/wB/f38AAAAAAAAAAAAAAAAAAAAAAAAAAAAhAAAAGAAAABQAAABKAwAAHSsAAKMSAACVLQAAEAAAACYAAAAIAAAA//////////8="/>
               </a:ext>
             </a:extLst>
           </p:cNvSpPr>
@@ -2955,7 +2922,7 @@
           </a:lstStyle>
           <a:p>
             <a:pPr/>
-            <a:fld id="{20732B81-CFCD-26DD-83CB-39886585756C}" type="datetime1">
+            <a:fld id="{B29EBD6B-255F-CB4B-1126-D31EF368E786}" type="datetime1">
               <a:t/>
             </a:fld>
           </a:p>
@@ -2968,7 +2935,7 @@
             <a:spLocks noGrp="1" noChangeArrowheads="1"/>
             <a:extLst>
               <a:ext uri="smNativeData">
-                <pr:smNativeData xmlns:pr="smNativeData" val="SMDATA_13_3GgiXxMAAAAlAAAAZAAAAA8BAAAAkAAAAEgAAACQAAAASAAAAAAAAAABAAAAAAAAAAEAAABQAAAAAAAAAAAA4D8AAAAAAADgPwAAAAAAAOA/AAAAAAAA4D8AAAAAAADgPwAAAAAAAOA/AAAAAAAA4D8AAAAAAADgPwAAAAAAAOA/AAAAAAAA4D8CAAAAjAAAAAAAAAAAAAAAu+DjDP///wgAAAAAAAAAAAAAAAAAAAAAAAAAAAAAAAAAAAAAZAAAAAEAAABAAAAAAAAAAAAAAAAAAAAAAAAAAAAAAAAAAAAAAAAAAAAAAAAAAAAAAAAAAAAAAAAAAAAAAAAAAAAAAAAAAAAAAAAAAAAAAAAAAAAAAAAAAAAAAAAAAAAAFAAAADwAAAAAAAAAAAAAAAAAAAkUAAAAAQAAABQAAAAUAAAAFAAAAAEAAAAAAAAAZAAAAGQAAAAAAAAAZAAAAGQAAAAVAAAAYAAAAAAAAAAAAAAADwAAACADAAAAAAAAAAAAAAEAAACgMgAAVgcAAKr4//8BAAAAf39/AAEAAABkAAAAAAAAABQAAABAHwAAAAAAACYAAAAAAAAAwOD//wAAAAAmAAAAZAAAABYAAABMAAAAAAAAAAAAAAAEAAAAAAAAAAEAAACAgIAKAAAAACgAAAAoAAAAZAAAAGQAAAAAAAAAzMzMAAAAAABQAAAAUAAAAGQAAABkAAAAAAAAABcAAAAUAAAAAAAAAAAAAAD/fwAA/38AAAAAAAAJAAAABAAAAAAAAAAMAAAAEAAAAAAAAAAAAAAAAAAAAAAAAAAeAAAAaAAAAAAAAAAAAAAAAAAAAAAAAAAAAAAAECcAABAnAAAAAAAAAAAAAAAAAAAAAAAAAAAAAAAAAAAAAAAAAAAAABQAAAAAAAAAwMD/AAAAAABkAAAAMgAAAAAAAABkAAAAAAAAAH9/fwAKAAAAHwAAAFQAAAAAAAAFAAAAAQAAAAAAAAAAAAAAAAAAAAAAAAAAAAAAAAAAAAAAAAAAAAAAAn9/fwAAAAADzMzMAMDA/wB/f38AAAAAAAAAAAAAAAAAAAAAAAAAAAAhAAAAGAAAABQAAAB5FgAAHSsAAE4rAACVLQAAEAAAACYAAAAIAAAA//////////8="/>
+                <pr:smNativeData xmlns:pr="smNativeData" val="SMDATA_13_ahOSXxMAAAAlAAAAZAAAAA8BAAAAkAAAAEgAAACQAAAASAAAAAAAAAABAAAAAAAAAAEAAABQAAAAAAAAAAAA4D8AAAAAAADgPwAAAAAAAOA/AAAAAAAA4D8AAAAAAADgPwAAAAAAAOA/AAAAAAAA4D8AAAAAAADgPwAAAAAAAOA/AAAAAAAA4D8CAAAAjAAAAAAAAAAAAAAAu+DjDP///wgAAAAAAAAAAAAAAAAAAAAAAAAAAAAAAAAAAAAAZAAAAAEAAABAAAAAAAAAAAAAAAAAAAAAAAAAAAAAAAAAAAAAAAAAAAAAAAAAAAAAAAAAAAAAAAAAAAAAAAAAAAAAAAAAAAAAAAAAAAAAAAAAAAAAAAAAAAAAAAAAAAAAFAAAADwAAAAAAAAAAAAAAAAAAAkUAAAAAQAAABQAAAAUAAAAFAAAAAEAAAAAAAAAZAAAAGQAAAAAAAAAZAAAAGQAAAAVAAAAYAAAAAAAAAAAAAAADwAAACADAAAAAAAAAAAAAAEAAACgMgAAVgcAAKr4//8BAAAAf39/AAEAAABkAAAAAAAAABQAAABAHwAAAAAAACYAAAAAAAAAwOD//wAAAAAmAAAAZAAAABYAAABMAAAAAAAAAAAAAAAEAAAAAAAAAAEAAACAgIAKAAAAACgAAAAoAAAAZAAAAGQAAAAAAAAAzMzMAAAAAABQAAAAUAAAAGQAAABkAAAAAAAAABcAAAAUAAAAAAAAAAAAAAD/fwAA/38AAAAAAAAJAAAABAAAAAAAAAAMAAAAEAAAAAAAAAAAAAAAAAAAAAAAAAAeAAAAaAAAAAAAAAAAAAAAAAAAAAAAAAAAAAAAECcAABAnAAAAAAAAAAAAAAAAAAAAAAAAAAAAAAAAAAAAAAAAAAAAABQAAAAAAAAAwMD/AAAAAABkAAAAMgAAAAAAAABkAAAAAAAAAH9/fwAKAAAAHwAAAFQAAAAAAAAFAAAAAQAAAAAAAAAAAAAAAAAAAAAAAAAAAAAAAAAAAAAAAAAAAAAAAn9/fwAAAAADzMzMAMDA/wB/f38AAAAAAAAAAAAAAAAAAAAAAAAAAAAhAAAAGAAAABQAAAB5FgAAHSsAAE4rAACVLQAAEAAAACYAAAAIAAAA//////////8="/>
               </a:ext>
             </a:extLst>
           </p:cNvSpPr>
@@ -3003,9 +2970,6 @@
           </a:lstStyle>
           <a:p>
             <a:pPr/>
-            <a:r>
-              <a:t/>
-            </a:r>
           </a:p>
         </p:txBody>
       </p:sp>
@@ -3016,7 +2980,7 @@
             <a:spLocks noGrp="1" noChangeArrowheads="1"/>
             <a:extLst>
               <a:ext uri="smNativeData">
-                <pr:smNativeData xmlns:pr="smNativeData" val="SMDATA_13_3GgiXxMAAAAlAAAAZAAAAA8BAAAAkAAAAEgAAACQAAAASAAAAAAAAAABAAAAAAAAAAEAAABQAAAAAAAAAAAA4D8AAAAAAADgPwAAAAAAAOA/AAAAAAAA4D8AAAAAAADgPwAAAAAAAOA/AAAAAAAA4D8AAAAAAADgPwAAAAAAAOA/AAAAAAAA4D8CAAAAjAAAAAAAAAAAAAAAu+DjDP///wgAAAAAAAAAAAAAAAAAAAAAAAAAAAAAAAAAAAAAZAAAAAEAAABAAAAAAAAAAAAAAAAAAAAAAAAAAAAAAAAAAAAAAAAAAAAAAAAAAAAAAAAAAAAAAAAAAAAAAAAAAAAAAAAAAAAAAAAAAAAAAAAAAAAAAAAAAAAAAAAAAAAAFAAAADwAAAAAAAAAAAAAAAAAAAkUAAAAAQAAABQAAAAUAAAAFAAAAAEAAAAAAAAAZAAAAGQAAAAAAAAAZAAAAGQAAAAVAAAAYAAAAAAAAAAAAAAADwAAACADAAAAAAAAAAAAAAEAAACgMgAAVgcAAKr4//8BAAAAf39/AAEAAABkAAAAAAAAABQAAABAHwAAAAAAACYAAAAAAAAAwOD//wAAAAAmAAAAZAAAABYAAABMAAAAAAAAAAAAAAAEAAAAAAAAAAEAAACAgIAKAAAAACgAAAAoAAAAZAAAAGQAAAAAAAAAzMzMAAAAAABQAAAAUAAAAGQAAABkAAAAAAAAABcAAAAUAAAAAAAAAAAAAAD/fwAA/38AAAAAAAAJAAAABAAAAAAAAAAMAAAAEAAAAAAAAAAAAAAAAAAAAAAAAAAeAAAAaAAAAAAAAAAAAAAAAAAAAAAAAAAAAAAAECcAABAnAAAAAAAAAAAAAAAAAAAAAAAAAAAAAAAAAAAAAAAAAAAAABQAAAAAAAAAwMD/AAAAAABkAAAAMgAAAAAAAABkAAAAAAAAAH9/fwAKAAAAHwAAAFQAAAAAAAAFAAAAAQAAAAAAAAAAAAAAAAAAAAAAAAAAAAAAAAAAAAAAAAAAAAAAAn9/fwAAAAADzMzMAMDA/wB/f38AAAAAAAAAAAAAAAAAAAAAAAAAAAAhAAAAGAAAABQAAAAkLwAAHSsAAH4+AACVLQAAEAAAACYAAAAIAAAA//////////8="/>
+                <pr:smNativeData xmlns:pr="smNativeData" val="SMDATA_13_ahOSXxMAAAAlAAAAZAAAAA8BAAAAkAAAAEgAAACQAAAASAAAAAAAAAABAAAAAAAAAAEAAABQAAAAAAAAAAAA4D8AAAAAAADgPwAAAAAAAOA/AAAAAAAA4D8AAAAAAADgPwAAAAAAAOA/AAAAAAAA4D8AAAAAAADgPwAAAAAAAOA/AAAAAAAA4D8CAAAAjAAAAAAAAAAAAAAAu+DjDP///wgAAAAAAAAAAAAAAAAAAAAAAAAAAAAAAAAAAAAAZAAAAAEAAABAAAAAAAAAAAAAAAAAAAAAAAAAAAAAAAAAAAAAAAAAAAAAAAAAAAAAAAAAAAAAAAAAAAAAAAAAAAAAAAAAAAAAAAAAAAAAAAAAAAAAAAAAAAAAAAAAAAAAFAAAADwAAAAAAAAAAAAAAAAAAAkUAAAAAQAAABQAAAAUAAAAFAAAAAEAAAAAAAAAZAAAAGQAAAAAAAAAZAAAAGQAAAAVAAAAYAAAAAAAAAAAAAAADwAAACADAAAAAAAAAAAAAAEAAACgMgAAVgcAAKr4//8BAAAAf39/AAEAAABkAAAAAAAAABQAAABAHwAAAAAAACYAAAAAAAAAwOD//wAAAAAmAAAAZAAAABYAAABMAAAAAAAAAAAAAAAEAAAAAAAAAAEAAACAgIAKAAAAACgAAAAoAAAAZAAAAGQAAAAAAAAAzMzMAAAAAABQAAAAUAAAAGQAAABkAAAAAAAAABcAAAAUAAAAAAAAAAAAAAD/fwAA/38AAAAAAAAJAAAABAAAAAAAAAAMAAAAEAAAAAAAAAAAAAAAAAAAAAAAAAAeAAAAaAAAAAAAAAAAAAAAAAAAAAAAAAAAAAAAECcAABAnAAAAAAAAAAAAAAAAAAAAAAAAAAAAAAAAAAAAAAAAAAAAABQAAAAAAAAAwMD/AAAAAABkAAAAMgAAAAAAAABkAAAAAAAAAH9/fwAKAAAAHwAAAFQAAAAAAAAFAAAAAQAAAAAAAAAAAAAAAAAAAAAAAAAAAAAAAAAAAAAAAAAAAAAAAn9/fwAAAAADzMzMAMDA/wB/f38AAAAAAAAAAAAAAAAAAAAAAAAAAAAhAAAAGAAAABQAAAAkLwAAHSsAAH4+AACVLQAAEAAAACYAAAAIAAAA//////////8="/>
               </a:ext>
             </a:extLst>
           </p:cNvSpPr>
@@ -3051,7 +3015,7 @@
           </a:lstStyle>
           <a:p>
             <a:pPr/>
-            <a:fld id="{20733088-C6CD-26C6-83CB-30937E857565}" type="slidenum">
+            <a:fld id="{B29EDB00-4E5F-CB2D-1126-B8789568E7ED}" type="slidenum">
               <a:t/>
             </a:fld>
           </a:p>
@@ -3729,7 +3693,7 @@
           <p:cNvSpPr txBox="1">
             <a:extLst>
               <a:ext uri="smNativeData">
-                <pr:smNativeData xmlns:pr="smNativeData" val="SMDATA_13_3GgiXxMAAAAlAAAAEgAAAA8BAAAAkAAAAEgAAACQAAAASAAAAAAAAAAAAAAAAAAAAAEAAABQAAAAAAAAAAAA4D8AAAAAAADgPwAAAAAAAOA/AAAAAAAA4D8AAAAAAADgPwAAAAAAAOA/AAAAAAAA4D8AAAAAAADgPwAAAAAAAOA/AAAAAAAA4D8CAAAAjAAAAAAAAAAAAAAAu+DjDP///wgAAAAAAAAAAAAAAAAAAAAAAAAAAAAAAAAAAAAAZAAAAAEAAABAAAAAAAAAAAAAAAAAAAAAAAAAAAAAAAAAAAAAAAAAAAAAAAAAAAAAAAAAAAAAAAAAAAAAAAAAAAAAAAAAAAAAAAAAAAAAAAAAAAAAAAAAAAAAAAAAAAAAFAAAADwAAAAAAAAAAAAAAAAAAAkUAAAAAQAAABQAAAAUAAAAFAAAAAEAAAAAAAAAZAAAAGQAAAAAAAAAZAAAAGQAAAAVAAAAYAAAAAAAAAAAAAAADwAAACADAAAAAAAAAAAAAAEAAACgMgAAVgcAAKr4//8BAAAAf39/AAEAAABkAAAAAAAAABQAAABAHwAAAAAAACYAAAAAAAAAwOD//wAAAAAmAAAAZAAAABYAAABMAAAAAAAAAAAAAAAEAAAAAAAAAAEAAACAgIAKAAAAACgAAAAoAAAAZAAAAGQAAAAAAAAAzMzMAAAAAABQAAAAUAAAAGQAAABkAAAAAAAAABcAAAAUAAAAAAAAAAAAAAD/fwAA/38AAAAAAAAJAAAABAAAAAAAAAAMAAAAEAAAAAAAAAAAAAAAAAAAAAAAAAAeAAAAaAAAAAAAAAAAAAAAAAAAAAAAAAAAAAAAECcAABAnAAAAAAAAAAAAAAAAAAAAAAAAAAAAAAAAAAAAAAAAAAAAABQAAAAAAAAAwMD/AAAAAABkAAAAMgAAAAAAAABkAAAAAAAAAH9/fwAKAAAAHwAAAFQAAAC74OMF////AQAAAAAAAAAAAAAAAAAAAAAAAAAAAAAAAAAAAAAAAAAAAAAAAn9/fwCAgIADzMzMAMDA/wB/f38AAAAAAAAAAAAAAAAAAAAAAAAAAAAhAAAAGAAAABQAAAAyAQAAHgYAAGk/AABuKAAAAAAAACYAAAAIAAAA//////////8="/>
+                <pr:smNativeData xmlns:pr="smNativeData" val="SMDATA_13_ahOSXxMAAAAlAAAAEgAAAA8BAAAAkAAAAEgAAACQAAAASAAAAAAAAAAAAAAAAAAAAAEAAABQAAAAAAAAAAAA4D8AAAAAAADgPwAAAAAAAOA/AAAAAAAA4D8AAAAAAADgPwAAAAAAAOA/AAAAAAAA4D8AAAAAAADgPwAAAAAAAOA/AAAAAAAA4D8CAAAAjAAAAAAAAAAAAAAAu+DjDP///wgAAAAAAAAAAAAAAAAAAAAAAAAAAAAAAAAAAAAAZAAAAAEAAABAAAAAAAAAAAAAAAAAAAAAAAAAAAAAAAAAAAAAAAAAAAAAAAAAAAAAAAAAAAAAAAAAAAAAAAAAAAAAAAAAAAAAAAAAAAAAAAAAAAAAAAAAAAAAAAAAAAAAFAAAADwAAAAAAAAAAAAAAAAAAAkUAAAAAQAAABQAAAAUAAAAFAAAAAEAAAAAAAAAZAAAAGQAAAAAAAAAZAAAAGQAAAAVAAAAYAAAAAAAAAAAAAAADwAAACADAAAAAAAAAAAAAAEAAACgMgAAVgcAAKr4//8BAAAAf39/AAEAAABkAAAAAAAAABQAAABAHwAAAAAAACYAAAAAAAAAwOD//wAAAAAmAAAAZAAAABYAAABMAAAAAAAAAAAAAAAEAAAAAAAAAAEAAACAgIAKAAAAACgAAAAoAAAAZAAAAGQAAAAAAAAAzMzMAAAAAABQAAAAUAAAAGQAAABkAAAAAAAAABcAAAAUAAAAAAAAAAAAAAD/fwAA/38AAAAAAAAJAAAABAAAAAAAAAAMAAAAEAAAAAAAAAAAAAAAAAAAAAAAAAAeAAAAaAAAAAAAAAAAAAAAAAAAAAAAAAAAAAAAECcAABAnAAAAAAAAAAAAAAAAAAAAAAAAAAAAAAAAAAAAAAAAAAAAABQAAAAAAAAAwMD/AAAAAABkAAAAMgAAAAAAAABkAAAAAAAAAH9/fwAKAAAAHwAAAFQAAAC74OMF////AQAAAAAAAAAAAAAAAAAAAAAAAAAAAAAAAAAAAAAAAAAAAAAAAn9/fwCAgIADzMzMAMDA/wB/f38AAAAAAAAAAAAAAAAAAAAAAAAAAAAhAAAAGAAAABQAAAAyAQAAHgYAAGk/AABuKAAAEAAAACYAAAAIAAAA//////////8="/>
               </a:ext>
             </a:extLst>
           </p:cNvSpPr>
@@ -4032,7 +3996,7 @@
           <p:cNvSpPr>
             <a:extLst>
               <a:ext uri="smNativeData">
-                <pr:smNativeData xmlns:pr="smNativeData" val="SMDATA_13_3GgiXxMAAAAlAAAAZAAAAA8BAAAAkAAAAEgAAACQAAAASAAAAAAAAAAAAAAAAAAAAAEAAABQAAAAAAAAAAAA4D8AAAAAAADgPwAAAAAAAOA/AAAAAAAA4D8AAAAAAADgPwAAAAAAAOA/AAAAAAAA4D8AAAAAAADgPwAAAAAAAOA/AAAAAAAA4D8CAAAAjAAAAAAAAAAAAAAAAAAAAP///wgAAAAAAAAAAAAAAAAAAAAAAAAAAAAAAAAAAAAAZAAAAAEAAABAAAAAAAAAAAAAAAAAAAAAAAAAAAAAAAAAAAAAAAAAAAAAAAAAAAAAAAAAAAAAAAAAAAAAAAAAAAAAAAAAAAAAAAAAAAAAAAAAAAAAAAAAAAAAAAAAAAAAFAAAADwAAAABAAAAAAAAAICAgAoUAAAAAQAAABQAAAAUAAAAFAAAAAEAAAAAAAAAZAAAAGQAAAAAAAAAZAAAAGQAAAAVAAAAYAAAAAAAAAAAAAAADwAAACADAAAAAAAAAAAAAAEAAACgMgAAVgcAAKr4//8BAAAAf39/AAEAAABkAAAAAAAAABQAAABAHwAAAAAAACYAAAAAAAAAwOD//wAAAAAmAAAAZAAAABYAAABMAAAAAAAAAAAAAAAEAAAAAAAAAAEAAACAgIAKAAAAACgAAAAoAAAAZAAAAGQAAAAAAAAAzMzMAAAAAABQAAAAUAAAAGQAAABkAAAAAAAAABcAAAAUAAAAAAAAAAAAAAD/fwAA/38AAAAAAAAJAAAABAAAAAAAAAAMAAAAEAAAAAAAAAAAAAAAAAAAAAAAAAAeAAAAaAAAAAAAAAAAAAAAAAAAAAAAAAAAAAAAECcAABAnAAAAAAAAAAAAAAAAAAAAAAAAAAAAAAAAAAAAAAAAAAAAABQAAAAAAAAAwMD/AAAAAABkAAAAMgAAAAAAAABkAAAAAAAAAH9/fwAKAAAAHwAAAFQAAAAAAAAA////AQAAAAAAAAAAAAAAAAAAAAAAAAAAAAAAAAAAAAAAAAAAgICAA39/fwCAgIADzMzMAMDA/wB/f38AAAAAAAAAAAAAAAAAAAAAAAAAAAAhAAAAGAAAABQAAAAsAQAAGRIAADIuAADdEwAAEAAAACYAAAAIAAAA//////////8="/>
+                <pr:smNativeData xmlns:pr="smNativeData" val="SMDATA_13_ahOSXxMAAAAlAAAAZAAAAA8BAAAAkAAAAEgAAACQAAAASAAAAAAAAAAAAAAAAAAAAAEAAABQAAAAAAAAAAAA4D8AAAAAAADgPwAAAAAAAOA/AAAAAAAA4D8AAAAAAADgPwAAAAAAAOA/AAAAAAAA4D8AAAAAAADgPwAAAAAAAOA/AAAAAAAA4D8CAAAAjAAAAAAAAAAAAAAAAAAAAP///wgAAAAAAAAAAAAAAAAAAAAAAAAAAAAAAAAAAAAAZAAAAAEAAABAAAAAAAAAAAAAAAAAAAAAAAAAAAAAAAAAAAAAAAAAAAAAAAAAAAAAAAAAAAAAAAAAAAAAAAAAAAAAAAAAAAAAAAAAAAAAAAAAAAAAAAAAAAAAAAAAAAAAFAAAADwAAAABAAAAAAAAAICAgAoUAAAAAQAAABQAAAAUAAAAFAAAAAEAAAAAAAAAZAAAAGQAAAAAAAAAZAAAAGQAAAAVAAAAYAAAAAAAAAAAAAAADwAAACADAAAAAAAAAAAAAAEAAACgMgAAVgcAAKr4//8BAAAAf39/AAEAAABkAAAAAAAAABQAAABAHwAAAAAAACYAAAAAAAAAwOD//wAAAAAmAAAAZAAAABYAAABMAAAAAAAAAAAAAAAEAAAAAAAAAAEAAACAgIAKAAAAACgAAAAoAAAAZAAAAGQAAAAAAAAAzMzMAAAAAABQAAAAUAAAAGQAAABkAAAAAAAAABcAAAAUAAAAAAAAAAAAAAD/fwAA/38AAAAAAAAJAAAABAAAAAAAAAAMAAAAEAAAAAAAAAAAAAAAAAAAAAAAAAAeAAAAaAAAAAAAAAAAAAAAAAAAAAAAAAAAAAAAECcAABAnAAAAAAAAAAAAAAAAAAAAAAAAAAAAAAAAAAAAAAAAAAAAABQAAAAAAAAAwMD/AAAAAABkAAAAMgAAAAAAAABkAAAAAAAAAH9/fwAKAAAAHwAAAFQAAAAAAAAA////AQAAAAAAAAAAAAAAAAAAAAAAAAAAAAAAAAAAAAAAAAAAgICAA39/fwCAgIADzMzMAMDA/wB/f38AAAAAAAAAAAAAAAAAAAAAAAAAAAAhAAAAGAAAABQAAAAsAQAAGRIAADIuAADdEwAAEAAAACYAAAAIAAAA//////////8="/>
               </a:ext>
             </a:extLst>
           </p:cNvSpPr>
@@ -4064,7 +4028,7 @@
           <p:cNvSpPr>
             <a:extLst>
               <a:ext uri="smNativeData">
-                <pr:smNativeData xmlns:pr="smNativeData" val="SMDATA_13_3GgiXxMAAAAlAAAAZAAAAA8BAAAAkAAAAEgAAACQAAAASAAAAAAAAAAAAAAAAAAAAAEAAABQAAAAAAAAAAAA4D8AAAAAAADgPwAAAAAAAOA/AAAAAAAA4D8AAAAAAADgPwAAAAAAAOA/AAAAAAAA4D8AAAAAAADgPwAAAAAAAOA/AAAAAAAA4D8CAAAAjAAAAAAAAAAAAAAAAAAAAP///wgAAAAAAAAAAAAAAAAAAAAAAAAAAAAAAAAAAAAAZAAAAAEAAABAAAAAAAAAAAAAAAAAAAAAAAAAAAAAAAAAAAAAAAAAAAAAAAAAAAAAAAAAAAAAAAAAAAAAAAAAAAAAAAAAAAAAAAAAAAAAAAAAAAAAAAAAAAAAAAAAAAAAFAAAADwAAAABAAAAAAAAAICAgAoUAAAAAQAAABQAAAAUAAAAFAAAAAEAAAAAAAAAZAAAAGQAAAAAAAAAZAAAAGQAAAAVAAAAYAAAAAAAAAAAAAAADwAAACADAAAAAAAAAAAAAAEAAACgMgAAVgcAAKr4//8BAAAAf39/AAEAAABkAAAAAAAAABQAAABAHwAAAAAAACYAAAAAAAAAwOD//wAAAAAmAAAAZAAAABYAAABMAAAAAAAAAAAAAAAEAAAAAAAAAAEAAACAgIAKAAAAACgAAAAoAAAAZAAAAGQAAAAAAAAAzMzMAAAAAABQAAAAUAAAAGQAAABkAAAAAAAAABcAAAAUAAAAAAAAAAAAAAD/fwAA/38AAAAAAAAJAAAABAAAADn9ZkoMAAAAEAAAAAAAAAAAAAAAAAAAAAAAAAAeAAAAaAAAAAAAAAAAAAAAAAAAAAAAAAAAAAAAECcAABAnAAAAAAAAAAAAAAAAAAAAAAAAAAAAAAAAAAAAAAAAAAAAABQAAAAAAAAAwMD/AAAAAABkAAAAMgAAAAAAAABkAAAAAAAAAH9/fwAKAAAAHwAAAFQAAAAAAAAA////AQAAAAAAAAAAAAAAAAAAAAAAAAAAAAAAAAAAAAAAAAAAgICAA39/fwCAgIADzMzMAMDA/wB/f38AAAAAAAAAAAAAAAAAAAAAAAAAAAAhAAAAGAAAABQAAAAsAQAAtgkAAPsSAAB6CwAAEAAAACYAAAAIAAAA//////////8="/>
+                <pr:smNativeData xmlns:pr="smNativeData" val="SMDATA_13_ahOSXxMAAAAlAAAAZAAAAA8BAAAAkAAAAEgAAACQAAAASAAAAAAAAAAAAAAAAAAAAAEAAABQAAAAAAAAAAAA4D8AAAAAAADgPwAAAAAAAOA/AAAAAAAA4D8AAAAAAADgPwAAAAAAAOA/AAAAAAAA4D8AAAAAAADgPwAAAAAAAOA/AAAAAAAA4D8CAAAAjAAAAAAAAAAAAAAAAAAAAP///wgAAAAAAAAAAAAAAAAAAAAAAAAAAAAAAAAAAAAAZAAAAAEAAABAAAAAAAAAAAAAAAAAAAAAAAAAAAAAAAAAAAAAAAAAAAAAAAAAAAAAAAAAAAAAAAAAAAAAAAAAAAAAAAAAAAAAAAAAAAAAAAAAAAAAAAAAAAAAAAAAAAAAFAAAADwAAAABAAAAAAAAAICAgAoUAAAAAQAAABQAAAAUAAAAFAAAAAEAAAAAAAAAZAAAAGQAAAAAAAAAZAAAAGQAAAAVAAAAYAAAAAAAAAAAAAAADwAAACADAAAAAAAAAAAAAAEAAACgMgAAVgcAAKr4//8BAAAAf39/AAEAAABkAAAAAAAAABQAAABAHwAAAAAAACYAAAAAAAAAwOD//wAAAAAmAAAAZAAAABYAAABMAAAAAAAAAAAAAAAEAAAAAAAAAAEAAACAgIAKAAAAACgAAAAoAAAAZAAAAGQAAAAAAAAAzMzMAAAAAABQAAAAUAAAAGQAAABkAAAAAAAAABcAAAAUAAAAAAAAAAAAAAD/fwAA/38AAAAAAAAJAAAABAAAADn9ZkoMAAAAEAAAAAAAAAAAAAAAAAAAAAAAAAAeAAAAaAAAAAAAAAAAAAAAAAAAAAAAAAAAAAAAECcAABAnAAAAAAAAAAAAAAAAAAAAAAAAAAAAAAAAAAAAAAAAAAAAABQAAAAAAAAAwMD/AAAAAABkAAAAMgAAAAAAAABkAAAAAAAAAH9/fwAKAAAAHwAAAFQAAAAAAAAA////AQAAAAAAAAAAAAAAAAAAAAAAAAAAAAAAAAAAAAAAAAAAgICAA39/fwCAgIADzMzMAMDA/wB/f38AAAAAAAAAAAAAAAAAAAAAAAAAAAAhAAAAGAAAABQAAAAsAQAAtgkAAPsSAAB6CwAAEAAAACYAAAAIAAAA//////////8="/>
               </a:ext>
             </a:extLst>
           </p:cNvSpPr>
@@ -4096,7 +4060,7 @@
           <p:cNvSpPr>
             <a:extLst>
               <a:ext uri="smNativeData">
-                <pr:smNativeData xmlns:pr="smNativeData" val="SMDATA_13_3GgiXxMAAAAlAAAAZAAAAA8BAAAAkAAAAEgAAACQAAAASAAAAAAAAAAAAAAAAAAAAAEAAABQAAAAAAAAAAAA4D8AAAAAAADgPwAAAAAAAOA/AAAAAAAA4D8AAAAAAADgPwAAAAAAAOA/AAAAAAAA4D8AAAAAAADgPwAAAAAAAOA/AAAAAAAA4D8CAAAAjAAAAAAAAAAAAAAAAAAAAP///wgAAAAAAAAAAAAAAAAAAAAAAAAAAAAAAAAAAAAAZAAAAAEAAABAAAAAAAAAAAAAAAAAAAAAAAAAAAAAAAAAAAAAAAAAAAAAAAAAAAAAAAAAAAAAAAAAAAAAAAAAAAAAAAAAAAAAAAAAAAAAAAAAAAAAAAAAAAAAAAAAAAAAFAAAADwAAAABAAAAAAAAAICAgAoUAAAAAQAAABQAAAAUAAAAFAAAAAEAAAAAAAAAZAAAAGQAAAAAAAAAZAAAAGQAAAAVAAAAYAAAAAAAAAAAAAAADwAAACADAAAAAAAAAAAAAAEAAACgMgAAVgcAAKr4//8BAAAAf39/AAEAAABkAAAAAAAAABQAAABAHwAAAAAAACYAAAAAAAAAwOD//wAAAAAmAAAAZAAAABYAAABMAAAAAAAAAAAAAAAEAAAAAAAAAAEAAACAgIAKAAAAACgAAAAoAAAAZAAAAGQAAAAAAAAAzMzMAAAAAABQAAAAUAAAAGQAAABkAAAAAAAAABcAAAAUAAAAAAAAAAAAAAD/fwAA/38AAAAAAAAJAAAABAAAAAAAAAAMAAAAEAAAAAAAAAAAAAAAAAAAAAAAAAAeAAAAaAAAAAAAAAAAAAAAAAAAAAAAAAAAAAAAECcAABAnAAAAAAAAAAAAAAAAAAAAAAAAAAAAAAAAAAAAAAAAAAAAABQAAAAAAAAAwMD/AAAAAABkAAAAMgAAAAAAAABkAAAAAAAAAH9/fwAKAAAAHwAAAFQAAAAAAAAA////AQAAAAAAAAAAAAAAAAAAAAAAAAAAAAAAAAAAAAAAAAAAgICAA39/fwCAgIADzMzMAMDA/wB/f38AAAAAAAAAAAAAAAAAAAAAAAAAAAAhAAAAGAAAABQAAAAsAQAAfBoAAJEOAABAHAAAEAAAACYAAAAIAAAA//////////8="/>
+                <pr:smNativeData xmlns:pr="smNativeData" val="SMDATA_13_ahOSXxMAAAAlAAAAZAAAAA8BAAAAkAAAAEgAAACQAAAASAAAAAAAAAAAAAAAAAAAAAEAAABQAAAAAAAAAAAA4D8AAAAAAADgPwAAAAAAAOA/AAAAAAAA4D8AAAAAAADgPwAAAAAAAOA/AAAAAAAA4D8AAAAAAADgPwAAAAAAAOA/AAAAAAAA4D8CAAAAjAAAAAAAAAAAAAAAAAAAAP///wgAAAAAAAAAAAAAAAAAAAAAAAAAAAAAAAAAAAAAZAAAAAEAAABAAAAAAAAAAAAAAAAAAAAAAAAAAAAAAAAAAAAAAAAAAAAAAAAAAAAAAAAAAAAAAAAAAAAAAAAAAAAAAAAAAAAAAAAAAAAAAAAAAAAAAAAAAAAAAAAAAAAAFAAAADwAAAABAAAAAAAAAICAgAoUAAAAAQAAABQAAAAUAAAAFAAAAAEAAAAAAAAAZAAAAGQAAAAAAAAAZAAAAGQAAAAVAAAAYAAAAAAAAAAAAAAADwAAACADAAAAAAAAAAAAAAEAAACgMgAAVgcAAKr4//8BAAAAf39/AAEAAABkAAAAAAAAABQAAABAHwAAAAAAACYAAAAAAAAAwOD//wAAAAAmAAAAZAAAABYAAABMAAAAAAAAAAAAAAAEAAAAAAAAAAEAAACAgIAKAAAAACgAAAAoAAAAZAAAAGQAAAAAAAAAzMzMAAAAAABQAAAAUAAAAGQAAABkAAAAAAAAABcAAAAUAAAAAAAAAAAAAAD/fwAA/38AAAAAAAAJAAAABAAAAAAAAAAMAAAAEAAAAAAAAAAAAAAAAAAAAAAAAAAeAAAAaAAAAAAAAAAAAAAAAAAAAAAAAAAAAAAAECcAABAnAAAAAAAAAAAAAAAAAAAAAAAAAAAAAAAAAAAAAAAAAAAAABQAAAAAAAAAwMD/AAAAAABkAAAAMgAAAAAAAABkAAAAAAAAAH9/fwAKAAAAHwAAAFQAAAAAAAAA////AQAAAAAAAAAAAAAAAAAAAAAAAAAAAAAAAAAAAAAAAAAAgICAA39/fwCAgIADzMzMAMDA/wB/f38AAAAAAAAAAAAAAAAAAAAAAAAAAAAhAAAAGAAAABQAAAAsAQAAfBoAAJEOAABAHAAAEAAAACYAAAAIAAAA//////////8="/>
               </a:ext>
             </a:extLst>
           </p:cNvSpPr>
@@ -4128,7 +4092,7 @@
           <p:cNvSpPr>
             <a:extLst>
               <a:ext uri="smNativeData">
-                <pr:smNativeData xmlns:pr="smNativeData" val="SMDATA_13_3GgiXxMAAAAlAAAAZAAAAA8BAAAAkAAAAEgAAACQAAAASAAAAAAAAAAAAAAAAAAAAAEAAABQAAAAAAAAAAAA4D8AAAAAAADgPwAAAAAAAOA/AAAAAAAA4D8AAAAAAADgPwAAAAAAAOA/AAAAAAAA4D8AAAAAAADgPwAAAAAAAOA/AAAAAAAA4D8CAAAAjAAAAAAAAAAAAAAAAAAAAP///wgAAAAAAAAAAAAAAAAAAAAAAAAAAAAAAAAAAAAAZAAAAAEAAABAAAAAAAAAAAAAAAAAAAAAAAAAAAAAAAAAAAAAAAAAAAAAAAAAAAAAAAAAAAAAAAAAAAAAAAAAAAAAAAAAAAAAAAAAAAAAAAAAAAAAAAAAAAAAAAAAAAAAFAAAADwAAAABAAAAAAAAAICAgAoUAAAAAQAAABQAAAAUAAAAFAAAAAEAAAAAAAAAZAAAAGQAAAAAAAAAZAAAAGQAAAAVAAAAYAAAAAAAAAAAAAAADwAAACADAAAAAAAAAAAAAAEAAACgMgAAVgcAAKr4//8BAAAAf39/AAEAAABkAAAAAAAAABQAAABAHwAAAAAAACYAAAAAAAAAwOD//wAAAAAmAAAAZAAAABYAAABMAAAAAAAAAAAAAAAEAAAAAAAAAAEAAACAgIAKAAAAACgAAAAoAAAAZAAAAGQAAAAAAAAAzMzMAAAAAABQAAAAUAAAAGQAAABkAAAAAAAAABcAAAAUAAAAAAAAAAAAAAD/fwAA/38AAAAAAAAJAAAABAAAAAAAAAAMAAAAEAAAAAAAAAAAAAAAAAAAAAAAAAAeAAAAaAAAAAAAAAAAAAAAAAAAAAAAAAAAAAAAECcAABAnAAAAAAAAAAAAAAAAAAAAAAAAAAAAAAAAAAAAAAAAAAAAABQAAAAAAAAAwMD/AAAAAABkAAAAMgAAAAAAAABkAAAAAAAAAH9/fwAKAAAAHwAAAFQAAAAAAAAA////AQAAAAAAAAAAAAAAAAAAAAAAAAAAAAAAAAAAAAAAAAAAgICAA39/fwCAgIADzMzMAMDA/wB/f38AAAAAAAAAAAAAAAAAAAAAAAAAAAAhAAAAGAAAABQAAAAsAQAA3yIAAJEOAACjJAAAEAAAACYAAAAIAAAA//////////8="/>
+                <pr:smNativeData xmlns:pr="smNativeData" val="SMDATA_13_ahOSXxMAAAAlAAAAZAAAAA8BAAAAkAAAAEgAAACQAAAASAAAAAAAAAAAAAAAAAAAAAEAAABQAAAAAAAAAAAA4D8AAAAAAADgPwAAAAAAAOA/AAAAAAAA4D8AAAAAAADgPwAAAAAAAOA/AAAAAAAA4D8AAAAAAADgPwAAAAAAAOA/AAAAAAAA4D8CAAAAjAAAAAAAAAAAAAAAAAAAAP///wgAAAAAAAAAAAAAAAAAAAAAAAAAAAAAAAAAAAAAZAAAAAEAAABAAAAAAAAAAAAAAAAAAAAAAAAAAAAAAAAAAAAAAAAAAAAAAAAAAAAAAAAAAAAAAAAAAAAAAAAAAAAAAAAAAAAAAAAAAAAAAAAAAAAAAAAAAAAAAAAAAAAAFAAAADwAAAABAAAAAAAAAICAgAoUAAAAAQAAABQAAAAUAAAAFAAAAAEAAAAAAAAAZAAAAGQAAAAAAAAAZAAAAGQAAAAVAAAAYAAAAAAAAAAAAAAADwAAACADAAAAAAAAAAAAAAEAAACgMgAAVgcAAKr4//8BAAAAf39/AAEAAABkAAAAAAAAABQAAABAHwAAAAAAACYAAAAAAAAAwOD//wAAAAAmAAAAZAAAABYAAABMAAAAAAAAAAAAAAAEAAAAAAAAAAEAAACAgIAKAAAAACgAAAAoAAAAZAAAAGQAAAAAAAAAzMzMAAAAAABQAAAAUAAAAGQAAABkAAAAAAAAABcAAAAUAAAAAAAAAAAAAAD/fwAA/38AAAAAAAAJAAAABAAAAAAAAAAMAAAAEAAAAAAAAAAAAAAAAAAAAAAAAAAeAAAAaAAAAAAAAAAAAAAAAAAAAAAAAAAAAAAAECcAABAnAAAAAAAAAAAAAAAAAAAAAAAAAAAAAAAAAAAAAAAAAAAAABQAAAAAAAAAwMD/AAAAAABkAAAAMgAAAAAAAABkAAAAAAAAAH9/fwAKAAAAHwAAAFQAAAAAAAAA////AQAAAAAAAAAAAAAAAAAAAAAAAAAAAAAAAAAAAAAAAAAAgICAA39/fwCAgIADzMzMAMDA/wB/f38AAAAAAAAAAAAAAAAAAAAAAAAAAAAhAAAAGAAAABQAAAAsAQAA3yIAAJEOAACjJAAAEAAAACYAAAAIAAAA//////////8="/>
               </a:ext>
             </a:extLst>
           </p:cNvSpPr>
@@ -4160,7 +4124,7 @@
           <p:cNvSpPr txBox="1">
             <a:extLst>
               <a:ext uri="smNativeData">
-                <pr:smNativeData xmlns:pr="smNativeData" val="SMDATA_13_3GgiXxMAAAAlAAAAEgAAAE8BAAAAkAAAAEgAAACQAAAASAAAAAAAAAAAAAAAAAAAAAEAAABQAAAAAAAAAAAA4D8AAAAAAADgPwAAAAAAAOA/AAAAAAAA4D8AAAAAAADgPwAAAAAAAOA/AAAAAAAA4D8AAAAAAADgPwAAAAAAAOA/AAAAAAAA4D8CAAAAjAAAAAAAAAAAAAAAu+DjDP///wgAAAAAAAAAAAAAAAAAAAAAAAAAAAAAAAAAAAAAZAAAAAEAAABAAAAAAAAAAAAAAAAAAAAAAAAAAAAAAAAAAAAAAAAAAAAAAAAAAAAAAAAAAAAAAAAAAAAAAAAAAAAAAAAAAAAAAAAAAAAAAAAAAAAAAAAAAAAAAAAAAAAAFAAAADwAAAAAAAAAAAAAAAAAAAkUAAAAAQAAABQAAAAUAAAAFAAAAAEAAAAAAAAAZAAAAGQAAAAAAAAAZAAAAGQAAAAVAAAAYAAAAAAAAAAAAAAADwAAACADAAAAAAAAAAAAAAEAAACgMgAAVgcAAKr4//8BAAAAf39/AAEAAABkAAAAAAAAABQAAABAHwAAAAAAACYAAAAAAAAAwOD//wAAAAAmAAAAZAAAABYAAABMAAAAAAAAAAAAAAAEAAAAAAAAAAEAAACAgIAKAAAAACgAAAAoAAAAZAAAAGQAAAAAAAAAzMzMAAAAAABQAAAAUAAAAGQAAABkAAAAAAAAABcAAAAUAAAAAAAAANwIAAD/fwAA/38AAAAAAAAJAAAABAAAAPIA8gAMAAAAEAAAAAAAAAAAAAAAAAAAAAAAAAAeAAAAaAAAAAAAAAAAAAAAAAAAAAAAAAAAAAAAECcAABAnAAAAAAAAAAAAAAAAAAAAAAAAAAAAAAAAAAAAAAAAAAAAABQAAAAAAAAAwMD/AAAAAABkAAAAMgAAAAAAAABkAAAAAAAAAH9/fwAKAAAAHwAAAFQAAAC74OMF////AQAAAAAAAAAAAAAAAAAAAAAAAAAAAAAAAAAAAAAAAAAAAAAAAn9/fwCAgIADzMzMAMDA/wB/f38AAAAAAAAAAAAAAAAAAAAAAAAAAAAhAAAAGAAAABQAAADFAQAAxAEAACwoAAAEBAAAECAAACYAAAAIAAAA//////////8="/>
+                <pr:smNativeData xmlns:pr="smNativeData" val="SMDATA_13_ahOSXxMAAAAlAAAAEgAAAE8BAAAAkAAAAEgAAACQAAAASAAAAAAAAAAAAAAAAAAAAAEAAABQAAAAAAAAAAAA4D8AAAAAAADgPwAAAAAAAOA/AAAAAAAA4D8AAAAAAADgPwAAAAAAAOA/AAAAAAAA4D8AAAAAAADgPwAAAAAAAOA/AAAAAAAA4D8CAAAAjAAAAAAAAAAAAAAAu+DjDP///wgAAAAAAAAAAAAAAAAAAAAAAAAAAAAAAAAAAAAAZAAAAAEAAABAAAAAAAAAAAAAAAAAAAAAAAAAAAAAAAAAAAAAAAAAAAAAAAAAAAAAAAAAAAAAAAAAAAAAAAAAAAAAAAAAAAAAAAAAAAAAAAAAAAAAAAAAAAAAAAAAAAAAFAAAADwAAAAAAAAAAAAAAAAAAAkUAAAAAQAAABQAAAAUAAAAFAAAAAEAAAAAAAAAZAAAAGQAAAAAAAAAZAAAAGQAAAAVAAAAYAAAAAAAAAAAAAAADwAAACADAAAAAAAAAAAAAAEAAACgMgAAVgcAAKr4//8BAAAAf39/AAEAAABkAAAAAAAAABQAAABAHwAAAAAAACYAAAAAAAAAwOD//wAAAAAmAAAAZAAAABYAAABMAAAAAAAAAAAAAAAEAAAAAAAAAAEAAACAgIAKAAAAACgAAAAoAAAAZAAAAGQAAAAAAAAAzMzMAAAAAABQAAAAUAAAAGQAAABkAAAAAAAAABcAAAAUAAAAAAAAANwIAAD/fwAA/38AAAAAAAAJAAAABAAAAPIA8gAMAAAAEAAAAAAAAAAAAAAAAAAAAAAAAAAeAAAAaAAAAAAAAAAAAAAAAAAAAAAAAAAAAAAAECcAABAnAAAAAAAAAAAAAAAAAAAAAAAAAAAAAAAAAAAAAAAAAAAAABQAAAAAAAAAwMD/AAAAAABkAAAAMgAAAAAAAABkAAAAAAAAAH9/fwAKAAAAHwAAAFQAAAC74OMF////AQAAAAAAAAAAAAAAAAAAAAAAAAAAAAAAAAAAAAAAAAAAAAAAAn9/fwCAgIADzMzMAMDA/wB/f38AAAAAAAAAAAAAAAAAAAAAAAAAAAAhAAAAGAAAABQAAADFAQAAxAEAACwoAAAEBAAAECAAACYAAAAIAAAA//////////8="/>
               </a:ext>
             </a:extLst>
           </p:cNvSpPr>
@@ -4229,29 +4193,22 @@
           <a:chExt cx="0" cy="0"/>
         </a:xfrm>
       </p:grpSpPr>
-      <p:pic>
-        <p:nvPicPr>
-          <p:cNvPr id="2" name="画像1"/>
-          <p:cNvPicPr>
-            <a:picLocks noChangeAspect="1"/>
-            <a:extLst>
-              <a:ext uri="smNativeData">
-                <pr:smNativeData xmlns:pr="smNativeData" val="SMDATA_15_3GgiXxMAAAAlAAAAEQAAAC8BAAAAkAAAAEgAAACQAAAASAAAAAAAAAAAAAAAAAAAAAEAAABQAAAAAAAAAAAA4D8AAAAAAADgPwAAAAAAAOA/AAAAAAAA4D8AAAAAAADgPwAAAAAAAOA/AAAAAAAA4D8AAAAAAADgPwAAAAAAAOA/AAAAAAAA4D8CAAAAjAAAAAAAAAAAAAAAu+DjDP///wgAAAAAAAAAAAAAAAAAAAAAAAAAAAAAAAAAAAAAZAAAAAEAAABAAAAAAAAAAAAAAAAAAAAAAAAAAAAAAAAAAAAAAAAAAAAAAAAAAAAAAAAAAAAAAAAAAAAAAAAAAAAAAAAAAAAAAAAAAAAAAAAAAAAAAAAAAAAAAAAAAAAAFAAAADwAAAAAAAAAAAAAAAAAAAkUAAAAAQAAABQAAAAUAAAAFAAAAAEAAAAAAAAAZAAAAGQAAAAAAAAAZAAAAGQAAAAVAAAAYAAAAAAAAAAAAAAADwAAACADAAAAAAAAAAAAAAEAAACgMgAAVgcAAKr4//8BAAAAf39/AAEAAABkAAAAAAAAABQAAABAHwAAAAAAACYAAAAAAAAAwOD//wAAAAAmAAAAZAAAABYAAABMAAAAAAAAAAAAAAAEAAAAAAAAAAEAAACAgIAKAAAAACgAAAAoAAAAZAAAAGQAAAAAAAAAzMzMAAAAAABQAAAAUAAAAGQAAABkAAAAAAAAAAcAAAA4AAAAAAAAAAAAAAAAAAAA////AAAAAAAAAAAAAAAAAAAAAAAAAAAAAAAAAAAAAABkAAAAZAAAAAAAAAAjAAAABAAAAGQAAAAXAAAAFAAAAAAAAAAAAAAA/38AAP9/AAAAAAAACQAAAAQAAAAAAAAADAAAABAAAAAAAAAAAAAAAAAAAAAAAAAAHgAAAGgAAAAAAAAAAAAAAAAAAAAAAAAAAAAAABAnAAAQJwAAAAAAAAAAAAAAAAAAAAAAAAAAAAAAAAAAAAAAAAAAAAAUAAAAAAAAAMDA/wAAAAAAZAAAADIAAAAAAAAAZAAAAAAAAAB/f38ACgAAAB8AAABUAAAAu+DjBf///wEAAAAAAAAAAAAAAAAAAAAAAAAAAAAAAAAAAAAAAAAAAAAAAAJ/f38AgICAA8zMzADAwP8Af39/AAAAAAAAAAAAAAAAAP///wAAAAAAIQAAABgAAAAUAAAAUQAAAEUCAABmQQAAvisAAAAAAAAmAAAACAAAAP//////////"/>
-              </a:ext>
-            </a:extLst>
-          </p:cNvPicPr>
+      <p:sp>
+        <p:nvSpPr>
+          <p:cNvPr id="2" name="テキストボックス1"/>
+          <p:cNvSpPr txBox="1">
+            <a:extLst>
+              <a:ext uri="smNativeData">
+                <pr:smNativeData xmlns:pr="smNativeData" val="SMDATA_13_ahOSXxMAAAAlAAAAEgAAAE8BAAAAkAAAAEgAAACQAAAASAAAAAAAAAAAAAAAAAAAAAEAAABQAAAAAAAAAAAA4D8AAAAAAADgPwAAAAAAAOA/AAAAAAAA4D8AAAAAAADgPwAAAAAAAOA/AAAAAAAA4D8AAAAAAADgPwAAAAAAAOA/AAAAAAAA4D8CAAAAjAAAAAAAAAAAAAAAu+DjDP///wgAAAAAAAAAAAAAAAAAAAAAAAAAAAAAAAAAAAAAZAAAAAEAAABAAAAAAAAAAAAAAAAAAAAAAAAAAAAAAAAAAAAAAAAAAAAAAAAAAAAAAAAAAAAAAAAAAAAAAAAAAAAAAAAAAAAAAAAAAAAAAAAAAAAAAAAAAAAAAAAAAAAAFAAAADwAAAAAAAAAAAAAAAAAAAkUAAAAAQAAABQAAAAUAAAAFAAAAAEAAAAAAAAAZAAAAGQAAAAAAAAAZAAAAGQAAAAVAAAAYAAAAAAAAAAAAAAADwAAACADAAAAAAAAAAAAAAEAAACgMgAAVgcAAKr4//8BAAAAf39/AAEAAABkAAAAAAAAABQAAABAHwAAAAAAACYAAAAAAAAAwOD//wAAAAAmAAAAZAAAABYAAABMAAAAAAAAAAAAAAAEAAAAAAAAAAEAAACAgIAKAAAAACgAAAAoAAAAZAAAAGQAAAAAAAAAzMzMAAAAAABQAAAAUAAAAGQAAABkAAAAAAAAABcAAAAUAAAAAAAAANwIAAD/fwAA/38AAAAAAAAJAAAABAAAAGMAIAAMAAAAEAAAAAAAAAAAAAAAAAAAAAAAAAAeAAAAaAAAAAAAAAAAAAAAAAAAAAAAAAAAAAAAECcAABAnAAAAAAAAAAAAAAAAAAAAAAAAAAAAAAAAAAAAAAAAAAAAABQAAAAAAAAAwMD/AAAAAABkAAAAMgAAAAAAAABkAAAAAAAAAH9/fwAKAAAAHwAAAFQAAAC74OMF////AQAAAAAAAAAAAAAAAAAAAAAAAAAAAAAAAAAAAAAAAAAAAAAAAn9/fwCAgIADzMzMAMDA/wB/f38AAAAAAAAAAAAAAAAAAAAAAAAAAAAhAAAAGAAAABQAAAAYAwAAagQAAK8+AACqIQAAACAAACYAAAAIAAAA//////////8="/>
+              </a:ext>
+            </a:extLst>
+          </p:cNvSpPr>
           <p:nvPr/>
-        </p:nvPicPr>
-        <p:blipFill>
-          <a:blip r:embed="rId2"/>
-          <a:stretch>
-            <a:fillRect/>
-          </a:stretch>
-        </p:blipFill>
+        </p:nvSpPr>
         <p:spPr>
           <a:xfrm>
-            <a:off x="51435" y="368935"/>
-            <a:ext cx="10579735" cy="6741795"/>
+            <a:off x="502920" y="717550"/>
+            <a:ext cx="9686925" cy="4754880"/>
           </a:xfrm>
           <a:prstGeom prst="rect">
             <a:avLst/>
@@ -4262,7 +4219,194 @@
           </a:ln>
           <a:effectLst/>
         </p:spPr>
-      </p:pic>
+        <p:txBody>
+          <a:bodyPr vert="horz" wrap="square" numCol="1" spcCol="215900" anchor="t"/>
+          <a:lstStyle/>
+          <a:p>
+            <a:pPr>
+              <a:defRPr b="1" u="sng">
+                <a:latin typeface="Meiryo UI" pitchFamily="3" charset="-128"/>
+                <a:ea typeface="Meiryo UI" pitchFamily="3" charset="-128"/>
+                <a:cs typeface="Meiryo UI" pitchFamily="3" charset="-128"/>
+              </a:defRPr>
+            </a:pPr>
+            <a:r>
+              <a:t>インストールディレクトリ</a:t>
+            </a:r>
+          </a:p>
+          <a:p>
+            <a:pPr>
+              <a:defRPr>
+                <a:latin typeface="Meiryo UI" pitchFamily="3" charset="-128"/>
+                <a:ea typeface="Meiryo UI" pitchFamily="3" charset="-128"/>
+                <a:cs typeface="Meiryo UI" pitchFamily="3" charset="-128"/>
+              </a:defRPr>
+            </a:pPr>
+          </a:p>
+          <a:p>
+            <a:pPr>
+              <a:defRPr>
+                <a:latin typeface="Meiryo UI" pitchFamily="3" charset="-128"/>
+                <a:ea typeface="Meiryo UI" pitchFamily="3" charset="-128"/>
+                <a:cs typeface="Meiryo UI" pitchFamily="3" charset="-128"/>
+              </a:defRPr>
+            </a:pPr>
+            <a:r>
+              <a:t>getconfigHome : getconfig インストールディレクトリ; c:\getconfig</a:t>
+            </a:r>
+          </a:p>
+          <a:p>
+            <a:pPr>
+              <a:defRPr>
+                <a:latin typeface="Meiryo UI" pitchFamily="3" charset="-128"/>
+                <a:ea typeface="Meiryo UI" pitchFamily="3" charset="-128"/>
+                <a:cs typeface="Meiryo UI" pitchFamily="3" charset="-128"/>
+              </a:defRPr>
+            </a:pPr>
+            <a:r>
+              <a:t>baseNodeDir : {home}/node</a:t>
+            </a:r>
+          </a:p>
+          <a:p>
+            <a:pPr>
+              <a:defRPr>
+                <a:latin typeface="Meiryo UI" pitchFamily="3" charset="-128"/>
+                <a:ea typeface="Meiryo UI" pitchFamily="3" charset="-128"/>
+                <a:cs typeface="Meiryo UI" pitchFamily="3" charset="-128"/>
+              </a:defRPr>
+            </a:pPr>
+          </a:p>
+          <a:p>
+            <a:pPr>
+              <a:defRPr b="1" u="sng">
+                <a:latin typeface="Meiryo UI" pitchFamily="3" charset="-128"/>
+                <a:ea typeface="Meiryo UI" pitchFamily="3" charset="-128"/>
+                <a:cs typeface="Meiryo UI" pitchFamily="3" charset="-128"/>
+              </a:defRPr>
+            </a:pPr>
+            <a:r>
+              <a:t>プロジェクトディレクトリ</a:t>
+            </a:r>
+          </a:p>
+          <a:p>
+            <a:pPr>
+              <a:defRPr>
+                <a:latin typeface="Meiryo UI" pitchFamily="3" charset="-128"/>
+                <a:ea typeface="Meiryo UI" pitchFamily="3" charset="-128"/>
+                <a:cs typeface="Meiryo UI" pitchFamily="3" charset="-128"/>
+              </a:defRPr>
+            </a:pPr>
+          </a:p>
+          <a:p>
+            <a:pPr>
+              <a:defRPr>
+                <a:latin typeface="Meiryo UI" pitchFamily="3" charset="-128"/>
+                <a:ea typeface="Meiryo UI" pitchFamily="3" charset="-128"/>
+                <a:cs typeface="Meiryo UI" pitchFamily="3" charset="-128"/>
+              </a:defRPr>
+            </a:pPr>
+            <a:r>
+              <a:t>projectHome : カレントディレクトリ</a:t>
+            </a:r>
+          </a:p>
+          <a:p>
+            <a:pPr>
+              <a:defRPr>
+                <a:latin typeface="Meiryo UI" pitchFamily="3" charset="-128"/>
+                <a:ea typeface="Meiryo UI" pitchFamily="3" charset="-128"/>
+                <a:cs typeface="Meiryo UI" pitchFamily="3" charset="-128"/>
+              </a:defRPr>
+            </a:pPr>
+            <a:r>
+              <a:t>projectLogDir : src/test/resources/inventory</a:t>
+            </a:r>
+          </a:p>
+          <a:p>
+            <a:pPr>
+              <a:defRPr>
+                <a:latin typeface="Meiryo UI" pitchFamily="3" charset="-128"/>
+                <a:ea typeface="Meiryo UI" pitchFamily="3" charset="-128"/>
+                <a:cs typeface="Meiryo UI" pitchFamily="3" charset="-128"/>
+              </a:defRPr>
+            </a:pPr>
+            <a:r>
+              <a:t>projectNodeDir : node</a:t>
+            </a:r>
+          </a:p>
+          <a:p>
+            <a:pPr>
+              <a:defRPr>
+                <a:latin typeface="Meiryo UI" pitchFamily="3" charset="-128"/>
+                <a:ea typeface="Meiryo UI" pitchFamily="3" charset="-128"/>
+                <a:cs typeface="Meiryo UI" pitchFamily="3" charset="-128"/>
+              </a:defRPr>
+            </a:pPr>
+          </a:p>
+          <a:p>
+            <a:pPr>
+              <a:defRPr b="1" u="sng">
+                <a:latin typeface="Meiryo UI" pitchFamily="3" charset="-128"/>
+                <a:ea typeface="Meiryo UI" pitchFamily="3" charset="-128"/>
+                <a:cs typeface="Meiryo UI" pitchFamily="3" charset="-128"/>
+              </a:defRPr>
+            </a:pPr>
+            <a:r>
+              <a:t>ワークディレクトリ(作業用)</a:t>
+            </a:r>
+          </a:p>
+          <a:p>
+            <a:pPr>
+              <a:defRPr>
+                <a:latin typeface="Meiryo UI" pitchFamily="3" charset="-128"/>
+                <a:ea typeface="Meiryo UI" pitchFamily="3" charset="-128"/>
+                <a:cs typeface="Meiryo UI" pitchFamily="3" charset="-128"/>
+              </a:defRPr>
+            </a:pPr>
+          </a:p>
+          <a:p>
+            <a:pPr>
+              <a:defRPr>
+                <a:latin typeface="Meiryo UI" pitchFamily="3" charset="-128"/>
+                <a:ea typeface="Meiryo UI" pitchFamily="3" charset="-128"/>
+                <a:cs typeface="Meiryo UI" pitchFamily="3" charset="-128"/>
+              </a:defRPr>
+            </a:pPr>
+            <a:r>
+              <a:t>currentLogDir : build/log</a:t>
+            </a:r>
+          </a:p>
+          <a:p>
+            <a:pPr>
+              <a:defRPr>
+                <a:latin typeface="Meiryo UI" pitchFamily="3" charset="-128"/>
+                <a:ea typeface="Meiryo UI" pitchFamily="3" charset="-128"/>
+                <a:cs typeface="Meiryo UI" pitchFamily="3" charset="-128"/>
+              </a:defRPr>
+            </a:pPr>
+            <a:r>
+              <a:t>currentNodeDir : build/node</a:t>
+            </a:r>
+          </a:p>
+          <a:p>
+            <a:pPr>
+              <a:defRPr>
+                <a:latin typeface="Meiryo UI" pitchFamily="3" charset="-128"/>
+                <a:ea typeface="Meiryo UI" pitchFamily="3" charset="-128"/>
+                <a:cs typeface="Meiryo UI" pitchFamily="3" charset="-128"/>
+              </a:defRPr>
+            </a:pPr>
+          </a:p>
+          <a:p>
+            <a:pPr>
+              <a:defRPr>
+                <a:latin typeface="Meiryo UI" pitchFamily="3" charset="-128"/>
+                <a:ea typeface="Meiryo UI" pitchFamily="3" charset="-128"/>
+                <a:cs typeface="Meiryo UI" pitchFamily="3" charset="-128"/>
+              </a:defRPr>
+            </a:pPr>
+          </a:p>
+        </p:txBody>
+      </p:sp>
     </p:spTree>
   </p:cSld>
   <p:clrMapOvr>
@@ -5144,6 +5288,47 @@
       </a:clrScheme>
       <a:clrMap bg1="lt1" tx1="dk1" bg2="lt2" tx2="dk2" accent1="accent1" accent2="accent2" accent3="accent3" accent4="accent4" accent5="accent5" accent6="accent6" hlink="hlink" folHlink="folHlink"/>
     </a:extraClrScheme>
+    <a:extraClrScheme>
+      <a:clrScheme name="Presentation 16">
+        <a:dk1>
+          <a:srgbClr val="000000"/>
+        </a:dk1>
+        <a:lt1>
+          <a:srgbClr val="FFFFFF"/>
+        </a:lt1>
+        <a:dk2>
+          <a:srgbClr val="000000"/>
+        </a:dk2>
+        <a:lt2>
+          <a:srgbClr val="808080"/>
+        </a:lt2>
+        <a:accent1>
+          <a:srgbClr val="BBE0E3"/>
+        </a:accent1>
+        <a:accent2>
+          <a:srgbClr val="333399"/>
+        </a:accent2>
+        <a:accent3>
+          <a:srgbClr val="535379"/>
+        </a:accent3>
+        <a:accent4>
+          <a:srgbClr val="737359"/>
+        </a:accent4>
+        <a:accent5>
+          <a:srgbClr val="939339"/>
+        </a:accent5>
+        <a:accent6>
+          <a:srgbClr val="B3B319"/>
+        </a:accent6>
+        <a:hlink>
+          <a:srgbClr val="009999"/>
+        </a:hlink>
+        <a:folHlink>
+          <a:srgbClr val="99CC00"/>
+        </a:folHlink>
+      </a:clrScheme>
+      <a:clrMap bg1="lt1" tx1="dk1" bg2="lt2" tx2="dk2" accent1="accent1" accent2="accent2" accent3="accent3" accent4="accent4" accent5="accent5" accent6="accent6" hlink="hlink" folHlink="folHlink"/>
+    </a:extraClrScheme>
   </a:extraClrSchemeLst>
 </a:theme>
 </file>